--- a/Java 9 and up.pptx
+++ b/Java 9 and up.pptx
@@ -4,8 +4,28 @@
   <p:sldMasterIdLst>
     <p:sldMasterId id="2147483648" r:id="rId1"/>
   </p:sldMasterIdLst>
+  <p:notesMasterIdLst>
+    <p:notesMasterId r:id="rId20"/>
+  </p:notesMasterIdLst>
   <p:sldIdLst>
     <p:sldId id="256" r:id="rId2"/>
+    <p:sldId id="257" r:id="rId3"/>
+    <p:sldId id="262" r:id="rId4"/>
+    <p:sldId id="258" r:id="rId5"/>
+    <p:sldId id="263" r:id="rId6"/>
+    <p:sldId id="279" r:id="rId7"/>
+    <p:sldId id="281" r:id="rId8"/>
+    <p:sldId id="280" r:id="rId9"/>
+    <p:sldId id="282" r:id="rId10"/>
+    <p:sldId id="259" r:id="rId11"/>
+    <p:sldId id="264" r:id="rId12"/>
+    <p:sldId id="260" r:id="rId13"/>
+    <p:sldId id="265" r:id="rId14"/>
+    <p:sldId id="261" r:id="rId15"/>
+    <p:sldId id="266" r:id="rId16"/>
+    <p:sldId id="294" r:id="rId17"/>
+    <p:sldId id="295" r:id="rId18"/>
+    <p:sldId id="297" r:id="rId19"/>
   </p:sldIdLst>
   <p:sldSz cx="12192000" cy="6858000"/>
   <p:notesSz cx="6858000" cy="9144000"/>
@@ -104,7 +124,1016 @@
       </a:defRPr>
     </a:lvl9pPr>
   </p:defaultTextStyle>
+  <p:extLst>
+    <p:ext uri="{521415D9-36F7-43E2-AB2F-B90AF26B5E84}">
+      <p14:sectionLst xmlns:p14="http://schemas.microsoft.com/office/powerpoint/2010/main">
+        <p14:section name="Default Section" id="{F7981D95-A24D-6B4B-986A-6F4D945DFF8A}">
+          <p14:sldIdLst>
+            <p14:sldId id="256"/>
+          </p14:sldIdLst>
+        </p14:section>
+        <p14:section name="Intro" id="{B76EDD19-1900-054D-8759-95FB1C80B870}">
+          <p14:sldIdLst>
+            <p14:sldId id="257"/>
+            <p14:sldId id="262"/>
+          </p14:sldIdLst>
+        </p14:section>
+        <p14:section name="Language Changes" id="{74C37D44-53E3-044C-A140-3147082DB633}">
+          <p14:sldIdLst>
+            <p14:sldId id="258"/>
+            <p14:sldId id="263"/>
+            <p14:sldId id="279"/>
+            <p14:sldId id="281"/>
+            <p14:sldId id="280"/>
+            <p14:sldId id="282"/>
+          </p14:sldIdLst>
+        </p14:section>
+        <p14:section name="JDK" id="{4CD2E492-D05C-274B-A9E8-EE49CF21AC54}">
+          <p14:sldIdLst>
+            <p14:sldId id="259"/>
+            <p14:sldId id="264"/>
+          </p14:sldIdLst>
+        </p14:section>
+        <p14:section name="Tooling" id="{0CCF7B50-C21A-724A-BAC0-E3B2FC4E5D6B}">
+          <p14:sldIdLst>
+            <p14:sldId id="260"/>
+            <p14:sldId id="265"/>
+          </p14:sldIdLst>
+        </p14:section>
+        <p14:section name="Runtime" id="{6F3055AC-0052-9C41-9321-047244E67447}">
+          <p14:sldIdLst>
+            <p14:sldId id="261"/>
+            <p14:sldId id="266"/>
+          </p14:sldIdLst>
+        </p14:section>
+        <p14:section name="Epilogue" id="{9AFE8509-BD94-3E43-AA8C-0514A59DB3E6}">
+          <p14:sldIdLst>
+            <p14:sldId id="294"/>
+            <p14:sldId id="295"/>
+            <p14:sldId id="297"/>
+          </p14:sldIdLst>
+        </p14:section>
+      </p14:sectionLst>
+    </p:ext>
+    <p:ext uri="{EFAFB233-063F-42B5-8137-9DF3F51BA10A}">
+      <p15:sldGuideLst xmlns:p15="http://schemas.microsoft.com/office/powerpoint/2012/main"/>
+    </p:ext>
+  </p:extLst>
 </p:presentation>
+</file>
+
+<file path=ppt/notesMasters/notesMaster1.xml><?xml version="1.0" encoding="utf-8"?>
+<p:notesMaster xmlns:a="http://schemas.openxmlformats.org/drawingml/2006/main" xmlns:r="http://schemas.openxmlformats.org/officeDocument/2006/relationships" xmlns:p="http://schemas.openxmlformats.org/presentationml/2006/main">
+  <p:cSld>
+    <p:bg>
+      <p:bgRef idx="1001">
+        <a:schemeClr val="bg1"/>
+      </p:bgRef>
+    </p:bg>
+    <p:spTree>
+      <p:nvGrpSpPr>
+        <p:cNvPr id="1" name=""/>
+        <p:cNvGrpSpPr/>
+        <p:nvPr/>
+      </p:nvGrpSpPr>
+      <p:grpSpPr>
+        <a:xfrm>
+          <a:off x="0" y="0"/>
+          <a:ext cx="0" cy="0"/>
+          <a:chOff x="0" y="0"/>
+          <a:chExt cx="0" cy="0"/>
+        </a:xfrm>
+      </p:grpSpPr>
+      <p:sp>
+        <p:nvSpPr>
+          <p:cNvPr id="2" name="Header Placeholder 1"/>
+          <p:cNvSpPr>
+            <a:spLocks noGrp="1"/>
+          </p:cNvSpPr>
+          <p:nvPr>
+            <p:ph type="hdr" sz="quarter"/>
+          </p:nvPr>
+        </p:nvSpPr>
+        <p:spPr>
+          <a:xfrm>
+            <a:off x="0" y="0"/>
+            <a:ext cx="2971800" cy="458788"/>
+          </a:xfrm>
+          <a:prstGeom prst="rect">
+            <a:avLst/>
+          </a:prstGeom>
+        </p:spPr>
+        <p:txBody>
+          <a:bodyPr vert="horz" lIns="91440" tIns="45720" rIns="91440" bIns="45720" rtlCol="0"/>
+          <a:lstStyle>
+            <a:lvl1pPr algn="l">
+              <a:defRPr sz="1200"/>
+            </a:lvl1pPr>
+          </a:lstStyle>
+          <a:p>
+            <a:endParaRPr lang="en-US"/>
+          </a:p>
+        </p:txBody>
+      </p:sp>
+      <p:sp>
+        <p:nvSpPr>
+          <p:cNvPr id="3" name="Date Placeholder 2"/>
+          <p:cNvSpPr>
+            <a:spLocks noGrp="1"/>
+          </p:cNvSpPr>
+          <p:nvPr>
+            <p:ph type="dt" idx="1"/>
+          </p:nvPr>
+        </p:nvSpPr>
+        <p:spPr>
+          <a:xfrm>
+            <a:off x="3884613" y="0"/>
+            <a:ext cx="2971800" cy="458788"/>
+          </a:xfrm>
+          <a:prstGeom prst="rect">
+            <a:avLst/>
+          </a:prstGeom>
+        </p:spPr>
+        <p:txBody>
+          <a:bodyPr vert="horz" lIns="91440" tIns="45720" rIns="91440" bIns="45720" rtlCol="0"/>
+          <a:lstStyle>
+            <a:lvl1pPr algn="r">
+              <a:defRPr sz="1200"/>
+            </a:lvl1pPr>
+          </a:lstStyle>
+          <a:p>
+            <a:fld id="{77CD94AE-9584-5947-AE03-C43CD4CBFEED}" type="datetimeFigureOut">
+              <a:rPr lang="en-US" smtClean="0"/>
+              <a:t>12/28/20</a:t>
+            </a:fld>
+            <a:endParaRPr lang="en-US"/>
+          </a:p>
+        </p:txBody>
+      </p:sp>
+      <p:sp>
+        <p:nvSpPr>
+          <p:cNvPr id="4" name="Slide Image Placeholder 3"/>
+          <p:cNvSpPr>
+            <a:spLocks noGrp="1" noRot="1" noChangeAspect="1"/>
+          </p:cNvSpPr>
+          <p:nvPr>
+            <p:ph type="sldImg" idx="2"/>
+          </p:nvPr>
+        </p:nvSpPr>
+        <p:spPr>
+          <a:xfrm>
+            <a:off x="685800" y="1143000"/>
+            <a:ext cx="5486400" cy="3086100"/>
+          </a:xfrm>
+          <a:prstGeom prst="rect">
+            <a:avLst/>
+          </a:prstGeom>
+          <a:noFill/>
+          <a:ln w="12700">
+            <a:solidFill>
+              <a:prstClr val="black"/>
+            </a:solidFill>
+          </a:ln>
+        </p:spPr>
+        <p:txBody>
+          <a:bodyPr vert="horz" lIns="91440" tIns="45720" rIns="91440" bIns="45720" rtlCol="0" anchor="ctr"/>
+          <a:lstStyle/>
+          <a:p>
+            <a:endParaRPr lang="en-US"/>
+          </a:p>
+        </p:txBody>
+      </p:sp>
+      <p:sp>
+        <p:nvSpPr>
+          <p:cNvPr id="5" name="Notes Placeholder 4"/>
+          <p:cNvSpPr>
+            <a:spLocks noGrp="1"/>
+          </p:cNvSpPr>
+          <p:nvPr>
+            <p:ph type="body" sz="quarter" idx="3"/>
+          </p:nvPr>
+        </p:nvSpPr>
+        <p:spPr>
+          <a:xfrm>
+            <a:off x="685800" y="4400550"/>
+            <a:ext cx="5486400" cy="3600450"/>
+          </a:xfrm>
+          <a:prstGeom prst="rect">
+            <a:avLst/>
+          </a:prstGeom>
+        </p:spPr>
+        <p:txBody>
+          <a:bodyPr vert="horz" lIns="91440" tIns="45720" rIns="91440" bIns="45720" rtlCol="0"/>
+          <a:lstStyle/>
+          <a:p>
+            <a:pPr lvl="0"/>
+            <a:r>
+              <a:rPr lang="en-US"/>
+              <a:t>Click to edit Master text styles</a:t>
+            </a:r>
+          </a:p>
+          <a:p>
+            <a:pPr lvl="1"/>
+            <a:r>
+              <a:rPr lang="en-US"/>
+              <a:t>Second level</a:t>
+            </a:r>
+          </a:p>
+          <a:p>
+            <a:pPr lvl="2"/>
+            <a:r>
+              <a:rPr lang="en-US"/>
+              <a:t>Third level</a:t>
+            </a:r>
+          </a:p>
+          <a:p>
+            <a:pPr lvl="3"/>
+            <a:r>
+              <a:rPr lang="en-US"/>
+              <a:t>Fourth level</a:t>
+            </a:r>
+          </a:p>
+          <a:p>
+            <a:pPr lvl="4"/>
+            <a:r>
+              <a:rPr lang="en-US"/>
+              <a:t>Fifth level</a:t>
+            </a:r>
+          </a:p>
+        </p:txBody>
+      </p:sp>
+      <p:sp>
+        <p:nvSpPr>
+          <p:cNvPr id="6" name="Footer Placeholder 5"/>
+          <p:cNvSpPr>
+            <a:spLocks noGrp="1"/>
+          </p:cNvSpPr>
+          <p:nvPr>
+            <p:ph type="ftr" sz="quarter" idx="4"/>
+          </p:nvPr>
+        </p:nvSpPr>
+        <p:spPr>
+          <a:xfrm>
+            <a:off x="0" y="8685213"/>
+            <a:ext cx="2971800" cy="458787"/>
+          </a:xfrm>
+          <a:prstGeom prst="rect">
+            <a:avLst/>
+          </a:prstGeom>
+        </p:spPr>
+        <p:txBody>
+          <a:bodyPr vert="horz" lIns="91440" tIns="45720" rIns="91440" bIns="45720" rtlCol="0" anchor="b"/>
+          <a:lstStyle>
+            <a:lvl1pPr algn="l">
+              <a:defRPr sz="1200"/>
+            </a:lvl1pPr>
+          </a:lstStyle>
+          <a:p>
+            <a:endParaRPr lang="en-US"/>
+          </a:p>
+        </p:txBody>
+      </p:sp>
+      <p:sp>
+        <p:nvSpPr>
+          <p:cNvPr id="7" name="Slide Number Placeholder 6"/>
+          <p:cNvSpPr>
+            <a:spLocks noGrp="1"/>
+          </p:cNvSpPr>
+          <p:nvPr>
+            <p:ph type="sldNum" sz="quarter" idx="5"/>
+          </p:nvPr>
+        </p:nvSpPr>
+        <p:spPr>
+          <a:xfrm>
+            <a:off x="3884613" y="8685213"/>
+            <a:ext cx="2971800" cy="458787"/>
+          </a:xfrm>
+          <a:prstGeom prst="rect">
+            <a:avLst/>
+          </a:prstGeom>
+        </p:spPr>
+        <p:txBody>
+          <a:bodyPr vert="horz" lIns="91440" tIns="45720" rIns="91440" bIns="45720" rtlCol="0" anchor="b"/>
+          <a:lstStyle>
+            <a:lvl1pPr algn="r">
+              <a:defRPr sz="1200"/>
+            </a:lvl1pPr>
+          </a:lstStyle>
+          <a:p>
+            <a:fld id="{04A691DF-99D8-2A4F-A43E-F57D41F45428}" type="slidenum">
+              <a:rPr lang="en-US" smtClean="0"/>
+              <a:t>‹#›</a:t>
+            </a:fld>
+            <a:endParaRPr lang="en-US"/>
+          </a:p>
+        </p:txBody>
+      </p:sp>
+    </p:spTree>
+    <p:extLst>
+      <p:ext uri="{BB962C8B-B14F-4D97-AF65-F5344CB8AC3E}">
+        <p14:creationId xmlns:p14="http://schemas.microsoft.com/office/powerpoint/2010/main" val="2559207772"/>
+      </p:ext>
+    </p:extLst>
+  </p:cSld>
+  <p:clrMap bg1="lt1" tx1="dk1" bg2="lt2" tx2="dk2" accent1="accent1" accent2="accent2" accent3="accent3" accent4="accent4" accent5="accent5" accent6="accent6" hlink="hlink" folHlink="folHlink"/>
+  <p:notesStyle>
+    <a:lvl1pPr marL="0" algn="l" defTabSz="914400" rtl="0" eaLnBrk="1" latinLnBrk="0" hangingPunct="1">
+      <a:defRPr sz="1200" kern="1200">
+        <a:solidFill>
+          <a:schemeClr val="tx1"/>
+        </a:solidFill>
+        <a:latin typeface="+mn-lt"/>
+        <a:ea typeface="+mn-ea"/>
+        <a:cs typeface="+mn-cs"/>
+      </a:defRPr>
+    </a:lvl1pPr>
+    <a:lvl2pPr marL="457200" algn="l" defTabSz="914400" rtl="0" eaLnBrk="1" latinLnBrk="0" hangingPunct="1">
+      <a:defRPr sz="1200" kern="1200">
+        <a:solidFill>
+          <a:schemeClr val="tx1"/>
+        </a:solidFill>
+        <a:latin typeface="+mn-lt"/>
+        <a:ea typeface="+mn-ea"/>
+        <a:cs typeface="+mn-cs"/>
+      </a:defRPr>
+    </a:lvl2pPr>
+    <a:lvl3pPr marL="914400" algn="l" defTabSz="914400" rtl="0" eaLnBrk="1" latinLnBrk="0" hangingPunct="1">
+      <a:defRPr sz="1200" kern="1200">
+        <a:solidFill>
+          <a:schemeClr val="tx1"/>
+        </a:solidFill>
+        <a:latin typeface="+mn-lt"/>
+        <a:ea typeface="+mn-ea"/>
+        <a:cs typeface="+mn-cs"/>
+      </a:defRPr>
+    </a:lvl3pPr>
+    <a:lvl4pPr marL="1371600" algn="l" defTabSz="914400" rtl="0" eaLnBrk="1" latinLnBrk="0" hangingPunct="1">
+      <a:defRPr sz="1200" kern="1200">
+        <a:solidFill>
+          <a:schemeClr val="tx1"/>
+        </a:solidFill>
+        <a:latin typeface="+mn-lt"/>
+        <a:ea typeface="+mn-ea"/>
+        <a:cs typeface="+mn-cs"/>
+      </a:defRPr>
+    </a:lvl4pPr>
+    <a:lvl5pPr marL="1828800" algn="l" defTabSz="914400" rtl="0" eaLnBrk="1" latinLnBrk="0" hangingPunct="1">
+      <a:defRPr sz="1200" kern="1200">
+        <a:solidFill>
+          <a:schemeClr val="tx1"/>
+        </a:solidFill>
+        <a:latin typeface="+mn-lt"/>
+        <a:ea typeface="+mn-ea"/>
+        <a:cs typeface="+mn-cs"/>
+      </a:defRPr>
+    </a:lvl5pPr>
+    <a:lvl6pPr marL="2286000" algn="l" defTabSz="914400" rtl="0" eaLnBrk="1" latinLnBrk="0" hangingPunct="1">
+      <a:defRPr sz="1200" kern="1200">
+        <a:solidFill>
+          <a:schemeClr val="tx1"/>
+        </a:solidFill>
+        <a:latin typeface="+mn-lt"/>
+        <a:ea typeface="+mn-ea"/>
+        <a:cs typeface="+mn-cs"/>
+      </a:defRPr>
+    </a:lvl6pPr>
+    <a:lvl7pPr marL="2743200" algn="l" defTabSz="914400" rtl="0" eaLnBrk="1" latinLnBrk="0" hangingPunct="1">
+      <a:defRPr sz="1200" kern="1200">
+        <a:solidFill>
+          <a:schemeClr val="tx1"/>
+        </a:solidFill>
+        <a:latin typeface="+mn-lt"/>
+        <a:ea typeface="+mn-ea"/>
+        <a:cs typeface="+mn-cs"/>
+      </a:defRPr>
+    </a:lvl7pPr>
+    <a:lvl8pPr marL="3200400" algn="l" defTabSz="914400" rtl="0" eaLnBrk="1" latinLnBrk="0" hangingPunct="1">
+      <a:defRPr sz="1200" kern="1200">
+        <a:solidFill>
+          <a:schemeClr val="tx1"/>
+        </a:solidFill>
+        <a:latin typeface="+mn-lt"/>
+        <a:ea typeface="+mn-ea"/>
+        <a:cs typeface="+mn-cs"/>
+      </a:defRPr>
+    </a:lvl8pPr>
+    <a:lvl9pPr marL="3657600" algn="l" defTabSz="914400" rtl="0" eaLnBrk="1" latinLnBrk="0" hangingPunct="1">
+      <a:defRPr sz="1200" kern="1200">
+        <a:solidFill>
+          <a:schemeClr val="tx1"/>
+        </a:solidFill>
+        <a:latin typeface="+mn-lt"/>
+        <a:ea typeface="+mn-ea"/>
+        <a:cs typeface="+mn-cs"/>
+      </a:defRPr>
+    </a:lvl9pPr>
+  </p:notesStyle>
+</p:notesMaster>
+</file>
+
+<file path=ppt/notesSlides/notesSlide1.xml><?xml version="1.0" encoding="utf-8"?>
+<p:notes xmlns:a="http://schemas.openxmlformats.org/drawingml/2006/main" xmlns:r="http://schemas.openxmlformats.org/officeDocument/2006/relationships" xmlns:p="http://schemas.openxmlformats.org/presentationml/2006/main">
+  <p:cSld>
+    <p:spTree>
+      <p:nvGrpSpPr>
+        <p:cNvPr id="1" name=""/>
+        <p:cNvGrpSpPr/>
+        <p:nvPr/>
+      </p:nvGrpSpPr>
+      <p:grpSpPr>
+        <a:xfrm>
+          <a:off x="0" y="0"/>
+          <a:ext cx="0" cy="0"/>
+          <a:chOff x="0" y="0"/>
+          <a:chExt cx="0" cy="0"/>
+        </a:xfrm>
+      </p:grpSpPr>
+      <p:sp>
+        <p:nvSpPr>
+          <p:cNvPr id="2" name="Slide Image Placeholder 1"/>
+          <p:cNvSpPr>
+            <a:spLocks noGrp="1" noRot="1" noChangeAspect="1"/>
+          </p:cNvSpPr>
+          <p:nvPr>
+            <p:ph type="sldImg"/>
+          </p:nvPr>
+        </p:nvSpPr>
+        <p:spPr/>
+      </p:sp>
+      <p:sp>
+        <p:nvSpPr>
+          <p:cNvPr id="3" name="Notes Placeholder 2"/>
+          <p:cNvSpPr>
+            <a:spLocks noGrp="1"/>
+          </p:cNvSpPr>
+          <p:nvPr>
+            <p:ph type="body" idx="1"/>
+          </p:nvPr>
+        </p:nvSpPr>
+        <p:spPr/>
+        <p:txBody>
+          <a:bodyPr/>
+          <a:lstStyle/>
+          <a:p>
+            <a:endParaRPr lang="en-US" dirty="0"/>
+          </a:p>
+        </p:txBody>
+      </p:sp>
+      <p:sp>
+        <p:nvSpPr>
+          <p:cNvPr id="4" name="Slide Number Placeholder 3"/>
+          <p:cNvSpPr>
+            <a:spLocks noGrp="1"/>
+          </p:cNvSpPr>
+          <p:nvPr>
+            <p:ph type="sldNum" sz="quarter" idx="5"/>
+          </p:nvPr>
+        </p:nvSpPr>
+        <p:spPr/>
+        <p:txBody>
+          <a:bodyPr/>
+          <a:lstStyle/>
+          <a:p>
+            <a:fld id="{04A691DF-99D8-2A4F-A43E-F57D41F45428}" type="slidenum">
+              <a:rPr lang="en-US" smtClean="0"/>
+              <a:t>3</a:t>
+            </a:fld>
+            <a:endParaRPr lang="en-US"/>
+          </a:p>
+        </p:txBody>
+      </p:sp>
+    </p:spTree>
+    <p:extLst>
+      <p:ext uri="{BB962C8B-B14F-4D97-AF65-F5344CB8AC3E}">
+        <p14:creationId xmlns:p14="http://schemas.microsoft.com/office/powerpoint/2010/main" val="3760510811"/>
+      </p:ext>
+    </p:extLst>
+  </p:cSld>
+  <p:clrMapOvr>
+    <a:masterClrMapping/>
+  </p:clrMapOvr>
+</p:notes>
+</file>
+
+<file path=ppt/notesSlides/notesSlide2.xml><?xml version="1.0" encoding="utf-8"?>
+<p:notes xmlns:a="http://schemas.openxmlformats.org/drawingml/2006/main" xmlns:r="http://schemas.openxmlformats.org/officeDocument/2006/relationships" xmlns:p="http://schemas.openxmlformats.org/presentationml/2006/main">
+  <p:cSld>
+    <p:spTree>
+      <p:nvGrpSpPr>
+        <p:cNvPr id="1" name=""/>
+        <p:cNvGrpSpPr/>
+        <p:nvPr/>
+      </p:nvGrpSpPr>
+      <p:grpSpPr>
+        <a:xfrm>
+          <a:off x="0" y="0"/>
+          <a:ext cx="0" cy="0"/>
+          <a:chOff x="0" y="0"/>
+          <a:chExt cx="0" cy="0"/>
+        </a:xfrm>
+      </p:grpSpPr>
+      <p:sp>
+        <p:nvSpPr>
+          <p:cNvPr id="2" name="Slide Image Placeholder 1"/>
+          <p:cNvSpPr>
+            <a:spLocks noGrp="1" noRot="1" noChangeAspect="1"/>
+          </p:cNvSpPr>
+          <p:nvPr>
+            <p:ph type="sldImg"/>
+          </p:nvPr>
+        </p:nvSpPr>
+        <p:spPr/>
+      </p:sp>
+      <p:sp>
+        <p:nvSpPr>
+          <p:cNvPr id="3" name="Notes Placeholder 2"/>
+          <p:cNvSpPr>
+            <a:spLocks noGrp="1"/>
+          </p:cNvSpPr>
+          <p:nvPr>
+            <p:ph type="body" idx="1"/>
+          </p:nvPr>
+        </p:nvSpPr>
+        <p:spPr/>
+        <p:txBody>
+          <a:bodyPr/>
+          <a:lstStyle/>
+          <a:p>
+            <a:endParaRPr lang="en-US" dirty="0"/>
+          </a:p>
+        </p:txBody>
+      </p:sp>
+      <p:sp>
+        <p:nvSpPr>
+          <p:cNvPr id="4" name="Slide Number Placeholder 3"/>
+          <p:cNvSpPr>
+            <a:spLocks noGrp="1"/>
+          </p:cNvSpPr>
+          <p:nvPr>
+            <p:ph type="sldNum" sz="quarter" idx="5"/>
+          </p:nvPr>
+        </p:nvSpPr>
+        <p:spPr/>
+        <p:txBody>
+          <a:bodyPr/>
+          <a:lstStyle/>
+          <a:p>
+            <a:fld id="{04A691DF-99D8-2A4F-A43E-F57D41F45428}" type="slidenum">
+              <a:rPr lang="en-US" smtClean="0"/>
+              <a:t>5</a:t>
+            </a:fld>
+            <a:endParaRPr lang="en-US"/>
+          </a:p>
+        </p:txBody>
+      </p:sp>
+    </p:spTree>
+    <p:extLst>
+      <p:ext uri="{BB962C8B-B14F-4D97-AF65-F5344CB8AC3E}">
+        <p14:creationId xmlns:p14="http://schemas.microsoft.com/office/powerpoint/2010/main" val="3972942031"/>
+      </p:ext>
+    </p:extLst>
+  </p:cSld>
+  <p:clrMapOvr>
+    <a:masterClrMapping/>
+  </p:clrMapOvr>
+</p:notes>
+</file>
+
+<file path=ppt/notesSlides/notesSlide3.xml><?xml version="1.0" encoding="utf-8"?>
+<p:notes xmlns:a="http://schemas.openxmlformats.org/drawingml/2006/main" xmlns:r="http://schemas.openxmlformats.org/officeDocument/2006/relationships" xmlns:p="http://schemas.openxmlformats.org/presentationml/2006/main">
+  <p:cSld>
+    <p:spTree>
+      <p:nvGrpSpPr>
+        <p:cNvPr id="1" name=""/>
+        <p:cNvGrpSpPr/>
+        <p:nvPr/>
+      </p:nvGrpSpPr>
+      <p:grpSpPr>
+        <a:xfrm>
+          <a:off x="0" y="0"/>
+          <a:ext cx="0" cy="0"/>
+          <a:chOff x="0" y="0"/>
+          <a:chExt cx="0" cy="0"/>
+        </a:xfrm>
+      </p:grpSpPr>
+      <p:sp>
+        <p:nvSpPr>
+          <p:cNvPr id="2" name="Slide Image Placeholder 1"/>
+          <p:cNvSpPr>
+            <a:spLocks noGrp="1" noRot="1" noChangeAspect="1"/>
+          </p:cNvSpPr>
+          <p:nvPr>
+            <p:ph type="sldImg"/>
+          </p:nvPr>
+        </p:nvSpPr>
+        <p:spPr/>
+      </p:sp>
+      <p:sp>
+        <p:nvSpPr>
+          <p:cNvPr id="3" name="Notes Placeholder 2"/>
+          <p:cNvSpPr>
+            <a:spLocks noGrp="1"/>
+          </p:cNvSpPr>
+          <p:nvPr>
+            <p:ph type="body" idx="1"/>
+          </p:nvPr>
+        </p:nvSpPr>
+        <p:spPr/>
+        <p:txBody>
+          <a:bodyPr/>
+          <a:lstStyle/>
+          <a:p>
+            <a:endParaRPr lang="en-US" dirty="0"/>
+          </a:p>
+        </p:txBody>
+      </p:sp>
+      <p:sp>
+        <p:nvSpPr>
+          <p:cNvPr id="4" name="Slide Number Placeholder 3"/>
+          <p:cNvSpPr>
+            <a:spLocks noGrp="1"/>
+          </p:cNvSpPr>
+          <p:nvPr>
+            <p:ph type="sldNum" sz="quarter" idx="5"/>
+          </p:nvPr>
+        </p:nvSpPr>
+        <p:spPr/>
+        <p:txBody>
+          <a:bodyPr/>
+          <a:lstStyle/>
+          <a:p>
+            <a:fld id="{B74070AD-33A4-834F-B7FB-BE5272A61543}" type="slidenum">
+              <a:rPr lang="en-US" smtClean="0"/>
+              <a:t>6</a:t>
+            </a:fld>
+            <a:endParaRPr lang="en-US"/>
+          </a:p>
+        </p:txBody>
+      </p:sp>
+    </p:spTree>
+    <p:extLst>
+      <p:ext uri="{BB962C8B-B14F-4D97-AF65-F5344CB8AC3E}">
+        <p14:creationId xmlns:p14="http://schemas.microsoft.com/office/powerpoint/2010/main" val="2277160969"/>
+      </p:ext>
+    </p:extLst>
+  </p:cSld>
+  <p:clrMapOvr>
+    <a:masterClrMapping/>
+  </p:clrMapOvr>
+</p:notes>
+</file>
+
+<file path=ppt/notesSlides/notesSlide4.xml><?xml version="1.0" encoding="utf-8"?>
+<p:notes xmlns:a="http://schemas.openxmlformats.org/drawingml/2006/main" xmlns:r="http://schemas.openxmlformats.org/officeDocument/2006/relationships" xmlns:p="http://schemas.openxmlformats.org/presentationml/2006/main">
+  <p:cSld>
+    <p:spTree>
+      <p:nvGrpSpPr>
+        <p:cNvPr id="1" name=""/>
+        <p:cNvGrpSpPr/>
+        <p:nvPr/>
+      </p:nvGrpSpPr>
+      <p:grpSpPr>
+        <a:xfrm>
+          <a:off x="0" y="0"/>
+          <a:ext cx="0" cy="0"/>
+          <a:chOff x="0" y="0"/>
+          <a:chExt cx="0" cy="0"/>
+        </a:xfrm>
+      </p:grpSpPr>
+      <p:sp>
+        <p:nvSpPr>
+          <p:cNvPr id="2" name="Slide Image Placeholder 1"/>
+          <p:cNvSpPr>
+            <a:spLocks noGrp="1" noRot="1" noChangeAspect="1"/>
+          </p:cNvSpPr>
+          <p:nvPr>
+            <p:ph type="sldImg"/>
+          </p:nvPr>
+        </p:nvSpPr>
+        <p:spPr/>
+      </p:sp>
+      <p:sp>
+        <p:nvSpPr>
+          <p:cNvPr id="3" name="Notes Placeholder 2"/>
+          <p:cNvSpPr>
+            <a:spLocks noGrp="1"/>
+          </p:cNvSpPr>
+          <p:nvPr>
+            <p:ph type="body" idx="1"/>
+          </p:nvPr>
+        </p:nvSpPr>
+        <p:spPr/>
+        <p:txBody>
+          <a:bodyPr/>
+          <a:lstStyle/>
+          <a:p>
+            <a:r>
+              <a:rPr lang="en-US" dirty="0"/>
+              <a:t>For instance, a library can contain three versions of `</a:t>
+            </a:r>
+            <a:r>
+              <a:rPr lang="en-US" dirty="0" err="1"/>
+              <a:t>Foo.class</a:t>
+            </a:r>
+            <a:r>
+              <a:rPr lang="en-US" dirty="0"/>
+              <a:t>`: one specific to Java 14, one specific to Java 11, and a generic one. The platform will load which is most “compatible”.</a:t>
+            </a:r>
+          </a:p>
+        </p:txBody>
+      </p:sp>
+      <p:sp>
+        <p:nvSpPr>
+          <p:cNvPr id="4" name="Slide Number Placeholder 3"/>
+          <p:cNvSpPr>
+            <a:spLocks noGrp="1"/>
+          </p:cNvSpPr>
+          <p:nvPr>
+            <p:ph type="sldNum" sz="quarter" idx="5"/>
+          </p:nvPr>
+        </p:nvSpPr>
+        <p:spPr/>
+        <p:txBody>
+          <a:bodyPr/>
+          <a:lstStyle/>
+          <a:p>
+            <a:fld id="{B74070AD-33A4-834F-B7FB-BE5272A61543}" type="slidenum">
+              <a:rPr lang="en-US" smtClean="0"/>
+              <a:t>7</a:t>
+            </a:fld>
+            <a:endParaRPr lang="en-US"/>
+          </a:p>
+        </p:txBody>
+      </p:sp>
+    </p:spTree>
+    <p:extLst>
+      <p:ext uri="{BB962C8B-B14F-4D97-AF65-F5344CB8AC3E}">
+        <p14:creationId xmlns:p14="http://schemas.microsoft.com/office/powerpoint/2010/main" val="4286344421"/>
+      </p:ext>
+    </p:extLst>
+  </p:cSld>
+  <p:clrMapOvr>
+    <a:masterClrMapping/>
+  </p:clrMapOvr>
+</p:notes>
+</file>
+
+<file path=ppt/notesSlides/notesSlide5.xml><?xml version="1.0" encoding="utf-8"?>
+<p:notes xmlns:a="http://schemas.openxmlformats.org/drawingml/2006/main" xmlns:r="http://schemas.openxmlformats.org/officeDocument/2006/relationships" xmlns:p="http://schemas.openxmlformats.org/presentationml/2006/main">
+  <p:cSld>
+    <p:spTree>
+      <p:nvGrpSpPr>
+        <p:cNvPr id="1" name=""/>
+        <p:cNvGrpSpPr/>
+        <p:nvPr/>
+      </p:nvGrpSpPr>
+      <p:grpSpPr>
+        <a:xfrm>
+          <a:off x="0" y="0"/>
+          <a:ext cx="0" cy="0"/>
+          <a:chOff x="0" y="0"/>
+          <a:chExt cx="0" cy="0"/>
+        </a:xfrm>
+      </p:grpSpPr>
+      <p:sp>
+        <p:nvSpPr>
+          <p:cNvPr id="2" name="Slide Image Placeholder 1"/>
+          <p:cNvSpPr>
+            <a:spLocks noGrp="1" noRot="1" noChangeAspect="1"/>
+          </p:cNvSpPr>
+          <p:nvPr>
+            <p:ph type="sldImg"/>
+          </p:nvPr>
+        </p:nvSpPr>
+        <p:spPr/>
+      </p:sp>
+      <p:sp>
+        <p:nvSpPr>
+          <p:cNvPr id="3" name="Notes Placeholder 2"/>
+          <p:cNvSpPr>
+            <a:spLocks noGrp="1"/>
+          </p:cNvSpPr>
+          <p:nvPr>
+            <p:ph type="body" idx="1"/>
+          </p:nvPr>
+        </p:nvSpPr>
+        <p:spPr/>
+        <p:txBody>
+          <a:bodyPr/>
+          <a:lstStyle/>
+          <a:p>
+            <a:r>
+              <a:rPr lang="en-US" dirty="0"/>
+              <a:t>We’ll also talk about modules later</a:t>
+            </a:r>
+          </a:p>
+        </p:txBody>
+      </p:sp>
+      <p:sp>
+        <p:nvSpPr>
+          <p:cNvPr id="4" name="Slide Number Placeholder 3"/>
+          <p:cNvSpPr>
+            <a:spLocks noGrp="1"/>
+          </p:cNvSpPr>
+          <p:nvPr>
+            <p:ph type="sldNum" sz="quarter" idx="5"/>
+          </p:nvPr>
+        </p:nvSpPr>
+        <p:spPr/>
+        <p:txBody>
+          <a:bodyPr/>
+          <a:lstStyle/>
+          <a:p>
+            <a:fld id="{B74070AD-33A4-834F-B7FB-BE5272A61543}" type="slidenum">
+              <a:rPr lang="en-US" smtClean="0"/>
+              <a:t>8</a:t>
+            </a:fld>
+            <a:endParaRPr lang="en-US"/>
+          </a:p>
+        </p:txBody>
+      </p:sp>
+    </p:spTree>
+    <p:extLst>
+      <p:ext uri="{BB962C8B-B14F-4D97-AF65-F5344CB8AC3E}">
+        <p14:creationId xmlns:p14="http://schemas.microsoft.com/office/powerpoint/2010/main" val="3587578964"/>
+      </p:ext>
+    </p:extLst>
+  </p:cSld>
+  <p:clrMapOvr>
+    <a:masterClrMapping/>
+  </p:clrMapOvr>
+</p:notes>
+</file>
+
+<file path=ppt/notesSlides/notesSlide6.xml><?xml version="1.0" encoding="utf-8"?>
+<p:notes xmlns:a="http://schemas.openxmlformats.org/drawingml/2006/main" xmlns:r="http://schemas.openxmlformats.org/officeDocument/2006/relationships" xmlns:p="http://schemas.openxmlformats.org/presentationml/2006/main">
+  <p:cSld>
+    <p:spTree>
+      <p:nvGrpSpPr>
+        <p:cNvPr id="1" name=""/>
+        <p:cNvGrpSpPr/>
+        <p:nvPr/>
+      </p:nvGrpSpPr>
+      <p:grpSpPr>
+        <a:xfrm>
+          <a:off x="0" y="0"/>
+          <a:ext cx="0" cy="0"/>
+          <a:chOff x="0" y="0"/>
+          <a:chExt cx="0" cy="0"/>
+        </a:xfrm>
+      </p:grpSpPr>
+      <p:sp>
+        <p:nvSpPr>
+          <p:cNvPr id="2" name="Slide Image Placeholder 1"/>
+          <p:cNvSpPr>
+            <a:spLocks noGrp="1" noRot="1" noChangeAspect="1"/>
+          </p:cNvSpPr>
+          <p:nvPr>
+            <p:ph type="sldImg"/>
+          </p:nvPr>
+        </p:nvSpPr>
+        <p:spPr/>
+      </p:sp>
+      <p:sp>
+        <p:nvSpPr>
+          <p:cNvPr id="3" name="Notes Placeholder 2"/>
+          <p:cNvSpPr>
+            <a:spLocks noGrp="1"/>
+          </p:cNvSpPr>
+          <p:nvPr>
+            <p:ph type="body" idx="1"/>
+          </p:nvPr>
+        </p:nvSpPr>
+        <p:spPr/>
+        <p:txBody>
+          <a:bodyPr/>
+          <a:lstStyle/>
+          <a:p>
+            <a:r>
+              <a:rPr lang="en-US" dirty="0"/>
+              <a:t>Since these private methods can only be used by the actual interface, and not by implementors or extenders, they are just a “factoring” tool, for encapsulating common behavior needed by default methods.</a:t>
+            </a:r>
+          </a:p>
+        </p:txBody>
+      </p:sp>
+      <p:sp>
+        <p:nvSpPr>
+          <p:cNvPr id="4" name="Slide Number Placeholder 3"/>
+          <p:cNvSpPr>
+            <a:spLocks noGrp="1"/>
+          </p:cNvSpPr>
+          <p:nvPr>
+            <p:ph type="sldNum" sz="quarter" idx="5"/>
+          </p:nvPr>
+        </p:nvSpPr>
+        <p:spPr/>
+        <p:txBody>
+          <a:bodyPr/>
+          <a:lstStyle/>
+          <a:p>
+            <a:fld id="{B74070AD-33A4-834F-B7FB-BE5272A61543}" type="slidenum">
+              <a:rPr lang="en-US" smtClean="0"/>
+              <a:t>9</a:t>
+            </a:fld>
+            <a:endParaRPr lang="en-US"/>
+          </a:p>
+        </p:txBody>
+      </p:sp>
+    </p:spTree>
+    <p:extLst>
+      <p:ext uri="{BB962C8B-B14F-4D97-AF65-F5344CB8AC3E}">
+        <p14:creationId xmlns:p14="http://schemas.microsoft.com/office/powerpoint/2010/main" val="2204691662"/>
+      </p:ext>
+    </p:extLst>
+  </p:cSld>
+  <p:clrMapOvr>
+    <a:masterClrMapping/>
+  </p:clrMapOvr>
+</p:notes>
+</file>
+
+<file path=ppt/notesSlides/notesSlide7.xml><?xml version="1.0" encoding="utf-8"?>
+<p:notes xmlns:a="http://schemas.openxmlformats.org/drawingml/2006/main" xmlns:r="http://schemas.openxmlformats.org/officeDocument/2006/relationships" xmlns:p="http://schemas.openxmlformats.org/presentationml/2006/main">
+  <p:cSld>
+    <p:spTree>
+      <p:nvGrpSpPr>
+        <p:cNvPr id="1" name=""/>
+        <p:cNvGrpSpPr/>
+        <p:nvPr/>
+      </p:nvGrpSpPr>
+      <p:grpSpPr>
+        <a:xfrm>
+          <a:off x="0" y="0"/>
+          <a:ext cx="0" cy="0"/>
+          <a:chOff x="0" y="0"/>
+          <a:chExt cx="0" cy="0"/>
+        </a:xfrm>
+      </p:grpSpPr>
+      <p:sp>
+        <p:nvSpPr>
+          <p:cNvPr id="2" name="Slide Image Placeholder 1"/>
+          <p:cNvSpPr>
+            <a:spLocks noGrp="1" noRot="1" noChangeAspect="1"/>
+          </p:cNvSpPr>
+          <p:nvPr>
+            <p:ph type="sldImg"/>
+          </p:nvPr>
+        </p:nvSpPr>
+        <p:spPr/>
+      </p:sp>
+      <p:sp>
+        <p:nvSpPr>
+          <p:cNvPr id="3" name="Notes Placeholder 2"/>
+          <p:cNvSpPr>
+            <a:spLocks noGrp="1"/>
+          </p:cNvSpPr>
+          <p:nvPr>
+            <p:ph type="body" idx="1"/>
+          </p:nvPr>
+        </p:nvSpPr>
+        <p:spPr/>
+        <p:txBody>
+          <a:bodyPr/>
+          <a:lstStyle/>
+          <a:p>
+            <a:endParaRPr lang="en-US" dirty="0"/>
+          </a:p>
+        </p:txBody>
+      </p:sp>
+      <p:sp>
+        <p:nvSpPr>
+          <p:cNvPr id="4" name="Slide Number Placeholder 3"/>
+          <p:cNvSpPr>
+            <a:spLocks noGrp="1"/>
+          </p:cNvSpPr>
+          <p:nvPr>
+            <p:ph type="sldNum" sz="quarter" idx="5"/>
+          </p:nvPr>
+        </p:nvSpPr>
+        <p:spPr/>
+        <p:txBody>
+          <a:bodyPr/>
+          <a:lstStyle/>
+          <a:p>
+            <a:fld id="{B74070AD-33A4-834F-B7FB-BE5272A61543}" type="slidenum">
+              <a:rPr lang="en-US" smtClean="0"/>
+              <a:t>18</a:t>
+            </a:fld>
+            <a:endParaRPr lang="en-US"/>
+          </a:p>
+        </p:txBody>
+      </p:sp>
+    </p:spTree>
+    <p:extLst>
+      <p:ext uri="{BB962C8B-B14F-4D97-AF65-F5344CB8AC3E}">
+        <p14:creationId xmlns:p14="http://schemas.microsoft.com/office/powerpoint/2010/main" val="3981770996"/>
+      </p:ext>
+    </p:extLst>
+  </p:cSld>
+  <p:clrMapOvr>
+    <a:masterClrMapping/>
+  </p:clrMapOvr>
+</p:notes>
 </file>
 
 <file path=ppt/slideLayouts/slideLayout1.xml><?xml version="1.0" encoding="utf-8"?>
@@ -337,7 +1366,7 @@
             <a:fld id="{B61BEF0D-F0BB-DE4B-95CE-6DB70DBA9567}" type="datetimeFigureOut">
               <a:rPr lang="en-US" dirty="0"/>
               <a:pPr/>
-              <a:t>12/16/20</a:t>
+              <a:t>12/28/20</a:t>
             </a:fld>
             <a:endParaRPr lang="en-US" dirty="0"/>
           </a:p>
@@ -668,7 +1697,7 @@
             <a:fld id="{B61BEF0D-F0BB-DE4B-95CE-6DB70DBA9567}" type="datetimeFigureOut">
               <a:rPr lang="en-US" dirty="0"/>
               <a:pPr/>
-              <a:t>12/16/20</a:t>
+              <a:t>12/28/20</a:t>
             </a:fld>
             <a:endParaRPr lang="en-US" dirty="0"/>
           </a:p>
@@ -943,7 +1972,7 @@
             <a:fld id="{B61BEF0D-F0BB-DE4B-95CE-6DB70DBA9567}" type="datetimeFigureOut">
               <a:rPr lang="en-US" dirty="0"/>
               <a:pPr/>
-              <a:t>12/16/20</a:t>
+              <a:t>12/28/20</a:t>
             </a:fld>
             <a:endParaRPr lang="en-US" dirty="0"/>
           </a:p>
@@ -1508,7 +2537,7 @@
             <a:fld id="{B61BEF0D-F0BB-DE4B-95CE-6DB70DBA9567}" type="datetimeFigureOut">
               <a:rPr lang="en-US" dirty="0"/>
               <a:pPr/>
-              <a:t>12/16/20</a:t>
+              <a:t>12/28/20</a:t>
             </a:fld>
             <a:endParaRPr lang="en-US" dirty="0"/>
           </a:p>
@@ -1783,7 +2812,7 @@
             <a:fld id="{B61BEF0D-F0BB-DE4B-95CE-6DB70DBA9567}" type="datetimeFigureOut">
               <a:rPr lang="en-US" dirty="0"/>
               <a:pPr/>
-              <a:t>12/16/20</a:t>
+              <a:t>12/28/20</a:t>
             </a:fld>
             <a:endParaRPr lang="en-US" dirty="0"/>
           </a:p>
@@ -2342,7 +3371,7 @@
             <a:fld id="{B61BEF0D-F0BB-DE4B-95CE-6DB70DBA9567}" type="datetimeFigureOut">
               <a:rPr lang="en-US" dirty="0"/>
               <a:pPr/>
-              <a:t>12/16/20</a:t>
+              <a:t>12/28/20</a:t>
             </a:fld>
             <a:endParaRPr lang="en-US" dirty="0"/>
           </a:p>
@@ -2666,7 +3695,7 @@
             <a:fld id="{B61BEF0D-F0BB-DE4B-95CE-6DB70DBA9567}" type="datetimeFigureOut">
               <a:rPr lang="en-US" dirty="0"/>
               <a:pPr/>
-              <a:t>12/16/20</a:t>
+              <a:t>12/28/20</a:t>
             </a:fld>
             <a:endParaRPr lang="en-US" dirty="0"/>
           </a:p>
@@ -2840,7 +3869,7 @@
             <a:fld id="{B61BEF0D-F0BB-DE4B-95CE-6DB70DBA9567}" type="datetimeFigureOut">
               <a:rPr lang="en-US" dirty="0"/>
               <a:pPr/>
-              <a:t>12/16/20</a:t>
+              <a:t>12/28/20</a:t>
             </a:fld>
             <a:endParaRPr lang="en-US" dirty="0"/>
           </a:p>
@@ -3075,7 +4104,7 @@
             <a:fld id="{B61BEF0D-F0BB-DE4B-95CE-6DB70DBA9567}" type="datetimeFigureOut">
               <a:rPr lang="en-US" dirty="0"/>
               <a:pPr/>
-              <a:t>12/16/20</a:t>
+              <a:t>12/28/20</a:t>
             </a:fld>
             <a:endParaRPr lang="en-US" dirty="0"/>
           </a:p>
@@ -3272,7 +4301,7 @@
             <a:fld id="{B61BEF0D-F0BB-DE4B-95CE-6DB70DBA9567}" type="datetimeFigureOut">
               <a:rPr lang="en-US" dirty="0"/>
               <a:pPr/>
-              <a:t>12/16/20</a:t>
+              <a:t>12/28/20</a:t>
             </a:fld>
             <a:endParaRPr lang="en-US" dirty="0"/>
           </a:p>
@@ -3545,7 +4574,7 @@
             <a:fld id="{B61BEF0D-F0BB-DE4B-95CE-6DB70DBA9567}" type="datetimeFigureOut">
               <a:rPr lang="en-US" dirty="0"/>
               <a:pPr/>
-              <a:t>12/16/20</a:t>
+              <a:t>12/28/20</a:t>
             </a:fld>
             <a:endParaRPr lang="en-US" dirty="0"/>
           </a:p>
@@ -3808,7 +4837,7 @@
             <a:fld id="{B61BEF0D-F0BB-DE4B-95CE-6DB70DBA9567}" type="datetimeFigureOut">
               <a:rPr lang="en-US" dirty="0"/>
               <a:pPr/>
-              <a:t>12/16/20</a:t>
+              <a:t>12/28/20</a:t>
             </a:fld>
             <a:endParaRPr lang="en-US" dirty="0"/>
           </a:p>
@@ -4179,7 +5208,7 @@
             <a:fld id="{B61BEF0D-F0BB-DE4B-95CE-6DB70DBA9567}" type="datetimeFigureOut">
               <a:rPr lang="en-US" dirty="0"/>
               <a:pPr/>
-              <a:t>12/16/20</a:t>
+              <a:t>12/28/20</a:t>
             </a:fld>
             <a:endParaRPr lang="en-US" dirty="0"/>
           </a:p>
@@ -4324,7 +5353,7 @@
             <a:fld id="{B61BEF0D-F0BB-DE4B-95CE-6DB70DBA9567}" type="datetimeFigureOut">
               <a:rPr lang="en-US" dirty="0"/>
               <a:pPr/>
-              <a:t>12/16/20</a:t>
+              <a:t>12/28/20</a:t>
             </a:fld>
             <a:endParaRPr lang="en-US" dirty="0"/>
           </a:p>
@@ -4446,7 +5475,7 @@
             <a:fld id="{B61BEF0D-F0BB-DE4B-95CE-6DB70DBA9567}" type="datetimeFigureOut">
               <a:rPr lang="en-US" dirty="0"/>
               <a:pPr/>
-              <a:t>12/16/20</a:t>
+              <a:t>12/28/20</a:t>
             </a:fld>
             <a:endParaRPr lang="en-US" dirty="0"/>
           </a:p>
@@ -4728,7 +5757,7 @@
             <a:fld id="{B61BEF0D-F0BB-DE4B-95CE-6DB70DBA9567}" type="datetimeFigureOut">
               <a:rPr lang="en-US" dirty="0"/>
               <a:pPr/>
-              <a:t>12/16/20</a:t>
+              <a:t>12/28/20</a:t>
             </a:fld>
             <a:endParaRPr lang="en-US" dirty="0"/>
           </a:p>
@@ -5049,7 +6078,7 @@
             <a:fld id="{B61BEF0D-F0BB-DE4B-95CE-6DB70DBA9567}" type="datetimeFigureOut">
               <a:rPr lang="en-US" dirty="0"/>
               <a:pPr/>
-              <a:t>12/16/20</a:t>
+              <a:t>12/28/20</a:t>
             </a:fld>
             <a:endParaRPr lang="en-US" dirty="0"/>
           </a:p>
@@ -5260,7 +6289,7 @@
             <a:fld id="{B61BEF0D-F0BB-DE4B-95CE-6DB70DBA9567}" type="datetimeFigureOut">
               <a:rPr lang="en-US" dirty="0"/>
               <a:pPr/>
-              <a:t>12/16/20</a:t>
+              <a:t>12/28/20</a:t>
             </a:fld>
             <a:endParaRPr lang="en-US" dirty="0"/>
           </a:p>
@@ -5815,18 +6844,15 @@
         </p:nvSpPr>
         <p:spPr/>
         <p:txBody>
-          <a:bodyPr/>
-          <a:lstStyle/>
-          <a:p>
-            <a:r>
-              <a:rPr lang="en-US" dirty="0"/>
-              <a:t>The next generation. A whole new world. Not your </a:t>
-            </a:r>
-            <a:r>
-              <a:rPr lang="en-US"/>
-              <a:t>mama’s Java.</a:t>
-            </a:r>
-            <a:endParaRPr lang="en-US" dirty="0"/>
+          <a:bodyPr>
+            <a:normAutofit/>
+          </a:bodyPr>
+          <a:lstStyle/>
+          <a:p>
+            <a:r>
+              <a:rPr lang="en-US" sz="1700" dirty="0"/>
+              <a:t>The next generation. A whole new world. Not your mama’s Java. 🎉</a:t>
+            </a:r>
           </a:p>
         </p:txBody>
       </p:sp>
@@ -5840,6 +6866,3150 @@
   <p:clrMapOvr>
     <a:masterClrMapping/>
   </p:clrMapOvr>
+</p:sld>
+</file>
+
+<file path=ppt/slides/slide10.xml><?xml version="1.0" encoding="utf-8"?>
+<p:sld xmlns:a="http://schemas.openxmlformats.org/drawingml/2006/main" xmlns:r="http://schemas.openxmlformats.org/officeDocument/2006/relationships" xmlns:p="http://schemas.openxmlformats.org/presentationml/2006/main">
+  <p:cSld>
+    <p:spTree>
+      <p:nvGrpSpPr>
+        <p:cNvPr id="1" name=""/>
+        <p:cNvGrpSpPr/>
+        <p:nvPr/>
+      </p:nvGrpSpPr>
+      <p:grpSpPr>
+        <a:xfrm>
+          <a:off x="0" y="0"/>
+          <a:ext cx="0" cy="0"/>
+          <a:chOff x="0" y="0"/>
+          <a:chExt cx="0" cy="0"/>
+        </a:xfrm>
+      </p:grpSpPr>
+      <p:sp>
+        <p:nvSpPr>
+          <p:cNvPr id="2" name="Title 1">
+            <a:extLst>
+              <a:ext uri="{FF2B5EF4-FFF2-40B4-BE49-F238E27FC236}">
+                <a16:creationId xmlns:a16="http://schemas.microsoft.com/office/drawing/2014/main" id="{CAE8B7DD-7432-C345-AEFF-71B13AF12709}"/>
+              </a:ext>
+            </a:extLst>
+          </p:cNvPr>
+          <p:cNvSpPr>
+            <a:spLocks noGrp="1"/>
+          </p:cNvSpPr>
+          <p:nvPr>
+            <p:ph type="title"/>
+          </p:nvPr>
+        </p:nvSpPr>
+        <p:spPr/>
+        <p:txBody>
+          <a:bodyPr/>
+          <a:lstStyle/>
+          <a:p>
+            <a:r>
+              <a:rPr lang="en-US" dirty="0"/>
+              <a:t>JDK</a:t>
+            </a:r>
+          </a:p>
+        </p:txBody>
+      </p:sp>
+      <p:sp>
+        <p:nvSpPr>
+          <p:cNvPr id="3" name="Text Placeholder 2">
+            <a:extLst>
+              <a:ext uri="{FF2B5EF4-FFF2-40B4-BE49-F238E27FC236}">
+                <a16:creationId xmlns:a16="http://schemas.microsoft.com/office/drawing/2014/main" id="{24A29295-5F24-7849-93C0-9B21BD47100D}"/>
+              </a:ext>
+            </a:extLst>
+          </p:cNvPr>
+          <p:cNvSpPr>
+            <a:spLocks noGrp="1"/>
+          </p:cNvSpPr>
+          <p:nvPr>
+            <p:ph type="body" idx="1"/>
+          </p:nvPr>
+        </p:nvSpPr>
+        <p:spPr/>
+        <p:txBody>
+          <a:bodyPr/>
+          <a:lstStyle/>
+          <a:p>
+            <a:r>
+              <a:rPr lang="en-US" dirty="0"/>
+              <a:t>(I got nothing)</a:t>
+            </a:r>
+          </a:p>
+        </p:txBody>
+      </p:sp>
+    </p:spTree>
+    <p:extLst>
+      <p:ext uri="{BB962C8B-B14F-4D97-AF65-F5344CB8AC3E}">
+        <p14:creationId xmlns:p14="http://schemas.microsoft.com/office/powerpoint/2010/main" val="3444457648"/>
+      </p:ext>
+    </p:extLst>
+  </p:cSld>
+  <p:clrMapOvr>
+    <a:masterClrMapping/>
+  </p:clrMapOvr>
+</p:sld>
+</file>
+
+<file path=ppt/slides/slide11.xml><?xml version="1.0" encoding="utf-8"?>
+<p:sld xmlns:a="http://schemas.openxmlformats.org/drawingml/2006/main" xmlns:r="http://schemas.openxmlformats.org/officeDocument/2006/relationships" xmlns:p="http://schemas.openxmlformats.org/presentationml/2006/main">
+  <p:cSld>
+    <p:spTree>
+      <p:nvGrpSpPr>
+        <p:cNvPr id="1" name=""/>
+        <p:cNvGrpSpPr/>
+        <p:nvPr/>
+      </p:nvGrpSpPr>
+      <p:grpSpPr>
+        <a:xfrm>
+          <a:off x="0" y="0"/>
+          <a:ext cx="0" cy="0"/>
+          <a:chOff x="0" y="0"/>
+          <a:chExt cx="0" cy="0"/>
+        </a:xfrm>
+      </p:grpSpPr>
+      <p:sp>
+        <p:nvSpPr>
+          <p:cNvPr id="4" name="Title 3">
+            <a:extLst>
+              <a:ext uri="{FF2B5EF4-FFF2-40B4-BE49-F238E27FC236}">
+                <a16:creationId xmlns:a16="http://schemas.microsoft.com/office/drawing/2014/main" id="{AD85248D-612B-4648-9DFD-E18DC23056E0}"/>
+              </a:ext>
+            </a:extLst>
+          </p:cNvPr>
+          <p:cNvSpPr>
+            <a:spLocks noGrp="1"/>
+          </p:cNvSpPr>
+          <p:nvPr>
+            <p:ph type="title"/>
+          </p:nvPr>
+        </p:nvSpPr>
+        <p:spPr/>
+        <p:txBody>
+          <a:bodyPr/>
+          <a:lstStyle/>
+          <a:p>
+            <a:r>
+              <a:rPr lang="en-US" dirty="0"/>
+              <a:t>JDK</a:t>
+            </a:r>
+          </a:p>
+        </p:txBody>
+      </p:sp>
+      <p:sp>
+        <p:nvSpPr>
+          <p:cNvPr id="5" name="Content Placeholder 4">
+            <a:extLst>
+              <a:ext uri="{FF2B5EF4-FFF2-40B4-BE49-F238E27FC236}">
+                <a16:creationId xmlns:a16="http://schemas.microsoft.com/office/drawing/2014/main" id="{1BA7633B-0C02-AE45-B063-723C381E0C35}"/>
+              </a:ext>
+            </a:extLst>
+          </p:cNvPr>
+          <p:cNvSpPr>
+            <a:spLocks noGrp="1"/>
+          </p:cNvSpPr>
+          <p:nvPr>
+            <p:ph idx="1"/>
+          </p:nvPr>
+        </p:nvSpPr>
+        <p:spPr/>
+        <p:txBody>
+          <a:bodyPr/>
+          <a:lstStyle/>
+          <a:p>
+            <a:pPr marL="0" indent="0">
+              <a:buNone/>
+            </a:pPr>
+            <a:r>
+              <a:rPr lang="en-US" sz="2800" dirty="0"/>
+              <a:t>Enhancements in a nutshell</a:t>
+            </a:r>
+          </a:p>
+          <a:p>
+            <a:r>
+              <a:rPr lang="en-US" dirty="0"/>
+              <a:t>Reactive streams</a:t>
+            </a:r>
+          </a:p>
+          <a:p>
+            <a:r>
+              <a:rPr lang="en-US" dirty="0"/>
+              <a:t>HTTP client</a:t>
+            </a:r>
+          </a:p>
+          <a:p>
+            <a:r>
+              <a:rPr lang="en-US" dirty="0"/>
+              <a:t>TLS 1.3</a:t>
+            </a:r>
+          </a:p>
+          <a:p>
+            <a:r>
+              <a:rPr lang="en-US" dirty="0"/>
+              <a:t>Removed modules</a:t>
+            </a:r>
+          </a:p>
+          <a:p>
+            <a:r>
+              <a:rPr lang="en-US" dirty="0"/>
+              <a:t>Eliminated modules</a:t>
+            </a:r>
+          </a:p>
+          <a:p>
+            <a:r>
+              <a:rPr lang="en-US" dirty="0"/>
+              <a:t>Reimplemented socket APIs</a:t>
+            </a:r>
+          </a:p>
+          <a:p>
+            <a:r>
+              <a:rPr lang="en-US" dirty="0"/>
+              <a:t>Improved </a:t>
+            </a:r>
+            <a:r>
+              <a:rPr lang="en-US" dirty="0" err="1">
+                <a:latin typeface="Andale Mono" panose="020B0509000000000004" pitchFamily="49" charset="0"/>
+              </a:rPr>
+              <a:t>NullPointerException</a:t>
+            </a:r>
+            <a:endParaRPr lang="en-US" dirty="0"/>
+          </a:p>
+          <a:p>
+            <a:pPr lvl="1"/>
+            <a:endParaRPr lang="en-US" dirty="0"/>
+          </a:p>
+        </p:txBody>
+      </p:sp>
+    </p:spTree>
+    <p:extLst>
+      <p:ext uri="{BB962C8B-B14F-4D97-AF65-F5344CB8AC3E}">
+        <p14:creationId xmlns:p14="http://schemas.microsoft.com/office/powerpoint/2010/main" val="2200234238"/>
+      </p:ext>
+    </p:extLst>
+  </p:cSld>
+  <p:clrMapOvr>
+    <a:masterClrMapping/>
+  </p:clrMapOvr>
+</p:sld>
+</file>
+
+<file path=ppt/slides/slide12.xml><?xml version="1.0" encoding="utf-8"?>
+<p:sld xmlns:a="http://schemas.openxmlformats.org/drawingml/2006/main" xmlns:r="http://schemas.openxmlformats.org/officeDocument/2006/relationships" xmlns:p="http://schemas.openxmlformats.org/presentationml/2006/main">
+  <p:cSld>
+    <p:spTree>
+      <p:nvGrpSpPr>
+        <p:cNvPr id="1" name=""/>
+        <p:cNvGrpSpPr/>
+        <p:nvPr/>
+      </p:nvGrpSpPr>
+      <p:grpSpPr>
+        <a:xfrm>
+          <a:off x="0" y="0"/>
+          <a:ext cx="0" cy="0"/>
+          <a:chOff x="0" y="0"/>
+          <a:chExt cx="0" cy="0"/>
+        </a:xfrm>
+      </p:grpSpPr>
+      <p:sp>
+        <p:nvSpPr>
+          <p:cNvPr id="2" name="Title 1">
+            <a:extLst>
+              <a:ext uri="{FF2B5EF4-FFF2-40B4-BE49-F238E27FC236}">
+                <a16:creationId xmlns:a16="http://schemas.microsoft.com/office/drawing/2014/main" id="{10F4E231-64E8-F949-BCDA-7295645BC91E}"/>
+              </a:ext>
+            </a:extLst>
+          </p:cNvPr>
+          <p:cNvSpPr>
+            <a:spLocks noGrp="1"/>
+          </p:cNvSpPr>
+          <p:nvPr>
+            <p:ph type="title"/>
+          </p:nvPr>
+        </p:nvSpPr>
+        <p:spPr/>
+        <p:txBody>
+          <a:bodyPr/>
+          <a:lstStyle/>
+          <a:p>
+            <a:r>
+              <a:rPr lang="en-US" dirty="0"/>
+              <a:t>Tooling</a:t>
+            </a:r>
+          </a:p>
+        </p:txBody>
+      </p:sp>
+      <p:sp>
+        <p:nvSpPr>
+          <p:cNvPr id="3" name="Text Placeholder 2">
+            <a:extLst>
+              <a:ext uri="{FF2B5EF4-FFF2-40B4-BE49-F238E27FC236}">
+                <a16:creationId xmlns:a16="http://schemas.microsoft.com/office/drawing/2014/main" id="{632E5EDA-A343-5646-B1CE-26239276E194}"/>
+              </a:ext>
+            </a:extLst>
+          </p:cNvPr>
+          <p:cNvSpPr>
+            <a:spLocks noGrp="1"/>
+          </p:cNvSpPr>
+          <p:nvPr>
+            <p:ph type="body" idx="1"/>
+          </p:nvPr>
+        </p:nvSpPr>
+        <p:spPr/>
+        <p:txBody>
+          <a:bodyPr/>
+          <a:lstStyle/>
+          <a:p>
+            <a:r>
+              <a:rPr lang="en-US" dirty="0"/>
+              <a:t>All I see is nails…</a:t>
+            </a:r>
+          </a:p>
+        </p:txBody>
+      </p:sp>
+    </p:spTree>
+    <p:extLst>
+      <p:ext uri="{BB962C8B-B14F-4D97-AF65-F5344CB8AC3E}">
+        <p14:creationId xmlns:p14="http://schemas.microsoft.com/office/powerpoint/2010/main" val="3233494081"/>
+      </p:ext>
+    </p:extLst>
+  </p:cSld>
+  <p:clrMapOvr>
+    <a:masterClrMapping/>
+  </p:clrMapOvr>
+</p:sld>
+</file>
+
+<file path=ppt/slides/slide13.xml><?xml version="1.0" encoding="utf-8"?>
+<p:sld xmlns:a="http://schemas.openxmlformats.org/drawingml/2006/main" xmlns:r="http://schemas.openxmlformats.org/officeDocument/2006/relationships" xmlns:p="http://schemas.openxmlformats.org/presentationml/2006/main">
+  <p:cSld>
+    <p:spTree>
+      <p:nvGrpSpPr>
+        <p:cNvPr id="1" name=""/>
+        <p:cNvGrpSpPr/>
+        <p:nvPr/>
+      </p:nvGrpSpPr>
+      <p:grpSpPr>
+        <a:xfrm>
+          <a:off x="0" y="0"/>
+          <a:ext cx="0" cy="0"/>
+          <a:chOff x="0" y="0"/>
+          <a:chExt cx="0" cy="0"/>
+        </a:xfrm>
+      </p:grpSpPr>
+      <p:sp>
+        <p:nvSpPr>
+          <p:cNvPr id="2" name="Title 1">
+            <a:extLst>
+              <a:ext uri="{FF2B5EF4-FFF2-40B4-BE49-F238E27FC236}">
+                <a16:creationId xmlns:a16="http://schemas.microsoft.com/office/drawing/2014/main" id="{DD15FB73-6050-FE43-9AA4-0455E1523DD3}"/>
+              </a:ext>
+            </a:extLst>
+          </p:cNvPr>
+          <p:cNvSpPr>
+            <a:spLocks noGrp="1"/>
+          </p:cNvSpPr>
+          <p:nvPr>
+            <p:ph type="title"/>
+          </p:nvPr>
+        </p:nvSpPr>
+        <p:spPr/>
+        <p:txBody>
+          <a:bodyPr/>
+          <a:lstStyle/>
+          <a:p>
+            <a:r>
+              <a:rPr lang="en-US" dirty="0"/>
+              <a:t>Tooling</a:t>
+            </a:r>
+          </a:p>
+        </p:txBody>
+      </p:sp>
+      <p:sp>
+        <p:nvSpPr>
+          <p:cNvPr id="3" name="Content Placeholder 2">
+            <a:extLst>
+              <a:ext uri="{FF2B5EF4-FFF2-40B4-BE49-F238E27FC236}">
+                <a16:creationId xmlns:a16="http://schemas.microsoft.com/office/drawing/2014/main" id="{8B3A1929-50CC-724F-B314-500B401D6B27}"/>
+              </a:ext>
+            </a:extLst>
+          </p:cNvPr>
+          <p:cNvSpPr>
+            <a:spLocks noGrp="1"/>
+          </p:cNvSpPr>
+          <p:nvPr>
+            <p:ph idx="1"/>
+          </p:nvPr>
+        </p:nvSpPr>
+        <p:spPr/>
+        <p:txBody>
+          <a:bodyPr/>
+          <a:lstStyle/>
+          <a:p>
+            <a:pPr marL="0" indent="0">
+              <a:buNone/>
+            </a:pPr>
+            <a:r>
+              <a:rPr lang="en-US" sz="2800" dirty="0"/>
+              <a:t>Enhancements in a nutshell:</a:t>
+            </a:r>
+          </a:p>
+          <a:p>
+            <a:r>
+              <a:rPr lang="en-US" dirty="0"/>
+              <a:t>Module system (</a:t>
+            </a:r>
+            <a:r>
+              <a:rPr lang="en-US" dirty="0" err="1">
+                <a:latin typeface="Andale Mono" panose="020B0509000000000004" pitchFamily="49" charset="0"/>
+              </a:rPr>
+              <a:t>jlink</a:t>
+            </a:r>
+            <a:r>
+              <a:rPr lang="en-US" dirty="0"/>
+              <a:t>)</a:t>
+            </a:r>
+          </a:p>
+          <a:p>
+            <a:r>
+              <a:rPr lang="en-US" dirty="0" err="1"/>
+              <a:t>JShell</a:t>
+            </a:r>
+            <a:endParaRPr lang="en-US" dirty="0"/>
+          </a:p>
+          <a:p>
+            <a:r>
+              <a:rPr lang="en-US" dirty="0"/>
+              <a:t>Ahead-of-time compilation (</a:t>
+            </a:r>
+            <a:r>
+              <a:rPr lang="en-US" dirty="0" err="1"/>
+              <a:t>GraalVM</a:t>
+            </a:r>
+            <a:r>
+              <a:rPr lang="en-US" dirty="0"/>
+              <a:t>)</a:t>
+            </a:r>
+          </a:p>
+          <a:p>
+            <a:r>
+              <a:rPr lang="en-US" dirty="0"/>
+              <a:t>Shell scripts</a:t>
+            </a:r>
+          </a:p>
+          <a:p>
+            <a:r>
+              <a:rPr lang="en-US" dirty="0"/>
+              <a:t>Flight Recorder</a:t>
+            </a:r>
+          </a:p>
+          <a:p>
+            <a:endParaRPr lang="en-US" dirty="0"/>
+          </a:p>
+          <a:p>
+            <a:endParaRPr lang="en-US" dirty="0"/>
+          </a:p>
+        </p:txBody>
+      </p:sp>
+    </p:spTree>
+    <p:extLst>
+      <p:ext uri="{BB962C8B-B14F-4D97-AF65-F5344CB8AC3E}">
+        <p14:creationId xmlns:p14="http://schemas.microsoft.com/office/powerpoint/2010/main" val="3959425166"/>
+      </p:ext>
+    </p:extLst>
+  </p:cSld>
+  <p:clrMapOvr>
+    <a:masterClrMapping/>
+  </p:clrMapOvr>
+</p:sld>
+</file>
+
+<file path=ppt/slides/slide14.xml><?xml version="1.0" encoding="utf-8"?>
+<p:sld xmlns:a="http://schemas.openxmlformats.org/drawingml/2006/main" xmlns:r="http://schemas.openxmlformats.org/officeDocument/2006/relationships" xmlns:p="http://schemas.openxmlformats.org/presentationml/2006/main">
+  <p:cSld>
+    <p:spTree>
+      <p:nvGrpSpPr>
+        <p:cNvPr id="1" name=""/>
+        <p:cNvGrpSpPr/>
+        <p:nvPr/>
+      </p:nvGrpSpPr>
+      <p:grpSpPr>
+        <a:xfrm>
+          <a:off x="0" y="0"/>
+          <a:ext cx="0" cy="0"/>
+          <a:chOff x="0" y="0"/>
+          <a:chExt cx="0" cy="0"/>
+        </a:xfrm>
+      </p:grpSpPr>
+      <p:sp>
+        <p:nvSpPr>
+          <p:cNvPr id="2" name="Title 1">
+            <a:extLst>
+              <a:ext uri="{FF2B5EF4-FFF2-40B4-BE49-F238E27FC236}">
+                <a16:creationId xmlns:a16="http://schemas.microsoft.com/office/drawing/2014/main" id="{FB11D81C-3FE5-3C41-B3F1-01D1C3DA1F39}"/>
+              </a:ext>
+            </a:extLst>
+          </p:cNvPr>
+          <p:cNvSpPr>
+            <a:spLocks noGrp="1"/>
+          </p:cNvSpPr>
+          <p:nvPr>
+            <p:ph type="title"/>
+          </p:nvPr>
+        </p:nvSpPr>
+        <p:spPr/>
+        <p:txBody>
+          <a:bodyPr/>
+          <a:lstStyle/>
+          <a:p>
+            <a:r>
+              <a:rPr lang="en-US" dirty="0"/>
+              <a:t>Runtime</a:t>
+            </a:r>
+          </a:p>
+        </p:txBody>
+      </p:sp>
+      <p:sp>
+        <p:nvSpPr>
+          <p:cNvPr id="3" name="Text Placeholder 2">
+            <a:extLst>
+              <a:ext uri="{FF2B5EF4-FFF2-40B4-BE49-F238E27FC236}">
+                <a16:creationId xmlns:a16="http://schemas.microsoft.com/office/drawing/2014/main" id="{42F2DCA3-26EB-F641-8110-D750BECFE0EE}"/>
+              </a:ext>
+            </a:extLst>
+          </p:cNvPr>
+          <p:cNvSpPr>
+            <a:spLocks noGrp="1"/>
+          </p:cNvSpPr>
+          <p:nvPr>
+            <p:ph type="body" idx="1"/>
+          </p:nvPr>
+        </p:nvSpPr>
+        <p:spPr/>
+        <p:txBody>
+          <a:bodyPr/>
+          <a:lstStyle/>
+          <a:p>
+            <a:r>
+              <a:rPr lang="en-US" dirty="0"/>
+              <a:t>Is anyone even reading these?</a:t>
+            </a:r>
+          </a:p>
+        </p:txBody>
+      </p:sp>
+    </p:spTree>
+    <p:extLst>
+      <p:ext uri="{BB962C8B-B14F-4D97-AF65-F5344CB8AC3E}">
+        <p14:creationId xmlns:p14="http://schemas.microsoft.com/office/powerpoint/2010/main" val="1788726277"/>
+      </p:ext>
+    </p:extLst>
+  </p:cSld>
+  <p:clrMapOvr>
+    <a:masterClrMapping/>
+  </p:clrMapOvr>
+</p:sld>
+</file>
+
+<file path=ppt/slides/slide15.xml><?xml version="1.0" encoding="utf-8"?>
+<p:sld xmlns:a="http://schemas.openxmlformats.org/drawingml/2006/main" xmlns:r="http://schemas.openxmlformats.org/officeDocument/2006/relationships" xmlns:p="http://schemas.openxmlformats.org/presentationml/2006/main">
+  <p:cSld>
+    <p:spTree>
+      <p:nvGrpSpPr>
+        <p:cNvPr id="1" name=""/>
+        <p:cNvGrpSpPr/>
+        <p:nvPr/>
+      </p:nvGrpSpPr>
+      <p:grpSpPr>
+        <a:xfrm>
+          <a:off x="0" y="0"/>
+          <a:ext cx="0" cy="0"/>
+          <a:chOff x="0" y="0"/>
+          <a:chExt cx="0" cy="0"/>
+        </a:xfrm>
+      </p:grpSpPr>
+      <p:sp>
+        <p:nvSpPr>
+          <p:cNvPr id="2" name="Title 1">
+            <a:extLst>
+              <a:ext uri="{FF2B5EF4-FFF2-40B4-BE49-F238E27FC236}">
+                <a16:creationId xmlns:a16="http://schemas.microsoft.com/office/drawing/2014/main" id="{0194040D-946A-E84E-868E-57A90F7BC7EE}"/>
+              </a:ext>
+            </a:extLst>
+          </p:cNvPr>
+          <p:cNvSpPr>
+            <a:spLocks noGrp="1"/>
+          </p:cNvSpPr>
+          <p:nvPr>
+            <p:ph type="title"/>
+          </p:nvPr>
+        </p:nvSpPr>
+        <p:spPr/>
+        <p:txBody>
+          <a:bodyPr/>
+          <a:lstStyle/>
+          <a:p>
+            <a:r>
+              <a:rPr lang="en-US" dirty="0"/>
+              <a:t>Runtime</a:t>
+            </a:r>
+          </a:p>
+        </p:txBody>
+      </p:sp>
+      <p:sp>
+        <p:nvSpPr>
+          <p:cNvPr id="3" name="Content Placeholder 2">
+            <a:extLst>
+              <a:ext uri="{FF2B5EF4-FFF2-40B4-BE49-F238E27FC236}">
+                <a16:creationId xmlns:a16="http://schemas.microsoft.com/office/drawing/2014/main" id="{94E8E5AC-DA84-D048-81B0-80C872394362}"/>
+              </a:ext>
+            </a:extLst>
+          </p:cNvPr>
+          <p:cNvSpPr>
+            <a:spLocks noGrp="1"/>
+          </p:cNvSpPr>
+          <p:nvPr>
+            <p:ph idx="1"/>
+          </p:nvPr>
+        </p:nvSpPr>
+        <p:spPr/>
+        <p:txBody>
+          <a:bodyPr/>
+          <a:lstStyle/>
+          <a:p>
+            <a:pPr marL="0" indent="0">
+              <a:buNone/>
+            </a:pPr>
+            <a:r>
+              <a:rPr lang="en-US" sz="2800" dirty="0"/>
+              <a:t>Enhancements in a nutshell:</a:t>
+            </a:r>
+          </a:p>
+          <a:p>
+            <a:r>
+              <a:rPr lang="en-US" dirty="0"/>
+              <a:t>Module system</a:t>
+            </a:r>
+          </a:p>
+          <a:p>
+            <a:r>
+              <a:rPr lang="en-US" dirty="0"/>
+              <a:t>Performance improvements</a:t>
+            </a:r>
+          </a:p>
+          <a:p>
+            <a:pPr lvl="1"/>
+            <a:r>
+              <a:rPr lang="en-US" dirty="0"/>
+              <a:t>Garbage collection</a:t>
+            </a:r>
+          </a:p>
+          <a:p>
+            <a:pPr lvl="1"/>
+            <a:r>
+              <a:rPr lang="en-US" dirty="0"/>
+              <a:t>Thread management</a:t>
+            </a:r>
+          </a:p>
+          <a:p>
+            <a:r>
+              <a:rPr lang="en-US" dirty="0"/>
+              <a:t>Unicode</a:t>
+            </a:r>
+          </a:p>
+          <a:p>
+            <a:r>
+              <a:rPr lang="en-US" dirty="0"/>
+              <a:t>Hidden classes</a:t>
+            </a:r>
+          </a:p>
+          <a:p>
+            <a:endParaRPr lang="en-US" dirty="0"/>
+          </a:p>
+        </p:txBody>
+      </p:sp>
+    </p:spTree>
+    <p:extLst>
+      <p:ext uri="{BB962C8B-B14F-4D97-AF65-F5344CB8AC3E}">
+        <p14:creationId xmlns:p14="http://schemas.microsoft.com/office/powerpoint/2010/main" val="1715626812"/>
+      </p:ext>
+    </p:extLst>
+  </p:cSld>
+  <p:clrMapOvr>
+    <a:masterClrMapping/>
+  </p:clrMapOvr>
+</p:sld>
+</file>
+
+<file path=ppt/slides/slide16.xml><?xml version="1.0" encoding="utf-8"?>
+<p:sld xmlns:a="http://schemas.openxmlformats.org/drawingml/2006/main" xmlns:r="http://schemas.openxmlformats.org/officeDocument/2006/relationships" xmlns:p="http://schemas.openxmlformats.org/presentationml/2006/main">
+  <p:cSld>
+    <p:spTree>
+      <p:nvGrpSpPr>
+        <p:cNvPr id="1" name=""/>
+        <p:cNvGrpSpPr/>
+        <p:nvPr/>
+      </p:nvGrpSpPr>
+      <p:grpSpPr>
+        <a:xfrm>
+          <a:off x="0" y="0"/>
+          <a:ext cx="0" cy="0"/>
+          <a:chOff x="0" y="0"/>
+          <a:chExt cx="0" cy="0"/>
+        </a:xfrm>
+      </p:grpSpPr>
+      <p:sp>
+        <p:nvSpPr>
+          <p:cNvPr id="2" name="Title 1">
+            <a:extLst>
+              <a:ext uri="{FF2B5EF4-FFF2-40B4-BE49-F238E27FC236}">
+                <a16:creationId xmlns:a16="http://schemas.microsoft.com/office/drawing/2014/main" id="{91505F70-37E3-2140-A2FE-EFB1A6910BF1}"/>
+              </a:ext>
+            </a:extLst>
+          </p:cNvPr>
+          <p:cNvSpPr>
+            <a:spLocks noGrp="1"/>
+          </p:cNvSpPr>
+          <p:nvPr>
+            <p:ph type="title"/>
+          </p:nvPr>
+        </p:nvSpPr>
+        <p:spPr/>
+        <p:txBody>
+          <a:bodyPr/>
+          <a:lstStyle/>
+          <a:p>
+            <a:r>
+              <a:rPr lang="en-US" dirty="0"/>
+              <a:t>Epilogue</a:t>
+            </a:r>
+          </a:p>
+        </p:txBody>
+      </p:sp>
+      <p:sp>
+        <p:nvSpPr>
+          <p:cNvPr id="3" name="Text Placeholder 2">
+            <a:extLst>
+              <a:ext uri="{FF2B5EF4-FFF2-40B4-BE49-F238E27FC236}">
+                <a16:creationId xmlns:a16="http://schemas.microsoft.com/office/drawing/2014/main" id="{7770B7A4-B0F4-2D41-8D2B-ED01CFDC1AF9}"/>
+              </a:ext>
+            </a:extLst>
+          </p:cNvPr>
+          <p:cNvSpPr>
+            <a:spLocks noGrp="1"/>
+          </p:cNvSpPr>
+          <p:nvPr>
+            <p:ph type="body" idx="1"/>
+          </p:nvPr>
+        </p:nvSpPr>
+        <p:spPr/>
+        <p:txBody>
+          <a:bodyPr/>
+          <a:lstStyle/>
+          <a:p>
+            <a:r>
+              <a:rPr lang="en-US" dirty="0"/>
+              <a:t>To summarize, in conclusion, wrapping up…</a:t>
+            </a:r>
+          </a:p>
+        </p:txBody>
+      </p:sp>
+    </p:spTree>
+    <p:extLst>
+      <p:ext uri="{BB962C8B-B14F-4D97-AF65-F5344CB8AC3E}">
+        <p14:creationId xmlns:p14="http://schemas.microsoft.com/office/powerpoint/2010/main" val="451421855"/>
+      </p:ext>
+    </p:extLst>
+  </p:cSld>
+  <p:clrMapOvr>
+    <a:masterClrMapping/>
+  </p:clrMapOvr>
+</p:sld>
+</file>
+
+<file path=ppt/slides/slide17.xml><?xml version="1.0" encoding="utf-8"?>
+<p:sld xmlns:a="http://schemas.openxmlformats.org/drawingml/2006/main" xmlns:r="http://schemas.openxmlformats.org/officeDocument/2006/relationships" xmlns:p="http://schemas.openxmlformats.org/presentationml/2006/main">
+  <p:cSld>
+    <p:spTree>
+      <p:nvGrpSpPr>
+        <p:cNvPr id="1" name=""/>
+        <p:cNvGrpSpPr/>
+        <p:nvPr/>
+      </p:nvGrpSpPr>
+      <p:grpSpPr>
+        <a:xfrm>
+          <a:off x="0" y="0"/>
+          <a:ext cx="0" cy="0"/>
+          <a:chOff x="0" y="0"/>
+          <a:chExt cx="0" cy="0"/>
+        </a:xfrm>
+      </p:grpSpPr>
+      <p:sp>
+        <p:nvSpPr>
+          <p:cNvPr id="4" name="Title 3">
+            <a:extLst>
+              <a:ext uri="{FF2B5EF4-FFF2-40B4-BE49-F238E27FC236}">
+                <a16:creationId xmlns:a16="http://schemas.microsoft.com/office/drawing/2014/main" id="{6CBBC6F6-61AD-2E41-A321-FB8754970219}"/>
+              </a:ext>
+            </a:extLst>
+          </p:cNvPr>
+          <p:cNvSpPr>
+            <a:spLocks noGrp="1"/>
+          </p:cNvSpPr>
+          <p:nvPr>
+            <p:ph type="title"/>
+          </p:nvPr>
+        </p:nvSpPr>
+        <p:spPr/>
+        <p:txBody>
+          <a:bodyPr/>
+          <a:lstStyle/>
+          <a:p>
+            <a:r>
+              <a:rPr lang="en-US" dirty="0"/>
+              <a:t>Epilogue</a:t>
+            </a:r>
+          </a:p>
+        </p:txBody>
+      </p:sp>
+      <p:sp>
+        <p:nvSpPr>
+          <p:cNvPr id="5" name="Content Placeholder 4">
+            <a:extLst>
+              <a:ext uri="{FF2B5EF4-FFF2-40B4-BE49-F238E27FC236}">
+                <a16:creationId xmlns:a16="http://schemas.microsoft.com/office/drawing/2014/main" id="{D77A2A44-0514-F947-B3D4-D6C779EFEEAF}"/>
+              </a:ext>
+            </a:extLst>
+          </p:cNvPr>
+          <p:cNvSpPr>
+            <a:spLocks noGrp="1"/>
+          </p:cNvSpPr>
+          <p:nvPr>
+            <p:ph idx="1"/>
+          </p:nvPr>
+        </p:nvSpPr>
+        <p:spPr/>
+        <p:txBody>
+          <a:bodyPr/>
+          <a:lstStyle/>
+          <a:p>
+            <a:endParaRPr lang="en-US" dirty="0"/>
+          </a:p>
+        </p:txBody>
+      </p:sp>
+    </p:spTree>
+    <p:extLst>
+      <p:ext uri="{BB962C8B-B14F-4D97-AF65-F5344CB8AC3E}">
+        <p14:creationId xmlns:p14="http://schemas.microsoft.com/office/powerpoint/2010/main" val="307077593"/>
+      </p:ext>
+    </p:extLst>
+  </p:cSld>
+  <p:clrMapOvr>
+    <a:masterClrMapping/>
+  </p:clrMapOvr>
+  <mc:AlternateContent xmlns:mc="http://schemas.openxmlformats.org/markup-compatibility/2006" xmlns:p159="http://schemas.microsoft.com/office/powerpoint/2015/09/main">
+    <mc:Choice Requires="p159">
+      <p:transition spd="slow">
+        <p159:morph option="byObject"/>
+      </p:transition>
+    </mc:Choice>
+    <mc:Fallback xmlns="">
+      <p:transition spd="slow">
+        <p:fade/>
+      </p:transition>
+    </mc:Fallback>
+  </mc:AlternateContent>
+  <p:timing>
+    <p:tnLst>
+      <p:par>
+        <p:cTn id="1" dur="indefinite" restart="never" nodeType="tmRoot">
+          <p:childTnLst>
+            <p:seq concurrent="1" nextAc="seek">
+              <p:cTn id="2" dur="indefinite" nodeType="mainSeq">
+                <p:childTnLst>
+                  <p:par>
+                    <p:cTn id="3" fill="hold">
+                      <p:stCondLst>
+                        <p:cond delay="indefinite"/>
+                      </p:stCondLst>
+                      <p:childTnLst>
+                        <p:par>
+                          <p:cTn id="4" fill="hold">
+                            <p:stCondLst>
+                              <p:cond delay="0"/>
+                            </p:stCondLst>
+                            <p:childTnLst>
+                              <p:par>
+                                <p:cTn id="5" presetID="2" presetClass="entr" presetSubtype="4" fill="hold" grpId="0" nodeType="clickEffect" nodePh="1">
+                                  <p:stCondLst>
+                                    <p:cond delay="0"/>
+                                  </p:stCondLst>
+                                  <p:endCondLst>
+                                    <p:cond evt="begin" delay="0">
+                                      <p:tn val="5"/>
+                                    </p:cond>
+                                  </p:endCondLst>
+                                  <p:childTnLst>
+                                    <p:set>
+                                      <p:cBhvr>
+                                        <p:cTn id="6" dur="1" fill="hold">
+                                          <p:stCondLst>
+                                            <p:cond delay="0"/>
+                                          </p:stCondLst>
+                                        </p:cTn>
+                                        <p:tgtEl>
+                                          <p:spTgt spid="5">
+                                            <p:txEl>
+                                              <p:pRg st="0" end="0"/>
+                                            </p:txEl>
+                                          </p:spTgt>
+                                        </p:tgtEl>
+                                        <p:attrNameLst>
+                                          <p:attrName>style.visibility</p:attrName>
+                                        </p:attrNameLst>
+                                      </p:cBhvr>
+                                      <p:to>
+                                        <p:strVal val="visible"/>
+                                      </p:to>
+                                    </p:set>
+                                    <p:anim calcmode="lin" valueType="num">
+                                      <p:cBhvr additive="base">
+                                        <p:cTn id="7" dur="500" fill="hold"/>
+                                        <p:tgtEl>
+                                          <p:spTgt spid="5">
+                                            <p:txEl>
+                                              <p:pRg st="0" end="0"/>
+                                            </p:txEl>
+                                          </p:spTgt>
+                                        </p:tgtEl>
+                                        <p:attrNameLst>
+                                          <p:attrName>ppt_x</p:attrName>
+                                        </p:attrNameLst>
+                                      </p:cBhvr>
+                                      <p:tavLst>
+                                        <p:tav tm="0">
+                                          <p:val>
+                                            <p:strVal val="#ppt_x"/>
+                                          </p:val>
+                                        </p:tav>
+                                        <p:tav tm="100000">
+                                          <p:val>
+                                            <p:strVal val="#ppt_x"/>
+                                          </p:val>
+                                        </p:tav>
+                                      </p:tavLst>
+                                    </p:anim>
+                                    <p:anim calcmode="lin" valueType="num">
+                                      <p:cBhvr additive="base">
+                                        <p:cTn id="8" dur="500" fill="hold"/>
+                                        <p:tgtEl>
+                                          <p:spTgt spid="5">
+                                            <p:txEl>
+                                              <p:pRg st="0" end="0"/>
+                                            </p:txEl>
+                                          </p:spTgt>
+                                        </p:tgtEl>
+                                        <p:attrNameLst>
+                                          <p:attrName>ppt_y</p:attrName>
+                                        </p:attrNameLst>
+                                      </p:cBhvr>
+                                      <p:tavLst>
+                                        <p:tav tm="0">
+                                          <p:val>
+                                            <p:strVal val="1+#ppt_h/2"/>
+                                          </p:val>
+                                        </p:tav>
+                                        <p:tav tm="100000">
+                                          <p:val>
+                                            <p:strVal val="#ppt_y"/>
+                                          </p:val>
+                                        </p:tav>
+                                      </p:tavLst>
+                                    </p:anim>
+                                  </p:childTnLst>
+                                </p:cTn>
+                              </p:par>
+                            </p:childTnLst>
+                          </p:cTn>
+                        </p:par>
+                      </p:childTnLst>
+                    </p:cTn>
+                  </p:par>
+                </p:childTnLst>
+              </p:cTn>
+              <p:prevCondLst>
+                <p:cond evt="onPrev" delay="0">
+                  <p:tgtEl>
+                    <p:sldTgt/>
+                  </p:tgtEl>
+                </p:cond>
+              </p:prevCondLst>
+              <p:nextCondLst>
+                <p:cond evt="onNext" delay="0">
+                  <p:tgtEl>
+                    <p:sldTgt/>
+                  </p:tgtEl>
+                </p:cond>
+              </p:nextCondLst>
+            </p:seq>
+          </p:childTnLst>
+        </p:cTn>
+      </p:par>
+    </p:tnLst>
+    <p:bldLst>
+      <p:bldP spid="5" grpId="0" uiExpand="1" build="p"/>
+    </p:bldLst>
+  </p:timing>
+</p:sld>
+</file>
+
+<file path=ppt/slides/slide18.xml><?xml version="1.0" encoding="utf-8"?>
+<p:sld xmlns:a="http://schemas.openxmlformats.org/drawingml/2006/main" xmlns:r="http://schemas.openxmlformats.org/officeDocument/2006/relationships" xmlns:p="http://schemas.openxmlformats.org/presentationml/2006/main">
+  <p:cSld>
+    <p:spTree>
+      <p:nvGrpSpPr>
+        <p:cNvPr id="1" name=""/>
+        <p:cNvGrpSpPr/>
+        <p:nvPr/>
+      </p:nvGrpSpPr>
+      <p:grpSpPr>
+        <a:xfrm>
+          <a:off x="0" y="0"/>
+          <a:ext cx="0" cy="0"/>
+          <a:chOff x="0" y="0"/>
+          <a:chExt cx="0" cy="0"/>
+        </a:xfrm>
+      </p:grpSpPr>
+      <p:pic>
+        <p:nvPicPr>
+          <p:cNvPr id="1030" name="Picture 6">
+            <a:extLst>
+              <a:ext uri="{FF2B5EF4-FFF2-40B4-BE49-F238E27FC236}">
+                <a16:creationId xmlns:a16="http://schemas.microsoft.com/office/drawing/2014/main" id="{92155237-FDEF-4141-B4CC-5270E6A5FB37}"/>
+              </a:ext>
+            </a:extLst>
+          </p:cNvPr>
+          <p:cNvPicPr>
+            <a:picLocks noChangeAspect="1" noChangeArrowheads="1"/>
+          </p:cNvPicPr>
+          <p:nvPr/>
+        </p:nvPicPr>
+        <p:blipFill rotWithShape="1">
+          <a:blip r:embed="rId3">
+            <a:alphaModFix amt="35000"/>
+            <a:extLst>
+              <a:ext uri="{28A0092B-C50C-407E-A947-70E740481C1C}">
+                <a14:useLocalDpi xmlns:a14="http://schemas.microsoft.com/office/drawing/2010/main" val="0"/>
+              </a:ext>
+            </a:extLst>
+          </a:blip>
+          <a:srcRect/>
+          <a:stretch/>
+        </p:blipFill>
+        <p:spPr bwMode="auto">
+          <a:xfrm>
+            <a:off x="20" y="10"/>
+            <a:ext cx="12191980" cy="6857990"/>
+          </a:xfrm>
+          <a:prstGeom prst="rect">
+            <a:avLst/>
+          </a:prstGeom>
+          <a:noFill/>
+          <a:extLst>
+            <a:ext uri="{909E8E84-426E-40DD-AFC4-6F175D3DCCD1}">
+              <a14:hiddenFill xmlns:a14="http://schemas.microsoft.com/office/drawing/2010/main">
+                <a:solidFill>
+                  <a:srgbClr val="FFFFFF"/>
+                </a:solidFill>
+              </a14:hiddenFill>
+            </a:ext>
+          </a:extLst>
+        </p:spPr>
+      </p:pic>
+      <p:sp>
+        <p:nvSpPr>
+          <p:cNvPr id="2" name="Title 1">
+            <a:extLst>
+              <a:ext uri="{FF2B5EF4-FFF2-40B4-BE49-F238E27FC236}">
+                <a16:creationId xmlns:a16="http://schemas.microsoft.com/office/drawing/2014/main" id="{65887394-FE68-CE44-9EC6-15DF5B2987C4}"/>
+              </a:ext>
+            </a:extLst>
+          </p:cNvPr>
+          <p:cNvSpPr>
+            <a:spLocks noGrp="1"/>
+          </p:cNvSpPr>
+          <p:nvPr>
+            <p:ph type="title"/>
+          </p:nvPr>
+        </p:nvSpPr>
+        <p:spPr>
+          <a:xfrm>
+            <a:off x="3962399" y="1964267"/>
+            <a:ext cx="7197726" cy="2421464"/>
+          </a:xfrm>
+        </p:spPr>
+        <p:txBody>
+          <a:bodyPr vert="horz" lIns="91440" tIns="45720" rIns="91440" bIns="45720" rtlCol="0" anchor="b">
+            <a:normAutofit/>
+          </a:bodyPr>
+          <a:lstStyle/>
+          <a:p>
+            <a:pPr algn="r"/>
+            <a:r>
+              <a:rPr lang="en-US" sz="4800" dirty="0"/>
+              <a:t>Q &amp; A</a:t>
+            </a:r>
+          </a:p>
+        </p:txBody>
+      </p:sp>
+      <p:sp>
+        <p:nvSpPr>
+          <p:cNvPr id="4" name="Text Placeholder 3">
+            <a:extLst>
+              <a:ext uri="{FF2B5EF4-FFF2-40B4-BE49-F238E27FC236}">
+                <a16:creationId xmlns:a16="http://schemas.microsoft.com/office/drawing/2014/main" id="{8F7A21A3-4257-6B4A-A93C-266B0C86D012}"/>
+              </a:ext>
+            </a:extLst>
+          </p:cNvPr>
+          <p:cNvSpPr>
+            <a:spLocks noGrp="1"/>
+          </p:cNvSpPr>
+          <p:nvPr>
+            <p:ph type="body" idx="1"/>
+          </p:nvPr>
+        </p:nvSpPr>
+        <p:spPr>
+          <a:xfrm>
+            <a:off x="3962399" y="4385732"/>
+            <a:ext cx="7197726" cy="1405467"/>
+          </a:xfrm>
+        </p:spPr>
+        <p:txBody>
+          <a:bodyPr vert="horz" lIns="91440" tIns="45720" rIns="91440" bIns="45720" rtlCol="0" anchor="t">
+            <a:normAutofit/>
+          </a:bodyPr>
+          <a:lstStyle/>
+          <a:p>
+            <a:pPr algn="r"/>
+            <a:endParaRPr lang="en-US" sz="1800" dirty="0"/>
+          </a:p>
+        </p:txBody>
+      </p:sp>
+    </p:spTree>
+    <p:extLst>
+      <p:ext uri="{BB962C8B-B14F-4D97-AF65-F5344CB8AC3E}">
+        <p14:creationId xmlns:p14="http://schemas.microsoft.com/office/powerpoint/2010/main" val="1588320417"/>
+      </p:ext>
+    </p:extLst>
+  </p:cSld>
+  <p:clrMapOvr>
+    <a:masterClrMapping/>
+  </p:clrMapOvr>
+</p:sld>
+</file>
+
+<file path=ppt/slides/slide2.xml><?xml version="1.0" encoding="utf-8"?>
+<p:sld xmlns:a="http://schemas.openxmlformats.org/drawingml/2006/main" xmlns:r="http://schemas.openxmlformats.org/officeDocument/2006/relationships" xmlns:p="http://schemas.openxmlformats.org/presentationml/2006/main">
+  <p:cSld>
+    <p:spTree>
+      <p:nvGrpSpPr>
+        <p:cNvPr id="1" name=""/>
+        <p:cNvGrpSpPr/>
+        <p:nvPr/>
+      </p:nvGrpSpPr>
+      <p:grpSpPr>
+        <a:xfrm>
+          <a:off x="0" y="0"/>
+          <a:ext cx="0" cy="0"/>
+          <a:chOff x="0" y="0"/>
+          <a:chExt cx="0" cy="0"/>
+        </a:xfrm>
+      </p:grpSpPr>
+      <p:sp>
+        <p:nvSpPr>
+          <p:cNvPr id="2" name="Title 1">
+            <a:extLst>
+              <a:ext uri="{FF2B5EF4-FFF2-40B4-BE49-F238E27FC236}">
+                <a16:creationId xmlns:a16="http://schemas.microsoft.com/office/drawing/2014/main" id="{946C17B9-D90B-494D-800C-47F79A9FD3C3}"/>
+              </a:ext>
+            </a:extLst>
+          </p:cNvPr>
+          <p:cNvSpPr>
+            <a:spLocks noGrp="1"/>
+          </p:cNvSpPr>
+          <p:nvPr>
+            <p:ph type="title"/>
+          </p:nvPr>
+        </p:nvSpPr>
+        <p:spPr/>
+        <p:txBody>
+          <a:bodyPr/>
+          <a:lstStyle/>
+          <a:p>
+            <a:r>
+              <a:rPr lang="en-US" dirty="0"/>
+              <a:t>Intro</a:t>
+            </a:r>
+          </a:p>
+        </p:txBody>
+      </p:sp>
+      <p:sp>
+        <p:nvSpPr>
+          <p:cNvPr id="3" name="Text Placeholder 2">
+            <a:extLst>
+              <a:ext uri="{FF2B5EF4-FFF2-40B4-BE49-F238E27FC236}">
+                <a16:creationId xmlns:a16="http://schemas.microsoft.com/office/drawing/2014/main" id="{72FECDC8-ECC1-C84D-9106-911BBEE2E474}"/>
+              </a:ext>
+            </a:extLst>
+          </p:cNvPr>
+          <p:cNvSpPr>
+            <a:spLocks noGrp="1"/>
+          </p:cNvSpPr>
+          <p:nvPr>
+            <p:ph type="body" idx="1"/>
+          </p:nvPr>
+        </p:nvSpPr>
+        <p:spPr/>
+        <p:txBody>
+          <a:bodyPr/>
+          <a:lstStyle/>
+          <a:p>
+            <a:endParaRPr lang="en-US"/>
+          </a:p>
+        </p:txBody>
+      </p:sp>
+    </p:spTree>
+    <p:extLst>
+      <p:ext uri="{BB962C8B-B14F-4D97-AF65-F5344CB8AC3E}">
+        <p14:creationId xmlns:p14="http://schemas.microsoft.com/office/powerpoint/2010/main" val="2896982049"/>
+      </p:ext>
+    </p:extLst>
+  </p:cSld>
+  <p:clrMapOvr>
+    <a:masterClrMapping/>
+  </p:clrMapOvr>
+</p:sld>
+</file>
+
+<file path=ppt/slides/slide3.xml><?xml version="1.0" encoding="utf-8"?>
+<p:sld xmlns:a="http://schemas.openxmlformats.org/drawingml/2006/main" xmlns:r="http://schemas.openxmlformats.org/officeDocument/2006/relationships" xmlns:p="http://schemas.openxmlformats.org/presentationml/2006/main">
+  <p:cSld>
+    <p:spTree>
+      <p:nvGrpSpPr>
+        <p:cNvPr id="1" name=""/>
+        <p:cNvGrpSpPr/>
+        <p:nvPr/>
+      </p:nvGrpSpPr>
+      <p:grpSpPr>
+        <a:xfrm>
+          <a:off x="0" y="0"/>
+          <a:ext cx="0" cy="0"/>
+          <a:chOff x="0" y="0"/>
+          <a:chExt cx="0" cy="0"/>
+        </a:xfrm>
+      </p:grpSpPr>
+      <p:sp>
+        <p:nvSpPr>
+          <p:cNvPr id="2" name="Title 1">
+            <a:extLst>
+              <a:ext uri="{FF2B5EF4-FFF2-40B4-BE49-F238E27FC236}">
+                <a16:creationId xmlns:a16="http://schemas.microsoft.com/office/drawing/2014/main" id="{935E847A-DEE9-0A41-818F-097164892593}"/>
+              </a:ext>
+            </a:extLst>
+          </p:cNvPr>
+          <p:cNvSpPr>
+            <a:spLocks noGrp="1"/>
+          </p:cNvSpPr>
+          <p:nvPr>
+            <p:ph type="title"/>
+          </p:nvPr>
+        </p:nvSpPr>
+        <p:spPr/>
+        <p:txBody>
+          <a:bodyPr/>
+          <a:lstStyle/>
+          <a:p>
+            <a:r>
+              <a:rPr lang="en-US" dirty="0"/>
+              <a:t>Intro</a:t>
+            </a:r>
+          </a:p>
+        </p:txBody>
+      </p:sp>
+      <p:sp>
+        <p:nvSpPr>
+          <p:cNvPr id="3" name="Content Placeholder 2">
+            <a:extLst>
+              <a:ext uri="{FF2B5EF4-FFF2-40B4-BE49-F238E27FC236}">
+                <a16:creationId xmlns:a16="http://schemas.microsoft.com/office/drawing/2014/main" id="{802C7D51-D68F-564E-9BD9-873BE177B23C}"/>
+              </a:ext>
+            </a:extLst>
+          </p:cNvPr>
+          <p:cNvSpPr>
+            <a:spLocks noGrp="1"/>
+          </p:cNvSpPr>
+          <p:nvPr>
+            <p:ph idx="1"/>
+          </p:nvPr>
+        </p:nvSpPr>
+        <p:spPr/>
+        <p:txBody>
+          <a:bodyPr/>
+          <a:lstStyle/>
+          <a:p>
+            <a:r>
+              <a:rPr lang="en-US" dirty="0"/>
+              <a:t>Java 10 was the first of the bi-annual releases</a:t>
+            </a:r>
+          </a:p>
+          <a:p>
+            <a:r>
+              <a:rPr lang="en-US" dirty="0"/>
+              <a:t>Six-month release cycle means less time for “big” changes</a:t>
+            </a:r>
+          </a:p>
+          <a:p>
+            <a:pPr lvl="1"/>
+            <a:r>
+              <a:rPr lang="en-US" dirty="0"/>
+              <a:t>Java 9 started introducing experimental &amp; preview features</a:t>
+            </a:r>
+          </a:p>
+          <a:p>
+            <a:pPr lvl="1"/>
+            <a:r>
+              <a:rPr lang="en-US" dirty="0"/>
+              <a:t>Generally used 2 releases to get community feedback before being finalized as a standard</a:t>
+            </a:r>
+          </a:p>
+        </p:txBody>
+      </p:sp>
+    </p:spTree>
+    <p:extLst>
+      <p:ext uri="{BB962C8B-B14F-4D97-AF65-F5344CB8AC3E}">
+        <p14:creationId xmlns:p14="http://schemas.microsoft.com/office/powerpoint/2010/main" val="1007651996"/>
+      </p:ext>
+    </p:extLst>
+  </p:cSld>
+  <p:clrMapOvr>
+    <a:masterClrMapping/>
+  </p:clrMapOvr>
+</p:sld>
+</file>
+
+<file path=ppt/slides/slide4.xml><?xml version="1.0" encoding="utf-8"?>
+<p:sld xmlns:a="http://schemas.openxmlformats.org/drawingml/2006/main" xmlns:r="http://schemas.openxmlformats.org/officeDocument/2006/relationships" xmlns:p="http://schemas.openxmlformats.org/presentationml/2006/main">
+  <p:cSld>
+    <p:spTree>
+      <p:nvGrpSpPr>
+        <p:cNvPr id="1" name=""/>
+        <p:cNvGrpSpPr/>
+        <p:nvPr/>
+      </p:nvGrpSpPr>
+      <p:grpSpPr>
+        <a:xfrm>
+          <a:off x="0" y="0"/>
+          <a:ext cx="0" cy="0"/>
+          <a:chOff x="0" y="0"/>
+          <a:chExt cx="0" cy="0"/>
+        </a:xfrm>
+      </p:grpSpPr>
+      <p:sp>
+        <p:nvSpPr>
+          <p:cNvPr id="2" name="Title 1">
+            <a:extLst>
+              <a:ext uri="{FF2B5EF4-FFF2-40B4-BE49-F238E27FC236}">
+                <a16:creationId xmlns:a16="http://schemas.microsoft.com/office/drawing/2014/main" id="{E61D9FCE-34DE-4D49-AD64-CD98472F3E35}"/>
+              </a:ext>
+            </a:extLst>
+          </p:cNvPr>
+          <p:cNvSpPr>
+            <a:spLocks noGrp="1"/>
+          </p:cNvSpPr>
+          <p:nvPr>
+            <p:ph type="title"/>
+          </p:nvPr>
+        </p:nvSpPr>
+        <p:spPr/>
+        <p:txBody>
+          <a:bodyPr/>
+          <a:lstStyle/>
+          <a:p>
+            <a:r>
+              <a:rPr lang="en-US" dirty="0"/>
+              <a:t>Language Changes</a:t>
+            </a:r>
+          </a:p>
+        </p:txBody>
+      </p:sp>
+      <p:sp>
+        <p:nvSpPr>
+          <p:cNvPr id="3" name="Text Placeholder 2">
+            <a:extLst>
+              <a:ext uri="{FF2B5EF4-FFF2-40B4-BE49-F238E27FC236}">
+                <a16:creationId xmlns:a16="http://schemas.microsoft.com/office/drawing/2014/main" id="{5361484F-8390-8649-9A00-0158013EDD27}"/>
+              </a:ext>
+            </a:extLst>
+          </p:cNvPr>
+          <p:cNvSpPr>
+            <a:spLocks noGrp="1"/>
+          </p:cNvSpPr>
+          <p:nvPr>
+            <p:ph type="body" idx="1"/>
+          </p:nvPr>
+        </p:nvSpPr>
+        <p:spPr/>
+        <p:txBody>
+          <a:bodyPr/>
+          <a:lstStyle/>
+          <a:p>
+            <a:r>
+              <a:rPr lang="en-US" dirty="0" err="1"/>
+              <a:t>Parlez</a:t>
+            </a:r>
+            <a:r>
+              <a:rPr lang="en-US" dirty="0"/>
+              <a:t> </a:t>
+            </a:r>
+            <a:r>
+              <a:rPr lang="en-US" dirty="0" err="1"/>
+              <a:t>vous</a:t>
+            </a:r>
+            <a:r>
+              <a:rPr lang="en-US" dirty="0"/>
+              <a:t> Java?</a:t>
+            </a:r>
+          </a:p>
+        </p:txBody>
+      </p:sp>
+    </p:spTree>
+    <p:extLst>
+      <p:ext uri="{BB962C8B-B14F-4D97-AF65-F5344CB8AC3E}">
+        <p14:creationId xmlns:p14="http://schemas.microsoft.com/office/powerpoint/2010/main" val="1235761972"/>
+      </p:ext>
+    </p:extLst>
+  </p:cSld>
+  <p:clrMapOvr>
+    <a:masterClrMapping/>
+  </p:clrMapOvr>
+</p:sld>
+</file>
+
+<file path=ppt/slides/slide5.xml><?xml version="1.0" encoding="utf-8"?>
+<p:sld xmlns:a="http://schemas.openxmlformats.org/drawingml/2006/main" xmlns:r="http://schemas.openxmlformats.org/officeDocument/2006/relationships" xmlns:p="http://schemas.openxmlformats.org/presentationml/2006/main">
+  <p:cSld>
+    <p:spTree>
+      <p:nvGrpSpPr>
+        <p:cNvPr id="1" name=""/>
+        <p:cNvGrpSpPr/>
+        <p:nvPr/>
+      </p:nvGrpSpPr>
+      <p:grpSpPr>
+        <a:xfrm>
+          <a:off x="0" y="0"/>
+          <a:ext cx="0" cy="0"/>
+          <a:chOff x="0" y="0"/>
+          <a:chExt cx="0" cy="0"/>
+        </a:xfrm>
+      </p:grpSpPr>
+      <p:sp>
+        <p:nvSpPr>
+          <p:cNvPr id="2" name="Title 1">
+            <a:extLst>
+              <a:ext uri="{FF2B5EF4-FFF2-40B4-BE49-F238E27FC236}">
+                <a16:creationId xmlns:a16="http://schemas.microsoft.com/office/drawing/2014/main" id="{D549CB59-A0E4-4146-B5C8-6B12AC073354}"/>
+              </a:ext>
+            </a:extLst>
+          </p:cNvPr>
+          <p:cNvSpPr>
+            <a:spLocks noGrp="1"/>
+          </p:cNvSpPr>
+          <p:nvPr>
+            <p:ph type="title"/>
+          </p:nvPr>
+        </p:nvSpPr>
+        <p:spPr/>
+        <p:txBody>
+          <a:bodyPr/>
+          <a:lstStyle/>
+          <a:p>
+            <a:r>
+              <a:rPr lang="en-US" dirty="0"/>
+              <a:t>Language Changes</a:t>
+            </a:r>
+          </a:p>
+        </p:txBody>
+      </p:sp>
+      <p:sp>
+        <p:nvSpPr>
+          <p:cNvPr id="3" name="Content Placeholder 2">
+            <a:extLst>
+              <a:ext uri="{FF2B5EF4-FFF2-40B4-BE49-F238E27FC236}">
+                <a16:creationId xmlns:a16="http://schemas.microsoft.com/office/drawing/2014/main" id="{0A45A632-1493-F449-BAB9-460406D2C3DB}"/>
+              </a:ext>
+            </a:extLst>
+          </p:cNvPr>
+          <p:cNvSpPr>
+            <a:spLocks noGrp="1"/>
+          </p:cNvSpPr>
+          <p:nvPr>
+            <p:ph idx="1"/>
+          </p:nvPr>
+        </p:nvSpPr>
+        <p:spPr/>
+        <p:txBody>
+          <a:bodyPr>
+            <a:normAutofit fontScale="92500" lnSpcReduction="20000"/>
+          </a:bodyPr>
+          <a:lstStyle/>
+          <a:p>
+            <a:pPr marL="0" indent="0">
+              <a:buNone/>
+            </a:pPr>
+            <a:r>
+              <a:rPr lang="en-US" sz="2800" dirty="0"/>
+              <a:t>Enhancements in a nutshell:</a:t>
+            </a:r>
+          </a:p>
+          <a:p>
+            <a:r>
+              <a:rPr lang="en-US" dirty="0"/>
+              <a:t>Module system</a:t>
+            </a:r>
+          </a:p>
+          <a:p>
+            <a:r>
+              <a:rPr lang="en-US" dirty="0"/>
+              <a:t>Private interface methods</a:t>
+            </a:r>
+          </a:p>
+          <a:p>
+            <a:r>
+              <a:rPr lang="en-US" dirty="0"/>
+              <a:t>Type inference</a:t>
+            </a:r>
+          </a:p>
+          <a:p>
+            <a:r>
+              <a:rPr lang="en-US" dirty="0"/>
+              <a:t>“Effectively final” in try-with-resources</a:t>
+            </a:r>
+          </a:p>
+          <a:p>
+            <a:r>
+              <a:rPr lang="en-US" dirty="0"/>
+              <a:t>Text blocks</a:t>
+            </a:r>
+          </a:p>
+          <a:p>
+            <a:r>
+              <a:rPr lang="en-US" dirty="0"/>
+              <a:t>Switch expressions</a:t>
+            </a:r>
+          </a:p>
+          <a:p>
+            <a:r>
+              <a:rPr lang="en-US" dirty="0"/>
+              <a:t>Pattern matching</a:t>
+            </a:r>
+          </a:p>
+          <a:p>
+            <a:r>
+              <a:rPr lang="en-US" dirty="0"/>
+              <a:t>Record classes</a:t>
+            </a:r>
+          </a:p>
+          <a:p>
+            <a:r>
+              <a:rPr lang="en-US" dirty="0"/>
+              <a:t>Sealed classes</a:t>
+            </a:r>
+          </a:p>
+        </p:txBody>
+      </p:sp>
+    </p:spTree>
+    <p:extLst>
+      <p:ext uri="{BB962C8B-B14F-4D97-AF65-F5344CB8AC3E}">
+        <p14:creationId xmlns:p14="http://schemas.microsoft.com/office/powerpoint/2010/main" val="2948442141"/>
+      </p:ext>
+    </p:extLst>
+  </p:cSld>
+  <p:clrMapOvr>
+    <a:masterClrMapping/>
+  </p:clrMapOvr>
+</p:sld>
+</file>
+
+<file path=ppt/slides/slide6.xml><?xml version="1.0" encoding="utf-8"?>
+<p:sld xmlns:a="http://schemas.openxmlformats.org/drawingml/2006/main" xmlns:r="http://schemas.openxmlformats.org/officeDocument/2006/relationships" xmlns:p="http://schemas.openxmlformats.org/presentationml/2006/main">
+  <p:cSld>
+    <p:spTree>
+      <p:nvGrpSpPr>
+        <p:cNvPr id="1" name=""/>
+        <p:cNvGrpSpPr/>
+        <p:nvPr/>
+      </p:nvGrpSpPr>
+      <p:grpSpPr>
+        <a:xfrm>
+          <a:off x="0" y="0"/>
+          <a:ext cx="0" cy="0"/>
+          <a:chOff x="0" y="0"/>
+          <a:chExt cx="0" cy="0"/>
+        </a:xfrm>
+      </p:grpSpPr>
+      <p:sp>
+        <p:nvSpPr>
+          <p:cNvPr id="2" name="Title 1">
+            <a:extLst>
+              <a:ext uri="{FF2B5EF4-FFF2-40B4-BE49-F238E27FC236}">
+                <a16:creationId xmlns:a16="http://schemas.microsoft.com/office/drawing/2014/main" id="{C2052CE5-F69A-D645-8ECD-5C44E4A30D5C}"/>
+              </a:ext>
+            </a:extLst>
+          </p:cNvPr>
+          <p:cNvSpPr>
+            <a:spLocks noGrp="1"/>
+          </p:cNvSpPr>
+          <p:nvPr>
+            <p:ph type="title"/>
+          </p:nvPr>
+        </p:nvSpPr>
+        <p:spPr/>
+        <p:txBody>
+          <a:bodyPr/>
+          <a:lstStyle/>
+          <a:p>
+            <a:r>
+              <a:rPr lang="en-US" dirty="0"/>
+              <a:t>Language Changes</a:t>
+            </a:r>
+          </a:p>
+        </p:txBody>
+      </p:sp>
+      <p:sp>
+        <p:nvSpPr>
+          <p:cNvPr id="3" name="Content Placeholder 2">
+            <a:extLst>
+              <a:ext uri="{FF2B5EF4-FFF2-40B4-BE49-F238E27FC236}">
+                <a16:creationId xmlns:a16="http://schemas.microsoft.com/office/drawing/2014/main" id="{20ABE521-BF95-4441-82E2-23994761C137}"/>
+              </a:ext>
+            </a:extLst>
+          </p:cNvPr>
+          <p:cNvSpPr>
+            <a:spLocks noGrp="1"/>
+          </p:cNvSpPr>
+          <p:nvPr>
+            <p:ph sz="half" idx="1"/>
+          </p:nvPr>
+        </p:nvSpPr>
+        <p:spPr>
+          <a:xfrm>
+            <a:off x="685802" y="2142067"/>
+            <a:ext cx="3016403" cy="3649134"/>
+          </a:xfrm>
+        </p:spPr>
+        <p:txBody>
+          <a:bodyPr>
+            <a:noAutofit/>
+          </a:bodyPr>
+          <a:lstStyle/>
+          <a:p>
+            <a:pPr marL="0" indent="0">
+              <a:buNone/>
+            </a:pPr>
+            <a:r>
+              <a:rPr lang="en-US" sz="2800" dirty="0"/>
+              <a:t>Java Platform Module System</a:t>
+            </a:r>
+          </a:p>
+          <a:p>
+            <a:pPr marL="0" indent="0">
+              <a:buNone/>
+            </a:pPr>
+            <a:r>
+              <a:rPr lang="en-US" sz="2800" dirty="0"/>
+              <a:t>(JPMS)</a:t>
+            </a:r>
+          </a:p>
+        </p:txBody>
+      </p:sp>
+      <p:sp>
+        <p:nvSpPr>
+          <p:cNvPr id="4" name="Content Placeholder 3">
+            <a:extLst>
+              <a:ext uri="{FF2B5EF4-FFF2-40B4-BE49-F238E27FC236}">
+                <a16:creationId xmlns:a16="http://schemas.microsoft.com/office/drawing/2014/main" id="{26204FAF-26E7-1B46-B974-24DDC791B844}"/>
+              </a:ext>
+            </a:extLst>
+          </p:cNvPr>
+          <p:cNvSpPr>
+            <a:spLocks noGrp="1"/>
+          </p:cNvSpPr>
+          <p:nvPr>
+            <p:ph sz="half" idx="2"/>
+          </p:nvPr>
+        </p:nvSpPr>
+        <p:spPr>
+          <a:xfrm>
+            <a:off x="3914078" y="2142067"/>
+            <a:ext cx="6903149" cy="3649133"/>
+          </a:xfrm>
+        </p:spPr>
+        <p:txBody>
+          <a:bodyPr anchor="t">
+            <a:normAutofit fontScale="92500" lnSpcReduction="10000"/>
+          </a:bodyPr>
+          <a:lstStyle/>
+          <a:p>
+            <a:pPr marL="0" indent="0">
+              <a:lnSpc>
+                <a:spcPct val="120000"/>
+              </a:lnSpc>
+              <a:buNone/>
+            </a:pPr>
+            <a:r>
+              <a:rPr lang="en-US" sz="2400" dirty="0"/>
+              <a:t>Additional loading &amp; scoping capabilities</a:t>
+            </a:r>
+          </a:p>
+          <a:p>
+            <a:pPr marL="0" indent="0">
+              <a:buNone/>
+            </a:pPr>
+            <a:endParaRPr lang="en-US" sz="2400" dirty="0"/>
+          </a:p>
+          <a:p>
+            <a:pPr marL="0" indent="0">
+              <a:lnSpc>
+                <a:spcPct val="150000"/>
+              </a:lnSpc>
+              <a:buNone/>
+            </a:pPr>
+            <a:r>
+              <a:rPr lang="en-US" sz="2000" dirty="0"/>
+              <a:t>Encapsulation at the JAR level</a:t>
+            </a:r>
+            <a:endParaRPr lang="en-US" sz="2000" dirty="0">
+              <a:latin typeface="Andale Mono" panose="020B0509000000000004" pitchFamily="49" charset="0"/>
+            </a:endParaRPr>
+          </a:p>
+          <a:p>
+            <a:pPr marL="0" indent="0">
+              <a:lnSpc>
+                <a:spcPct val="150000"/>
+              </a:lnSpc>
+              <a:buNone/>
+            </a:pPr>
+            <a:r>
+              <a:rPr lang="en-US" sz="2000" dirty="0"/>
+              <a:t>New manifest file to declare</a:t>
+            </a:r>
+          </a:p>
+          <a:p>
+            <a:pPr>
+              <a:lnSpc>
+                <a:spcPct val="150000"/>
+              </a:lnSpc>
+            </a:pPr>
+            <a:r>
+              <a:rPr lang="en-US" sz="2000" dirty="0"/>
+              <a:t>Exported packages</a:t>
+            </a:r>
+          </a:p>
+          <a:p>
+            <a:pPr>
+              <a:lnSpc>
+                <a:spcPct val="150000"/>
+              </a:lnSpc>
+            </a:pPr>
+            <a:r>
+              <a:rPr lang="en-US" sz="2000" dirty="0"/>
+              <a:t>Service implementations</a:t>
+            </a:r>
+          </a:p>
+          <a:p>
+            <a:pPr>
+              <a:lnSpc>
+                <a:spcPct val="150000"/>
+              </a:lnSpc>
+            </a:pPr>
+            <a:r>
+              <a:rPr lang="en-US" sz="2000" dirty="0"/>
+              <a:t>External modules</a:t>
+            </a:r>
+          </a:p>
+        </p:txBody>
+      </p:sp>
+    </p:spTree>
+    <p:extLst>
+      <p:ext uri="{BB962C8B-B14F-4D97-AF65-F5344CB8AC3E}">
+        <p14:creationId xmlns:p14="http://schemas.microsoft.com/office/powerpoint/2010/main" val="4232567782"/>
+      </p:ext>
+    </p:extLst>
+  </p:cSld>
+  <p:clrMapOvr>
+    <a:masterClrMapping/>
+  </p:clrMapOvr>
+  <p:timing>
+    <p:tnLst>
+      <p:par>
+        <p:cTn id="1" dur="indefinite" restart="never" nodeType="tmRoot">
+          <p:childTnLst>
+            <p:seq concurrent="1" nextAc="seek">
+              <p:cTn id="2" dur="indefinite" nodeType="mainSeq">
+                <p:childTnLst>
+                  <p:par>
+                    <p:cTn id="3" fill="hold">
+                      <p:stCondLst>
+                        <p:cond delay="indefinite"/>
+                        <p:cond evt="onBegin" delay="0">
+                          <p:tn val="2"/>
+                        </p:cond>
+                      </p:stCondLst>
+                      <p:childTnLst>
+                        <p:par>
+                          <p:cTn id="4" fill="hold">
+                            <p:stCondLst>
+                              <p:cond delay="0"/>
+                            </p:stCondLst>
+                            <p:childTnLst>
+                              <p:par>
+                                <p:cTn id="5" presetID="1" presetClass="entr" presetSubtype="0" fill="hold" nodeType="afterEffect">
+                                  <p:stCondLst>
+                                    <p:cond delay="0"/>
+                                  </p:stCondLst>
+                                  <p:childTnLst>
+                                    <p:set>
+                                      <p:cBhvr>
+                                        <p:cTn id="6" dur="1" fill="hold">
+                                          <p:stCondLst>
+                                            <p:cond delay="0"/>
+                                          </p:stCondLst>
+                                        </p:cTn>
+                                        <p:tgtEl>
+                                          <p:spTgt spid="4">
+                                            <p:txEl>
+                                              <p:pRg st="0" end="0"/>
+                                            </p:txEl>
+                                          </p:spTgt>
+                                        </p:tgtEl>
+                                        <p:attrNameLst>
+                                          <p:attrName>style.visibility</p:attrName>
+                                        </p:attrNameLst>
+                                      </p:cBhvr>
+                                      <p:to>
+                                        <p:strVal val="visible"/>
+                                      </p:to>
+                                    </p:set>
+                                  </p:childTnLst>
+                                </p:cTn>
+                              </p:par>
+                            </p:childTnLst>
+                          </p:cTn>
+                        </p:par>
+                        <p:par>
+                          <p:cTn id="7" fill="hold">
+                            <p:stCondLst>
+                              <p:cond delay="0"/>
+                            </p:stCondLst>
+                            <p:childTnLst>
+                              <p:par>
+                                <p:cTn id="8" presetID="1" presetClass="entr" presetSubtype="0" fill="hold" nodeType="afterEffect">
+                                  <p:stCondLst>
+                                    <p:cond delay="0"/>
+                                  </p:stCondLst>
+                                  <p:childTnLst>
+                                    <p:set>
+                                      <p:cBhvr>
+                                        <p:cTn id="9" dur="1" fill="hold">
+                                          <p:stCondLst>
+                                            <p:cond delay="0"/>
+                                          </p:stCondLst>
+                                        </p:cTn>
+                                        <p:tgtEl>
+                                          <p:spTgt spid="4">
+                                            <p:txEl>
+                                              <p:pRg st="2" end="2"/>
+                                            </p:txEl>
+                                          </p:spTgt>
+                                        </p:tgtEl>
+                                        <p:attrNameLst>
+                                          <p:attrName>style.visibility</p:attrName>
+                                        </p:attrNameLst>
+                                      </p:cBhvr>
+                                      <p:to>
+                                        <p:strVal val="visible"/>
+                                      </p:to>
+                                    </p:set>
+                                  </p:childTnLst>
+                                </p:cTn>
+                              </p:par>
+                              <p:par>
+                                <p:cTn id="10" presetID="1" presetClass="entr" presetSubtype="0" fill="hold" nodeType="withEffect">
+                                  <p:stCondLst>
+                                    <p:cond delay="0"/>
+                                  </p:stCondLst>
+                                  <p:childTnLst>
+                                    <p:set>
+                                      <p:cBhvr>
+                                        <p:cTn id="11" dur="1" fill="hold">
+                                          <p:stCondLst>
+                                            <p:cond delay="0"/>
+                                          </p:stCondLst>
+                                        </p:cTn>
+                                        <p:tgtEl>
+                                          <p:spTgt spid="4">
+                                            <p:txEl>
+                                              <p:pRg st="3" end="3"/>
+                                            </p:txEl>
+                                          </p:spTgt>
+                                        </p:tgtEl>
+                                        <p:attrNameLst>
+                                          <p:attrName>style.visibility</p:attrName>
+                                        </p:attrNameLst>
+                                      </p:cBhvr>
+                                      <p:to>
+                                        <p:strVal val="visible"/>
+                                      </p:to>
+                                    </p:set>
+                                  </p:childTnLst>
+                                </p:cTn>
+                              </p:par>
+                              <p:par>
+                                <p:cTn id="12" presetID="1" presetClass="entr" presetSubtype="0" fill="hold" nodeType="withEffect">
+                                  <p:stCondLst>
+                                    <p:cond delay="0"/>
+                                  </p:stCondLst>
+                                  <p:childTnLst>
+                                    <p:set>
+                                      <p:cBhvr>
+                                        <p:cTn id="13" dur="1" fill="hold">
+                                          <p:stCondLst>
+                                            <p:cond delay="0"/>
+                                          </p:stCondLst>
+                                        </p:cTn>
+                                        <p:tgtEl>
+                                          <p:spTgt spid="4">
+                                            <p:txEl>
+                                              <p:pRg st="4" end="4"/>
+                                            </p:txEl>
+                                          </p:spTgt>
+                                        </p:tgtEl>
+                                        <p:attrNameLst>
+                                          <p:attrName>style.visibility</p:attrName>
+                                        </p:attrNameLst>
+                                      </p:cBhvr>
+                                      <p:to>
+                                        <p:strVal val="visible"/>
+                                      </p:to>
+                                    </p:set>
+                                  </p:childTnLst>
+                                </p:cTn>
+                              </p:par>
+                              <p:par>
+                                <p:cTn id="14" presetID="1" presetClass="entr" presetSubtype="0" fill="hold" nodeType="withEffect">
+                                  <p:stCondLst>
+                                    <p:cond delay="0"/>
+                                  </p:stCondLst>
+                                  <p:childTnLst>
+                                    <p:set>
+                                      <p:cBhvr>
+                                        <p:cTn id="15" dur="1" fill="hold">
+                                          <p:stCondLst>
+                                            <p:cond delay="0"/>
+                                          </p:stCondLst>
+                                        </p:cTn>
+                                        <p:tgtEl>
+                                          <p:spTgt spid="4">
+                                            <p:txEl>
+                                              <p:pRg st="5" end="5"/>
+                                            </p:txEl>
+                                          </p:spTgt>
+                                        </p:tgtEl>
+                                        <p:attrNameLst>
+                                          <p:attrName>style.visibility</p:attrName>
+                                        </p:attrNameLst>
+                                      </p:cBhvr>
+                                      <p:to>
+                                        <p:strVal val="visible"/>
+                                      </p:to>
+                                    </p:set>
+                                  </p:childTnLst>
+                                </p:cTn>
+                              </p:par>
+                              <p:par>
+                                <p:cTn id="16" presetID="1" presetClass="entr" presetSubtype="0" fill="hold" nodeType="withEffect">
+                                  <p:stCondLst>
+                                    <p:cond delay="0"/>
+                                  </p:stCondLst>
+                                  <p:childTnLst>
+                                    <p:set>
+                                      <p:cBhvr>
+                                        <p:cTn id="17" dur="1" fill="hold">
+                                          <p:stCondLst>
+                                            <p:cond delay="0"/>
+                                          </p:stCondLst>
+                                        </p:cTn>
+                                        <p:tgtEl>
+                                          <p:spTgt spid="4">
+                                            <p:txEl>
+                                              <p:pRg st="6" end="6"/>
+                                            </p:txEl>
+                                          </p:spTgt>
+                                        </p:tgtEl>
+                                        <p:attrNameLst>
+                                          <p:attrName>style.visibility</p:attrName>
+                                        </p:attrNameLst>
+                                      </p:cBhvr>
+                                      <p:to>
+                                        <p:strVal val="visible"/>
+                                      </p:to>
+                                    </p:set>
+                                  </p:childTnLst>
+                                </p:cTn>
+                              </p:par>
+                            </p:childTnLst>
+                          </p:cTn>
+                        </p:par>
+                      </p:childTnLst>
+                    </p:cTn>
+                  </p:par>
+                </p:childTnLst>
+              </p:cTn>
+              <p:prevCondLst>
+                <p:cond evt="onPrev" delay="0">
+                  <p:tgtEl>
+                    <p:sldTgt/>
+                  </p:tgtEl>
+                </p:cond>
+              </p:prevCondLst>
+              <p:nextCondLst>
+                <p:cond evt="onNext" delay="0">
+                  <p:tgtEl>
+                    <p:sldTgt/>
+                  </p:tgtEl>
+                </p:cond>
+              </p:nextCondLst>
+            </p:seq>
+          </p:childTnLst>
+        </p:cTn>
+      </p:par>
+    </p:tnLst>
+  </p:timing>
+</p:sld>
+</file>
+
+<file path=ppt/slides/slide7.xml><?xml version="1.0" encoding="utf-8"?>
+<p:sld xmlns:a="http://schemas.openxmlformats.org/drawingml/2006/main" xmlns:r="http://schemas.openxmlformats.org/officeDocument/2006/relationships" xmlns:p="http://schemas.openxmlformats.org/presentationml/2006/main">
+  <p:cSld>
+    <p:spTree>
+      <p:nvGrpSpPr>
+        <p:cNvPr id="1" name=""/>
+        <p:cNvGrpSpPr/>
+        <p:nvPr/>
+      </p:nvGrpSpPr>
+      <p:grpSpPr>
+        <a:xfrm>
+          <a:off x="0" y="0"/>
+          <a:ext cx="0" cy="0"/>
+          <a:chOff x="0" y="0"/>
+          <a:chExt cx="0" cy="0"/>
+        </a:xfrm>
+      </p:grpSpPr>
+      <p:sp>
+        <p:nvSpPr>
+          <p:cNvPr id="2" name="Title 1">
+            <a:extLst>
+              <a:ext uri="{FF2B5EF4-FFF2-40B4-BE49-F238E27FC236}">
+                <a16:creationId xmlns:a16="http://schemas.microsoft.com/office/drawing/2014/main" id="{C2052CE5-F69A-D645-8ECD-5C44E4A30D5C}"/>
+              </a:ext>
+            </a:extLst>
+          </p:cNvPr>
+          <p:cNvSpPr>
+            <a:spLocks noGrp="1"/>
+          </p:cNvSpPr>
+          <p:nvPr>
+            <p:ph type="title"/>
+          </p:nvPr>
+        </p:nvSpPr>
+        <p:spPr/>
+        <p:txBody>
+          <a:bodyPr/>
+          <a:lstStyle/>
+          <a:p>
+            <a:r>
+              <a:rPr lang="en-US" dirty="0"/>
+              <a:t>Language Changes</a:t>
+            </a:r>
+          </a:p>
+        </p:txBody>
+      </p:sp>
+      <p:sp>
+        <p:nvSpPr>
+          <p:cNvPr id="3" name="Content Placeholder 2">
+            <a:extLst>
+              <a:ext uri="{FF2B5EF4-FFF2-40B4-BE49-F238E27FC236}">
+                <a16:creationId xmlns:a16="http://schemas.microsoft.com/office/drawing/2014/main" id="{20ABE521-BF95-4441-82E2-23994761C137}"/>
+              </a:ext>
+            </a:extLst>
+          </p:cNvPr>
+          <p:cNvSpPr>
+            <a:spLocks noGrp="1"/>
+          </p:cNvSpPr>
+          <p:nvPr>
+            <p:ph sz="half" idx="1"/>
+          </p:nvPr>
+        </p:nvSpPr>
+        <p:spPr>
+          <a:xfrm>
+            <a:off x="685802" y="2142067"/>
+            <a:ext cx="3016403" cy="3649134"/>
+          </a:xfrm>
+        </p:spPr>
+        <p:txBody>
+          <a:bodyPr>
+            <a:noAutofit/>
+          </a:bodyPr>
+          <a:lstStyle/>
+          <a:p>
+            <a:pPr marL="0" indent="0">
+              <a:buNone/>
+            </a:pPr>
+            <a:r>
+              <a:rPr lang="en-US" sz="2800" dirty="0"/>
+              <a:t>Java Platform Module System</a:t>
+            </a:r>
+          </a:p>
+          <a:p>
+            <a:pPr marL="0" indent="0">
+              <a:buNone/>
+            </a:pPr>
+            <a:r>
+              <a:rPr lang="en-US" sz="2800" dirty="0"/>
+              <a:t>(JPMS)</a:t>
+            </a:r>
+          </a:p>
+        </p:txBody>
+      </p:sp>
+      <p:sp>
+        <p:nvSpPr>
+          <p:cNvPr id="4" name="Content Placeholder 3">
+            <a:extLst>
+              <a:ext uri="{FF2B5EF4-FFF2-40B4-BE49-F238E27FC236}">
+                <a16:creationId xmlns:a16="http://schemas.microsoft.com/office/drawing/2014/main" id="{26204FAF-26E7-1B46-B974-24DDC791B844}"/>
+              </a:ext>
+            </a:extLst>
+          </p:cNvPr>
+          <p:cNvSpPr>
+            <a:spLocks noGrp="1"/>
+          </p:cNvSpPr>
+          <p:nvPr>
+            <p:ph sz="half" idx="2"/>
+          </p:nvPr>
+        </p:nvSpPr>
+        <p:spPr>
+          <a:xfrm>
+            <a:off x="3914078" y="2142067"/>
+            <a:ext cx="6903149" cy="3649133"/>
+          </a:xfrm>
+        </p:spPr>
+        <p:txBody>
+          <a:bodyPr anchor="t">
+            <a:normAutofit/>
+          </a:bodyPr>
+          <a:lstStyle/>
+          <a:p>
+            <a:pPr marL="0" indent="0">
+              <a:lnSpc>
+                <a:spcPct val="120000"/>
+              </a:lnSpc>
+              <a:buNone/>
+            </a:pPr>
+            <a:r>
+              <a:rPr lang="en-US" sz="2400" dirty="0"/>
+              <a:t>Multi-release JAR files</a:t>
+            </a:r>
+          </a:p>
+          <a:p>
+            <a:pPr marL="0" indent="0">
+              <a:buNone/>
+            </a:pPr>
+            <a:endParaRPr lang="en-US" sz="2400" dirty="0"/>
+          </a:p>
+          <a:p>
+            <a:pPr marL="0" indent="0">
+              <a:lnSpc>
+                <a:spcPct val="150000"/>
+              </a:lnSpc>
+              <a:buNone/>
+            </a:pPr>
+            <a:r>
+              <a:rPr lang="en-US" sz="2000" dirty="0"/>
+              <a:t>JAR files can contain classes specific to a Java release</a:t>
+            </a:r>
+          </a:p>
+          <a:p>
+            <a:pPr marL="0" indent="0">
+              <a:lnSpc>
+                <a:spcPct val="150000"/>
+              </a:lnSpc>
+              <a:buNone/>
+            </a:pPr>
+            <a:r>
+              <a:rPr lang="en-US" sz="2000" dirty="0"/>
+              <a:t>The module loader will ensure these get loaded before the more general classes</a:t>
+            </a:r>
+          </a:p>
+        </p:txBody>
+      </p:sp>
+    </p:spTree>
+    <p:extLst>
+      <p:ext uri="{BB962C8B-B14F-4D97-AF65-F5344CB8AC3E}">
+        <p14:creationId xmlns:p14="http://schemas.microsoft.com/office/powerpoint/2010/main" val="4189443728"/>
+      </p:ext>
+    </p:extLst>
+  </p:cSld>
+  <p:clrMapOvr>
+    <a:masterClrMapping/>
+  </p:clrMapOvr>
+  <p:timing>
+    <p:tnLst>
+      <p:par>
+        <p:cTn id="1" dur="indefinite" restart="never" nodeType="tmRoot">
+          <p:childTnLst>
+            <p:seq concurrent="1" nextAc="seek">
+              <p:cTn id="2" dur="indefinite" nodeType="mainSeq">
+                <p:childTnLst>
+                  <p:par>
+                    <p:cTn id="3" fill="hold">
+                      <p:stCondLst>
+                        <p:cond delay="indefinite"/>
+                        <p:cond evt="onBegin" delay="0">
+                          <p:tn val="2"/>
+                        </p:cond>
+                      </p:stCondLst>
+                      <p:childTnLst>
+                        <p:par>
+                          <p:cTn id="4" fill="hold">
+                            <p:stCondLst>
+                              <p:cond delay="0"/>
+                            </p:stCondLst>
+                            <p:childTnLst>
+                              <p:par>
+                                <p:cTn id="5" presetID="1" presetClass="entr" presetSubtype="0" fill="hold" nodeType="afterEffect">
+                                  <p:stCondLst>
+                                    <p:cond delay="0"/>
+                                  </p:stCondLst>
+                                  <p:childTnLst>
+                                    <p:set>
+                                      <p:cBhvr>
+                                        <p:cTn id="6" dur="1" fill="hold">
+                                          <p:stCondLst>
+                                            <p:cond delay="0"/>
+                                          </p:stCondLst>
+                                        </p:cTn>
+                                        <p:tgtEl>
+                                          <p:spTgt spid="4">
+                                            <p:txEl>
+                                              <p:pRg st="0" end="0"/>
+                                            </p:txEl>
+                                          </p:spTgt>
+                                        </p:tgtEl>
+                                        <p:attrNameLst>
+                                          <p:attrName>style.visibility</p:attrName>
+                                        </p:attrNameLst>
+                                      </p:cBhvr>
+                                      <p:to>
+                                        <p:strVal val="visible"/>
+                                      </p:to>
+                                    </p:set>
+                                  </p:childTnLst>
+                                </p:cTn>
+                              </p:par>
+                            </p:childTnLst>
+                          </p:cTn>
+                        </p:par>
+                        <p:par>
+                          <p:cTn id="7" fill="hold">
+                            <p:stCondLst>
+                              <p:cond delay="0"/>
+                            </p:stCondLst>
+                            <p:childTnLst>
+                              <p:par>
+                                <p:cTn id="8" presetID="1" presetClass="entr" presetSubtype="0" fill="hold" nodeType="afterEffect">
+                                  <p:stCondLst>
+                                    <p:cond delay="0"/>
+                                  </p:stCondLst>
+                                  <p:childTnLst>
+                                    <p:set>
+                                      <p:cBhvr>
+                                        <p:cTn id="9" dur="1" fill="hold">
+                                          <p:stCondLst>
+                                            <p:cond delay="0"/>
+                                          </p:stCondLst>
+                                        </p:cTn>
+                                        <p:tgtEl>
+                                          <p:spTgt spid="4">
+                                            <p:txEl>
+                                              <p:pRg st="2" end="2"/>
+                                            </p:txEl>
+                                          </p:spTgt>
+                                        </p:tgtEl>
+                                        <p:attrNameLst>
+                                          <p:attrName>style.visibility</p:attrName>
+                                        </p:attrNameLst>
+                                      </p:cBhvr>
+                                      <p:to>
+                                        <p:strVal val="visible"/>
+                                      </p:to>
+                                    </p:set>
+                                  </p:childTnLst>
+                                </p:cTn>
+                              </p:par>
+                            </p:childTnLst>
+                          </p:cTn>
+                        </p:par>
+                        <p:par>
+                          <p:cTn id="10" fill="hold">
+                            <p:stCondLst>
+                              <p:cond delay="0"/>
+                            </p:stCondLst>
+                            <p:childTnLst>
+                              <p:par>
+                                <p:cTn id="11" presetID="1" presetClass="entr" presetSubtype="0" fill="hold" nodeType="afterEffect">
+                                  <p:stCondLst>
+                                    <p:cond delay="0"/>
+                                  </p:stCondLst>
+                                  <p:childTnLst>
+                                    <p:set>
+                                      <p:cBhvr>
+                                        <p:cTn id="12" dur="1" fill="hold">
+                                          <p:stCondLst>
+                                            <p:cond delay="0"/>
+                                          </p:stCondLst>
+                                        </p:cTn>
+                                        <p:tgtEl>
+                                          <p:spTgt spid="4">
+                                            <p:txEl>
+                                              <p:pRg st="3" end="3"/>
+                                            </p:txEl>
+                                          </p:spTgt>
+                                        </p:tgtEl>
+                                        <p:attrNameLst>
+                                          <p:attrName>style.visibility</p:attrName>
+                                        </p:attrNameLst>
+                                      </p:cBhvr>
+                                      <p:to>
+                                        <p:strVal val="visible"/>
+                                      </p:to>
+                                    </p:set>
+                                  </p:childTnLst>
+                                </p:cTn>
+                              </p:par>
+                            </p:childTnLst>
+                          </p:cTn>
+                        </p:par>
+                      </p:childTnLst>
+                    </p:cTn>
+                  </p:par>
+                </p:childTnLst>
+              </p:cTn>
+              <p:prevCondLst>
+                <p:cond evt="onPrev" delay="0">
+                  <p:tgtEl>
+                    <p:sldTgt/>
+                  </p:tgtEl>
+                </p:cond>
+              </p:prevCondLst>
+              <p:nextCondLst>
+                <p:cond evt="onNext" delay="0">
+                  <p:tgtEl>
+                    <p:sldTgt/>
+                  </p:tgtEl>
+                </p:cond>
+              </p:nextCondLst>
+            </p:seq>
+          </p:childTnLst>
+        </p:cTn>
+      </p:par>
+    </p:tnLst>
+  </p:timing>
+</p:sld>
+</file>
+
+<file path=ppt/slides/slide8.xml><?xml version="1.0" encoding="utf-8"?>
+<p:sld xmlns:a="http://schemas.openxmlformats.org/drawingml/2006/main" xmlns:r="http://schemas.openxmlformats.org/officeDocument/2006/relationships" xmlns:p="http://schemas.openxmlformats.org/presentationml/2006/main">
+  <p:cSld>
+    <p:spTree>
+      <p:nvGrpSpPr>
+        <p:cNvPr id="1" name=""/>
+        <p:cNvGrpSpPr/>
+        <p:nvPr/>
+      </p:nvGrpSpPr>
+      <p:grpSpPr>
+        <a:xfrm>
+          <a:off x="0" y="0"/>
+          <a:ext cx="0" cy="0"/>
+          <a:chOff x="0" y="0"/>
+          <a:chExt cx="0" cy="0"/>
+        </a:xfrm>
+      </p:grpSpPr>
+      <p:sp>
+        <p:nvSpPr>
+          <p:cNvPr id="2" name="Title 1">
+            <a:extLst>
+              <a:ext uri="{FF2B5EF4-FFF2-40B4-BE49-F238E27FC236}">
+                <a16:creationId xmlns:a16="http://schemas.microsoft.com/office/drawing/2014/main" id="{C2052CE5-F69A-D645-8ECD-5C44E4A30D5C}"/>
+              </a:ext>
+            </a:extLst>
+          </p:cNvPr>
+          <p:cNvSpPr>
+            <a:spLocks noGrp="1"/>
+          </p:cNvSpPr>
+          <p:nvPr>
+            <p:ph type="title"/>
+          </p:nvPr>
+        </p:nvSpPr>
+        <p:spPr/>
+        <p:txBody>
+          <a:bodyPr/>
+          <a:lstStyle/>
+          <a:p>
+            <a:r>
+              <a:rPr lang="en-US" dirty="0"/>
+              <a:t>Language Changes</a:t>
+            </a:r>
+          </a:p>
+        </p:txBody>
+      </p:sp>
+      <p:sp>
+        <p:nvSpPr>
+          <p:cNvPr id="3" name="Content Placeholder 2">
+            <a:extLst>
+              <a:ext uri="{FF2B5EF4-FFF2-40B4-BE49-F238E27FC236}">
+                <a16:creationId xmlns:a16="http://schemas.microsoft.com/office/drawing/2014/main" id="{20ABE521-BF95-4441-82E2-23994761C137}"/>
+              </a:ext>
+            </a:extLst>
+          </p:cNvPr>
+          <p:cNvSpPr>
+            <a:spLocks noGrp="1"/>
+          </p:cNvSpPr>
+          <p:nvPr>
+            <p:ph sz="half" idx="1"/>
+          </p:nvPr>
+        </p:nvSpPr>
+        <p:spPr>
+          <a:xfrm>
+            <a:off x="685802" y="2142067"/>
+            <a:ext cx="3016403" cy="3649134"/>
+          </a:xfrm>
+        </p:spPr>
+        <p:txBody>
+          <a:bodyPr>
+            <a:noAutofit/>
+          </a:bodyPr>
+          <a:lstStyle/>
+          <a:p>
+            <a:pPr marL="0" indent="0">
+              <a:buNone/>
+            </a:pPr>
+            <a:r>
+              <a:rPr lang="en-US" sz="2800" dirty="0"/>
+              <a:t>Java Platform Module System</a:t>
+            </a:r>
+          </a:p>
+          <a:p>
+            <a:pPr marL="0" indent="0">
+              <a:buNone/>
+            </a:pPr>
+            <a:r>
+              <a:rPr lang="en-US" sz="2800" dirty="0"/>
+              <a:t>(JPMS)</a:t>
+            </a:r>
+          </a:p>
+        </p:txBody>
+      </p:sp>
+      <p:sp>
+        <p:nvSpPr>
+          <p:cNvPr id="4" name="Content Placeholder 3">
+            <a:extLst>
+              <a:ext uri="{FF2B5EF4-FFF2-40B4-BE49-F238E27FC236}">
+                <a16:creationId xmlns:a16="http://schemas.microsoft.com/office/drawing/2014/main" id="{26204FAF-26E7-1B46-B974-24DDC791B844}"/>
+              </a:ext>
+            </a:extLst>
+          </p:cNvPr>
+          <p:cNvSpPr>
+            <a:spLocks noGrp="1"/>
+          </p:cNvSpPr>
+          <p:nvPr>
+            <p:ph sz="half" idx="2"/>
+          </p:nvPr>
+        </p:nvSpPr>
+        <p:spPr>
+          <a:xfrm>
+            <a:off x="3914078" y="2142067"/>
+            <a:ext cx="6903149" cy="3649133"/>
+          </a:xfrm>
+        </p:spPr>
+        <p:txBody>
+          <a:bodyPr anchor="t">
+            <a:normAutofit/>
+          </a:bodyPr>
+          <a:lstStyle/>
+          <a:p>
+            <a:pPr marL="0" indent="0">
+              <a:lnSpc>
+                <a:spcPct val="120000"/>
+              </a:lnSpc>
+              <a:buNone/>
+            </a:pPr>
+            <a:r>
+              <a:rPr lang="en-US" sz="2400" dirty="0"/>
+              <a:t>Adoption</a:t>
+            </a:r>
+          </a:p>
+          <a:p>
+            <a:pPr marL="0" indent="0">
+              <a:buNone/>
+            </a:pPr>
+            <a:endParaRPr lang="en-US" sz="2400" dirty="0"/>
+          </a:p>
+          <a:p>
+            <a:pPr marL="0" indent="0">
+              <a:lnSpc>
+                <a:spcPct val="150000"/>
+              </a:lnSpc>
+              <a:buNone/>
+            </a:pPr>
+            <a:r>
+              <a:rPr lang="en-US" sz="2000" dirty="0"/>
+              <a:t>JDK itself is the primary user</a:t>
+            </a:r>
+          </a:p>
+          <a:p>
+            <a:pPr>
+              <a:lnSpc>
+                <a:spcPct val="150000"/>
+              </a:lnSpc>
+            </a:pPr>
+            <a:r>
+              <a:rPr lang="en-US" sz="2000" dirty="0"/>
+              <a:t>Fully restructured and repackaged as modules</a:t>
+            </a:r>
+          </a:p>
+          <a:p>
+            <a:pPr marL="0" indent="0">
+              <a:lnSpc>
+                <a:spcPct val="150000"/>
+              </a:lnSpc>
+              <a:buNone/>
+            </a:pPr>
+            <a:r>
+              <a:rPr lang="en-US" sz="2000" dirty="0"/>
+              <a:t>Reception by the general community is lukewarm, adoption slow</a:t>
+            </a:r>
+          </a:p>
+        </p:txBody>
+      </p:sp>
+    </p:spTree>
+    <p:extLst>
+      <p:ext uri="{BB962C8B-B14F-4D97-AF65-F5344CB8AC3E}">
+        <p14:creationId xmlns:p14="http://schemas.microsoft.com/office/powerpoint/2010/main" val="2443585651"/>
+      </p:ext>
+    </p:extLst>
+  </p:cSld>
+  <p:clrMapOvr>
+    <a:masterClrMapping/>
+  </p:clrMapOvr>
+  <p:timing>
+    <p:tnLst>
+      <p:par>
+        <p:cTn id="1" dur="indefinite" restart="never" nodeType="tmRoot">
+          <p:childTnLst>
+            <p:seq concurrent="1" nextAc="seek">
+              <p:cTn id="2" dur="indefinite" nodeType="mainSeq">
+                <p:childTnLst>
+                  <p:par>
+                    <p:cTn id="3" fill="hold">
+                      <p:stCondLst>
+                        <p:cond delay="indefinite"/>
+                        <p:cond evt="onBegin" delay="0">
+                          <p:tn val="2"/>
+                        </p:cond>
+                      </p:stCondLst>
+                      <p:childTnLst>
+                        <p:par>
+                          <p:cTn id="4" fill="hold">
+                            <p:stCondLst>
+                              <p:cond delay="0"/>
+                            </p:stCondLst>
+                            <p:childTnLst>
+                              <p:par>
+                                <p:cTn id="5" presetID="1" presetClass="entr" presetSubtype="0" fill="hold" nodeType="afterEffect">
+                                  <p:stCondLst>
+                                    <p:cond delay="0"/>
+                                  </p:stCondLst>
+                                  <p:childTnLst>
+                                    <p:set>
+                                      <p:cBhvr>
+                                        <p:cTn id="6" dur="1" fill="hold">
+                                          <p:stCondLst>
+                                            <p:cond delay="0"/>
+                                          </p:stCondLst>
+                                        </p:cTn>
+                                        <p:tgtEl>
+                                          <p:spTgt spid="4">
+                                            <p:txEl>
+                                              <p:pRg st="0" end="0"/>
+                                            </p:txEl>
+                                          </p:spTgt>
+                                        </p:tgtEl>
+                                        <p:attrNameLst>
+                                          <p:attrName>style.visibility</p:attrName>
+                                        </p:attrNameLst>
+                                      </p:cBhvr>
+                                      <p:to>
+                                        <p:strVal val="visible"/>
+                                      </p:to>
+                                    </p:set>
+                                  </p:childTnLst>
+                                </p:cTn>
+                              </p:par>
+                            </p:childTnLst>
+                          </p:cTn>
+                        </p:par>
+                        <p:par>
+                          <p:cTn id="7" fill="hold">
+                            <p:stCondLst>
+                              <p:cond delay="0"/>
+                            </p:stCondLst>
+                            <p:childTnLst>
+                              <p:par>
+                                <p:cTn id="8" presetID="1" presetClass="entr" presetSubtype="0" fill="hold" nodeType="afterEffect">
+                                  <p:stCondLst>
+                                    <p:cond delay="0"/>
+                                  </p:stCondLst>
+                                  <p:childTnLst>
+                                    <p:set>
+                                      <p:cBhvr>
+                                        <p:cTn id="9" dur="1" fill="hold">
+                                          <p:stCondLst>
+                                            <p:cond delay="0"/>
+                                          </p:stCondLst>
+                                        </p:cTn>
+                                        <p:tgtEl>
+                                          <p:spTgt spid="4">
+                                            <p:txEl>
+                                              <p:pRg st="2" end="2"/>
+                                            </p:txEl>
+                                          </p:spTgt>
+                                        </p:tgtEl>
+                                        <p:attrNameLst>
+                                          <p:attrName>style.visibility</p:attrName>
+                                        </p:attrNameLst>
+                                      </p:cBhvr>
+                                      <p:to>
+                                        <p:strVal val="visible"/>
+                                      </p:to>
+                                    </p:set>
+                                  </p:childTnLst>
+                                </p:cTn>
+                              </p:par>
+                            </p:childTnLst>
+                          </p:cTn>
+                        </p:par>
+                        <p:par>
+                          <p:cTn id="10" fill="hold">
+                            <p:stCondLst>
+                              <p:cond delay="0"/>
+                            </p:stCondLst>
+                            <p:childTnLst>
+                              <p:par>
+                                <p:cTn id="11" presetID="1" presetClass="entr" presetSubtype="0" fill="hold" nodeType="afterEffect">
+                                  <p:stCondLst>
+                                    <p:cond delay="0"/>
+                                  </p:stCondLst>
+                                  <p:childTnLst>
+                                    <p:set>
+                                      <p:cBhvr>
+                                        <p:cTn id="12" dur="1" fill="hold">
+                                          <p:stCondLst>
+                                            <p:cond delay="0"/>
+                                          </p:stCondLst>
+                                        </p:cTn>
+                                        <p:tgtEl>
+                                          <p:spTgt spid="4">
+                                            <p:txEl>
+                                              <p:pRg st="3" end="3"/>
+                                            </p:txEl>
+                                          </p:spTgt>
+                                        </p:tgtEl>
+                                        <p:attrNameLst>
+                                          <p:attrName>style.visibility</p:attrName>
+                                        </p:attrNameLst>
+                                      </p:cBhvr>
+                                      <p:to>
+                                        <p:strVal val="visible"/>
+                                      </p:to>
+                                    </p:set>
+                                  </p:childTnLst>
+                                </p:cTn>
+                              </p:par>
+                            </p:childTnLst>
+                          </p:cTn>
+                        </p:par>
+                        <p:par>
+                          <p:cTn id="13" fill="hold">
+                            <p:stCondLst>
+                              <p:cond delay="0"/>
+                            </p:stCondLst>
+                            <p:childTnLst>
+                              <p:par>
+                                <p:cTn id="14" presetID="1" presetClass="entr" presetSubtype="0" fill="hold" nodeType="afterEffect">
+                                  <p:stCondLst>
+                                    <p:cond delay="0"/>
+                                  </p:stCondLst>
+                                  <p:childTnLst>
+                                    <p:set>
+                                      <p:cBhvr>
+                                        <p:cTn id="15" dur="1" fill="hold">
+                                          <p:stCondLst>
+                                            <p:cond delay="0"/>
+                                          </p:stCondLst>
+                                        </p:cTn>
+                                        <p:tgtEl>
+                                          <p:spTgt spid="4">
+                                            <p:txEl>
+                                              <p:pRg st="4" end="4"/>
+                                            </p:txEl>
+                                          </p:spTgt>
+                                        </p:tgtEl>
+                                        <p:attrNameLst>
+                                          <p:attrName>style.visibility</p:attrName>
+                                        </p:attrNameLst>
+                                      </p:cBhvr>
+                                      <p:to>
+                                        <p:strVal val="visible"/>
+                                      </p:to>
+                                    </p:set>
+                                  </p:childTnLst>
+                                </p:cTn>
+                              </p:par>
+                            </p:childTnLst>
+                          </p:cTn>
+                        </p:par>
+                      </p:childTnLst>
+                    </p:cTn>
+                  </p:par>
+                </p:childTnLst>
+              </p:cTn>
+              <p:prevCondLst>
+                <p:cond evt="onPrev" delay="0">
+                  <p:tgtEl>
+                    <p:sldTgt/>
+                  </p:tgtEl>
+                </p:cond>
+              </p:prevCondLst>
+              <p:nextCondLst>
+                <p:cond evt="onNext" delay="0">
+                  <p:tgtEl>
+                    <p:sldTgt/>
+                  </p:tgtEl>
+                </p:cond>
+              </p:nextCondLst>
+            </p:seq>
+          </p:childTnLst>
+        </p:cTn>
+      </p:par>
+    </p:tnLst>
+  </p:timing>
+</p:sld>
+</file>
+
+<file path=ppt/slides/slide9.xml><?xml version="1.0" encoding="utf-8"?>
+<p:sld xmlns:a="http://schemas.openxmlformats.org/drawingml/2006/main" xmlns:r="http://schemas.openxmlformats.org/officeDocument/2006/relationships" xmlns:p="http://schemas.openxmlformats.org/presentationml/2006/main">
+  <p:cSld>
+    <p:spTree>
+      <p:nvGrpSpPr>
+        <p:cNvPr id="1" name=""/>
+        <p:cNvGrpSpPr/>
+        <p:nvPr/>
+      </p:nvGrpSpPr>
+      <p:grpSpPr>
+        <a:xfrm>
+          <a:off x="0" y="0"/>
+          <a:ext cx="0" cy="0"/>
+          <a:chOff x="0" y="0"/>
+          <a:chExt cx="0" cy="0"/>
+        </a:xfrm>
+      </p:grpSpPr>
+      <p:sp>
+        <p:nvSpPr>
+          <p:cNvPr id="2" name="Title 1">
+            <a:extLst>
+              <a:ext uri="{FF2B5EF4-FFF2-40B4-BE49-F238E27FC236}">
+                <a16:creationId xmlns:a16="http://schemas.microsoft.com/office/drawing/2014/main" id="{C2052CE5-F69A-D645-8ECD-5C44E4A30D5C}"/>
+              </a:ext>
+            </a:extLst>
+          </p:cNvPr>
+          <p:cNvSpPr>
+            <a:spLocks noGrp="1"/>
+          </p:cNvSpPr>
+          <p:nvPr>
+            <p:ph type="title"/>
+          </p:nvPr>
+        </p:nvSpPr>
+        <p:spPr/>
+        <p:txBody>
+          <a:bodyPr/>
+          <a:lstStyle/>
+          <a:p>
+            <a:r>
+              <a:rPr lang="en-US" dirty="0"/>
+              <a:t>Language Changes</a:t>
+            </a:r>
+          </a:p>
+        </p:txBody>
+      </p:sp>
+      <p:sp>
+        <p:nvSpPr>
+          <p:cNvPr id="3" name="Content Placeholder 2">
+            <a:extLst>
+              <a:ext uri="{FF2B5EF4-FFF2-40B4-BE49-F238E27FC236}">
+                <a16:creationId xmlns:a16="http://schemas.microsoft.com/office/drawing/2014/main" id="{20ABE521-BF95-4441-82E2-23994761C137}"/>
+              </a:ext>
+            </a:extLst>
+          </p:cNvPr>
+          <p:cNvSpPr>
+            <a:spLocks noGrp="1"/>
+          </p:cNvSpPr>
+          <p:nvPr>
+            <p:ph sz="half" idx="1"/>
+          </p:nvPr>
+        </p:nvSpPr>
+        <p:spPr>
+          <a:xfrm>
+            <a:off x="685802" y="2142067"/>
+            <a:ext cx="3016403" cy="3649134"/>
+          </a:xfrm>
+        </p:spPr>
+        <p:txBody>
+          <a:bodyPr>
+            <a:noAutofit/>
+          </a:bodyPr>
+          <a:lstStyle/>
+          <a:p>
+            <a:pPr marL="0" indent="0">
+              <a:buNone/>
+            </a:pPr>
+            <a:r>
+              <a:rPr lang="en-US" sz="2800" dirty="0"/>
+              <a:t>Private Interface Methods</a:t>
+            </a:r>
+          </a:p>
+        </p:txBody>
+      </p:sp>
+      <p:sp>
+        <p:nvSpPr>
+          <p:cNvPr id="4" name="Content Placeholder 3">
+            <a:extLst>
+              <a:ext uri="{FF2B5EF4-FFF2-40B4-BE49-F238E27FC236}">
+                <a16:creationId xmlns:a16="http://schemas.microsoft.com/office/drawing/2014/main" id="{26204FAF-26E7-1B46-B974-24DDC791B844}"/>
+              </a:ext>
+            </a:extLst>
+          </p:cNvPr>
+          <p:cNvSpPr>
+            <a:spLocks noGrp="1"/>
+          </p:cNvSpPr>
+          <p:nvPr>
+            <p:ph sz="half" idx="2"/>
+          </p:nvPr>
+        </p:nvSpPr>
+        <p:spPr>
+          <a:xfrm>
+            <a:off x="3914078" y="2142067"/>
+            <a:ext cx="6903149" cy="3649133"/>
+          </a:xfrm>
+        </p:spPr>
+        <p:txBody>
+          <a:bodyPr anchor="t">
+            <a:normAutofit/>
+          </a:bodyPr>
+          <a:lstStyle/>
+          <a:p>
+            <a:pPr marL="0" indent="0">
+              <a:lnSpc>
+                <a:spcPct val="120000"/>
+              </a:lnSpc>
+              <a:buNone/>
+            </a:pPr>
+            <a:r>
+              <a:rPr lang="en-US" sz="2400" dirty="0"/>
+              <a:t>Private non-virtual methods on interfaces</a:t>
+            </a:r>
+          </a:p>
+          <a:p>
+            <a:pPr marL="0" indent="0">
+              <a:buNone/>
+            </a:pPr>
+            <a:endParaRPr lang="en-US" sz="2400" dirty="0"/>
+          </a:p>
+          <a:p>
+            <a:pPr marL="0" indent="0">
+              <a:lnSpc>
+                <a:spcPct val="150000"/>
+              </a:lnSpc>
+              <a:buNone/>
+            </a:pPr>
+            <a:r>
+              <a:rPr lang="en-US" sz="2000" dirty="0"/>
+              <a:t>Interfaces with behavior?! Preposterous!</a:t>
+            </a:r>
+          </a:p>
+          <a:p>
+            <a:pPr marL="0" indent="0">
+              <a:lnSpc>
+                <a:spcPct val="150000"/>
+              </a:lnSpc>
+              <a:buNone/>
+            </a:pPr>
+            <a:r>
+              <a:rPr lang="en-US" sz="2000" dirty="0"/>
+              <a:t>Only private methods, so of limited use</a:t>
+            </a:r>
+          </a:p>
+          <a:p>
+            <a:pPr marL="0" indent="0">
+              <a:lnSpc>
+                <a:spcPct val="150000"/>
+              </a:lnSpc>
+              <a:buNone/>
+            </a:pPr>
+            <a:r>
+              <a:rPr lang="en-US" sz="2000" dirty="0"/>
+              <a:t>Think of them as helpers for </a:t>
+            </a:r>
+            <a:r>
+              <a:rPr lang="en-US" sz="2000"/>
+              <a:t>default methods, a factoring tool</a:t>
+            </a:r>
+            <a:endParaRPr lang="en-US" sz="2000" dirty="0"/>
+          </a:p>
+        </p:txBody>
+      </p:sp>
+    </p:spTree>
+    <p:extLst>
+      <p:ext uri="{BB962C8B-B14F-4D97-AF65-F5344CB8AC3E}">
+        <p14:creationId xmlns:p14="http://schemas.microsoft.com/office/powerpoint/2010/main" val="943218570"/>
+      </p:ext>
+    </p:extLst>
+  </p:cSld>
+  <p:clrMapOvr>
+    <a:masterClrMapping/>
+  </p:clrMapOvr>
+  <p:timing>
+    <p:tnLst>
+      <p:par>
+        <p:cTn id="1" dur="indefinite" restart="never" nodeType="tmRoot">
+          <p:childTnLst>
+            <p:seq concurrent="1" nextAc="seek">
+              <p:cTn id="2" dur="indefinite" nodeType="mainSeq">
+                <p:childTnLst>
+                  <p:par>
+                    <p:cTn id="3" fill="hold">
+                      <p:stCondLst>
+                        <p:cond delay="indefinite"/>
+                        <p:cond evt="onBegin" delay="0">
+                          <p:tn val="2"/>
+                        </p:cond>
+                      </p:stCondLst>
+                      <p:childTnLst>
+                        <p:par>
+                          <p:cTn id="4" fill="hold">
+                            <p:stCondLst>
+                              <p:cond delay="0"/>
+                            </p:stCondLst>
+                            <p:childTnLst>
+                              <p:par>
+                                <p:cTn id="5" presetID="1" presetClass="entr" presetSubtype="0" fill="hold" nodeType="afterEffect">
+                                  <p:stCondLst>
+                                    <p:cond delay="0"/>
+                                  </p:stCondLst>
+                                  <p:childTnLst>
+                                    <p:set>
+                                      <p:cBhvr>
+                                        <p:cTn id="6" dur="1" fill="hold">
+                                          <p:stCondLst>
+                                            <p:cond delay="0"/>
+                                          </p:stCondLst>
+                                        </p:cTn>
+                                        <p:tgtEl>
+                                          <p:spTgt spid="4">
+                                            <p:txEl>
+                                              <p:pRg st="0" end="0"/>
+                                            </p:txEl>
+                                          </p:spTgt>
+                                        </p:tgtEl>
+                                        <p:attrNameLst>
+                                          <p:attrName>style.visibility</p:attrName>
+                                        </p:attrNameLst>
+                                      </p:cBhvr>
+                                      <p:to>
+                                        <p:strVal val="visible"/>
+                                      </p:to>
+                                    </p:set>
+                                  </p:childTnLst>
+                                </p:cTn>
+                              </p:par>
+                            </p:childTnLst>
+                          </p:cTn>
+                        </p:par>
+                        <p:par>
+                          <p:cTn id="7" fill="hold">
+                            <p:stCondLst>
+                              <p:cond delay="0"/>
+                            </p:stCondLst>
+                            <p:childTnLst>
+                              <p:par>
+                                <p:cTn id="8" presetID="1" presetClass="entr" presetSubtype="0" fill="hold" nodeType="afterEffect">
+                                  <p:stCondLst>
+                                    <p:cond delay="0"/>
+                                  </p:stCondLst>
+                                  <p:childTnLst>
+                                    <p:set>
+                                      <p:cBhvr>
+                                        <p:cTn id="9" dur="1" fill="hold">
+                                          <p:stCondLst>
+                                            <p:cond delay="0"/>
+                                          </p:stCondLst>
+                                        </p:cTn>
+                                        <p:tgtEl>
+                                          <p:spTgt spid="4">
+                                            <p:txEl>
+                                              <p:pRg st="2" end="2"/>
+                                            </p:txEl>
+                                          </p:spTgt>
+                                        </p:tgtEl>
+                                        <p:attrNameLst>
+                                          <p:attrName>style.visibility</p:attrName>
+                                        </p:attrNameLst>
+                                      </p:cBhvr>
+                                      <p:to>
+                                        <p:strVal val="visible"/>
+                                      </p:to>
+                                    </p:set>
+                                  </p:childTnLst>
+                                </p:cTn>
+                              </p:par>
+                            </p:childTnLst>
+                          </p:cTn>
+                        </p:par>
+                        <p:par>
+                          <p:cTn id="10" fill="hold">
+                            <p:stCondLst>
+                              <p:cond delay="0"/>
+                            </p:stCondLst>
+                            <p:childTnLst>
+                              <p:par>
+                                <p:cTn id="11" presetID="1" presetClass="entr" presetSubtype="0" fill="hold" nodeType="afterEffect">
+                                  <p:stCondLst>
+                                    <p:cond delay="0"/>
+                                  </p:stCondLst>
+                                  <p:childTnLst>
+                                    <p:set>
+                                      <p:cBhvr>
+                                        <p:cTn id="12" dur="1" fill="hold">
+                                          <p:stCondLst>
+                                            <p:cond delay="0"/>
+                                          </p:stCondLst>
+                                        </p:cTn>
+                                        <p:tgtEl>
+                                          <p:spTgt spid="4">
+                                            <p:txEl>
+                                              <p:pRg st="3" end="3"/>
+                                            </p:txEl>
+                                          </p:spTgt>
+                                        </p:tgtEl>
+                                        <p:attrNameLst>
+                                          <p:attrName>style.visibility</p:attrName>
+                                        </p:attrNameLst>
+                                      </p:cBhvr>
+                                      <p:to>
+                                        <p:strVal val="visible"/>
+                                      </p:to>
+                                    </p:set>
+                                  </p:childTnLst>
+                                </p:cTn>
+                              </p:par>
+                            </p:childTnLst>
+                          </p:cTn>
+                        </p:par>
+                        <p:par>
+                          <p:cTn id="13" fill="hold">
+                            <p:stCondLst>
+                              <p:cond delay="0"/>
+                            </p:stCondLst>
+                            <p:childTnLst>
+                              <p:par>
+                                <p:cTn id="14" presetID="1" presetClass="entr" presetSubtype="0" fill="hold" nodeType="afterEffect">
+                                  <p:stCondLst>
+                                    <p:cond delay="0"/>
+                                  </p:stCondLst>
+                                  <p:childTnLst>
+                                    <p:set>
+                                      <p:cBhvr>
+                                        <p:cTn id="15" dur="1" fill="hold">
+                                          <p:stCondLst>
+                                            <p:cond delay="0"/>
+                                          </p:stCondLst>
+                                        </p:cTn>
+                                        <p:tgtEl>
+                                          <p:spTgt spid="4">
+                                            <p:txEl>
+                                              <p:pRg st="4" end="4"/>
+                                            </p:txEl>
+                                          </p:spTgt>
+                                        </p:tgtEl>
+                                        <p:attrNameLst>
+                                          <p:attrName>style.visibility</p:attrName>
+                                        </p:attrNameLst>
+                                      </p:cBhvr>
+                                      <p:to>
+                                        <p:strVal val="visible"/>
+                                      </p:to>
+                                    </p:set>
+                                  </p:childTnLst>
+                                </p:cTn>
+                              </p:par>
+                            </p:childTnLst>
+                          </p:cTn>
+                        </p:par>
+                      </p:childTnLst>
+                    </p:cTn>
+                  </p:par>
+                </p:childTnLst>
+              </p:cTn>
+              <p:prevCondLst>
+                <p:cond evt="onPrev" delay="0">
+                  <p:tgtEl>
+                    <p:sldTgt/>
+                  </p:tgtEl>
+                </p:cond>
+              </p:prevCondLst>
+              <p:nextCondLst>
+                <p:cond evt="onNext" delay="0">
+                  <p:tgtEl>
+                    <p:sldTgt/>
+                  </p:tgtEl>
+                </p:cond>
+              </p:nextCondLst>
+            </p:seq>
+          </p:childTnLst>
+        </p:cTn>
+      </p:par>
+    </p:tnLst>
+  </p:timing>
 </p:sld>
 </file>
 
@@ -6090,4 +10260,299 @@
     </a:ext>
   </a:extLst>
 </a:theme>
+</file>
+
+<file path=ppt/theme/theme2.xml><?xml version="1.0" encoding="utf-8"?>
+<a:theme xmlns:a="http://schemas.openxmlformats.org/drawingml/2006/main" name="Office Theme">
+  <a:themeElements>
+    <a:clrScheme name="Office">
+      <a:dk1>
+        <a:sysClr val="windowText" lastClr="000000"/>
+      </a:dk1>
+      <a:lt1>
+        <a:sysClr val="window" lastClr="FFFFFF"/>
+      </a:lt1>
+      <a:dk2>
+        <a:srgbClr val="44546A"/>
+      </a:dk2>
+      <a:lt2>
+        <a:srgbClr val="E7E6E6"/>
+      </a:lt2>
+      <a:accent1>
+        <a:srgbClr val="4472C4"/>
+      </a:accent1>
+      <a:accent2>
+        <a:srgbClr val="ED7D31"/>
+      </a:accent2>
+      <a:accent3>
+        <a:srgbClr val="A5A5A5"/>
+      </a:accent3>
+      <a:accent4>
+        <a:srgbClr val="FFC000"/>
+      </a:accent4>
+      <a:accent5>
+        <a:srgbClr val="5B9BD5"/>
+      </a:accent5>
+      <a:accent6>
+        <a:srgbClr val="70AD47"/>
+      </a:accent6>
+      <a:hlink>
+        <a:srgbClr val="0563C1"/>
+      </a:hlink>
+      <a:folHlink>
+        <a:srgbClr val="954F72"/>
+      </a:folHlink>
+    </a:clrScheme>
+    <a:fontScheme name="Office">
+      <a:majorFont>
+        <a:latin typeface="Calibri Light" panose="020F0302020204030204"/>
+        <a:ea typeface=""/>
+        <a:cs typeface=""/>
+        <a:font script="Jpan" typeface="游ゴシック Light"/>
+        <a:font script="Hang" typeface="맑은 고딕"/>
+        <a:font script="Hans" typeface="等线 Light"/>
+        <a:font script="Hant" typeface="新細明體"/>
+        <a:font script="Arab" typeface="Times New Roman"/>
+        <a:font script="Hebr" typeface="Times New Roman"/>
+        <a:font script="Thai" typeface="Angsana New"/>
+        <a:font script="Ethi" typeface="Nyala"/>
+        <a:font script="Beng" typeface="Vrinda"/>
+        <a:font script="Gujr" typeface="Shruti"/>
+        <a:font script="Khmr" typeface="MoolBoran"/>
+        <a:font script="Knda" typeface="Tunga"/>
+        <a:font script="Guru" typeface="Raavi"/>
+        <a:font script="Cans" typeface="Euphemia"/>
+        <a:font script="Cher" typeface="Plantagenet Cherokee"/>
+        <a:font script="Yiii" typeface="Microsoft Yi Baiti"/>
+        <a:font script="Tibt" typeface="Microsoft Himalaya"/>
+        <a:font script="Thaa" typeface="MV Boli"/>
+        <a:font script="Deva" typeface="Mangal"/>
+        <a:font script="Telu" typeface="Gautami"/>
+        <a:font script="Taml" typeface="Latha"/>
+        <a:font script="Syrc" typeface="Estrangelo Edessa"/>
+        <a:font script="Orya" typeface="Kalinga"/>
+        <a:font script="Mlym" typeface="Kartika"/>
+        <a:font script="Laoo" typeface="DokChampa"/>
+        <a:font script="Sinh" typeface="Iskoola Pota"/>
+        <a:font script="Mong" typeface="Mongolian Baiti"/>
+        <a:font script="Viet" typeface="Times New Roman"/>
+        <a:font script="Uigh" typeface="Microsoft Uighur"/>
+        <a:font script="Geor" typeface="Sylfaen"/>
+        <a:font script="Armn" typeface="Arial"/>
+        <a:font script="Bugi" typeface="Leelawadee UI"/>
+        <a:font script="Bopo" typeface="Microsoft JhengHei"/>
+        <a:font script="Java" typeface="Javanese Text"/>
+        <a:font script="Lisu" typeface="Segoe UI"/>
+        <a:font script="Mymr" typeface="Myanmar Text"/>
+        <a:font script="Nkoo" typeface="Ebrima"/>
+        <a:font script="Olck" typeface="Nirmala UI"/>
+        <a:font script="Osma" typeface="Ebrima"/>
+        <a:font script="Phag" typeface="Phagspa"/>
+        <a:font script="Syrn" typeface="Estrangelo Edessa"/>
+        <a:font script="Syrj" typeface="Estrangelo Edessa"/>
+        <a:font script="Syre" typeface="Estrangelo Edessa"/>
+        <a:font script="Sora" typeface="Nirmala UI"/>
+        <a:font script="Tale" typeface="Microsoft Tai Le"/>
+        <a:font script="Talu" typeface="Microsoft New Tai Lue"/>
+        <a:font script="Tfng" typeface="Ebrima"/>
+      </a:majorFont>
+      <a:minorFont>
+        <a:latin typeface="Calibri" panose="020F0502020204030204"/>
+        <a:ea typeface=""/>
+        <a:cs typeface=""/>
+        <a:font script="Jpan" typeface="游ゴシック"/>
+        <a:font script="Hang" typeface="맑은 고딕"/>
+        <a:font script="Hans" typeface="等线"/>
+        <a:font script="Hant" typeface="新細明體"/>
+        <a:font script="Arab" typeface="Arial"/>
+        <a:font script="Hebr" typeface="Arial"/>
+        <a:font script="Thai" typeface="Cordia New"/>
+        <a:font script="Ethi" typeface="Nyala"/>
+        <a:font script="Beng" typeface="Vrinda"/>
+        <a:font script="Gujr" typeface="Shruti"/>
+        <a:font script="Khmr" typeface="DaunPenh"/>
+        <a:font script="Knda" typeface="Tunga"/>
+        <a:font script="Guru" typeface="Raavi"/>
+        <a:font script="Cans" typeface="Euphemia"/>
+        <a:font script="Cher" typeface="Plantagenet Cherokee"/>
+        <a:font script="Yiii" typeface="Microsoft Yi Baiti"/>
+        <a:font script="Tibt" typeface="Microsoft Himalaya"/>
+        <a:font script="Thaa" typeface="MV Boli"/>
+        <a:font script="Deva" typeface="Mangal"/>
+        <a:font script="Telu" typeface="Gautami"/>
+        <a:font script="Taml" typeface="Latha"/>
+        <a:font script="Syrc" typeface="Estrangelo Edessa"/>
+        <a:font script="Orya" typeface="Kalinga"/>
+        <a:font script="Mlym" typeface="Kartika"/>
+        <a:font script="Laoo" typeface="DokChampa"/>
+        <a:font script="Sinh" typeface="Iskoola Pota"/>
+        <a:font script="Mong" typeface="Mongolian Baiti"/>
+        <a:font script="Viet" typeface="Arial"/>
+        <a:font script="Uigh" typeface="Microsoft Uighur"/>
+        <a:font script="Geor" typeface="Sylfaen"/>
+        <a:font script="Armn" typeface="Arial"/>
+        <a:font script="Bugi" typeface="Leelawadee UI"/>
+        <a:font script="Bopo" typeface="Microsoft JhengHei"/>
+        <a:font script="Java" typeface="Javanese Text"/>
+        <a:font script="Lisu" typeface="Segoe UI"/>
+        <a:font script="Mymr" typeface="Myanmar Text"/>
+        <a:font script="Nkoo" typeface="Ebrima"/>
+        <a:font script="Olck" typeface="Nirmala UI"/>
+        <a:font script="Osma" typeface="Ebrima"/>
+        <a:font script="Phag" typeface="Phagspa"/>
+        <a:font script="Syrn" typeface="Estrangelo Edessa"/>
+        <a:font script="Syrj" typeface="Estrangelo Edessa"/>
+        <a:font script="Syre" typeface="Estrangelo Edessa"/>
+        <a:font script="Sora" typeface="Nirmala UI"/>
+        <a:font script="Tale" typeface="Microsoft Tai Le"/>
+        <a:font script="Talu" typeface="Microsoft New Tai Lue"/>
+        <a:font script="Tfng" typeface="Ebrima"/>
+      </a:minorFont>
+    </a:fontScheme>
+    <a:fmtScheme name="Office">
+      <a:fillStyleLst>
+        <a:solidFill>
+          <a:schemeClr val="phClr"/>
+        </a:solidFill>
+        <a:gradFill rotWithShape="1">
+          <a:gsLst>
+            <a:gs pos="0">
+              <a:schemeClr val="phClr">
+                <a:lumMod val="110000"/>
+                <a:satMod val="105000"/>
+                <a:tint val="67000"/>
+              </a:schemeClr>
+            </a:gs>
+            <a:gs pos="50000">
+              <a:schemeClr val="phClr">
+                <a:lumMod val="105000"/>
+                <a:satMod val="103000"/>
+                <a:tint val="73000"/>
+              </a:schemeClr>
+            </a:gs>
+            <a:gs pos="100000">
+              <a:schemeClr val="phClr">
+                <a:lumMod val="105000"/>
+                <a:satMod val="109000"/>
+                <a:tint val="81000"/>
+              </a:schemeClr>
+            </a:gs>
+          </a:gsLst>
+          <a:lin ang="5400000" scaled="0"/>
+        </a:gradFill>
+        <a:gradFill rotWithShape="1">
+          <a:gsLst>
+            <a:gs pos="0">
+              <a:schemeClr val="phClr">
+                <a:satMod val="103000"/>
+                <a:lumMod val="102000"/>
+                <a:tint val="94000"/>
+              </a:schemeClr>
+            </a:gs>
+            <a:gs pos="50000">
+              <a:schemeClr val="phClr">
+                <a:satMod val="110000"/>
+                <a:lumMod val="100000"/>
+                <a:shade val="100000"/>
+              </a:schemeClr>
+            </a:gs>
+            <a:gs pos="100000">
+              <a:schemeClr val="phClr">
+                <a:lumMod val="99000"/>
+                <a:satMod val="120000"/>
+                <a:shade val="78000"/>
+              </a:schemeClr>
+            </a:gs>
+          </a:gsLst>
+          <a:lin ang="5400000" scaled="0"/>
+        </a:gradFill>
+      </a:fillStyleLst>
+      <a:lnStyleLst>
+        <a:ln w="6350" cap="flat" cmpd="sng" algn="ctr">
+          <a:solidFill>
+            <a:schemeClr val="phClr"/>
+          </a:solidFill>
+          <a:prstDash val="solid"/>
+          <a:miter lim="800000"/>
+        </a:ln>
+        <a:ln w="12700" cap="flat" cmpd="sng" algn="ctr">
+          <a:solidFill>
+            <a:schemeClr val="phClr"/>
+          </a:solidFill>
+          <a:prstDash val="solid"/>
+          <a:miter lim="800000"/>
+        </a:ln>
+        <a:ln w="19050" cap="flat" cmpd="sng" algn="ctr">
+          <a:solidFill>
+            <a:schemeClr val="phClr"/>
+          </a:solidFill>
+          <a:prstDash val="solid"/>
+          <a:miter lim="800000"/>
+        </a:ln>
+      </a:lnStyleLst>
+      <a:effectStyleLst>
+        <a:effectStyle>
+          <a:effectLst/>
+        </a:effectStyle>
+        <a:effectStyle>
+          <a:effectLst/>
+        </a:effectStyle>
+        <a:effectStyle>
+          <a:effectLst>
+            <a:outerShdw blurRad="57150" dist="19050" dir="5400000" algn="ctr" rotWithShape="0">
+              <a:srgbClr val="000000">
+                <a:alpha val="63000"/>
+              </a:srgbClr>
+            </a:outerShdw>
+          </a:effectLst>
+        </a:effectStyle>
+      </a:effectStyleLst>
+      <a:bgFillStyleLst>
+        <a:solidFill>
+          <a:schemeClr val="phClr"/>
+        </a:solidFill>
+        <a:solidFill>
+          <a:schemeClr val="phClr">
+            <a:tint val="95000"/>
+            <a:satMod val="170000"/>
+          </a:schemeClr>
+        </a:solidFill>
+        <a:gradFill rotWithShape="1">
+          <a:gsLst>
+            <a:gs pos="0">
+              <a:schemeClr val="phClr">
+                <a:tint val="93000"/>
+                <a:satMod val="150000"/>
+                <a:shade val="98000"/>
+                <a:lumMod val="102000"/>
+              </a:schemeClr>
+            </a:gs>
+            <a:gs pos="50000">
+              <a:schemeClr val="phClr">
+                <a:tint val="98000"/>
+                <a:satMod val="130000"/>
+                <a:shade val="90000"/>
+                <a:lumMod val="103000"/>
+              </a:schemeClr>
+            </a:gs>
+            <a:gs pos="100000">
+              <a:schemeClr val="phClr">
+                <a:shade val="63000"/>
+                <a:satMod val="120000"/>
+              </a:schemeClr>
+            </a:gs>
+          </a:gsLst>
+          <a:lin ang="5400000" scaled="0"/>
+        </a:gradFill>
+      </a:bgFillStyleLst>
+    </a:fmtScheme>
+  </a:themeElements>
+  <a:objectDefaults/>
+  <a:extraClrSchemeLst/>
+  <a:extLst>
+    <a:ext uri="{05A4C25C-085E-4340-85A3-A5531E510DB2}">
+      <thm15:themeFamily xmlns:thm15="http://schemas.microsoft.com/office/thememl/2012/main" name="Office Theme" id="{62F939B6-93AF-4DB8-9C6B-D6C7DFDC589F}" vid="{4A3C46E8-61CC-4603-A589-7422A47A8E4A}"/>
+    </a:ext>
+  </a:extLst>
+</a:theme>
 </file>
--- a/Java 9 and up.pptx
+++ b/Java 9 and up.pptx
@@ -5,27 +5,43 @@
     <p:sldMasterId id="2147483648" r:id="rId1"/>
   </p:sldMasterIdLst>
   <p:notesMasterIdLst>
-    <p:notesMasterId r:id="rId20"/>
+    <p:notesMasterId r:id="rId36"/>
   </p:notesMasterIdLst>
   <p:sldIdLst>
     <p:sldId id="256" r:id="rId2"/>
     <p:sldId id="257" r:id="rId3"/>
     <p:sldId id="262" r:id="rId4"/>
-    <p:sldId id="258" r:id="rId5"/>
-    <p:sldId id="263" r:id="rId6"/>
-    <p:sldId id="279" r:id="rId7"/>
-    <p:sldId id="281" r:id="rId8"/>
-    <p:sldId id="280" r:id="rId9"/>
-    <p:sldId id="282" r:id="rId10"/>
-    <p:sldId id="259" r:id="rId11"/>
-    <p:sldId id="264" r:id="rId12"/>
-    <p:sldId id="260" r:id="rId13"/>
-    <p:sldId id="265" r:id="rId14"/>
-    <p:sldId id="261" r:id="rId15"/>
-    <p:sldId id="266" r:id="rId16"/>
-    <p:sldId id="294" r:id="rId17"/>
-    <p:sldId id="295" r:id="rId18"/>
-    <p:sldId id="297" r:id="rId19"/>
+    <p:sldId id="313" r:id="rId5"/>
+    <p:sldId id="258" r:id="rId6"/>
+    <p:sldId id="263" r:id="rId7"/>
+    <p:sldId id="279" r:id="rId8"/>
+    <p:sldId id="281" r:id="rId9"/>
+    <p:sldId id="280" r:id="rId10"/>
+    <p:sldId id="282" r:id="rId11"/>
+    <p:sldId id="299" r:id="rId12"/>
+    <p:sldId id="298" r:id="rId13"/>
+    <p:sldId id="306" r:id="rId14"/>
+    <p:sldId id="305" r:id="rId15"/>
+    <p:sldId id="300" r:id="rId16"/>
+    <p:sldId id="307" r:id="rId17"/>
+    <p:sldId id="301" r:id="rId18"/>
+    <p:sldId id="309" r:id="rId19"/>
+    <p:sldId id="302" r:id="rId20"/>
+    <p:sldId id="308" r:id="rId21"/>
+    <p:sldId id="303" r:id="rId22"/>
+    <p:sldId id="310" r:id="rId23"/>
+    <p:sldId id="304" r:id="rId24"/>
+    <p:sldId id="311" r:id="rId25"/>
+    <p:sldId id="259" r:id="rId26"/>
+    <p:sldId id="264" r:id="rId27"/>
+    <p:sldId id="260" r:id="rId28"/>
+    <p:sldId id="265" r:id="rId29"/>
+    <p:sldId id="261" r:id="rId30"/>
+    <p:sldId id="266" r:id="rId31"/>
+    <p:sldId id="294" r:id="rId32"/>
+    <p:sldId id="295" r:id="rId33"/>
+    <p:sldId id="312" r:id="rId34"/>
+    <p:sldId id="297" r:id="rId35"/>
   </p:sldIdLst>
   <p:sldSz cx="12192000" cy="6858000"/>
   <p:notesSz cx="6858000" cy="9144000"/>
@@ -136,9 +152,10 @@
           <p14:sldIdLst>
             <p14:sldId id="257"/>
             <p14:sldId id="262"/>
+            <p14:sldId id="313"/>
           </p14:sldIdLst>
         </p14:section>
-        <p14:section name="Language Changes" id="{74C37D44-53E3-044C-A140-3147082DB633}">
+        <p14:section name="Language" id="{74C37D44-53E3-044C-A140-3147082DB633}">
           <p14:sldIdLst>
             <p14:sldId id="258"/>
             <p14:sldId id="263"/>
@@ -146,6 +163,20 @@
             <p14:sldId id="281"/>
             <p14:sldId id="280"/>
             <p14:sldId id="282"/>
+            <p14:sldId id="299"/>
+            <p14:sldId id="298"/>
+            <p14:sldId id="306"/>
+            <p14:sldId id="305"/>
+            <p14:sldId id="300"/>
+            <p14:sldId id="307"/>
+            <p14:sldId id="301"/>
+            <p14:sldId id="309"/>
+            <p14:sldId id="302"/>
+            <p14:sldId id="308"/>
+            <p14:sldId id="303"/>
+            <p14:sldId id="310"/>
+            <p14:sldId id="304"/>
+            <p14:sldId id="311"/>
           </p14:sldIdLst>
         </p14:section>
         <p14:section name="JDK" id="{4CD2E492-D05C-274B-A9E8-EE49CF21AC54}">
@@ -170,6 +201,7 @@
           <p14:sldIdLst>
             <p14:sldId id="294"/>
             <p14:sldId id="295"/>
+            <p14:sldId id="312"/>
             <p14:sldId id="297"/>
           </p14:sldIdLst>
         </p14:section>
@@ -615,6 +647,870 @@
 </p:notes>
 </file>
 
+<file path=ppt/notesSlides/notesSlide10.xml><?xml version="1.0" encoding="utf-8"?>
+<p:notes xmlns:a="http://schemas.openxmlformats.org/drawingml/2006/main" xmlns:r="http://schemas.openxmlformats.org/officeDocument/2006/relationships" xmlns:p="http://schemas.openxmlformats.org/presentationml/2006/main">
+  <p:cSld>
+    <p:spTree>
+      <p:nvGrpSpPr>
+        <p:cNvPr id="1" name=""/>
+        <p:cNvGrpSpPr/>
+        <p:nvPr/>
+      </p:nvGrpSpPr>
+      <p:grpSpPr>
+        <a:xfrm>
+          <a:off x="0" y="0"/>
+          <a:ext cx="0" cy="0"/>
+          <a:chOff x="0" y="0"/>
+          <a:chExt cx="0" cy="0"/>
+        </a:xfrm>
+      </p:grpSpPr>
+      <p:sp>
+        <p:nvSpPr>
+          <p:cNvPr id="2" name="Slide Image Placeholder 1"/>
+          <p:cNvSpPr>
+            <a:spLocks noGrp="1" noRot="1" noChangeAspect="1"/>
+          </p:cNvSpPr>
+          <p:nvPr>
+            <p:ph type="sldImg"/>
+          </p:nvPr>
+        </p:nvSpPr>
+        <p:spPr/>
+      </p:sp>
+      <p:sp>
+        <p:nvSpPr>
+          <p:cNvPr id="3" name="Notes Placeholder 2"/>
+          <p:cNvSpPr>
+            <a:spLocks noGrp="1"/>
+          </p:cNvSpPr>
+          <p:nvPr>
+            <p:ph type="body" idx="1"/>
+          </p:nvPr>
+        </p:nvSpPr>
+        <p:spPr/>
+        <p:txBody>
+          <a:bodyPr/>
+          <a:lstStyle/>
+          <a:p>
+            <a:endParaRPr lang="en-US" dirty="0"/>
+          </a:p>
+        </p:txBody>
+      </p:sp>
+      <p:sp>
+        <p:nvSpPr>
+          <p:cNvPr id="4" name="Slide Number Placeholder 3"/>
+          <p:cNvSpPr>
+            <a:spLocks noGrp="1"/>
+          </p:cNvSpPr>
+          <p:nvPr>
+            <p:ph type="sldNum" sz="quarter" idx="5"/>
+          </p:nvPr>
+        </p:nvSpPr>
+        <p:spPr/>
+        <p:txBody>
+          <a:bodyPr/>
+          <a:lstStyle/>
+          <a:p>
+            <a:fld id="{B74070AD-33A4-834F-B7FB-BE5272A61543}" type="slidenum">
+              <a:rPr lang="en-US" smtClean="0"/>
+              <a:t>13</a:t>
+            </a:fld>
+            <a:endParaRPr lang="en-US"/>
+          </a:p>
+        </p:txBody>
+      </p:sp>
+    </p:spTree>
+    <p:extLst>
+      <p:ext uri="{BB962C8B-B14F-4D97-AF65-F5344CB8AC3E}">
+        <p14:creationId xmlns:p14="http://schemas.microsoft.com/office/powerpoint/2010/main" val="176025913"/>
+      </p:ext>
+    </p:extLst>
+  </p:cSld>
+  <p:clrMapOvr>
+    <a:masterClrMapping/>
+  </p:clrMapOvr>
+</p:notes>
+</file>
+
+<file path=ppt/notesSlides/notesSlide11.xml><?xml version="1.0" encoding="utf-8"?>
+<p:notes xmlns:a="http://schemas.openxmlformats.org/drawingml/2006/main" xmlns:r="http://schemas.openxmlformats.org/officeDocument/2006/relationships" xmlns:p="http://schemas.openxmlformats.org/presentationml/2006/main">
+  <p:cSld>
+    <p:spTree>
+      <p:nvGrpSpPr>
+        <p:cNvPr id="1" name=""/>
+        <p:cNvGrpSpPr/>
+        <p:nvPr/>
+      </p:nvGrpSpPr>
+      <p:grpSpPr>
+        <a:xfrm>
+          <a:off x="0" y="0"/>
+          <a:ext cx="0" cy="0"/>
+          <a:chOff x="0" y="0"/>
+          <a:chExt cx="0" cy="0"/>
+        </a:xfrm>
+      </p:grpSpPr>
+      <p:sp>
+        <p:nvSpPr>
+          <p:cNvPr id="2" name="Slide Image Placeholder 1"/>
+          <p:cNvSpPr>
+            <a:spLocks noGrp="1" noRot="1" noChangeAspect="1"/>
+          </p:cNvSpPr>
+          <p:nvPr>
+            <p:ph type="sldImg"/>
+          </p:nvPr>
+        </p:nvSpPr>
+        <p:spPr/>
+      </p:sp>
+      <p:sp>
+        <p:nvSpPr>
+          <p:cNvPr id="3" name="Notes Placeholder 2"/>
+          <p:cNvSpPr>
+            <a:spLocks noGrp="1"/>
+          </p:cNvSpPr>
+          <p:nvPr>
+            <p:ph type="body" idx="1"/>
+          </p:nvPr>
+        </p:nvSpPr>
+        <p:spPr/>
+        <p:txBody>
+          <a:bodyPr/>
+          <a:lstStyle/>
+          <a:p>
+            <a:endParaRPr lang="en-US" dirty="0"/>
+          </a:p>
+        </p:txBody>
+      </p:sp>
+      <p:sp>
+        <p:nvSpPr>
+          <p:cNvPr id="4" name="Slide Number Placeholder 3"/>
+          <p:cNvSpPr>
+            <a:spLocks noGrp="1"/>
+          </p:cNvSpPr>
+          <p:nvPr>
+            <p:ph type="sldNum" sz="quarter" idx="5"/>
+          </p:nvPr>
+        </p:nvSpPr>
+        <p:spPr/>
+        <p:txBody>
+          <a:bodyPr/>
+          <a:lstStyle/>
+          <a:p>
+            <a:fld id="{B74070AD-33A4-834F-B7FB-BE5272A61543}" type="slidenum">
+              <a:rPr lang="en-US" smtClean="0"/>
+              <a:t>14</a:t>
+            </a:fld>
+            <a:endParaRPr lang="en-US"/>
+          </a:p>
+        </p:txBody>
+      </p:sp>
+    </p:spTree>
+    <p:extLst>
+      <p:ext uri="{BB962C8B-B14F-4D97-AF65-F5344CB8AC3E}">
+        <p14:creationId xmlns:p14="http://schemas.microsoft.com/office/powerpoint/2010/main" val="4272829934"/>
+      </p:ext>
+    </p:extLst>
+  </p:cSld>
+  <p:clrMapOvr>
+    <a:masterClrMapping/>
+  </p:clrMapOvr>
+</p:notes>
+</file>
+
+<file path=ppt/notesSlides/notesSlide12.xml><?xml version="1.0" encoding="utf-8"?>
+<p:notes xmlns:a="http://schemas.openxmlformats.org/drawingml/2006/main" xmlns:r="http://schemas.openxmlformats.org/officeDocument/2006/relationships" xmlns:p="http://schemas.openxmlformats.org/presentationml/2006/main">
+  <p:cSld>
+    <p:spTree>
+      <p:nvGrpSpPr>
+        <p:cNvPr id="1" name=""/>
+        <p:cNvGrpSpPr/>
+        <p:nvPr/>
+      </p:nvGrpSpPr>
+      <p:grpSpPr>
+        <a:xfrm>
+          <a:off x="0" y="0"/>
+          <a:ext cx="0" cy="0"/>
+          <a:chOff x="0" y="0"/>
+          <a:chExt cx="0" cy="0"/>
+        </a:xfrm>
+      </p:grpSpPr>
+      <p:sp>
+        <p:nvSpPr>
+          <p:cNvPr id="2" name="Slide Image Placeholder 1"/>
+          <p:cNvSpPr>
+            <a:spLocks noGrp="1" noRot="1" noChangeAspect="1"/>
+          </p:cNvSpPr>
+          <p:nvPr>
+            <p:ph type="sldImg"/>
+          </p:nvPr>
+        </p:nvSpPr>
+        <p:spPr/>
+      </p:sp>
+      <p:sp>
+        <p:nvSpPr>
+          <p:cNvPr id="3" name="Notes Placeholder 2"/>
+          <p:cNvSpPr>
+            <a:spLocks noGrp="1"/>
+          </p:cNvSpPr>
+          <p:nvPr>
+            <p:ph type="body" idx="1"/>
+          </p:nvPr>
+        </p:nvSpPr>
+        <p:spPr/>
+        <p:txBody>
+          <a:bodyPr/>
+          <a:lstStyle/>
+          <a:p>
+            <a:r>
+              <a:rPr lang="en-US" dirty="0"/>
+              <a:t>Preview started in Java 12, refined in 13, standardized in 14</a:t>
+            </a:r>
+          </a:p>
+        </p:txBody>
+      </p:sp>
+      <p:sp>
+        <p:nvSpPr>
+          <p:cNvPr id="4" name="Slide Number Placeholder 3"/>
+          <p:cNvSpPr>
+            <a:spLocks noGrp="1"/>
+          </p:cNvSpPr>
+          <p:nvPr>
+            <p:ph type="sldNum" sz="quarter" idx="5"/>
+          </p:nvPr>
+        </p:nvSpPr>
+        <p:spPr/>
+        <p:txBody>
+          <a:bodyPr/>
+          <a:lstStyle/>
+          <a:p>
+            <a:fld id="{B74070AD-33A4-834F-B7FB-BE5272A61543}" type="slidenum">
+              <a:rPr lang="en-US" smtClean="0"/>
+              <a:t>15</a:t>
+            </a:fld>
+            <a:endParaRPr lang="en-US"/>
+          </a:p>
+        </p:txBody>
+      </p:sp>
+    </p:spTree>
+    <p:extLst>
+      <p:ext uri="{BB962C8B-B14F-4D97-AF65-F5344CB8AC3E}">
+        <p14:creationId xmlns:p14="http://schemas.microsoft.com/office/powerpoint/2010/main" val="2379436651"/>
+      </p:ext>
+    </p:extLst>
+  </p:cSld>
+  <p:clrMapOvr>
+    <a:masterClrMapping/>
+  </p:clrMapOvr>
+</p:notes>
+</file>
+
+<file path=ppt/notesSlides/notesSlide13.xml><?xml version="1.0" encoding="utf-8"?>
+<p:notes xmlns:a="http://schemas.openxmlformats.org/drawingml/2006/main" xmlns:r="http://schemas.openxmlformats.org/officeDocument/2006/relationships" xmlns:p="http://schemas.openxmlformats.org/presentationml/2006/main">
+  <p:cSld>
+    <p:spTree>
+      <p:nvGrpSpPr>
+        <p:cNvPr id="1" name=""/>
+        <p:cNvGrpSpPr/>
+        <p:nvPr/>
+      </p:nvGrpSpPr>
+      <p:grpSpPr>
+        <a:xfrm>
+          <a:off x="0" y="0"/>
+          <a:ext cx="0" cy="0"/>
+          <a:chOff x="0" y="0"/>
+          <a:chExt cx="0" cy="0"/>
+        </a:xfrm>
+      </p:grpSpPr>
+      <p:sp>
+        <p:nvSpPr>
+          <p:cNvPr id="2" name="Slide Image Placeholder 1"/>
+          <p:cNvSpPr>
+            <a:spLocks noGrp="1" noRot="1" noChangeAspect="1"/>
+          </p:cNvSpPr>
+          <p:nvPr>
+            <p:ph type="sldImg"/>
+          </p:nvPr>
+        </p:nvSpPr>
+        <p:spPr/>
+      </p:sp>
+      <p:sp>
+        <p:nvSpPr>
+          <p:cNvPr id="3" name="Notes Placeholder 2"/>
+          <p:cNvSpPr>
+            <a:spLocks noGrp="1"/>
+          </p:cNvSpPr>
+          <p:nvPr>
+            <p:ph type="body" idx="1"/>
+          </p:nvPr>
+        </p:nvSpPr>
+        <p:spPr/>
+        <p:txBody>
+          <a:bodyPr/>
+          <a:lstStyle/>
+          <a:p>
+            <a:r>
+              <a:rPr lang="en-US" dirty="0"/>
+              <a:t>Preview started in Java 12, refined in 13, standardized in 14</a:t>
+            </a:r>
+          </a:p>
+        </p:txBody>
+      </p:sp>
+      <p:sp>
+        <p:nvSpPr>
+          <p:cNvPr id="4" name="Slide Number Placeholder 3"/>
+          <p:cNvSpPr>
+            <a:spLocks noGrp="1"/>
+          </p:cNvSpPr>
+          <p:nvPr>
+            <p:ph type="sldNum" sz="quarter" idx="5"/>
+          </p:nvPr>
+        </p:nvSpPr>
+        <p:spPr/>
+        <p:txBody>
+          <a:bodyPr/>
+          <a:lstStyle/>
+          <a:p>
+            <a:fld id="{B74070AD-33A4-834F-B7FB-BE5272A61543}" type="slidenum">
+              <a:rPr lang="en-US" smtClean="0"/>
+              <a:t>16</a:t>
+            </a:fld>
+            <a:endParaRPr lang="en-US"/>
+          </a:p>
+        </p:txBody>
+      </p:sp>
+    </p:spTree>
+    <p:extLst>
+      <p:ext uri="{BB962C8B-B14F-4D97-AF65-F5344CB8AC3E}">
+        <p14:creationId xmlns:p14="http://schemas.microsoft.com/office/powerpoint/2010/main" val="1609217218"/>
+      </p:ext>
+    </p:extLst>
+  </p:cSld>
+  <p:clrMapOvr>
+    <a:masterClrMapping/>
+  </p:clrMapOvr>
+</p:notes>
+</file>
+
+<file path=ppt/notesSlides/notesSlide14.xml><?xml version="1.0" encoding="utf-8"?>
+<p:notes xmlns:a="http://schemas.openxmlformats.org/drawingml/2006/main" xmlns:r="http://schemas.openxmlformats.org/officeDocument/2006/relationships" xmlns:p="http://schemas.openxmlformats.org/presentationml/2006/main">
+  <p:cSld>
+    <p:spTree>
+      <p:nvGrpSpPr>
+        <p:cNvPr id="1" name=""/>
+        <p:cNvGrpSpPr/>
+        <p:nvPr/>
+      </p:nvGrpSpPr>
+      <p:grpSpPr>
+        <a:xfrm>
+          <a:off x="0" y="0"/>
+          <a:ext cx="0" cy="0"/>
+          <a:chOff x="0" y="0"/>
+          <a:chExt cx="0" cy="0"/>
+        </a:xfrm>
+      </p:grpSpPr>
+      <p:sp>
+        <p:nvSpPr>
+          <p:cNvPr id="2" name="Slide Image Placeholder 1"/>
+          <p:cNvSpPr>
+            <a:spLocks noGrp="1" noRot="1" noChangeAspect="1"/>
+          </p:cNvSpPr>
+          <p:nvPr>
+            <p:ph type="sldImg"/>
+          </p:nvPr>
+        </p:nvSpPr>
+        <p:spPr/>
+      </p:sp>
+      <p:sp>
+        <p:nvSpPr>
+          <p:cNvPr id="3" name="Notes Placeholder 2"/>
+          <p:cNvSpPr>
+            <a:spLocks noGrp="1"/>
+          </p:cNvSpPr>
+          <p:nvPr>
+            <p:ph type="body" idx="1"/>
+          </p:nvPr>
+        </p:nvSpPr>
+        <p:spPr/>
+        <p:txBody>
+          <a:bodyPr/>
+          <a:lstStyle/>
+          <a:p>
+            <a:r>
+              <a:rPr lang="en-US" dirty="0"/>
+              <a:t>Preview started in Java 13, refined in 14, standardized in 15</a:t>
+            </a:r>
+          </a:p>
+        </p:txBody>
+      </p:sp>
+      <p:sp>
+        <p:nvSpPr>
+          <p:cNvPr id="4" name="Slide Number Placeholder 3"/>
+          <p:cNvSpPr>
+            <a:spLocks noGrp="1"/>
+          </p:cNvSpPr>
+          <p:nvPr>
+            <p:ph type="sldNum" sz="quarter" idx="5"/>
+          </p:nvPr>
+        </p:nvSpPr>
+        <p:spPr/>
+        <p:txBody>
+          <a:bodyPr/>
+          <a:lstStyle/>
+          <a:p>
+            <a:fld id="{B74070AD-33A4-834F-B7FB-BE5272A61543}" type="slidenum">
+              <a:rPr lang="en-US" smtClean="0"/>
+              <a:t>17</a:t>
+            </a:fld>
+            <a:endParaRPr lang="en-US"/>
+          </a:p>
+        </p:txBody>
+      </p:sp>
+    </p:spTree>
+    <p:extLst>
+      <p:ext uri="{BB962C8B-B14F-4D97-AF65-F5344CB8AC3E}">
+        <p14:creationId xmlns:p14="http://schemas.microsoft.com/office/powerpoint/2010/main" val="3078993687"/>
+      </p:ext>
+    </p:extLst>
+  </p:cSld>
+  <p:clrMapOvr>
+    <a:masterClrMapping/>
+  </p:clrMapOvr>
+</p:notes>
+</file>
+
+<file path=ppt/notesSlides/notesSlide15.xml><?xml version="1.0" encoding="utf-8"?>
+<p:notes xmlns:a="http://schemas.openxmlformats.org/drawingml/2006/main" xmlns:r="http://schemas.openxmlformats.org/officeDocument/2006/relationships" xmlns:p="http://schemas.openxmlformats.org/presentationml/2006/main">
+  <p:cSld>
+    <p:spTree>
+      <p:nvGrpSpPr>
+        <p:cNvPr id="1" name=""/>
+        <p:cNvGrpSpPr/>
+        <p:nvPr/>
+      </p:nvGrpSpPr>
+      <p:grpSpPr>
+        <a:xfrm>
+          <a:off x="0" y="0"/>
+          <a:ext cx="0" cy="0"/>
+          <a:chOff x="0" y="0"/>
+          <a:chExt cx="0" cy="0"/>
+        </a:xfrm>
+      </p:grpSpPr>
+      <p:sp>
+        <p:nvSpPr>
+          <p:cNvPr id="2" name="Slide Image Placeholder 1"/>
+          <p:cNvSpPr>
+            <a:spLocks noGrp="1" noRot="1" noChangeAspect="1"/>
+          </p:cNvSpPr>
+          <p:nvPr>
+            <p:ph type="sldImg"/>
+          </p:nvPr>
+        </p:nvSpPr>
+        <p:spPr/>
+      </p:sp>
+      <p:sp>
+        <p:nvSpPr>
+          <p:cNvPr id="3" name="Notes Placeholder 2"/>
+          <p:cNvSpPr>
+            <a:spLocks noGrp="1"/>
+          </p:cNvSpPr>
+          <p:nvPr>
+            <p:ph type="body" idx="1"/>
+          </p:nvPr>
+        </p:nvSpPr>
+        <p:spPr/>
+        <p:txBody>
+          <a:bodyPr/>
+          <a:lstStyle/>
+          <a:p>
+            <a:r>
+              <a:rPr lang="en-US" dirty="0"/>
+              <a:t>Preview started in Java 13, refined in 14, standardized in 15</a:t>
+            </a:r>
+          </a:p>
+        </p:txBody>
+      </p:sp>
+      <p:sp>
+        <p:nvSpPr>
+          <p:cNvPr id="4" name="Slide Number Placeholder 3"/>
+          <p:cNvSpPr>
+            <a:spLocks noGrp="1"/>
+          </p:cNvSpPr>
+          <p:nvPr>
+            <p:ph type="sldNum" sz="quarter" idx="5"/>
+          </p:nvPr>
+        </p:nvSpPr>
+        <p:spPr/>
+        <p:txBody>
+          <a:bodyPr/>
+          <a:lstStyle/>
+          <a:p>
+            <a:fld id="{B74070AD-33A4-834F-B7FB-BE5272A61543}" type="slidenum">
+              <a:rPr lang="en-US" smtClean="0"/>
+              <a:t>18</a:t>
+            </a:fld>
+            <a:endParaRPr lang="en-US"/>
+          </a:p>
+        </p:txBody>
+      </p:sp>
+    </p:spTree>
+    <p:extLst>
+      <p:ext uri="{BB962C8B-B14F-4D97-AF65-F5344CB8AC3E}">
+        <p14:creationId xmlns:p14="http://schemas.microsoft.com/office/powerpoint/2010/main" val="3091176645"/>
+      </p:ext>
+    </p:extLst>
+  </p:cSld>
+  <p:clrMapOvr>
+    <a:masterClrMapping/>
+  </p:clrMapOvr>
+</p:notes>
+</file>
+
+<file path=ppt/notesSlides/notesSlide16.xml><?xml version="1.0" encoding="utf-8"?>
+<p:notes xmlns:a="http://schemas.openxmlformats.org/drawingml/2006/main" xmlns:r="http://schemas.openxmlformats.org/officeDocument/2006/relationships" xmlns:p="http://schemas.openxmlformats.org/presentationml/2006/main">
+  <p:cSld>
+    <p:spTree>
+      <p:nvGrpSpPr>
+        <p:cNvPr id="1" name=""/>
+        <p:cNvGrpSpPr/>
+        <p:nvPr/>
+      </p:nvGrpSpPr>
+      <p:grpSpPr>
+        <a:xfrm>
+          <a:off x="0" y="0"/>
+          <a:ext cx="0" cy="0"/>
+          <a:chOff x="0" y="0"/>
+          <a:chExt cx="0" cy="0"/>
+        </a:xfrm>
+      </p:grpSpPr>
+      <p:sp>
+        <p:nvSpPr>
+          <p:cNvPr id="2" name="Slide Image Placeholder 1"/>
+          <p:cNvSpPr>
+            <a:spLocks noGrp="1" noRot="1" noChangeAspect="1"/>
+          </p:cNvSpPr>
+          <p:nvPr>
+            <p:ph type="sldImg"/>
+          </p:nvPr>
+        </p:nvSpPr>
+        <p:spPr/>
+      </p:sp>
+      <p:sp>
+        <p:nvSpPr>
+          <p:cNvPr id="3" name="Notes Placeholder 2"/>
+          <p:cNvSpPr>
+            <a:spLocks noGrp="1"/>
+          </p:cNvSpPr>
+          <p:nvPr>
+            <p:ph type="body" idx="1"/>
+          </p:nvPr>
+        </p:nvSpPr>
+        <p:spPr/>
+        <p:txBody>
+          <a:bodyPr/>
+          <a:lstStyle/>
+          <a:p>
+            <a:r>
+              <a:rPr lang="en-US" dirty="0"/>
+              <a:t>Preview started in Java 14 and continued without changes in 15. It is expected to be standardized in 16 (with a couple of minor tweaks).</a:t>
+            </a:r>
+          </a:p>
+        </p:txBody>
+      </p:sp>
+      <p:sp>
+        <p:nvSpPr>
+          <p:cNvPr id="4" name="Slide Number Placeholder 3"/>
+          <p:cNvSpPr>
+            <a:spLocks noGrp="1"/>
+          </p:cNvSpPr>
+          <p:nvPr>
+            <p:ph type="sldNum" sz="quarter" idx="5"/>
+          </p:nvPr>
+        </p:nvSpPr>
+        <p:spPr/>
+        <p:txBody>
+          <a:bodyPr/>
+          <a:lstStyle/>
+          <a:p>
+            <a:fld id="{B74070AD-33A4-834F-B7FB-BE5272A61543}" type="slidenum">
+              <a:rPr lang="en-US" smtClean="0"/>
+              <a:t>19</a:t>
+            </a:fld>
+            <a:endParaRPr lang="en-US"/>
+          </a:p>
+        </p:txBody>
+      </p:sp>
+    </p:spTree>
+    <p:extLst>
+      <p:ext uri="{BB962C8B-B14F-4D97-AF65-F5344CB8AC3E}">
+        <p14:creationId xmlns:p14="http://schemas.microsoft.com/office/powerpoint/2010/main" val="294723609"/>
+      </p:ext>
+    </p:extLst>
+  </p:cSld>
+  <p:clrMapOvr>
+    <a:masterClrMapping/>
+  </p:clrMapOvr>
+</p:notes>
+</file>
+
+<file path=ppt/notesSlides/notesSlide17.xml><?xml version="1.0" encoding="utf-8"?>
+<p:notes xmlns:a="http://schemas.openxmlformats.org/drawingml/2006/main" xmlns:r="http://schemas.openxmlformats.org/officeDocument/2006/relationships" xmlns:p="http://schemas.openxmlformats.org/presentationml/2006/main">
+  <p:cSld>
+    <p:spTree>
+      <p:nvGrpSpPr>
+        <p:cNvPr id="1" name=""/>
+        <p:cNvGrpSpPr/>
+        <p:nvPr/>
+      </p:nvGrpSpPr>
+      <p:grpSpPr>
+        <a:xfrm>
+          <a:off x="0" y="0"/>
+          <a:ext cx="0" cy="0"/>
+          <a:chOff x="0" y="0"/>
+          <a:chExt cx="0" cy="0"/>
+        </a:xfrm>
+      </p:grpSpPr>
+      <p:sp>
+        <p:nvSpPr>
+          <p:cNvPr id="2" name="Slide Image Placeholder 1"/>
+          <p:cNvSpPr>
+            <a:spLocks noGrp="1" noRot="1" noChangeAspect="1"/>
+          </p:cNvSpPr>
+          <p:nvPr>
+            <p:ph type="sldImg"/>
+          </p:nvPr>
+        </p:nvSpPr>
+        <p:spPr/>
+      </p:sp>
+      <p:sp>
+        <p:nvSpPr>
+          <p:cNvPr id="3" name="Notes Placeholder 2"/>
+          <p:cNvSpPr>
+            <a:spLocks noGrp="1"/>
+          </p:cNvSpPr>
+          <p:nvPr>
+            <p:ph type="body" idx="1"/>
+          </p:nvPr>
+        </p:nvSpPr>
+        <p:spPr/>
+        <p:txBody>
+          <a:bodyPr/>
+          <a:lstStyle/>
+          <a:p>
+            <a:r>
+              <a:rPr lang="en-US" dirty="0"/>
+              <a:t>Preview started in Java 14 and continued without changes in 15. It is expected to be standardized in 16 (with a couple of minor tweaks).</a:t>
+            </a:r>
+          </a:p>
+        </p:txBody>
+      </p:sp>
+      <p:sp>
+        <p:nvSpPr>
+          <p:cNvPr id="4" name="Slide Number Placeholder 3"/>
+          <p:cNvSpPr>
+            <a:spLocks noGrp="1"/>
+          </p:cNvSpPr>
+          <p:nvPr>
+            <p:ph type="sldNum" sz="quarter" idx="5"/>
+          </p:nvPr>
+        </p:nvSpPr>
+        <p:spPr/>
+        <p:txBody>
+          <a:bodyPr/>
+          <a:lstStyle/>
+          <a:p>
+            <a:fld id="{B74070AD-33A4-834F-B7FB-BE5272A61543}" type="slidenum">
+              <a:rPr lang="en-US" smtClean="0"/>
+              <a:t>20</a:t>
+            </a:fld>
+            <a:endParaRPr lang="en-US"/>
+          </a:p>
+        </p:txBody>
+      </p:sp>
+    </p:spTree>
+    <p:extLst>
+      <p:ext uri="{BB962C8B-B14F-4D97-AF65-F5344CB8AC3E}">
+        <p14:creationId xmlns:p14="http://schemas.microsoft.com/office/powerpoint/2010/main" val="999250874"/>
+      </p:ext>
+    </p:extLst>
+  </p:cSld>
+  <p:clrMapOvr>
+    <a:masterClrMapping/>
+  </p:clrMapOvr>
+</p:notes>
+</file>
+
+<file path=ppt/notesSlides/notesSlide18.xml><?xml version="1.0" encoding="utf-8"?>
+<p:notes xmlns:a="http://schemas.openxmlformats.org/drawingml/2006/main" xmlns:r="http://schemas.openxmlformats.org/officeDocument/2006/relationships" xmlns:p="http://schemas.openxmlformats.org/presentationml/2006/main">
+  <p:cSld>
+    <p:spTree>
+      <p:nvGrpSpPr>
+        <p:cNvPr id="1" name=""/>
+        <p:cNvGrpSpPr/>
+        <p:nvPr/>
+      </p:nvGrpSpPr>
+      <p:grpSpPr>
+        <a:xfrm>
+          <a:off x="0" y="0"/>
+          <a:ext cx="0" cy="0"/>
+          <a:chOff x="0" y="0"/>
+          <a:chExt cx="0" cy="0"/>
+        </a:xfrm>
+      </p:grpSpPr>
+      <p:sp>
+        <p:nvSpPr>
+          <p:cNvPr id="2" name="Slide Image Placeholder 1"/>
+          <p:cNvSpPr>
+            <a:spLocks noGrp="1" noRot="1" noChangeAspect="1"/>
+          </p:cNvSpPr>
+          <p:nvPr>
+            <p:ph type="sldImg"/>
+          </p:nvPr>
+        </p:nvSpPr>
+        <p:spPr/>
+      </p:sp>
+      <p:sp>
+        <p:nvSpPr>
+          <p:cNvPr id="3" name="Notes Placeholder 2"/>
+          <p:cNvSpPr>
+            <a:spLocks noGrp="1"/>
+          </p:cNvSpPr>
+          <p:nvPr>
+            <p:ph type="body" idx="1"/>
+          </p:nvPr>
+        </p:nvSpPr>
+        <p:spPr/>
+        <p:txBody>
+          <a:bodyPr/>
+          <a:lstStyle/>
+          <a:p>
+            <a:r>
+              <a:rPr lang="en-US" dirty="0"/>
+              <a:t>Preview started in Java 14 and continued in 15. Expected to be standardized in 16. Similar in function to Lombok’s @Data annotation</a:t>
+            </a:r>
+          </a:p>
+        </p:txBody>
+      </p:sp>
+      <p:sp>
+        <p:nvSpPr>
+          <p:cNvPr id="4" name="Slide Number Placeholder 3"/>
+          <p:cNvSpPr>
+            <a:spLocks noGrp="1"/>
+          </p:cNvSpPr>
+          <p:nvPr>
+            <p:ph type="sldNum" sz="quarter" idx="5"/>
+          </p:nvPr>
+        </p:nvSpPr>
+        <p:spPr/>
+        <p:txBody>
+          <a:bodyPr/>
+          <a:lstStyle/>
+          <a:p>
+            <a:fld id="{B74070AD-33A4-834F-B7FB-BE5272A61543}" type="slidenum">
+              <a:rPr lang="en-US" smtClean="0"/>
+              <a:t>21</a:t>
+            </a:fld>
+            <a:endParaRPr lang="en-US"/>
+          </a:p>
+        </p:txBody>
+      </p:sp>
+    </p:spTree>
+    <p:extLst>
+      <p:ext uri="{BB962C8B-B14F-4D97-AF65-F5344CB8AC3E}">
+        <p14:creationId xmlns:p14="http://schemas.microsoft.com/office/powerpoint/2010/main" val="3343897934"/>
+      </p:ext>
+    </p:extLst>
+  </p:cSld>
+  <p:clrMapOvr>
+    <a:masterClrMapping/>
+  </p:clrMapOvr>
+</p:notes>
+</file>
+
+<file path=ppt/notesSlides/notesSlide19.xml><?xml version="1.0" encoding="utf-8"?>
+<p:notes xmlns:a="http://schemas.openxmlformats.org/drawingml/2006/main" xmlns:r="http://schemas.openxmlformats.org/officeDocument/2006/relationships" xmlns:p="http://schemas.openxmlformats.org/presentationml/2006/main">
+  <p:cSld>
+    <p:spTree>
+      <p:nvGrpSpPr>
+        <p:cNvPr id="1" name=""/>
+        <p:cNvGrpSpPr/>
+        <p:nvPr/>
+      </p:nvGrpSpPr>
+      <p:grpSpPr>
+        <a:xfrm>
+          <a:off x="0" y="0"/>
+          <a:ext cx="0" cy="0"/>
+          <a:chOff x="0" y="0"/>
+          <a:chExt cx="0" cy="0"/>
+        </a:xfrm>
+      </p:grpSpPr>
+      <p:sp>
+        <p:nvSpPr>
+          <p:cNvPr id="2" name="Slide Image Placeholder 1"/>
+          <p:cNvSpPr>
+            <a:spLocks noGrp="1" noRot="1" noChangeAspect="1"/>
+          </p:cNvSpPr>
+          <p:nvPr>
+            <p:ph type="sldImg"/>
+          </p:nvPr>
+        </p:nvSpPr>
+        <p:spPr/>
+      </p:sp>
+      <p:sp>
+        <p:nvSpPr>
+          <p:cNvPr id="3" name="Notes Placeholder 2"/>
+          <p:cNvSpPr>
+            <a:spLocks noGrp="1"/>
+          </p:cNvSpPr>
+          <p:nvPr>
+            <p:ph type="body" idx="1"/>
+          </p:nvPr>
+        </p:nvSpPr>
+        <p:spPr/>
+        <p:txBody>
+          <a:bodyPr/>
+          <a:lstStyle/>
+          <a:p>
+            <a:r>
+              <a:rPr lang="en-US" dirty="0"/>
+              <a:t>Preview started in Java 14 and continued in 15. Expected to be standardized in 16. Similar in function to Lombok’s @Data annotation</a:t>
+            </a:r>
+          </a:p>
+        </p:txBody>
+      </p:sp>
+      <p:sp>
+        <p:nvSpPr>
+          <p:cNvPr id="4" name="Slide Number Placeholder 3"/>
+          <p:cNvSpPr>
+            <a:spLocks noGrp="1"/>
+          </p:cNvSpPr>
+          <p:nvPr>
+            <p:ph type="sldNum" sz="quarter" idx="5"/>
+          </p:nvPr>
+        </p:nvSpPr>
+        <p:spPr/>
+        <p:txBody>
+          <a:bodyPr/>
+          <a:lstStyle/>
+          <a:p>
+            <a:fld id="{B74070AD-33A4-834F-B7FB-BE5272A61543}" type="slidenum">
+              <a:rPr lang="en-US" smtClean="0"/>
+              <a:t>22</a:t>
+            </a:fld>
+            <a:endParaRPr lang="en-US"/>
+          </a:p>
+        </p:txBody>
+      </p:sp>
+    </p:spTree>
+    <p:extLst>
+      <p:ext uri="{BB962C8B-B14F-4D97-AF65-F5344CB8AC3E}">
+        <p14:creationId xmlns:p14="http://schemas.microsoft.com/office/powerpoint/2010/main" val="4009220873"/>
+      </p:ext>
+    </p:extLst>
+  </p:cSld>
+  <p:clrMapOvr>
+    <a:masterClrMapping/>
+  </p:clrMapOvr>
+</p:notes>
+</file>
+
 <file path=ppt/notesSlides/notesSlide2.xml><?xml version="1.0" encoding="utf-8"?>
 <p:notes xmlns:a="http://schemas.openxmlformats.org/drawingml/2006/main" xmlns:r="http://schemas.openxmlformats.org/officeDocument/2006/relationships" xmlns:p="http://schemas.openxmlformats.org/presentationml/2006/main">
   <p:cSld>
@@ -659,7 +1555,10 @@
           <a:bodyPr/>
           <a:lstStyle/>
           <a:p>
-            <a:endParaRPr lang="en-US" dirty="0"/>
+            <a:r>
+              <a:rPr lang="en-US" dirty="0"/>
+              <a:t>Breaking changes for these releases down by category, rather than release</a:t>
+            </a:r>
           </a:p>
         </p:txBody>
       </p:sp>
@@ -680,7 +1579,7 @@
           <a:p>
             <a:fld id="{04A691DF-99D8-2A4F-A43E-F57D41F45428}" type="slidenum">
               <a:rPr lang="en-US" smtClean="0"/>
-              <a:t>5</a:t>
+              <a:t>4</a:t>
             </a:fld>
             <a:endParaRPr lang="en-US"/>
           </a:p>
@@ -689,7 +1588,360 @@
     </p:spTree>
     <p:extLst>
       <p:ext uri="{BB962C8B-B14F-4D97-AF65-F5344CB8AC3E}">
-        <p14:creationId xmlns:p14="http://schemas.microsoft.com/office/powerpoint/2010/main" val="3972942031"/>
+        <p14:creationId xmlns:p14="http://schemas.microsoft.com/office/powerpoint/2010/main" val="4264203752"/>
+      </p:ext>
+    </p:extLst>
+  </p:cSld>
+  <p:clrMapOvr>
+    <a:masterClrMapping/>
+  </p:clrMapOvr>
+</p:notes>
+</file>
+
+<file path=ppt/notesSlides/notesSlide20.xml><?xml version="1.0" encoding="utf-8"?>
+<p:notes xmlns:a="http://schemas.openxmlformats.org/drawingml/2006/main" xmlns:r="http://schemas.openxmlformats.org/officeDocument/2006/relationships" xmlns:p="http://schemas.openxmlformats.org/presentationml/2006/main">
+  <p:cSld>
+    <p:spTree>
+      <p:nvGrpSpPr>
+        <p:cNvPr id="1" name=""/>
+        <p:cNvGrpSpPr/>
+        <p:nvPr/>
+      </p:nvGrpSpPr>
+      <p:grpSpPr>
+        <a:xfrm>
+          <a:off x="0" y="0"/>
+          <a:ext cx="0" cy="0"/>
+          <a:chOff x="0" y="0"/>
+          <a:chExt cx="0" cy="0"/>
+        </a:xfrm>
+      </p:grpSpPr>
+      <p:sp>
+        <p:nvSpPr>
+          <p:cNvPr id="2" name="Slide Image Placeholder 1"/>
+          <p:cNvSpPr>
+            <a:spLocks noGrp="1" noRot="1" noChangeAspect="1"/>
+          </p:cNvSpPr>
+          <p:nvPr>
+            <p:ph type="sldImg"/>
+          </p:nvPr>
+        </p:nvSpPr>
+        <p:spPr/>
+      </p:sp>
+      <p:sp>
+        <p:nvSpPr>
+          <p:cNvPr id="3" name="Notes Placeholder 2"/>
+          <p:cNvSpPr>
+            <a:spLocks noGrp="1"/>
+          </p:cNvSpPr>
+          <p:nvPr>
+            <p:ph type="body" idx="1"/>
+          </p:nvPr>
+        </p:nvSpPr>
+        <p:spPr/>
+        <p:txBody>
+          <a:bodyPr/>
+          <a:lstStyle/>
+          <a:p>
+            <a:r>
+              <a:rPr lang="en-US" dirty="0"/>
+              <a:t>Preview started in Java 15</a:t>
+            </a:r>
+          </a:p>
+        </p:txBody>
+      </p:sp>
+      <p:sp>
+        <p:nvSpPr>
+          <p:cNvPr id="4" name="Slide Number Placeholder 3"/>
+          <p:cNvSpPr>
+            <a:spLocks noGrp="1"/>
+          </p:cNvSpPr>
+          <p:nvPr>
+            <p:ph type="sldNum" sz="quarter" idx="5"/>
+          </p:nvPr>
+        </p:nvSpPr>
+        <p:spPr/>
+        <p:txBody>
+          <a:bodyPr/>
+          <a:lstStyle/>
+          <a:p>
+            <a:fld id="{B74070AD-33A4-834F-B7FB-BE5272A61543}" type="slidenum">
+              <a:rPr lang="en-US" smtClean="0"/>
+              <a:t>23</a:t>
+            </a:fld>
+            <a:endParaRPr lang="en-US"/>
+          </a:p>
+        </p:txBody>
+      </p:sp>
+    </p:spTree>
+    <p:extLst>
+      <p:ext uri="{BB962C8B-B14F-4D97-AF65-F5344CB8AC3E}">
+        <p14:creationId xmlns:p14="http://schemas.microsoft.com/office/powerpoint/2010/main" val="4243937909"/>
+      </p:ext>
+    </p:extLst>
+  </p:cSld>
+  <p:clrMapOvr>
+    <a:masterClrMapping/>
+  </p:clrMapOvr>
+</p:notes>
+</file>
+
+<file path=ppt/notesSlides/notesSlide21.xml><?xml version="1.0" encoding="utf-8"?>
+<p:notes xmlns:a="http://schemas.openxmlformats.org/drawingml/2006/main" xmlns:r="http://schemas.openxmlformats.org/officeDocument/2006/relationships" xmlns:p="http://schemas.openxmlformats.org/presentationml/2006/main">
+  <p:cSld>
+    <p:spTree>
+      <p:nvGrpSpPr>
+        <p:cNvPr id="1" name=""/>
+        <p:cNvGrpSpPr/>
+        <p:nvPr/>
+      </p:nvGrpSpPr>
+      <p:grpSpPr>
+        <a:xfrm>
+          <a:off x="0" y="0"/>
+          <a:ext cx="0" cy="0"/>
+          <a:chOff x="0" y="0"/>
+          <a:chExt cx="0" cy="0"/>
+        </a:xfrm>
+      </p:grpSpPr>
+      <p:sp>
+        <p:nvSpPr>
+          <p:cNvPr id="2" name="Slide Image Placeholder 1"/>
+          <p:cNvSpPr>
+            <a:spLocks noGrp="1" noRot="1" noChangeAspect="1"/>
+          </p:cNvSpPr>
+          <p:nvPr>
+            <p:ph type="sldImg"/>
+          </p:nvPr>
+        </p:nvSpPr>
+        <p:spPr/>
+      </p:sp>
+      <p:sp>
+        <p:nvSpPr>
+          <p:cNvPr id="3" name="Notes Placeholder 2"/>
+          <p:cNvSpPr>
+            <a:spLocks noGrp="1"/>
+          </p:cNvSpPr>
+          <p:nvPr>
+            <p:ph type="body" idx="1"/>
+          </p:nvPr>
+        </p:nvSpPr>
+        <p:spPr/>
+        <p:txBody>
+          <a:bodyPr/>
+          <a:lstStyle/>
+          <a:p>
+            <a:r>
+              <a:rPr lang="en-US" dirty="0"/>
+              <a:t>Preview started in Java 15</a:t>
+            </a:r>
+          </a:p>
+        </p:txBody>
+      </p:sp>
+      <p:sp>
+        <p:nvSpPr>
+          <p:cNvPr id="4" name="Slide Number Placeholder 3"/>
+          <p:cNvSpPr>
+            <a:spLocks noGrp="1"/>
+          </p:cNvSpPr>
+          <p:nvPr>
+            <p:ph type="sldNum" sz="quarter" idx="5"/>
+          </p:nvPr>
+        </p:nvSpPr>
+        <p:spPr/>
+        <p:txBody>
+          <a:bodyPr/>
+          <a:lstStyle/>
+          <a:p>
+            <a:fld id="{B74070AD-33A4-834F-B7FB-BE5272A61543}" type="slidenum">
+              <a:rPr lang="en-US" smtClean="0"/>
+              <a:t>24</a:t>
+            </a:fld>
+            <a:endParaRPr lang="en-US"/>
+          </a:p>
+        </p:txBody>
+      </p:sp>
+    </p:spTree>
+    <p:extLst>
+      <p:ext uri="{BB962C8B-B14F-4D97-AF65-F5344CB8AC3E}">
+        <p14:creationId xmlns:p14="http://schemas.microsoft.com/office/powerpoint/2010/main" val="3387352715"/>
+      </p:ext>
+    </p:extLst>
+  </p:cSld>
+  <p:clrMapOvr>
+    <a:masterClrMapping/>
+  </p:clrMapOvr>
+</p:notes>
+</file>
+
+<file path=ppt/notesSlides/notesSlide22.xml><?xml version="1.0" encoding="utf-8"?>
+<p:notes xmlns:a="http://schemas.openxmlformats.org/drawingml/2006/main" xmlns:r="http://schemas.openxmlformats.org/officeDocument/2006/relationships" xmlns:p="http://schemas.openxmlformats.org/presentationml/2006/main">
+  <p:cSld>
+    <p:spTree>
+      <p:nvGrpSpPr>
+        <p:cNvPr id="1" name=""/>
+        <p:cNvGrpSpPr/>
+        <p:nvPr/>
+      </p:nvGrpSpPr>
+      <p:grpSpPr>
+        <a:xfrm>
+          <a:off x="0" y="0"/>
+          <a:ext cx="0" cy="0"/>
+          <a:chOff x="0" y="0"/>
+          <a:chExt cx="0" cy="0"/>
+        </a:xfrm>
+      </p:grpSpPr>
+      <p:sp>
+        <p:nvSpPr>
+          <p:cNvPr id="2" name="Slide Image Placeholder 1"/>
+          <p:cNvSpPr>
+            <a:spLocks noGrp="1" noRot="1" noChangeAspect="1"/>
+          </p:cNvSpPr>
+          <p:nvPr>
+            <p:ph type="sldImg"/>
+          </p:nvPr>
+        </p:nvSpPr>
+        <p:spPr/>
+      </p:sp>
+      <p:sp>
+        <p:nvSpPr>
+          <p:cNvPr id="3" name="Notes Placeholder 2"/>
+          <p:cNvSpPr>
+            <a:spLocks noGrp="1"/>
+          </p:cNvSpPr>
+          <p:nvPr>
+            <p:ph type="body" idx="1"/>
+          </p:nvPr>
+        </p:nvSpPr>
+        <p:spPr/>
+        <p:txBody>
+          <a:bodyPr/>
+          <a:lstStyle/>
+          <a:p>
+            <a:r>
+              <a:rPr lang="en-US" dirty="0"/>
+              <a:t>My hope is that Loom introduces a language-level (or at least, JDK-level) mechanism for message passing, a la </a:t>
+            </a:r>
+            <a:r>
+              <a:rPr lang="en-US" dirty="0" err="1"/>
+              <a:t>Akka’s</a:t>
+            </a:r>
+            <a:r>
+              <a:rPr lang="en-US" dirty="0"/>
+              <a:t> Actors or Go’s goroutines.</a:t>
+            </a:r>
+          </a:p>
+        </p:txBody>
+      </p:sp>
+      <p:sp>
+        <p:nvSpPr>
+          <p:cNvPr id="4" name="Slide Number Placeholder 3"/>
+          <p:cNvSpPr>
+            <a:spLocks noGrp="1"/>
+          </p:cNvSpPr>
+          <p:nvPr>
+            <p:ph type="sldNum" sz="quarter" idx="5"/>
+          </p:nvPr>
+        </p:nvSpPr>
+        <p:spPr/>
+        <p:txBody>
+          <a:bodyPr/>
+          <a:lstStyle/>
+          <a:p>
+            <a:fld id="{04A691DF-99D8-2A4F-A43E-F57D41F45428}" type="slidenum">
+              <a:rPr lang="en-US" smtClean="0"/>
+              <a:t>33</a:t>
+            </a:fld>
+            <a:endParaRPr lang="en-US"/>
+          </a:p>
+        </p:txBody>
+      </p:sp>
+    </p:spTree>
+    <p:extLst>
+      <p:ext uri="{BB962C8B-B14F-4D97-AF65-F5344CB8AC3E}">
+        <p14:creationId xmlns:p14="http://schemas.microsoft.com/office/powerpoint/2010/main" val="2449533439"/>
+      </p:ext>
+    </p:extLst>
+  </p:cSld>
+  <p:clrMapOvr>
+    <a:masterClrMapping/>
+  </p:clrMapOvr>
+</p:notes>
+</file>
+
+<file path=ppt/notesSlides/notesSlide23.xml><?xml version="1.0" encoding="utf-8"?>
+<p:notes xmlns:a="http://schemas.openxmlformats.org/drawingml/2006/main" xmlns:r="http://schemas.openxmlformats.org/officeDocument/2006/relationships" xmlns:p="http://schemas.openxmlformats.org/presentationml/2006/main">
+  <p:cSld>
+    <p:spTree>
+      <p:nvGrpSpPr>
+        <p:cNvPr id="1" name=""/>
+        <p:cNvGrpSpPr/>
+        <p:nvPr/>
+      </p:nvGrpSpPr>
+      <p:grpSpPr>
+        <a:xfrm>
+          <a:off x="0" y="0"/>
+          <a:ext cx="0" cy="0"/>
+          <a:chOff x="0" y="0"/>
+          <a:chExt cx="0" cy="0"/>
+        </a:xfrm>
+      </p:grpSpPr>
+      <p:sp>
+        <p:nvSpPr>
+          <p:cNvPr id="2" name="Slide Image Placeholder 1"/>
+          <p:cNvSpPr>
+            <a:spLocks noGrp="1" noRot="1" noChangeAspect="1"/>
+          </p:cNvSpPr>
+          <p:nvPr>
+            <p:ph type="sldImg"/>
+          </p:nvPr>
+        </p:nvSpPr>
+        <p:spPr/>
+      </p:sp>
+      <p:sp>
+        <p:nvSpPr>
+          <p:cNvPr id="3" name="Notes Placeholder 2"/>
+          <p:cNvSpPr>
+            <a:spLocks noGrp="1"/>
+          </p:cNvSpPr>
+          <p:nvPr>
+            <p:ph type="body" idx="1"/>
+          </p:nvPr>
+        </p:nvSpPr>
+        <p:spPr/>
+        <p:txBody>
+          <a:bodyPr/>
+          <a:lstStyle/>
+          <a:p>
+            <a:endParaRPr lang="en-US" dirty="0"/>
+          </a:p>
+        </p:txBody>
+      </p:sp>
+      <p:sp>
+        <p:nvSpPr>
+          <p:cNvPr id="4" name="Slide Number Placeholder 3"/>
+          <p:cNvSpPr>
+            <a:spLocks noGrp="1"/>
+          </p:cNvSpPr>
+          <p:nvPr>
+            <p:ph type="sldNum" sz="quarter" idx="5"/>
+          </p:nvPr>
+        </p:nvSpPr>
+        <p:spPr/>
+        <p:txBody>
+          <a:bodyPr/>
+          <a:lstStyle/>
+          <a:p>
+            <a:fld id="{B74070AD-33A4-834F-B7FB-BE5272A61543}" type="slidenum">
+              <a:rPr lang="en-US" smtClean="0"/>
+              <a:t>34</a:t>
+            </a:fld>
+            <a:endParaRPr lang="en-US"/>
+          </a:p>
+        </p:txBody>
+      </p:sp>
+    </p:spTree>
+    <p:extLst>
+      <p:ext uri="{BB962C8B-B14F-4D97-AF65-F5344CB8AC3E}">
+        <p14:creationId xmlns:p14="http://schemas.microsoft.com/office/powerpoint/2010/main" val="3981770996"/>
       </p:ext>
     </p:extLst>
   </p:cSld>
@@ -762,7 +2014,7 @@
           <a:bodyPr/>
           <a:lstStyle/>
           <a:p>
-            <a:fld id="{B74070AD-33A4-834F-B7FB-BE5272A61543}" type="slidenum">
+            <a:fld id="{04A691DF-99D8-2A4F-A43E-F57D41F45428}" type="slidenum">
               <a:rPr lang="en-US" smtClean="0"/>
               <a:t>6</a:t>
             </a:fld>
@@ -773,7 +2025,7 @@
     </p:spTree>
     <p:extLst>
       <p:ext uri="{BB962C8B-B14F-4D97-AF65-F5344CB8AC3E}">
-        <p14:creationId xmlns:p14="http://schemas.microsoft.com/office/powerpoint/2010/main" val="2277160969"/>
+        <p14:creationId xmlns:p14="http://schemas.microsoft.com/office/powerpoint/2010/main" val="3972942031"/>
       </p:ext>
     </p:extLst>
   </p:cSld>
@@ -827,18 +2079,7 @@
           <a:bodyPr/>
           <a:lstStyle/>
           <a:p>
-            <a:r>
-              <a:rPr lang="en-US" dirty="0"/>
-              <a:t>For instance, a library can contain three versions of `</a:t>
-            </a:r>
-            <a:r>
-              <a:rPr lang="en-US" dirty="0" err="1"/>
-              <a:t>Foo.class</a:t>
-            </a:r>
-            <a:r>
-              <a:rPr lang="en-US" dirty="0"/>
-              <a:t>`: one specific to Java 14, one specific to Java 11, and a generic one. The platform will load which is most “compatible”.</a:t>
-            </a:r>
+            <a:endParaRPr lang="en-US" dirty="0"/>
           </a:p>
         </p:txBody>
       </p:sp>
@@ -868,7 +2109,7 @@
     </p:spTree>
     <p:extLst>
       <p:ext uri="{BB962C8B-B14F-4D97-AF65-F5344CB8AC3E}">
-        <p14:creationId xmlns:p14="http://schemas.microsoft.com/office/powerpoint/2010/main" val="4286344421"/>
+        <p14:creationId xmlns:p14="http://schemas.microsoft.com/office/powerpoint/2010/main" val="2277160969"/>
       </p:ext>
     </p:extLst>
   </p:cSld>
@@ -924,7 +2165,15 @@
           <a:p>
             <a:r>
               <a:rPr lang="en-US" dirty="0"/>
-              <a:t>We’ll also talk about modules later</a:t>
+              <a:t>For instance, a library can contain three versions of `</a:t>
+            </a:r>
+            <a:r>
+              <a:rPr lang="en-US" dirty="0" err="1"/>
+              <a:t>Foo.class</a:t>
+            </a:r>
+            <a:r>
+              <a:rPr lang="en-US" dirty="0"/>
+              <a:t>`: one specific to Java 14, one specific to Java 11, and a generic one. The platform will load which is most “compatible”.</a:t>
             </a:r>
           </a:p>
         </p:txBody>
@@ -955,7 +2204,7 @@
     </p:spTree>
     <p:extLst>
       <p:ext uri="{BB962C8B-B14F-4D97-AF65-F5344CB8AC3E}">
-        <p14:creationId xmlns:p14="http://schemas.microsoft.com/office/powerpoint/2010/main" val="3587578964"/>
+        <p14:creationId xmlns:p14="http://schemas.microsoft.com/office/powerpoint/2010/main" val="4286344421"/>
       </p:ext>
     </p:extLst>
   </p:cSld>
@@ -1011,7 +2260,7 @@
           <a:p>
             <a:r>
               <a:rPr lang="en-US" dirty="0"/>
-              <a:t>Since these private methods can only be used by the actual interface, and not by implementors or extenders, they are just a “factoring” tool, for encapsulating common behavior needed by default methods.</a:t>
+              <a:t>We’ll also talk about modules later</a:t>
             </a:r>
           </a:p>
         </p:txBody>
@@ -1042,7 +2291,7 @@
     </p:spTree>
     <p:extLst>
       <p:ext uri="{BB962C8B-B14F-4D97-AF65-F5344CB8AC3E}">
-        <p14:creationId xmlns:p14="http://schemas.microsoft.com/office/powerpoint/2010/main" val="2204691662"/>
+        <p14:creationId xmlns:p14="http://schemas.microsoft.com/office/powerpoint/2010/main" val="3587578964"/>
       </p:ext>
     </p:extLst>
   </p:cSld>
@@ -1096,7 +2345,10 @@
           <a:bodyPr/>
           <a:lstStyle/>
           <a:p>
-            <a:endParaRPr lang="en-US" dirty="0"/>
+            <a:r>
+              <a:rPr lang="en-US" dirty="0"/>
+              <a:t>Since these private methods can only be used by the actual interface, and not by implementors or extenders, they are just a “factoring” tool, for encapsulating common behavior needed by default methods.</a:t>
+            </a:r>
           </a:p>
         </p:txBody>
       </p:sp>
@@ -1117,7 +2369,7 @@
           <a:p>
             <a:fld id="{B74070AD-33A4-834F-B7FB-BE5272A61543}" type="slidenum">
               <a:rPr lang="en-US" smtClean="0"/>
-              <a:t>18</a:t>
+              <a:t>10</a:t>
             </a:fld>
             <a:endParaRPr lang="en-US"/>
           </a:p>
@@ -1126,7 +2378,175 @@
     </p:spTree>
     <p:extLst>
       <p:ext uri="{BB962C8B-B14F-4D97-AF65-F5344CB8AC3E}">
-        <p14:creationId xmlns:p14="http://schemas.microsoft.com/office/powerpoint/2010/main" val="3981770996"/>
+        <p14:creationId xmlns:p14="http://schemas.microsoft.com/office/powerpoint/2010/main" val="2204691662"/>
+      </p:ext>
+    </p:extLst>
+  </p:cSld>
+  <p:clrMapOvr>
+    <a:masterClrMapping/>
+  </p:clrMapOvr>
+</p:notes>
+</file>
+
+<file path=ppt/notesSlides/notesSlide8.xml><?xml version="1.0" encoding="utf-8"?>
+<p:notes xmlns:a="http://schemas.openxmlformats.org/drawingml/2006/main" xmlns:r="http://schemas.openxmlformats.org/officeDocument/2006/relationships" xmlns:p="http://schemas.openxmlformats.org/presentationml/2006/main">
+  <p:cSld>
+    <p:spTree>
+      <p:nvGrpSpPr>
+        <p:cNvPr id="1" name=""/>
+        <p:cNvGrpSpPr/>
+        <p:nvPr/>
+      </p:nvGrpSpPr>
+      <p:grpSpPr>
+        <a:xfrm>
+          <a:off x="0" y="0"/>
+          <a:ext cx="0" cy="0"/>
+          <a:chOff x="0" y="0"/>
+          <a:chExt cx="0" cy="0"/>
+        </a:xfrm>
+      </p:grpSpPr>
+      <p:sp>
+        <p:nvSpPr>
+          <p:cNvPr id="2" name="Slide Image Placeholder 1"/>
+          <p:cNvSpPr>
+            <a:spLocks noGrp="1" noRot="1" noChangeAspect="1"/>
+          </p:cNvSpPr>
+          <p:nvPr>
+            <p:ph type="sldImg"/>
+          </p:nvPr>
+        </p:nvSpPr>
+        <p:spPr/>
+      </p:sp>
+      <p:sp>
+        <p:nvSpPr>
+          <p:cNvPr id="3" name="Notes Placeholder 2"/>
+          <p:cNvSpPr>
+            <a:spLocks noGrp="1"/>
+          </p:cNvSpPr>
+          <p:nvPr>
+            <p:ph type="body" idx="1"/>
+          </p:nvPr>
+        </p:nvSpPr>
+        <p:spPr/>
+        <p:txBody>
+          <a:bodyPr/>
+          <a:lstStyle/>
+          <a:p>
+            <a:endParaRPr lang="en-US" dirty="0"/>
+          </a:p>
+        </p:txBody>
+      </p:sp>
+      <p:sp>
+        <p:nvSpPr>
+          <p:cNvPr id="4" name="Slide Number Placeholder 3"/>
+          <p:cNvSpPr>
+            <a:spLocks noGrp="1"/>
+          </p:cNvSpPr>
+          <p:nvPr>
+            <p:ph type="sldNum" sz="quarter" idx="5"/>
+          </p:nvPr>
+        </p:nvSpPr>
+        <p:spPr/>
+        <p:txBody>
+          <a:bodyPr/>
+          <a:lstStyle/>
+          <a:p>
+            <a:fld id="{B74070AD-33A4-834F-B7FB-BE5272A61543}" type="slidenum">
+              <a:rPr lang="en-US" smtClean="0"/>
+              <a:t>11</a:t>
+            </a:fld>
+            <a:endParaRPr lang="en-US"/>
+          </a:p>
+        </p:txBody>
+      </p:sp>
+    </p:spTree>
+    <p:extLst>
+      <p:ext uri="{BB962C8B-B14F-4D97-AF65-F5344CB8AC3E}">
+        <p14:creationId xmlns:p14="http://schemas.microsoft.com/office/powerpoint/2010/main" val="237899913"/>
+      </p:ext>
+    </p:extLst>
+  </p:cSld>
+  <p:clrMapOvr>
+    <a:masterClrMapping/>
+  </p:clrMapOvr>
+</p:notes>
+</file>
+
+<file path=ppt/notesSlides/notesSlide9.xml><?xml version="1.0" encoding="utf-8"?>
+<p:notes xmlns:a="http://schemas.openxmlformats.org/drawingml/2006/main" xmlns:r="http://schemas.openxmlformats.org/officeDocument/2006/relationships" xmlns:p="http://schemas.openxmlformats.org/presentationml/2006/main">
+  <p:cSld>
+    <p:spTree>
+      <p:nvGrpSpPr>
+        <p:cNvPr id="1" name=""/>
+        <p:cNvGrpSpPr/>
+        <p:nvPr/>
+      </p:nvGrpSpPr>
+      <p:grpSpPr>
+        <a:xfrm>
+          <a:off x="0" y="0"/>
+          <a:ext cx="0" cy="0"/>
+          <a:chOff x="0" y="0"/>
+          <a:chExt cx="0" cy="0"/>
+        </a:xfrm>
+      </p:grpSpPr>
+      <p:sp>
+        <p:nvSpPr>
+          <p:cNvPr id="2" name="Slide Image Placeholder 1"/>
+          <p:cNvSpPr>
+            <a:spLocks noGrp="1" noRot="1" noChangeAspect="1"/>
+          </p:cNvSpPr>
+          <p:nvPr>
+            <p:ph type="sldImg"/>
+          </p:nvPr>
+        </p:nvSpPr>
+        <p:spPr/>
+      </p:sp>
+      <p:sp>
+        <p:nvSpPr>
+          <p:cNvPr id="3" name="Notes Placeholder 2"/>
+          <p:cNvSpPr>
+            <a:spLocks noGrp="1"/>
+          </p:cNvSpPr>
+          <p:nvPr>
+            <p:ph type="body" idx="1"/>
+          </p:nvPr>
+        </p:nvSpPr>
+        <p:spPr/>
+        <p:txBody>
+          <a:bodyPr/>
+          <a:lstStyle/>
+          <a:p>
+            <a:endParaRPr lang="en-US" dirty="0"/>
+          </a:p>
+        </p:txBody>
+      </p:sp>
+      <p:sp>
+        <p:nvSpPr>
+          <p:cNvPr id="4" name="Slide Number Placeholder 3"/>
+          <p:cNvSpPr>
+            <a:spLocks noGrp="1"/>
+          </p:cNvSpPr>
+          <p:nvPr>
+            <p:ph type="sldNum" sz="quarter" idx="5"/>
+          </p:nvPr>
+        </p:nvSpPr>
+        <p:spPr/>
+        <p:txBody>
+          <a:bodyPr/>
+          <a:lstStyle/>
+          <a:p>
+            <a:fld id="{B74070AD-33A4-834F-B7FB-BE5272A61543}" type="slidenum">
+              <a:rPr lang="en-US" smtClean="0"/>
+              <a:t>12</a:t>
+            </a:fld>
+            <a:endParaRPr lang="en-US"/>
+          </a:p>
+        </p:txBody>
+      </p:sp>
+    </p:spTree>
+    <p:extLst>
+      <p:ext uri="{BB962C8B-B14F-4D97-AF65-F5344CB8AC3E}">
+        <p14:creationId xmlns:p14="http://schemas.microsoft.com/office/powerpoint/2010/main" val="1028363488"/>
       </p:ext>
     </p:extLst>
   </p:cSld>
@@ -6891,7 +8311,7 @@
           <p:cNvPr id="2" name="Title 1">
             <a:extLst>
               <a:ext uri="{FF2B5EF4-FFF2-40B4-BE49-F238E27FC236}">
-                <a16:creationId xmlns:a16="http://schemas.microsoft.com/office/drawing/2014/main" id="{CAE8B7DD-7432-C345-AEFF-71B13AF12709}"/>
+                <a16:creationId xmlns:a16="http://schemas.microsoft.com/office/drawing/2014/main" id="{C2052CE5-F69A-D645-8ECD-5C44E4A30D5C}"/>
               </a:ext>
             </a:extLst>
           </p:cNvPr>
@@ -6909,17 +8329,17 @@
           <a:p>
             <a:r>
               <a:rPr lang="en-US" dirty="0"/>
-              <a:t>JDK</a:t>
-            </a:r>
-          </a:p>
-        </p:txBody>
-      </p:sp>
-      <p:sp>
-        <p:nvSpPr>
-          <p:cNvPr id="3" name="Text Placeholder 2">
+              <a:t>Language</a:t>
+            </a:r>
+          </a:p>
+        </p:txBody>
+      </p:sp>
+      <p:sp>
+        <p:nvSpPr>
+          <p:cNvPr id="3" name="Content Placeholder 2">
             <a:extLst>
               <a:ext uri="{FF2B5EF4-FFF2-40B4-BE49-F238E27FC236}">
-                <a16:creationId xmlns:a16="http://schemas.microsoft.com/office/drawing/2014/main" id="{24A29295-5F24-7849-93C0-9B21BD47100D}"/>
+                <a16:creationId xmlns:a16="http://schemas.microsoft.com/office/drawing/2014/main" id="{20ABE521-BF95-4441-82E2-23994761C137}"/>
               </a:ext>
             </a:extLst>
           </p:cNvPr>
@@ -6927,17 +8347,127 @@
             <a:spLocks noGrp="1"/>
           </p:cNvSpPr>
           <p:nvPr>
-            <p:ph type="body" idx="1"/>
-          </p:nvPr>
-        </p:nvSpPr>
-        <p:spPr/>
-        <p:txBody>
-          <a:bodyPr/>
-          <a:lstStyle/>
-          <a:p>
-            <a:r>
-              <a:rPr lang="en-US" dirty="0"/>
-              <a:t>(I got nothing)</a:t>
+            <p:ph sz="half" idx="1"/>
+          </p:nvPr>
+        </p:nvSpPr>
+        <p:spPr>
+          <a:xfrm>
+            <a:off x="685802" y="2142067"/>
+            <a:ext cx="3016403" cy="3649134"/>
+          </a:xfrm>
+        </p:spPr>
+        <p:txBody>
+          <a:bodyPr>
+            <a:noAutofit/>
+          </a:bodyPr>
+          <a:lstStyle/>
+          <a:p>
+            <a:pPr marL="0" lvl="0" indent="0" algn="ctr">
+              <a:buClr>
+                <a:prstClr val="white"/>
+              </a:buClr>
+              <a:buNone/>
+            </a:pPr>
+            <a:r>
+              <a:rPr lang="en-US" sz="2400" i="1" dirty="0">
+                <a:solidFill>
+                  <a:prstClr val="white"/>
+                </a:solidFill>
+              </a:rPr>
+              <a:t>Java 9</a:t>
+            </a:r>
+            <a:endParaRPr lang="en-US" sz="2800" dirty="0"/>
+          </a:p>
+          <a:p>
+            <a:pPr marL="0" indent="0">
+              <a:buNone/>
+            </a:pPr>
+            <a:r>
+              <a:rPr lang="en-US" sz="2800" dirty="0"/>
+              <a:t>Private Interface Methods</a:t>
+            </a:r>
+          </a:p>
+        </p:txBody>
+      </p:sp>
+      <p:sp>
+        <p:nvSpPr>
+          <p:cNvPr id="4" name="Content Placeholder 3">
+            <a:extLst>
+              <a:ext uri="{FF2B5EF4-FFF2-40B4-BE49-F238E27FC236}">
+                <a16:creationId xmlns:a16="http://schemas.microsoft.com/office/drawing/2014/main" id="{26204FAF-26E7-1B46-B974-24DDC791B844}"/>
+              </a:ext>
+            </a:extLst>
+          </p:cNvPr>
+          <p:cNvSpPr>
+            <a:spLocks noGrp="1"/>
+          </p:cNvSpPr>
+          <p:nvPr>
+            <p:ph sz="half" idx="2"/>
+          </p:nvPr>
+        </p:nvSpPr>
+        <p:spPr>
+          <a:xfrm>
+            <a:off x="3914078" y="2142067"/>
+            <a:ext cx="6903149" cy="3649133"/>
+          </a:xfrm>
+        </p:spPr>
+        <p:txBody>
+          <a:bodyPr anchor="t">
+            <a:normAutofit/>
+          </a:bodyPr>
+          <a:lstStyle/>
+          <a:p>
+            <a:pPr marL="0" indent="0">
+              <a:lnSpc>
+                <a:spcPct val="120000"/>
+              </a:lnSpc>
+              <a:buNone/>
+            </a:pPr>
+            <a:r>
+              <a:rPr lang="en-US" sz="2400" dirty="0"/>
+              <a:t>Private non-virtual methods on interfaces</a:t>
+            </a:r>
+          </a:p>
+          <a:p>
+            <a:pPr marL="0" indent="0">
+              <a:buNone/>
+            </a:pPr>
+            <a:endParaRPr lang="en-US" sz="2400" dirty="0"/>
+          </a:p>
+          <a:p>
+            <a:pPr marL="0" indent="0">
+              <a:lnSpc>
+                <a:spcPct val="150000"/>
+              </a:lnSpc>
+              <a:buNone/>
+            </a:pPr>
+            <a:r>
+              <a:rPr lang="en-US" sz="2000" dirty="0"/>
+              <a:t>Interfaces with behavior?! Preposterous!</a:t>
+            </a:r>
+          </a:p>
+          <a:p>
+            <a:pPr marL="0" indent="0">
+              <a:lnSpc>
+                <a:spcPct val="150000"/>
+              </a:lnSpc>
+              <a:buNone/>
+            </a:pPr>
+            <a:r>
+              <a:rPr lang="en-US" sz="2000" dirty="0"/>
+              <a:t>Only private methods, so of limited use</a:t>
+            </a:r>
+          </a:p>
+          <a:p>
+            <a:pPr marL="0" indent="0">
+              <a:lnSpc>
+                <a:spcPct val="150000"/>
+              </a:lnSpc>
+              <a:buNone/>
+            </a:pPr>
+            <a:r>
+              <a:rPr lang="en-US" sz="2000" dirty="0"/>
+              <a:t>Think of them as helpers for default methods, a factoring tool</a:t>
             </a:r>
           </a:p>
         </p:txBody>
@@ -6945,13 +8475,215 @@
     </p:spTree>
     <p:extLst>
       <p:ext uri="{BB962C8B-B14F-4D97-AF65-F5344CB8AC3E}">
-        <p14:creationId xmlns:p14="http://schemas.microsoft.com/office/powerpoint/2010/main" val="3444457648"/>
+        <p14:creationId xmlns:p14="http://schemas.microsoft.com/office/powerpoint/2010/main" val="943218570"/>
       </p:ext>
     </p:extLst>
   </p:cSld>
   <p:clrMapOvr>
     <a:masterClrMapping/>
   </p:clrMapOvr>
+  <p:timing>
+    <p:tnLst>
+      <p:par>
+        <p:cTn id="1" dur="indefinite" restart="never" nodeType="tmRoot">
+          <p:childTnLst>
+            <p:seq concurrent="1" nextAc="seek">
+              <p:cTn id="2" dur="indefinite" nodeType="mainSeq">
+                <p:childTnLst>
+                  <p:par>
+                    <p:cTn id="3" fill="hold">
+                      <p:stCondLst>
+                        <p:cond delay="indefinite"/>
+                        <p:cond evt="onBegin" delay="0">
+                          <p:tn val="2"/>
+                        </p:cond>
+                      </p:stCondLst>
+                      <p:childTnLst>
+                        <p:par>
+                          <p:cTn id="4" fill="hold">
+                            <p:stCondLst>
+                              <p:cond delay="0"/>
+                            </p:stCondLst>
+                            <p:childTnLst>
+                              <p:par>
+                                <p:cTn id="5" presetID="1" presetClass="entr" presetSubtype="0" fill="hold" nodeType="afterEffect">
+                                  <p:stCondLst>
+                                    <p:cond delay="0"/>
+                                  </p:stCondLst>
+                                  <p:childTnLst>
+                                    <p:set>
+                                      <p:cBhvr>
+                                        <p:cTn id="6" dur="1" fill="hold">
+                                          <p:stCondLst>
+                                            <p:cond delay="0"/>
+                                          </p:stCondLst>
+                                        </p:cTn>
+                                        <p:tgtEl>
+                                          <p:spTgt spid="4">
+                                            <p:txEl>
+                                              <p:pRg st="0" end="0"/>
+                                            </p:txEl>
+                                          </p:spTgt>
+                                        </p:tgtEl>
+                                        <p:attrNameLst>
+                                          <p:attrName>style.visibility</p:attrName>
+                                        </p:attrNameLst>
+                                      </p:cBhvr>
+                                      <p:to>
+                                        <p:strVal val="visible"/>
+                                      </p:to>
+                                    </p:set>
+                                  </p:childTnLst>
+                                </p:cTn>
+                              </p:par>
+                            </p:childTnLst>
+                          </p:cTn>
+                        </p:par>
+                        <p:par>
+                          <p:cTn id="7" fill="hold">
+                            <p:stCondLst>
+                              <p:cond delay="0"/>
+                            </p:stCondLst>
+                            <p:childTnLst>
+                              <p:par>
+                                <p:cTn id="8" presetID="1" presetClass="entr" presetSubtype="0" fill="hold" nodeType="afterEffect">
+                                  <p:stCondLst>
+                                    <p:cond delay="0"/>
+                                  </p:stCondLst>
+                                  <p:childTnLst>
+                                    <p:set>
+                                      <p:cBhvr>
+                                        <p:cTn id="9" dur="1" fill="hold">
+                                          <p:stCondLst>
+                                            <p:cond delay="0"/>
+                                          </p:stCondLst>
+                                        </p:cTn>
+                                        <p:tgtEl>
+                                          <p:spTgt spid="4">
+                                            <p:txEl>
+                                              <p:pRg st="2" end="2"/>
+                                            </p:txEl>
+                                          </p:spTgt>
+                                        </p:tgtEl>
+                                        <p:attrNameLst>
+                                          <p:attrName>style.visibility</p:attrName>
+                                        </p:attrNameLst>
+                                      </p:cBhvr>
+                                      <p:to>
+                                        <p:strVal val="visible"/>
+                                      </p:to>
+                                    </p:set>
+                                  </p:childTnLst>
+                                </p:cTn>
+                              </p:par>
+                            </p:childTnLst>
+                          </p:cTn>
+                        </p:par>
+                        <p:par>
+                          <p:cTn id="10" fill="hold">
+                            <p:stCondLst>
+                              <p:cond delay="0"/>
+                            </p:stCondLst>
+                            <p:childTnLst>
+                              <p:par>
+                                <p:cTn id="11" presetID="1" presetClass="entr" presetSubtype="0" fill="hold" nodeType="afterEffect">
+                                  <p:stCondLst>
+                                    <p:cond delay="0"/>
+                                  </p:stCondLst>
+                                  <p:childTnLst>
+                                    <p:set>
+                                      <p:cBhvr>
+                                        <p:cTn id="12" dur="1" fill="hold">
+                                          <p:stCondLst>
+                                            <p:cond delay="0"/>
+                                          </p:stCondLst>
+                                        </p:cTn>
+                                        <p:tgtEl>
+                                          <p:spTgt spid="4">
+                                            <p:txEl>
+                                              <p:pRg st="3" end="3"/>
+                                            </p:txEl>
+                                          </p:spTgt>
+                                        </p:tgtEl>
+                                        <p:attrNameLst>
+                                          <p:attrName>style.visibility</p:attrName>
+                                        </p:attrNameLst>
+                                      </p:cBhvr>
+                                      <p:to>
+                                        <p:strVal val="visible"/>
+                                      </p:to>
+                                    </p:set>
+                                  </p:childTnLst>
+                                </p:cTn>
+                              </p:par>
+                            </p:childTnLst>
+                          </p:cTn>
+                        </p:par>
+                        <p:par>
+                          <p:cTn id="13" fill="hold">
+                            <p:stCondLst>
+                              <p:cond delay="0"/>
+                            </p:stCondLst>
+                            <p:childTnLst>
+                              <p:par>
+                                <p:cTn id="14" presetID="1" presetClass="entr" presetSubtype="0" fill="hold" nodeType="afterEffect">
+                                  <p:stCondLst>
+                                    <p:cond delay="0"/>
+                                  </p:stCondLst>
+                                  <p:childTnLst>
+                                    <p:set>
+                                      <p:cBhvr>
+                                        <p:cTn id="15" dur="1" fill="hold">
+                                          <p:stCondLst>
+                                            <p:cond delay="0"/>
+                                          </p:stCondLst>
+                                        </p:cTn>
+                                        <p:tgtEl>
+                                          <p:spTgt spid="4">
+                                            <p:txEl>
+                                              <p:pRg st="4" end="4"/>
+                                            </p:txEl>
+                                          </p:spTgt>
+                                        </p:tgtEl>
+                                        <p:attrNameLst>
+                                          <p:attrName>style.visibility</p:attrName>
+                                        </p:attrNameLst>
+                                      </p:cBhvr>
+                                      <p:to>
+                                        <p:strVal val="visible"/>
+                                      </p:to>
+                                    </p:set>
+                                  </p:childTnLst>
+                                </p:cTn>
+                              </p:par>
+                            </p:childTnLst>
+                          </p:cTn>
+                        </p:par>
+                      </p:childTnLst>
+                    </p:cTn>
+                  </p:par>
+                </p:childTnLst>
+              </p:cTn>
+              <p:prevCondLst>
+                <p:cond evt="onPrev" delay="0">
+                  <p:tgtEl>
+                    <p:sldTgt/>
+                  </p:tgtEl>
+                </p:cond>
+              </p:prevCondLst>
+              <p:nextCondLst>
+                <p:cond evt="onNext" delay="0">
+                  <p:tgtEl>
+                    <p:sldTgt/>
+                  </p:tgtEl>
+                </p:cond>
+              </p:nextCondLst>
+            </p:seq>
+          </p:childTnLst>
+        </p:cTn>
+      </p:par>
+    </p:tnLst>
+  </p:timing>
 </p:sld>
 </file>
 
@@ -6974,10 +8706,10 @@
       </p:grpSpPr>
       <p:sp>
         <p:nvSpPr>
-          <p:cNvPr id="4" name="Title 3">
+          <p:cNvPr id="2" name="Title 1">
             <a:extLst>
               <a:ext uri="{FF2B5EF4-FFF2-40B4-BE49-F238E27FC236}">
-                <a16:creationId xmlns:a16="http://schemas.microsoft.com/office/drawing/2014/main" id="{AD85248D-612B-4648-9DFD-E18DC23056E0}"/>
+                <a16:creationId xmlns:a16="http://schemas.microsoft.com/office/drawing/2014/main" id="{C2052CE5-F69A-D645-8ECD-5C44E4A30D5C}"/>
               </a:ext>
             </a:extLst>
           </p:cNvPr>
@@ -6995,17 +8727,17 @@
           <a:p>
             <a:r>
               <a:rPr lang="en-US" dirty="0"/>
-              <a:t>JDK</a:t>
-            </a:r>
-          </a:p>
-        </p:txBody>
-      </p:sp>
-      <p:sp>
-        <p:nvSpPr>
-          <p:cNvPr id="5" name="Content Placeholder 4">
+              <a:t>Language</a:t>
+            </a:r>
+          </a:p>
+        </p:txBody>
+      </p:sp>
+      <p:sp>
+        <p:nvSpPr>
+          <p:cNvPr id="3" name="Content Placeholder 2">
             <a:extLst>
               <a:ext uri="{FF2B5EF4-FFF2-40B4-BE49-F238E27FC236}">
-                <a16:creationId xmlns:a16="http://schemas.microsoft.com/office/drawing/2014/main" id="{1BA7633B-0C02-AE45-B063-723C381E0C35}"/>
+                <a16:creationId xmlns:a16="http://schemas.microsoft.com/office/drawing/2014/main" id="{20ABE521-BF95-4441-82E2-23994761C137}"/>
               </a:ext>
             </a:extLst>
           </p:cNvPr>
@@ -7013,87 +8745,352 @@
             <a:spLocks noGrp="1"/>
           </p:cNvSpPr>
           <p:nvPr>
-            <p:ph idx="1"/>
-          </p:nvPr>
-        </p:nvSpPr>
-        <p:spPr/>
-        <p:txBody>
-          <a:bodyPr/>
-          <a:lstStyle/>
+            <p:ph sz="half" idx="1"/>
+          </p:nvPr>
+        </p:nvSpPr>
+        <p:spPr>
+          <a:xfrm>
+            <a:off x="685802" y="2142067"/>
+            <a:ext cx="3016403" cy="3649134"/>
+          </a:xfrm>
+        </p:spPr>
+        <p:txBody>
+          <a:bodyPr>
+            <a:noAutofit/>
+          </a:bodyPr>
+          <a:lstStyle/>
+          <a:p>
+            <a:pPr marL="0" lvl="0" indent="0" algn="ctr">
+              <a:buClr>
+                <a:prstClr val="white"/>
+              </a:buClr>
+              <a:buNone/>
+            </a:pPr>
+            <a:r>
+              <a:rPr lang="en-US" sz="2400" i="1" dirty="0">
+                <a:solidFill>
+                  <a:prstClr val="white"/>
+                </a:solidFill>
+              </a:rPr>
+              <a:t>Java 9</a:t>
+            </a:r>
+          </a:p>
           <a:p>
             <a:pPr marL="0" indent="0">
               <a:buNone/>
             </a:pPr>
             <a:r>
               <a:rPr lang="en-US" sz="2800" dirty="0"/>
-              <a:t>Enhancements in a nutshell</a:t>
-            </a:r>
-          </a:p>
-          <a:p>
-            <a:r>
-              <a:rPr lang="en-US" dirty="0"/>
-              <a:t>Reactive streams</a:t>
-            </a:r>
-          </a:p>
-          <a:p>
-            <a:r>
-              <a:rPr lang="en-US" dirty="0"/>
-              <a:t>HTTP client</a:t>
-            </a:r>
-          </a:p>
-          <a:p>
-            <a:r>
-              <a:rPr lang="en-US" dirty="0"/>
-              <a:t>TLS 1.3</a:t>
-            </a:r>
-          </a:p>
-          <a:p>
-            <a:r>
-              <a:rPr lang="en-US" dirty="0"/>
-              <a:t>Removed modules</a:t>
-            </a:r>
-          </a:p>
-          <a:p>
-            <a:r>
-              <a:rPr lang="en-US" dirty="0"/>
-              <a:t>Eliminated modules</a:t>
-            </a:r>
-          </a:p>
-          <a:p>
-            <a:r>
-              <a:rPr lang="en-US" dirty="0"/>
-              <a:t>Reimplemented socket APIs</a:t>
-            </a:r>
-          </a:p>
-          <a:p>
-            <a:r>
-              <a:rPr lang="en-US" dirty="0"/>
-              <a:t>Improved </a:t>
-            </a:r>
-            <a:r>
-              <a:rPr lang="en-US" dirty="0" err="1">
+              <a:t>“Effectively Final” for try-with-resources</a:t>
+            </a:r>
+          </a:p>
+        </p:txBody>
+      </p:sp>
+      <p:sp>
+        <p:nvSpPr>
+          <p:cNvPr id="4" name="Content Placeholder 3">
+            <a:extLst>
+              <a:ext uri="{FF2B5EF4-FFF2-40B4-BE49-F238E27FC236}">
+                <a16:creationId xmlns:a16="http://schemas.microsoft.com/office/drawing/2014/main" id="{26204FAF-26E7-1B46-B974-24DDC791B844}"/>
+              </a:ext>
+            </a:extLst>
+          </p:cNvPr>
+          <p:cNvSpPr>
+            <a:spLocks noGrp="1"/>
+          </p:cNvSpPr>
+          <p:nvPr>
+            <p:ph sz="half" idx="2"/>
+          </p:nvPr>
+        </p:nvSpPr>
+        <p:spPr>
+          <a:xfrm>
+            <a:off x="3914078" y="2142067"/>
+            <a:ext cx="6903149" cy="3649133"/>
+          </a:xfrm>
+        </p:spPr>
+        <p:txBody>
+          <a:bodyPr anchor="t">
+            <a:normAutofit/>
+          </a:bodyPr>
+          <a:lstStyle/>
+          <a:p>
+            <a:pPr marL="0" indent="0">
+              <a:lnSpc>
+                <a:spcPct val="120000"/>
+              </a:lnSpc>
+              <a:buNone/>
+            </a:pPr>
+            <a:r>
+              <a:rPr lang="en-US" sz="2400" dirty="0"/>
+              <a:t>Allows resource variables to be reused</a:t>
+            </a:r>
+          </a:p>
+          <a:p>
+            <a:pPr marL="0" indent="0">
+              <a:buNone/>
+            </a:pPr>
+            <a:endParaRPr lang="en-US" sz="2400" dirty="0"/>
+          </a:p>
+          <a:p>
+            <a:pPr marL="0" indent="0">
+              <a:lnSpc>
+                <a:spcPct val="150000"/>
+              </a:lnSpc>
+              <a:buNone/>
+            </a:pPr>
+            <a:r>
+              <a:rPr lang="en-US" sz="2000" dirty="0"/>
+              <a:t>Effectively final: Variable holding resource is not reassigned within </a:t>
+            </a:r>
+            <a:r>
+              <a:rPr lang="en-US" sz="2000" dirty="0">
                 <a:latin typeface="Andale Mono" panose="020B0509000000000004" pitchFamily="49" charset="0"/>
               </a:rPr>
-              <a:t>NullPointerException</a:t>
-            </a:r>
-            <a:endParaRPr lang="en-US" dirty="0"/>
-          </a:p>
-          <a:p>
-            <a:pPr lvl="1"/>
-            <a:endParaRPr lang="en-US" dirty="0"/>
+              <a:t>try</a:t>
+            </a:r>
+            <a:r>
+              <a:rPr lang="en-US" sz="2000" dirty="0"/>
+              <a:t> block</a:t>
+            </a:r>
+          </a:p>
+          <a:p>
+            <a:pPr marL="0" indent="0">
+              <a:lnSpc>
+                <a:spcPct val="150000"/>
+              </a:lnSpc>
+              <a:buNone/>
+            </a:pPr>
+            <a:r>
+              <a:rPr lang="en-US" sz="2000" dirty="0"/>
+              <a:t>Allows using same variable in multiple blocks</a:t>
+            </a:r>
+          </a:p>
+          <a:p>
+            <a:pPr marL="0" indent="0">
+              <a:lnSpc>
+                <a:spcPct val="150000"/>
+              </a:lnSpc>
+              <a:buNone/>
+            </a:pPr>
+            <a:r>
+              <a:rPr lang="en-US" sz="2000" dirty="0"/>
+              <a:t>Allows declaring the variable before the try-with-resources statement</a:t>
+            </a:r>
           </a:p>
         </p:txBody>
       </p:sp>
     </p:spTree>
     <p:extLst>
       <p:ext uri="{BB962C8B-B14F-4D97-AF65-F5344CB8AC3E}">
-        <p14:creationId xmlns:p14="http://schemas.microsoft.com/office/powerpoint/2010/main" val="2200234238"/>
+        <p14:creationId xmlns:p14="http://schemas.microsoft.com/office/powerpoint/2010/main" val="2081012019"/>
       </p:ext>
     </p:extLst>
   </p:cSld>
   <p:clrMapOvr>
     <a:masterClrMapping/>
   </p:clrMapOvr>
+  <p:timing>
+    <p:tnLst>
+      <p:par>
+        <p:cTn id="1" dur="indefinite" restart="never" nodeType="tmRoot">
+          <p:childTnLst>
+            <p:seq concurrent="1" nextAc="seek">
+              <p:cTn id="2" dur="indefinite" nodeType="mainSeq">
+                <p:childTnLst>
+                  <p:par>
+                    <p:cTn id="3" fill="hold">
+                      <p:stCondLst>
+                        <p:cond delay="indefinite"/>
+                        <p:cond evt="onBegin" delay="0">
+                          <p:tn val="2"/>
+                        </p:cond>
+                      </p:stCondLst>
+                      <p:childTnLst>
+                        <p:par>
+                          <p:cTn id="4" fill="hold">
+                            <p:stCondLst>
+                              <p:cond delay="0"/>
+                            </p:stCondLst>
+                            <p:childTnLst>
+                              <p:par>
+                                <p:cTn id="5" presetID="1" presetClass="entr" presetSubtype="0" fill="hold" nodeType="afterEffect">
+                                  <p:stCondLst>
+                                    <p:cond delay="0"/>
+                                  </p:stCondLst>
+                                  <p:childTnLst>
+                                    <p:set>
+                                      <p:cBhvr>
+                                        <p:cTn id="6" dur="1" fill="hold">
+                                          <p:stCondLst>
+                                            <p:cond delay="0"/>
+                                          </p:stCondLst>
+                                        </p:cTn>
+                                        <p:tgtEl>
+                                          <p:spTgt spid="4">
+                                            <p:txEl>
+                                              <p:pRg st="0" end="0"/>
+                                            </p:txEl>
+                                          </p:spTgt>
+                                        </p:tgtEl>
+                                        <p:attrNameLst>
+                                          <p:attrName>style.visibility</p:attrName>
+                                        </p:attrNameLst>
+                                      </p:cBhvr>
+                                      <p:to>
+                                        <p:strVal val="visible"/>
+                                      </p:to>
+                                    </p:set>
+                                  </p:childTnLst>
+                                </p:cTn>
+                              </p:par>
+                            </p:childTnLst>
+                          </p:cTn>
+                        </p:par>
+                        <p:par>
+                          <p:cTn id="7" fill="hold">
+                            <p:stCondLst>
+                              <p:cond delay="0"/>
+                            </p:stCondLst>
+                            <p:childTnLst>
+                              <p:par>
+                                <p:cTn id="8" presetID="1" presetClass="entr" presetSubtype="0" fill="hold" nodeType="afterEffect">
+                                  <p:stCondLst>
+                                    <p:cond delay="0"/>
+                                  </p:stCondLst>
+                                  <p:childTnLst>
+                                    <p:set>
+                                      <p:cBhvr>
+                                        <p:cTn id="9" dur="1" fill="hold">
+                                          <p:stCondLst>
+                                            <p:cond delay="0"/>
+                                          </p:stCondLst>
+                                        </p:cTn>
+                                        <p:tgtEl>
+                                          <p:spTgt spid="4">
+                                            <p:txEl>
+                                              <p:pRg st="2" end="2"/>
+                                            </p:txEl>
+                                          </p:spTgt>
+                                        </p:tgtEl>
+                                        <p:attrNameLst>
+                                          <p:attrName>style.visibility</p:attrName>
+                                        </p:attrNameLst>
+                                      </p:cBhvr>
+                                      <p:to>
+                                        <p:strVal val="visible"/>
+                                      </p:to>
+                                    </p:set>
+                                  </p:childTnLst>
+                                </p:cTn>
+                              </p:par>
+                            </p:childTnLst>
+                          </p:cTn>
+                        </p:par>
+                        <p:par>
+                          <p:cTn id="10" fill="hold">
+                            <p:stCondLst>
+                              <p:cond delay="0"/>
+                            </p:stCondLst>
+                            <p:childTnLst>
+                              <p:par>
+                                <p:cTn id="11" presetID="1" presetClass="entr" presetSubtype="0" fill="hold" nodeType="afterEffect">
+                                  <p:stCondLst>
+                                    <p:cond delay="0"/>
+                                  </p:stCondLst>
+                                  <p:childTnLst>
+                                    <p:set>
+                                      <p:cBhvr>
+                                        <p:cTn id="12" dur="1" fill="hold">
+                                          <p:stCondLst>
+                                            <p:cond delay="0"/>
+                                          </p:stCondLst>
+                                        </p:cTn>
+                                        <p:tgtEl>
+                                          <p:spTgt spid="4">
+                                            <p:txEl>
+                                              <p:pRg st="3" end="3"/>
+                                            </p:txEl>
+                                          </p:spTgt>
+                                        </p:tgtEl>
+                                        <p:attrNameLst>
+                                          <p:attrName>style.visibility</p:attrName>
+                                        </p:attrNameLst>
+                                      </p:cBhvr>
+                                      <p:to>
+                                        <p:strVal val="visible"/>
+                                      </p:to>
+                                    </p:set>
+                                  </p:childTnLst>
+                                </p:cTn>
+                              </p:par>
+                            </p:childTnLst>
+                          </p:cTn>
+                        </p:par>
+                        <p:par>
+                          <p:cTn id="13" fill="hold">
+                            <p:stCondLst>
+                              <p:cond delay="0"/>
+                            </p:stCondLst>
+                            <p:childTnLst>
+                              <p:par>
+                                <p:cTn id="14" presetID="1" presetClass="entr" presetSubtype="0" fill="hold" nodeType="afterEffect">
+                                  <p:stCondLst>
+                                    <p:cond delay="0"/>
+                                  </p:stCondLst>
+                                  <p:childTnLst>
+                                    <p:set>
+                                      <p:cBhvr>
+                                        <p:cTn id="15" dur="1" fill="hold">
+                                          <p:stCondLst>
+                                            <p:cond delay="0"/>
+                                          </p:stCondLst>
+                                        </p:cTn>
+                                        <p:tgtEl>
+                                          <p:spTgt spid="4">
+                                            <p:txEl>
+                                              <p:pRg st="4" end="4"/>
+                                            </p:txEl>
+                                          </p:spTgt>
+                                        </p:tgtEl>
+                                        <p:attrNameLst>
+                                          <p:attrName>style.visibility</p:attrName>
+                                        </p:attrNameLst>
+                                      </p:cBhvr>
+                                      <p:to>
+                                        <p:strVal val="visible"/>
+                                      </p:to>
+                                    </p:set>
+                                  </p:childTnLst>
+                                </p:cTn>
+                              </p:par>
+                            </p:childTnLst>
+                          </p:cTn>
+                        </p:par>
+                      </p:childTnLst>
+                    </p:cTn>
+                  </p:par>
+                </p:childTnLst>
+              </p:cTn>
+              <p:prevCondLst>
+                <p:cond evt="onPrev" delay="0">
+                  <p:tgtEl>
+                    <p:sldTgt/>
+                  </p:tgtEl>
+                </p:cond>
+              </p:prevCondLst>
+              <p:nextCondLst>
+                <p:cond evt="onNext" delay="0">
+                  <p:tgtEl>
+                    <p:sldTgt/>
+                  </p:tgtEl>
+                </p:cond>
+              </p:nextCondLst>
+            </p:seq>
+          </p:childTnLst>
+        </p:cTn>
+      </p:par>
+    </p:tnLst>
+  </p:timing>
 </p:sld>
 </file>
 
@@ -7119,7 +9116,7 @@
           <p:cNvPr id="2" name="Title 1">
             <a:extLst>
               <a:ext uri="{FF2B5EF4-FFF2-40B4-BE49-F238E27FC236}">
-                <a16:creationId xmlns:a16="http://schemas.microsoft.com/office/drawing/2014/main" id="{10F4E231-64E8-F949-BCDA-7295645BC91E}"/>
+                <a16:creationId xmlns:a16="http://schemas.microsoft.com/office/drawing/2014/main" id="{C2052CE5-F69A-D645-8ECD-5C44E4A30D5C}"/>
               </a:ext>
             </a:extLst>
           </p:cNvPr>
@@ -7137,17 +9134,17 @@
           <a:p>
             <a:r>
               <a:rPr lang="en-US" dirty="0"/>
-              <a:t>Tooling</a:t>
-            </a:r>
-          </a:p>
-        </p:txBody>
-      </p:sp>
-      <p:sp>
-        <p:nvSpPr>
-          <p:cNvPr id="3" name="Text Placeholder 2">
+              <a:t>Language</a:t>
+            </a:r>
+          </a:p>
+        </p:txBody>
+      </p:sp>
+      <p:sp>
+        <p:nvSpPr>
+          <p:cNvPr id="3" name="Content Placeholder 2">
             <a:extLst>
               <a:ext uri="{FF2B5EF4-FFF2-40B4-BE49-F238E27FC236}">
-                <a16:creationId xmlns:a16="http://schemas.microsoft.com/office/drawing/2014/main" id="{632E5EDA-A343-5646-B1CE-26239276E194}"/>
+                <a16:creationId xmlns:a16="http://schemas.microsoft.com/office/drawing/2014/main" id="{20ABE521-BF95-4441-82E2-23994761C137}"/>
               </a:ext>
             </a:extLst>
           </p:cNvPr>
@@ -7155,17 +9152,137 @@
             <a:spLocks noGrp="1"/>
           </p:cNvSpPr>
           <p:nvPr>
-            <p:ph type="body" idx="1"/>
-          </p:nvPr>
-        </p:nvSpPr>
-        <p:spPr/>
-        <p:txBody>
-          <a:bodyPr/>
-          <a:lstStyle/>
-          <a:p>
-            <a:r>
-              <a:rPr lang="en-US" dirty="0"/>
-              <a:t>All I see is nails…</a:t>
+            <p:ph sz="half" idx="1"/>
+          </p:nvPr>
+        </p:nvSpPr>
+        <p:spPr>
+          <a:xfrm>
+            <a:off x="685802" y="2142067"/>
+            <a:ext cx="3016403" cy="3649134"/>
+          </a:xfrm>
+        </p:spPr>
+        <p:txBody>
+          <a:bodyPr>
+            <a:noAutofit/>
+          </a:bodyPr>
+          <a:lstStyle/>
+          <a:p>
+            <a:pPr marL="0" lvl="0" indent="0" algn="ctr">
+              <a:buClr>
+                <a:prstClr val="white"/>
+              </a:buClr>
+              <a:buNone/>
+            </a:pPr>
+            <a:r>
+              <a:rPr lang="en-US" sz="2400" i="1" dirty="0">
+                <a:solidFill>
+                  <a:prstClr val="white"/>
+                </a:solidFill>
+              </a:rPr>
+              <a:t>Java 10</a:t>
+            </a:r>
+            <a:endParaRPr lang="en-US" sz="2800" dirty="0"/>
+          </a:p>
+          <a:p>
+            <a:pPr marL="0" indent="0">
+              <a:buNone/>
+            </a:pPr>
+            <a:r>
+              <a:rPr lang="en-US" sz="2800" dirty="0"/>
+              <a:t>Variable Type Inference</a:t>
+            </a:r>
+          </a:p>
+        </p:txBody>
+      </p:sp>
+      <p:sp>
+        <p:nvSpPr>
+          <p:cNvPr id="4" name="Content Placeholder 3">
+            <a:extLst>
+              <a:ext uri="{FF2B5EF4-FFF2-40B4-BE49-F238E27FC236}">
+                <a16:creationId xmlns:a16="http://schemas.microsoft.com/office/drawing/2014/main" id="{26204FAF-26E7-1B46-B974-24DDC791B844}"/>
+              </a:ext>
+            </a:extLst>
+          </p:cNvPr>
+          <p:cNvSpPr>
+            <a:spLocks noGrp="1"/>
+          </p:cNvSpPr>
+          <p:nvPr>
+            <p:ph sz="half" idx="2"/>
+          </p:nvPr>
+        </p:nvSpPr>
+        <p:spPr>
+          <a:xfrm>
+            <a:off x="3914078" y="2142067"/>
+            <a:ext cx="6903149" cy="3649133"/>
+          </a:xfrm>
+        </p:spPr>
+        <p:txBody>
+          <a:bodyPr anchor="t">
+            <a:normAutofit/>
+          </a:bodyPr>
+          <a:lstStyle/>
+          <a:p>
+            <a:pPr marL="0" indent="0">
+              <a:lnSpc>
+                <a:spcPct val="120000"/>
+              </a:lnSpc>
+              <a:buNone/>
+            </a:pPr>
+            <a:r>
+              <a:rPr lang="en-US" sz="2400" dirty="0"/>
+              <a:t>Infer type of local variable from assignment</a:t>
+            </a:r>
+          </a:p>
+          <a:p>
+            <a:pPr marL="0" indent="0">
+              <a:buNone/>
+            </a:pPr>
+            <a:endParaRPr lang="en-US" sz="2400" dirty="0"/>
+          </a:p>
+          <a:p>
+            <a:pPr marL="0" indent="0">
+              <a:lnSpc>
+                <a:spcPct val="150000"/>
+              </a:lnSpc>
+              <a:buNone/>
+            </a:pPr>
+            <a:r>
+              <a:rPr lang="en-US" sz="2000" dirty="0"/>
+              <a:t>Variable type inferred from expression on right-hand side</a:t>
+            </a:r>
+          </a:p>
+          <a:p>
+            <a:pPr marL="0" indent="0">
+              <a:lnSpc>
+                <a:spcPct val="150000"/>
+              </a:lnSpc>
+              <a:buNone/>
+            </a:pPr>
+            <a:r>
+              <a:rPr lang="en-US" sz="2000" dirty="0"/>
+              <a:t>Works in the following places:</a:t>
+            </a:r>
+          </a:p>
+          <a:p>
+            <a:pPr>
+              <a:lnSpc>
+                <a:spcPct val="150000"/>
+              </a:lnSpc>
+            </a:pPr>
+            <a:r>
+              <a:rPr lang="en-US" sz="2000" dirty="0"/>
+              <a:t>Local variables that are initialized where they are declared</a:t>
+            </a:r>
+          </a:p>
+          <a:p>
+            <a:pPr>
+              <a:lnSpc>
+                <a:spcPct val="150000"/>
+              </a:lnSpc>
+            </a:pPr>
+            <a:r>
+              <a:rPr lang="en-US" sz="2000" dirty="0"/>
+              <a:t>Variables declared as part of a for or for-each loop</a:t>
             </a:r>
           </a:p>
         </p:txBody>
@@ -7173,13 +9290,255 @@
     </p:spTree>
     <p:extLst>
       <p:ext uri="{BB962C8B-B14F-4D97-AF65-F5344CB8AC3E}">
-        <p14:creationId xmlns:p14="http://schemas.microsoft.com/office/powerpoint/2010/main" val="3233494081"/>
+        <p14:creationId xmlns:p14="http://schemas.microsoft.com/office/powerpoint/2010/main" val="1210914462"/>
       </p:ext>
     </p:extLst>
   </p:cSld>
   <p:clrMapOvr>
     <a:masterClrMapping/>
   </p:clrMapOvr>
+  <p:timing>
+    <p:tnLst>
+      <p:par>
+        <p:cTn id="1" dur="indefinite" restart="never" nodeType="tmRoot">
+          <p:childTnLst>
+            <p:seq concurrent="1" nextAc="seek">
+              <p:cTn id="2" dur="indefinite" nodeType="mainSeq">
+                <p:childTnLst>
+                  <p:par>
+                    <p:cTn id="3" fill="hold">
+                      <p:stCondLst>
+                        <p:cond delay="indefinite"/>
+                        <p:cond evt="onBegin" delay="0">
+                          <p:tn val="2"/>
+                        </p:cond>
+                      </p:stCondLst>
+                      <p:childTnLst>
+                        <p:par>
+                          <p:cTn id="4" fill="hold">
+                            <p:stCondLst>
+                              <p:cond delay="0"/>
+                            </p:stCondLst>
+                            <p:childTnLst>
+                              <p:par>
+                                <p:cTn id="5" presetID="1" presetClass="entr" presetSubtype="0" fill="hold" nodeType="afterEffect">
+                                  <p:stCondLst>
+                                    <p:cond delay="0"/>
+                                  </p:stCondLst>
+                                  <p:childTnLst>
+                                    <p:set>
+                                      <p:cBhvr>
+                                        <p:cTn id="6" dur="1" fill="hold">
+                                          <p:stCondLst>
+                                            <p:cond delay="0"/>
+                                          </p:stCondLst>
+                                        </p:cTn>
+                                        <p:tgtEl>
+                                          <p:spTgt spid="4">
+                                            <p:txEl>
+                                              <p:pRg st="0" end="0"/>
+                                            </p:txEl>
+                                          </p:spTgt>
+                                        </p:tgtEl>
+                                        <p:attrNameLst>
+                                          <p:attrName>style.visibility</p:attrName>
+                                        </p:attrNameLst>
+                                      </p:cBhvr>
+                                      <p:to>
+                                        <p:strVal val="visible"/>
+                                      </p:to>
+                                    </p:set>
+                                  </p:childTnLst>
+                                </p:cTn>
+                              </p:par>
+                            </p:childTnLst>
+                          </p:cTn>
+                        </p:par>
+                        <p:par>
+                          <p:cTn id="7" fill="hold">
+                            <p:stCondLst>
+                              <p:cond delay="0"/>
+                            </p:stCondLst>
+                            <p:childTnLst>
+                              <p:par>
+                                <p:cTn id="8" presetID="1" presetClass="entr" presetSubtype="0" fill="hold" nodeType="afterEffect">
+                                  <p:stCondLst>
+                                    <p:cond delay="0"/>
+                                  </p:stCondLst>
+                                  <p:childTnLst>
+                                    <p:set>
+                                      <p:cBhvr>
+                                        <p:cTn id="9" dur="1" fill="hold">
+                                          <p:stCondLst>
+                                            <p:cond delay="0"/>
+                                          </p:stCondLst>
+                                        </p:cTn>
+                                        <p:tgtEl>
+                                          <p:spTgt spid="4">
+                                            <p:txEl>
+                                              <p:pRg st="2" end="2"/>
+                                            </p:txEl>
+                                          </p:spTgt>
+                                        </p:tgtEl>
+                                        <p:attrNameLst>
+                                          <p:attrName>style.visibility</p:attrName>
+                                        </p:attrNameLst>
+                                      </p:cBhvr>
+                                      <p:to>
+                                        <p:strVal val="visible"/>
+                                      </p:to>
+                                    </p:set>
+                                  </p:childTnLst>
+                                </p:cTn>
+                              </p:par>
+                            </p:childTnLst>
+                          </p:cTn>
+                        </p:par>
+                        <p:par>
+                          <p:cTn id="10" fill="hold">
+                            <p:stCondLst>
+                              <p:cond delay="0"/>
+                            </p:stCondLst>
+                            <p:childTnLst>
+                              <p:par>
+                                <p:cTn id="11" presetID="1" presetClass="entr" presetSubtype="0" fill="hold" nodeType="afterEffect">
+                                  <p:stCondLst>
+                                    <p:cond delay="0"/>
+                                  </p:stCondLst>
+                                  <p:childTnLst>
+                                    <p:set>
+                                      <p:cBhvr>
+                                        <p:cTn id="12" dur="1" fill="hold">
+                                          <p:stCondLst>
+                                            <p:cond delay="0"/>
+                                          </p:stCondLst>
+                                        </p:cTn>
+                                        <p:tgtEl>
+                                          <p:spTgt spid="4">
+                                            <p:txEl>
+                                              <p:pRg st="3" end="3"/>
+                                            </p:txEl>
+                                          </p:spTgt>
+                                        </p:tgtEl>
+                                        <p:attrNameLst>
+                                          <p:attrName>style.visibility</p:attrName>
+                                        </p:attrNameLst>
+                                      </p:cBhvr>
+                                      <p:to>
+                                        <p:strVal val="visible"/>
+                                      </p:to>
+                                    </p:set>
+                                  </p:childTnLst>
+                                </p:cTn>
+                              </p:par>
+                            </p:childTnLst>
+                          </p:cTn>
+                        </p:par>
+                        <p:par>
+                          <p:cTn id="13" fill="hold">
+                            <p:stCondLst>
+                              <p:cond delay="0"/>
+                            </p:stCondLst>
+                            <p:childTnLst>
+                              <p:par>
+                                <p:cTn id="14" presetID="1" presetClass="entr" presetSubtype="0" fill="hold" nodeType="afterEffect">
+                                  <p:stCondLst>
+                                    <p:cond delay="0"/>
+                                  </p:stCondLst>
+                                  <p:childTnLst>
+                                    <p:set>
+                                      <p:cBhvr>
+                                        <p:cTn id="15" dur="1" fill="hold">
+                                          <p:stCondLst>
+                                            <p:cond delay="0"/>
+                                          </p:stCondLst>
+                                        </p:cTn>
+                                        <p:tgtEl>
+                                          <p:spTgt spid="4">
+                                            <p:txEl>
+                                              <p:pRg st="4" end="4"/>
+                                            </p:txEl>
+                                          </p:spTgt>
+                                        </p:tgtEl>
+                                        <p:attrNameLst>
+                                          <p:attrName>style.visibility</p:attrName>
+                                        </p:attrNameLst>
+                                      </p:cBhvr>
+                                      <p:to>
+                                        <p:strVal val="visible"/>
+                                      </p:to>
+                                    </p:set>
+                                  </p:childTnLst>
+                                </p:cTn>
+                              </p:par>
+                            </p:childTnLst>
+                          </p:cTn>
+                        </p:par>
+                        <p:par>
+                          <p:cTn id="16" fill="hold">
+                            <p:stCondLst>
+                              <p:cond delay="0"/>
+                            </p:stCondLst>
+                            <p:childTnLst>
+                              <p:par>
+                                <p:cTn id="17" presetID="1" presetClass="entr" presetSubtype="0" fill="hold" nodeType="afterEffect">
+                                  <p:stCondLst>
+                                    <p:cond delay="0"/>
+                                  </p:stCondLst>
+                                  <p:childTnLst>
+                                    <p:set>
+                                      <p:cBhvr>
+                                        <p:cTn id="18" dur="1" fill="hold">
+                                          <p:stCondLst>
+                                            <p:cond delay="0"/>
+                                          </p:stCondLst>
+                                        </p:cTn>
+                                        <p:tgtEl>
+                                          <p:spTgt spid="4">
+                                            <p:txEl>
+                                              <p:pRg st="5" end="5"/>
+                                            </p:txEl>
+                                          </p:spTgt>
+                                        </p:tgtEl>
+                                        <p:attrNameLst>
+                                          <p:attrName>style.visibility</p:attrName>
+                                        </p:attrNameLst>
+                                      </p:cBhvr>
+                                      <p:to>
+                                        <p:strVal val="visible"/>
+                                      </p:to>
+                                    </p:set>
+                                  </p:childTnLst>
+                                </p:cTn>
+                              </p:par>
+                            </p:childTnLst>
+                          </p:cTn>
+                        </p:par>
+                      </p:childTnLst>
+                    </p:cTn>
+                  </p:par>
+                </p:childTnLst>
+              </p:cTn>
+              <p:prevCondLst>
+                <p:cond evt="onPrev" delay="0">
+                  <p:tgtEl>
+                    <p:sldTgt/>
+                  </p:tgtEl>
+                </p:cond>
+              </p:prevCondLst>
+              <p:nextCondLst>
+                <p:cond evt="onNext" delay="0">
+                  <p:tgtEl>
+                    <p:sldTgt/>
+                  </p:tgtEl>
+                </p:cond>
+              </p:nextCondLst>
+            </p:seq>
+          </p:childTnLst>
+        </p:cTn>
+      </p:par>
+    </p:tnLst>
+  </p:timing>
 </p:sld>
 </file>
 
@@ -7205,7 +9564,7 @@
           <p:cNvPr id="2" name="Title 1">
             <a:extLst>
               <a:ext uri="{FF2B5EF4-FFF2-40B4-BE49-F238E27FC236}">
-                <a16:creationId xmlns:a16="http://schemas.microsoft.com/office/drawing/2014/main" id="{DD15FB73-6050-FE43-9AA4-0455E1523DD3}"/>
+                <a16:creationId xmlns:a16="http://schemas.microsoft.com/office/drawing/2014/main" id="{C2052CE5-F69A-D645-8ECD-5C44E4A30D5C}"/>
               </a:ext>
             </a:extLst>
           </p:cNvPr>
@@ -7223,7 +9582,7 @@
           <a:p>
             <a:r>
               <a:rPr lang="en-US" dirty="0"/>
-              <a:t>Tooling</a:t>
+              <a:t>Language</a:t>
             </a:r>
           </a:p>
         </p:txBody>
@@ -7233,7 +9592,7 @@
           <p:cNvPr id="3" name="Content Placeholder 2">
             <a:extLst>
               <a:ext uri="{FF2B5EF4-FFF2-40B4-BE49-F238E27FC236}">
-                <a16:creationId xmlns:a16="http://schemas.microsoft.com/office/drawing/2014/main" id="{8B3A1929-50CC-724F-B314-500B401D6B27}"/>
+                <a16:creationId xmlns:a16="http://schemas.microsoft.com/office/drawing/2014/main" id="{20ABE521-BF95-4441-82E2-23994761C137}"/>
               </a:ext>
             </a:extLst>
           </p:cNvPr>
@@ -7241,89 +9600,360 @@
             <a:spLocks noGrp="1"/>
           </p:cNvSpPr>
           <p:nvPr>
-            <p:ph idx="1"/>
-          </p:nvPr>
-        </p:nvSpPr>
-        <p:spPr/>
-        <p:txBody>
-          <a:bodyPr/>
-          <a:lstStyle/>
+            <p:ph sz="half" idx="1"/>
+          </p:nvPr>
+        </p:nvSpPr>
+        <p:spPr>
+          <a:xfrm>
+            <a:off x="685802" y="2142067"/>
+            <a:ext cx="3016403" cy="3649134"/>
+          </a:xfrm>
+        </p:spPr>
+        <p:txBody>
+          <a:bodyPr>
+            <a:noAutofit/>
+          </a:bodyPr>
+          <a:lstStyle/>
+          <a:p>
+            <a:pPr marL="0" lvl="0" indent="0" algn="ctr">
+              <a:buClr>
+                <a:prstClr val="white"/>
+              </a:buClr>
+              <a:buNone/>
+            </a:pPr>
+            <a:r>
+              <a:rPr lang="en-US" sz="2400" i="1" dirty="0">
+                <a:solidFill>
+                  <a:prstClr val="white"/>
+                </a:solidFill>
+              </a:rPr>
+              <a:t>Java 10</a:t>
+            </a:r>
+            <a:endParaRPr lang="en-US" sz="2800" dirty="0"/>
+          </a:p>
           <a:p>
             <a:pPr marL="0" indent="0">
               <a:buNone/>
             </a:pPr>
             <a:r>
               <a:rPr lang="en-US" sz="2800" dirty="0"/>
-              <a:t>Enhancements in a nutshell:</a:t>
-            </a:r>
-          </a:p>
-          <a:p>
-            <a:r>
-              <a:rPr lang="en-US" dirty="0"/>
-              <a:t>Module system (</a:t>
-            </a:r>
-            <a:r>
-              <a:rPr lang="en-US" dirty="0" err="1">
+              <a:t>Variable Type Inference</a:t>
+            </a:r>
+          </a:p>
+        </p:txBody>
+      </p:sp>
+      <p:sp>
+        <p:nvSpPr>
+          <p:cNvPr id="4" name="Content Placeholder 3">
+            <a:extLst>
+              <a:ext uri="{FF2B5EF4-FFF2-40B4-BE49-F238E27FC236}">
+                <a16:creationId xmlns:a16="http://schemas.microsoft.com/office/drawing/2014/main" id="{26204FAF-26E7-1B46-B974-24DDC791B844}"/>
+              </a:ext>
+            </a:extLst>
+          </p:cNvPr>
+          <p:cNvSpPr>
+            <a:spLocks noGrp="1"/>
+          </p:cNvSpPr>
+          <p:nvPr>
+            <p:ph sz="half" idx="2"/>
+          </p:nvPr>
+        </p:nvSpPr>
+        <p:spPr>
+          <a:xfrm>
+            <a:off x="3914078" y="2142067"/>
+            <a:ext cx="6903149" cy="3649133"/>
+          </a:xfrm>
+        </p:spPr>
+        <p:txBody>
+          <a:bodyPr anchor="t">
+            <a:normAutofit/>
+          </a:bodyPr>
+          <a:lstStyle/>
+          <a:p>
+            <a:pPr marL="0" indent="0">
+              <a:lnSpc>
+                <a:spcPct val="120000"/>
+              </a:lnSpc>
+              <a:buNone/>
+            </a:pPr>
+            <a:r>
+              <a:rPr lang="en-US" sz="2400" dirty="0"/>
+              <a:t>Infer type of local variable from assignment</a:t>
+            </a:r>
+          </a:p>
+          <a:p>
+            <a:pPr marL="0" indent="0">
+              <a:buNone/>
+            </a:pPr>
+            <a:endParaRPr lang="en-US" sz="2400" dirty="0"/>
+          </a:p>
+          <a:p>
+            <a:pPr marL="0" indent="0">
+              <a:lnSpc>
+                <a:spcPct val="150000"/>
+              </a:lnSpc>
+              <a:buNone/>
+            </a:pPr>
+            <a:r>
+              <a:rPr lang="en-US" sz="2000" dirty="0"/>
+              <a:t>Similar to </a:t>
+            </a:r>
+            <a:r>
+              <a:rPr lang="en-US" sz="2000" dirty="0" err="1"/>
+              <a:t>Groovy’s</a:t>
+            </a:r>
+            <a:r>
+              <a:rPr lang="en-US" sz="2000" dirty="0"/>
+              <a:t> </a:t>
+            </a:r>
+            <a:r>
+              <a:rPr lang="en-US" sz="2000" dirty="0">
                 <a:latin typeface="Andale Mono" panose="020B0509000000000004" pitchFamily="49" charset="0"/>
               </a:rPr>
-              <a:t>jlink</a:t>
-            </a:r>
-            <a:r>
-              <a:rPr lang="en-US" dirty="0"/>
-              <a:t>)</a:t>
-            </a:r>
-          </a:p>
-          <a:p>
-            <a:r>
-              <a:rPr lang="en-US" dirty="0" err="1"/>
-              <a:t>JShell</a:t>
-            </a:r>
-            <a:endParaRPr lang="en-US" dirty="0"/>
-          </a:p>
-          <a:p>
-            <a:r>
-              <a:rPr lang="en-US" dirty="0"/>
-              <a:t>Ahead-of-time compilation (</a:t>
-            </a:r>
-            <a:r>
-              <a:rPr lang="en-US" dirty="0" err="1"/>
-              <a:t>GraalVM</a:t>
-            </a:r>
-            <a:r>
-              <a:rPr lang="en-US" dirty="0"/>
-              <a:t>)</a:t>
-            </a:r>
-          </a:p>
-          <a:p>
-            <a:r>
-              <a:rPr lang="en-US" dirty="0"/>
-              <a:t>Shell scripts</a:t>
-            </a:r>
-          </a:p>
-          <a:p>
-            <a:r>
-              <a:rPr lang="en-US" dirty="0"/>
-              <a:t>Flight Recorder</a:t>
-            </a:r>
-          </a:p>
-          <a:p>
-            <a:endParaRPr lang="en-US" dirty="0"/>
-          </a:p>
-          <a:p>
-            <a:endParaRPr lang="en-US" dirty="0"/>
+              <a:t>def</a:t>
+            </a:r>
+            <a:r>
+              <a:rPr lang="en-US" sz="2000" dirty="0"/>
+              <a:t>, but variable type is specific</a:t>
+            </a:r>
+          </a:p>
+          <a:p>
+            <a:pPr marL="0" indent="0">
+              <a:lnSpc>
+                <a:spcPct val="150000"/>
+              </a:lnSpc>
+              <a:buNone/>
+            </a:pPr>
+            <a:r>
+              <a:rPr lang="en-US" sz="2000" dirty="0"/>
+              <a:t>Be judicious – don’t sacrifice readability</a:t>
+            </a:r>
+          </a:p>
+          <a:p>
+            <a:pPr>
+              <a:lnSpc>
+                <a:spcPct val="150000"/>
+              </a:lnSpc>
+            </a:pPr>
+            <a:r>
+              <a:rPr lang="en-US" sz="2000" dirty="0"/>
+              <a:t>Type of right-hand side should be obvious</a:t>
+            </a:r>
           </a:p>
         </p:txBody>
       </p:sp>
     </p:spTree>
     <p:extLst>
       <p:ext uri="{BB962C8B-B14F-4D97-AF65-F5344CB8AC3E}">
-        <p14:creationId xmlns:p14="http://schemas.microsoft.com/office/powerpoint/2010/main" val="3959425166"/>
+        <p14:creationId xmlns:p14="http://schemas.microsoft.com/office/powerpoint/2010/main" val="467287624"/>
       </p:ext>
     </p:extLst>
   </p:cSld>
   <p:clrMapOvr>
     <a:masterClrMapping/>
   </p:clrMapOvr>
+  <p:timing>
+    <p:tnLst>
+      <p:par>
+        <p:cTn id="1" dur="indefinite" restart="never" nodeType="tmRoot">
+          <p:childTnLst>
+            <p:seq concurrent="1" nextAc="seek">
+              <p:cTn id="2" dur="indefinite" nodeType="mainSeq">
+                <p:childTnLst>
+                  <p:par>
+                    <p:cTn id="3" fill="hold">
+                      <p:stCondLst>
+                        <p:cond delay="indefinite"/>
+                        <p:cond evt="onBegin" delay="0">
+                          <p:tn val="2"/>
+                        </p:cond>
+                      </p:stCondLst>
+                      <p:childTnLst>
+                        <p:par>
+                          <p:cTn id="4" fill="hold">
+                            <p:stCondLst>
+                              <p:cond delay="0"/>
+                            </p:stCondLst>
+                            <p:childTnLst>
+                              <p:par>
+                                <p:cTn id="5" presetID="1" presetClass="entr" presetSubtype="0" fill="hold" nodeType="afterEffect">
+                                  <p:stCondLst>
+                                    <p:cond delay="0"/>
+                                  </p:stCondLst>
+                                  <p:childTnLst>
+                                    <p:set>
+                                      <p:cBhvr>
+                                        <p:cTn id="6" dur="1" fill="hold">
+                                          <p:stCondLst>
+                                            <p:cond delay="0"/>
+                                          </p:stCondLst>
+                                        </p:cTn>
+                                        <p:tgtEl>
+                                          <p:spTgt spid="4">
+                                            <p:txEl>
+                                              <p:pRg st="0" end="0"/>
+                                            </p:txEl>
+                                          </p:spTgt>
+                                        </p:tgtEl>
+                                        <p:attrNameLst>
+                                          <p:attrName>style.visibility</p:attrName>
+                                        </p:attrNameLst>
+                                      </p:cBhvr>
+                                      <p:to>
+                                        <p:strVal val="visible"/>
+                                      </p:to>
+                                    </p:set>
+                                  </p:childTnLst>
+                                </p:cTn>
+                              </p:par>
+                            </p:childTnLst>
+                          </p:cTn>
+                        </p:par>
+                        <p:par>
+                          <p:cTn id="7" fill="hold">
+                            <p:stCondLst>
+                              <p:cond delay="0"/>
+                            </p:stCondLst>
+                            <p:childTnLst>
+                              <p:par>
+                                <p:cTn id="8" presetID="1" presetClass="entr" presetSubtype="0" fill="hold" nodeType="afterEffect">
+                                  <p:stCondLst>
+                                    <p:cond delay="0"/>
+                                  </p:stCondLst>
+                                  <p:childTnLst>
+                                    <p:set>
+                                      <p:cBhvr>
+                                        <p:cTn id="9" dur="1" fill="hold">
+                                          <p:stCondLst>
+                                            <p:cond delay="0"/>
+                                          </p:stCondLst>
+                                        </p:cTn>
+                                        <p:tgtEl>
+                                          <p:spTgt spid="4">
+                                            <p:txEl>
+                                              <p:pRg st="2" end="2"/>
+                                            </p:txEl>
+                                          </p:spTgt>
+                                        </p:tgtEl>
+                                        <p:attrNameLst>
+                                          <p:attrName>style.visibility</p:attrName>
+                                        </p:attrNameLst>
+                                      </p:cBhvr>
+                                      <p:to>
+                                        <p:strVal val="visible"/>
+                                      </p:to>
+                                    </p:set>
+                                  </p:childTnLst>
+                                </p:cTn>
+                              </p:par>
+                            </p:childTnLst>
+                          </p:cTn>
+                        </p:par>
+                        <p:par>
+                          <p:cTn id="10" fill="hold">
+                            <p:stCondLst>
+                              <p:cond delay="0"/>
+                            </p:stCondLst>
+                            <p:childTnLst>
+                              <p:par>
+                                <p:cTn id="11" presetID="1" presetClass="entr" presetSubtype="0" fill="hold" nodeType="afterEffect">
+                                  <p:stCondLst>
+                                    <p:cond delay="0"/>
+                                  </p:stCondLst>
+                                  <p:childTnLst>
+                                    <p:set>
+                                      <p:cBhvr>
+                                        <p:cTn id="12" dur="1" fill="hold">
+                                          <p:stCondLst>
+                                            <p:cond delay="0"/>
+                                          </p:stCondLst>
+                                        </p:cTn>
+                                        <p:tgtEl>
+                                          <p:spTgt spid="4">
+                                            <p:txEl>
+                                              <p:pRg st="3" end="3"/>
+                                            </p:txEl>
+                                          </p:spTgt>
+                                        </p:tgtEl>
+                                        <p:attrNameLst>
+                                          <p:attrName>style.visibility</p:attrName>
+                                        </p:attrNameLst>
+                                      </p:cBhvr>
+                                      <p:to>
+                                        <p:strVal val="visible"/>
+                                      </p:to>
+                                    </p:set>
+                                  </p:childTnLst>
+                                </p:cTn>
+                              </p:par>
+                            </p:childTnLst>
+                          </p:cTn>
+                        </p:par>
+                        <p:par>
+                          <p:cTn id="13" fill="hold">
+                            <p:stCondLst>
+                              <p:cond delay="0"/>
+                            </p:stCondLst>
+                            <p:childTnLst>
+                              <p:par>
+                                <p:cTn id="14" presetID="1" presetClass="entr" presetSubtype="0" fill="hold" nodeType="afterEffect">
+                                  <p:stCondLst>
+                                    <p:cond delay="0"/>
+                                  </p:stCondLst>
+                                  <p:childTnLst>
+                                    <p:set>
+                                      <p:cBhvr>
+                                        <p:cTn id="15" dur="1" fill="hold">
+                                          <p:stCondLst>
+                                            <p:cond delay="0"/>
+                                          </p:stCondLst>
+                                        </p:cTn>
+                                        <p:tgtEl>
+                                          <p:spTgt spid="4">
+                                            <p:txEl>
+                                              <p:pRg st="4" end="4"/>
+                                            </p:txEl>
+                                          </p:spTgt>
+                                        </p:tgtEl>
+                                        <p:attrNameLst>
+                                          <p:attrName>style.visibility</p:attrName>
+                                        </p:attrNameLst>
+                                      </p:cBhvr>
+                                      <p:to>
+                                        <p:strVal val="visible"/>
+                                      </p:to>
+                                    </p:set>
+                                  </p:childTnLst>
+                                </p:cTn>
+                              </p:par>
+                            </p:childTnLst>
+                          </p:cTn>
+                        </p:par>
+                      </p:childTnLst>
+                    </p:cTn>
+                  </p:par>
+                </p:childTnLst>
+              </p:cTn>
+              <p:prevCondLst>
+                <p:cond evt="onPrev" delay="0">
+                  <p:tgtEl>
+                    <p:sldTgt/>
+                  </p:tgtEl>
+                </p:cond>
+              </p:prevCondLst>
+              <p:nextCondLst>
+                <p:cond evt="onNext" delay="0">
+                  <p:tgtEl>
+                    <p:sldTgt/>
+                  </p:tgtEl>
+                </p:cond>
+              </p:nextCondLst>
+            </p:seq>
+          </p:childTnLst>
+        </p:cTn>
+      </p:par>
+    </p:tnLst>
+  </p:timing>
 </p:sld>
 </file>
 
@@ -7349,7 +9979,7 @@
           <p:cNvPr id="2" name="Title 1">
             <a:extLst>
               <a:ext uri="{FF2B5EF4-FFF2-40B4-BE49-F238E27FC236}">
-                <a16:creationId xmlns:a16="http://schemas.microsoft.com/office/drawing/2014/main" id="{FB11D81C-3FE5-3C41-B3F1-01D1C3DA1F39}"/>
+                <a16:creationId xmlns:a16="http://schemas.microsoft.com/office/drawing/2014/main" id="{C2052CE5-F69A-D645-8ECD-5C44E4A30D5C}"/>
               </a:ext>
             </a:extLst>
           </p:cNvPr>
@@ -7367,17 +9997,17 @@
           <a:p>
             <a:r>
               <a:rPr lang="en-US" dirty="0"/>
-              <a:t>Runtime</a:t>
-            </a:r>
-          </a:p>
-        </p:txBody>
-      </p:sp>
-      <p:sp>
-        <p:nvSpPr>
-          <p:cNvPr id="3" name="Text Placeholder 2">
+              <a:t>Language</a:t>
+            </a:r>
+          </a:p>
+        </p:txBody>
+      </p:sp>
+      <p:sp>
+        <p:nvSpPr>
+          <p:cNvPr id="3" name="Content Placeholder 2">
             <a:extLst>
               <a:ext uri="{FF2B5EF4-FFF2-40B4-BE49-F238E27FC236}">
-                <a16:creationId xmlns:a16="http://schemas.microsoft.com/office/drawing/2014/main" id="{42F2DCA3-26EB-F641-8110-D750BECFE0EE}"/>
+                <a16:creationId xmlns:a16="http://schemas.microsoft.com/office/drawing/2014/main" id="{20ABE521-BF95-4441-82E2-23994761C137}"/>
               </a:ext>
             </a:extLst>
           </p:cNvPr>
@@ -7385,31 +10015,217 @@
             <a:spLocks noGrp="1"/>
           </p:cNvSpPr>
           <p:nvPr>
-            <p:ph type="body" idx="1"/>
-          </p:nvPr>
-        </p:nvSpPr>
-        <p:spPr/>
-        <p:txBody>
-          <a:bodyPr/>
-          <a:lstStyle/>
-          <a:p>
-            <a:r>
-              <a:rPr lang="en-US" dirty="0"/>
-              <a:t>Is anyone even reading these?</a:t>
-            </a:r>
-          </a:p>
-        </p:txBody>
-      </p:sp>
+            <p:ph sz="half" idx="1"/>
+          </p:nvPr>
+        </p:nvSpPr>
+        <p:spPr>
+          <a:xfrm>
+            <a:off x="685802" y="2142067"/>
+            <a:ext cx="3016403" cy="3649134"/>
+          </a:xfrm>
+        </p:spPr>
+        <p:txBody>
+          <a:bodyPr>
+            <a:noAutofit/>
+          </a:bodyPr>
+          <a:lstStyle/>
+          <a:p>
+            <a:pPr marL="0" lvl="0" indent="0" algn="ctr">
+              <a:buClr>
+                <a:prstClr val="white"/>
+              </a:buClr>
+              <a:buNone/>
+            </a:pPr>
+            <a:r>
+              <a:rPr lang="en-US" sz="2400" i="1" dirty="0">
+                <a:solidFill>
+                  <a:prstClr val="white"/>
+                </a:solidFill>
+              </a:rPr>
+              <a:t>Java 10</a:t>
+            </a:r>
+            <a:endParaRPr lang="en-US" sz="2800" dirty="0"/>
+          </a:p>
+          <a:p>
+            <a:pPr marL="0" indent="0">
+              <a:buNone/>
+            </a:pPr>
+            <a:r>
+              <a:rPr lang="en-US" sz="2800" dirty="0"/>
+              <a:t>Variable Type Inference</a:t>
+            </a:r>
+          </a:p>
+        </p:txBody>
+      </p:sp>
+      <p:sp>
+        <p:nvSpPr>
+          <p:cNvPr id="4" name="Content Placeholder 3">
+            <a:extLst>
+              <a:ext uri="{FF2B5EF4-FFF2-40B4-BE49-F238E27FC236}">
+                <a16:creationId xmlns:a16="http://schemas.microsoft.com/office/drawing/2014/main" id="{26204FAF-26E7-1B46-B974-24DDC791B844}"/>
+              </a:ext>
+            </a:extLst>
+          </p:cNvPr>
+          <p:cNvSpPr>
+            <a:spLocks noGrp="1"/>
+          </p:cNvSpPr>
+          <p:nvPr>
+            <p:ph sz="half" idx="2"/>
+          </p:nvPr>
+        </p:nvSpPr>
+        <p:spPr>
+          <a:xfrm>
+            <a:off x="3914078" y="2142067"/>
+            <a:ext cx="6903149" cy="3649133"/>
+          </a:xfrm>
+        </p:spPr>
+        <p:txBody>
+          <a:bodyPr anchor="t">
+            <a:normAutofit/>
+          </a:bodyPr>
+          <a:lstStyle/>
+          <a:p>
+            <a:pPr marL="0" indent="0">
+              <a:lnSpc>
+                <a:spcPct val="120000"/>
+              </a:lnSpc>
+              <a:buNone/>
+            </a:pPr>
+            <a:r>
+              <a:rPr lang="en-US" sz="2400" dirty="0"/>
+              <a:t>Infer type of local variable from assignment</a:t>
+            </a:r>
+          </a:p>
+          <a:p>
+            <a:pPr marL="0" indent="0">
+              <a:buNone/>
+            </a:pPr>
+            <a:endParaRPr lang="en-US" sz="2000" dirty="0"/>
+          </a:p>
+        </p:txBody>
+      </p:sp>
+      <p:pic>
+        <p:nvPicPr>
+          <p:cNvPr id="5" name="Picture 4">
+            <a:extLst>
+              <a:ext uri="{FF2B5EF4-FFF2-40B4-BE49-F238E27FC236}">
+                <a16:creationId xmlns:a16="http://schemas.microsoft.com/office/drawing/2014/main" id="{11871471-C847-6A4B-9F80-CB7C23BF30BF}"/>
+              </a:ext>
+            </a:extLst>
+          </p:cNvPr>
+          <p:cNvPicPr>
+            <a:picLocks noChangeAspect="1"/>
+          </p:cNvPicPr>
+          <p:nvPr/>
+        </p:nvPicPr>
+        <p:blipFill>
+          <a:blip r:embed="rId3"/>
+          <a:stretch>
+            <a:fillRect/>
+          </a:stretch>
+        </p:blipFill>
+        <p:spPr>
+          <a:xfrm>
+            <a:off x="3914078" y="2921000"/>
+            <a:ext cx="4236010" cy="2980896"/>
+          </a:xfrm>
+          <a:prstGeom prst="rect">
+            <a:avLst/>
+          </a:prstGeom>
+        </p:spPr>
+      </p:pic>
     </p:spTree>
     <p:extLst>
       <p:ext uri="{BB962C8B-B14F-4D97-AF65-F5344CB8AC3E}">
-        <p14:creationId xmlns:p14="http://schemas.microsoft.com/office/powerpoint/2010/main" val="1788726277"/>
+        <p14:creationId xmlns:p14="http://schemas.microsoft.com/office/powerpoint/2010/main" val="1255931993"/>
       </p:ext>
     </p:extLst>
   </p:cSld>
   <p:clrMapOvr>
     <a:masterClrMapping/>
   </p:clrMapOvr>
+  <p:timing>
+    <p:tnLst>
+      <p:par>
+        <p:cTn id="1" dur="indefinite" restart="never" nodeType="tmRoot">
+          <p:childTnLst>
+            <p:seq concurrent="1" nextAc="seek">
+              <p:cTn id="2" dur="indefinite" nodeType="mainSeq">
+                <p:childTnLst>
+                  <p:par>
+                    <p:cTn id="3" fill="hold">
+                      <p:stCondLst>
+                        <p:cond delay="indefinite"/>
+                        <p:cond evt="onBegin" delay="0">
+                          <p:tn val="2"/>
+                        </p:cond>
+                      </p:stCondLst>
+                      <p:childTnLst>
+                        <p:par>
+                          <p:cTn id="4" fill="hold">
+                            <p:stCondLst>
+                              <p:cond delay="0"/>
+                            </p:stCondLst>
+                            <p:childTnLst>
+                              <p:par>
+                                <p:cTn id="5" presetID="1" presetClass="entr" presetSubtype="0" fill="hold" nodeType="afterEffect">
+                                  <p:stCondLst>
+                                    <p:cond delay="0"/>
+                                  </p:stCondLst>
+                                  <p:childTnLst>
+                                    <p:set>
+                                      <p:cBhvr>
+                                        <p:cTn id="6" dur="1" fill="hold">
+                                          <p:stCondLst>
+                                            <p:cond delay="0"/>
+                                          </p:stCondLst>
+                                        </p:cTn>
+                                        <p:tgtEl>
+                                          <p:spTgt spid="4">
+                                            <p:txEl>
+                                              <p:pRg st="0" end="0"/>
+                                            </p:txEl>
+                                          </p:spTgt>
+                                        </p:tgtEl>
+                                        <p:attrNameLst>
+                                          <p:attrName>style.visibility</p:attrName>
+                                        </p:attrNameLst>
+                                      </p:cBhvr>
+                                      <p:to>
+                                        <p:strVal val="visible"/>
+                                      </p:to>
+                                    </p:set>
+                                  </p:childTnLst>
+                                </p:cTn>
+                              </p:par>
+                            </p:childTnLst>
+                          </p:cTn>
+                        </p:par>
+                      </p:childTnLst>
+                    </p:cTn>
+                  </p:par>
+                </p:childTnLst>
+              </p:cTn>
+              <p:prevCondLst>
+                <p:cond evt="onPrev" delay="0">
+                  <p:tgtEl>
+                    <p:sldTgt/>
+                  </p:tgtEl>
+                </p:cond>
+              </p:prevCondLst>
+              <p:nextCondLst>
+                <p:cond evt="onNext" delay="0">
+                  <p:tgtEl>
+                    <p:sldTgt/>
+                  </p:tgtEl>
+                </p:cond>
+              </p:nextCondLst>
+            </p:seq>
+          </p:childTnLst>
+        </p:cTn>
+      </p:par>
+    </p:tnLst>
+  </p:timing>
 </p:sld>
 </file>
 
@@ -7435,7 +10251,7 @@
           <p:cNvPr id="2" name="Title 1">
             <a:extLst>
               <a:ext uri="{FF2B5EF4-FFF2-40B4-BE49-F238E27FC236}">
-                <a16:creationId xmlns:a16="http://schemas.microsoft.com/office/drawing/2014/main" id="{0194040D-946A-E84E-868E-57A90F7BC7EE}"/>
+                <a16:creationId xmlns:a16="http://schemas.microsoft.com/office/drawing/2014/main" id="{C2052CE5-F69A-D645-8ECD-5C44E4A30D5C}"/>
               </a:ext>
             </a:extLst>
           </p:cNvPr>
@@ -7453,7 +10269,7 @@
           <a:p>
             <a:r>
               <a:rPr lang="en-US" dirty="0"/>
-              <a:t>Runtime</a:t>
+              <a:t>Language</a:t>
             </a:r>
           </a:p>
         </p:txBody>
@@ -7463,7 +10279,7 @@
           <p:cNvPr id="3" name="Content Placeholder 2">
             <a:extLst>
               <a:ext uri="{FF2B5EF4-FFF2-40B4-BE49-F238E27FC236}">
-                <a16:creationId xmlns:a16="http://schemas.microsoft.com/office/drawing/2014/main" id="{94E8E5AC-DA84-D048-81B0-80C872394362}"/>
+                <a16:creationId xmlns:a16="http://schemas.microsoft.com/office/drawing/2014/main" id="{20ABE521-BF95-4441-82E2-23994761C137}"/>
               </a:ext>
             </a:extLst>
           </p:cNvPr>
@@ -7471,75 +10287,419 @@
             <a:spLocks noGrp="1"/>
           </p:cNvSpPr>
           <p:nvPr>
-            <p:ph idx="1"/>
-          </p:nvPr>
-        </p:nvSpPr>
-        <p:spPr/>
-        <p:txBody>
-          <a:bodyPr/>
-          <a:lstStyle/>
+            <p:ph sz="half" idx="1"/>
+          </p:nvPr>
+        </p:nvSpPr>
+        <p:spPr>
+          <a:xfrm>
+            <a:off x="685802" y="2142067"/>
+            <a:ext cx="3016403" cy="3649134"/>
+          </a:xfrm>
+        </p:spPr>
+        <p:txBody>
+          <a:bodyPr>
+            <a:noAutofit/>
+          </a:bodyPr>
+          <a:lstStyle/>
+          <a:p>
+            <a:pPr marL="0" lvl="0" indent="0" algn="ctr">
+              <a:buClr>
+                <a:prstClr val="white"/>
+              </a:buClr>
+              <a:buNone/>
+            </a:pPr>
+            <a:r>
+              <a:rPr lang="en-US" sz="2400" i="1" dirty="0">
+                <a:solidFill>
+                  <a:prstClr val="white"/>
+                </a:solidFill>
+              </a:rPr>
+              <a:t>Java 14</a:t>
+            </a:r>
+            <a:endParaRPr lang="en-US" sz="2800" dirty="0"/>
+          </a:p>
           <a:p>
             <a:pPr marL="0" indent="0">
               <a:buNone/>
             </a:pPr>
             <a:r>
               <a:rPr lang="en-US" sz="2800" dirty="0"/>
-              <a:t>Enhancements in a nutshell:</a:t>
-            </a:r>
-          </a:p>
-          <a:p>
-            <a:r>
-              <a:rPr lang="en-US" dirty="0"/>
-              <a:t>Module system</a:t>
-            </a:r>
-          </a:p>
-          <a:p>
-            <a:r>
-              <a:rPr lang="en-US" dirty="0"/>
-              <a:t>Performance improvements</a:t>
-            </a:r>
-          </a:p>
-          <a:p>
-            <a:pPr lvl="1"/>
-            <a:r>
-              <a:rPr lang="en-US" dirty="0"/>
-              <a:t>Garbage collection</a:t>
-            </a:r>
-          </a:p>
-          <a:p>
-            <a:pPr lvl="1"/>
-            <a:r>
-              <a:rPr lang="en-US" dirty="0"/>
-              <a:t>Thread management</a:t>
-            </a:r>
-          </a:p>
-          <a:p>
-            <a:r>
-              <a:rPr lang="en-US" dirty="0"/>
-              <a:t>Unicode</a:t>
-            </a:r>
-          </a:p>
-          <a:p>
-            <a:r>
-              <a:rPr lang="en-US" dirty="0"/>
-              <a:t>Hidden classes</a:t>
-            </a:r>
-          </a:p>
-          <a:p>
-            <a:endParaRPr lang="en-US" dirty="0"/>
+              <a:t>Switch Expressions</a:t>
+            </a:r>
+          </a:p>
+        </p:txBody>
+      </p:sp>
+      <p:sp>
+        <p:nvSpPr>
+          <p:cNvPr id="4" name="Content Placeholder 3">
+            <a:extLst>
+              <a:ext uri="{FF2B5EF4-FFF2-40B4-BE49-F238E27FC236}">
+                <a16:creationId xmlns:a16="http://schemas.microsoft.com/office/drawing/2014/main" id="{26204FAF-26E7-1B46-B974-24DDC791B844}"/>
+              </a:ext>
+            </a:extLst>
+          </p:cNvPr>
+          <p:cNvSpPr>
+            <a:spLocks noGrp="1"/>
+          </p:cNvSpPr>
+          <p:nvPr>
+            <p:ph sz="half" idx="2"/>
+          </p:nvPr>
+        </p:nvSpPr>
+        <p:spPr>
+          <a:xfrm>
+            <a:off x="3914078" y="2142067"/>
+            <a:ext cx="6903149" cy="3649133"/>
+          </a:xfrm>
+        </p:spPr>
+        <p:txBody>
+          <a:bodyPr anchor="t">
+            <a:normAutofit/>
+          </a:bodyPr>
+          <a:lstStyle/>
+          <a:p>
+            <a:pPr marL="0" indent="0">
+              <a:lnSpc>
+                <a:spcPct val="120000"/>
+              </a:lnSpc>
+              <a:buNone/>
+            </a:pPr>
+            <a:r>
+              <a:rPr lang="en-US" sz="2400" dirty="0"/>
+              <a:t>Use a switch as an expression</a:t>
+            </a:r>
+          </a:p>
+          <a:p>
+            <a:pPr marL="0" indent="0">
+              <a:buNone/>
+            </a:pPr>
+            <a:endParaRPr lang="en-US" sz="2400" dirty="0"/>
+          </a:p>
+          <a:p>
+            <a:pPr marL="0" indent="0">
+              <a:lnSpc>
+                <a:spcPct val="150000"/>
+              </a:lnSpc>
+              <a:buNone/>
+            </a:pPr>
+            <a:r>
+              <a:rPr lang="en-US" sz="2000" dirty="0"/>
+              <a:t>Simplifies assigning a value based on a switch</a:t>
+            </a:r>
+          </a:p>
+          <a:p>
+            <a:pPr marL="0" indent="0">
+              <a:lnSpc>
+                <a:spcPct val="150000"/>
+              </a:lnSpc>
+              <a:buNone/>
+            </a:pPr>
+            <a:r>
+              <a:rPr lang="en-US" sz="2000" dirty="0"/>
+              <a:t>Prevents errors from forgetting to </a:t>
+            </a:r>
+            <a:r>
+              <a:rPr lang="en-US" sz="2000" dirty="0">
+                <a:latin typeface="Andale Mono" panose="020B0509000000000004" pitchFamily="49" charset="0"/>
+              </a:rPr>
+              <a:t>break</a:t>
+            </a:r>
+          </a:p>
+          <a:p>
+            <a:pPr marL="0" indent="0">
+              <a:lnSpc>
+                <a:spcPct val="150000"/>
+              </a:lnSpc>
+              <a:buNone/>
+            </a:pPr>
+            <a:r>
+              <a:rPr lang="en-US" sz="2000" dirty="0"/>
+              <a:t>Scopes variables to the case, rather than the whole switch block</a:t>
+            </a:r>
+          </a:p>
+          <a:p>
+            <a:pPr marL="0" indent="0">
+              <a:lnSpc>
+                <a:spcPct val="150000"/>
+              </a:lnSpc>
+              <a:buNone/>
+            </a:pPr>
+            <a:r>
+              <a:rPr lang="en-US" sz="2000" dirty="0"/>
+              <a:t>Existing </a:t>
+            </a:r>
+            <a:r>
+              <a:rPr lang="en-US" sz="2000" dirty="0">
+                <a:latin typeface="Andale Mono" panose="020B0509000000000004" pitchFamily="49" charset="0"/>
+              </a:rPr>
+              <a:t>switch</a:t>
+            </a:r>
+            <a:r>
+              <a:rPr lang="en-US" sz="2000" dirty="0"/>
+              <a:t> </a:t>
+            </a:r>
+            <a:r>
+              <a:rPr lang="en-US" sz="2000" i="1" dirty="0"/>
+              <a:t>statement</a:t>
+            </a:r>
+            <a:r>
+              <a:rPr lang="en-US" sz="2000" dirty="0"/>
+              <a:t> remains unchanged</a:t>
+            </a:r>
           </a:p>
         </p:txBody>
       </p:sp>
     </p:spTree>
     <p:extLst>
       <p:ext uri="{BB962C8B-B14F-4D97-AF65-F5344CB8AC3E}">
-        <p14:creationId xmlns:p14="http://schemas.microsoft.com/office/powerpoint/2010/main" val="1715626812"/>
+        <p14:creationId xmlns:p14="http://schemas.microsoft.com/office/powerpoint/2010/main" val="3109641317"/>
       </p:ext>
     </p:extLst>
   </p:cSld>
   <p:clrMapOvr>
     <a:masterClrMapping/>
   </p:clrMapOvr>
+  <p:timing>
+    <p:tnLst>
+      <p:par>
+        <p:cTn id="1" dur="indefinite" restart="never" nodeType="tmRoot">
+          <p:childTnLst>
+            <p:seq concurrent="1" nextAc="seek">
+              <p:cTn id="2" dur="indefinite" nodeType="mainSeq">
+                <p:childTnLst>
+                  <p:par>
+                    <p:cTn id="3" fill="hold">
+                      <p:stCondLst>
+                        <p:cond delay="indefinite"/>
+                        <p:cond evt="onBegin" delay="0">
+                          <p:tn val="2"/>
+                        </p:cond>
+                      </p:stCondLst>
+                      <p:childTnLst>
+                        <p:par>
+                          <p:cTn id="4" fill="hold">
+                            <p:stCondLst>
+                              <p:cond delay="0"/>
+                            </p:stCondLst>
+                            <p:childTnLst>
+                              <p:par>
+                                <p:cTn id="5" presetID="1" presetClass="entr" presetSubtype="0" fill="hold" nodeType="afterEffect">
+                                  <p:stCondLst>
+                                    <p:cond delay="0"/>
+                                  </p:stCondLst>
+                                  <p:childTnLst>
+                                    <p:set>
+                                      <p:cBhvr>
+                                        <p:cTn id="6" dur="1" fill="hold">
+                                          <p:stCondLst>
+                                            <p:cond delay="0"/>
+                                          </p:stCondLst>
+                                        </p:cTn>
+                                        <p:tgtEl>
+                                          <p:spTgt spid="4">
+                                            <p:txEl>
+                                              <p:pRg st="0" end="0"/>
+                                            </p:txEl>
+                                          </p:spTgt>
+                                        </p:tgtEl>
+                                        <p:attrNameLst>
+                                          <p:attrName>style.visibility</p:attrName>
+                                        </p:attrNameLst>
+                                      </p:cBhvr>
+                                      <p:to>
+                                        <p:strVal val="visible"/>
+                                      </p:to>
+                                    </p:set>
+                                  </p:childTnLst>
+                                </p:cTn>
+                              </p:par>
+                            </p:childTnLst>
+                          </p:cTn>
+                        </p:par>
+                        <p:par>
+                          <p:cTn id="7" fill="hold">
+                            <p:stCondLst>
+                              <p:cond delay="0"/>
+                            </p:stCondLst>
+                            <p:childTnLst>
+                              <p:par>
+                                <p:cTn id="8" presetID="1" presetClass="entr" presetSubtype="0" fill="hold" nodeType="afterEffect">
+                                  <p:stCondLst>
+                                    <p:cond delay="0"/>
+                                  </p:stCondLst>
+                                  <p:childTnLst>
+                                    <p:set>
+                                      <p:cBhvr>
+                                        <p:cTn id="9" dur="1" fill="hold">
+                                          <p:stCondLst>
+                                            <p:cond delay="0"/>
+                                          </p:stCondLst>
+                                        </p:cTn>
+                                        <p:tgtEl>
+                                          <p:spTgt spid="4">
+                                            <p:txEl>
+                                              <p:pRg st="2" end="2"/>
+                                            </p:txEl>
+                                          </p:spTgt>
+                                        </p:tgtEl>
+                                        <p:attrNameLst>
+                                          <p:attrName>style.visibility</p:attrName>
+                                        </p:attrNameLst>
+                                      </p:cBhvr>
+                                      <p:to>
+                                        <p:strVal val="visible"/>
+                                      </p:to>
+                                    </p:set>
+                                  </p:childTnLst>
+                                </p:cTn>
+                              </p:par>
+                            </p:childTnLst>
+                          </p:cTn>
+                        </p:par>
+                        <p:par>
+                          <p:cTn id="10" fill="hold">
+                            <p:stCondLst>
+                              <p:cond delay="0"/>
+                            </p:stCondLst>
+                            <p:childTnLst>
+                              <p:par>
+                                <p:cTn id="11" presetID="1" presetClass="entr" presetSubtype="0" fill="hold" nodeType="afterEffect">
+                                  <p:stCondLst>
+                                    <p:cond delay="0"/>
+                                  </p:stCondLst>
+                                  <p:childTnLst>
+                                    <p:set>
+                                      <p:cBhvr>
+                                        <p:cTn id="12" dur="1" fill="hold">
+                                          <p:stCondLst>
+                                            <p:cond delay="0"/>
+                                          </p:stCondLst>
+                                        </p:cTn>
+                                        <p:tgtEl>
+                                          <p:spTgt spid="4">
+                                            <p:txEl>
+                                              <p:pRg st="3" end="3"/>
+                                            </p:txEl>
+                                          </p:spTgt>
+                                        </p:tgtEl>
+                                        <p:attrNameLst>
+                                          <p:attrName>style.visibility</p:attrName>
+                                        </p:attrNameLst>
+                                      </p:cBhvr>
+                                      <p:to>
+                                        <p:strVal val="visible"/>
+                                      </p:to>
+                                    </p:set>
+                                  </p:childTnLst>
+                                </p:cTn>
+                              </p:par>
+                            </p:childTnLst>
+                          </p:cTn>
+                        </p:par>
+                        <p:par>
+                          <p:cTn id="13" fill="hold">
+                            <p:stCondLst>
+                              <p:cond delay="0"/>
+                            </p:stCondLst>
+                            <p:childTnLst>
+                              <p:par>
+                                <p:cTn id="14" presetID="1" presetClass="entr" presetSubtype="0" fill="hold" nodeType="afterEffect">
+                                  <p:stCondLst>
+                                    <p:cond delay="0"/>
+                                  </p:stCondLst>
+                                  <p:childTnLst>
+                                    <p:set>
+                                      <p:cBhvr>
+                                        <p:cTn id="15" dur="1" fill="hold">
+                                          <p:stCondLst>
+                                            <p:cond delay="0"/>
+                                          </p:stCondLst>
+                                        </p:cTn>
+                                        <p:tgtEl>
+                                          <p:spTgt spid="4">
+                                            <p:txEl>
+                                              <p:pRg st="4" end="4"/>
+                                            </p:txEl>
+                                          </p:spTgt>
+                                        </p:tgtEl>
+                                        <p:attrNameLst>
+                                          <p:attrName>style.visibility</p:attrName>
+                                        </p:attrNameLst>
+                                      </p:cBhvr>
+                                      <p:to>
+                                        <p:strVal val="visible"/>
+                                      </p:to>
+                                    </p:set>
+                                  </p:childTnLst>
+                                </p:cTn>
+                              </p:par>
+                            </p:childTnLst>
+                          </p:cTn>
+                        </p:par>
+                        <p:par>
+                          <p:cTn id="16" fill="hold">
+                            <p:stCondLst>
+                              <p:cond delay="0"/>
+                            </p:stCondLst>
+                            <p:childTnLst>
+                              <p:par>
+                                <p:cTn id="17" presetID="1" presetClass="entr" presetSubtype="0" fill="hold" nodeType="afterEffect">
+                                  <p:stCondLst>
+                                    <p:cond delay="0"/>
+                                  </p:stCondLst>
+                                  <p:childTnLst>
+                                    <p:set>
+                                      <p:cBhvr>
+                                        <p:cTn id="18" dur="1" fill="hold">
+                                          <p:stCondLst>
+                                            <p:cond delay="0"/>
+                                          </p:stCondLst>
+                                        </p:cTn>
+                                        <p:tgtEl>
+                                          <p:spTgt spid="4">
+                                            <p:txEl>
+                                              <p:pRg st="5" end="5"/>
+                                            </p:txEl>
+                                          </p:spTgt>
+                                        </p:tgtEl>
+                                        <p:attrNameLst>
+                                          <p:attrName>style.visibility</p:attrName>
+                                        </p:attrNameLst>
+                                      </p:cBhvr>
+                                      <p:to>
+                                        <p:strVal val="visible"/>
+                                      </p:to>
+                                    </p:set>
+                                  </p:childTnLst>
+                                </p:cTn>
+                              </p:par>
+                            </p:childTnLst>
+                          </p:cTn>
+                        </p:par>
+                      </p:childTnLst>
+                    </p:cTn>
+                  </p:par>
+                </p:childTnLst>
+              </p:cTn>
+              <p:prevCondLst>
+                <p:cond evt="onPrev" delay="0">
+                  <p:tgtEl>
+                    <p:sldTgt/>
+                  </p:tgtEl>
+                </p:cond>
+              </p:prevCondLst>
+              <p:nextCondLst>
+                <p:cond evt="onNext" delay="0">
+                  <p:tgtEl>
+                    <p:sldTgt/>
+                  </p:tgtEl>
+                </p:cond>
+              </p:nextCondLst>
+            </p:seq>
+          </p:childTnLst>
+        </p:cTn>
+      </p:par>
+    </p:tnLst>
+  </p:timing>
 </p:sld>
 </file>
 
@@ -7565,6 +10725,4036 @@
           <p:cNvPr id="2" name="Title 1">
             <a:extLst>
               <a:ext uri="{FF2B5EF4-FFF2-40B4-BE49-F238E27FC236}">
+                <a16:creationId xmlns:a16="http://schemas.microsoft.com/office/drawing/2014/main" id="{C2052CE5-F69A-D645-8ECD-5C44E4A30D5C}"/>
+              </a:ext>
+            </a:extLst>
+          </p:cNvPr>
+          <p:cNvSpPr>
+            <a:spLocks noGrp="1"/>
+          </p:cNvSpPr>
+          <p:nvPr>
+            <p:ph type="title"/>
+          </p:nvPr>
+        </p:nvSpPr>
+        <p:spPr/>
+        <p:txBody>
+          <a:bodyPr/>
+          <a:lstStyle/>
+          <a:p>
+            <a:r>
+              <a:rPr lang="en-US" dirty="0"/>
+              <a:t>Language</a:t>
+            </a:r>
+          </a:p>
+        </p:txBody>
+      </p:sp>
+      <p:sp>
+        <p:nvSpPr>
+          <p:cNvPr id="3" name="Content Placeholder 2">
+            <a:extLst>
+              <a:ext uri="{FF2B5EF4-FFF2-40B4-BE49-F238E27FC236}">
+                <a16:creationId xmlns:a16="http://schemas.microsoft.com/office/drawing/2014/main" id="{20ABE521-BF95-4441-82E2-23994761C137}"/>
+              </a:ext>
+            </a:extLst>
+          </p:cNvPr>
+          <p:cNvSpPr>
+            <a:spLocks noGrp="1"/>
+          </p:cNvSpPr>
+          <p:nvPr>
+            <p:ph sz="half" idx="1"/>
+          </p:nvPr>
+        </p:nvSpPr>
+        <p:spPr>
+          <a:xfrm>
+            <a:off x="685802" y="2142067"/>
+            <a:ext cx="3016403" cy="3649134"/>
+          </a:xfrm>
+        </p:spPr>
+        <p:txBody>
+          <a:bodyPr>
+            <a:noAutofit/>
+          </a:bodyPr>
+          <a:lstStyle/>
+          <a:p>
+            <a:pPr marL="0" lvl="0" indent="0" algn="ctr">
+              <a:buClr>
+                <a:prstClr val="white"/>
+              </a:buClr>
+              <a:buNone/>
+            </a:pPr>
+            <a:r>
+              <a:rPr lang="en-US" sz="2400" i="1" dirty="0">
+                <a:solidFill>
+                  <a:prstClr val="white"/>
+                </a:solidFill>
+              </a:rPr>
+              <a:t>Java 14</a:t>
+            </a:r>
+            <a:endParaRPr lang="en-US" sz="2800" dirty="0"/>
+          </a:p>
+          <a:p>
+            <a:pPr marL="0" indent="0">
+              <a:buNone/>
+            </a:pPr>
+            <a:r>
+              <a:rPr lang="en-US" sz="2800" dirty="0"/>
+              <a:t>Switch Expressions</a:t>
+            </a:r>
+          </a:p>
+        </p:txBody>
+      </p:sp>
+      <p:sp>
+        <p:nvSpPr>
+          <p:cNvPr id="4" name="Content Placeholder 3">
+            <a:extLst>
+              <a:ext uri="{FF2B5EF4-FFF2-40B4-BE49-F238E27FC236}">
+                <a16:creationId xmlns:a16="http://schemas.microsoft.com/office/drawing/2014/main" id="{26204FAF-26E7-1B46-B974-24DDC791B844}"/>
+              </a:ext>
+            </a:extLst>
+          </p:cNvPr>
+          <p:cNvSpPr>
+            <a:spLocks noGrp="1"/>
+          </p:cNvSpPr>
+          <p:nvPr>
+            <p:ph sz="half" idx="2"/>
+          </p:nvPr>
+        </p:nvSpPr>
+        <p:spPr>
+          <a:xfrm>
+            <a:off x="3914078" y="2142067"/>
+            <a:ext cx="6903149" cy="3649133"/>
+          </a:xfrm>
+        </p:spPr>
+        <p:txBody>
+          <a:bodyPr anchor="t">
+            <a:normAutofit/>
+          </a:bodyPr>
+          <a:lstStyle/>
+          <a:p>
+            <a:pPr marL="0" indent="0">
+              <a:lnSpc>
+                <a:spcPct val="120000"/>
+              </a:lnSpc>
+              <a:buNone/>
+            </a:pPr>
+            <a:r>
+              <a:rPr lang="en-US" sz="2400" dirty="0"/>
+              <a:t>Use a switch as an expression</a:t>
+            </a:r>
+          </a:p>
+          <a:p>
+            <a:pPr marL="0" indent="0">
+              <a:buNone/>
+            </a:pPr>
+            <a:endParaRPr lang="en-US" sz="2000" dirty="0"/>
+          </a:p>
+        </p:txBody>
+      </p:sp>
+      <p:pic>
+        <p:nvPicPr>
+          <p:cNvPr id="5" name="Picture 4">
+            <a:extLst>
+              <a:ext uri="{FF2B5EF4-FFF2-40B4-BE49-F238E27FC236}">
+                <a16:creationId xmlns:a16="http://schemas.microsoft.com/office/drawing/2014/main" id="{454CC0EC-21CB-4949-AF0C-F42D130AB0C5}"/>
+              </a:ext>
+            </a:extLst>
+          </p:cNvPr>
+          <p:cNvPicPr>
+            <a:picLocks noChangeAspect="1"/>
+          </p:cNvPicPr>
+          <p:nvPr/>
+        </p:nvPicPr>
+        <p:blipFill>
+          <a:blip r:embed="rId3"/>
+          <a:stretch>
+            <a:fillRect/>
+          </a:stretch>
+        </p:blipFill>
+        <p:spPr>
+          <a:xfrm>
+            <a:off x="3914077" y="2749273"/>
+            <a:ext cx="6903149" cy="2733462"/>
+          </a:xfrm>
+          <a:prstGeom prst="rect">
+            <a:avLst/>
+          </a:prstGeom>
+        </p:spPr>
+      </p:pic>
+    </p:spTree>
+    <p:extLst>
+      <p:ext uri="{BB962C8B-B14F-4D97-AF65-F5344CB8AC3E}">
+        <p14:creationId xmlns:p14="http://schemas.microsoft.com/office/powerpoint/2010/main" val="2032725691"/>
+      </p:ext>
+    </p:extLst>
+  </p:cSld>
+  <p:clrMapOvr>
+    <a:masterClrMapping/>
+  </p:clrMapOvr>
+  <p:timing>
+    <p:tnLst>
+      <p:par>
+        <p:cTn id="1" dur="indefinite" restart="never" nodeType="tmRoot">
+          <p:childTnLst>
+            <p:seq concurrent="1" nextAc="seek">
+              <p:cTn id="2" dur="indefinite" nodeType="mainSeq">
+                <p:childTnLst>
+                  <p:par>
+                    <p:cTn id="3" fill="hold">
+                      <p:stCondLst>
+                        <p:cond delay="indefinite"/>
+                        <p:cond evt="onBegin" delay="0">
+                          <p:tn val="2"/>
+                        </p:cond>
+                      </p:stCondLst>
+                      <p:childTnLst>
+                        <p:par>
+                          <p:cTn id="4" fill="hold">
+                            <p:stCondLst>
+                              <p:cond delay="0"/>
+                            </p:stCondLst>
+                            <p:childTnLst>
+                              <p:par>
+                                <p:cTn id="5" presetID="1" presetClass="entr" presetSubtype="0" fill="hold" nodeType="afterEffect">
+                                  <p:stCondLst>
+                                    <p:cond delay="0"/>
+                                  </p:stCondLst>
+                                  <p:childTnLst>
+                                    <p:set>
+                                      <p:cBhvr>
+                                        <p:cTn id="6" dur="1" fill="hold">
+                                          <p:stCondLst>
+                                            <p:cond delay="0"/>
+                                          </p:stCondLst>
+                                        </p:cTn>
+                                        <p:tgtEl>
+                                          <p:spTgt spid="4">
+                                            <p:txEl>
+                                              <p:pRg st="0" end="0"/>
+                                            </p:txEl>
+                                          </p:spTgt>
+                                        </p:tgtEl>
+                                        <p:attrNameLst>
+                                          <p:attrName>style.visibility</p:attrName>
+                                        </p:attrNameLst>
+                                      </p:cBhvr>
+                                      <p:to>
+                                        <p:strVal val="visible"/>
+                                      </p:to>
+                                    </p:set>
+                                  </p:childTnLst>
+                                </p:cTn>
+                              </p:par>
+                            </p:childTnLst>
+                          </p:cTn>
+                        </p:par>
+                      </p:childTnLst>
+                    </p:cTn>
+                  </p:par>
+                </p:childTnLst>
+              </p:cTn>
+              <p:prevCondLst>
+                <p:cond evt="onPrev" delay="0">
+                  <p:tgtEl>
+                    <p:sldTgt/>
+                  </p:tgtEl>
+                </p:cond>
+              </p:prevCondLst>
+              <p:nextCondLst>
+                <p:cond evt="onNext" delay="0">
+                  <p:tgtEl>
+                    <p:sldTgt/>
+                  </p:tgtEl>
+                </p:cond>
+              </p:nextCondLst>
+            </p:seq>
+          </p:childTnLst>
+        </p:cTn>
+      </p:par>
+    </p:tnLst>
+  </p:timing>
+</p:sld>
+</file>
+
+<file path=ppt/slides/slide17.xml><?xml version="1.0" encoding="utf-8"?>
+<p:sld xmlns:a="http://schemas.openxmlformats.org/drawingml/2006/main" xmlns:r="http://schemas.openxmlformats.org/officeDocument/2006/relationships" xmlns:p="http://schemas.openxmlformats.org/presentationml/2006/main">
+  <p:cSld>
+    <p:spTree>
+      <p:nvGrpSpPr>
+        <p:cNvPr id="1" name=""/>
+        <p:cNvGrpSpPr/>
+        <p:nvPr/>
+      </p:nvGrpSpPr>
+      <p:grpSpPr>
+        <a:xfrm>
+          <a:off x="0" y="0"/>
+          <a:ext cx="0" cy="0"/>
+          <a:chOff x="0" y="0"/>
+          <a:chExt cx="0" cy="0"/>
+        </a:xfrm>
+      </p:grpSpPr>
+      <p:sp>
+        <p:nvSpPr>
+          <p:cNvPr id="2" name="Title 1">
+            <a:extLst>
+              <a:ext uri="{FF2B5EF4-FFF2-40B4-BE49-F238E27FC236}">
+                <a16:creationId xmlns:a16="http://schemas.microsoft.com/office/drawing/2014/main" id="{C2052CE5-F69A-D645-8ECD-5C44E4A30D5C}"/>
+              </a:ext>
+            </a:extLst>
+          </p:cNvPr>
+          <p:cNvSpPr>
+            <a:spLocks noGrp="1"/>
+          </p:cNvSpPr>
+          <p:nvPr>
+            <p:ph type="title"/>
+          </p:nvPr>
+        </p:nvSpPr>
+        <p:spPr/>
+        <p:txBody>
+          <a:bodyPr/>
+          <a:lstStyle/>
+          <a:p>
+            <a:r>
+              <a:rPr lang="en-US" dirty="0"/>
+              <a:t>Language</a:t>
+            </a:r>
+          </a:p>
+        </p:txBody>
+      </p:sp>
+      <p:sp>
+        <p:nvSpPr>
+          <p:cNvPr id="3" name="Content Placeholder 2">
+            <a:extLst>
+              <a:ext uri="{FF2B5EF4-FFF2-40B4-BE49-F238E27FC236}">
+                <a16:creationId xmlns:a16="http://schemas.microsoft.com/office/drawing/2014/main" id="{20ABE521-BF95-4441-82E2-23994761C137}"/>
+              </a:ext>
+            </a:extLst>
+          </p:cNvPr>
+          <p:cNvSpPr>
+            <a:spLocks noGrp="1"/>
+          </p:cNvSpPr>
+          <p:nvPr>
+            <p:ph sz="half" idx="1"/>
+          </p:nvPr>
+        </p:nvSpPr>
+        <p:spPr>
+          <a:xfrm>
+            <a:off x="685802" y="2142067"/>
+            <a:ext cx="3016403" cy="3649134"/>
+          </a:xfrm>
+        </p:spPr>
+        <p:txBody>
+          <a:bodyPr>
+            <a:noAutofit/>
+          </a:bodyPr>
+          <a:lstStyle/>
+          <a:p>
+            <a:pPr marL="0" lvl="0" indent="0" algn="ctr">
+              <a:buClr>
+                <a:prstClr val="white"/>
+              </a:buClr>
+              <a:buNone/>
+            </a:pPr>
+            <a:r>
+              <a:rPr lang="en-US" sz="2400" i="1" dirty="0">
+                <a:solidFill>
+                  <a:prstClr val="white"/>
+                </a:solidFill>
+              </a:rPr>
+              <a:t>Java 15</a:t>
+            </a:r>
+            <a:endParaRPr lang="en-US" sz="2800" dirty="0"/>
+          </a:p>
+          <a:p>
+            <a:pPr marL="0" indent="0">
+              <a:buNone/>
+            </a:pPr>
+            <a:r>
+              <a:rPr lang="en-US" sz="2800" dirty="0"/>
+              <a:t>Text Blocks</a:t>
+            </a:r>
+          </a:p>
+        </p:txBody>
+      </p:sp>
+      <p:sp>
+        <p:nvSpPr>
+          <p:cNvPr id="4" name="Content Placeholder 3">
+            <a:extLst>
+              <a:ext uri="{FF2B5EF4-FFF2-40B4-BE49-F238E27FC236}">
+                <a16:creationId xmlns:a16="http://schemas.microsoft.com/office/drawing/2014/main" id="{26204FAF-26E7-1B46-B974-24DDC791B844}"/>
+              </a:ext>
+            </a:extLst>
+          </p:cNvPr>
+          <p:cNvSpPr>
+            <a:spLocks noGrp="1"/>
+          </p:cNvSpPr>
+          <p:nvPr>
+            <p:ph sz="half" idx="2"/>
+          </p:nvPr>
+        </p:nvSpPr>
+        <p:spPr>
+          <a:xfrm>
+            <a:off x="3914078" y="2142067"/>
+            <a:ext cx="6903149" cy="3649133"/>
+          </a:xfrm>
+        </p:spPr>
+        <p:txBody>
+          <a:bodyPr anchor="t">
+            <a:normAutofit/>
+          </a:bodyPr>
+          <a:lstStyle/>
+          <a:p>
+            <a:pPr marL="0" indent="0">
+              <a:lnSpc>
+                <a:spcPct val="120000"/>
+              </a:lnSpc>
+              <a:buNone/>
+            </a:pPr>
+            <a:r>
+              <a:rPr lang="en-US" sz="2400" dirty="0"/>
+              <a:t>Simpler multi-line string declarations</a:t>
+            </a:r>
+          </a:p>
+          <a:p>
+            <a:pPr marL="0" indent="0">
+              <a:buNone/>
+            </a:pPr>
+            <a:endParaRPr lang="en-US" sz="2400" dirty="0"/>
+          </a:p>
+          <a:p>
+            <a:pPr marL="0" indent="0">
+              <a:lnSpc>
+                <a:spcPct val="150000"/>
+              </a:lnSpc>
+              <a:buNone/>
+            </a:pPr>
+            <a:r>
+              <a:rPr lang="en-US" sz="2000" dirty="0"/>
+              <a:t>Declare string literals over multiple lines</a:t>
+            </a:r>
+          </a:p>
+          <a:p>
+            <a:pPr marL="0" indent="0">
+              <a:lnSpc>
+                <a:spcPct val="150000"/>
+              </a:lnSpc>
+              <a:buNone/>
+            </a:pPr>
+            <a:r>
+              <a:rPr lang="en-US" sz="2000" dirty="0"/>
+              <a:t>Avoids the need for most escape sequences</a:t>
+            </a:r>
+          </a:p>
+          <a:p>
+            <a:pPr marL="0" indent="0">
+              <a:lnSpc>
+                <a:spcPct val="150000"/>
+              </a:lnSpc>
+              <a:buNone/>
+            </a:pPr>
+            <a:r>
+              <a:rPr lang="en-US" sz="2000" dirty="0"/>
+              <a:t>Provides predictable, controllable formatting</a:t>
+            </a:r>
+          </a:p>
+        </p:txBody>
+      </p:sp>
+    </p:spTree>
+    <p:extLst>
+      <p:ext uri="{BB962C8B-B14F-4D97-AF65-F5344CB8AC3E}">
+        <p14:creationId xmlns:p14="http://schemas.microsoft.com/office/powerpoint/2010/main" val="1488529120"/>
+      </p:ext>
+    </p:extLst>
+  </p:cSld>
+  <p:clrMapOvr>
+    <a:masterClrMapping/>
+  </p:clrMapOvr>
+  <p:timing>
+    <p:tnLst>
+      <p:par>
+        <p:cTn id="1" dur="indefinite" restart="never" nodeType="tmRoot">
+          <p:childTnLst>
+            <p:seq concurrent="1" nextAc="seek">
+              <p:cTn id="2" dur="indefinite" nodeType="mainSeq">
+                <p:childTnLst>
+                  <p:par>
+                    <p:cTn id="3" fill="hold">
+                      <p:stCondLst>
+                        <p:cond delay="indefinite"/>
+                        <p:cond evt="onBegin" delay="0">
+                          <p:tn val="2"/>
+                        </p:cond>
+                      </p:stCondLst>
+                      <p:childTnLst>
+                        <p:par>
+                          <p:cTn id="4" fill="hold">
+                            <p:stCondLst>
+                              <p:cond delay="0"/>
+                            </p:stCondLst>
+                            <p:childTnLst>
+                              <p:par>
+                                <p:cTn id="5" presetID="1" presetClass="entr" presetSubtype="0" fill="hold" nodeType="afterEffect">
+                                  <p:stCondLst>
+                                    <p:cond delay="0"/>
+                                  </p:stCondLst>
+                                  <p:childTnLst>
+                                    <p:set>
+                                      <p:cBhvr>
+                                        <p:cTn id="6" dur="1" fill="hold">
+                                          <p:stCondLst>
+                                            <p:cond delay="0"/>
+                                          </p:stCondLst>
+                                        </p:cTn>
+                                        <p:tgtEl>
+                                          <p:spTgt spid="4">
+                                            <p:txEl>
+                                              <p:pRg st="2" end="2"/>
+                                            </p:txEl>
+                                          </p:spTgt>
+                                        </p:tgtEl>
+                                        <p:attrNameLst>
+                                          <p:attrName>style.visibility</p:attrName>
+                                        </p:attrNameLst>
+                                      </p:cBhvr>
+                                      <p:to>
+                                        <p:strVal val="visible"/>
+                                      </p:to>
+                                    </p:set>
+                                  </p:childTnLst>
+                                </p:cTn>
+                              </p:par>
+                            </p:childTnLst>
+                          </p:cTn>
+                        </p:par>
+                        <p:par>
+                          <p:cTn id="7" fill="hold">
+                            <p:stCondLst>
+                              <p:cond delay="0"/>
+                            </p:stCondLst>
+                            <p:childTnLst>
+                              <p:par>
+                                <p:cTn id="8" presetID="1" presetClass="entr" presetSubtype="0" fill="hold" nodeType="afterEffect">
+                                  <p:stCondLst>
+                                    <p:cond delay="0"/>
+                                  </p:stCondLst>
+                                  <p:childTnLst>
+                                    <p:set>
+                                      <p:cBhvr>
+                                        <p:cTn id="9" dur="1" fill="hold">
+                                          <p:stCondLst>
+                                            <p:cond delay="0"/>
+                                          </p:stCondLst>
+                                        </p:cTn>
+                                        <p:tgtEl>
+                                          <p:spTgt spid="4">
+                                            <p:txEl>
+                                              <p:pRg st="3" end="3"/>
+                                            </p:txEl>
+                                          </p:spTgt>
+                                        </p:tgtEl>
+                                        <p:attrNameLst>
+                                          <p:attrName>style.visibility</p:attrName>
+                                        </p:attrNameLst>
+                                      </p:cBhvr>
+                                      <p:to>
+                                        <p:strVal val="visible"/>
+                                      </p:to>
+                                    </p:set>
+                                  </p:childTnLst>
+                                </p:cTn>
+                              </p:par>
+                            </p:childTnLst>
+                          </p:cTn>
+                        </p:par>
+                        <p:par>
+                          <p:cTn id="10" fill="hold">
+                            <p:stCondLst>
+                              <p:cond delay="0"/>
+                            </p:stCondLst>
+                            <p:childTnLst>
+                              <p:par>
+                                <p:cTn id="11" presetID="1" presetClass="entr" presetSubtype="0" fill="hold" nodeType="afterEffect">
+                                  <p:stCondLst>
+                                    <p:cond delay="0"/>
+                                  </p:stCondLst>
+                                  <p:childTnLst>
+                                    <p:set>
+                                      <p:cBhvr>
+                                        <p:cTn id="12" dur="1" fill="hold">
+                                          <p:stCondLst>
+                                            <p:cond delay="0"/>
+                                          </p:stCondLst>
+                                        </p:cTn>
+                                        <p:tgtEl>
+                                          <p:spTgt spid="4">
+                                            <p:txEl>
+                                              <p:pRg st="4" end="4"/>
+                                            </p:txEl>
+                                          </p:spTgt>
+                                        </p:tgtEl>
+                                        <p:attrNameLst>
+                                          <p:attrName>style.visibility</p:attrName>
+                                        </p:attrNameLst>
+                                      </p:cBhvr>
+                                      <p:to>
+                                        <p:strVal val="visible"/>
+                                      </p:to>
+                                    </p:set>
+                                  </p:childTnLst>
+                                </p:cTn>
+                              </p:par>
+                            </p:childTnLst>
+                          </p:cTn>
+                        </p:par>
+                        <p:par>
+                          <p:cTn id="13" fill="hold">
+                            <p:stCondLst>
+                              <p:cond delay="0"/>
+                            </p:stCondLst>
+                            <p:childTnLst>
+                              <p:par>
+                                <p:cTn id="14" presetID="1" presetClass="entr" presetSubtype="0" fill="hold" nodeType="afterEffect">
+                                  <p:stCondLst>
+                                    <p:cond delay="0"/>
+                                  </p:stCondLst>
+                                  <p:childTnLst>
+                                    <p:set>
+                                      <p:cBhvr>
+                                        <p:cTn id="15" dur="1" fill="hold">
+                                          <p:stCondLst>
+                                            <p:cond delay="0"/>
+                                          </p:stCondLst>
+                                        </p:cTn>
+                                        <p:tgtEl>
+                                          <p:spTgt spid="4">
+                                            <p:txEl>
+                                              <p:pRg st="0" end="0"/>
+                                            </p:txEl>
+                                          </p:spTgt>
+                                        </p:tgtEl>
+                                        <p:attrNameLst>
+                                          <p:attrName>style.visibility</p:attrName>
+                                        </p:attrNameLst>
+                                      </p:cBhvr>
+                                      <p:to>
+                                        <p:strVal val="visible"/>
+                                      </p:to>
+                                    </p:set>
+                                  </p:childTnLst>
+                                </p:cTn>
+                              </p:par>
+                            </p:childTnLst>
+                          </p:cTn>
+                        </p:par>
+                      </p:childTnLst>
+                    </p:cTn>
+                  </p:par>
+                </p:childTnLst>
+              </p:cTn>
+              <p:prevCondLst>
+                <p:cond evt="onPrev" delay="0">
+                  <p:tgtEl>
+                    <p:sldTgt/>
+                  </p:tgtEl>
+                </p:cond>
+              </p:prevCondLst>
+              <p:nextCondLst>
+                <p:cond evt="onNext" delay="0">
+                  <p:tgtEl>
+                    <p:sldTgt/>
+                  </p:tgtEl>
+                </p:cond>
+              </p:nextCondLst>
+            </p:seq>
+          </p:childTnLst>
+        </p:cTn>
+      </p:par>
+    </p:tnLst>
+  </p:timing>
+</p:sld>
+</file>
+
+<file path=ppt/slides/slide18.xml><?xml version="1.0" encoding="utf-8"?>
+<p:sld xmlns:a="http://schemas.openxmlformats.org/drawingml/2006/main" xmlns:r="http://schemas.openxmlformats.org/officeDocument/2006/relationships" xmlns:p="http://schemas.openxmlformats.org/presentationml/2006/main">
+  <p:cSld>
+    <p:spTree>
+      <p:nvGrpSpPr>
+        <p:cNvPr id="1" name=""/>
+        <p:cNvGrpSpPr/>
+        <p:nvPr/>
+      </p:nvGrpSpPr>
+      <p:grpSpPr>
+        <a:xfrm>
+          <a:off x="0" y="0"/>
+          <a:ext cx="0" cy="0"/>
+          <a:chOff x="0" y="0"/>
+          <a:chExt cx="0" cy="0"/>
+        </a:xfrm>
+      </p:grpSpPr>
+      <p:sp>
+        <p:nvSpPr>
+          <p:cNvPr id="2" name="Title 1">
+            <a:extLst>
+              <a:ext uri="{FF2B5EF4-FFF2-40B4-BE49-F238E27FC236}">
+                <a16:creationId xmlns:a16="http://schemas.microsoft.com/office/drawing/2014/main" id="{C2052CE5-F69A-D645-8ECD-5C44E4A30D5C}"/>
+              </a:ext>
+            </a:extLst>
+          </p:cNvPr>
+          <p:cNvSpPr>
+            <a:spLocks noGrp="1"/>
+          </p:cNvSpPr>
+          <p:nvPr>
+            <p:ph type="title"/>
+          </p:nvPr>
+        </p:nvSpPr>
+        <p:spPr/>
+        <p:txBody>
+          <a:bodyPr/>
+          <a:lstStyle/>
+          <a:p>
+            <a:r>
+              <a:rPr lang="en-US" dirty="0"/>
+              <a:t>Language</a:t>
+            </a:r>
+          </a:p>
+        </p:txBody>
+      </p:sp>
+      <p:sp>
+        <p:nvSpPr>
+          <p:cNvPr id="3" name="Content Placeholder 2">
+            <a:extLst>
+              <a:ext uri="{FF2B5EF4-FFF2-40B4-BE49-F238E27FC236}">
+                <a16:creationId xmlns:a16="http://schemas.microsoft.com/office/drawing/2014/main" id="{20ABE521-BF95-4441-82E2-23994761C137}"/>
+              </a:ext>
+            </a:extLst>
+          </p:cNvPr>
+          <p:cNvSpPr>
+            <a:spLocks noGrp="1"/>
+          </p:cNvSpPr>
+          <p:nvPr>
+            <p:ph sz="half" idx="1"/>
+          </p:nvPr>
+        </p:nvSpPr>
+        <p:spPr>
+          <a:xfrm>
+            <a:off x="685802" y="2142067"/>
+            <a:ext cx="3016403" cy="3649134"/>
+          </a:xfrm>
+        </p:spPr>
+        <p:txBody>
+          <a:bodyPr>
+            <a:noAutofit/>
+          </a:bodyPr>
+          <a:lstStyle/>
+          <a:p>
+            <a:pPr marL="0" lvl="0" indent="0" algn="ctr">
+              <a:buClr>
+                <a:prstClr val="white"/>
+              </a:buClr>
+              <a:buNone/>
+            </a:pPr>
+            <a:r>
+              <a:rPr lang="en-US" sz="2400" i="1" dirty="0">
+                <a:solidFill>
+                  <a:prstClr val="white"/>
+                </a:solidFill>
+              </a:rPr>
+              <a:t>Java 15</a:t>
+            </a:r>
+            <a:endParaRPr lang="en-US" sz="2800" dirty="0"/>
+          </a:p>
+          <a:p>
+            <a:pPr marL="0" indent="0">
+              <a:buNone/>
+            </a:pPr>
+            <a:r>
+              <a:rPr lang="en-US" sz="2800" dirty="0"/>
+              <a:t>Text Blocks</a:t>
+            </a:r>
+          </a:p>
+        </p:txBody>
+      </p:sp>
+      <p:sp>
+        <p:nvSpPr>
+          <p:cNvPr id="4" name="Content Placeholder 3">
+            <a:extLst>
+              <a:ext uri="{FF2B5EF4-FFF2-40B4-BE49-F238E27FC236}">
+                <a16:creationId xmlns:a16="http://schemas.microsoft.com/office/drawing/2014/main" id="{26204FAF-26E7-1B46-B974-24DDC791B844}"/>
+              </a:ext>
+            </a:extLst>
+          </p:cNvPr>
+          <p:cNvSpPr>
+            <a:spLocks noGrp="1"/>
+          </p:cNvSpPr>
+          <p:nvPr>
+            <p:ph sz="half" idx="2"/>
+          </p:nvPr>
+        </p:nvSpPr>
+        <p:spPr>
+          <a:xfrm>
+            <a:off x="3914078" y="2142067"/>
+            <a:ext cx="6903149" cy="3649133"/>
+          </a:xfrm>
+        </p:spPr>
+        <p:txBody>
+          <a:bodyPr anchor="t">
+            <a:normAutofit/>
+          </a:bodyPr>
+          <a:lstStyle/>
+          <a:p>
+            <a:pPr marL="0" indent="0">
+              <a:lnSpc>
+                <a:spcPct val="120000"/>
+              </a:lnSpc>
+              <a:buNone/>
+            </a:pPr>
+            <a:r>
+              <a:rPr lang="en-US" sz="2400" dirty="0"/>
+              <a:t>Simpler multi-line string declarations</a:t>
+            </a:r>
+          </a:p>
+          <a:p>
+            <a:pPr marL="0" indent="0">
+              <a:buNone/>
+            </a:pPr>
+            <a:endParaRPr lang="en-US" sz="2000" dirty="0"/>
+          </a:p>
+        </p:txBody>
+      </p:sp>
+      <p:pic>
+        <p:nvPicPr>
+          <p:cNvPr id="6" name="Picture 5">
+            <a:extLst>
+              <a:ext uri="{FF2B5EF4-FFF2-40B4-BE49-F238E27FC236}">
+                <a16:creationId xmlns:a16="http://schemas.microsoft.com/office/drawing/2014/main" id="{DE53FAF7-6C1C-E044-8A8F-12351A7F1F95}"/>
+              </a:ext>
+            </a:extLst>
+          </p:cNvPr>
+          <p:cNvPicPr>
+            <a:picLocks noChangeAspect="1"/>
+          </p:cNvPicPr>
+          <p:nvPr/>
+        </p:nvPicPr>
+        <p:blipFill>
+          <a:blip r:embed="rId3"/>
+          <a:stretch>
+            <a:fillRect/>
+          </a:stretch>
+        </p:blipFill>
+        <p:spPr>
+          <a:xfrm>
+            <a:off x="3914077" y="2755900"/>
+            <a:ext cx="6922995" cy="2521778"/>
+          </a:xfrm>
+          <a:prstGeom prst="rect">
+            <a:avLst/>
+          </a:prstGeom>
+        </p:spPr>
+      </p:pic>
+    </p:spTree>
+    <p:extLst>
+      <p:ext uri="{BB962C8B-B14F-4D97-AF65-F5344CB8AC3E}">
+        <p14:creationId xmlns:p14="http://schemas.microsoft.com/office/powerpoint/2010/main" val="2054100603"/>
+      </p:ext>
+    </p:extLst>
+  </p:cSld>
+  <p:clrMapOvr>
+    <a:masterClrMapping/>
+  </p:clrMapOvr>
+  <p:timing>
+    <p:tnLst>
+      <p:par>
+        <p:cTn id="1" dur="indefinite" restart="never" nodeType="tmRoot">
+          <p:childTnLst>
+            <p:seq concurrent="1" nextAc="seek">
+              <p:cTn id="2" dur="indefinite" nodeType="mainSeq">
+                <p:childTnLst>
+                  <p:par>
+                    <p:cTn id="3" fill="hold">
+                      <p:stCondLst>
+                        <p:cond delay="indefinite"/>
+                        <p:cond evt="onBegin" delay="0">
+                          <p:tn val="2"/>
+                        </p:cond>
+                      </p:stCondLst>
+                      <p:childTnLst>
+                        <p:par>
+                          <p:cTn id="4" fill="hold">
+                            <p:stCondLst>
+                              <p:cond delay="0"/>
+                            </p:stCondLst>
+                            <p:childTnLst>
+                              <p:par>
+                                <p:cTn id="5" presetID="1" presetClass="entr" presetSubtype="0" fill="hold" nodeType="afterEffect">
+                                  <p:stCondLst>
+                                    <p:cond delay="0"/>
+                                  </p:stCondLst>
+                                  <p:childTnLst>
+                                    <p:set>
+                                      <p:cBhvr>
+                                        <p:cTn id="6" dur="1" fill="hold">
+                                          <p:stCondLst>
+                                            <p:cond delay="0"/>
+                                          </p:stCondLst>
+                                        </p:cTn>
+                                        <p:tgtEl>
+                                          <p:spTgt spid="4">
+                                            <p:txEl>
+                                              <p:pRg st="0" end="0"/>
+                                            </p:txEl>
+                                          </p:spTgt>
+                                        </p:tgtEl>
+                                        <p:attrNameLst>
+                                          <p:attrName>style.visibility</p:attrName>
+                                        </p:attrNameLst>
+                                      </p:cBhvr>
+                                      <p:to>
+                                        <p:strVal val="visible"/>
+                                      </p:to>
+                                    </p:set>
+                                  </p:childTnLst>
+                                </p:cTn>
+                              </p:par>
+                            </p:childTnLst>
+                          </p:cTn>
+                        </p:par>
+                      </p:childTnLst>
+                    </p:cTn>
+                  </p:par>
+                </p:childTnLst>
+              </p:cTn>
+              <p:prevCondLst>
+                <p:cond evt="onPrev" delay="0">
+                  <p:tgtEl>
+                    <p:sldTgt/>
+                  </p:tgtEl>
+                </p:cond>
+              </p:prevCondLst>
+              <p:nextCondLst>
+                <p:cond evt="onNext" delay="0">
+                  <p:tgtEl>
+                    <p:sldTgt/>
+                  </p:tgtEl>
+                </p:cond>
+              </p:nextCondLst>
+            </p:seq>
+          </p:childTnLst>
+        </p:cTn>
+      </p:par>
+    </p:tnLst>
+  </p:timing>
+</p:sld>
+</file>
+
+<file path=ppt/slides/slide19.xml><?xml version="1.0" encoding="utf-8"?>
+<p:sld xmlns:a="http://schemas.openxmlformats.org/drawingml/2006/main" xmlns:r="http://schemas.openxmlformats.org/officeDocument/2006/relationships" xmlns:p="http://schemas.openxmlformats.org/presentationml/2006/main">
+  <p:cSld>
+    <p:spTree>
+      <p:nvGrpSpPr>
+        <p:cNvPr id="1" name=""/>
+        <p:cNvGrpSpPr/>
+        <p:nvPr/>
+      </p:nvGrpSpPr>
+      <p:grpSpPr>
+        <a:xfrm>
+          <a:off x="0" y="0"/>
+          <a:ext cx="0" cy="0"/>
+          <a:chOff x="0" y="0"/>
+          <a:chExt cx="0" cy="0"/>
+        </a:xfrm>
+      </p:grpSpPr>
+      <p:sp>
+        <p:nvSpPr>
+          <p:cNvPr id="2" name="Title 1">
+            <a:extLst>
+              <a:ext uri="{FF2B5EF4-FFF2-40B4-BE49-F238E27FC236}">
+                <a16:creationId xmlns:a16="http://schemas.microsoft.com/office/drawing/2014/main" id="{C2052CE5-F69A-D645-8ECD-5C44E4A30D5C}"/>
+              </a:ext>
+            </a:extLst>
+          </p:cNvPr>
+          <p:cNvSpPr>
+            <a:spLocks noGrp="1"/>
+          </p:cNvSpPr>
+          <p:nvPr>
+            <p:ph type="title"/>
+          </p:nvPr>
+        </p:nvSpPr>
+        <p:spPr/>
+        <p:txBody>
+          <a:bodyPr/>
+          <a:lstStyle/>
+          <a:p>
+            <a:r>
+              <a:rPr lang="en-US" dirty="0"/>
+              <a:t>Language</a:t>
+            </a:r>
+          </a:p>
+        </p:txBody>
+      </p:sp>
+      <p:sp>
+        <p:nvSpPr>
+          <p:cNvPr id="3" name="Content Placeholder 2">
+            <a:extLst>
+              <a:ext uri="{FF2B5EF4-FFF2-40B4-BE49-F238E27FC236}">
+                <a16:creationId xmlns:a16="http://schemas.microsoft.com/office/drawing/2014/main" id="{20ABE521-BF95-4441-82E2-23994761C137}"/>
+              </a:ext>
+            </a:extLst>
+          </p:cNvPr>
+          <p:cNvSpPr>
+            <a:spLocks noGrp="1"/>
+          </p:cNvSpPr>
+          <p:nvPr>
+            <p:ph sz="half" idx="1"/>
+          </p:nvPr>
+        </p:nvSpPr>
+        <p:spPr>
+          <a:xfrm>
+            <a:off x="685802" y="2142067"/>
+            <a:ext cx="3016403" cy="3649134"/>
+          </a:xfrm>
+        </p:spPr>
+        <p:txBody>
+          <a:bodyPr>
+            <a:noAutofit/>
+          </a:bodyPr>
+          <a:lstStyle/>
+          <a:p>
+            <a:pPr marL="0" lvl="0" indent="0" algn="ctr">
+              <a:buClr>
+                <a:prstClr val="white"/>
+              </a:buClr>
+              <a:buNone/>
+            </a:pPr>
+            <a:r>
+              <a:rPr lang="en-US" sz="2400" i="1" dirty="0">
+                <a:solidFill>
+                  <a:prstClr val="white"/>
+                </a:solidFill>
+              </a:rPr>
+              <a:t>Java 15 (preview)</a:t>
+            </a:r>
+            <a:endParaRPr lang="en-US" sz="2800" dirty="0"/>
+          </a:p>
+          <a:p>
+            <a:pPr marL="0" indent="0">
+              <a:buNone/>
+            </a:pPr>
+            <a:r>
+              <a:rPr lang="en-US" sz="2800" dirty="0"/>
+              <a:t>Pattern Matching</a:t>
+            </a:r>
+          </a:p>
+        </p:txBody>
+      </p:sp>
+      <p:sp>
+        <p:nvSpPr>
+          <p:cNvPr id="4" name="Content Placeholder 3">
+            <a:extLst>
+              <a:ext uri="{FF2B5EF4-FFF2-40B4-BE49-F238E27FC236}">
+                <a16:creationId xmlns:a16="http://schemas.microsoft.com/office/drawing/2014/main" id="{26204FAF-26E7-1B46-B974-24DDC791B844}"/>
+              </a:ext>
+            </a:extLst>
+          </p:cNvPr>
+          <p:cNvSpPr>
+            <a:spLocks noGrp="1"/>
+          </p:cNvSpPr>
+          <p:nvPr>
+            <p:ph sz="half" idx="2"/>
+          </p:nvPr>
+        </p:nvSpPr>
+        <p:spPr>
+          <a:xfrm>
+            <a:off x="3914078" y="2142067"/>
+            <a:ext cx="6903149" cy="3649133"/>
+          </a:xfrm>
+        </p:spPr>
+        <p:txBody>
+          <a:bodyPr anchor="t">
+            <a:normAutofit/>
+          </a:bodyPr>
+          <a:lstStyle/>
+          <a:p>
+            <a:pPr marL="0" indent="0">
+              <a:lnSpc>
+                <a:spcPct val="120000"/>
+              </a:lnSpc>
+              <a:buNone/>
+            </a:pPr>
+            <a:r>
+              <a:rPr lang="en-US" sz="2400" dirty="0"/>
+              <a:t>Pattern matching for </a:t>
+            </a:r>
+            <a:r>
+              <a:rPr lang="en-US" sz="2400" dirty="0" err="1">
+                <a:latin typeface="Andale Mono" panose="020B0509000000000004" pitchFamily="49" charset="0"/>
+              </a:rPr>
+              <a:t>instanceof</a:t>
+            </a:r>
+            <a:r>
+              <a:rPr lang="en-US" sz="2400" dirty="0"/>
+              <a:t> expressions</a:t>
+            </a:r>
+          </a:p>
+          <a:p>
+            <a:pPr marL="0" indent="0">
+              <a:buNone/>
+            </a:pPr>
+            <a:endParaRPr lang="en-US" sz="2400" dirty="0"/>
+          </a:p>
+          <a:p>
+            <a:pPr marL="0" indent="0">
+              <a:lnSpc>
+                <a:spcPct val="150000"/>
+              </a:lnSpc>
+              <a:buNone/>
+            </a:pPr>
+            <a:r>
+              <a:rPr lang="en-US" sz="2000" dirty="0"/>
+              <a:t>Essentially combines the comparison and cast into one expression</a:t>
+            </a:r>
+          </a:p>
+          <a:p>
+            <a:pPr marL="0" indent="0">
+              <a:lnSpc>
+                <a:spcPct val="150000"/>
+              </a:lnSpc>
+              <a:buNone/>
+            </a:pPr>
+            <a:r>
+              <a:rPr lang="en-US" sz="2000" dirty="0"/>
+              <a:t>New variable of the inferred type is immediately usable</a:t>
+            </a:r>
+          </a:p>
+        </p:txBody>
+      </p:sp>
+    </p:spTree>
+    <p:extLst>
+      <p:ext uri="{BB962C8B-B14F-4D97-AF65-F5344CB8AC3E}">
+        <p14:creationId xmlns:p14="http://schemas.microsoft.com/office/powerpoint/2010/main" val="3673442139"/>
+      </p:ext>
+    </p:extLst>
+  </p:cSld>
+  <p:clrMapOvr>
+    <a:masterClrMapping/>
+  </p:clrMapOvr>
+  <p:timing>
+    <p:tnLst>
+      <p:par>
+        <p:cTn id="1" dur="indefinite" restart="never" nodeType="tmRoot">
+          <p:childTnLst>
+            <p:seq concurrent="1" nextAc="seek">
+              <p:cTn id="2" dur="indefinite" nodeType="mainSeq">
+                <p:childTnLst>
+                  <p:par>
+                    <p:cTn id="3" fill="hold">
+                      <p:stCondLst>
+                        <p:cond delay="indefinite"/>
+                        <p:cond evt="onBegin" delay="0">
+                          <p:tn val="2"/>
+                        </p:cond>
+                      </p:stCondLst>
+                      <p:childTnLst>
+                        <p:par>
+                          <p:cTn id="4" fill="hold">
+                            <p:stCondLst>
+                              <p:cond delay="0"/>
+                            </p:stCondLst>
+                            <p:childTnLst>
+                              <p:par>
+                                <p:cTn id="5" presetID="1" presetClass="entr" presetSubtype="0" fill="hold" nodeType="afterEffect">
+                                  <p:stCondLst>
+                                    <p:cond delay="0"/>
+                                  </p:stCondLst>
+                                  <p:childTnLst>
+                                    <p:set>
+                                      <p:cBhvr>
+                                        <p:cTn id="6" dur="1" fill="hold">
+                                          <p:stCondLst>
+                                            <p:cond delay="0"/>
+                                          </p:stCondLst>
+                                        </p:cTn>
+                                        <p:tgtEl>
+                                          <p:spTgt spid="4">
+                                            <p:txEl>
+                                              <p:pRg st="0" end="0"/>
+                                            </p:txEl>
+                                          </p:spTgt>
+                                        </p:tgtEl>
+                                        <p:attrNameLst>
+                                          <p:attrName>style.visibility</p:attrName>
+                                        </p:attrNameLst>
+                                      </p:cBhvr>
+                                      <p:to>
+                                        <p:strVal val="visible"/>
+                                      </p:to>
+                                    </p:set>
+                                  </p:childTnLst>
+                                </p:cTn>
+                              </p:par>
+                            </p:childTnLst>
+                          </p:cTn>
+                        </p:par>
+                        <p:par>
+                          <p:cTn id="7" fill="hold">
+                            <p:stCondLst>
+                              <p:cond delay="0"/>
+                            </p:stCondLst>
+                            <p:childTnLst>
+                              <p:par>
+                                <p:cTn id="8" presetID="1" presetClass="entr" presetSubtype="0" fill="hold" nodeType="afterEffect">
+                                  <p:stCondLst>
+                                    <p:cond delay="0"/>
+                                  </p:stCondLst>
+                                  <p:childTnLst>
+                                    <p:set>
+                                      <p:cBhvr>
+                                        <p:cTn id="9" dur="1" fill="hold">
+                                          <p:stCondLst>
+                                            <p:cond delay="0"/>
+                                          </p:stCondLst>
+                                        </p:cTn>
+                                        <p:tgtEl>
+                                          <p:spTgt spid="4">
+                                            <p:txEl>
+                                              <p:pRg st="2" end="2"/>
+                                            </p:txEl>
+                                          </p:spTgt>
+                                        </p:tgtEl>
+                                        <p:attrNameLst>
+                                          <p:attrName>style.visibility</p:attrName>
+                                        </p:attrNameLst>
+                                      </p:cBhvr>
+                                      <p:to>
+                                        <p:strVal val="visible"/>
+                                      </p:to>
+                                    </p:set>
+                                  </p:childTnLst>
+                                </p:cTn>
+                              </p:par>
+                            </p:childTnLst>
+                          </p:cTn>
+                        </p:par>
+                        <p:par>
+                          <p:cTn id="10" fill="hold">
+                            <p:stCondLst>
+                              <p:cond delay="0"/>
+                            </p:stCondLst>
+                            <p:childTnLst>
+                              <p:par>
+                                <p:cTn id="11" presetID="1" presetClass="entr" presetSubtype="0" fill="hold" nodeType="afterEffect">
+                                  <p:stCondLst>
+                                    <p:cond delay="0"/>
+                                  </p:stCondLst>
+                                  <p:childTnLst>
+                                    <p:set>
+                                      <p:cBhvr>
+                                        <p:cTn id="12" dur="1" fill="hold">
+                                          <p:stCondLst>
+                                            <p:cond delay="0"/>
+                                          </p:stCondLst>
+                                        </p:cTn>
+                                        <p:tgtEl>
+                                          <p:spTgt spid="4">
+                                            <p:txEl>
+                                              <p:pRg st="3" end="3"/>
+                                            </p:txEl>
+                                          </p:spTgt>
+                                        </p:tgtEl>
+                                        <p:attrNameLst>
+                                          <p:attrName>style.visibility</p:attrName>
+                                        </p:attrNameLst>
+                                      </p:cBhvr>
+                                      <p:to>
+                                        <p:strVal val="visible"/>
+                                      </p:to>
+                                    </p:set>
+                                  </p:childTnLst>
+                                </p:cTn>
+                              </p:par>
+                            </p:childTnLst>
+                          </p:cTn>
+                        </p:par>
+                      </p:childTnLst>
+                    </p:cTn>
+                  </p:par>
+                </p:childTnLst>
+              </p:cTn>
+              <p:prevCondLst>
+                <p:cond evt="onPrev" delay="0">
+                  <p:tgtEl>
+                    <p:sldTgt/>
+                  </p:tgtEl>
+                </p:cond>
+              </p:prevCondLst>
+              <p:nextCondLst>
+                <p:cond evt="onNext" delay="0">
+                  <p:tgtEl>
+                    <p:sldTgt/>
+                  </p:tgtEl>
+                </p:cond>
+              </p:nextCondLst>
+            </p:seq>
+          </p:childTnLst>
+        </p:cTn>
+      </p:par>
+    </p:tnLst>
+  </p:timing>
+</p:sld>
+</file>
+
+<file path=ppt/slides/slide2.xml><?xml version="1.0" encoding="utf-8"?>
+<p:sld xmlns:a="http://schemas.openxmlformats.org/drawingml/2006/main" xmlns:r="http://schemas.openxmlformats.org/officeDocument/2006/relationships" xmlns:p="http://schemas.openxmlformats.org/presentationml/2006/main">
+  <p:cSld>
+    <p:spTree>
+      <p:nvGrpSpPr>
+        <p:cNvPr id="1" name=""/>
+        <p:cNvGrpSpPr/>
+        <p:nvPr/>
+      </p:nvGrpSpPr>
+      <p:grpSpPr>
+        <a:xfrm>
+          <a:off x="0" y="0"/>
+          <a:ext cx="0" cy="0"/>
+          <a:chOff x="0" y="0"/>
+          <a:chExt cx="0" cy="0"/>
+        </a:xfrm>
+      </p:grpSpPr>
+      <p:sp>
+        <p:nvSpPr>
+          <p:cNvPr id="2" name="Title 1">
+            <a:extLst>
+              <a:ext uri="{FF2B5EF4-FFF2-40B4-BE49-F238E27FC236}">
+                <a16:creationId xmlns:a16="http://schemas.microsoft.com/office/drawing/2014/main" id="{946C17B9-D90B-494D-800C-47F79A9FD3C3}"/>
+              </a:ext>
+            </a:extLst>
+          </p:cNvPr>
+          <p:cNvSpPr>
+            <a:spLocks noGrp="1"/>
+          </p:cNvSpPr>
+          <p:nvPr>
+            <p:ph type="title"/>
+          </p:nvPr>
+        </p:nvSpPr>
+        <p:spPr/>
+        <p:txBody>
+          <a:bodyPr/>
+          <a:lstStyle/>
+          <a:p>
+            <a:r>
+              <a:rPr lang="en-US" dirty="0"/>
+              <a:t>Intro</a:t>
+            </a:r>
+          </a:p>
+        </p:txBody>
+      </p:sp>
+      <p:sp>
+        <p:nvSpPr>
+          <p:cNvPr id="3" name="Text Placeholder 2">
+            <a:extLst>
+              <a:ext uri="{FF2B5EF4-FFF2-40B4-BE49-F238E27FC236}">
+                <a16:creationId xmlns:a16="http://schemas.microsoft.com/office/drawing/2014/main" id="{72FECDC8-ECC1-C84D-9106-911BBEE2E474}"/>
+              </a:ext>
+            </a:extLst>
+          </p:cNvPr>
+          <p:cNvSpPr>
+            <a:spLocks noGrp="1"/>
+          </p:cNvSpPr>
+          <p:nvPr>
+            <p:ph type="body" idx="1"/>
+          </p:nvPr>
+        </p:nvSpPr>
+        <p:spPr/>
+        <p:txBody>
+          <a:bodyPr/>
+          <a:lstStyle/>
+          <a:p>
+            <a:endParaRPr lang="en-US"/>
+          </a:p>
+        </p:txBody>
+      </p:sp>
+    </p:spTree>
+    <p:extLst>
+      <p:ext uri="{BB962C8B-B14F-4D97-AF65-F5344CB8AC3E}">
+        <p14:creationId xmlns:p14="http://schemas.microsoft.com/office/powerpoint/2010/main" val="2896982049"/>
+      </p:ext>
+    </p:extLst>
+  </p:cSld>
+  <p:clrMapOvr>
+    <a:masterClrMapping/>
+  </p:clrMapOvr>
+</p:sld>
+</file>
+
+<file path=ppt/slides/slide20.xml><?xml version="1.0" encoding="utf-8"?>
+<p:sld xmlns:a="http://schemas.openxmlformats.org/drawingml/2006/main" xmlns:r="http://schemas.openxmlformats.org/officeDocument/2006/relationships" xmlns:p="http://schemas.openxmlformats.org/presentationml/2006/main">
+  <p:cSld>
+    <p:spTree>
+      <p:nvGrpSpPr>
+        <p:cNvPr id="1" name=""/>
+        <p:cNvGrpSpPr/>
+        <p:nvPr/>
+      </p:nvGrpSpPr>
+      <p:grpSpPr>
+        <a:xfrm>
+          <a:off x="0" y="0"/>
+          <a:ext cx="0" cy="0"/>
+          <a:chOff x="0" y="0"/>
+          <a:chExt cx="0" cy="0"/>
+        </a:xfrm>
+      </p:grpSpPr>
+      <p:sp>
+        <p:nvSpPr>
+          <p:cNvPr id="2" name="Title 1">
+            <a:extLst>
+              <a:ext uri="{FF2B5EF4-FFF2-40B4-BE49-F238E27FC236}">
+                <a16:creationId xmlns:a16="http://schemas.microsoft.com/office/drawing/2014/main" id="{C2052CE5-F69A-D645-8ECD-5C44E4A30D5C}"/>
+              </a:ext>
+            </a:extLst>
+          </p:cNvPr>
+          <p:cNvSpPr>
+            <a:spLocks noGrp="1"/>
+          </p:cNvSpPr>
+          <p:nvPr>
+            <p:ph type="title"/>
+          </p:nvPr>
+        </p:nvSpPr>
+        <p:spPr/>
+        <p:txBody>
+          <a:bodyPr/>
+          <a:lstStyle/>
+          <a:p>
+            <a:r>
+              <a:rPr lang="en-US" dirty="0"/>
+              <a:t>Language</a:t>
+            </a:r>
+          </a:p>
+        </p:txBody>
+      </p:sp>
+      <p:sp>
+        <p:nvSpPr>
+          <p:cNvPr id="3" name="Content Placeholder 2">
+            <a:extLst>
+              <a:ext uri="{FF2B5EF4-FFF2-40B4-BE49-F238E27FC236}">
+                <a16:creationId xmlns:a16="http://schemas.microsoft.com/office/drawing/2014/main" id="{20ABE521-BF95-4441-82E2-23994761C137}"/>
+              </a:ext>
+            </a:extLst>
+          </p:cNvPr>
+          <p:cNvSpPr>
+            <a:spLocks noGrp="1"/>
+          </p:cNvSpPr>
+          <p:nvPr>
+            <p:ph sz="half" idx="1"/>
+          </p:nvPr>
+        </p:nvSpPr>
+        <p:spPr>
+          <a:xfrm>
+            <a:off x="685802" y="2142067"/>
+            <a:ext cx="3016403" cy="3649134"/>
+          </a:xfrm>
+        </p:spPr>
+        <p:txBody>
+          <a:bodyPr>
+            <a:noAutofit/>
+          </a:bodyPr>
+          <a:lstStyle/>
+          <a:p>
+            <a:pPr marL="0" lvl="0" indent="0" algn="ctr">
+              <a:buClr>
+                <a:prstClr val="white"/>
+              </a:buClr>
+              <a:buNone/>
+            </a:pPr>
+            <a:r>
+              <a:rPr lang="en-US" sz="2400" i="1" dirty="0">
+                <a:solidFill>
+                  <a:prstClr val="white"/>
+                </a:solidFill>
+              </a:rPr>
+              <a:t>Java 15 (preview)</a:t>
+            </a:r>
+            <a:endParaRPr lang="en-US" sz="2800" dirty="0"/>
+          </a:p>
+          <a:p>
+            <a:pPr marL="0" indent="0">
+              <a:buNone/>
+            </a:pPr>
+            <a:r>
+              <a:rPr lang="en-US" sz="2800" dirty="0"/>
+              <a:t>Pattern Matching</a:t>
+            </a:r>
+          </a:p>
+        </p:txBody>
+      </p:sp>
+      <p:sp>
+        <p:nvSpPr>
+          <p:cNvPr id="4" name="Content Placeholder 3">
+            <a:extLst>
+              <a:ext uri="{FF2B5EF4-FFF2-40B4-BE49-F238E27FC236}">
+                <a16:creationId xmlns:a16="http://schemas.microsoft.com/office/drawing/2014/main" id="{26204FAF-26E7-1B46-B974-24DDC791B844}"/>
+              </a:ext>
+            </a:extLst>
+          </p:cNvPr>
+          <p:cNvSpPr>
+            <a:spLocks noGrp="1"/>
+          </p:cNvSpPr>
+          <p:nvPr>
+            <p:ph sz="half" idx="2"/>
+          </p:nvPr>
+        </p:nvSpPr>
+        <p:spPr>
+          <a:xfrm>
+            <a:off x="3914078" y="2142067"/>
+            <a:ext cx="6903149" cy="3649133"/>
+          </a:xfrm>
+        </p:spPr>
+        <p:txBody>
+          <a:bodyPr anchor="t">
+            <a:normAutofit/>
+          </a:bodyPr>
+          <a:lstStyle/>
+          <a:p>
+            <a:pPr marL="0" indent="0">
+              <a:lnSpc>
+                <a:spcPct val="120000"/>
+              </a:lnSpc>
+              <a:buNone/>
+            </a:pPr>
+            <a:r>
+              <a:rPr lang="en-US" sz="2400" dirty="0"/>
+              <a:t>Pattern matching for </a:t>
+            </a:r>
+            <a:r>
+              <a:rPr lang="en-US" sz="2400" dirty="0" err="1">
+                <a:latin typeface="Andale Mono" panose="020B0509000000000004" pitchFamily="49" charset="0"/>
+              </a:rPr>
+              <a:t>instanceof</a:t>
+            </a:r>
+            <a:r>
+              <a:rPr lang="en-US" sz="2400" dirty="0"/>
+              <a:t> expressions</a:t>
+            </a:r>
+          </a:p>
+          <a:p>
+            <a:pPr marL="0" indent="0">
+              <a:buNone/>
+            </a:pPr>
+            <a:endParaRPr lang="en-US" sz="2400" dirty="0"/>
+          </a:p>
+        </p:txBody>
+      </p:sp>
+      <p:pic>
+        <p:nvPicPr>
+          <p:cNvPr id="6" name="Picture 5">
+            <a:extLst>
+              <a:ext uri="{FF2B5EF4-FFF2-40B4-BE49-F238E27FC236}">
+                <a16:creationId xmlns:a16="http://schemas.microsoft.com/office/drawing/2014/main" id="{DD59BFAA-5D92-C541-98E4-B4DDC82A41E5}"/>
+              </a:ext>
+            </a:extLst>
+          </p:cNvPr>
+          <p:cNvPicPr>
+            <a:picLocks noChangeAspect="1"/>
+          </p:cNvPicPr>
+          <p:nvPr/>
+        </p:nvPicPr>
+        <p:blipFill>
+          <a:blip r:embed="rId3"/>
+          <a:stretch>
+            <a:fillRect/>
+          </a:stretch>
+        </p:blipFill>
+        <p:spPr>
+          <a:xfrm>
+            <a:off x="3914078" y="2724425"/>
+            <a:ext cx="5200105" cy="3801889"/>
+          </a:xfrm>
+          <a:prstGeom prst="rect">
+            <a:avLst/>
+          </a:prstGeom>
+        </p:spPr>
+      </p:pic>
+    </p:spTree>
+    <p:extLst>
+      <p:ext uri="{BB962C8B-B14F-4D97-AF65-F5344CB8AC3E}">
+        <p14:creationId xmlns:p14="http://schemas.microsoft.com/office/powerpoint/2010/main" val="1413508153"/>
+      </p:ext>
+    </p:extLst>
+  </p:cSld>
+  <p:clrMapOvr>
+    <a:masterClrMapping/>
+  </p:clrMapOvr>
+  <p:timing>
+    <p:tnLst>
+      <p:par>
+        <p:cTn id="1" dur="indefinite" restart="never" nodeType="tmRoot">
+          <p:childTnLst>
+            <p:seq concurrent="1" nextAc="seek">
+              <p:cTn id="2" dur="indefinite" nodeType="mainSeq">
+                <p:childTnLst>
+                  <p:par>
+                    <p:cTn id="3" fill="hold">
+                      <p:stCondLst>
+                        <p:cond delay="indefinite"/>
+                        <p:cond evt="onBegin" delay="0">
+                          <p:tn val="2"/>
+                        </p:cond>
+                      </p:stCondLst>
+                      <p:childTnLst>
+                        <p:par>
+                          <p:cTn id="4" fill="hold">
+                            <p:stCondLst>
+                              <p:cond delay="0"/>
+                            </p:stCondLst>
+                            <p:childTnLst>
+                              <p:par>
+                                <p:cTn id="5" presetID="1" presetClass="entr" presetSubtype="0" fill="hold" nodeType="afterEffect">
+                                  <p:stCondLst>
+                                    <p:cond delay="0"/>
+                                  </p:stCondLst>
+                                  <p:childTnLst>
+                                    <p:set>
+                                      <p:cBhvr>
+                                        <p:cTn id="6" dur="1" fill="hold">
+                                          <p:stCondLst>
+                                            <p:cond delay="0"/>
+                                          </p:stCondLst>
+                                        </p:cTn>
+                                        <p:tgtEl>
+                                          <p:spTgt spid="4">
+                                            <p:txEl>
+                                              <p:pRg st="0" end="0"/>
+                                            </p:txEl>
+                                          </p:spTgt>
+                                        </p:tgtEl>
+                                        <p:attrNameLst>
+                                          <p:attrName>style.visibility</p:attrName>
+                                        </p:attrNameLst>
+                                      </p:cBhvr>
+                                      <p:to>
+                                        <p:strVal val="visible"/>
+                                      </p:to>
+                                    </p:set>
+                                  </p:childTnLst>
+                                </p:cTn>
+                              </p:par>
+                            </p:childTnLst>
+                          </p:cTn>
+                        </p:par>
+                      </p:childTnLst>
+                    </p:cTn>
+                  </p:par>
+                </p:childTnLst>
+              </p:cTn>
+              <p:prevCondLst>
+                <p:cond evt="onPrev" delay="0">
+                  <p:tgtEl>
+                    <p:sldTgt/>
+                  </p:tgtEl>
+                </p:cond>
+              </p:prevCondLst>
+              <p:nextCondLst>
+                <p:cond evt="onNext" delay="0">
+                  <p:tgtEl>
+                    <p:sldTgt/>
+                  </p:tgtEl>
+                </p:cond>
+              </p:nextCondLst>
+            </p:seq>
+          </p:childTnLst>
+        </p:cTn>
+      </p:par>
+    </p:tnLst>
+  </p:timing>
+</p:sld>
+</file>
+
+<file path=ppt/slides/slide21.xml><?xml version="1.0" encoding="utf-8"?>
+<p:sld xmlns:a="http://schemas.openxmlformats.org/drawingml/2006/main" xmlns:r="http://schemas.openxmlformats.org/officeDocument/2006/relationships" xmlns:p="http://schemas.openxmlformats.org/presentationml/2006/main">
+  <p:cSld>
+    <p:spTree>
+      <p:nvGrpSpPr>
+        <p:cNvPr id="1" name=""/>
+        <p:cNvGrpSpPr/>
+        <p:nvPr/>
+      </p:nvGrpSpPr>
+      <p:grpSpPr>
+        <a:xfrm>
+          <a:off x="0" y="0"/>
+          <a:ext cx="0" cy="0"/>
+          <a:chOff x="0" y="0"/>
+          <a:chExt cx="0" cy="0"/>
+        </a:xfrm>
+      </p:grpSpPr>
+      <p:sp>
+        <p:nvSpPr>
+          <p:cNvPr id="2" name="Title 1">
+            <a:extLst>
+              <a:ext uri="{FF2B5EF4-FFF2-40B4-BE49-F238E27FC236}">
+                <a16:creationId xmlns:a16="http://schemas.microsoft.com/office/drawing/2014/main" id="{C2052CE5-F69A-D645-8ECD-5C44E4A30D5C}"/>
+              </a:ext>
+            </a:extLst>
+          </p:cNvPr>
+          <p:cNvSpPr>
+            <a:spLocks noGrp="1"/>
+          </p:cNvSpPr>
+          <p:nvPr>
+            <p:ph type="title"/>
+          </p:nvPr>
+        </p:nvSpPr>
+        <p:spPr/>
+        <p:txBody>
+          <a:bodyPr/>
+          <a:lstStyle/>
+          <a:p>
+            <a:r>
+              <a:rPr lang="en-US" dirty="0"/>
+              <a:t>Language</a:t>
+            </a:r>
+          </a:p>
+        </p:txBody>
+      </p:sp>
+      <p:sp>
+        <p:nvSpPr>
+          <p:cNvPr id="3" name="Content Placeholder 2">
+            <a:extLst>
+              <a:ext uri="{FF2B5EF4-FFF2-40B4-BE49-F238E27FC236}">
+                <a16:creationId xmlns:a16="http://schemas.microsoft.com/office/drawing/2014/main" id="{20ABE521-BF95-4441-82E2-23994761C137}"/>
+              </a:ext>
+            </a:extLst>
+          </p:cNvPr>
+          <p:cNvSpPr>
+            <a:spLocks noGrp="1"/>
+          </p:cNvSpPr>
+          <p:nvPr>
+            <p:ph sz="half" idx="1"/>
+          </p:nvPr>
+        </p:nvSpPr>
+        <p:spPr>
+          <a:xfrm>
+            <a:off x="685802" y="2142067"/>
+            <a:ext cx="3016403" cy="3649134"/>
+          </a:xfrm>
+        </p:spPr>
+        <p:txBody>
+          <a:bodyPr>
+            <a:noAutofit/>
+          </a:bodyPr>
+          <a:lstStyle/>
+          <a:p>
+            <a:pPr marL="0" lvl="0" indent="0" algn="ctr">
+              <a:buClr>
+                <a:prstClr val="white"/>
+              </a:buClr>
+              <a:buNone/>
+            </a:pPr>
+            <a:r>
+              <a:rPr lang="en-US" sz="2400" i="1" dirty="0">
+                <a:solidFill>
+                  <a:prstClr val="white"/>
+                </a:solidFill>
+              </a:rPr>
+              <a:t>Java 15 (preview)</a:t>
+            </a:r>
+            <a:endParaRPr lang="en-US" sz="2800" dirty="0"/>
+          </a:p>
+          <a:p>
+            <a:pPr marL="0" indent="0">
+              <a:buNone/>
+            </a:pPr>
+            <a:r>
+              <a:rPr lang="en-US" sz="2800" dirty="0"/>
+              <a:t>Record Classes</a:t>
+            </a:r>
+          </a:p>
+        </p:txBody>
+      </p:sp>
+      <p:sp>
+        <p:nvSpPr>
+          <p:cNvPr id="4" name="Content Placeholder 3">
+            <a:extLst>
+              <a:ext uri="{FF2B5EF4-FFF2-40B4-BE49-F238E27FC236}">
+                <a16:creationId xmlns:a16="http://schemas.microsoft.com/office/drawing/2014/main" id="{26204FAF-26E7-1B46-B974-24DDC791B844}"/>
+              </a:ext>
+            </a:extLst>
+          </p:cNvPr>
+          <p:cNvSpPr>
+            <a:spLocks noGrp="1"/>
+          </p:cNvSpPr>
+          <p:nvPr>
+            <p:ph sz="half" idx="2"/>
+          </p:nvPr>
+        </p:nvSpPr>
+        <p:spPr>
+          <a:xfrm>
+            <a:off x="3914078" y="2142067"/>
+            <a:ext cx="6903149" cy="3649133"/>
+          </a:xfrm>
+        </p:spPr>
+        <p:txBody>
+          <a:bodyPr anchor="t">
+            <a:normAutofit fontScale="85000" lnSpcReduction="20000"/>
+          </a:bodyPr>
+          <a:lstStyle/>
+          <a:p>
+            <a:pPr marL="0" indent="0">
+              <a:lnSpc>
+                <a:spcPct val="120000"/>
+              </a:lnSpc>
+              <a:buNone/>
+            </a:pPr>
+            <a:r>
+              <a:rPr lang="en-US" sz="2400" dirty="0"/>
+              <a:t>Declare simple ‘data holder’ classes</a:t>
+            </a:r>
+          </a:p>
+          <a:p>
+            <a:pPr marL="0" indent="0">
+              <a:buNone/>
+            </a:pPr>
+            <a:endParaRPr lang="en-US" sz="2400" dirty="0"/>
+          </a:p>
+          <a:p>
+            <a:pPr marL="0" indent="0">
+              <a:lnSpc>
+                <a:spcPct val="150000"/>
+              </a:lnSpc>
+              <a:buNone/>
+            </a:pPr>
+            <a:r>
+              <a:rPr lang="en-US" sz="2000" dirty="0"/>
+              <a:t>Merge declaration of class, member variables, and constructor</a:t>
+            </a:r>
+          </a:p>
+          <a:p>
+            <a:pPr marL="0" indent="0">
+              <a:lnSpc>
+                <a:spcPct val="150000"/>
+              </a:lnSpc>
+              <a:buNone/>
+            </a:pPr>
+            <a:r>
+              <a:rPr lang="en-US" sz="2000" dirty="0"/>
+              <a:t>Only a single, “canonical” constructor is allowed</a:t>
+            </a:r>
+          </a:p>
+          <a:p>
+            <a:pPr marL="0" indent="0">
+              <a:lnSpc>
+                <a:spcPct val="150000"/>
+              </a:lnSpc>
+              <a:buNone/>
+            </a:pPr>
+            <a:r>
+              <a:rPr lang="en-US" sz="2000" dirty="0"/>
+              <a:t>Auto-generates basic Object methods:</a:t>
+            </a:r>
+          </a:p>
+          <a:p>
+            <a:pPr>
+              <a:lnSpc>
+                <a:spcPct val="150000"/>
+              </a:lnSpc>
+            </a:pPr>
+            <a:r>
+              <a:rPr lang="en-US" sz="2000" dirty="0">
+                <a:latin typeface="Andale Mono" panose="020B0509000000000004" pitchFamily="49" charset="0"/>
+              </a:rPr>
+              <a:t>equals</a:t>
+            </a:r>
+          </a:p>
+          <a:p>
+            <a:pPr>
+              <a:lnSpc>
+                <a:spcPct val="150000"/>
+              </a:lnSpc>
+            </a:pPr>
+            <a:r>
+              <a:rPr lang="en-US" sz="2000" dirty="0" err="1">
+                <a:latin typeface="Andale Mono" panose="020B0509000000000004" pitchFamily="49" charset="0"/>
+              </a:rPr>
+              <a:t>hashCode</a:t>
+            </a:r>
+            <a:endParaRPr lang="en-US" sz="2000" dirty="0">
+              <a:latin typeface="Andale Mono" panose="020B0509000000000004" pitchFamily="49" charset="0"/>
+            </a:endParaRPr>
+          </a:p>
+          <a:p>
+            <a:pPr>
+              <a:lnSpc>
+                <a:spcPct val="150000"/>
+              </a:lnSpc>
+            </a:pPr>
+            <a:r>
+              <a:rPr lang="en-US" sz="2000" dirty="0" err="1">
+                <a:latin typeface="Andale Mono" panose="020B0509000000000004" pitchFamily="49" charset="0"/>
+              </a:rPr>
+              <a:t>toString</a:t>
+            </a:r>
+            <a:endParaRPr lang="en-US" sz="2000" dirty="0">
+              <a:latin typeface="Andale Mono" panose="020B0509000000000004" pitchFamily="49" charset="0"/>
+            </a:endParaRPr>
+          </a:p>
+        </p:txBody>
+      </p:sp>
+    </p:spTree>
+    <p:extLst>
+      <p:ext uri="{BB962C8B-B14F-4D97-AF65-F5344CB8AC3E}">
+        <p14:creationId xmlns:p14="http://schemas.microsoft.com/office/powerpoint/2010/main" val="3342630450"/>
+      </p:ext>
+    </p:extLst>
+  </p:cSld>
+  <p:clrMapOvr>
+    <a:masterClrMapping/>
+  </p:clrMapOvr>
+  <p:timing>
+    <p:tnLst>
+      <p:par>
+        <p:cTn id="1" dur="indefinite" restart="never" nodeType="tmRoot">
+          <p:childTnLst>
+            <p:seq concurrent="1" nextAc="seek">
+              <p:cTn id="2" dur="indefinite" nodeType="mainSeq">
+                <p:childTnLst>
+                  <p:par>
+                    <p:cTn id="3" fill="hold">
+                      <p:stCondLst>
+                        <p:cond delay="indefinite"/>
+                        <p:cond evt="onBegin" delay="0">
+                          <p:tn val="2"/>
+                        </p:cond>
+                      </p:stCondLst>
+                      <p:childTnLst>
+                        <p:par>
+                          <p:cTn id="4" fill="hold">
+                            <p:stCondLst>
+                              <p:cond delay="0"/>
+                            </p:stCondLst>
+                            <p:childTnLst>
+                              <p:par>
+                                <p:cTn id="5" presetID="1" presetClass="entr" presetSubtype="0" fill="hold" nodeType="afterEffect">
+                                  <p:stCondLst>
+                                    <p:cond delay="0"/>
+                                  </p:stCondLst>
+                                  <p:childTnLst>
+                                    <p:set>
+                                      <p:cBhvr>
+                                        <p:cTn id="6" dur="1" fill="hold">
+                                          <p:stCondLst>
+                                            <p:cond delay="0"/>
+                                          </p:stCondLst>
+                                        </p:cTn>
+                                        <p:tgtEl>
+                                          <p:spTgt spid="4">
+                                            <p:txEl>
+                                              <p:pRg st="0" end="0"/>
+                                            </p:txEl>
+                                          </p:spTgt>
+                                        </p:tgtEl>
+                                        <p:attrNameLst>
+                                          <p:attrName>style.visibility</p:attrName>
+                                        </p:attrNameLst>
+                                      </p:cBhvr>
+                                      <p:to>
+                                        <p:strVal val="visible"/>
+                                      </p:to>
+                                    </p:set>
+                                  </p:childTnLst>
+                                </p:cTn>
+                              </p:par>
+                            </p:childTnLst>
+                          </p:cTn>
+                        </p:par>
+                        <p:par>
+                          <p:cTn id="7" fill="hold">
+                            <p:stCondLst>
+                              <p:cond delay="0"/>
+                            </p:stCondLst>
+                            <p:childTnLst>
+                              <p:par>
+                                <p:cTn id="8" presetID="1" presetClass="entr" presetSubtype="0" fill="hold" nodeType="afterEffect">
+                                  <p:stCondLst>
+                                    <p:cond delay="0"/>
+                                  </p:stCondLst>
+                                  <p:childTnLst>
+                                    <p:set>
+                                      <p:cBhvr>
+                                        <p:cTn id="9" dur="1" fill="hold">
+                                          <p:stCondLst>
+                                            <p:cond delay="0"/>
+                                          </p:stCondLst>
+                                        </p:cTn>
+                                        <p:tgtEl>
+                                          <p:spTgt spid="4">
+                                            <p:txEl>
+                                              <p:pRg st="2" end="2"/>
+                                            </p:txEl>
+                                          </p:spTgt>
+                                        </p:tgtEl>
+                                        <p:attrNameLst>
+                                          <p:attrName>style.visibility</p:attrName>
+                                        </p:attrNameLst>
+                                      </p:cBhvr>
+                                      <p:to>
+                                        <p:strVal val="visible"/>
+                                      </p:to>
+                                    </p:set>
+                                  </p:childTnLst>
+                                </p:cTn>
+                              </p:par>
+                            </p:childTnLst>
+                          </p:cTn>
+                        </p:par>
+                        <p:par>
+                          <p:cTn id="10" fill="hold">
+                            <p:stCondLst>
+                              <p:cond delay="0"/>
+                            </p:stCondLst>
+                            <p:childTnLst>
+                              <p:par>
+                                <p:cTn id="11" presetID="1" presetClass="entr" presetSubtype="0" fill="hold" nodeType="afterEffect">
+                                  <p:stCondLst>
+                                    <p:cond delay="0"/>
+                                  </p:stCondLst>
+                                  <p:childTnLst>
+                                    <p:set>
+                                      <p:cBhvr>
+                                        <p:cTn id="12" dur="1" fill="hold">
+                                          <p:stCondLst>
+                                            <p:cond delay="0"/>
+                                          </p:stCondLst>
+                                        </p:cTn>
+                                        <p:tgtEl>
+                                          <p:spTgt spid="4">
+                                            <p:txEl>
+                                              <p:pRg st="3" end="3"/>
+                                            </p:txEl>
+                                          </p:spTgt>
+                                        </p:tgtEl>
+                                        <p:attrNameLst>
+                                          <p:attrName>style.visibility</p:attrName>
+                                        </p:attrNameLst>
+                                      </p:cBhvr>
+                                      <p:to>
+                                        <p:strVal val="visible"/>
+                                      </p:to>
+                                    </p:set>
+                                  </p:childTnLst>
+                                </p:cTn>
+                              </p:par>
+                            </p:childTnLst>
+                          </p:cTn>
+                        </p:par>
+                        <p:par>
+                          <p:cTn id="13" fill="hold">
+                            <p:stCondLst>
+                              <p:cond delay="0"/>
+                            </p:stCondLst>
+                            <p:childTnLst>
+                              <p:par>
+                                <p:cTn id="14" presetID="1" presetClass="entr" presetSubtype="0" fill="hold" nodeType="afterEffect">
+                                  <p:stCondLst>
+                                    <p:cond delay="0"/>
+                                  </p:stCondLst>
+                                  <p:childTnLst>
+                                    <p:set>
+                                      <p:cBhvr>
+                                        <p:cTn id="15" dur="1" fill="hold">
+                                          <p:stCondLst>
+                                            <p:cond delay="0"/>
+                                          </p:stCondLst>
+                                        </p:cTn>
+                                        <p:tgtEl>
+                                          <p:spTgt spid="4">
+                                            <p:txEl>
+                                              <p:pRg st="4" end="4"/>
+                                            </p:txEl>
+                                          </p:spTgt>
+                                        </p:tgtEl>
+                                        <p:attrNameLst>
+                                          <p:attrName>style.visibility</p:attrName>
+                                        </p:attrNameLst>
+                                      </p:cBhvr>
+                                      <p:to>
+                                        <p:strVal val="visible"/>
+                                      </p:to>
+                                    </p:set>
+                                  </p:childTnLst>
+                                </p:cTn>
+                              </p:par>
+                            </p:childTnLst>
+                          </p:cTn>
+                        </p:par>
+                        <p:par>
+                          <p:cTn id="16" fill="hold">
+                            <p:stCondLst>
+                              <p:cond delay="0"/>
+                            </p:stCondLst>
+                            <p:childTnLst>
+                              <p:par>
+                                <p:cTn id="17" presetID="1" presetClass="entr" presetSubtype="0" fill="hold" nodeType="afterEffect">
+                                  <p:stCondLst>
+                                    <p:cond delay="0"/>
+                                  </p:stCondLst>
+                                  <p:childTnLst>
+                                    <p:set>
+                                      <p:cBhvr>
+                                        <p:cTn id="18" dur="1" fill="hold">
+                                          <p:stCondLst>
+                                            <p:cond delay="0"/>
+                                          </p:stCondLst>
+                                        </p:cTn>
+                                        <p:tgtEl>
+                                          <p:spTgt spid="4">
+                                            <p:txEl>
+                                              <p:pRg st="5" end="5"/>
+                                            </p:txEl>
+                                          </p:spTgt>
+                                        </p:tgtEl>
+                                        <p:attrNameLst>
+                                          <p:attrName>style.visibility</p:attrName>
+                                        </p:attrNameLst>
+                                      </p:cBhvr>
+                                      <p:to>
+                                        <p:strVal val="visible"/>
+                                      </p:to>
+                                    </p:set>
+                                  </p:childTnLst>
+                                </p:cTn>
+                              </p:par>
+                            </p:childTnLst>
+                          </p:cTn>
+                        </p:par>
+                        <p:par>
+                          <p:cTn id="19" fill="hold">
+                            <p:stCondLst>
+                              <p:cond delay="0"/>
+                            </p:stCondLst>
+                            <p:childTnLst>
+                              <p:par>
+                                <p:cTn id="20" presetID="1" presetClass="entr" presetSubtype="0" fill="hold" nodeType="afterEffect">
+                                  <p:stCondLst>
+                                    <p:cond delay="0"/>
+                                  </p:stCondLst>
+                                  <p:childTnLst>
+                                    <p:set>
+                                      <p:cBhvr>
+                                        <p:cTn id="21" dur="1" fill="hold">
+                                          <p:stCondLst>
+                                            <p:cond delay="0"/>
+                                          </p:stCondLst>
+                                        </p:cTn>
+                                        <p:tgtEl>
+                                          <p:spTgt spid="4">
+                                            <p:txEl>
+                                              <p:pRg st="6" end="6"/>
+                                            </p:txEl>
+                                          </p:spTgt>
+                                        </p:tgtEl>
+                                        <p:attrNameLst>
+                                          <p:attrName>style.visibility</p:attrName>
+                                        </p:attrNameLst>
+                                      </p:cBhvr>
+                                      <p:to>
+                                        <p:strVal val="visible"/>
+                                      </p:to>
+                                    </p:set>
+                                  </p:childTnLst>
+                                </p:cTn>
+                              </p:par>
+                            </p:childTnLst>
+                          </p:cTn>
+                        </p:par>
+                        <p:par>
+                          <p:cTn id="22" fill="hold">
+                            <p:stCondLst>
+                              <p:cond delay="0"/>
+                            </p:stCondLst>
+                            <p:childTnLst>
+                              <p:par>
+                                <p:cTn id="23" presetID="1" presetClass="entr" presetSubtype="0" fill="hold" nodeType="afterEffect">
+                                  <p:stCondLst>
+                                    <p:cond delay="0"/>
+                                  </p:stCondLst>
+                                  <p:childTnLst>
+                                    <p:set>
+                                      <p:cBhvr>
+                                        <p:cTn id="24" dur="1" fill="hold">
+                                          <p:stCondLst>
+                                            <p:cond delay="0"/>
+                                          </p:stCondLst>
+                                        </p:cTn>
+                                        <p:tgtEl>
+                                          <p:spTgt spid="4">
+                                            <p:txEl>
+                                              <p:pRg st="7" end="7"/>
+                                            </p:txEl>
+                                          </p:spTgt>
+                                        </p:tgtEl>
+                                        <p:attrNameLst>
+                                          <p:attrName>style.visibility</p:attrName>
+                                        </p:attrNameLst>
+                                      </p:cBhvr>
+                                      <p:to>
+                                        <p:strVal val="visible"/>
+                                      </p:to>
+                                    </p:set>
+                                  </p:childTnLst>
+                                </p:cTn>
+                              </p:par>
+                            </p:childTnLst>
+                          </p:cTn>
+                        </p:par>
+                      </p:childTnLst>
+                    </p:cTn>
+                  </p:par>
+                </p:childTnLst>
+              </p:cTn>
+              <p:prevCondLst>
+                <p:cond evt="onPrev" delay="0">
+                  <p:tgtEl>
+                    <p:sldTgt/>
+                  </p:tgtEl>
+                </p:cond>
+              </p:prevCondLst>
+              <p:nextCondLst>
+                <p:cond evt="onNext" delay="0">
+                  <p:tgtEl>
+                    <p:sldTgt/>
+                  </p:tgtEl>
+                </p:cond>
+              </p:nextCondLst>
+            </p:seq>
+          </p:childTnLst>
+        </p:cTn>
+      </p:par>
+    </p:tnLst>
+  </p:timing>
+</p:sld>
+</file>
+
+<file path=ppt/slides/slide22.xml><?xml version="1.0" encoding="utf-8"?>
+<p:sld xmlns:a="http://schemas.openxmlformats.org/drawingml/2006/main" xmlns:r="http://schemas.openxmlformats.org/officeDocument/2006/relationships" xmlns:p="http://schemas.openxmlformats.org/presentationml/2006/main">
+  <p:cSld>
+    <p:spTree>
+      <p:nvGrpSpPr>
+        <p:cNvPr id="1" name=""/>
+        <p:cNvGrpSpPr/>
+        <p:nvPr/>
+      </p:nvGrpSpPr>
+      <p:grpSpPr>
+        <a:xfrm>
+          <a:off x="0" y="0"/>
+          <a:ext cx="0" cy="0"/>
+          <a:chOff x="0" y="0"/>
+          <a:chExt cx="0" cy="0"/>
+        </a:xfrm>
+      </p:grpSpPr>
+      <p:sp>
+        <p:nvSpPr>
+          <p:cNvPr id="2" name="Title 1">
+            <a:extLst>
+              <a:ext uri="{FF2B5EF4-FFF2-40B4-BE49-F238E27FC236}">
+                <a16:creationId xmlns:a16="http://schemas.microsoft.com/office/drawing/2014/main" id="{C2052CE5-F69A-D645-8ECD-5C44E4A30D5C}"/>
+              </a:ext>
+            </a:extLst>
+          </p:cNvPr>
+          <p:cNvSpPr>
+            <a:spLocks noGrp="1"/>
+          </p:cNvSpPr>
+          <p:nvPr>
+            <p:ph type="title"/>
+          </p:nvPr>
+        </p:nvSpPr>
+        <p:spPr/>
+        <p:txBody>
+          <a:bodyPr/>
+          <a:lstStyle/>
+          <a:p>
+            <a:r>
+              <a:rPr lang="en-US" dirty="0"/>
+              <a:t>Language</a:t>
+            </a:r>
+          </a:p>
+        </p:txBody>
+      </p:sp>
+      <p:sp>
+        <p:nvSpPr>
+          <p:cNvPr id="3" name="Content Placeholder 2">
+            <a:extLst>
+              <a:ext uri="{FF2B5EF4-FFF2-40B4-BE49-F238E27FC236}">
+                <a16:creationId xmlns:a16="http://schemas.microsoft.com/office/drawing/2014/main" id="{20ABE521-BF95-4441-82E2-23994761C137}"/>
+              </a:ext>
+            </a:extLst>
+          </p:cNvPr>
+          <p:cNvSpPr>
+            <a:spLocks noGrp="1"/>
+          </p:cNvSpPr>
+          <p:nvPr>
+            <p:ph sz="half" idx="1"/>
+          </p:nvPr>
+        </p:nvSpPr>
+        <p:spPr>
+          <a:xfrm>
+            <a:off x="685802" y="2142067"/>
+            <a:ext cx="3016403" cy="3649134"/>
+          </a:xfrm>
+        </p:spPr>
+        <p:txBody>
+          <a:bodyPr>
+            <a:noAutofit/>
+          </a:bodyPr>
+          <a:lstStyle/>
+          <a:p>
+            <a:pPr marL="0" lvl="0" indent="0" algn="ctr">
+              <a:buClr>
+                <a:prstClr val="white"/>
+              </a:buClr>
+              <a:buNone/>
+            </a:pPr>
+            <a:r>
+              <a:rPr lang="en-US" sz="2400" i="1" dirty="0">
+                <a:solidFill>
+                  <a:prstClr val="white"/>
+                </a:solidFill>
+              </a:rPr>
+              <a:t>Java 15 (preview)</a:t>
+            </a:r>
+            <a:endParaRPr lang="en-US" sz="2800" dirty="0"/>
+          </a:p>
+          <a:p>
+            <a:pPr marL="0" indent="0">
+              <a:buNone/>
+            </a:pPr>
+            <a:r>
+              <a:rPr lang="en-US" sz="2800" dirty="0"/>
+              <a:t>Record Classes</a:t>
+            </a:r>
+          </a:p>
+        </p:txBody>
+      </p:sp>
+      <p:sp>
+        <p:nvSpPr>
+          <p:cNvPr id="4" name="Content Placeholder 3">
+            <a:extLst>
+              <a:ext uri="{FF2B5EF4-FFF2-40B4-BE49-F238E27FC236}">
+                <a16:creationId xmlns:a16="http://schemas.microsoft.com/office/drawing/2014/main" id="{26204FAF-26E7-1B46-B974-24DDC791B844}"/>
+              </a:ext>
+            </a:extLst>
+          </p:cNvPr>
+          <p:cNvSpPr>
+            <a:spLocks noGrp="1"/>
+          </p:cNvSpPr>
+          <p:nvPr>
+            <p:ph sz="half" idx="2"/>
+          </p:nvPr>
+        </p:nvSpPr>
+        <p:spPr>
+          <a:xfrm>
+            <a:off x="3914078" y="2142067"/>
+            <a:ext cx="6903149" cy="3649133"/>
+          </a:xfrm>
+        </p:spPr>
+        <p:txBody>
+          <a:bodyPr anchor="t">
+            <a:normAutofit/>
+          </a:bodyPr>
+          <a:lstStyle/>
+          <a:p>
+            <a:pPr marL="0" indent="0">
+              <a:lnSpc>
+                <a:spcPct val="120000"/>
+              </a:lnSpc>
+              <a:buNone/>
+            </a:pPr>
+            <a:r>
+              <a:rPr lang="en-US" sz="2400" dirty="0"/>
+              <a:t>Declare simple ‘data holder’ classes</a:t>
+            </a:r>
+          </a:p>
+        </p:txBody>
+      </p:sp>
+      <p:pic>
+        <p:nvPicPr>
+          <p:cNvPr id="5" name="Picture 4">
+            <a:extLst>
+              <a:ext uri="{FF2B5EF4-FFF2-40B4-BE49-F238E27FC236}">
+                <a16:creationId xmlns:a16="http://schemas.microsoft.com/office/drawing/2014/main" id="{73FC6C84-B242-C74C-ACAC-A8BFDE8BBB7F}"/>
+              </a:ext>
+            </a:extLst>
+          </p:cNvPr>
+          <p:cNvPicPr>
+            <a:picLocks noChangeAspect="1"/>
+          </p:cNvPicPr>
+          <p:nvPr/>
+        </p:nvPicPr>
+        <p:blipFill>
+          <a:blip r:embed="rId3"/>
+          <a:stretch>
+            <a:fillRect/>
+          </a:stretch>
+        </p:blipFill>
+        <p:spPr>
+          <a:xfrm>
+            <a:off x="3914078" y="2915155"/>
+            <a:ext cx="5559536" cy="2102955"/>
+          </a:xfrm>
+          <a:prstGeom prst="rect">
+            <a:avLst/>
+          </a:prstGeom>
+        </p:spPr>
+      </p:pic>
+    </p:spTree>
+    <p:extLst>
+      <p:ext uri="{BB962C8B-B14F-4D97-AF65-F5344CB8AC3E}">
+        <p14:creationId xmlns:p14="http://schemas.microsoft.com/office/powerpoint/2010/main" val="3588899252"/>
+      </p:ext>
+    </p:extLst>
+  </p:cSld>
+  <p:clrMapOvr>
+    <a:masterClrMapping/>
+  </p:clrMapOvr>
+  <p:timing>
+    <p:tnLst>
+      <p:par>
+        <p:cTn id="1" dur="indefinite" restart="never" nodeType="tmRoot">
+          <p:childTnLst>
+            <p:seq concurrent="1" nextAc="seek">
+              <p:cTn id="2" dur="indefinite" nodeType="mainSeq">
+                <p:childTnLst>
+                  <p:par>
+                    <p:cTn id="3" fill="hold">
+                      <p:stCondLst>
+                        <p:cond delay="indefinite"/>
+                        <p:cond evt="onBegin" delay="0">
+                          <p:tn val="2"/>
+                        </p:cond>
+                      </p:stCondLst>
+                      <p:childTnLst>
+                        <p:par>
+                          <p:cTn id="4" fill="hold">
+                            <p:stCondLst>
+                              <p:cond delay="0"/>
+                            </p:stCondLst>
+                            <p:childTnLst>
+                              <p:par>
+                                <p:cTn id="5" presetID="1" presetClass="entr" presetSubtype="0" fill="hold" nodeType="afterEffect">
+                                  <p:stCondLst>
+                                    <p:cond delay="0"/>
+                                  </p:stCondLst>
+                                  <p:childTnLst>
+                                    <p:set>
+                                      <p:cBhvr>
+                                        <p:cTn id="6" dur="1" fill="hold">
+                                          <p:stCondLst>
+                                            <p:cond delay="0"/>
+                                          </p:stCondLst>
+                                        </p:cTn>
+                                        <p:tgtEl>
+                                          <p:spTgt spid="4">
+                                            <p:txEl>
+                                              <p:pRg st="0" end="0"/>
+                                            </p:txEl>
+                                          </p:spTgt>
+                                        </p:tgtEl>
+                                        <p:attrNameLst>
+                                          <p:attrName>style.visibility</p:attrName>
+                                        </p:attrNameLst>
+                                      </p:cBhvr>
+                                      <p:to>
+                                        <p:strVal val="visible"/>
+                                      </p:to>
+                                    </p:set>
+                                  </p:childTnLst>
+                                </p:cTn>
+                              </p:par>
+                            </p:childTnLst>
+                          </p:cTn>
+                        </p:par>
+                      </p:childTnLst>
+                    </p:cTn>
+                  </p:par>
+                </p:childTnLst>
+              </p:cTn>
+              <p:prevCondLst>
+                <p:cond evt="onPrev" delay="0">
+                  <p:tgtEl>
+                    <p:sldTgt/>
+                  </p:tgtEl>
+                </p:cond>
+              </p:prevCondLst>
+              <p:nextCondLst>
+                <p:cond evt="onNext" delay="0">
+                  <p:tgtEl>
+                    <p:sldTgt/>
+                  </p:tgtEl>
+                </p:cond>
+              </p:nextCondLst>
+            </p:seq>
+          </p:childTnLst>
+        </p:cTn>
+      </p:par>
+    </p:tnLst>
+  </p:timing>
+</p:sld>
+</file>
+
+<file path=ppt/slides/slide23.xml><?xml version="1.0" encoding="utf-8"?>
+<p:sld xmlns:a="http://schemas.openxmlformats.org/drawingml/2006/main" xmlns:r="http://schemas.openxmlformats.org/officeDocument/2006/relationships" xmlns:p="http://schemas.openxmlformats.org/presentationml/2006/main">
+  <p:cSld>
+    <p:spTree>
+      <p:nvGrpSpPr>
+        <p:cNvPr id="1" name=""/>
+        <p:cNvGrpSpPr/>
+        <p:nvPr/>
+      </p:nvGrpSpPr>
+      <p:grpSpPr>
+        <a:xfrm>
+          <a:off x="0" y="0"/>
+          <a:ext cx="0" cy="0"/>
+          <a:chOff x="0" y="0"/>
+          <a:chExt cx="0" cy="0"/>
+        </a:xfrm>
+      </p:grpSpPr>
+      <p:sp>
+        <p:nvSpPr>
+          <p:cNvPr id="2" name="Title 1">
+            <a:extLst>
+              <a:ext uri="{FF2B5EF4-FFF2-40B4-BE49-F238E27FC236}">
+                <a16:creationId xmlns:a16="http://schemas.microsoft.com/office/drawing/2014/main" id="{C2052CE5-F69A-D645-8ECD-5C44E4A30D5C}"/>
+              </a:ext>
+            </a:extLst>
+          </p:cNvPr>
+          <p:cNvSpPr>
+            <a:spLocks noGrp="1"/>
+          </p:cNvSpPr>
+          <p:nvPr>
+            <p:ph type="title"/>
+          </p:nvPr>
+        </p:nvSpPr>
+        <p:spPr/>
+        <p:txBody>
+          <a:bodyPr/>
+          <a:lstStyle/>
+          <a:p>
+            <a:r>
+              <a:rPr lang="en-US" dirty="0"/>
+              <a:t>Language</a:t>
+            </a:r>
+          </a:p>
+        </p:txBody>
+      </p:sp>
+      <p:sp>
+        <p:nvSpPr>
+          <p:cNvPr id="3" name="Content Placeholder 2">
+            <a:extLst>
+              <a:ext uri="{FF2B5EF4-FFF2-40B4-BE49-F238E27FC236}">
+                <a16:creationId xmlns:a16="http://schemas.microsoft.com/office/drawing/2014/main" id="{20ABE521-BF95-4441-82E2-23994761C137}"/>
+              </a:ext>
+            </a:extLst>
+          </p:cNvPr>
+          <p:cNvSpPr>
+            <a:spLocks noGrp="1"/>
+          </p:cNvSpPr>
+          <p:nvPr>
+            <p:ph sz="half" idx="1"/>
+          </p:nvPr>
+        </p:nvSpPr>
+        <p:spPr>
+          <a:xfrm>
+            <a:off x="685802" y="2142067"/>
+            <a:ext cx="3016403" cy="3649134"/>
+          </a:xfrm>
+        </p:spPr>
+        <p:txBody>
+          <a:bodyPr>
+            <a:noAutofit/>
+          </a:bodyPr>
+          <a:lstStyle/>
+          <a:p>
+            <a:pPr marL="0" lvl="0" indent="0" algn="ctr">
+              <a:buClr>
+                <a:prstClr val="white"/>
+              </a:buClr>
+              <a:buNone/>
+            </a:pPr>
+            <a:r>
+              <a:rPr lang="en-US" sz="2400" i="1" dirty="0">
+                <a:solidFill>
+                  <a:prstClr val="white"/>
+                </a:solidFill>
+              </a:rPr>
+              <a:t>Java 15 (preview)</a:t>
+            </a:r>
+            <a:endParaRPr lang="en-US" sz="2800" dirty="0"/>
+          </a:p>
+          <a:p>
+            <a:pPr marL="0" indent="0">
+              <a:buNone/>
+            </a:pPr>
+            <a:r>
+              <a:rPr lang="en-US" sz="2800" dirty="0"/>
+              <a:t>Sealed Classes</a:t>
+            </a:r>
+          </a:p>
+        </p:txBody>
+      </p:sp>
+      <p:sp>
+        <p:nvSpPr>
+          <p:cNvPr id="4" name="Content Placeholder 3">
+            <a:extLst>
+              <a:ext uri="{FF2B5EF4-FFF2-40B4-BE49-F238E27FC236}">
+                <a16:creationId xmlns:a16="http://schemas.microsoft.com/office/drawing/2014/main" id="{26204FAF-26E7-1B46-B974-24DDC791B844}"/>
+              </a:ext>
+            </a:extLst>
+          </p:cNvPr>
+          <p:cNvSpPr>
+            <a:spLocks noGrp="1"/>
+          </p:cNvSpPr>
+          <p:nvPr>
+            <p:ph sz="half" idx="2"/>
+          </p:nvPr>
+        </p:nvSpPr>
+        <p:spPr>
+          <a:xfrm>
+            <a:off x="3914078" y="2142067"/>
+            <a:ext cx="6903149" cy="3649133"/>
+          </a:xfrm>
+        </p:spPr>
+        <p:txBody>
+          <a:bodyPr anchor="t">
+            <a:normAutofit/>
+          </a:bodyPr>
+          <a:lstStyle/>
+          <a:p>
+            <a:pPr marL="0" indent="0">
+              <a:lnSpc>
+                <a:spcPct val="120000"/>
+              </a:lnSpc>
+              <a:buNone/>
+            </a:pPr>
+            <a:r>
+              <a:rPr lang="en-US" sz="2400" dirty="0"/>
+              <a:t>Allow classes/interfaces to restrict their extenders</a:t>
+            </a:r>
+          </a:p>
+          <a:p>
+            <a:pPr marL="0" indent="0">
+              <a:buNone/>
+            </a:pPr>
+            <a:endParaRPr lang="en-US" sz="2400" dirty="0"/>
+          </a:p>
+          <a:p>
+            <a:pPr marL="0" indent="0">
+              <a:lnSpc>
+                <a:spcPct val="150000"/>
+              </a:lnSpc>
+              <a:buNone/>
+            </a:pPr>
+            <a:r>
+              <a:rPr lang="en-US" sz="2000" dirty="0"/>
+              <a:t>Classes declare which other classes may extend them</a:t>
+            </a:r>
+          </a:p>
+          <a:p>
+            <a:pPr marL="0" indent="0">
+              <a:lnSpc>
+                <a:spcPct val="150000"/>
+              </a:lnSpc>
+              <a:buNone/>
+            </a:pPr>
+            <a:r>
+              <a:rPr lang="en-US" sz="2000" dirty="0"/>
+              <a:t>Interfaces declare which classes may implement them</a:t>
+            </a:r>
+          </a:p>
+          <a:p>
+            <a:pPr marL="0" indent="0">
+              <a:lnSpc>
+                <a:spcPct val="150000"/>
+              </a:lnSpc>
+              <a:buNone/>
+            </a:pPr>
+            <a:r>
+              <a:rPr lang="en-US" sz="2000" dirty="0"/>
+              <a:t>Provides some safety without declaring a class </a:t>
+            </a:r>
+            <a:r>
+              <a:rPr lang="en-US" sz="2000" dirty="0">
+                <a:latin typeface="Andale Mono" panose="020B0509000000000004" pitchFamily="49" charset="0"/>
+              </a:rPr>
+              <a:t>final</a:t>
+            </a:r>
+          </a:p>
+          <a:p>
+            <a:pPr marL="0" indent="0">
+              <a:lnSpc>
+                <a:spcPct val="150000"/>
+              </a:lnSpc>
+              <a:buNone/>
+            </a:pPr>
+            <a:r>
+              <a:rPr lang="en-US" sz="2000" dirty="0"/>
+              <a:t>Will support future uses of pattern matching</a:t>
+            </a:r>
+          </a:p>
+        </p:txBody>
+      </p:sp>
+    </p:spTree>
+    <p:extLst>
+      <p:ext uri="{BB962C8B-B14F-4D97-AF65-F5344CB8AC3E}">
+        <p14:creationId xmlns:p14="http://schemas.microsoft.com/office/powerpoint/2010/main" val="1602645619"/>
+      </p:ext>
+    </p:extLst>
+  </p:cSld>
+  <p:clrMapOvr>
+    <a:masterClrMapping/>
+  </p:clrMapOvr>
+  <p:timing>
+    <p:tnLst>
+      <p:par>
+        <p:cTn id="1" dur="indefinite" restart="never" nodeType="tmRoot">
+          <p:childTnLst>
+            <p:seq concurrent="1" nextAc="seek">
+              <p:cTn id="2" dur="indefinite" nodeType="mainSeq">
+                <p:childTnLst>
+                  <p:par>
+                    <p:cTn id="3" fill="hold">
+                      <p:stCondLst>
+                        <p:cond delay="indefinite"/>
+                        <p:cond evt="onBegin" delay="0">
+                          <p:tn val="2"/>
+                        </p:cond>
+                      </p:stCondLst>
+                      <p:childTnLst>
+                        <p:par>
+                          <p:cTn id="4" fill="hold">
+                            <p:stCondLst>
+                              <p:cond delay="0"/>
+                            </p:stCondLst>
+                            <p:childTnLst>
+                              <p:par>
+                                <p:cTn id="5" presetID="1" presetClass="entr" presetSubtype="0" fill="hold" nodeType="afterEffect">
+                                  <p:stCondLst>
+                                    <p:cond delay="0"/>
+                                  </p:stCondLst>
+                                  <p:childTnLst>
+                                    <p:set>
+                                      <p:cBhvr>
+                                        <p:cTn id="6" dur="1" fill="hold">
+                                          <p:stCondLst>
+                                            <p:cond delay="0"/>
+                                          </p:stCondLst>
+                                        </p:cTn>
+                                        <p:tgtEl>
+                                          <p:spTgt spid="4">
+                                            <p:txEl>
+                                              <p:pRg st="0" end="0"/>
+                                            </p:txEl>
+                                          </p:spTgt>
+                                        </p:tgtEl>
+                                        <p:attrNameLst>
+                                          <p:attrName>style.visibility</p:attrName>
+                                        </p:attrNameLst>
+                                      </p:cBhvr>
+                                      <p:to>
+                                        <p:strVal val="visible"/>
+                                      </p:to>
+                                    </p:set>
+                                  </p:childTnLst>
+                                </p:cTn>
+                              </p:par>
+                            </p:childTnLst>
+                          </p:cTn>
+                        </p:par>
+                        <p:par>
+                          <p:cTn id="7" fill="hold">
+                            <p:stCondLst>
+                              <p:cond delay="0"/>
+                            </p:stCondLst>
+                            <p:childTnLst>
+                              <p:par>
+                                <p:cTn id="8" presetID="1" presetClass="entr" presetSubtype="0" fill="hold" nodeType="afterEffect">
+                                  <p:stCondLst>
+                                    <p:cond delay="0"/>
+                                  </p:stCondLst>
+                                  <p:childTnLst>
+                                    <p:set>
+                                      <p:cBhvr>
+                                        <p:cTn id="9" dur="1" fill="hold">
+                                          <p:stCondLst>
+                                            <p:cond delay="0"/>
+                                          </p:stCondLst>
+                                        </p:cTn>
+                                        <p:tgtEl>
+                                          <p:spTgt spid="4">
+                                            <p:txEl>
+                                              <p:pRg st="2" end="2"/>
+                                            </p:txEl>
+                                          </p:spTgt>
+                                        </p:tgtEl>
+                                        <p:attrNameLst>
+                                          <p:attrName>style.visibility</p:attrName>
+                                        </p:attrNameLst>
+                                      </p:cBhvr>
+                                      <p:to>
+                                        <p:strVal val="visible"/>
+                                      </p:to>
+                                    </p:set>
+                                  </p:childTnLst>
+                                </p:cTn>
+                              </p:par>
+                            </p:childTnLst>
+                          </p:cTn>
+                        </p:par>
+                        <p:par>
+                          <p:cTn id="10" fill="hold">
+                            <p:stCondLst>
+                              <p:cond delay="0"/>
+                            </p:stCondLst>
+                            <p:childTnLst>
+                              <p:par>
+                                <p:cTn id="11" presetID="1" presetClass="entr" presetSubtype="0" fill="hold" nodeType="afterEffect">
+                                  <p:stCondLst>
+                                    <p:cond delay="0"/>
+                                  </p:stCondLst>
+                                  <p:childTnLst>
+                                    <p:set>
+                                      <p:cBhvr>
+                                        <p:cTn id="12" dur="1" fill="hold">
+                                          <p:stCondLst>
+                                            <p:cond delay="0"/>
+                                          </p:stCondLst>
+                                        </p:cTn>
+                                        <p:tgtEl>
+                                          <p:spTgt spid="4">
+                                            <p:txEl>
+                                              <p:pRg st="3" end="3"/>
+                                            </p:txEl>
+                                          </p:spTgt>
+                                        </p:tgtEl>
+                                        <p:attrNameLst>
+                                          <p:attrName>style.visibility</p:attrName>
+                                        </p:attrNameLst>
+                                      </p:cBhvr>
+                                      <p:to>
+                                        <p:strVal val="visible"/>
+                                      </p:to>
+                                    </p:set>
+                                  </p:childTnLst>
+                                </p:cTn>
+                              </p:par>
+                            </p:childTnLst>
+                          </p:cTn>
+                        </p:par>
+                        <p:par>
+                          <p:cTn id="13" fill="hold">
+                            <p:stCondLst>
+                              <p:cond delay="0"/>
+                            </p:stCondLst>
+                            <p:childTnLst>
+                              <p:par>
+                                <p:cTn id="14" presetID="1" presetClass="entr" presetSubtype="0" fill="hold" nodeType="afterEffect">
+                                  <p:stCondLst>
+                                    <p:cond delay="0"/>
+                                  </p:stCondLst>
+                                  <p:childTnLst>
+                                    <p:set>
+                                      <p:cBhvr>
+                                        <p:cTn id="15" dur="1" fill="hold">
+                                          <p:stCondLst>
+                                            <p:cond delay="0"/>
+                                          </p:stCondLst>
+                                        </p:cTn>
+                                        <p:tgtEl>
+                                          <p:spTgt spid="4">
+                                            <p:txEl>
+                                              <p:pRg st="4" end="4"/>
+                                            </p:txEl>
+                                          </p:spTgt>
+                                        </p:tgtEl>
+                                        <p:attrNameLst>
+                                          <p:attrName>style.visibility</p:attrName>
+                                        </p:attrNameLst>
+                                      </p:cBhvr>
+                                      <p:to>
+                                        <p:strVal val="visible"/>
+                                      </p:to>
+                                    </p:set>
+                                  </p:childTnLst>
+                                </p:cTn>
+                              </p:par>
+                            </p:childTnLst>
+                          </p:cTn>
+                        </p:par>
+                        <p:par>
+                          <p:cTn id="16" fill="hold">
+                            <p:stCondLst>
+                              <p:cond delay="0"/>
+                            </p:stCondLst>
+                            <p:childTnLst>
+                              <p:par>
+                                <p:cTn id="17" presetID="1" presetClass="entr" presetSubtype="0" fill="hold" nodeType="afterEffect">
+                                  <p:stCondLst>
+                                    <p:cond delay="0"/>
+                                  </p:stCondLst>
+                                  <p:childTnLst>
+                                    <p:set>
+                                      <p:cBhvr>
+                                        <p:cTn id="18" dur="1" fill="hold">
+                                          <p:stCondLst>
+                                            <p:cond delay="0"/>
+                                          </p:stCondLst>
+                                        </p:cTn>
+                                        <p:tgtEl>
+                                          <p:spTgt spid="4">
+                                            <p:txEl>
+                                              <p:pRg st="5" end="5"/>
+                                            </p:txEl>
+                                          </p:spTgt>
+                                        </p:tgtEl>
+                                        <p:attrNameLst>
+                                          <p:attrName>style.visibility</p:attrName>
+                                        </p:attrNameLst>
+                                      </p:cBhvr>
+                                      <p:to>
+                                        <p:strVal val="visible"/>
+                                      </p:to>
+                                    </p:set>
+                                  </p:childTnLst>
+                                </p:cTn>
+                              </p:par>
+                            </p:childTnLst>
+                          </p:cTn>
+                        </p:par>
+                      </p:childTnLst>
+                    </p:cTn>
+                  </p:par>
+                </p:childTnLst>
+              </p:cTn>
+              <p:prevCondLst>
+                <p:cond evt="onPrev" delay="0">
+                  <p:tgtEl>
+                    <p:sldTgt/>
+                  </p:tgtEl>
+                </p:cond>
+              </p:prevCondLst>
+              <p:nextCondLst>
+                <p:cond evt="onNext" delay="0">
+                  <p:tgtEl>
+                    <p:sldTgt/>
+                  </p:tgtEl>
+                </p:cond>
+              </p:nextCondLst>
+            </p:seq>
+          </p:childTnLst>
+        </p:cTn>
+      </p:par>
+    </p:tnLst>
+  </p:timing>
+</p:sld>
+</file>
+
+<file path=ppt/slides/slide24.xml><?xml version="1.0" encoding="utf-8"?>
+<p:sld xmlns:a="http://schemas.openxmlformats.org/drawingml/2006/main" xmlns:r="http://schemas.openxmlformats.org/officeDocument/2006/relationships" xmlns:p="http://schemas.openxmlformats.org/presentationml/2006/main">
+  <p:cSld>
+    <p:spTree>
+      <p:nvGrpSpPr>
+        <p:cNvPr id="1" name=""/>
+        <p:cNvGrpSpPr/>
+        <p:nvPr/>
+      </p:nvGrpSpPr>
+      <p:grpSpPr>
+        <a:xfrm>
+          <a:off x="0" y="0"/>
+          <a:ext cx="0" cy="0"/>
+          <a:chOff x="0" y="0"/>
+          <a:chExt cx="0" cy="0"/>
+        </a:xfrm>
+      </p:grpSpPr>
+      <p:sp>
+        <p:nvSpPr>
+          <p:cNvPr id="2" name="Title 1">
+            <a:extLst>
+              <a:ext uri="{FF2B5EF4-FFF2-40B4-BE49-F238E27FC236}">
+                <a16:creationId xmlns:a16="http://schemas.microsoft.com/office/drawing/2014/main" id="{C2052CE5-F69A-D645-8ECD-5C44E4A30D5C}"/>
+              </a:ext>
+            </a:extLst>
+          </p:cNvPr>
+          <p:cNvSpPr>
+            <a:spLocks noGrp="1"/>
+          </p:cNvSpPr>
+          <p:nvPr>
+            <p:ph type="title"/>
+          </p:nvPr>
+        </p:nvSpPr>
+        <p:spPr/>
+        <p:txBody>
+          <a:bodyPr/>
+          <a:lstStyle/>
+          <a:p>
+            <a:r>
+              <a:rPr lang="en-US" dirty="0"/>
+              <a:t>Language</a:t>
+            </a:r>
+          </a:p>
+        </p:txBody>
+      </p:sp>
+      <p:sp>
+        <p:nvSpPr>
+          <p:cNvPr id="3" name="Content Placeholder 2">
+            <a:extLst>
+              <a:ext uri="{FF2B5EF4-FFF2-40B4-BE49-F238E27FC236}">
+                <a16:creationId xmlns:a16="http://schemas.microsoft.com/office/drawing/2014/main" id="{20ABE521-BF95-4441-82E2-23994761C137}"/>
+              </a:ext>
+            </a:extLst>
+          </p:cNvPr>
+          <p:cNvSpPr>
+            <a:spLocks noGrp="1"/>
+          </p:cNvSpPr>
+          <p:nvPr>
+            <p:ph sz="half" idx="1"/>
+          </p:nvPr>
+        </p:nvSpPr>
+        <p:spPr>
+          <a:xfrm>
+            <a:off x="685802" y="2142067"/>
+            <a:ext cx="3016403" cy="3649134"/>
+          </a:xfrm>
+        </p:spPr>
+        <p:txBody>
+          <a:bodyPr>
+            <a:noAutofit/>
+          </a:bodyPr>
+          <a:lstStyle/>
+          <a:p>
+            <a:pPr marL="0" lvl="0" indent="0" algn="ctr">
+              <a:buClr>
+                <a:prstClr val="white"/>
+              </a:buClr>
+              <a:buNone/>
+            </a:pPr>
+            <a:r>
+              <a:rPr lang="en-US" sz="2400" i="1" dirty="0">
+                <a:solidFill>
+                  <a:prstClr val="white"/>
+                </a:solidFill>
+              </a:rPr>
+              <a:t>Java 15 (preview)</a:t>
+            </a:r>
+            <a:endParaRPr lang="en-US" sz="2800" dirty="0"/>
+          </a:p>
+          <a:p>
+            <a:pPr marL="0" indent="0">
+              <a:buNone/>
+            </a:pPr>
+            <a:r>
+              <a:rPr lang="en-US" sz="2800" dirty="0"/>
+              <a:t>Sealed Classes</a:t>
+            </a:r>
+          </a:p>
+        </p:txBody>
+      </p:sp>
+      <p:sp>
+        <p:nvSpPr>
+          <p:cNvPr id="4" name="Content Placeholder 3">
+            <a:extLst>
+              <a:ext uri="{FF2B5EF4-FFF2-40B4-BE49-F238E27FC236}">
+                <a16:creationId xmlns:a16="http://schemas.microsoft.com/office/drawing/2014/main" id="{26204FAF-26E7-1B46-B974-24DDC791B844}"/>
+              </a:ext>
+            </a:extLst>
+          </p:cNvPr>
+          <p:cNvSpPr>
+            <a:spLocks noGrp="1"/>
+          </p:cNvSpPr>
+          <p:nvPr>
+            <p:ph sz="half" idx="2"/>
+          </p:nvPr>
+        </p:nvSpPr>
+        <p:spPr>
+          <a:xfrm>
+            <a:off x="3914078" y="2142067"/>
+            <a:ext cx="6903149" cy="3649133"/>
+          </a:xfrm>
+        </p:spPr>
+        <p:txBody>
+          <a:bodyPr anchor="t">
+            <a:normAutofit/>
+          </a:bodyPr>
+          <a:lstStyle/>
+          <a:p>
+            <a:pPr marL="0" indent="0">
+              <a:lnSpc>
+                <a:spcPct val="120000"/>
+              </a:lnSpc>
+              <a:buNone/>
+            </a:pPr>
+            <a:r>
+              <a:rPr lang="en-US" sz="2400" dirty="0"/>
+              <a:t>Allow classes/interfaces to restrict their extenders</a:t>
+            </a:r>
+          </a:p>
+          <a:p>
+            <a:pPr marL="0" indent="0">
+              <a:buNone/>
+            </a:pPr>
+            <a:endParaRPr lang="en-US" sz="2000" dirty="0"/>
+          </a:p>
+        </p:txBody>
+      </p:sp>
+      <p:pic>
+        <p:nvPicPr>
+          <p:cNvPr id="5" name="Picture 4">
+            <a:extLst>
+              <a:ext uri="{FF2B5EF4-FFF2-40B4-BE49-F238E27FC236}">
+                <a16:creationId xmlns:a16="http://schemas.microsoft.com/office/drawing/2014/main" id="{35769001-B2AC-CC4E-92DA-120584939FE0}"/>
+              </a:ext>
+            </a:extLst>
+          </p:cNvPr>
+          <p:cNvPicPr>
+            <a:picLocks noChangeAspect="1"/>
+          </p:cNvPicPr>
+          <p:nvPr/>
+        </p:nvPicPr>
+        <p:blipFill>
+          <a:blip r:embed="rId3"/>
+          <a:stretch>
+            <a:fillRect/>
+          </a:stretch>
+        </p:blipFill>
+        <p:spPr>
+          <a:xfrm>
+            <a:off x="3914078" y="2706757"/>
+            <a:ext cx="4572894" cy="1050234"/>
+          </a:xfrm>
+          <a:prstGeom prst="rect">
+            <a:avLst/>
+          </a:prstGeom>
+        </p:spPr>
+      </p:pic>
+      <p:pic>
+        <p:nvPicPr>
+          <p:cNvPr id="6" name="Picture 5">
+            <a:extLst>
+              <a:ext uri="{FF2B5EF4-FFF2-40B4-BE49-F238E27FC236}">
+                <a16:creationId xmlns:a16="http://schemas.microsoft.com/office/drawing/2014/main" id="{C216FCB1-914B-C441-9288-866DDCF6A868}"/>
+              </a:ext>
+            </a:extLst>
+          </p:cNvPr>
+          <p:cNvPicPr>
+            <a:picLocks noChangeAspect="1"/>
+          </p:cNvPicPr>
+          <p:nvPr/>
+        </p:nvPicPr>
+        <p:blipFill>
+          <a:blip r:embed="rId4"/>
+          <a:stretch>
+            <a:fillRect/>
+          </a:stretch>
+        </p:blipFill>
+        <p:spPr>
+          <a:xfrm>
+            <a:off x="3914078" y="3966632"/>
+            <a:ext cx="5872788" cy="853845"/>
+          </a:xfrm>
+          <a:prstGeom prst="rect">
+            <a:avLst/>
+          </a:prstGeom>
+        </p:spPr>
+      </p:pic>
+    </p:spTree>
+    <p:extLst>
+      <p:ext uri="{BB962C8B-B14F-4D97-AF65-F5344CB8AC3E}">
+        <p14:creationId xmlns:p14="http://schemas.microsoft.com/office/powerpoint/2010/main" val="2881906228"/>
+      </p:ext>
+    </p:extLst>
+  </p:cSld>
+  <p:clrMapOvr>
+    <a:masterClrMapping/>
+  </p:clrMapOvr>
+  <p:timing>
+    <p:tnLst>
+      <p:par>
+        <p:cTn id="1" dur="indefinite" restart="never" nodeType="tmRoot">
+          <p:childTnLst>
+            <p:seq concurrent="1" nextAc="seek">
+              <p:cTn id="2" dur="indefinite" nodeType="mainSeq">
+                <p:childTnLst>
+                  <p:par>
+                    <p:cTn id="3" fill="hold">
+                      <p:stCondLst>
+                        <p:cond delay="indefinite"/>
+                        <p:cond evt="onBegin" delay="0">
+                          <p:tn val="2"/>
+                        </p:cond>
+                      </p:stCondLst>
+                      <p:childTnLst>
+                        <p:par>
+                          <p:cTn id="4" fill="hold">
+                            <p:stCondLst>
+                              <p:cond delay="0"/>
+                            </p:stCondLst>
+                            <p:childTnLst>
+                              <p:par>
+                                <p:cTn id="5" presetID="1" presetClass="entr" presetSubtype="0" fill="hold" nodeType="afterEffect">
+                                  <p:stCondLst>
+                                    <p:cond delay="0"/>
+                                  </p:stCondLst>
+                                  <p:childTnLst>
+                                    <p:set>
+                                      <p:cBhvr>
+                                        <p:cTn id="6" dur="1" fill="hold">
+                                          <p:stCondLst>
+                                            <p:cond delay="0"/>
+                                          </p:stCondLst>
+                                        </p:cTn>
+                                        <p:tgtEl>
+                                          <p:spTgt spid="4">
+                                            <p:txEl>
+                                              <p:pRg st="0" end="0"/>
+                                            </p:txEl>
+                                          </p:spTgt>
+                                        </p:tgtEl>
+                                        <p:attrNameLst>
+                                          <p:attrName>style.visibility</p:attrName>
+                                        </p:attrNameLst>
+                                      </p:cBhvr>
+                                      <p:to>
+                                        <p:strVal val="visible"/>
+                                      </p:to>
+                                    </p:set>
+                                  </p:childTnLst>
+                                </p:cTn>
+                              </p:par>
+                            </p:childTnLst>
+                          </p:cTn>
+                        </p:par>
+                      </p:childTnLst>
+                    </p:cTn>
+                  </p:par>
+                </p:childTnLst>
+              </p:cTn>
+              <p:prevCondLst>
+                <p:cond evt="onPrev" delay="0">
+                  <p:tgtEl>
+                    <p:sldTgt/>
+                  </p:tgtEl>
+                </p:cond>
+              </p:prevCondLst>
+              <p:nextCondLst>
+                <p:cond evt="onNext" delay="0">
+                  <p:tgtEl>
+                    <p:sldTgt/>
+                  </p:tgtEl>
+                </p:cond>
+              </p:nextCondLst>
+            </p:seq>
+          </p:childTnLst>
+        </p:cTn>
+      </p:par>
+    </p:tnLst>
+  </p:timing>
+</p:sld>
+</file>
+
+<file path=ppt/slides/slide25.xml><?xml version="1.0" encoding="utf-8"?>
+<p:sld xmlns:a="http://schemas.openxmlformats.org/drawingml/2006/main" xmlns:r="http://schemas.openxmlformats.org/officeDocument/2006/relationships" xmlns:p="http://schemas.openxmlformats.org/presentationml/2006/main">
+  <p:cSld>
+    <p:spTree>
+      <p:nvGrpSpPr>
+        <p:cNvPr id="1" name=""/>
+        <p:cNvGrpSpPr/>
+        <p:nvPr/>
+      </p:nvGrpSpPr>
+      <p:grpSpPr>
+        <a:xfrm>
+          <a:off x="0" y="0"/>
+          <a:ext cx="0" cy="0"/>
+          <a:chOff x="0" y="0"/>
+          <a:chExt cx="0" cy="0"/>
+        </a:xfrm>
+      </p:grpSpPr>
+      <p:sp>
+        <p:nvSpPr>
+          <p:cNvPr id="2" name="Title 1">
+            <a:extLst>
+              <a:ext uri="{FF2B5EF4-FFF2-40B4-BE49-F238E27FC236}">
+                <a16:creationId xmlns:a16="http://schemas.microsoft.com/office/drawing/2014/main" id="{CAE8B7DD-7432-C345-AEFF-71B13AF12709}"/>
+              </a:ext>
+            </a:extLst>
+          </p:cNvPr>
+          <p:cNvSpPr>
+            <a:spLocks noGrp="1"/>
+          </p:cNvSpPr>
+          <p:nvPr>
+            <p:ph type="title"/>
+          </p:nvPr>
+        </p:nvSpPr>
+        <p:spPr/>
+        <p:txBody>
+          <a:bodyPr/>
+          <a:lstStyle/>
+          <a:p>
+            <a:r>
+              <a:rPr lang="en-US" dirty="0"/>
+              <a:t>JDK</a:t>
+            </a:r>
+          </a:p>
+        </p:txBody>
+      </p:sp>
+      <p:sp>
+        <p:nvSpPr>
+          <p:cNvPr id="3" name="Text Placeholder 2">
+            <a:extLst>
+              <a:ext uri="{FF2B5EF4-FFF2-40B4-BE49-F238E27FC236}">
+                <a16:creationId xmlns:a16="http://schemas.microsoft.com/office/drawing/2014/main" id="{24A29295-5F24-7849-93C0-9B21BD47100D}"/>
+              </a:ext>
+            </a:extLst>
+          </p:cNvPr>
+          <p:cNvSpPr>
+            <a:spLocks noGrp="1"/>
+          </p:cNvSpPr>
+          <p:nvPr>
+            <p:ph type="body" idx="1"/>
+          </p:nvPr>
+        </p:nvSpPr>
+        <p:spPr/>
+        <p:txBody>
+          <a:bodyPr/>
+          <a:lstStyle/>
+          <a:p>
+            <a:r>
+              <a:rPr lang="en-US" dirty="0"/>
+              <a:t>(I got nothing)</a:t>
+            </a:r>
+          </a:p>
+        </p:txBody>
+      </p:sp>
+    </p:spTree>
+    <p:extLst>
+      <p:ext uri="{BB962C8B-B14F-4D97-AF65-F5344CB8AC3E}">
+        <p14:creationId xmlns:p14="http://schemas.microsoft.com/office/powerpoint/2010/main" val="3444457648"/>
+      </p:ext>
+    </p:extLst>
+  </p:cSld>
+  <p:clrMapOvr>
+    <a:masterClrMapping/>
+  </p:clrMapOvr>
+</p:sld>
+</file>
+
+<file path=ppt/slides/slide26.xml><?xml version="1.0" encoding="utf-8"?>
+<p:sld xmlns:a="http://schemas.openxmlformats.org/drawingml/2006/main" xmlns:r="http://schemas.openxmlformats.org/officeDocument/2006/relationships" xmlns:p="http://schemas.openxmlformats.org/presentationml/2006/main">
+  <p:cSld>
+    <p:spTree>
+      <p:nvGrpSpPr>
+        <p:cNvPr id="1" name=""/>
+        <p:cNvGrpSpPr/>
+        <p:nvPr/>
+      </p:nvGrpSpPr>
+      <p:grpSpPr>
+        <a:xfrm>
+          <a:off x="0" y="0"/>
+          <a:ext cx="0" cy="0"/>
+          <a:chOff x="0" y="0"/>
+          <a:chExt cx="0" cy="0"/>
+        </a:xfrm>
+      </p:grpSpPr>
+      <p:sp>
+        <p:nvSpPr>
+          <p:cNvPr id="4" name="Title 3">
+            <a:extLst>
+              <a:ext uri="{FF2B5EF4-FFF2-40B4-BE49-F238E27FC236}">
+                <a16:creationId xmlns:a16="http://schemas.microsoft.com/office/drawing/2014/main" id="{AD85248D-612B-4648-9DFD-E18DC23056E0}"/>
+              </a:ext>
+            </a:extLst>
+          </p:cNvPr>
+          <p:cNvSpPr>
+            <a:spLocks noGrp="1"/>
+          </p:cNvSpPr>
+          <p:nvPr>
+            <p:ph type="title"/>
+          </p:nvPr>
+        </p:nvSpPr>
+        <p:spPr/>
+        <p:txBody>
+          <a:bodyPr/>
+          <a:lstStyle/>
+          <a:p>
+            <a:r>
+              <a:rPr lang="en-US" dirty="0"/>
+              <a:t>JDK</a:t>
+            </a:r>
+          </a:p>
+        </p:txBody>
+      </p:sp>
+      <p:sp>
+        <p:nvSpPr>
+          <p:cNvPr id="5" name="Content Placeholder 4">
+            <a:extLst>
+              <a:ext uri="{FF2B5EF4-FFF2-40B4-BE49-F238E27FC236}">
+                <a16:creationId xmlns:a16="http://schemas.microsoft.com/office/drawing/2014/main" id="{1BA7633B-0C02-AE45-B063-723C381E0C35}"/>
+              </a:ext>
+            </a:extLst>
+          </p:cNvPr>
+          <p:cNvSpPr>
+            <a:spLocks noGrp="1"/>
+          </p:cNvSpPr>
+          <p:nvPr>
+            <p:ph idx="1"/>
+          </p:nvPr>
+        </p:nvSpPr>
+        <p:spPr/>
+        <p:txBody>
+          <a:bodyPr/>
+          <a:lstStyle/>
+          <a:p>
+            <a:pPr marL="0" indent="0">
+              <a:buNone/>
+            </a:pPr>
+            <a:r>
+              <a:rPr lang="en-US" sz="2800" dirty="0"/>
+              <a:t>Enhancements in a nutshell</a:t>
+            </a:r>
+          </a:p>
+          <a:p>
+            <a:r>
+              <a:rPr lang="en-US" dirty="0"/>
+              <a:t>Reactive streams</a:t>
+            </a:r>
+          </a:p>
+          <a:p>
+            <a:r>
+              <a:rPr lang="en-US" dirty="0"/>
+              <a:t>HTTP client</a:t>
+            </a:r>
+          </a:p>
+          <a:p>
+            <a:r>
+              <a:rPr lang="en-US" dirty="0"/>
+              <a:t>TLS 1.3</a:t>
+            </a:r>
+          </a:p>
+          <a:p>
+            <a:r>
+              <a:rPr lang="en-US" dirty="0"/>
+              <a:t>Removed modules</a:t>
+            </a:r>
+          </a:p>
+          <a:p>
+            <a:r>
+              <a:rPr lang="en-US" dirty="0"/>
+              <a:t>Eliminated modules</a:t>
+            </a:r>
+          </a:p>
+          <a:p>
+            <a:r>
+              <a:rPr lang="en-US" dirty="0"/>
+              <a:t>Reimplemented socket APIs</a:t>
+            </a:r>
+          </a:p>
+          <a:p>
+            <a:r>
+              <a:rPr lang="en-US" dirty="0"/>
+              <a:t>Improved </a:t>
+            </a:r>
+            <a:r>
+              <a:rPr lang="en-US" dirty="0" err="1">
+                <a:latin typeface="Andale Mono" panose="020B0509000000000004" pitchFamily="49" charset="0"/>
+              </a:rPr>
+              <a:t>NullPointerException</a:t>
+            </a:r>
+            <a:endParaRPr lang="en-US" dirty="0"/>
+          </a:p>
+          <a:p>
+            <a:pPr lvl="1"/>
+            <a:endParaRPr lang="en-US" dirty="0"/>
+          </a:p>
+        </p:txBody>
+      </p:sp>
+    </p:spTree>
+    <p:extLst>
+      <p:ext uri="{BB962C8B-B14F-4D97-AF65-F5344CB8AC3E}">
+        <p14:creationId xmlns:p14="http://schemas.microsoft.com/office/powerpoint/2010/main" val="2200234238"/>
+      </p:ext>
+    </p:extLst>
+  </p:cSld>
+  <p:clrMapOvr>
+    <a:masterClrMapping/>
+  </p:clrMapOvr>
+</p:sld>
+</file>
+
+<file path=ppt/slides/slide27.xml><?xml version="1.0" encoding="utf-8"?>
+<p:sld xmlns:a="http://schemas.openxmlformats.org/drawingml/2006/main" xmlns:r="http://schemas.openxmlformats.org/officeDocument/2006/relationships" xmlns:p="http://schemas.openxmlformats.org/presentationml/2006/main">
+  <p:cSld>
+    <p:spTree>
+      <p:nvGrpSpPr>
+        <p:cNvPr id="1" name=""/>
+        <p:cNvGrpSpPr/>
+        <p:nvPr/>
+      </p:nvGrpSpPr>
+      <p:grpSpPr>
+        <a:xfrm>
+          <a:off x="0" y="0"/>
+          <a:ext cx="0" cy="0"/>
+          <a:chOff x="0" y="0"/>
+          <a:chExt cx="0" cy="0"/>
+        </a:xfrm>
+      </p:grpSpPr>
+      <p:sp>
+        <p:nvSpPr>
+          <p:cNvPr id="2" name="Title 1">
+            <a:extLst>
+              <a:ext uri="{FF2B5EF4-FFF2-40B4-BE49-F238E27FC236}">
+                <a16:creationId xmlns:a16="http://schemas.microsoft.com/office/drawing/2014/main" id="{10F4E231-64E8-F949-BCDA-7295645BC91E}"/>
+              </a:ext>
+            </a:extLst>
+          </p:cNvPr>
+          <p:cNvSpPr>
+            <a:spLocks noGrp="1"/>
+          </p:cNvSpPr>
+          <p:nvPr>
+            <p:ph type="title"/>
+          </p:nvPr>
+        </p:nvSpPr>
+        <p:spPr/>
+        <p:txBody>
+          <a:bodyPr/>
+          <a:lstStyle/>
+          <a:p>
+            <a:r>
+              <a:rPr lang="en-US" dirty="0"/>
+              <a:t>Tooling</a:t>
+            </a:r>
+          </a:p>
+        </p:txBody>
+      </p:sp>
+      <p:sp>
+        <p:nvSpPr>
+          <p:cNvPr id="3" name="Text Placeholder 2">
+            <a:extLst>
+              <a:ext uri="{FF2B5EF4-FFF2-40B4-BE49-F238E27FC236}">
+                <a16:creationId xmlns:a16="http://schemas.microsoft.com/office/drawing/2014/main" id="{632E5EDA-A343-5646-B1CE-26239276E194}"/>
+              </a:ext>
+            </a:extLst>
+          </p:cNvPr>
+          <p:cNvSpPr>
+            <a:spLocks noGrp="1"/>
+          </p:cNvSpPr>
+          <p:nvPr>
+            <p:ph type="body" idx="1"/>
+          </p:nvPr>
+        </p:nvSpPr>
+        <p:spPr/>
+        <p:txBody>
+          <a:bodyPr/>
+          <a:lstStyle/>
+          <a:p>
+            <a:r>
+              <a:rPr lang="en-US" dirty="0"/>
+              <a:t>All I see is nails…</a:t>
+            </a:r>
+          </a:p>
+        </p:txBody>
+      </p:sp>
+    </p:spTree>
+    <p:extLst>
+      <p:ext uri="{BB962C8B-B14F-4D97-AF65-F5344CB8AC3E}">
+        <p14:creationId xmlns:p14="http://schemas.microsoft.com/office/powerpoint/2010/main" val="3233494081"/>
+      </p:ext>
+    </p:extLst>
+  </p:cSld>
+  <p:clrMapOvr>
+    <a:masterClrMapping/>
+  </p:clrMapOvr>
+</p:sld>
+</file>
+
+<file path=ppt/slides/slide28.xml><?xml version="1.0" encoding="utf-8"?>
+<p:sld xmlns:a="http://schemas.openxmlformats.org/drawingml/2006/main" xmlns:r="http://schemas.openxmlformats.org/officeDocument/2006/relationships" xmlns:p="http://schemas.openxmlformats.org/presentationml/2006/main">
+  <p:cSld>
+    <p:spTree>
+      <p:nvGrpSpPr>
+        <p:cNvPr id="1" name=""/>
+        <p:cNvGrpSpPr/>
+        <p:nvPr/>
+      </p:nvGrpSpPr>
+      <p:grpSpPr>
+        <a:xfrm>
+          <a:off x="0" y="0"/>
+          <a:ext cx="0" cy="0"/>
+          <a:chOff x="0" y="0"/>
+          <a:chExt cx="0" cy="0"/>
+        </a:xfrm>
+      </p:grpSpPr>
+      <p:sp>
+        <p:nvSpPr>
+          <p:cNvPr id="2" name="Title 1">
+            <a:extLst>
+              <a:ext uri="{FF2B5EF4-FFF2-40B4-BE49-F238E27FC236}">
+                <a16:creationId xmlns:a16="http://schemas.microsoft.com/office/drawing/2014/main" id="{DD15FB73-6050-FE43-9AA4-0455E1523DD3}"/>
+              </a:ext>
+            </a:extLst>
+          </p:cNvPr>
+          <p:cNvSpPr>
+            <a:spLocks noGrp="1"/>
+          </p:cNvSpPr>
+          <p:nvPr>
+            <p:ph type="title"/>
+          </p:nvPr>
+        </p:nvSpPr>
+        <p:spPr/>
+        <p:txBody>
+          <a:bodyPr/>
+          <a:lstStyle/>
+          <a:p>
+            <a:r>
+              <a:rPr lang="en-US" dirty="0"/>
+              <a:t>Tooling</a:t>
+            </a:r>
+          </a:p>
+        </p:txBody>
+      </p:sp>
+      <p:sp>
+        <p:nvSpPr>
+          <p:cNvPr id="3" name="Content Placeholder 2">
+            <a:extLst>
+              <a:ext uri="{FF2B5EF4-FFF2-40B4-BE49-F238E27FC236}">
+                <a16:creationId xmlns:a16="http://schemas.microsoft.com/office/drawing/2014/main" id="{8B3A1929-50CC-724F-B314-500B401D6B27}"/>
+              </a:ext>
+            </a:extLst>
+          </p:cNvPr>
+          <p:cNvSpPr>
+            <a:spLocks noGrp="1"/>
+          </p:cNvSpPr>
+          <p:nvPr>
+            <p:ph idx="1"/>
+          </p:nvPr>
+        </p:nvSpPr>
+        <p:spPr/>
+        <p:txBody>
+          <a:bodyPr/>
+          <a:lstStyle/>
+          <a:p>
+            <a:pPr marL="0" indent="0">
+              <a:buNone/>
+            </a:pPr>
+            <a:r>
+              <a:rPr lang="en-US" sz="2800" dirty="0"/>
+              <a:t>Enhancements in a nutshell:</a:t>
+            </a:r>
+          </a:p>
+          <a:p>
+            <a:r>
+              <a:rPr lang="en-US" dirty="0"/>
+              <a:t>Module system (</a:t>
+            </a:r>
+            <a:r>
+              <a:rPr lang="en-US" dirty="0" err="1">
+                <a:latin typeface="Andale Mono" panose="020B0509000000000004" pitchFamily="49" charset="0"/>
+              </a:rPr>
+              <a:t>jlink</a:t>
+            </a:r>
+            <a:r>
+              <a:rPr lang="en-US" dirty="0"/>
+              <a:t>)</a:t>
+            </a:r>
+          </a:p>
+          <a:p>
+            <a:r>
+              <a:rPr lang="en-US" dirty="0" err="1"/>
+              <a:t>JShell</a:t>
+            </a:r>
+            <a:endParaRPr lang="en-US" dirty="0"/>
+          </a:p>
+          <a:p>
+            <a:r>
+              <a:rPr lang="en-US" dirty="0"/>
+              <a:t>Ahead-of-time compilation (</a:t>
+            </a:r>
+            <a:r>
+              <a:rPr lang="en-US" dirty="0" err="1"/>
+              <a:t>GraalVM</a:t>
+            </a:r>
+            <a:r>
+              <a:rPr lang="en-US" dirty="0"/>
+              <a:t>)</a:t>
+            </a:r>
+          </a:p>
+          <a:p>
+            <a:r>
+              <a:rPr lang="en-US" dirty="0"/>
+              <a:t>Shell scripts</a:t>
+            </a:r>
+          </a:p>
+          <a:p>
+            <a:r>
+              <a:rPr lang="en-US" dirty="0"/>
+              <a:t>Flight Recorder</a:t>
+            </a:r>
+          </a:p>
+          <a:p>
+            <a:endParaRPr lang="en-US" dirty="0"/>
+          </a:p>
+          <a:p>
+            <a:endParaRPr lang="en-US" dirty="0"/>
+          </a:p>
+        </p:txBody>
+      </p:sp>
+    </p:spTree>
+    <p:extLst>
+      <p:ext uri="{BB962C8B-B14F-4D97-AF65-F5344CB8AC3E}">
+        <p14:creationId xmlns:p14="http://schemas.microsoft.com/office/powerpoint/2010/main" val="3959425166"/>
+      </p:ext>
+    </p:extLst>
+  </p:cSld>
+  <p:clrMapOvr>
+    <a:masterClrMapping/>
+  </p:clrMapOvr>
+</p:sld>
+</file>
+
+<file path=ppt/slides/slide29.xml><?xml version="1.0" encoding="utf-8"?>
+<p:sld xmlns:a="http://schemas.openxmlformats.org/drawingml/2006/main" xmlns:r="http://schemas.openxmlformats.org/officeDocument/2006/relationships" xmlns:p="http://schemas.openxmlformats.org/presentationml/2006/main">
+  <p:cSld>
+    <p:spTree>
+      <p:nvGrpSpPr>
+        <p:cNvPr id="1" name=""/>
+        <p:cNvGrpSpPr/>
+        <p:nvPr/>
+      </p:nvGrpSpPr>
+      <p:grpSpPr>
+        <a:xfrm>
+          <a:off x="0" y="0"/>
+          <a:ext cx="0" cy="0"/>
+          <a:chOff x="0" y="0"/>
+          <a:chExt cx="0" cy="0"/>
+        </a:xfrm>
+      </p:grpSpPr>
+      <p:sp>
+        <p:nvSpPr>
+          <p:cNvPr id="2" name="Title 1">
+            <a:extLst>
+              <a:ext uri="{FF2B5EF4-FFF2-40B4-BE49-F238E27FC236}">
+                <a16:creationId xmlns:a16="http://schemas.microsoft.com/office/drawing/2014/main" id="{FB11D81C-3FE5-3C41-B3F1-01D1C3DA1F39}"/>
+              </a:ext>
+            </a:extLst>
+          </p:cNvPr>
+          <p:cNvSpPr>
+            <a:spLocks noGrp="1"/>
+          </p:cNvSpPr>
+          <p:nvPr>
+            <p:ph type="title"/>
+          </p:nvPr>
+        </p:nvSpPr>
+        <p:spPr/>
+        <p:txBody>
+          <a:bodyPr/>
+          <a:lstStyle/>
+          <a:p>
+            <a:r>
+              <a:rPr lang="en-US" dirty="0"/>
+              <a:t>Runtime</a:t>
+            </a:r>
+          </a:p>
+        </p:txBody>
+      </p:sp>
+      <p:sp>
+        <p:nvSpPr>
+          <p:cNvPr id="3" name="Text Placeholder 2">
+            <a:extLst>
+              <a:ext uri="{FF2B5EF4-FFF2-40B4-BE49-F238E27FC236}">
+                <a16:creationId xmlns:a16="http://schemas.microsoft.com/office/drawing/2014/main" id="{42F2DCA3-26EB-F641-8110-D750BECFE0EE}"/>
+              </a:ext>
+            </a:extLst>
+          </p:cNvPr>
+          <p:cNvSpPr>
+            <a:spLocks noGrp="1"/>
+          </p:cNvSpPr>
+          <p:nvPr>
+            <p:ph type="body" idx="1"/>
+          </p:nvPr>
+        </p:nvSpPr>
+        <p:spPr/>
+        <p:txBody>
+          <a:bodyPr/>
+          <a:lstStyle/>
+          <a:p>
+            <a:r>
+              <a:rPr lang="en-US" dirty="0"/>
+              <a:t>Is anyone even reading these?</a:t>
+            </a:r>
+          </a:p>
+        </p:txBody>
+      </p:sp>
+    </p:spTree>
+    <p:extLst>
+      <p:ext uri="{BB962C8B-B14F-4D97-AF65-F5344CB8AC3E}">
+        <p14:creationId xmlns:p14="http://schemas.microsoft.com/office/powerpoint/2010/main" val="1788726277"/>
+      </p:ext>
+    </p:extLst>
+  </p:cSld>
+  <p:clrMapOvr>
+    <a:masterClrMapping/>
+  </p:clrMapOvr>
+</p:sld>
+</file>
+
+<file path=ppt/slides/slide3.xml><?xml version="1.0" encoding="utf-8"?>
+<p:sld xmlns:a="http://schemas.openxmlformats.org/drawingml/2006/main" xmlns:r="http://schemas.openxmlformats.org/officeDocument/2006/relationships" xmlns:p="http://schemas.openxmlformats.org/presentationml/2006/main">
+  <p:cSld>
+    <p:spTree>
+      <p:nvGrpSpPr>
+        <p:cNvPr id="1" name=""/>
+        <p:cNvGrpSpPr/>
+        <p:nvPr/>
+      </p:nvGrpSpPr>
+      <p:grpSpPr>
+        <a:xfrm>
+          <a:off x="0" y="0"/>
+          <a:ext cx="0" cy="0"/>
+          <a:chOff x="0" y="0"/>
+          <a:chExt cx="0" cy="0"/>
+        </a:xfrm>
+      </p:grpSpPr>
+      <p:sp>
+        <p:nvSpPr>
+          <p:cNvPr id="2" name="Title 1">
+            <a:extLst>
+              <a:ext uri="{FF2B5EF4-FFF2-40B4-BE49-F238E27FC236}">
+                <a16:creationId xmlns:a16="http://schemas.microsoft.com/office/drawing/2014/main" id="{935E847A-DEE9-0A41-818F-097164892593}"/>
+              </a:ext>
+            </a:extLst>
+          </p:cNvPr>
+          <p:cNvSpPr>
+            <a:spLocks noGrp="1"/>
+          </p:cNvSpPr>
+          <p:nvPr>
+            <p:ph type="title"/>
+          </p:nvPr>
+        </p:nvSpPr>
+        <p:spPr/>
+        <p:txBody>
+          <a:bodyPr/>
+          <a:lstStyle/>
+          <a:p>
+            <a:r>
+              <a:rPr lang="en-US" dirty="0"/>
+              <a:t>Intro</a:t>
+            </a:r>
+          </a:p>
+        </p:txBody>
+      </p:sp>
+      <p:sp>
+        <p:nvSpPr>
+          <p:cNvPr id="3" name="Content Placeholder 2">
+            <a:extLst>
+              <a:ext uri="{FF2B5EF4-FFF2-40B4-BE49-F238E27FC236}">
+                <a16:creationId xmlns:a16="http://schemas.microsoft.com/office/drawing/2014/main" id="{802C7D51-D68F-564E-9BD9-873BE177B23C}"/>
+              </a:ext>
+            </a:extLst>
+          </p:cNvPr>
+          <p:cNvSpPr>
+            <a:spLocks noGrp="1"/>
+          </p:cNvSpPr>
+          <p:nvPr>
+            <p:ph idx="1"/>
+          </p:nvPr>
+        </p:nvSpPr>
+        <p:spPr/>
+        <p:txBody>
+          <a:bodyPr/>
+          <a:lstStyle/>
+          <a:p>
+            <a:r>
+              <a:rPr lang="en-US" dirty="0"/>
+              <a:t>Java 10 was the first of the bi-annual releases</a:t>
+            </a:r>
+          </a:p>
+          <a:p>
+            <a:r>
+              <a:rPr lang="en-US" dirty="0"/>
+              <a:t>Six-month release cycle means less time for “big” changes</a:t>
+            </a:r>
+          </a:p>
+          <a:p>
+            <a:pPr lvl="1"/>
+            <a:r>
+              <a:rPr lang="en-US" dirty="0"/>
+              <a:t>Java 9 started introducing experimental &amp; preview features</a:t>
+            </a:r>
+          </a:p>
+          <a:p>
+            <a:pPr lvl="1"/>
+            <a:r>
+              <a:rPr lang="en-US" dirty="0"/>
+              <a:t>Generally used 2 releases to get community feedback before being finalized as a standard</a:t>
+            </a:r>
+          </a:p>
+        </p:txBody>
+      </p:sp>
+    </p:spTree>
+    <p:extLst>
+      <p:ext uri="{BB962C8B-B14F-4D97-AF65-F5344CB8AC3E}">
+        <p14:creationId xmlns:p14="http://schemas.microsoft.com/office/powerpoint/2010/main" val="1007651996"/>
+      </p:ext>
+    </p:extLst>
+  </p:cSld>
+  <p:clrMapOvr>
+    <a:masterClrMapping/>
+  </p:clrMapOvr>
+</p:sld>
+</file>
+
+<file path=ppt/slides/slide30.xml><?xml version="1.0" encoding="utf-8"?>
+<p:sld xmlns:a="http://schemas.openxmlformats.org/drawingml/2006/main" xmlns:r="http://schemas.openxmlformats.org/officeDocument/2006/relationships" xmlns:p="http://schemas.openxmlformats.org/presentationml/2006/main">
+  <p:cSld>
+    <p:spTree>
+      <p:nvGrpSpPr>
+        <p:cNvPr id="1" name=""/>
+        <p:cNvGrpSpPr/>
+        <p:nvPr/>
+      </p:nvGrpSpPr>
+      <p:grpSpPr>
+        <a:xfrm>
+          <a:off x="0" y="0"/>
+          <a:ext cx="0" cy="0"/>
+          <a:chOff x="0" y="0"/>
+          <a:chExt cx="0" cy="0"/>
+        </a:xfrm>
+      </p:grpSpPr>
+      <p:sp>
+        <p:nvSpPr>
+          <p:cNvPr id="2" name="Title 1">
+            <a:extLst>
+              <a:ext uri="{FF2B5EF4-FFF2-40B4-BE49-F238E27FC236}">
+                <a16:creationId xmlns:a16="http://schemas.microsoft.com/office/drawing/2014/main" id="{0194040D-946A-E84E-868E-57A90F7BC7EE}"/>
+              </a:ext>
+            </a:extLst>
+          </p:cNvPr>
+          <p:cNvSpPr>
+            <a:spLocks noGrp="1"/>
+          </p:cNvSpPr>
+          <p:nvPr>
+            <p:ph type="title"/>
+          </p:nvPr>
+        </p:nvSpPr>
+        <p:spPr/>
+        <p:txBody>
+          <a:bodyPr/>
+          <a:lstStyle/>
+          <a:p>
+            <a:r>
+              <a:rPr lang="en-US" dirty="0"/>
+              <a:t>Runtime</a:t>
+            </a:r>
+          </a:p>
+        </p:txBody>
+      </p:sp>
+      <p:sp>
+        <p:nvSpPr>
+          <p:cNvPr id="3" name="Content Placeholder 2">
+            <a:extLst>
+              <a:ext uri="{FF2B5EF4-FFF2-40B4-BE49-F238E27FC236}">
+                <a16:creationId xmlns:a16="http://schemas.microsoft.com/office/drawing/2014/main" id="{94E8E5AC-DA84-D048-81B0-80C872394362}"/>
+              </a:ext>
+            </a:extLst>
+          </p:cNvPr>
+          <p:cNvSpPr>
+            <a:spLocks noGrp="1"/>
+          </p:cNvSpPr>
+          <p:nvPr>
+            <p:ph idx="1"/>
+          </p:nvPr>
+        </p:nvSpPr>
+        <p:spPr/>
+        <p:txBody>
+          <a:bodyPr/>
+          <a:lstStyle/>
+          <a:p>
+            <a:pPr marL="0" indent="0">
+              <a:buNone/>
+            </a:pPr>
+            <a:r>
+              <a:rPr lang="en-US" sz="2800" dirty="0"/>
+              <a:t>Enhancements in a nutshell:</a:t>
+            </a:r>
+          </a:p>
+          <a:p>
+            <a:r>
+              <a:rPr lang="en-US" dirty="0"/>
+              <a:t>Module system</a:t>
+            </a:r>
+          </a:p>
+          <a:p>
+            <a:r>
+              <a:rPr lang="en-US" dirty="0"/>
+              <a:t>Performance improvements</a:t>
+            </a:r>
+          </a:p>
+          <a:p>
+            <a:pPr lvl="1"/>
+            <a:r>
+              <a:rPr lang="en-US" dirty="0"/>
+              <a:t>Garbage collection</a:t>
+            </a:r>
+          </a:p>
+          <a:p>
+            <a:pPr lvl="1"/>
+            <a:r>
+              <a:rPr lang="en-US" dirty="0"/>
+              <a:t>Thread management</a:t>
+            </a:r>
+          </a:p>
+          <a:p>
+            <a:r>
+              <a:rPr lang="en-US" dirty="0"/>
+              <a:t>Unicode</a:t>
+            </a:r>
+          </a:p>
+          <a:p>
+            <a:r>
+              <a:rPr lang="en-US" dirty="0"/>
+              <a:t>Hidden classes</a:t>
+            </a:r>
+          </a:p>
+          <a:p>
+            <a:endParaRPr lang="en-US" dirty="0"/>
+          </a:p>
+        </p:txBody>
+      </p:sp>
+    </p:spTree>
+    <p:extLst>
+      <p:ext uri="{BB962C8B-B14F-4D97-AF65-F5344CB8AC3E}">
+        <p14:creationId xmlns:p14="http://schemas.microsoft.com/office/powerpoint/2010/main" val="1715626812"/>
+      </p:ext>
+    </p:extLst>
+  </p:cSld>
+  <p:clrMapOvr>
+    <a:masterClrMapping/>
+  </p:clrMapOvr>
+</p:sld>
+</file>
+
+<file path=ppt/slides/slide31.xml><?xml version="1.0" encoding="utf-8"?>
+<p:sld xmlns:a="http://schemas.openxmlformats.org/drawingml/2006/main" xmlns:r="http://schemas.openxmlformats.org/officeDocument/2006/relationships" xmlns:p="http://schemas.openxmlformats.org/presentationml/2006/main">
+  <p:cSld>
+    <p:spTree>
+      <p:nvGrpSpPr>
+        <p:cNvPr id="1" name=""/>
+        <p:cNvGrpSpPr/>
+        <p:nvPr/>
+      </p:nvGrpSpPr>
+      <p:grpSpPr>
+        <a:xfrm>
+          <a:off x="0" y="0"/>
+          <a:ext cx="0" cy="0"/>
+          <a:chOff x="0" y="0"/>
+          <a:chExt cx="0" cy="0"/>
+        </a:xfrm>
+      </p:grpSpPr>
+      <p:sp>
+        <p:nvSpPr>
+          <p:cNvPr id="2" name="Title 1">
+            <a:extLst>
+              <a:ext uri="{FF2B5EF4-FFF2-40B4-BE49-F238E27FC236}">
                 <a16:creationId xmlns:a16="http://schemas.microsoft.com/office/drawing/2014/main" id="{91505F70-37E3-2140-A2FE-EFB1A6910BF1}"/>
               </a:ext>
             </a:extLst>
@@ -7629,7 +14819,7 @@
 </p:sld>
 </file>
 
-<file path=ppt/slides/slide17.xml><?xml version="1.0" encoding="utf-8"?>
+<file path=ppt/slides/slide32.xml><?xml version="1.0" encoding="utf-8"?>
 <p:sld xmlns:a="http://schemas.openxmlformats.org/drawingml/2006/main" xmlns:r="http://schemas.openxmlformats.org/officeDocument/2006/relationships" xmlns:p="http://schemas.openxmlformats.org/presentationml/2006/main">
   <p:cSld>
     <p:spTree>
@@ -7865,7 +15055,572 @@
 </p:sld>
 </file>
 
-<file path=ppt/slides/slide18.xml><?xml version="1.0" encoding="utf-8"?>
+<file path=ppt/slides/slide33.xml><?xml version="1.0" encoding="utf-8"?>
+<p:sld xmlns:a="http://schemas.openxmlformats.org/drawingml/2006/main" xmlns:r="http://schemas.openxmlformats.org/officeDocument/2006/relationships" xmlns:p="http://schemas.openxmlformats.org/presentationml/2006/main">
+  <p:cSld>
+    <p:spTree>
+      <p:nvGrpSpPr>
+        <p:cNvPr id="1" name=""/>
+        <p:cNvGrpSpPr/>
+        <p:nvPr/>
+      </p:nvGrpSpPr>
+      <p:grpSpPr>
+        <a:xfrm>
+          <a:off x="0" y="0"/>
+          <a:ext cx="0" cy="0"/>
+          <a:chOff x="0" y="0"/>
+          <a:chExt cx="0" cy="0"/>
+        </a:xfrm>
+      </p:grpSpPr>
+      <p:sp>
+        <p:nvSpPr>
+          <p:cNvPr id="4" name="Title 3">
+            <a:extLst>
+              <a:ext uri="{FF2B5EF4-FFF2-40B4-BE49-F238E27FC236}">
+                <a16:creationId xmlns:a16="http://schemas.microsoft.com/office/drawing/2014/main" id="{6CBBC6F6-61AD-2E41-A321-FB8754970219}"/>
+              </a:ext>
+            </a:extLst>
+          </p:cNvPr>
+          <p:cNvSpPr>
+            <a:spLocks noGrp="1"/>
+          </p:cNvSpPr>
+          <p:nvPr>
+            <p:ph type="title"/>
+          </p:nvPr>
+        </p:nvSpPr>
+        <p:spPr/>
+        <p:txBody>
+          <a:bodyPr/>
+          <a:lstStyle/>
+          <a:p>
+            <a:r>
+              <a:rPr lang="en-US" dirty="0"/>
+              <a:t>Epilogue</a:t>
+            </a:r>
+          </a:p>
+        </p:txBody>
+      </p:sp>
+      <p:sp>
+        <p:nvSpPr>
+          <p:cNvPr id="5" name="Content Placeholder 4">
+            <a:extLst>
+              <a:ext uri="{FF2B5EF4-FFF2-40B4-BE49-F238E27FC236}">
+                <a16:creationId xmlns:a16="http://schemas.microsoft.com/office/drawing/2014/main" id="{D77A2A44-0514-F947-B3D4-D6C779EFEEAF}"/>
+              </a:ext>
+            </a:extLst>
+          </p:cNvPr>
+          <p:cNvSpPr>
+            <a:spLocks noGrp="1"/>
+          </p:cNvSpPr>
+          <p:nvPr>
+            <p:ph idx="1"/>
+          </p:nvPr>
+        </p:nvSpPr>
+        <p:spPr/>
+        <p:txBody>
+          <a:bodyPr/>
+          <a:lstStyle/>
+          <a:p>
+            <a:pPr marL="0" indent="0">
+              <a:buNone/>
+            </a:pPr>
+            <a:r>
+              <a:rPr lang="en-US" sz="2800" dirty="0"/>
+              <a:t>What’s next?</a:t>
+            </a:r>
+            <a:endParaRPr lang="en-US" dirty="0"/>
+          </a:p>
+          <a:p>
+            <a:r>
+              <a:rPr lang="en-US" dirty="0"/>
+              <a:t>Project Loom – Lightweight threads, called “fibers”</a:t>
+            </a:r>
+          </a:p>
+          <a:p>
+            <a:r>
+              <a:rPr lang="en-US" dirty="0"/>
+              <a:t>Project Valhalla – Value types, with efficient memory layout and no identity (midway between primitives and objects)</a:t>
+            </a:r>
+          </a:p>
+          <a:p>
+            <a:r>
+              <a:rPr lang="en-US" dirty="0"/>
+              <a:t>Project Panama – Better native interoperability</a:t>
+            </a:r>
+          </a:p>
+        </p:txBody>
+      </p:sp>
+    </p:spTree>
+    <p:extLst>
+      <p:ext uri="{BB962C8B-B14F-4D97-AF65-F5344CB8AC3E}">
+        <p14:creationId xmlns:p14="http://schemas.microsoft.com/office/powerpoint/2010/main" val="189607198"/>
+      </p:ext>
+    </p:extLst>
+  </p:cSld>
+  <p:clrMapOvr>
+    <a:masterClrMapping/>
+  </p:clrMapOvr>
+  <mc:AlternateContent xmlns:mc="http://schemas.openxmlformats.org/markup-compatibility/2006">
+    <mc:Choice xmlns:p159="http://schemas.microsoft.com/office/powerpoint/2015/09/main" Requires="p159">
+      <p:transition spd="slow">
+        <p159:morph option="byObject"/>
+      </p:transition>
+    </mc:Choice>
+    <mc:Fallback>
+      <p:transition spd="slow">
+        <p:fade/>
+      </p:transition>
+    </mc:Fallback>
+  </mc:AlternateContent>
+  <p:timing>
+    <p:tnLst>
+      <p:par>
+        <p:cTn id="1" dur="indefinite" restart="never" nodeType="tmRoot">
+          <p:childTnLst>
+            <p:seq concurrent="1" nextAc="seek">
+              <p:cTn id="2" dur="indefinite" nodeType="mainSeq">
+                <p:childTnLst>
+                  <p:par>
+                    <p:cTn id="3" fill="hold">
+                      <p:stCondLst>
+                        <p:cond delay="indefinite"/>
+                      </p:stCondLst>
+                      <p:childTnLst>
+                        <p:par>
+                          <p:cTn id="4" fill="hold">
+                            <p:stCondLst>
+                              <p:cond delay="0"/>
+                            </p:stCondLst>
+                            <p:childTnLst>
+                              <p:par>
+                                <p:cTn id="5" presetID="2" presetClass="entr" presetSubtype="4" fill="hold" grpId="0" nodeType="clickEffect">
+                                  <p:stCondLst>
+                                    <p:cond delay="0"/>
+                                  </p:stCondLst>
+                                  <p:childTnLst>
+                                    <p:set>
+                                      <p:cBhvr>
+                                        <p:cTn id="6" dur="1" fill="hold">
+                                          <p:stCondLst>
+                                            <p:cond delay="0"/>
+                                          </p:stCondLst>
+                                        </p:cTn>
+                                        <p:tgtEl>
+                                          <p:spTgt spid="5">
+                                            <p:txEl>
+                                              <p:pRg st="0" end="0"/>
+                                            </p:txEl>
+                                          </p:spTgt>
+                                        </p:tgtEl>
+                                        <p:attrNameLst>
+                                          <p:attrName>style.visibility</p:attrName>
+                                        </p:attrNameLst>
+                                      </p:cBhvr>
+                                      <p:to>
+                                        <p:strVal val="visible"/>
+                                      </p:to>
+                                    </p:set>
+                                    <p:anim calcmode="lin" valueType="num">
+                                      <p:cBhvr additive="base">
+                                        <p:cTn id="7" dur="500" fill="hold"/>
+                                        <p:tgtEl>
+                                          <p:spTgt spid="5">
+                                            <p:txEl>
+                                              <p:pRg st="0" end="0"/>
+                                            </p:txEl>
+                                          </p:spTgt>
+                                        </p:tgtEl>
+                                        <p:attrNameLst>
+                                          <p:attrName>ppt_x</p:attrName>
+                                        </p:attrNameLst>
+                                      </p:cBhvr>
+                                      <p:tavLst>
+                                        <p:tav tm="0">
+                                          <p:val>
+                                            <p:strVal val="#ppt_x"/>
+                                          </p:val>
+                                        </p:tav>
+                                        <p:tav tm="100000">
+                                          <p:val>
+                                            <p:strVal val="#ppt_x"/>
+                                          </p:val>
+                                        </p:tav>
+                                      </p:tavLst>
+                                    </p:anim>
+                                    <p:anim calcmode="lin" valueType="num">
+                                      <p:cBhvr additive="base">
+                                        <p:cTn id="8" dur="500" fill="hold"/>
+                                        <p:tgtEl>
+                                          <p:spTgt spid="5">
+                                            <p:txEl>
+                                              <p:pRg st="0" end="0"/>
+                                            </p:txEl>
+                                          </p:spTgt>
+                                        </p:tgtEl>
+                                        <p:attrNameLst>
+                                          <p:attrName>ppt_y</p:attrName>
+                                        </p:attrNameLst>
+                                      </p:cBhvr>
+                                      <p:tavLst>
+                                        <p:tav tm="0">
+                                          <p:val>
+                                            <p:strVal val="1+#ppt_h/2"/>
+                                          </p:val>
+                                        </p:tav>
+                                        <p:tav tm="100000">
+                                          <p:val>
+                                            <p:strVal val="#ppt_y"/>
+                                          </p:val>
+                                        </p:tav>
+                                      </p:tavLst>
+                                    </p:anim>
+                                  </p:childTnLst>
+                                </p:cTn>
+                              </p:par>
+                            </p:childTnLst>
+                          </p:cTn>
+                        </p:par>
+                      </p:childTnLst>
+                    </p:cTn>
+                  </p:par>
+                  <p:par>
+                    <p:cTn id="9" fill="hold">
+                      <p:stCondLst>
+                        <p:cond delay="indefinite"/>
+                      </p:stCondLst>
+                      <p:childTnLst>
+                        <p:par>
+                          <p:cTn id="10" fill="hold">
+                            <p:stCondLst>
+                              <p:cond delay="0"/>
+                            </p:stCondLst>
+                            <p:childTnLst>
+                              <p:par>
+                                <p:cTn id="11" presetID="2" presetClass="entr" presetSubtype="4" fill="hold" grpId="0" nodeType="clickEffect">
+                                  <p:stCondLst>
+                                    <p:cond delay="0"/>
+                                  </p:stCondLst>
+                                  <p:childTnLst>
+                                    <p:set>
+                                      <p:cBhvr>
+                                        <p:cTn id="12" dur="1" fill="hold">
+                                          <p:stCondLst>
+                                            <p:cond delay="0"/>
+                                          </p:stCondLst>
+                                        </p:cTn>
+                                        <p:tgtEl>
+                                          <p:spTgt spid="5">
+                                            <p:txEl>
+                                              <p:pRg st="1" end="1"/>
+                                            </p:txEl>
+                                          </p:spTgt>
+                                        </p:tgtEl>
+                                        <p:attrNameLst>
+                                          <p:attrName>style.visibility</p:attrName>
+                                        </p:attrNameLst>
+                                      </p:cBhvr>
+                                      <p:to>
+                                        <p:strVal val="visible"/>
+                                      </p:to>
+                                    </p:set>
+                                    <p:anim calcmode="lin" valueType="num">
+                                      <p:cBhvr additive="base">
+                                        <p:cTn id="13" dur="500" fill="hold"/>
+                                        <p:tgtEl>
+                                          <p:spTgt spid="5">
+                                            <p:txEl>
+                                              <p:pRg st="1" end="1"/>
+                                            </p:txEl>
+                                          </p:spTgt>
+                                        </p:tgtEl>
+                                        <p:attrNameLst>
+                                          <p:attrName>ppt_x</p:attrName>
+                                        </p:attrNameLst>
+                                      </p:cBhvr>
+                                      <p:tavLst>
+                                        <p:tav tm="0">
+                                          <p:val>
+                                            <p:strVal val="#ppt_x"/>
+                                          </p:val>
+                                        </p:tav>
+                                        <p:tav tm="100000">
+                                          <p:val>
+                                            <p:strVal val="#ppt_x"/>
+                                          </p:val>
+                                        </p:tav>
+                                      </p:tavLst>
+                                    </p:anim>
+                                    <p:anim calcmode="lin" valueType="num">
+                                      <p:cBhvr additive="base">
+                                        <p:cTn id="14" dur="500" fill="hold"/>
+                                        <p:tgtEl>
+                                          <p:spTgt spid="5">
+                                            <p:txEl>
+                                              <p:pRg st="1" end="1"/>
+                                            </p:txEl>
+                                          </p:spTgt>
+                                        </p:tgtEl>
+                                        <p:attrNameLst>
+                                          <p:attrName>ppt_y</p:attrName>
+                                        </p:attrNameLst>
+                                      </p:cBhvr>
+                                      <p:tavLst>
+                                        <p:tav tm="0">
+                                          <p:val>
+                                            <p:strVal val="1+#ppt_h/2"/>
+                                          </p:val>
+                                        </p:tav>
+                                        <p:tav tm="100000">
+                                          <p:val>
+                                            <p:strVal val="#ppt_y"/>
+                                          </p:val>
+                                        </p:tav>
+                                      </p:tavLst>
+                                    </p:anim>
+                                  </p:childTnLst>
+                                </p:cTn>
+                              </p:par>
+                            </p:childTnLst>
+                          </p:cTn>
+                        </p:par>
+                      </p:childTnLst>
+                    </p:cTn>
+                  </p:par>
+                  <p:par>
+                    <p:cTn id="15" fill="hold">
+                      <p:stCondLst>
+                        <p:cond delay="indefinite"/>
+                      </p:stCondLst>
+                      <p:childTnLst>
+                        <p:par>
+                          <p:cTn id="16" fill="hold">
+                            <p:stCondLst>
+                              <p:cond delay="0"/>
+                            </p:stCondLst>
+                            <p:childTnLst>
+                              <p:par>
+                                <p:cTn id="17" presetID="2" presetClass="entr" presetSubtype="4" fill="hold" grpId="0" nodeType="clickEffect">
+                                  <p:stCondLst>
+                                    <p:cond delay="0"/>
+                                  </p:stCondLst>
+                                  <p:childTnLst>
+                                    <p:set>
+                                      <p:cBhvr>
+                                        <p:cTn id="18" dur="1" fill="hold">
+                                          <p:stCondLst>
+                                            <p:cond delay="0"/>
+                                          </p:stCondLst>
+                                        </p:cTn>
+                                        <p:tgtEl>
+                                          <p:spTgt spid="5">
+                                            <p:txEl>
+                                              <p:pRg st="2" end="2"/>
+                                            </p:txEl>
+                                          </p:spTgt>
+                                        </p:tgtEl>
+                                        <p:attrNameLst>
+                                          <p:attrName>style.visibility</p:attrName>
+                                        </p:attrNameLst>
+                                      </p:cBhvr>
+                                      <p:to>
+                                        <p:strVal val="visible"/>
+                                      </p:to>
+                                    </p:set>
+                                    <p:anim calcmode="lin" valueType="num">
+                                      <p:cBhvr additive="base">
+                                        <p:cTn id="19" dur="500" fill="hold"/>
+                                        <p:tgtEl>
+                                          <p:spTgt spid="5">
+                                            <p:txEl>
+                                              <p:pRg st="2" end="2"/>
+                                            </p:txEl>
+                                          </p:spTgt>
+                                        </p:tgtEl>
+                                        <p:attrNameLst>
+                                          <p:attrName>ppt_x</p:attrName>
+                                        </p:attrNameLst>
+                                      </p:cBhvr>
+                                      <p:tavLst>
+                                        <p:tav tm="0">
+                                          <p:val>
+                                            <p:strVal val="#ppt_x"/>
+                                          </p:val>
+                                        </p:tav>
+                                        <p:tav tm="100000">
+                                          <p:val>
+                                            <p:strVal val="#ppt_x"/>
+                                          </p:val>
+                                        </p:tav>
+                                      </p:tavLst>
+                                    </p:anim>
+                                    <p:anim calcmode="lin" valueType="num">
+                                      <p:cBhvr additive="base">
+                                        <p:cTn id="20" dur="500" fill="hold"/>
+                                        <p:tgtEl>
+                                          <p:spTgt spid="5">
+                                            <p:txEl>
+                                              <p:pRg st="2" end="2"/>
+                                            </p:txEl>
+                                          </p:spTgt>
+                                        </p:tgtEl>
+                                        <p:attrNameLst>
+                                          <p:attrName>ppt_y</p:attrName>
+                                        </p:attrNameLst>
+                                      </p:cBhvr>
+                                      <p:tavLst>
+                                        <p:tav tm="0">
+                                          <p:val>
+                                            <p:strVal val="1+#ppt_h/2"/>
+                                          </p:val>
+                                        </p:tav>
+                                        <p:tav tm="100000">
+                                          <p:val>
+                                            <p:strVal val="#ppt_y"/>
+                                          </p:val>
+                                        </p:tav>
+                                      </p:tavLst>
+                                    </p:anim>
+                                  </p:childTnLst>
+                                </p:cTn>
+                              </p:par>
+                            </p:childTnLst>
+                          </p:cTn>
+                        </p:par>
+                      </p:childTnLst>
+                    </p:cTn>
+                  </p:par>
+                  <p:par>
+                    <p:cTn id="21" fill="hold">
+                      <p:stCondLst>
+                        <p:cond delay="indefinite"/>
+                      </p:stCondLst>
+                      <p:childTnLst>
+                        <p:par>
+                          <p:cTn id="22" fill="hold">
+                            <p:stCondLst>
+                              <p:cond delay="0"/>
+                            </p:stCondLst>
+                            <p:childTnLst>
+                              <p:par>
+                                <p:cTn id="23" presetID="2" presetClass="entr" presetSubtype="4" fill="hold" grpId="0" nodeType="clickEffect">
+                                  <p:stCondLst>
+                                    <p:cond delay="0"/>
+                                  </p:stCondLst>
+                                  <p:childTnLst>
+                                    <p:set>
+                                      <p:cBhvr>
+                                        <p:cTn id="24" dur="1" fill="hold">
+                                          <p:stCondLst>
+                                            <p:cond delay="0"/>
+                                          </p:stCondLst>
+                                        </p:cTn>
+                                        <p:tgtEl>
+                                          <p:spTgt spid="5">
+                                            <p:txEl>
+                                              <p:pRg st="3" end="3"/>
+                                            </p:txEl>
+                                          </p:spTgt>
+                                        </p:tgtEl>
+                                        <p:attrNameLst>
+                                          <p:attrName>style.visibility</p:attrName>
+                                        </p:attrNameLst>
+                                      </p:cBhvr>
+                                      <p:to>
+                                        <p:strVal val="visible"/>
+                                      </p:to>
+                                    </p:set>
+                                    <p:anim calcmode="lin" valueType="num">
+                                      <p:cBhvr additive="base">
+                                        <p:cTn id="25" dur="500" fill="hold"/>
+                                        <p:tgtEl>
+                                          <p:spTgt spid="5">
+                                            <p:txEl>
+                                              <p:pRg st="3" end="3"/>
+                                            </p:txEl>
+                                          </p:spTgt>
+                                        </p:tgtEl>
+                                        <p:attrNameLst>
+                                          <p:attrName>ppt_x</p:attrName>
+                                        </p:attrNameLst>
+                                      </p:cBhvr>
+                                      <p:tavLst>
+                                        <p:tav tm="0">
+                                          <p:val>
+                                            <p:strVal val="#ppt_x"/>
+                                          </p:val>
+                                        </p:tav>
+                                        <p:tav tm="100000">
+                                          <p:val>
+                                            <p:strVal val="#ppt_x"/>
+                                          </p:val>
+                                        </p:tav>
+                                      </p:tavLst>
+                                    </p:anim>
+                                    <p:anim calcmode="lin" valueType="num">
+                                      <p:cBhvr additive="base">
+                                        <p:cTn id="26" dur="500" fill="hold"/>
+                                        <p:tgtEl>
+                                          <p:spTgt spid="5">
+                                            <p:txEl>
+                                              <p:pRg st="3" end="3"/>
+                                            </p:txEl>
+                                          </p:spTgt>
+                                        </p:tgtEl>
+                                        <p:attrNameLst>
+                                          <p:attrName>ppt_y</p:attrName>
+                                        </p:attrNameLst>
+                                      </p:cBhvr>
+                                      <p:tavLst>
+                                        <p:tav tm="0">
+                                          <p:val>
+                                            <p:strVal val="1+#ppt_h/2"/>
+                                          </p:val>
+                                        </p:tav>
+                                        <p:tav tm="100000">
+                                          <p:val>
+                                            <p:strVal val="#ppt_y"/>
+                                          </p:val>
+                                        </p:tav>
+                                      </p:tavLst>
+                                    </p:anim>
+                                  </p:childTnLst>
+                                </p:cTn>
+                              </p:par>
+                            </p:childTnLst>
+                          </p:cTn>
+                        </p:par>
+                      </p:childTnLst>
+                    </p:cTn>
+                  </p:par>
+                </p:childTnLst>
+              </p:cTn>
+              <p:prevCondLst>
+                <p:cond evt="onPrev" delay="0">
+                  <p:tgtEl>
+                    <p:sldTgt/>
+                  </p:tgtEl>
+                </p:cond>
+              </p:prevCondLst>
+              <p:nextCondLst>
+                <p:cond evt="onNext" delay="0">
+                  <p:tgtEl>
+                    <p:sldTgt/>
+                  </p:tgtEl>
+                </p:cond>
+              </p:nextCondLst>
+            </p:seq>
+          </p:childTnLst>
+        </p:cTn>
+      </p:par>
+    </p:tnLst>
+    <p:bldLst>
+      <p:bldP spid="5" grpId="0" uiExpand="1" build="p"/>
+    </p:bldLst>
+  </p:timing>
+</p:sld>
+</file>
+
+<file path=ppt/slides/slide34.xml><?xml version="1.0" encoding="utf-8"?>
 <p:sld xmlns:a="http://schemas.openxmlformats.org/drawingml/2006/main" xmlns:r="http://schemas.openxmlformats.org/officeDocument/2006/relationships" xmlns:p="http://schemas.openxmlformats.org/presentationml/2006/main">
   <p:cSld>
     <p:spTree>
@@ -8010,195 +15765,6 @@
 </p:sld>
 </file>
 
-<file path=ppt/slides/slide2.xml><?xml version="1.0" encoding="utf-8"?>
-<p:sld xmlns:a="http://schemas.openxmlformats.org/drawingml/2006/main" xmlns:r="http://schemas.openxmlformats.org/officeDocument/2006/relationships" xmlns:p="http://schemas.openxmlformats.org/presentationml/2006/main">
-  <p:cSld>
-    <p:spTree>
-      <p:nvGrpSpPr>
-        <p:cNvPr id="1" name=""/>
-        <p:cNvGrpSpPr/>
-        <p:nvPr/>
-      </p:nvGrpSpPr>
-      <p:grpSpPr>
-        <a:xfrm>
-          <a:off x="0" y="0"/>
-          <a:ext cx="0" cy="0"/>
-          <a:chOff x="0" y="0"/>
-          <a:chExt cx="0" cy="0"/>
-        </a:xfrm>
-      </p:grpSpPr>
-      <p:sp>
-        <p:nvSpPr>
-          <p:cNvPr id="2" name="Title 1">
-            <a:extLst>
-              <a:ext uri="{FF2B5EF4-FFF2-40B4-BE49-F238E27FC236}">
-                <a16:creationId xmlns:a16="http://schemas.microsoft.com/office/drawing/2014/main" id="{946C17B9-D90B-494D-800C-47F79A9FD3C3}"/>
-              </a:ext>
-            </a:extLst>
-          </p:cNvPr>
-          <p:cNvSpPr>
-            <a:spLocks noGrp="1"/>
-          </p:cNvSpPr>
-          <p:nvPr>
-            <p:ph type="title"/>
-          </p:nvPr>
-        </p:nvSpPr>
-        <p:spPr/>
-        <p:txBody>
-          <a:bodyPr/>
-          <a:lstStyle/>
-          <a:p>
-            <a:r>
-              <a:rPr lang="en-US" dirty="0"/>
-              <a:t>Intro</a:t>
-            </a:r>
-          </a:p>
-        </p:txBody>
-      </p:sp>
-      <p:sp>
-        <p:nvSpPr>
-          <p:cNvPr id="3" name="Text Placeholder 2">
-            <a:extLst>
-              <a:ext uri="{FF2B5EF4-FFF2-40B4-BE49-F238E27FC236}">
-                <a16:creationId xmlns:a16="http://schemas.microsoft.com/office/drawing/2014/main" id="{72FECDC8-ECC1-C84D-9106-911BBEE2E474}"/>
-              </a:ext>
-            </a:extLst>
-          </p:cNvPr>
-          <p:cNvSpPr>
-            <a:spLocks noGrp="1"/>
-          </p:cNvSpPr>
-          <p:nvPr>
-            <p:ph type="body" idx="1"/>
-          </p:nvPr>
-        </p:nvSpPr>
-        <p:spPr/>
-        <p:txBody>
-          <a:bodyPr/>
-          <a:lstStyle/>
-          <a:p>
-            <a:endParaRPr lang="en-US"/>
-          </a:p>
-        </p:txBody>
-      </p:sp>
-    </p:spTree>
-    <p:extLst>
-      <p:ext uri="{BB962C8B-B14F-4D97-AF65-F5344CB8AC3E}">
-        <p14:creationId xmlns:p14="http://schemas.microsoft.com/office/powerpoint/2010/main" val="2896982049"/>
-      </p:ext>
-    </p:extLst>
-  </p:cSld>
-  <p:clrMapOvr>
-    <a:masterClrMapping/>
-  </p:clrMapOvr>
-</p:sld>
-</file>
-
-<file path=ppt/slides/slide3.xml><?xml version="1.0" encoding="utf-8"?>
-<p:sld xmlns:a="http://schemas.openxmlformats.org/drawingml/2006/main" xmlns:r="http://schemas.openxmlformats.org/officeDocument/2006/relationships" xmlns:p="http://schemas.openxmlformats.org/presentationml/2006/main">
-  <p:cSld>
-    <p:spTree>
-      <p:nvGrpSpPr>
-        <p:cNvPr id="1" name=""/>
-        <p:cNvGrpSpPr/>
-        <p:nvPr/>
-      </p:nvGrpSpPr>
-      <p:grpSpPr>
-        <a:xfrm>
-          <a:off x="0" y="0"/>
-          <a:ext cx="0" cy="0"/>
-          <a:chOff x="0" y="0"/>
-          <a:chExt cx="0" cy="0"/>
-        </a:xfrm>
-      </p:grpSpPr>
-      <p:sp>
-        <p:nvSpPr>
-          <p:cNvPr id="2" name="Title 1">
-            <a:extLst>
-              <a:ext uri="{FF2B5EF4-FFF2-40B4-BE49-F238E27FC236}">
-                <a16:creationId xmlns:a16="http://schemas.microsoft.com/office/drawing/2014/main" id="{935E847A-DEE9-0A41-818F-097164892593}"/>
-              </a:ext>
-            </a:extLst>
-          </p:cNvPr>
-          <p:cNvSpPr>
-            <a:spLocks noGrp="1"/>
-          </p:cNvSpPr>
-          <p:nvPr>
-            <p:ph type="title"/>
-          </p:nvPr>
-        </p:nvSpPr>
-        <p:spPr/>
-        <p:txBody>
-          <a:bodyPr/>
-          <a:lstStyle/>
-          <a:p>
-            <a:r>
-              <a:rPr lang="en-US" dirty="0"/>
-              <a:t>Intro</a:t>
-            </a:r>
-          </a:p>
-        </p:txBody>
-      </p:sp>
-      <p:sp>
-        <p:nvSpPr>
-          <p:cNvPr id="3" name="Content Placeholder 2">
-            <a:extLst>
-              <a:ext uri="{FF2B5EF4-FFF2-40B4-BE49-F238E27FC236}">
-                <a16:creationId xmlns:a16="http://schemas.microsoft.com/office/drawing/2014/main" id="{802C7D51-D68F-564E-9BD9-873BE177B23C}"/>
-              </a:ext>
-            </a:extLst>
-          </p:cNvPr>
-          <p:cNvSpPr>
-            <a:spLocks noGrp="1"/>
-          </p:cNvSpPr>
-          <p:nvPr>
-            <p:ph idx="1"/>
-          </p:nvPr>
-        </p:nvSpPr>
-        <p:spPr/>
-        <p:txBody>
-          <a:bodyPr/>
-          <a:lstStyle/>
-          <a:p>
-            <a:r>
-              <a:rPr lang="en-US" dirty="0"/>
-              <a:t>Java 10 was the first of the bi-annual releases</a:t>
-            </a:r>
-          </a:p>
-          <a:p>
-            <a:r>
-              <a:rPr lang="en-US" dirty="0"/>
-              <a:t>Six-month release cycle means less time for “big” changes</a:t>
-            </a:r>
-          </a:p>
-          <a:p>
-            <a:pPr lvl="1"/>
-            <a:r>
-              <a:rPr lang="en-US" dirty="0"/>
-              <a:t>Java 9 started introducing experimental &amp; preview features</a:t>
-            </a:r>
-          </a:p>
-          <a:p>
-            <a:pPr lvl="1"/>
-            <a:r>
-              <a:rPr lang="en-US" dirty="0"/>
-              <a:t>Generally used 2 releases to get community feedback before being finalized as a standard</a:t>
-            </a:r>
-          </a:p>
-        </p:txBody>
-      </p:sp>
-    </p:spTree>
-    <p:extLst>
-      <p:ext uri="{BB962C8B-B14F-4D97-AF65-F5344CB8AC3E}">
-        <p14:creationId xmlns:p14="http://schemas.microsoft.com/office/powerpoint/2010/main" val="1007651996"/>
-      </p:ext>
-    </p:extLst>
-  </p:cSld>
-  <p:clrMapOvr>
-    <a:masterClrMapping/>
-  </p:clrMapOvr>
-</p:sld>
-</file>
-
 <file path=ppt/slides/slide4.xml><?xml version="1.0" encoding="utf-8"?>
 <p:sld xmlns:a="http://schemas.openxmlformats.org/drawingml/2006/main" xmlns:r="http://schemas.openxmlformats.org/officeDocument/2006/relationships" xmlns:p="http://schemas.openxmlformats.org/presentationml/2006/main">
   <p:cSld>
@@ -8221,7 +15787,7 @@
           <p:cNvPr id="2" name="Title 1">
             <a:extLst>
               <a:ext uri="{FF2B5EF4-FFF2-40B4-BE49-F238E27FC236}">
-                <a16:creationId xmlns:a16="http://schemas.microsoft.com/office/drawing/2014/main" id="{E61D9FCE-34DE-4D49-AD64-CD98472F3E35}"/>
+                <a16:creationId xmlns:a16="http://schemas.microsoft.com/office/drawing/2014/main" id="{935E847A-DEE9-0A41-818F-097164892593}"/>
               </a:ext>
             </a:extLst>
           </p:cNvPr>
@@ -8239,17 +15805,17 @@
           <a:p>
             <a:r>
               <a:rPr lang="en-US" dirty="0"/>
-              <a:t>Language Changes</a:t>
-            </a:r>
-          </a:p>
-        </p:txBody>
-      </p:sp>
-      <p:sp>
-        <p:nvSpPr>
-          <p:cNvPr id="3" name="Text Placeholder 2">
+              <a:t>Intro</a:t>
+            </a:r>
+          </a:p>
+        </p:txBody>
+      </p:sp>
+      <p:sp>
+        <p:nvSpPr>
+          <p:cNvPr id="3" name="Content Placeholder 2">
             <a:extLst>
               <a:ext uri="{FF2B5EF4-FFF2-40B4-BE49-F238E27FC236}">
-                <a16:creationId xmlns:a16="http://schemas.microsoft.com/office/drawing/2014/main" id="{5361484F-8390-8649-9A00-0158013EDD27}"/>
+                <a16:creationId xmlns:a16="http://schemas.microsoft.com/office/drawing/2014/main" id="{802C7D51-D68F-564E-9BD9-873BE177B23C}"/>
               </a:ext>
             </a:extLst>
           </p:cNvPr>
@@ -8257,7 +15823,7 @@
             <a:spLocks noGrp="1"/>
           </p:cNvSpPr>
           <p:nvPr>
-            <p:ph type="body" idx="1"/>
+            <p:ph idx="1"/>
           </p:nvPr>
         </p:nvSpPr>
         <p:spPr/>
@@ -8266,20 +15832,26 @@
           <a:lstStyle/>
           <a:p>
             <a:r>
-              <a:rPr lang="en-US" dirty="0" err="1"/>
-              <a:t>Parlez</a:t>
-            </a:r>
-            <a:r>
               <a:rPr lang="en-US" dirty="0"/>
-              <a:t> </a:t>
-            </a:r>
-            <a:r>
-              <a:rPr lang="en-US" dirty="0" err="1"/>
-              <a:t>vous</a:t>
-            </a:r>
+              <a:t>Language</a:t>
+            </a:r>
+          </a:p>
+          <a:p>
             <a:r>
               <a:rPr lang="en-US" dirty="0"/>
-              <a:t> Java?</a:t>
+              <a:t>JDK</a:t>
+            </a:r>
+          </a:p>
+          <a:p>
+            <a:r>
+              <a:rPr lang="en-US" dirty="0"/>
+              <a:t>Tooling</a:t>
+            </a:r>
+          </a:p>
+          <a:p>
+            <a:r>
+              <a:rPr lang="en-US" dirty="0"/>
+              <a:t>Runtime</a:t>
             </a:r>
           </a:p>
         </p:txBody>
@@ -8287,7 +15859,7 @@
     </p:spTree>
     <p:extLst>
       <p:ext uri="{BB962C8B-B14F-4D97-AF65-F5344CB8AC3E}">
-        <p14:creationId xmlns:p14="http://schemas.microsoft.com/office/powerpoint/2010/main" val="1235761972"/>
+        <p14:creationId xmlns:p14="http://schemas.microsoft.com/office/powerpoint/2010/main" val="1513023563"/>
       </p:ext>
     </p:extLst>
   </p:cSld>
@@ -8319,7 +15891,7 @@
           <p:cNvPr id="2" name="Title 1">
             <a:extLst>
               <a:ext uri="{FF2B5EF4-FFF2-40B4-BE49-F238E27FC236}">
-                <a16:creationId xmlns:a16="http://schemas.microsoft.com/office/drawing/2014/main" id="{D549CB59-A0E4-4146-B5C8-6B12AC073354}"/>
+                <a16:creationId xmlns:a16="http://schemas.microsoft.com/office/drawing/2014/main" id="{E61D9FCE-34DE-4D49-AD64-CD98472F3E35}"/>
               </a:ext>
             </a:extLst>
           </p:cNvPr>
@@ -8337,17 +15909,17 @@
           <a:p>
             <a:r>
               <a:rPr lang="en-US" dirty="0"/>
-              <a:t>Language Changes</a:t>
-            </a:r>
-          </a:p>
-        </p:txBody>
-      </p:sp>
-      <p:sp>
-        <p:nvSpPr>
-          <p:cNvPr id="3" name="Content Placeholder 2">
+              <a:t>Language</a:t>
+            </a:r>
+          </a:p>
+        </p:txBody>
+      </p:sp>
+      <p:sp>
+        <p:nvSpPr>
+          <p:cNvPr id="3" name="Text Placeholder 2">
             <a:extLst>
               <a:ext uri="{FF2B5EF4-FFF2-40B4-BE49-F238E27FC236}">
-                <a16:creationId xmlns:a16="http://schemas.microsoft.com/office/drawing/2014/main" id="{0A45A632-1493-F449-BAB9-460406D2C3DB}"/>
+                <a16:creationId xmlns:a16="http://schemas.microsoft.com/office/drawing/2014/main" id="{5361484F-8390-8649-9A00-0158013EDD27}"/>
               </a:ext>
             </a:extLst>
           </p:cNvPr>
@@ -8355,76 +15927,29 @@
             <a:spLocks noGrp="1"/>
           </p:cNvSpPr>
           <p:nvPr>
-            <p:ph idx="1"/>
+            <p:ph type="body" idx="1"/>
           </p:nvPr>
         </p:nvSpPr>
         <p:spPr/>
         <p:txBody>
-          <a:bodyPr>
-            <a:normAutofit fontScale="92500" lnSpcReduction="20000"/>
-          </a:bodyPr>
-          <a:lstStyle/>
-          <a:p>
-            <a:pPr marL="0" indent="0">
-              <a:buNone/>
-            </a:pPr>
-            <a:r>
-              <a:rPr lang="en-US" sz="2800" dirty="0"/>
-              <a:t>Enhancements in a nutshell:</a:t>
-            </a:r>
-          </a:p>
-          <a:p>
+          <a:bodyPr/>
+          <a:lstStyle/>
+          <a:p>
+            <a:r>
+              <a:rPr lang="en-US" dirty="0" err="1"/>
+              <a:t>Parlez</a:t>
+            </a:r>
             <a:r>
               <a:rPr lang="en-US" dirty="0"/>
-              <a:t>Module system</a:t>
-            </a:r>
-          </a:p>
-          <a:p>
+              <a:t> </a:t>
+            </a:r>
+            <a:r>
+              <a:rPr lang="en-US" dirty="0" err="1"/>
+              <a:t>vous</a:t>
+            </a:r>
             <a:r>
               <a:rPr lang="en-US" dirty="0"/>
-              <a:t>Private interface methods</a:t>
-            </a:r>
-          </a:p>
-          <a:p>
-            <a:r>
-              <a:rPr lang="en-US" dirty="0"/>
-              <a:t>Type inference</a:t>
-            </a:r>
-          </a:p>
-          <a:p>
-            <a:r>
-              <a:rPr lang="en-US" dirty="0"/>
-              <a:t>“Effectively final” in try-with-resources</a:t>
-            </a:r>
-          </a:p>
-          <a:p>
-            <a:r>
-              <a:rPr lang="en-US" dirty="0"/>
-              <a:t>Text blocks</a:t>
-            </a:r>
-          </a:p>
-          <a:p>
-            <a:r>
-              <a:rPr lang="en-US" dirty="0"/>
-              <a:t>Switch expressions</a:t>
-            </a:r>
-          </a:p>
-          <a:p>
-            <a:r>
-              <a:rPr lang="en-US" dirty="0"/>
-              <a:t>Pattern matching</a:t>
-            </a:r>
-          </a:p>
-          <a:p>
-            <a:r>
-              <a:rPr lang="en-US" dirty="0"/>
-              <a:t>Record classes</a:t>
-            </a:r>
-          </a:p>
-          <a:p>
-            <a:r>
-              <a:rPr lang="en-US" dirty="0"/>
-              <a:t>Sealed classes</a:t>
+              <a:t> Java?</a:t>
             </a:r>
           </a:p>
         </p:txBody>
@@ -8432,7 +15957,7 @@
     </p:spTree>
     <p:extLst>
       <p:ext uri="{BB962C8B-B14F-4D97-AF65-F5344CB8AC3E}">
-        <p14:creationId xmlns:p14="http://schemas.microsoft.com/office/powerpoint/2010/main" val="2948442141"/>
+        <p14:creationId xmlns:p14="http://schemas.microsoft.com/office/powerpoint/2010/main" val="1235761972"/>
       </p:ext>
     </p:extLst>
   </p:cSld>
@@ -8464,6 +15989,151 @@
           <p:cNvPr id="2" name="Title 1">
             <a:extLst>
               <a:ext uri="{FF2B5EF4-FFF2-40B4-BE49-F238E27FC236}">
+                <a16:creationId xmlns:a16="http://schemas.microsoft.com/office/drawing/2014/main" id="{D549CB59-A0E4-4146-B5C8-6B12AC073354}"/>
+              </a:ext>
+            </a:extLst>
+          </p:cNvPr>
+          <p:cNvSpPr>
+            <a:spLocks noGrp="1"/>
+          </p:cNvSpPr>
+          <p:nvPr>
+            <p:ph type="title"/>
+          </p:nvPr>
+        </p:nvSpPr>
+        <p:spPr/>
+        <p:txBody>
+          <a:bodyPr/>
+          <a:lstStyle/>
+          <a:p>
+            <a:r>
+              <a:rPr lang="en-US" dirty="0"/>
+              <a:t>Language</a:t>
+            </a:r>
+          </a:p>
+        </p:txBody>
+      </p:sp>
+      <p:sp>
+        <p:nvSpPr>
+          <p:cNvPr id="3" name="Content Placeholder 2">
+            <a:extLst>
+              <a:ext uri="{FF2B5EF4-FFF2-40B4-BE49-F238E27FC236}">
+                <a16:creationId xmlns:a16="http://schemas.microsoft.com/office/drawing/2014/main" id="{0A45A632-1493-F449-BAB9-460406D2C3DB}"/>
+              </a:ext>
+            </a:extLst>
+          </p:cNvPr>
+          <p:cNvSpPr>
+            <a:spLocks noGrp="1"/>
+          </p:cNvSpPr>
+          <p:nvPr>
+            <p:ph idx="1"/>
+          </p:nvPr>
+        </p:nvSpPr>
+        <p:spPr/>
+        <p:txBody>
+          <a:bodyPr>
+            <a:normAutofit fontScale="92500" lnSpcReduction="20000"/>
+          </a:bodyPr>
+          <a:lstStyle/>
+          <a:p>
+            <a:pPr marL="0" indent="0">
+              <a:buNone/>
+            </a:pPr>
+            <a:r>
+              <a:rPr lang="en-US" sz="2800" dirty="0"/>
+              <a:t>Enhancements in a nutshell:</a:t>
+            </a:r>
+          </a:p>
+          <a:p>
+            <a:r>
+              <a:rPr lang="en-US" dirty="0"/>
+              <a:t>Module system</a:t>
+            </a:r>
+          </a:p>
+          <a:p>
+            <a:r>
+              <a:rPr lang="en-US" dirty="0"/>
+              <a:t>Private interface methods</a:t>
+            </a:r>
+          </a:p>
+          <a:p>
+            <a:r>
+              <a:rPr lang="en-US" dirty="0"/>
+              <a:t>“Effectively final” in try-with-resources</a:t>
+            </a:r>
+          </a:p>
+          <a:p>
+            <a:r>
+              <a:rPr lang="en-US" dirty="0"/>
+              <a:t>Type inference</a:t>
+            </a:r>
+          </a:p>
+          <a:p>
+            <a:r>
+              <a:rPr lang="en-US" dirty="0"/>
+              <a:t>Switch expressions</a:t>
+            </a:r>
+          </a:p>
+          <a:p>
+            <a:r>
+              <a:rPr lang="en-US" dirty="0"/>
+              <a:t>Text blocks</a:t>
+            </a:r>
+          </a:p>
+          <a:p>
+            <a:r>
+              <a:rPr lang="en-US" dirty="0"/>
+              <a:t>Pattern matching</a:t>
+            </a:r>
+          </a:p>
+          <a:p>
+            <a:r>
+              <a:rPr lang="en-US" dirty="0"/>
+              <a:t>Record classes</a:t>
+            </a:r>
+          </a:p>
+          <a:p>
+            <a:r>
+              <a:rPr lang="en-US" dirty="0"/>
+              <a:t>Sealed classes</a:t>
+            </a:r>
+          </a:p>
+        </p:txBody>
+      </p:sp>
+    </p:spTree>
+    <p:extLst>
+      <p:ext uri="{BB962C8B-B14F-4D97-AF65-F5344CB8AC3E}">
+        <p14:creationId xmlns:p14="http://schemas.microsoft.com/office/powerpoint/2010/main" val="2948442141"/>
+      </p:ext>
+    </p:extLst>
+  </p:cSld>
+  <p:clrMapOvr>
+    <a:masterClrMapping/>
+  </p:clrMapOvr>
+</p:sld>
+</file>
+
+<file path=ppt/slides/slide7.xml><?xml version="1.0" encoding="utf-8"?>
+<p:sld xmlns:a="http://schemas.openxmlformats.org/drawingml/2006/main" xmlns:r="http://schemas.openxmlformats.org/officeDocument/2006/relationships" xmlns:p="http://schemas.openxmlformats.org/presentationml/2006/main">
+  <p:cSld>
+    <p:spTree>
+      <p:nvGrpSpPr>
+        <p:cNvPr id="1" name=""/>
+        <p:cNvGrpSpPr/>
+        <p:nvPr/>
+      </p:nvGrpSpPr>
+      <p:grpSpPr>
+        <a:xfrm>
+          <a:off x="0" y="0"/>
+          <a:ext cx="0" cy="0"/>
+          <a:chOff x="0" y="0"/>
+          <a:chExt cx="0" cy="0"/>
+        </a:xfrm>
+      </p:grpSpPr>
+      <p:sp>
+        <p:nvSpPr>
+          <p:cNvPr id="2" name="Title 1">
+            <a:extLst>
+              <a:ext uri="{FF2B5EF4-FFF2-40B4-BE49-F238E27FC236}">
                 <a16:creationId xmlns:a16="http://schemas.microsoft.com/office/drawing/2014/main" id="{C2052CE5-F69A-D645-8ECD-5C44E4A30D5C}"/>
               </a:ext>
             </a:extLst>
@@ -8482,7 +16152,7 @@
           <a:p>
             <a:r>
               <a:rPr lang="en-US" dirty="0"/>
-              <a:t>Language Changes</a:t>
+              <a:t>Language</a:t>
             </a:r>
           </a:p>
         </p:txBody>
@@ -8514,6 +16184,22 @@
             <a:noAutofit/>
           </a:bodyPr>
           <a:lstStyle/>
+          <a:p>
+            <a:pPr marL="0" lvl="0" indent="0" algn="ctr">
+              <a:buClr>
+                <a:prstClr val="white"/>
+              </a:buClr>
+              <a:buNone/>
+            </a:pPr>
+            <a:r>
+              <a:rPr lang="en-US" sz="2400" i="1" dirty="0">
+                <a:solidFill>
+                  <a:prstClr val="white"/>
+                </a:solidFill>
+              </a:rPr>
+              <a:t>Java 9</a:t>
+            </a:r>
+          </a:p>
           <a:p>
             <a:pPr marL="0" indent="0">
               <a:buNone/>
@@ -8900,7 +16586,7 @@
 </p:sld>
 </file>
 
-<file path=ppt/slides/slide7.xml><?xml version="1.0" encoding="utf-8"?>
+<file path=ppt/slides/slide8.xml><?xml version="1.0" encoding="utf-8"?>
 <p:sld xmlns:a="http://schemas.openxmlformats.org/drawingml/2006/main" xmlns:r="http://schemas.openxmlformats.org/officeDocument/2006/relationships" xmlns:p="http://schemas.openxmlformats.org/presentationml/2006/main">
   <p:cSld>
     <p:spTree>
@@ -8940,7 +16626,7 @@
           <a:p>
             <a:r>
               <a:rPr lang="en-US" dirty="0"/>
-              <a:t>Language Changes</a:t>
+              <a:t>Language</a:t>
             </a:r>
           </a:p>
         </p:txBody>
@@ -8972,6 +16658,22 @@
             <a:noAutofit/>
           </a:bodyPr>
           <a:lstStyle/>
+          <a:p>
+            <a:pPr marL="0" lvl="0" indent="0" algn="ctr">
+              <a:buClr>
+                <a:prstClr val="white"/>
+              </a:buClr>
+              <a:buNone/>
+            </a:pPr>
+            <a:r>
+              <a:rPr lang="en-US" sz="2400" i="1" dirty="0">
+                <a:solidFill>
+                  <a:prstClr val="white"/>
+                </a:solidFill>
+              </a:rPr>
+              <a:t>Java 9</a:t>
+            </a:r>
+          </a:p>
           <a:p>
             <a:pPr marL="0" indent="0">
               <a:buNone/>
@@ -9238,395 +16940,6 @@
 </p:sld>
 </file>
 
-<file path=ppt/slides/slide8.xml><?xml version="1.0" encoding="utf-8"?>
-<p:sld xmlns:a="http://schemas.openxmlformats.org/drawingml/2006/main" xmlns:r="http://schemas.openxmlformats.org/officeDocument/2006/relationships" xmlns:p="http://schemas.openxmlformats.org/presentationml/2006/main">
-  <p:cSld>
-    <p:spTree>
-      <p:nvGrpSpPr>
-        <p:cNvPr id="1" name=""/>
-        <p:cNvGrpSpPr/>
-        <p:nvPr/>
-      </p:nvGrpSpPr>
-      <p:grpSpPr>
-        <a:xfrm>
-          <a:off x="0" y="0"/>
-          <a:ext cx="0" cy="0"/>
-          <a:chOff x="0" y="0"/>
-          <a:chExt cx="0" cy="0"/>
-        </a:xfrm>
-      </p:grpSpPr>
-      <p:sp>
-        <p:nvSpPr>
-          <p:cNvPr id="2" name="Title 1">
-            <a:extLst>
-              <a:ext uri="{FF2B5EF4-FFF2-40B4-BE49-F238E27FC236}">
-                <a16:creationId xmlns:a16="http://schemas.microsoft.com/office/drawing/2014/main" id="{C2052CE5-F69A-D645-8ECD-5C44E4A30D5C}"/>
-              </a:ext>
-            </a:extLst>
-          </p:cNvPr>
-          <p:cNvSpPr>
-            <a:spLocks noGrp="1"/>
-          </p:cNvSpPr>
-          <p:nvPr>
-            <p:ph type="title"/>
-          </p:nvPr>
-        </p:nvSpPr>
-        <p:spPr/>
-        <p:txBody>
-          <a:bodyPr/>
-          <a:lstStyle/>
-          <a:p>
-            <a:r>
-              <a:rPr lang="en-US" dirty="0"/>
-              <a:t>Language Changes</a:t>
-            </a:r>
-          </a:p>
-        </p:txBody>
-      </p:sp>
-      <p:sp>
-        <p:nvSpPr>
-          <p:cNvPr id="3" name="Content Placeholder 2">
-            <a:extLst>
-              <a:ext uri="{FF2B5EF4-FFF2-40B4-BE49-F238E27FC236}">
-                <a16:creationId xmlns:a16="http://schemas.microsoft.com/office/drawing/2014/main" id="{20ABE521-BF95-4441-82E2-23994761C137}"/>
-              </a:ext>
-            </a:extLst>
-          </p:cNvPr>
-          <p:cNvSpPr>
-            <a:spLocks noGrp="1"/>
-          </p:cNvSpPr>
-          <p:nvPr>
-            <p:ph sz="half" idx="1"/>
-          </p:nvPr>
-        </p:nvSpPr>
-        <p:spPr>
-          <a:xfrm>
-            <a:off x="685802" y="2142067"/>
-            <a:ext cx="3016403" cy="3649134"/>
-          </a:xfrm>
-        </p:spPr>
-        <p:txBody>
-          <a:bodyPr>
-            <a:noAutofit/>
-          </a:bodyPr>
-          <a:lstStyle/>
-          <a:p>
-            <a:pPr marL="0" indent="0">
-              <a:buNone/>
-            </a:pPr>
-            <a:r>
-              <a:rPr lang="en-US" sz="2800" dirty="0"/>
-              <a:t>Java Platform Module System</a:t>
-            </a:r>
-          </a:p>
-          <a:p>
-            <a:pPr marL="0" indent="0">
-              <a:buNone/>
-            </a:pPr>
-            <a:r>
-              <a:rPr lang="en-US" sz="2800" dirty="0"/>
-              <a:t>(JPMS)</a:t>
-            </a:r>
-          </a:p>
-        </p:txBody>
-      </p:sp>
-      <p:sp>
-        <p:nvSpPr>
-          <p:cNvPr id="4" name="Content Placeholder 3">
-            <a:extLst>
-              <a:ext uri="{FF2B5EF4-FFF2-40B4-BE49-F238E27FC236}">
-                <a16:creationId xmlns:a16="http://schemas.microsoft.com/office/drawing/2014/main" id="{26204FAF-26E7-1B46-B974-24DDC791B844}"/>
-              </a:ext>
-            </a:extLst>
-          </p:cNvPr>
-          <p:cNvSpPr>
-            <a:spLocks noGrp="1"/>
-          </p:cNvSpPr>
-          <p:nvPr>
-            <p:ph sz="half" idx="2"/>
-          </p:nvPr>
-        </p:nvSpPr>
-        <p:spPr>
-          <a:xfrm>
-            <a:off x="3914078" y="2142067"/>
-            <a:ext cx="6903149" cy="3649133"/>
-          </a:xfrm>
-        </p:spPr>
-        <p:txBody>
-          <a:bodyPr anchor="t">
-            <a:normAutofit/>
-          </a:bodyPr>
-          <a:lstStyle/>
-          <a:p>
-            <a:pPr marL="0" indent="0">
-              <a:lnSpc>
-                <a:spcPct val="120000"/>
-              </a:lnSpc>
-              <a:buNone/>
-            </a:pPr>
-            <a:r>
-              <a:rPr lang="en-US" sz="2400" dirty="0"/>
-              <a:t>Adoption</a:t>
-            </a:r>
-          </a:p>
-          <a:p>
-            <a:pPr marL="0" indent="0">
-              <a:buNone/>
-            </a:pPr>
-            <a:endParaRPr lang="en-US" sz="2400" dirty="0"/>
-          </a:p>
-          <a:p>
-            <a:pPr marL="0" indent="0">
-              <a:lnSpc>
-                <a:spcPct val="150000"/>
-              </a:lnSpc>
-              <a:buNone/>
-            </a:pPr>
-            <a:r>
-              <a:rPr lang="en-US" sz="2000" dirty="0"/>
-              <a:t>JDK itself is the primary user</a:t>
-            </a:r>
-          </a:p>
-          <a:p>
-            <a:pPr>
-              <a:lnSpc>
-                <a:spcPct val="150000"/>
-              </a:lnSpc>
-            </a:pPr>
-            <a:r>
-              <a:rPr lang="en-US" sz="2000" dirty="0"/>
-              <a:t>Fully restructured and repackaged as modules</a:t>
-            </a:r>
-          </a:p>
-          <a:p>
-            <a:pPr marL="0" indent="0">
-              <a:lnSpc>
-                <a:spcPct val="150000"/>
-              </a:lnSpc>
-              <a:buNone/>
-            </a:pPr>
-            <a:r>
-              <a:rPr lang="en-US" sz="2000" dirty="0"/>
-              <a:t>Reception by the general community is lukewarm, adoption slow</a:t>
-            </a:r>
-          </a:p>
-        </p:txBody>
-      </p:sp>
-    </p:spTree>
-    <p:extLst>
-      <p:ext uri="{BB962C8B-B14F-4D97-AF65-F5344CB8AC3E}">
-        <p14:creationId xmlns:p14="http://schemas.microsoft.com/office/powerpoint/2010/main" val="2443585651"/>
-      </p:ext>
-    </p:extLst>
-  </p:cSld>
-  <p:clrMapOvr>
-    <a:masterClrMapping/>
-  </p:clrMapOvr>
-  <p:timing>
-    <p:tnLst>
-      <p:par>
-        <p:cTn id="1" dur="indefinite" restart="never" nodeType="tmRoot">
-          <p:childTnLst>
-            <p:seq concurrent="1" nextAc="seek">
-              <p:cTn id="2" dur="indefinite" nodeType="mainSeq">
-                <p:childTnLst>
-                  <p:par>
-                    <p:cTn id="3" fill="hold">
-                      <p:stCondLst>
-                        <p:cond delay="indefinite"/>
-                        <p:cond evt="onBegin" delay="0">
-                          <p:tn val="2"/>
-                        </p:cond>
-                      </p:stCondLst>
-                      <p:childTnLst>
-                        <p:par>
-                          <p:cTn id="4" fill="hold">
-                            <p:stCondLst>
-                              <p:cond delay="0"/>
-                            </p:stCondLst>
-                            <p:childTnLst>
-                              <p:par>
-                                <p:cTn id="5" presetID="1" presetClass="entr" presetSubtype="0" fill="hold" nodeType="afterEffect">
-                                  <p:stCondLst>
-                                    <p:cond delay="0"/>
-                                  </p:stCondLst>
-                                  <p:childTnLst>
-                                    <p:set>
-                                      <p:cBhvr>
-                                        <p:cTn id="6" dur="1" fill="hold">
-                                          <p:stCondLst>
-                                            <p:cond delay="0"/>
-                                          </p:stCondLst>
-                                        </p:cTn>
-                                        <p:tgtEl>
-                                          <p:spTgt spid="4">
-                                            <p:txEl>
-                                              <p:pRg st="0" end="0"/>
-                                            </p:txEl>
-                                          </p:spTgt>
-                                        </p:tgtEl>
-                                        <p:attrNameLst>
-                                          <p:attrName>style.visibility</p:attrName>
-                                        </p:attrNameLst>
-                                      </p:cBhvr>
-                                      <p:to>
-                                        <p:strVal val="visible"/>
-                                      </p:to>
-                                    </p:set>
-                                  </p:childTnLst>
-                                </p:cTn>
-                              </p:par>
-                            </p:childTnLst>
-                          </p:cTn>
-                        </p:par>
-                        <p:par>
-                          <p:cTn id="7" fill="hold">
-                            <p:stCondLst>
-                              <p:cond delay="0"/>
-                            </p:stCondLst>
-                            <p:childTnLst>
-                              <p:par>
-                                <p:cTn id="8" presetID="1" presetClass="entr" presetSubtype="0" fill="hold" nodeType="afterEffect">
-                                  <p:stCondLst>
-                                    <p:cond delay="0"/>
-                                  </p:stCondLst>
-                                  <p:childTnLst>
-                                    <p:set>
-                                      <p:cBhvr>
-                                        <p:cTn id="9" dur="1" fill="hold">
-                                          <p:stCondLst>
-                                            <p:cond delay="0"/>
-                                          </p:stCondLst>
-                                        </p:cTn>
-                                        <p:tgtEl>
-                                          <p:spTgt spid="4">
-                                            <p:txEl>
-                                              <p:pRg st="2" end="2"/>
-                                            </p:txEl>
-                                          </p:spTgt>
-                                        </p:tgtEl>
-                                        <p:attrNameLst>
-                                          <p:attrName>style.visibility</p:attrName>
-                                        </p:attrNameLst>
-                                      </p:cBhvr>
-                                      <p:to>
-                                        <p:strVal val="visible"/>
-                                      </p:to>
-                                    </p:set>
-                                  </p:childTnLst>
-                                </p:cTn>
-                              </p:par>
-                            </p:childTnLst>
-                          </p:cTn>
-                        </p:par>
-                        <p:par>
-                          <p:cTn id="10" fill="hold">
-                            <p:stCondLst>
-                              <p:cond delay="0"/>
-                            </p:stCondLst>
-                            <p:childTnLst>
-                              <p:par>
-                                <p:cTn id="11" presetID="1" presetClass="entr" presetSubtype="0" fill="hold" nodeType="afterEffect">
-                                  <p:stCondLst>
-                                    <p:cond delay="0"/>
-                                  </p:stCondLst>
-                                  <p:childTnLst>
-                                    <p:set>
-                                      <p:cBhvr>
-                                        <p:cTn id="12" dur="1" fill="hold">
-                                          <p:stCondLst>
-                                            <p:cond delay="0"/>
-                                          </p:stCondLst>
-                                        </p:cTn>
-                                        <p:tgtEl>
-                                          <p:spTgt spid="4">
-                                            <p:txEl>
-                                              <p:pRg st="3" end="3"/>
-                                            </p:txEl>
-                                          </p:spTgt>
-                                        </p:tgtEl>
-                                        <p:attrNameLst>
-                                          <p:attrName>style.visibility</p:attrName>
-                                        </p:attrNameLst>
-                                      </p:cBhvr>
-                                      <p:to>
-                                        <p:strVal val="visible"/>
-                                      </p:to>
-                                    </p:set>
-                                  </p:childTnLst>
-                                </p:cTn>
-                              </p:par>
-                            </p:childTnLst>
-                          </p:cTn>
-                        </p:par>
-                        <p:par>
-                          <p:cTn id="13" fill="hold">
-                            <p:stCondLst>
-                              <p:cond delay="0"/>
-                            </p:stCondLst>
-                            <p:childTnLst>
-                              <p:par>
-                                <p:cTn id="14" presetID="1" presetClass="entr" presetSubtype="0" fill="hold" nodeType="afterEffect">
-                                  <p:stCondLst>
-                                    <p:cond delay="0"/>
-                                  </p:stCondLst>
-                                  <p:childTnLst>
-                                    <p:set>
-                                      <p:cBhvr>
-                                        <p:cTn id="15" dur="1" fill="hold">
-                                          <p:stCondLst>
-                                            <p:cond delay="0"/>
-                                          </p:stCondLst>
-                                        </p:cTn>
-                                        <p:tgtEl>
-                                          <p:spTgt spid="4">
-                                            <p:txEl>
-                                              <p:pRg st="4" end="4"/>
-                                            </p:txEl>
-                                          </p:spTgt>
-                                        </p:tgtEl>
-                                        <p:attrNameLst>
-                                          <p:attrName>style.visibility</p:attrName>
-                                        </p:attrNameLst>
-                                      </p:cBhvr>
-                                      <p:to>
-                                        <p:strVal val="visible"/>
-                                      </p:to>
-                                    </p:set>
-                                  </p:childTnLst>
-                                </p:cTn>
-                              </p:par>
-                            </p:childTnLst>
-                          </p:cTn>
-                        </p:par>
-                      </p:childTnLst>
-                    </p:cTn>
-                  </p:par>
-                </p:childTnLst>
-              </p:cTn>
-              <p:prevCondLst>
-                <p:cond evt="onPrev" delay="0">
-                  <p:tgtEl>
-                    <p:sldTgt/>
-                  </p:tgtEl>
-                </p:cond>
-              </p:prevCondLst>
-              <p:nextCondLst>
-                <p:cond evt="onNext" delay="0">
-                  <p:tgtEl>
-                    <p:sldTgt/>
-                  </p:tgtEl>
-                </p:cond>
-              </p:nextCondLst>
-            </p:seq>
-          </p:childTnLst>
-        </p:cTn>
-      </p:par>
-    </p:tnLst>
-  </p:timing>
-</p:sld>
-</file>
-
 <file path=ppt/slides/slide9.xml><?xml version="1.0" encoding="utf-8"?>
 <p:sld xmlns:a="http://schemas.openxmlformats.org/drawingml/2006/main" xmlns:r="http://schemas.openxmlformats.org/officeDocument/2006/relationships" xmlns:p="http://schemas.openxmlformats.org/presentationml/2006/main">
   <p:cSld>
@@ -9667,7 +16980,7 @@
           <a:p>
             <a:r>
               <a:rPr lang="en-US" dirty="0"/>
-              <a:t>Language Changes</a:t>
+              <a:t>Language</a:t>
             </a:r>
           </a:p>
         </p:txBody>
@@ -9700,12 +17013,37 @@
           </a:bodyPr>
           <a:lstStyle/>
           <a:p>
+            <a:pPr marL="0" lvl="0" indent="0" algn="ctr">
+              <a:buClr>
+                <a:prstClr val="white"/>
+              </a:buClr>
+              <a:buNone/>
+            </a:pPr>
+            <a:r>
+              <a:rPr lang="en-US" sz="2400" i="1" dirty="0">
+                <a:solidFill>
+                  <a:prstClr val="white"/>
+                </a:solidFill>
+              </a:rPr>
+              <a:t>Java 9</a:t>
+            </a:r>
+          </a:p>
+          <a:p>
             <a:pPr marL="0" indent="0">
               <a:buNone/>
             </a:pPr>
             <a:r>
               <a:rPr lang="en-US" sz="2800" dirty="0"/>
-              <a:t>Private Interface Methods</a:t>
+              <a:t>Java Platform Module System</a:t>
+            </a:r>
+          </a:p>
+          <a:p>
+            <a:pPr marL="0" indent="0">
+              <a:buNone/>
+            </a:pPr>
+            <a:r>
+              <a:rPr lang="en-US" sz="2800" dirty="0"/>
+              <a:t>(JPMS)</a:t>
             </a:r>
           </a:p>
         </p:txBody>
@@ -9746,7 +17084,7 @@
             </a:pPr>
             <a:r>
               <a:rPr lang="en-US" sz="2400" dirty="0"/>
-              <a:t>Private non-virtual methods on interfaces</a:t>
+              <a:t>Adoption</a:t>
             </a:r>
           </a:p>
           <a:p>
@@ -9764,7 +17102,18 @@
             </a:pPr>
             <a:r>
               <a:rPr lang="en-US" sz="2000" dirty="0"/>
-              <a:t>Interfaces with behavior?! Preposterous!</a:t>
+              <a:t>JDK itself is the primary user</a:t>
+            </a:r>
+          </a:p>
+          <a:p>
+            <a:pPr>
+              <a:lnSpc>
+                <a:spcPct val="150000"/>
+              </a:lnSpc>
+            </a:pPr>
+            <a:r>
+              <a:rPr lang="en-US" sz="2000" dirty="0"/>
+              <a:t>Fully restructured and repackaged as modules</a:t>
             </a:r>
           </a:p>
           <a:p>
@@ -9776,32 +17125,15 @@
             </a:pPr>
             <a:r>
               <a:rPr lang="en-US" sz="2000" dirty="0"/>
-              <a:t>Only private methods, so of limited use</a:t>
-            </a:r>
-          </a:p>
-          <a:p>
-            <a:pPr marL="0" indent="0">
-              <a:lnSpc>
-                <a:spcPct val="150000"/>
-              </a:lnSpc>
-              <a:buNone/>
-            </a:pPr>
-            <a:r>
-              <a:rPr lang="en-US" sz="2000" dirty="0"/>
-              <a:t>Think of them as helpers for </a:t>
-            </a:r>
-            <a:r>
-              <a:rPr lang="en-US" sz="2000"/>
-              <a:t>default methods, a factoring tool</a:t>
-            </a:r>
-            <a:endParaRPr lang="en-US" sz="2000" dirty="0"/>
+              <a:t>Reception by the general community is lukewarm, adoption slow</a:t>
+            </a:r>
           </a:p>
         </p:txBody>
       </p:sp>
     </p:spTree>
     <p:extLst>
       <p:ext uri="{BB962C8B-B14F-4D97-AF65-F5344CB8AC3E}">
-        <p14:creationId xmlns:p14="http://schemas.microsoft.com/office/powerpoint/2010/main" val="943218570"/>
+        <p14:creationId xmlns:p14="http://schemas.microsoft.com/office/powerpoint/2010/main" val="2443585651"/>
       </p:ext>
     </p:extLst>
   </p:cSld>

--- a/Java 9 and up.pptx
+++ b/Java 9 and up.pptx
@@ -5,7 +5,7 @@
     <p:sldMasterId id="2147483648" r:id="rId1"/>
   </p:sldMasterIdLst>
   <p:notesMasterIdLst>
-    <p:notesMasterId r:id="rId36"/>
+    <p:notesMasterId r:id="rId47"/>
   </p:notesMasterIdLst>
   <p:sldIdLst>
     <p:sldId id="256" r:id="rId2"/>
@@ -34,14 +34,25 @@
     <p:sldId id="311" r:id="rId25"/>
     <p:sldId id="259" r:id="rId26"/>
     <p:sldId id="264" r:id="rId27"/>
-    <p:sldId id="260" r:id="rId28"/>
-    <p:sldId id="265" r:id="rId29"/>
-    <p:sldId id="261" r:id="rId30"/>
-    <p:sldId id="266" r:id="rId31"/>
-    <p:sldId id="294" r:id="rId32"/>
-    <p:sldId id="295" r:id="rId33"/>
-    <p:sldId id="312" r:id="rId34"/>
-    <p:sldId id="297" r:id="rId35"/>
+    <p:sldId id="314" r:id="rId28"/>
+    <p:sldId id="315" r:id="rId29"/>
+    <p:sldId id="324" r:id="rId30"/>
+    <p:sldId id="316" r:id="rId31"/>
+    <p:sldId id="318" r:id="rId32"/>
+    <p:sldId id="321" r:id="rId33"/>
+    <p:sldId id="317" r:id="rId34"/>
+    <p:sldId id="322" r:id="rId35"/>
+    <p:sldId id="323" r:id="rId36"/>
+    <p:sldId id="319" r:id="rId37"/>
+    <p:sldId id="320" r:id="rId38"/>
+    <p:sldId id="260" r:id="rId39"/>
+    <p:sldId id="265" r:id="rId40"/>
+    <p:sldId id="261" r:id="rId41"/>
+    <p:sldId id="266" r:id="rId42"/>
+    <p:sldId id="294" r:id="rId43"/>
+    <p:sldId id="295" r:id="rId44"/>
+    <p:sldId id="312" r:id="rId45"/>
+    <p:sldId id="297" r:id="rId46"/>
   </p:sldIdLst>
   <p:sldSz cx="12192000" cy="6858000"/>
   <p:notesSz cx="6858000" cy="9144000"/>
@@ -183,6 +194,17 @@
           <p14:sldIdLst>
             <p14:sldId id="259"/>
             <p14:sldId id="264"/>
+            <p14:sldId id="314"/>
+            <p14:sldId id="315"/>
+            <p14:sldId id="324"/>
+            <p14:sldId id="316"/>
+            <p14:sldId id="318"/>
+            <p14:sldId id="321"/>
+            <p14:sldId id="317"/>
+            <p14:sldId id="322"/>
+            <p14:sldId id="323"/>
+            <p14:sldId id="319"/>
+            <p14:sldId id="320"/>
           </p14:sldIdLst>
         </p14:section>
         <p14:section name="Tooling" id="{0CCF7B50-C21A-724A-BAC0-E3B2FC4E5D6B}">
@@ -296,7 +318,7 @@
           <a:p>
             <a:fld id="{77CD94AE-9584-5947-AE03-C43CD4CBFEED}" type="datetimeFigureOut">
               <a:rPr lang="en-US" smtClean="0"/>
-              <a:t>12/28/20</a:t>
+              <a:t>1/4/21</a:t>
             </a:fld>
             <a:endParaRPr lang="en-US"/>
           </a:p>
@@ -1818,15 +1840,23 @@
           <a:p>
             <a:r>
               <a:rPr lang="en-US" dirty="0"/>
-              <a:t>My hope is that Loom introduces a language-level (or at least, JDK-level) mechanism for message passing, a la </a:t>
+              <a:t>Notable implementers are  </a:t>
             </a:r>
             <a:r>
               <a:rPr lang="en-US" dirty="0" err="1"/>
-              <a:t>Akka’s</a:t>
+              <a:t>Akka</a:t>
             </a:r>
             <a:r>
               <a:rPr lang="en-US" dirty="0"/>
-              <a:t> Actors or Go’s goroutines.</a:t>
+              <a:t>, Project Reactor, </a:t>
+            </a:r>
+            <a:r>
+              <a:rPr lang="en-US" dirty="0" err="1"/>
+              <a:t>Vert.x</a:t>
+            </a:r>
+            <a:r>
+              <a:rPr lang="en-US" dirty="0"/>
+              <a:t>, and more</a:t>
             </a:r>
           </a:p>
         </p:txBody>
@@ -1846,9 +1876,9 @@
           <a:bodyPr/>
           <a:lstStyle/>
           <a:p>
-            <a:fld id="{04A691DF-99D8-2A4F-A43E-F57D41F45428}" type="slidenum">
+            <a:fld id="{B74070AD-33A4-834F-B7FB-BE5272A61543}" type="slidenum">
               <a:rPr lang="en-US" smtClean="0"/>
-              <a:t>33</a:t>
+              <a:t>27</a:t>
             </a:fld>
             <a:endParaRPr lang="en-US"/>
           </a:p>
@@ -1857,7 +1887,7 @@
     </p:spTree>
     <p:extLst>
       <p:ext uri="{BB962C8B-B14F-4D97-AF65-F5344CB8AC3E}">
-        <p14:creationId xmlns:p14="http://schemas.microsoft.com/office/powerpoint/2010/main" val="2449533439"/>
+        <p14:creationId xmlns:p14="http://schemas.microsoft.com/office/powerpoint/2010/main" val="2541154469"/>
       </p:ext>
     </p:extLst>
   </p:cSld>
@@ -1911,7 +1941,525 @@
           <a:bodyPr/>
           <a:lstStyle/>
           <a:p>
+            <a:r>
+              <a:rPr lang="en-US" dirty="0"/>
+              <a:t>Due to its performance, probably not the choice for production-grade applications. But a </a:t>
+            </a:r>
+            <a:r>
+              <a:rPr lang="en-US"/>
+              <a:t>find choice for </a:t>
+            </a:r>
+            <a:r>
+              <a:rPr lang="en-US" dirty="0"/>
+              <a:t>scripts, prototypes, etc.</a:t>
+            </a:r>
+          </a:p>
+        </p:txBody>
+      </p:sp>
+      <p:sp>
+        <p:nvSpPr>
+          <p:cNvPr id="4" name="Slide Number Placeholder 3"/>
+          <p:cNvSpPr>
+            <a:spLocks noGrp="1"/>
+          </p:cNvSpPr>
+          <p:nvPr>
+            <p:ph type="sldNum" sz="quarter" idx="5"/>
+          </p:nvPr>
+        </p:nvSpPr>
+        <p:spPr/>
+        <p:txBody>
+          <a:bodyPr/>
+          <a:lstStyle/>
+          <a:p>
+            <a:fld id="{B74070AD-33A4-834F-B7FB-BE5272A61543}" type="slidenum">
+              <a:rPr lang="en-US" smtClean="0"/>
+              <a:t>28</a:t>
+            </a:fld>
+            <a:endParaRPr lang="en-US"/>
+          </a:p>
+        </p:txBody>
+      </p:sp>
+    </p:spTree>
+    <p:extLst>
+      <p:ext uri="{BB962C8B-B14F-4D97-AF65-F5344CB8AC3E}">
+        <p14:creationId xmlns:p14="http://schemas.microsoft.com/office/powerpoint/2010/main" val="1286967050"/>
+      </p:ext>
+    </p:extLst>
+  </p:cSld>
+  <p:clrMapOvr>
+    <a:masterClrMapping/>
+  </p:clrMapOvr>
+</p:notes>
+</file>
+
+<file path=ppt/notesSlides/notesSlide24.xml><?xml version="1.0" encoding="utf-8"?>
+<p:notes xmlns:a="http://schemas.openxmlformats.org/drawingml/2006/main" xmlns:r="http://schemas.openxmlformats.org/officeDocument/2006/relationships" xmlns:p="http://schemas.openxmlformats.org/presentationml/2006/main">
+  <p:cSld>
+    <p:spTree>
+      <p:nvGrpSpPr>
+        <p:cNvPr id="1" name=""/>
+        <p:cNvGrpSpPr/>
+        <p:nvPr/>
+      </p:nvGrpSpPr>
+      <p:grpSpPr>
+        <a:xfrm>
+          <a:off x="0" y="0"/>
+          <a:ext cx="0" cy="0"/>
+          <a:chOff x="0" y="0"/>
+          <a:chExt cx="0" cy="0"/>
+        </a:xfrm>
+      </p:grpSpPr>
+      <p:sp>
+        <p:nvSpPr>
+          <p:cNvPr id="2" name="Slide Image Placeholder 1"/>
+          <p:cNvSpPr>
+            <a:spLocks noGrp="1" noRot="1" noChangeAspect="1"/>
+          </p:cNvSpPr>
+          <p:nvPr>
+            <p:ph type="sldImg"/>
+          </p:nvPr>
+        </p:nvSpPr>
+        <p:spPr/>
+      </p:sp>
+      <p:sp>
+        <p:nvSpPr>
+          <p:cNvPr id="3" name="Notes Placeholder 2"/>
+          <p:cNvSpPr>
+            <a:spLocks noGrp="1"/>
+          </p:cNvSpPr>
+          <p:nvPr>
+            <p:ph type="body" idx="1"/>
+          </p:nvPr>
+        </p:nvSpPr>
+        <p:spPr/>
+        <p:txBody>
+          <a:bodyPr/>
+          <a:lstStyle/>
+          <a:p>
             <a:endParaRPr lang="en-US" dirty="0"/>
+          </a:p>
+        </p:txBody>
+      </p:sp>
+      <p:sp>
+        <p:nvSpPr>
+          <p:cNvPr id="4" name="Slide Number Placeholder 3"/>
+          <p:cNvSpPr>
+            <a:spLocks noGrp="1"/>
+          </p:cNvSpPr>
+          <p:nvPr>
+            <p:ph type="sldNum" sz="quarter" idx="5"/>
+          </p:nvPr>
+        </p:nvSpPr>
+        <p:spPr/>
+        <p:txBody>
+          <a:bodyPr/>
+          <a:lstStyle/>
+          <a:p>
+            <a:fld id="{B74070AD-33A4-834F-B7FB-BE5272A61543}" type="slidenum">
+              <a:rPr lang="en-US" smtClean="0"/>
+              <a:t>29</a:t>
+            </a:fld>
+            <a:endParaRPr lang="en-US"/>
+          </a:p>
+        </p:txBody>
+      </p:sp>
+    </p:spTree>
+    <p:extLst>
+      <p:ext uri="{BB962C8B-B14F-4D97-AF65-F5344CB8AC3E}">
+        <p14:creationId xmlns:p14="http://schemas.microsoft.com/office/powerpoint/2010/main" val="3273993753"/>
+      </p:ext>
+    </p:extLst>
+  </p:cSld>
+  <p:clrMapOvr>
+    <a:masterClrMapping/>
+  </p:clrMapOvr>
+</p:notes>
+</file>
+
+<file path=ppt/notesSlides/notesSlide25.xml><?xml version="1.0" encoding="utf-8"?>
+<p:notes xmlns:a="http://schemas.openxmlformats.org/drawingml/2006/main" xmlns:r="http://schemas.openxmlformats.org/officeDocument/2006/relationships" xmlns:p="http://schemas.openxmlformats.org/presentationml/2006/main">
+  <p:cSld>
+    <p:spTree>
+      <p:nvGrpSpPr>
+        <p:cNvPr id="1" name=""/>
+        <p:cNvGrpSpPr/>
+        <p:nvPr/>
+      </p:nvGrpSpPr>
+      <p:grpSpPr>
+        <a:xfrm>
+          <a:off x="0" y="0"/>
+          <a:ext cx="0" cy="0"/>
+          <a:chOff x="0" y="0"/>
+          <a:chExt cx="0" cy="0"/>
+        </a:xfrm>
+      </p:grpSpPr>
+      <p:sp>
+        <p:nvSpPr>
+          <p:cNvPr id="2" name="Slide Image Placeholder 1"/>
+          <p:cNvSpPr>
+            <a:spLocks noGrp="1" noRot="1" noChangeAspect="1"/>
+          </p:cNvSpPr>
+          <p:nvPr>
+            <p:ph type="sldImg"/>
+          </p:nvPr>
+        </p:nvSpPr>
+        <p:spPr/>
+      </p:sp>
+      <p:sp>
+        <p:nvSpPr>
+          <p:cNvPr id="3" name="Notes Placeholder 2"/>
+          <p:cNvSpPr>
+            <a:spLocks noGrp="1"/>
+          </p:cNvSpPr>
+          <p:nvPr>
+            <p:ph type="body" idx="1"/>
+          </p:nvPr>
+        </p:nvSpPr>
+        <p:spPr/>
+        <p:txBody>
+          <a:bodyPr/>
+          <a:lstStyle/>
+          <a:p>
+            <a:endParaRPr lang="en-US" dirty="0"/>
+          </a:p>
+        </p:txBody>
+      </p:sp>
+      <p:sp>
+        <p:nvSpPr>
+          <p:cNvPr id="4" name="Slide Number Placeholder 3"/>
+          <p:cNvSpPr>
+            <a:spLocks noGrp="1"/>
+          </p:cNvSpPr>
+          <p:nvPr>
+            <p:ph type="sldNum" sz="quarter" idx="5"/>
+          </p:nvPr>
+        </p:nvSpPr>
+        <p:spPr/>
+        <p:txBody>
+          <a:bodyPr/>
+          <a:lstStyle/>
+          <a:p>
+            <a:fld id="{B74070AD-33A4-834F-B7FB-BE5272A61543}" type="slidenum">
+              <a:rPr lang="en-US" smtClean="0"/>
+              <a:t>30</a:t>
+            </a:fld>
+            <a:endParaRPr lang="en-US"/>
+          </a:p>
+        </p:txBody>
+      </p:sp>
+    </p:spTree>
+    <p:extLst>
+      <p:ext uri="{BB962C8B-B14F-4D97-AF65-F5344CB8AC3E}">
+        <p14:creationId xmlns:p14="http://schemas.microsoft.com/office/powerpoint/2010/main" val="1919607327"/>
+      </p:ext>
+    </p:extLst>
+  </p:cSld>
+  <p:clrMapOvr>
+    <a:masterClrMapping/>
+  </p:clrMapOvr>
+</p:notes>
+</file>
+
+<file path=ppt/notesSlides/notesSlide26.xml><?xml version="1.0" encoding="utf-8"?>
+<p:notes xmlns:a="http://schemas.openxmlformats.org/drawingml/2006/main" xmlns:r="http://schemas.openxmlformats.org/officeDocument/2006/relationships" xmlns:p="http://schemas.openxmlformats.org/presentationml/2006/main">
+  <p:cSld>
+    <p:spTree>
+      <p:nvGrpSpPr>
+        <p:cNvPr id="1" name=""/>
+        <p:cNvGrpSpPr/>
+        <p:nvPr/>
+      </p:nvGrpSpPr>
+      <p:grpSpPr>
+        <a:xfrm>
+          <a:off x="0" y="0"/>
+          <a:ext cx="0" cy="0"/>
+          <a:chOff x="0" y="0"/>
+          <a:chExt cx="0" cy="0"/>
+        </a:xfrm>
+      </p:grpSpPr>
+      <p:sp>
+        <p:nvSpPr>
+          <p:cNvPr id="2" name="Slide Image Placeholder 1"/>
+          <p:cNvSpPr>
+            <a:spLocks noGrp="1" noRot="1" noChangeAspect="1"/>
+          </p:cNvSpPr>
+          <p:nvPr>
+            <p:ph type="sldImg"/>
+          </p:nvPr>
+        </p:nvSpPr>
+        <p:spPr/>
+      </p:sp>
+      <p:sp>
+        <p:nvSpPr>
+          <p:cNvPr id="3" name="Notes Placeholder 2"/>
+          <p:cNvSpPr>
+            <a:spLocks noGrp="1"/>
+          </p:cNvSpPr>
+          <p:nvPr>
+            <p:ph type="body" idx="1"/>
+          </p:nvPr>
+        </p:nvSpPr>
+        <p:spPr/>
+        <p:txBody>
+          <a:bodyPr/>
+          <a:lstStyle/>
+          <a:p>
+            <a:endParaRPr lang="en-US" dirty="0"/>
+          </a:p>
+        </p:txBody>
+      </p:sp>
+      <p:sp>
+        <p:nvSpPr>
+          <p:cNvPr id="4" name="Slide Number Placeholder 3"/>
+          <p:cNvSpPr>
+            <a:spLocks noGrp="1"/>
+          </p:cNvSpPr>
+          <p:nvPr>
+            <p:ph type="sldNum" sz="quarter" idx="5"/>
+          </p:nvPr>
+        </p:nvSpPr>
+        <p:spPr/>
+        <p:txBody>
+          <a:bodyPr/>
+          <a:lstStyle/>
+          <a:p>
+            <a:fld id="{B74070AD-33A4-834F-B7FB-BE5272A61543}" type="slidenum">
+              <a:rPr lang="en-US" smtClean="0"/>
+              <a:t>31</a:t>
+            </a:fld>
+            <a:endParaRPr lang="en-US"/>
+          </a:p>
+        </p:txBody>
+      </p:sp>
+    </p:spTree>
+    <p:extLst>
+      <p:ext uri="{BB962C8B-B14F-4D97-AF65-F5344CB8AC3E}">
+        <p14:creationId xmlns:p14="http://schemas.microsoft.com/office/powerpoint/2010/main" val="957896363"/>
+      </p:ext>
+    </p:extLst>
+  </p:cSld>
+  <p:clrMapOvr>
+    <a:masterClrMapping/>
+  </p:clrMapOvr>
+</p:notes>
+</file>
+
+<file path=ppt/notesSlides/notesSlide27.xml><?xml version="1.0" encoding="utf-8"?>
+<p:notes xmlns:a="http://schemas.openxmlformats.org/drawingml/2006/main" xmlns:r="http://schemas.openxmlformats.org/officeDocument/2006/relationships" xmlns:p="http://schemas.openxmlformats.org/presentationml/2006/main">
+  <p:cSld>
+    <p:spTree>
+      <p:nvGrpSpPr>
+        <p:cNvPr id="1" name=""/>
+        <p:cNvGrpSpPr/>
+        <p:nvPr/>
+      </p:nvGrpSpPr>
+      <p:grpSpPr>
+        <a:xfrm>
+          <a:off x="0" y="0"/>
+          <a:ext cx="0" cy="0"/>
+          <a:chOff x="0" y="0"/>
+          <a:chExt cx="0" cy="0"/>
+        </a:xfrm>
+      </p:grpSpPr>
+      <p:sp>
+        <p:nvSpPr>
+          <p:cNvPr id="2" name="Slide Image Placeholder 1"/>
+          <p:cNvSpPr>
+            <a:spLocks noGrp="1" noRot="1" noChangeAspect="1"/>
+          </p:cNvSpPr>
+          <p:nvPr>
+            <p:ph type="sldImg"/>
+          </p:nvPr>
+        </p:nvSpPr>
+        <p:spPr/>
+      </p:sp>
+      <p:sp>
+        <p:nvSpPr>
+          <p:cNvPr id="3" name="Notes Placeholder 2"/>
+          <p:cNvSpPr>
+            <a:spLocks noGrp="1"/>
+          </p:cNvSpPr>
+          <p:nvPr>
+            <p:ph type="body" idx="1"/>
+          </p:nvPr>
+        </p:nvSpPr>
+        <p:spPr/>
+        <p:txBody>
+          <a:bodyPr/>
+          <a:lstStyle/>
+          <a:p>
+            <a:endParaRPr lang="en-US" dirty="0"/>
+          </a:p>
+        </p:txBody>
+      </p:sp>
+      <p:sp>
+        <p:nvSpPr>
+          <p:cNvPr id="4" name="Slide Number Placeholder 3"/>
+          <p:cNvSpPr>
+            <a:spLocks noGrp="1"/>
+          </p:cNvSpPr>
+          <p:nvPr>
+            <p:ph type="sldNum" sz="quarter" idx="5"/>
+          </p:nvPr>
+        </p:nvSpPr>
+        <p:spPr/>
+        <p:txBody>
+          <a:bodyPr/>
+          <a:lstStyle/>
+          <a:p>
+            <a:fld id="{B74070AD-33A4-834F-B7FB-BE5272A61543}" type="slidenum">
+              <a:rPr lang="en-US" smtClean="0"/>
+              <a:t>32</a:t>
+            </a:fld>
+            <a:endParaRPr lang="en-US"/>
+          </a:p>
+        </p:txBody>
+      </p:sp>
+    </p:spTree>
+    <p:extLst>
+      <p:ext uri="{BB962C8B-B14F-4D97-AF65-F5344CB8AC3E}">
+        <p14:creationId xmlns:p14="http://schemas.microsoft.com/office/powerpoint/2010/main" val="3000728902"/>
+      </p:ext>
+    </p:extLst>
+  </p:cSld>
+  <p:clrMapOvr>
+    <a:masterClrMapping/>
+  </p:clrMapOvr>
+</p:notes>
+</file>
+
+<file path=ppt/notesSlides/notesSlide28.xml><?xml version="1.0" encoding="utf-8"?>
+<p:notes xmlns:a="http://schemas.openxmlformats.org/drawingml/2006/main" xmlns:r="http://schemas.openxmlformats.org/officeDocument/2006/relationships" xmlns:p="http://schemas.openxmlformats.org/presentationml/2006/main">
+  <p:cSld>
+    <p:spTree>
+      <p:nvGrpSpPr>
+        <p:cNvPr id="1" name=""/>
+        <p:cNvGrpSpPr/>
+        <p:nvPr/>
+      </p:nvGrpSpPr>
+      <p:grpSpPr>
+        <a:xfrm>
+          <a:off x="0" y="0"/>
+          <a:ext cx="0" cy="0"/>
+          <a:chOff x="0" y="0"/>
+          <a:chExt cx="0" cy="0"/>
+        </a:xfrm>
+      </p:grpSpPr>
+      <p:sp>
+        <p:nvSpPr>
+          <p:cNvPr id="2" name="Slide Image Placeholder 1"/>
+          <p:cNvSpPr>
+            <a:spLocks noGrp="1" noRot="1" noChangeAspect="1"/>
+          </p:cNvSpPr>
+          <p:nvPr>
+            <p:ph type="sldImg"/>
+          </p:nvPr>
+        </p:nvSpPr>
+        <p:spPr/>
+      </p:sp>
+      <p:sp>
+        <p:nvSpPr>
+          <p:cNvPr id="3" name="Notes Placeholder 2"/>
+          <p:cNvSpPr>
+            <a:spLocks noGrp="1"/>
+          </p:cNvSpPr>
+          <p:nvPr>
+            <p:ph type="body" idx="1"/>
+          </p:nvPr>
+        </p:nvSpPr>
+        <p:spPr/>
+        <p:txBody>
+          <a:bodyPr/>
+          <a:lstStyle/>
+          <a:p>
+            <a:endParaRPr lang="en-US" dirty="0"/>
+          </a:p>
+        </p:txBody>
+      </p:sp>
+      <p:sp>
+        <p:nvSpPr>
+          <p:cNvPr id="4" name="Slide Number Placeholder 3"/>
+          <p:cNvSpPr>
+            <a:spLocks noGrp="1"/>
+          </p:cNvSpPr>
+          <p:nvPr>
+            <p:ph type="sldNum" sz="quarter" idx="5"/>
+          </p:nvPr>
+        </p:nvSpPr>
+        <p:spPr/>
+        <p:txBody>
+          <a:bodyPr/>
+          <a:lstStyle/>
+          <a:p>
+            <a:fld id="{B74070AD-33A4-834F-B7FB-BE5272A61543}" type="slidenum">
+              <a:rPr lang="en-US" smtClean="0"/>
+              <a:t>33</a:t>
+            </a:fld>
+            <a:endParaRPr lang="en-US"/>
+          </a:p>
+        </p:txBody>
+      </p:sp>
+    </p:spTree>
+    <p:extLst>
+      <p:ext uri="{BB962C8B-B14F-4D97-AF65-F5344CB8AC3E}">
+        <p14:creationId xmlns:p14="http://schemas.microsoft.com/office/powerpoint/2010/main" val="2962097564"/>
+      </p:ext>
+    </p:extLst>
+  </p:cSld>
+  <p:clrMapOvr>
+    <a:masterClrMapping/>
+  </p:clrMapOvr>
+</p:notes>
+</file>
+
+<file path=ppt/notesSlides/notesSlide29.xml><?xml version="1.0" encoding="utf-8"?>
+<p:notes xmlns:a="http://schemas.openxmlformats.org/drawingml/2006/main" xmlns:r="http://schemas.openxmlformats.org/officeDocument/2006/relationships" xmlns:p="http://schemas.openxmlformats.org/presentationml/2006/main">
+  <p:cSld>
+    <p:spTree>
+      <p:nvGrpSpPr>
+        <p:cNvPr id="1" name=""/>
+        <p:cNvGrpSpPr/>
+        <p:nvPr/>
+      </p:nvGrpSpPr>
+      <p:grpSpPr>
+        <a:xfrm>
+          <a:off x="0" y="0"/>
+          <a:ext cx="0" cy="0"/>
+          <a:chOff x="0" y="0"/>
+          <a:chExt cx="0" cy="0"/>
+        </a:xfrm>
+      </p:grpSpPr>
+      <p:sp>
+        <p:nvSpPr>
+          <p:cNvPr id="2" name="Slide Image Placeholder 1"/>
+          <p:cNvSpPr>
+            <a:spLocks noGrp="1" noRot="1" noChangeAspect="1"/>
+          </p:cNvSpPr>
+          <p:nvPr>
+            <p:ph type="sldImg"/>
+          </p:nvPr>
+        </p:nvSpPr>
+        <p:spPr/>
+      </p:sp>
+      <p:sp>
+        <p:nvSpPr>
+          <p:cNvPr id="3" name="Notes Placeholder 2"/>
+          <p:cNvSpPr>
+            <a:spLocks noGrp="1"/>
+          </p:cNvSpPr>
+          <p:nvPr>
+            <p:ph type="body" idx="1"/>
+          </p:nvPr>
+        </p:nvSpPr>
+        <p:spPr/>
+        <p:txBody>
+          <a:bodyPr/>
+          <a:lstStyle/>
+          <a:p>
+            <a:r>
+              <a:rPr lang="en-US" dirty="0"/>
+              <a:t>The platform Javadoc is now broken down by modules at the top-level. Drill into the module to see the packages available.</a:t>
+            </a:r>
           </a:p>
         </p:txBody>
       </p:sp>
@@ -1941,7 +2489,7 @@
     </p:spTree>
     <p:extLst>
       <p:ext uri="{BB962C8B-B14F-4D97-AF65-F5344CB8AC3E}">
-        <p14:creationId xmlns:p14="http://schemas.microsoft.com/office/powerpoint/2010/main" val="3981770996"/>
+        <p14:creationId xmlns:p14="http://schemas.microsoft.com/office/powerpoint/2010/main" val="1426917705"/>
       </p:ext>
     </p:extLst>
   </p:cSld>
@@ -2026,6 +2574,440 @@
     <p:extLst>
       <p:ext uri="{BB962C8B-B14F-4D97-AF65-F5344CB8AC3E}">
         <p14:creationId xmlns:p14="http://schemas.microsoft.com/office/powerpoint/2010/main" val="3972942031"/>
+      </p:ext>
+    </p:extLst>
+  </p:cSld>
+  <p:clrMapOvr>
+    <a:masterClrMapping/>
+  </p:clrMapOvr>
+</p:notes>
+</file>
+
+<file path=ppt/notesSlides/notesSlide30.xml><?xml version="1.0" encoding="utf-8"?>
+<p:notes xmlns:a="http://schemas.openxmlformats.org/drawingml/2006/main" xmlns:r="http://schemas.openxmlformats.org/officeDocument/2006/relationships" xmlns:p="http://schemas.openxmlformats.org/presentationml/2006/main">
+  <p:cSld>
+    <p:spTree>
+      <p:nvGrpSpPr>
+        <p:cNvPr id="1" name=""/>
+        <p:cNvGrpSpPr/>
+        <p:nvPr/>
+      </p:nvGrpSpPr>
+      <p:grpSpPr>
+        <a:xfrm>
+          <a:off x="0" y="0"/>
+          <a:ext cx="0" cy="0"/>
+          <a:chOff x="0" y="0"/>
+          <a:chExt cx="0" cy="0"/>
+        </a:xfrm>
+      </p:grpSpPr>
+      <p:sp>
+        <p:nvSpPr>
+          <p:cNvPr id="2" name="Slide Image Placeholder 1"/>
+          <p:cNvSpPr>
+            <a:spLocks noGrp="1" noRot="1" noChangeAspect="1"/>
+          </p:cNvSpPr>
+          <p:nvPr>
+            <p:ph type="sldImg"/>
+          </p:nvPr>
+        </p:nvSpPr>
+        <p:spPr/>
+      </p:sp>
+      <p:sp>
+        <p:nvSpPr>
+          <p:cNvPr id="3" name="Notes Placeholder 2"/>
+          <p:cNvSpPr>
+            <a:spLocks noGrp="1"/>
+          </p:cNvSpPr>
+          <p:nvPr>
+            <p:ph type="body" idx="1"/>
+          </p:nvPr>
+        </p:nvSpPr>
+        <p:spPr/>
+        <p:txBody>
+          <a:bodyPr/>
+          <a:lstStyle/>
+          <a:p>
+            <a:r>
+              <a:rPr lang="en-US" dirty="0"/>
+              <a:t>Note the “module graph” at the top of the module documentation. this shows the module’s imports (dependencies) and exports.</a:t>
+            </a:r>
+          </a:p>
+        </p:txBody>
+      </p:sp>
+      <p:sp>
+        <p:nvSpPr>
+          <p:cNvPr id="4" name="Slide Number Placeholder 3"/>
+          <p:cNvSpPr>
+            <a:spLocks noGrp="1"/>
+          </p:cNvSpPr>
+          <p:nvPr>
+            <p:ph type="sldNum" sz="quarter" idx="5"/>
+          </p:nvPr>
+        </p:nvSpPr>
+        <p:spPr/>
+        <p:txBody>
+          <a:bodyPr/>
+          <a:lstStyle/>
+          <a:p>
+            <a:fld id="{B74070AD-33A4-834F-B7FB-BE5272A61543}" type="slidenum">
+              <a:rPr lang="en-US" smtClean="0"/>
+              <a:t>35</a:t>
+            </a:fld>
+            <a:endParaRPr lang="en-US"/>
+          </a:p>
+        </p:txBody>
+      </p:sp>
+    </p:spTree>
+    <p:extLst>
+      <p:ext uri="{BB962C8B-B14F-4D97-AF65-F5344CB8AC3E}">
+        <p14:creationId xmlns:p14="http://schemas.microsoft.com/office/powerpoint/2010/main" val="3774185377"/>
+      </p:ext>
+    </p:extLst>
+  </p:cSld>
+  <p:clrMapOvr>
+    <a:masterClrMapping/>
+  </p:clrMapOvr>
+</p:notes>
+</file>
+
+<file path=ppt/notesSlides/notesSlide31.xml><?xml version="1.0" encoding="utf-8"?>
+<p:notes xmlns:a="http://schemas.openxmlformats.org/drawingml/2006/main" xmlns:r="http://schemas.openxmlformats.org/officeDocument/2006/relationships" xmlns:p="http://schemas.openxmlformats.org/presentationml/2006/main">
+  <p:cSld>
+    <p:spTree>
+      <p:nvGrpSpPr>
+        <p:cNvPr id="1" name=""/>
+        <p:cNvGrpSpPr/>
+        <p:nvPr/>
+      </p:nvGrpSpPr>
+      <p:grpSpPr>
+        <a:xfrm>
+          <a:off x="0" y="0"/>
+          <a:ext cx="0" cy="0"/>
+          <a:chOff x="0" y="0"/>
+          <a:chExt cx="0" cy="0"/>
+        </a:xfrm>
+      </p:grpSpPr>
+      <p:sp>
+        <p:nvSpPr>
+          <p:cNvPr id="2" name="Slide Image Placeholder 1"/>
+          <p:cNvSpPr>
+            <a:spLocks noGrp="1" noRot="1" noChangeAspect="1"/>
+          </p:cNvSpPr>
+          <p:nvPr>
+            <p:ph type="sldImg"/>
+          </p:nvPr>
+        </p:nvSpPr>
+        <p:spPr/>
+      </p:sp>
+      <p:sp>
+        <p:nvSpPr>
+          <p:cNvPr id="3" name="Notes Placeholder 2"/>
+          <p:cNvSpPr>
+            <a:spLocks noGrp="1"/>
+          </p:cNvSpPr>
+          <p:nvPr>
+            <p:ph type="body" idx="1"/>
+          </p:nvPr>
+        </p:nvSpPr>
+        <p:spPr/>
+        <p:txBody>
+          <a:bodyPr/>
+          <a:lstStyle/>
+          <a:p>
+            <a:endParaRPr lang="en-US" dirty="0"/>
+          </a:p>
+        </p:txBody>
+      </p:sp>
+      <p:sp>
+        <p:nvSpPr>
+          <p:cNvPr id="4" name="Slide Number Placeholder 3"/>
+          <p:cNvSpPr>
+            <a:spLocks noGrp="1"/>
+          </p:cNvSpPr>
+          <p:nvPr>
+            <p:ph type="sldNum" sz="quarter" idx="5"/>
+          </p:nvPr>
+        </p:nvSpPr>
+        <p:spPr/>
+        <p:txBody>
+          <a:bodyPr/>
+          <a:lstStyle/>
+          <a:p>
+            <a:fld id="{B74070AD-33A4-834F-B7FB-BE5272A61543}" type="slidenum">
+              <a:rPr lang="en-US" smtClean="0"/>
+              <a:t>36</a:t>
+            </a:fld>
+            <a:endParaRPr lang="en-US"/>
+          </a:p>
+        </p:txBody>
+      </p:sp>
+    </p:spTree>
+    <p:extLst>
+      <p:ext uri="{BB962C8B-B14F-4D97-AF65-F5344CB8AC3E}">
+        <p14:creationId xmlns:p14="http://schemas.microsoft.com/office/powerpoint/2010/main" val="2184797661"/>
+      </p:ext>
+    </p:extLst>
+  </p:cSld>
+  <p:clrMapOvr>
+    <a:masterClrMapping/>
+  </p:clrMapOvr>
+</p:notes>
+</file>
+
+<file path=ppt/notesSlides/notesSlide32.xml><?xml version="1.0" encoding="utf-8"?>
+<p:notes xmlns:a="http://schemas.openxmlformats.org/drawingml/2006/main" xmlns:r="http://schemas.openxmlformats.org/officeDocument/2006/relationships" xmlns:p="http://schemas.openxmlformats.org/presentationml/2006/main">
+  <p:cSld>
+    <p:spTree>
+      <p:nvGrpSpPr>
+        <p:cNvPr id="1" name=""/>
+        <p:cNvGrpSpPr/>
+        <p:nvPr/>
+      </p:nvGrpSpPr>
+      <p:grpSpPr>
+        <a:xfrm>
+          <a:off x="0" y="0"/>
+          <a:ext cx="0" cy="0"/>
+          <a:chOff x="0" y="0"/>
+          <a:chExt cx="0" cy="0"/>
+        </a:xfrm>
+      </p:grpSpPr>
+      <p:sp>
+        <p:nvSpPr>
+          <p:cNvPr id="2" name="Slide Image Placeholder 1"/>
+          <p:cNvSpPr>
+            <a:spLocks noGrp="1" noRot="1" noChangeAspect="1"/>
+          </p:cNvSpPr>
+          <p:nvPr>
+            <p:ph type="sldImg"/>
+          </p:nvPr>
+        </p:nvSpPr>
+        <p:spPr/>
+      </p:sp>
+      <p:sp>
+        <p:nvSpPr>
+          <p:cNvPr id="3" name="Notes Placeholder 2"/>
+          <p:cNvSpPr>
+            <a:spLocks noGrp="1"/>
+          </p:cNvSpPr>
+          <p:nvPr>
+            <p:ph type="body" idx="1"/>
+          </p:nvPr>
+        </p:nvSpPr>
+        <p:spPr/>
+        <p:txBody>
+          <a:bodyPr/>
+          <a:lstStyle/>
+          <a:p>
+            <a:endParaRPr lang="en-US" dirty="0"/>
+          </a:p>
+        </p:txBody>
+      </p:sp>
+      <p:sp>
+        <p:nvSpPr>
+          <p:cNvPr id="4" name="Slide Number Placeholder 3"/>
+          <p:cNvSpPr>
+            <a:spLocks noGrp="1"/>
+          </p:cNvSpPr>
+          <p:nvPr>
+            <p:ph type="sldNum" sz="quarter" idx="5"/>
+          </p:nvPr>
+        </p:nvSpPr>
+        <p:spPr/>
+        <p:txBody>
+          <a:bodyPr/>
+          <a:lstStyle/>
+          <a:p>
+            <a:fld id="{B74070AD-33A4-834F-B7FB-BE5272A61543}" type="slidenum">
+              <a:rPr lang="en-US" smtClean="0"/>
+              <a:t>37</a:t>
+            </a:fld>
+            <a:endParaRPr lang="en-US"/>
+          </a:p>
+        </p:txBody>
+      </p:sp>
+    </p:spTree>
+    <p:extLst>
+      <p:ext uri="{BB962C8B-B14F-4D97-AF65-F5344CB8AC3E}">
+        <p14:creationId xmlns:p14="http://schemas.microsoft.com/office/powerpoint/2010/main" val="2910328521"/>
+      </p:ext>
+    </p:extLst>
+  </p:cSld>
+  <p:clrMapOvr>
+    <a:masterClrMapping/>
+  </p:clrMapOvr>
+</p:notes>
+</file>
+
+<file path=ppt/notesSlides/notesSlide33.xml><?xml version="1.0" encoding="utf-8"?>
+<p:notes xmlns:a="http://schemas.openxmlformats.org/drawingml/2006/main" xmlns:r="http://schemas.openxmlformats.org/officeDocument/2006/relationships" xmlns:p="http://schemas.openxmlformats.org/presentationml/2006/main">
+  <p:cSld>
+    <p:spTree>
+      <p:nvGrpSpPr>
+        <p:cNvPr id="1" name=""/>
+        <p:cNvGrpSpPr/>
+        <p:nvPr/>
+      </p:nvGrpSpPr>
+      <p:grpSpPr>
+        <a:xfrm>
+          <a:off x="0" y="0"/>
+          <a:ext cx="0" cy="0"/>
+          <a:chOff x="0" y="0"/>
+          <a:chExt cx="0" cy="0"/>
+        </a:xfrm>
+      </p:grpSpPr>
+      <p:sp>
+        <p:nvSpPr>
+          <p:cNvPr id="2" name="Slide Image Placeholder 1"/>
+          <p:cNvSpPr>
+            <a:spLocks noGrp="1" noRot="1" noChangeAspect="1"/>
+          </p:cNvSpPr>
+          <p:nvPr>
+            <p:ph type="sldImg"/>
+          </p:nvPr>
+        </p:nvSpPr>
+        <p:spPr/>
+      </p:sp>
+      <p:sp>
+        <p:nvSpPr>
+          <p:cNvPr id="3" name="Notes Placeholder 2"/>
+          <p:cNvSpPr>
+            <a:spLocks noGrp="1"/>
+          </p:cNvSpPr>
+          <p:nvPr>
+            <p:ph type="body" idx="1"/>
+          </p:nvPr>
+        </p:nvSpPr>
+        <p:spPr/>
+        <p:txBody>
+          <a:bodyPr/>
+          <a:lstStyle/>
+          <a:p>
+            <a:r>
+              <a:rPr lang="en-US" dirty="0"/>
+              <a:t>My hope is that Loom introduces a language-level (or at least, JDK-level) mechanism for message passing, a la </a:t>
+            </a:r>
+            <a:r>
+              <a:rPr lang="en-US" dirty="0" err="1"/>
+              <a:t>Akka’s</a:t>
+            </a:r>
+            <a:r>
+              <a:rPr lang="en-US" dirty="0"/>
+              <a:t> Actors or Go’s goroutines &amp; channels.</a:t>
+            </a:r>
+          </a:p>
+        </p:txBody>
+      </p:sp>
+      <p:sp>
+        <p:nvSpPr>
+          <p:cNvPr id="4" name="Slide Number Placeholder 3"/>
+          <p:cNvSpPr>
+            <a:spLocks noGrp="1"/>
+          </p:cNvSpPr>
+          <p:nvPr>
+            <p:ph type="sldNum" sz="quarter" idx="5"/>
+          </p:nvPr>
+        </p:nvSpPr>
+        <p:spPr/>
+        <p:txBody>
+          <a:bodyPr/>
+          <a:lstStyle/>
+          <a:p>
+            <a:fld id="{04A691DF-99D8-2A4F-A43E-F57D41F45428}" type="slidenum">
+              <a:rPr lang="en-US" smtClean="0"/>
+              <a:t>44</a:t>
+            </a:fld>
+            <a:endParaRPr lang="en-US"/>
+          </a:p>
+        </p:txBody>
+      </p:sp>
+    </p:spTree>
+    <p:extLst>
+      <p:ext uri="{BB962C8B-B14F-4D97-AF65-F5344CB8AC3E}">
+        <p14:creationId xmlns:p14="http://schemas.microsoft.com/office/powerpoint/2010/main" val="2449533439"/>
+      </p:ext>
+    </p:extLst>
+  </p:cSld>
+  <p:clrMapOvr>
+    <a:masterClrMapping/>
+  </p:clrMapOvr>
+</p:notes>
+</file>
+
+<file path=ppt/notesSlides/notesSlide34.xml><?xml version="1.0" encoding="utf-8"?>
+<p:notes xmlns:a="http://schemas.openxmlformats.org/drawingml/2006/main" xmlns:r="http://schemas.openxmlformats.org/officeDocument/2006/relationships" xmlns:p="http://schemas.openxmlformats.org/presentationml/2006/main">
+  <p:cSld>
+    <p:spTree>
+      <p:nvGrpSpPr>
+        <p:cNvPr id="1" name=""/>
+        <p:cNvGrpSpPr/>
+        <p:nvPr/>
+      </p:nvGrpSpPr>
+      <p:grpSpPr>
+        <a:xfrm>
+          <a:off x="0" y="0"/>
+          <a:ext cx="0" cy="0"/>
+          <a:chOff x="0" y="0"/>
+          <a:chExt cx="0" cy="0"/>
+        </a:xfrm>
+      </p:grpSpPr>
+      <p:sp>
+        <p:nvSpPr>
+          <p:cNvPr id="2" name="Slide Image Placeholder 1"/>
+          <p:cNvSpPr>
+            <a:spLocks noGrp="1" noRot="1" noChangeAspect="1"/>
+          </p:cNvSpPr>
+          <p:nvPr>
+            <p:ph type="sldImg"/>
+          </p:nvPr>
+        </p:nvSpPr>
+        <p:spPr/>
+      </p:sp>
+      <p:sp>
+        <p:nvSpPr>
+          <p:cNvPr id="3" name="Notes Placeholder 2"/>
+          <p:cNvSpPr>
+            <a:spLocks noGrp="1"/>
+          </p:cNvSpPr>
+          <p:nvPr>
+            <p:ph type="body" idx="1"/>
+          </p:nvPr>
+        </p:nvSpPr>
+        <p:spPr/>
+        <p:txBody>
+          <a:bodyPr/>
+          <a:lstStyle/>
+          <a:p>
+            <a:endParaRPr lang="en-US" dirty="0"/>
+          </a:p>
+        </p:txBody>
+      </p:sp>
+      <p:sp>
+        <p:nvSpPr>
+          <p:cNvPr id="4" name="Slide Number Placeholder 3"/>
+          <p:cNvSpPr>
+            <a:spLocks noGrp="1"/>
+          </p:cNvSpPr>
+          <p:nvPr>
+            <p:ph type="sldNum" sz="quarter" idx="5"/>
+          </p:nvPr>
+        </p:nvSpPr>
+        <p:spPr/>
+        <p:txBody>
+          <a:bodyPr/>
+          <a:lstStyle/>
+          <a:p>
+            <a:fld id="{B74070AD-33A4-834F-B7FB-BE5272A61543}" type="slidenum">
+              <a:rPr lang="en-US" smtClean="0"/>
+              <a:t>45</a:t>
+            </a:fld>
+            <a:endParaRPr lang="en-US"/>
+          </a:p>
+        </p:txBody>
+      </p:sp>
+    </p:spTree>
+    <p:extLst>
+      <p:ext uri="{BB962C8B-B14F-4D97-AF65-F5344CB8AC3E}">
+        <p14:creationId xmlns:p14="http://schemas.microsoft.com/office/powerpoint/2010/main" val="3981770996"/>
       </p:ext>
     </p:extLst>
   </p:cSld>
@@ -2173,7 +3155,7 @@
             </a:r>
             <a:r>
               <a:rPr lang="en-US" dirty="0"/>
-              <a:t>`: one specific to Java 14, one specific to Java 11, and a generic one. The platform will load which is most “compatible”.</a:t>
+              <a:t>`: one that relies on Java 14 features, one that relies on Java 11 features, and a generic one. The platform will load whichever one is most “compatible”.</a:t>
             </a:r>
           </a:p>
         </p:txBody>
@@ -2260,7 +3242,7 @@
           <a:p>
             <a:r>
               <a:rPr lang="en-US" dirty="0"/>
-              <a:t>We’ll also talk about modules later</a:t>
+              <a:t>We’ll also talk about modules later, though a full demo or tutorial is outside the scope of this presentation</a:t>
             </a:r>
           </a:p>
         </p:txBody>
@@ -2786,7 +3768,7 @@
             <a:fld id="{B61BEF0D-F0BB-DE4B-95CE-6DB70DBA9567}" type="datetimeFigureOut">
               <a:rPr lang="en-US" dirty="0"/>
               <a:pPr/>
-              <a:t>12/28/20</a:t>
+              <a:t>1/4/21</a:t>
             </a:fld>
             <a:endParaRPr lang="en-US" dirty="0"/>
           </a:p>
@@ -3117,7 +4099,7 @@
             <a:fld id="{B61BEF0D-F0BB-DE4B-95CE-6DB70DBA9567}" type="datetimeFigureOut">
               <a:rPr lang="en-US" dirty="0"/>
               <a:pPr/>
-              <a:t>12/28/20</a:t>
+              <a:t>1/4/21</a:t>
             </a:fld>
             <a:endParaRPr lang="en-US" dirty="0"/>
           </a:p>
@@ -3392,7 +4374,7 @@
             <a:fld id="{B61BEF0D-F0BB-DE4B-95CE-6DB70DBA9567}" type="datetimeFigureOut">
               <a:rPr lang="en-US" dirty="0"/>
               <a:pPr/>
-              <a:t>12/28/20</a:t>
+              <a:t>1/4/21</a:t>
             </a:fld>
             <a:endParaRPr lang="en-US" dirty="0"/>
           </a:p>
@@ -3957,7 +4939,7 @@
             <a:fld id="{B61BEF0D-F0BB-DE4B-95CE-6DB70DBA9567}" type="datetimeFigureOut">
               <a:rPr lang="en-US" dirty="0"/>
               <a:pPr/>
-              <a:t>12/28/20</a:t>
+              <a:t>1/4/21</a:t>
             </a:fld>
             <a:endParaRPr lang="en-US" dirty="0"/>
           </a:p>
@@ -4232,7 +5214,7 @@
             <a:fld id="{B61BEF0D-F0BB-DE4B-95CE-6DB70DBA9567}" type="datetimeFigureOut">
               <a:rPr lang="en-US" dirty="0"/>
               <a:pPr/>
-              <a:t>12/28/20</a:t>
+              <a:t>1/4/21</a:t>
             </a:fld>
             <a:endParaRPr lang="en-US" dirty="0"/>
           </a:p>
@@ -4791,7 +5773,7 @@
             <a:fld id="{B61BEF0D-F0BB-DE4B-95CE-6DB70DBA9567}" type="datetimeFigureOut">
               <a:rPr lang="en-US" dirty="0"/>
               <a:pPr/>
-              <a:t>12/28/20</a:t>
+              <a:t>1/4/21</a:t>
             </a:fld>
             <a:endParaRPr lang="en-US" dirty="0"/>
           </a:p>
@@ -5115,7 +6097,7 @@
             <a:fld id="{B61BEF0D-F0BB-DE4B-95CE-6DB70DBA9567}" type="datetimeFigureOut">
               <a:rPr lang="en-US" dirty="0"/>
               <a:pPr/>
-              <a:t>12/28/20</a:t>
+              <a:t>1/4/21</a:t>
             </a:fld>
             <a:endParaRPr lang="en-US" dirty="0"/>
           </a:p>
@@ -5289,7 +6271,7 @@
             <a:fld id="{B61BEF0D-F0BB-DE4B-95CE-6DB70DBA9567}" type="datetimeFigureOut">
               <a:rPr lang="en-US" dirty="0"/>
               <a:pPr/>
-              <a:t>12/28/20</a:t>
+              <a:t>1/4/21</a:t>
             </a:fld>
             <a:endParaRPr lang="en-US" dirty="0"/>
           </a:p>
@@ -5524,7 +6506,7 @@
             <a:fld id="{B61BEF0D-F0BB-DE4B-95CE-6DB70DBA9567}" type="datetimeFigureOut">
               <a:rPr lang="en-US" dirty="0"/>
               <a:pPr/>
-              <a:t>12/28/20</a:t>
+              <a:t>1/4/21</a:t>
             </a:fld>
             <a:endParaRPr lang="en-US" dirty="0"/>
           </a:p>
@@ -5721,7 +6703,7 @@
             <a:fld id="{B61BEF0D-F0BB-DE4B-95CE-6DB70DBA9567}" type="datetimeFigureOut">
               <a:rPr lang="en-US" dirty="0"/>
               <a:pPr/>
-              <a:t>12/28/20</a:t>
+              <a:t>1/4/21</a:t>
             </a:fld>
             <a:endParaRPr lang="en-US" dirty="0"/>
           </a:p>
@@ -5994,7 +6976,7 @@
             <a:fld id="{B61BEF0D-F0BB-DE4B-95CE-6DB70DBA9567}" type="datetimeFigureOut">
               <a:rPr lang="en-US" dirty="0"/>
               <a:pPr/>
-              <a:t>12/28/20</a:t>
+              <a:t>1/4/21</a:t>
             </a:fld>
             <a:endParaRPr lang="en-US" dirty="0"/>
           </a:p>
@@ -6257,7 +7239,7 @@
             <a:fld id="{B61BEF0D-F0BB-DE4B-95CE-6DB70DBA9567}" type="datetimeFigureOut">
               <a:rPr lang="en-US" dirty="0"/>
               <a:pPr/>
-              <a:t>12/28/20</a:t>
+              <a:t>1/4/21</a:t>
             </a:fld>
             <a:endParaRPr lang="en-US" dirty="0"/>
           </a:p>
@@ -6628,7 +7610,7 @@
             <a:fld id="{B61BEF0D-F0BB-DE4B-95CE-6DB70DBA9567}" type="datetimeFigureOut">
               <a:rPr lang="en-US" dirty="0"/>
               <a:pPr/>
-              <a:t>12/28/20</a:t>
+              <a:t>1/4/21</a:t>
             </a:fld>
             <a:endParaRPr lang="en-US" dirty="0"/>
           </a:p>
@@ -6773,7 +7755,7 @@
             <a:fld id="{B61BEF0D-F0BB-DE4B-95CE-6DB70DBA9567}" type="datetimeFigureOut">
               <a:rPr lang="en-US" dirty="0"/>
               <a:pPr/>
-              <a:t>12/28/20</a:t>
+              <a:t>1/4/21</a:t>
             </a:fld>
             <a:endParaRPr lang="en-US" dirty="0"/>
           </a:p>
@@ -6895,7 +7877,7 @@
             <a:fld id="{B61BEF0D-F0BB-DE4B-95CE-6DB70DBA9567}" type="datetimeFigureOut">
               <a:rPr lang="en-US" dirty="0"/>
               <a:pPr/>
-              <a:t>12/28/20</a:t>
+              <a:t>1/4/21</a:t>
             </a:fld>
             <a:endParaRPr lang="en-US" dirty="0"/>
           </a:p>
@@ -7177,7 +8159,7 @@
             <a:fld id="{B61BEF0D-F0BB-DE4B-95CE-6DB70DBA9567}" type="datetimeFigureOut">
               <a:rPr lang="en-US" dirty="0"/>
               <a:pPr/>
-              <a:t>12/28/20</a:t>
+              <a:t>1/4/21</a:t>
             </a:fld>
             <a:endParaRPr lang="en-US" dirty="0"/>
           </a:p>
@@ -7498,7 +8480,7 @@
             <a:fld id="{B61BEF0D-F0BB-DE4B-95CE-6DB70DBA9567}" type="datetimeFigureOut">
               <a:rPr lang="en-US" dirty="0"/>
               <a:pPr/>
-              <a:t>12/28/20</a:t>
+              <a:t>1/4/21</a:t>
             </a:fld>
             <a:endParaRPr lang="en-US" dirty="0"/>
           </a:p>
@@ -7709,7 +8691,7 @@
             <a:fld id="{B61BEF0D-F0BB-DE4B-95CE-6DB70DBA9567}" type="datetimeFigureOut">
               <a:rPr lang="en-US" dirty="0"/>
               <a:pPr/>
-              <a:t>12/28/20</a:t>
+              <a:t>1/4/21</a:t>
             </a:fld>
             <a:endParaRPr lang="en-US" dirty="0"/>
           </a:p>
@@ -14021,7 +15003,7 @@
           <a:p>
             <a:r>
               <a:rPr lang="en-US" dirty="0"/>
-              <a:t>(I got nothing)</a:t>
+              <a:t>more development for your kit since 1996</a:t>
             </a:r>
           </a:p>
         </p:txBody>
@@ -14102,7 +15084,9 @@
         </p:nvSpPr>
         <p:spPr/>
         <p:txBody>
-          <a:bodyPr/>
+          <a:bodyPr>
+            <a:normAutofit lnSpcReduction="10000"/>
+          </a:bodyPr>
           <a:lstStyle/>
           <a:p>
             <a:pPr marL="0" indent="0">
@@ -14129,18 +15113,6 @@
             <a:r>
               <a:rPr lang="en-US" dirty="0"/>
               <a:t>TLS 1.3</a:t>
-            </a:r>
-          </a:p>
-          <a:p>
-            <a:r>
-              <a:rPr lang="en-US" dirty="0"/>
-              <a:t>Removed modules</a:t>
-            </a:r>
-          </a:p>
-          <a:p>
-            <a:r>
-              <a:rPr lang="en-US" dirty="0"/>
-              <a:t>Eliminated modules</a:t>
             </a:r>
           </a:p>
           <a:p>
@@ -14160,7 +15132,29 @@
               </a:rPr>
               <a:t>NullPointerException</a:t>
             </a:r>
-            <a:endParaRPr lang="en-US" dirty="0"/>
+            <a:endParaRPr lang="en-US" dirty="0">
+              <a:latin typeface="Andale Mono" panose="020B0509000000000004" pitchFamily="49" charset="0"/>
+            </a:endParaRPr>
+          </a:p>
+          <a:p>
+            <a:r>
+              <a:rPr lang="en-US" dirty="0"/>
+              <a:t>Modularity and cleanup</a:t>
+            </a:r>
+          </a:p>
+          <a:p>
+            <a:pPr lvl="1"/>
+            <a:r>
+              <a:rPr lang="en-US" dirty="0"/>
+              <a:t>Removed modules</a:t>
+            </a:r>
+          </a:p>
+          <a:p>
+            <a:pPr lvl="1"/>
+            <a:r>
+              <a:rPr lang="en-US" dirty="0"/>
+              <a:t>Eliminated modules</a:t>
+            </a:r>
           </a:p>
           <a:p>
             <a:pPr lvl="1"/>
@@ -14203,7 +15197,7 @@
           <p:cNvPr id="2" name="Title 1">
             <a:extLst>
               <a:ext uri="{FF2B5EF4-FFF2-40B4-BE49-F238E27FC236}">
-                <a16:creationId xmlns:a16="http://schemas.microsoft.com/office/drawing/2014/main" id="{10F4E231-64E8-F949-BCDA-7295645BC91E}"/>
+                <a16:creationId xmlns:a16="http://schemas.microsoft.com/office/drawing/2014/main" id="{C2052CE5-F69A-D645-8ECD-5C44E4A30D5C}"/>
               </a:ext>
             </a:extLst>
           </p:cNvPr>
@@ -14221,17 +15215,17 @@
           <a:p>
             <a:r>
               <a:rPr lang="en-US" dirty="0"/>
-              <a:t>Tooling</a:t>
-            </a:r>
-          </a:p>
-        </p:txBody>
-      </p:sp>
-      <p:sp>
-        <p:nvSpPr>
-          <p:cNvPr id="3" name="Text Placeholder 2">
+              <a:t>JDK</a:t>
+            </a:r>
+          </a:p>
+        </p:txBody>
+      </p:sp>
+      <p:sp>
+        <p:nvSpPr>
+          <p:cNvPr id="3" name="Content Placeholder 2">
             <a:extLst>
               <a:ext uri="{FF2B5EF4-FFF2-40B4-BE49-F238E27FC236}">
-                <a16:creationId xmlns:a16="http://schemas.microsoft.com/office/drawing/2014/main" id="{632E5EDA-A343-5646-B1CE-26239276E194}"/>
+                <a16:creationId xmlns:a16="http://schemas.microsoft.com/office/drawing/2014/main" id="{20ABE521-BF95-4441-82E2-23994761C137}"/>
               </a:ext>
             </a:extLst>
           </p:cNvPr>
@@ -14239,17 +15233,127 @@
             <a:spLocks noGrp="1"/>
           </p:cNvSpPr>
           <p:nvPr>
-            <p:ph type="body" idx="1"/>
-          </p:nvPr>
-        </p:nvSpPr>
-        <p:spPr/>
-        <p:txBody>
-          <a:bodyPr/>
-          <a:lstStyle/>
-          <a:p>
-            <a:r>
-              <a:rPr lang="en-US" dirty="0"/>
-              <a:t>All I see is nails…</a:t>
+            <p:ph sz="half" idx="1"/>
+          </p:nvPr>
+        </p:nvSpPr>
+        <p:spPr>
+          <a:xfrm>
+            <a:off x="685802" y="2142067"/>
+            <a:ext cx="3016403" cy="3649134"/>
+          </a:xfrm>
+        </p:spPr>
+        <p:txBody>
+          <a:bodyPr>
+            <a:noAutofit/>
+          </a:bodyPr>
+          <a:lstStyle/>
+          <a:p>
+            <a:pPr marL="0" lvl="0" indent="0" algn="ctr">
+              <a:buClr>
+                <a:prstClr val="white"/>
+              </a:buClr>
+              <a:buNone/>
+            </a:pPr>
+            <a:r>
+              <a:rPr lang="en-US" sz="2400" i="1" dirty="0">
+                <a:solidFill>
+                  <a:prstClr val="white"/>
+                </a:solidFill>
+              </a:rPr>
+              <a:t>Java 9</a:t>
+            </a:r>
+            <a:endParaRPr lang="en-US" sz="2800" dirty="0"/>
+          </a:p>
+          <a:p>
+            <a:pPr marL="0" indent="0">
+              <a:buNone/>
+            </a:pPr>
+            <a:r>
+              <a:rPr lang="en-US" sz="2800" dirty="0"/>
+              <a:t>Reactive Streams</a:t>
+            </a:r>
+          </a:p>
+        </p:txBody>
+      </p:sp>
+      <p:sp>
+        <p:nvSpPr>
+          <p:cNvPr id="4" name="Content Placeholder 3">
+            <a:extLst>
+              <a:ext uri="{FF2B5EF4-FFF2-40B4-BE49-F238E27FC236}">
+                <a16:creationId xmlns:a16="http://schemas.microsoft.com/office/drawing/2014/main" id="{26204FAF-26E7-1B46-B974-24DDC791B844}"/>
+              </a:ext>
+            </a:extLst>
+          </p:cNvPr>
+          <p:cNvSpPr>
+            <a:spLocks noGrp="1"/>
+          </p:cNvSpPr>
+          <p:nvPr>
+            <p:ph sz="half" idx="2"/>
+          </p:nvPr>
+        </p:nvSpPr>
+        <p:spPr>
+          <a:xfrm>
+            <a:off x="3914078" y="2142067"/>
+            <a:ext cx="6903149" cy="3649133"/>
+          </a:xfrm>
+        </p:spPr>
+        <p:txBody>
+          <a:bodyPr anchor="t">
+            <a:normAutofit/>
+          </a:bodyPr>
+          <a:lstStyle/>
+          <a:p>
+            <a:pPr marL="0" indent="0">
+              <a:lnSpc>
+                <a:spcPct val="120000"/>
+              </a:lnSpc>
+              <a:buNone/>
+            </a:pPr>
+            <a:r>
+              <a:rPr lang="en-US" sz="2400" dirty="0"/>
+              <a:t>Primitives for reactive programming</a:t>
+            </a:r>
+          </a:p>
+          <a:p>
+            <a:pPr marL="0" indent="0">
+              <a:buNone/>
+            </a:pPr>
+            <a:endParaRPr lang="en-US" sz="2400" dirty="0"/>
+          </a:p>
+          <a:p>
+            <a:pPr marL="0" indent="0">
+              <a:lnSpc>
+                <a:spcPct val="150000"/>
+              </a:lnSpc>
+              <a:buNone/>
+            </a:pPr>
+            <a:r>
+              <a:rPr lang="en-US" sz="2000" dirty="0"/>
+              <a:t>Introduces standardized primitives for reactive programming (including backpressure)</a:t>
+            </a:r>
+          </a:p>
+          <a:p>
+            <a:pPr marL="0" indent="0">
+              <a:lnSpc>
+                <a:spcPct val="150000"/>
+              </a:lnSpc>
+              <a:buNone/>
+            </a:pPr>
+            <a:r>
+              <a:rPr lang="en-US" sz="2000" dirty="0"/>
+              <a:t>Not intended for direct use by consumers</a:t>
+            </a:r>
+          </a:p>
+          <a:p>
+            <a:pPr marL="0" indent="0">
+              <a:lnSpc>
+                <a:spcPct val="150000"/>
+              </a:lnSpc>
+              <a:buNone/>
+            </a:pPr>
+            <a:r>
+              <a:rPr lang="en-US" sz="2000" dirty="0"/>
+              <a:t>Instead, provides interop between libraries &amp; frameworks that implement the primitives</a:t>
             </a:r>
           </a:p>
         </p:txBody>
@@ -14257,13 +15361,215 @@
     </p:spTree>
     <p:extLst>
       <p:ext uri="{BB962C8B-B14F-4D97-AF65-F5344CB8AC3E}">
-        <p14:creationId xmlns:p14="http://schemas.microsoft.com/office/powerpoint/2010/main" val="3233494081"/>
+        <p14:creationId xmlns:p14="http://schemas.microsoft.com/office/powerpoint/2010/main" val="2710607905"/>
       </p:ext>
     </p:extLst>
   </p:cSld>
   <p:clrMapOvr>
     <a:masterClrMapping/>
   </p:clrMapOvr>
+  <p:timing>
+    <p:tnLst>
+      <p:par>
+        <p:cTn id="1" dur="indefinite" restart="never" nodeType="tmRoot">
+          <p:childTnLst>
+            <p:seq concurrent="1" nextAc="seek">
+              <p:cTn id="2" dur="indefinite" nodeType="mainSeq">
+                <p:childTnLst>
+                  <p:par>
+                    <p:cTn id="3" fill="hold">
+                      <p:stCondLst>
+                        <p:cond delay="indefinite"/>
+                        <p:cond evt="onBegin" delay="0">
+                          <p:tn val="2"/>
+                        </p:cond>
+                      </p:stCondLst>
+                      <p:childTnLst>
+                        <p:par>
+                          <p:cTn id="4" fill="hold">
+                            <p:stCondLst>
+                              <p:cond delay="0"/>
+                            </p:stCondLst>
+                            <p:childTnLst>
+                              <p:par>
+                                <p:cTn id="5" presetID="1" presetClass="entr" presetSubtype="0" fill="hold" nodeType="afterEffect">
+                                  <p:stCondLst>
+                                    <p:cond delay="0"/>
+                                  </p:stCondLst>
+                                  <p:childTnLst>
+                                    <p:set>
+                                      <p:cBhvr>
+                                        <p:cTn id="6" dur="1" fill="hold">
+                                          <p:stCondLst>
+                                            <p:cond delay="0"/>
+                                          </p:stCondLst>
+                                        </p:cTn>
+                                        <p:tgtEl>
+                                          <p:spTgt spid="4">
+                                            <p:txEl>
+                                              <p:pRg st="0" end="0"/>
+                                            </p:txEl>
+                                          </p:spTgt>
+                                        </p:tgtEl>
+                                        <p:attrNameLst>
+                                          <p:attrName>style.visibility</p:attrName>
+                                        </p:attrNameLst>
+                                      </p:cBhvr>
+                                      <p:to>
+                                        <p:strVal val="visible"/>
+                                      </p:to>
+                                    </p:set>
+                                  </p:childTnLst>
+                                </p:cTn>
+                              </p:par>
+                            </p:childTnLst>
+                          </p:cTn>
+                        </p:par>
+                        <p:par>
+                          <p:cTn id="7" fill="hold">
+                            <p:stCondLst>
+                              <p:cond delay="0"/>
+                            </p:stCondLst>
+                            <p:childTnLst>
+                              <p:par>
+                                <p:cTn id="8" presetID="1" presetClass="entr" presetSubtype="0" fill="hold" nodeType="afterEffect">
+                                  <p:stCondLst>
+                                    <p:cond delay="0"/>
+                                  </p:stCondLst>
+                                  <p:childTnLst>
+                                    <p:set>
+                                      <p:cBhvr>
+                                        <p:cTn id="9" dur="1" fill="hold">
+                                          <p:stCondLst>
+                                            <p:cond delay="0"/>
+                                          </p:stCondLst>
+                                        </p:cTn>
+                                        <p:tgtEl>
+                                          <p:spTgt spid="4">
+                                            <p:txEl>
+                                              <p:pRg st="2" end="2"/>
+                                            </p:txEl>
+                                          </p:spTgt>
+                                        </p:tgtEl>
+                                        <p:attrNameLst>
+                                          <p:attrName>style.visibility</p:attrName>
+                                        </p:attrNameLst>
+                                      </p:cBhvr>
+                                      <p:to>
+                                        <p:strVal val="visible"/>
+                                      </p:to>
+                                    </p:set>
+                                  </p:childTnLst>
+                                </p:cTn>
+                              </p:par>
+                            </p:childTnLst>
+                          </p:cTn>
+                        </p:par>
+                        <p:par>
+                          <p:cTn id="10" fill="hold">
+                            <p:stCondLst>
+                              <p:cond delay="0"/>
+                            </p:stCondLst>
+                            <p:childTnLst>
+                              <p:par>
+                                <p:cTn id="11" presetID="1" presetClass="entr" presetSubtype="0" fill="hold" nodeType="afterEffect">
+                                  <p:stCondLst>
+                                    <p:cond delay="0"/>
+                                  </p:stCondLst>
+                                  <p:childTnLst>
+                                    <p:set>
+                                      <p:cBhvr>
+                                        <p:cTn id="12" dur="1" fill="hold">
+                                          <p:stCondLst>
+                                            <p:cond delay="0"/>
+                                          </p:stCondLst>
+                                        </p:cTn>
+                                        <p:tgtEl>
+                                          <p:spTgt spid="4">
+                                            <p:txEl>
+                                              <p:pRg st="3" end="3"/>
+                                            </p:txEl>
+                                          </p:spTgt>
+                                        </p:tgtEl>
+                                        <p:attrNameLst>
+                                          <p:attrName>style.visibility</p:attrName>
+                                        </p:attrNameLst>
+                                      </p:cBhvr>
+                                      <p:to>
+                                        <p:strVal val="visible"/>
+                                      </p:to>
+                                    </p:set>
+                                  </p:childTnLst>
+                                </p:cTn>
+                              </p:par>
+                            </p:childTnLst>
+                          </p:cTn>
+                        </p:par>
+                        <p:par>
+                          <p:cTn id="13" fill="hold">
+                            <p:stCondLst>
+                              <p:cond delay="0"/>
+                            </p:stCondLst>
+                            <p:childTnLst>
+                              <p:par>
+                                <p:cTn id="14" presetID="1" presetClass="entr" presetSubtype="0" fill="hold" nodeType="afterEffect">
+                                  <p:stCondLst>
+                                    <p:cond delay="0"/>
+                                  </p:stCondLst>
+                                  <p:childTnLst>
+                                    <p:set>
+                                      <p:cBhvr>
+                                        <p:cTn id="15" dur="1" fill="hold">
+                                          <p:stCondLst>
+                                            <p:cond delay="0"/>
+                                          </p:stCondLst>
+                                        </p:cTn>
+                                        <p:tgtEl>
+                                          <p:spTgt spid="4">
+                                            <p:txEl>
+                                              <p:pRg st="4" end="4"/>
+                                            </p:txEl>
+                                          </p:spTgt>
+                                        </p:tgtEl>
+                                        <p:attrNameLst>
+                                          <p:attrName>style.visibility</p:attrName>
+                                        </p:attrNameLst>
+                                      </p:cBhvr>
+                                      <p:to>
+                                        <p:strVal val="visible"/>
+                                      </p:to>
+                                    </p:set>
+                                  </p:childTnLst>
+                                </p:cTn>
+                              </p:par>
+                            </p:childTnLst>
+                          </p:cTn>
+                        </p:par>
+                      </p:childTnLst>
+                    </p:cTn>
+                  </p:par>
+                </p:childTnLst>
+              </p:cTn>
+              <p:prevCondLst>
+                <p:cond evt="onPrev" delay="0">
+                  <p:tgtEl>
+                    <p:sldTgt/>
+                  </p:tgtEl>
+                </p:cond>
+              </p:prevCondLst>
+              <p:nextCondLst>
+                <p:cond evt="onNext" delay="0">
+                  <p:tgtEl>
+                    <p:sldTgt/>
+                  </p:tgtEl>
+                </p:cond>
+              </p:nextCondLst>
+            </p:seq>
+          </p:childTnLst>
+        </p:cTn>
+      </p:par>
+    </p:tnLst>
+  </p:timing>
 </p:sld>
 </file>
 
@@ -14289,7 +15595,7 @@
           <p:cNvPr id="2" name="Title 1">
             <a:extLst>
               <a:ext uri="{FF2B5EF4-FFF2-40B4-BE49-F238E27FC236}">
-                <a16:creationId xmlns:a16="http://schemas.microsoft.com/office/drawing/2014/main" id="{DD15FB73-6050-FE43-9AA4-0455E1523DD3}"/>
+                <a16:creationId xmlns:a16="http://schemas.microsoft.com/office/drawing/2014/main" id="{C2052CE5-F69A-D645-8ECD-5C44E4A30D5C}"/>
               </a:ext>
             </a:extLst>
           </p:cNvPr>
@@ -14307,7 +15613,7 @@
           <a:p>
             <a:r>
               <a:rPr lang="en-US" dirty="0"/>
-              <a:t>Tooling</a:t>
+              <a:t>JDK</a:t>
             </a:r>
           </a:p>
         </p:txBody>
@@ -14317,7 +15623,7 @@
           <p:cNvPr id="3" name="Content Placeholder 2">
             <a:extLst>
               <a:ext uri="{FF2B5EF4-FFF2-40B4-BE49-F238E27FC236}">
-                <a16:creationId xmlns:a16="http://schemas.microsoft.com/office/drawing/2014/main" id="{8B3A1929-50CC-724F-B314-500B401D6B27}"/>
+                <a16:creationId xmlns:a16="http://schemas.microsoft.com/office/drawing/2014/main" id="{20ABE521-BF95-4441-82E2-23994761C137}"/>
               </a:ext>
             </a:extLst>
           </p:cNvPr>
@@ -14325,89 +15631,463 @@
             <a:spLocks noGrp="1"/>
           </p:cNvSpPr>
           <p:nvPr>
-            <p:ph idx="1"/>
-          </p:nvPr>
-        </p:nvSpPr>
-        <p:spPr/>
-        <p:txBody>
-          <a:bodyPr/>
-          <a:lstStyle/>
+            <p:ph sz="half" idx="1"/>
+          </p:nvPr>
+        </p:nvSpPr>
+        <p:spPr>
+          <a:xfrm>
+            <a:off x="685802" y="2142067"/>
+            <a:ext cx="3016403" cy="3649134"/>
+          </a:xfrm>
+        </p:spPr>
+        <p:txBody>
+          <a:bodyPr>
+            <a:noAutofit/>
+          </a:bodyPr>
+          <a:lstStyle/>
+          <a:p>
+            <a:pPr marL="0" lvl="0" indent="0" algn="ctr">
+              <a:buClr>
+                <a:prstClr val="white"/>
+              </a:buClr>
+              <a:buNone/>
+            </a:pPr>
+            <a:r>
+              <a:rPr lang="en-US" sz="2400" i="1" dirty="0">
+                <a:solidFill>
+                  <a:prstClr val="white"/>
+                </a:solidFill>
+              </a:rPr>
+              <a:t>Java 11</a:t>
+            </a:r>
+            <a:endParaRPr lang="en-US" sz="2800" dirty="0"/>
+          </a:p>
           <a:p>
             <a:pPr marL="0" indent="0">
               <a:buNone/>
             </a:pPr>
             <a:r>
               <a:rPr lang="en-US" sz="2800" dirty="0"/>
-              <a:t>Enhancements in a nutshell:</a:t>
-            </a:r>
-          </a:p>
-          <a:p>
-            <a:r>
-              <a:rPr lang="en-US" dirty="0"/>
-              <a:t>Module system (</a:t>
-            </a:r>
-            <a:r>
-              <a:rPr lang="en-US" dirty="0" err="1">
+              <a:t>HTTP Client</a:t>
+            </a:r>
+          </a:p>
+        </p:txBody>
+      </p:sp>
+      <p:sp>
+        <p:nvSpPr>
+          <p:cNvPr id="4" name="Content Placeholder 3">
+            <a:extLst>
+              <a:ext uri="{FF2B5EF4-FFF2-40B4-BE49-F238E27FC236}">
+                <a16:creationId xmlns:a16="http://schemas.microsoft.com/office/drawing/2014/main" id="{26204FAF-26E7-1B46-B974-24DDC791B844}"/>
+              </a:ext>
+            </a:extLst>
+          </p:cNvPr>
+          <p:cNvSpPr>
+            <a:spLocks noGrp="1"/>
+          </p:cNvSpPr>
+          <p:nvPr>
+            <p:ph sz="half" idx="2"/>
+          </p:nvPr>
+        </p:nvSpPr>
+        <p:spPr>
+          <a:xfrm>
+            <a:off x="3914078" y="2142067"/>
+            <a:ext cx="6903149" cy="3649133"/>
+          </a:xfrm>
+        </p:spPr>
+        <p:txBody>
+          <a:bodyPr anchor="t">
+            <a:normAutofit/>
+          </a:bodyPr>
+          <a:lstStyle/>
+          <a:p>
+            <a:pPr marL="0" indent="0">
+              <a:lnSpc>
+                <a:spcPct val="120000"/>
+              </a:lnSpc>
+              <a:buNone/>
+            </a:pPr>
+            <a:r>
+              <a:rPr lang="en-US" sz="2400" dirty="0"/>
+              <a:t>An HTTP client baked into the standard library</a:t>
+            </a:r>
+          </a:p>
+          <a:p>
+            <a:pPr marL="0" indent="0">
+              <a:buNone/>
+            </a:pPr>
+            <a:endParaRPr lang="en-US" sz="2400" dirty="0"/>
+          </a:p>
+          <a:p>
+            <a:pPr marL="0" indent="0">
+              <a:buNone/>
+            </a:pPr>
+            <a:r>
+              <a:rPr lang="en-US" sz="2000" dirty="0"/>
+              <a:t>Huge improvement over </a:t>
+            </a:r>
+            <a:r>
+              <a:rPr lang="en-US" sz="2000" dirty="0" err="1">
                 <a:latin typeface="Andale Mono" panose="020B0509000000000004" pitchFamily="49" charset="0"/>
               </a:rPr>
-              <a:t>jlink</a:t>
-            </a:r>
-            <a:r>
-              <a:rPr lang="en-US" dirty="0"/>
-              <a:t>)</a:t>
-            </a:r>
-          </a:p>
-          <a:p>
-            <a:r>
-              <a:rPr lang="en-US" dirty="0" err="1"/>
-              <a:t>JShell</a:t>
-            </a:r>
-            <a:endParaRPr lang="en-US" dirty="0"/>
-          </a:p>
-          <a:p>
-            <a:r>
-              <a:rPr lang="en-US" dirty="0"/>
-              <a:t>Ahead-of-time compilation (</a:t>
-            </a:r>
-            <a:r>
-              <a:rPr lang="en-US" dirty="0" err="1"/>
-              <a:t>GraalVM</a:t>
-            </a:r>
-            <a:r>
-              <a:rPr lang="en-US" dirty="0"/>
-              <a:t>)</a:t>
-            </a:r>
-          </a:p>
-          <a:p>
-            <a:r>
-              <a:rPr lang="en-US" dirty="0"/>
-              <a:t>Shell scripts</a:t>
-            </a:r>
-          </a:p>
-          <a:p>
-            <a:r>
-              <a:rPr lang="en-US" dirty="0"/>
-              <a:t>Flight Recorder</a:t>
-            </a:r>
-          </a:p>
-          <a:p>
-            <a:endParaRPr lang="en-US" dirty="0"/>
-          </a:p>
-          <a:p>
-            <a:endParaRPr lang="en-US" dirty="0"/>
+              <a:t>java.net.URLConnection</a:t>
+            </a:r>
+            <a:endParaRPr lang="en-US" sz="2000" dirty="0">
+              <a:latin typeface="Andale Mono" panose="020B0509000000000004" pitchFamily="49" charset="0"/>
+            </a:endParaRPr>
+          </a:p>
+          <a:p>
+            <a:pPr marL="0" indent="0">
+              <a:buNone/>
+            </a:pPr>
+            <a:r>
+              <a:rPr lang="en-US" sz="2000" dirty="0"/>
+              <a:t>Supports HTTP 1.1 &amp; 2.0, TLS</a:t>
+            </a:r>
+          </a:p>
+          <a:p>
+            <a:pPr marL="0" indent="0">
+              <a:buNone/>
+            </a:pPr>
+            <a:r>
+              <a:rPr lang="en-US" sz="2000" dirty="0"/>
+              <a:t>Heavy use of Fluent Builder pattern</a:t>
+            </a:r>
+          </a:p>
+          <a:p>
+            <a:pPr marL="0" indent="0">
+              <a:buNone/>
+            </a:pPr>
+            <a:r>
+              <a:rPr lang="en-US" sz="2000" dirty="0"/>
+              <a:t>Separate module: </a:t>
+            </a:r>
+            <a:r>
+              <a:rPr lang="en-US" sz="2000" dirty="0" err="1">
+                <a:latin typeface="Andale Mono" panose="020B0509000000000004" pitchFamily="49" charset="0"/>
+              </a:rPr>
+              <a:t>java.net.http</a:t>
+            </a:r>
+            <a:endParaRPr lang="en-US" sz="2000" dirty="0">
+              <a:latin typeface="Andale Mono" panose="020B0509000000000004" pitchFamily="49" charset="0"/>
+            </a:endParaRPr>
+          </a:p>
+          <a:p>
+            <a:pPr marL="0" indent="0">
+              <a:buNone/>
+            </a:pPr>
+            <a:r>
+              <a:rPr lang="en-US" sz="2000" dirty="0"/>
+              <a:t>Not as performant as </a:t>
+            </a:r>
+            <a:r>
+              <a:rPr lang="en-US" sz="2000" dirty="0" err="1"/>
+              <a:t>OkHttp</a:t>
+            </a:r>
+            <a:r>
+              <a:rPr lang="en-US" sz="2000" dirty="0"/>
+              <a:t> or Apache </a:t>
+            </a:r>
+            <a:r>
+              <a:rPr lang="en-US" sz="2000" dirty="0" err="1"/>
+              <a:t>HttpComponents</a:t>
+            </a:r>
+            <a:endParaRPr lang="en-US" sz="2000" dirty="0"/>
           </a:p>
         </p:txBody>
       </p:sp>
     </p:spTree>
     <p:extLst>
       <p:ext uri="{BB962C8B-B14F-4D97-AF65-F5344CB8AC3E}">
-        <p14:creationId xmlns:p14="http://schemas.microsoft.com/office/powerpoint/2010/main" val="3959425166"/>
+        <p14:creationId xmlns:p14="http://schemas.microsoft.com/office/powerpoint/2010/main" val="3296287549"/>
       </p:ext>
     </p:extLst>
   </p:cSld>
   <p:clrMapOvr>
     <a:masterClrMapping/>
   </p:clrMapOvr>
+  <p:timing>
+    <p:tnLst>
+      <p:par>
+        <p:cTn id="1" dur="indefinite" restart="never" nodeType="tmRoot">
+          <p:childTnLst>
+            <p:seq concurrent="1" nextAc="seek">
+              <p:cTn id="2" dur="indefinite" nodeType="mainSeq">
+                <p:childTnLst>
+                  <p:par>
+                    <p:cTn id="3" fill="hold">
+                      <p:stCondLst>
+                        <p:cond delay="indefinite"/>
+                        <p:cond evt="onBegin" delay="0">
+                          <p:tn val="2"/>
+                        </p:cond>
+                      </p:stCondLst>
+                      <p:childTnLst>
+                        <p:par>
+                          <p:cTn id="4" fill="hold">
+                            <p:stCondLst>
+                              <p:cond delay="0"/>
+                            </p:stCondLst>
+                            <p:childTnLst>
+                              <p:par>
+                                <p:cTn id="5" presetID="1" presetClass="entr" presetSubtype="0" fill="hold" nodeType="afterEffect">
+                                  <p:stCondLst>
+                                    <p:cond delay="0"/>
+                                  </p:stCondLst>
+                                  <p:childTnLst>
+                                    <p:set>
+                                      <p:cBhvr>
+                                        <p:cTn id="6" dur="1" fill="hold">
+                                          <p:stCondLst>
+                                            <p:cond delay="0"/>
+                                          </p:stCondLst>
+                                        </p:cTn>
+                                        <p:tgtEl>
+                                          <p:spTgt spid="4">
+                                            <p:txEl>
+                                              <p:pRg st="0" end="0"/>
+                                            </p:txEl>
+                                          </p:spTgt>
+                                        </p:tgtEl>
+                                        <p:attrNameLst>
+                                          <p:attrName>style.visibility</p:attrName>
+                                        </p:attrNameLst>
+                                      </p:cBhvr>
+                                      <p:to>
+                                        <p:strVal val="visible"/>
+                                      </p:to>
+                                    </p:set>
+                                  </p:childTnLst>
+                                </p:cTn>
+                              </p:par>
+                            </p:childTnLst>
+                          </p:cTn>
+                        </p:par>
+                        <p:par>
+                          <p:cTn id="7" fill="hold">
+                            <p:stCondLst>
+                              <p:cond delay="0"/>
+                            </p:stCondLst>
+                            <p:childTnLst>
+                              <p:par>
+                                <p:cTn id="8" presetID="1" presetClass="entr" presetSubtype="0" fill="hold" nodeType="afterEffect">
+                                  <p:stCondLst>
+                                    <p:cond delay="0"/>
+                                  </p:stCondLst>
+                                  <p:childTnLst>
+                                    <p:set>
+                                      <p:cBhvr>
+                                        <p:cTn id="9" dur="1" fill="hold">
+                                          <p:stCondLst>
+                                            <p:cond delay="0"/>
+                                          </p:stCondLst>
+                                        </p:cTn>
+                                        <p:tgtEl>
+                                          <p:spTgt spid="4">
+                                            <p:txEl>
+                                              <p:pRg st="2" end="2"/>
+                                            </p:txEl>
+                                          </p:spTgt>
+                                        </p:tgtEl>
+                                        <p:attrNameLst>
+                                          <p:attrName>style.visibility</p:attrName>
+                                        </p:attrNameLst>
+                                      </p:cBhvr>
+                                      <p:to>
+                                        <p:strVal val="visible"/>
+                                      </p:to>
+                                    </p:set>
+                                  </p:childTnLst>
+                                </p:cTn>
+                              </p:par>
+                            </p:childTnLst>
+                          </p:cTn>
+                        </p:par>
+                        <p:par>
+                          <p:cTn id="10" fill="hold">
+                            <p:stCondLst>
+                              <p:cond delay="0"/>
+                            </p:stCondLst>
+                            <p:childTnLst>
+                              <p:par>
+                                <p:cTn id="11" presetID="1" presetClass="entr" presetSubtype="0" fill="hold" nodeType="afterEffect">
+                                  <p:stCondLst>
+                                    <p:cond delay="0"/>
+                                  </p:stCondLst>
+                                  <p:childTnLst>
+                                    <p:set>
+                                      <p:cBhvr>
+                                        <p:cTn id="12" dur="1" fill="hold">
+                                          <p:stCondLst>
+                                            <p:cond delay="0"/>
+                                          </p:stCondLst>
+                                        </p:cTn>
+                                        <p:tgtEl>
+                                          <p:spTgt spid="4">
+                                            <p:txEl>
+                                              <p:pRg st="3" end="3"/>
+                                            </p:txEl>
+                                          </p:spTgt>
+                                        </p:tgtEl>
+                                        <p:attrNameLst>
+                                          <p:attrName>style.visibility</p:attrName>
+                                        </p:attrNameLst>
+                                      </p:cBhvr>
+                                      <p:to>
+                                        <p:strVal val="visible"/>
+                                      </p:to>
+                                    </p:set>
+                                  </p:childTnLst>
+                                </p:cTn>
+                              </p:par>
+                            </p:childTnLst>
+                          </p:cTn>
+                        </p:par>
+                        <p:par>
+                          <p:cTn id="13" fill="hold">
+                            <p:stCondLst>
+                              <p:cond delay="0"/>
+                            </p:stCondLst>
+                            <p:childTnLst>
+                              <p:par>
+                                <p:cTn id="14" presetID="1" presetClass="entr" presetSubtype="0" fill="hold" nodeType="afterEffect">
+                                  <p:stCondLst>
+                                    <p:cond delay="0"/>
+                                  </p:stCondLst>
+                                  <p:childTnLst>
+                                    <p:set>
+                                      <p:cBhvr>
+                                        <p:cTn id="15" dur="1" fill="hold">
+                                          <p:stCondLst>
+                                            <p:cond delay="0"/>
+                                          </p:stCondLst>
+                                        </p:cTn>
+                                        <p:tgtEl>
+                                          <p:spTgt spid="4">
+                                            <p:txEl>
+                                              <p:pRg st="4" end="4"/>
+                                            </p:txEl>
+                                          </p:spTgt>
+                                        </p:tgtEl>
+                                        <p:attrNameLst>
+                                          <p:attrName>style.visibility</p:attrName>
+                                        </p:attrNameLst>
+                                      </p:cBhvr>
+                                      <p:to>
+                                        <p:strVal val="visible"/>
+                                      </p:to>
+                                    </p:set>
+                                  </p:childTnLst>
+                                </p:cTn>
+                              </p:par>
+                            </p:childTnLst>
+                          </p:cTn>
+                        </p:par>
+                        <p:par>
+                          <p:cTn id="16" fill="hold">
+                            <p:stCondLst>
+                              <p:cond delay="0"/>
+                            </p:stCondLst>
+                            <p:childTnLst>
+                              <p:par>
+                                <p:cTn id="17" presetID="1" presetClass="entr" presetSubtype="0" fill="hold" nodeType="afterEffect">
+                                  <p:stCondLst>
+                                    <p:cond delay="0"/>
+                                  </p:stCondLst>
+                                  <p:childTnLst>
+                                    <p:set>
+                                      <p:cBhvr>
+                                        <p:cTn id="18" dur="1" fill="hold">
+                                          <p:stCondLst>
+                                            <p:cond delay="0"/>
+                                          </p:stCondLst>
+                                        </p:cTn>
+                                        <p:tgtEl>
+                                          <p:spTgt spid="4">
+                                            <p:txEl>
+                                              <p:pRg st="5" end="5"/>
+                                            </p:txEl>
+                                          </p:spTgt>
+                                        </p:tgtEl>
+                                        <p:attrNameLst>
+                                          <p:attrName>style.visibility</p:attrName>
+                                        </p:attrNameLst>
+                                      </p:cBhvr>
+                                      <p:to>
+                                        <p:strVal val="visible"/>
+                                      </p:to>
+                                    </p:set>
+                                  </p:childTnLst>
+                                </p:cTn>
+                              </p:par>
+                            </p:childTnLst>
+                          </p:cTn>
+                        </p:par>
+                        <p:par>
+                          <p:cTn id="19" fill="hold">
+                            <p:stCondLst>
+                              <p:cond delay="0"/>
+                            </p:stCondLst>
+                            <p:childTnLst>
+                              <p:par>
+                                <p:cTn id="20" presetID="1" presetClass="entr" presetSubtype="0" fill="hold" nodeType="afterEffect">
+                                  <p:stCondLst>
+                                    <p:cond delay="0"/>
+                                  </p:stCondLst>
+                                  <p:childTnLst>
+                                    <p:set>
+                                      <p:cBhvr>
+                                        <p:cTn id="21" dur="1" fill="hold">
+                                          <p:stCondLst>
+                                            <p:cond delay="0"/>
+                                          </p:stCondLst>
+                                        </p:cTn>
+                                        <p:tgtEl>
+                                          <p:spTgt spid="4">
+                                            <p:txEl>
+                                              <p:pRg st="6" end="6"/>
+                                            </p:txEl>
+                                          </p:spTgt>
+                                        </p:tgtEl>
+                                        <p:attrNameLst>
+                                          <p:attrName>style.visibility</p:attrName>
+                                        </p:attrNameLst>
+                                      </p:cBhvr>
+                                      <p:to>
+                                        <p:strVal val="visible"/>
+                                      </p:to>
+                                    </p:set>
+                                  </p:childTnLst>
+                                </p:cTn>
+                              </p:par>
+                            </p:childTnLst>
+                          </p:cTn>
+                        </p:par>
+                      </p:childTnLst>
+                    </p:cTn>
+                  </p:par>
+                </p:childTnLst>
+              </p:cTn>
+              <p:prevCondLst>
+                <p:cond evt="onPrev" delay="0">
+                  <p:tgtEl>
+                    <p:sldTgt/>
+                  </p:tgtEl>
+                </p:cond>
+              </p:prevCondLst>
+              <p:nextCondLst>
+                <p:cond evt="onNext" delay="0">
+                  <p:tgtEl>
+                    <p:sldTgt/>
+                  </p:tgtEl>
+                </p:cond>
+              </p:nextCondLst>
+            </p:seq>
+          </p:childTnLst>
+        </p:cTn>
+      </p:par>
+    </p:tnLst>
+  </p:timing>
 </p:sld>
 </file>
 
@@ -14433,7 +16113,7 @@
           <p:cNvPr id="2" name="Title 1">
             <a:extLst>
               <a:ext uri="{FF2B5EF4-FFF2-40B4-BE49-F238E27FC236}">
-                <a16:creationId xmlns:a16="http://schemas.microsoft.com/office/drawing/2014/main" id="{FB11D81C-3FE5-3C41-B3F1-01D1C3DA1F39}"/>
+                <a16:creationId xmlns:a16="http://schemas.microsoft.com/office/drawing/2014/main" id="{C2052CE5-F69A-D645-8ECD-5C44E4A30D5C}"/>
               </a:ext>
             </a:extLst>
           </p:cNvPr>
@@ -14451,17 +16131,17 @@
           <a:p>
             <a:r>
               <a:rPr lang="en-US" dirty="0"/>
-              <a:t>Runtime</a:t>
-            </a:r>
-          </a:p>
-        </p:txBody>
-      </p:sp>
-      <p:sp>
-        <p:nvSpPr>
-          <p:cNvPr id="3" name="Text Placeholder 2">
+              <a:t>JDK</a:t>
+            </a:r>
+          </a:p>
+        </p:txBody>
+      </p:sp>
+      <p:sp>
+        <p:nvSpPr>
+          <p:cNvPr id="3" name="Content Placeholder 2">
             <a:extLst>
               <a:ext uri="{FF2B5EF4-FFF2-40B4-BE49-F238E27FC236}">
-                <a16:creationId xmlns:a16="http://schemas.microsoft.com/office/drawing/2014/main" id="{42F2DCA3-26EB-F641-8110-D750BECFE0EE}"/>
+                <a16:creationId xmlns:a16="http://schemas.microsoft.com/office/drawing/2014/main" id="{20ABE521-BF95-4441-82E2-23994761C137}"/>
               </a:ext>
             </a:extLst>
           </p:cNvPr>
@@ -14469,31 +16149,217 @@
             <a:spLocks noGrp="1"/>
           </p:cNvSpPr>
           <p:nvPr>
-            <p:ph type="body" idx="1"/>
-          </p:nvPr>
-        </p:nvSpPr>
-        <p:spPr/>
-        <p:txBody>
-          <a:bodyPr/>
-          <a:lstStyle/>
-          <a:p>
-            <a:r>
-              <a:rPr lang="en-US" dirty="0"/>
-              <a:t>Is anyone even reading these?</a:t>
-            </a:r>
-          </a:p>
-        </p:txBody>
-      </p:sp>
+            <p:ph sz="half" idx="1"/>
+          </p:nvPr>
+        </p:nvSpPr>
+        <p:spPr>
+          <a:xfrm>
+            <a:off x="685802" y="2142067"/>
+            <a:ext cx="3016403" cy="3649134"/>
+          </a:xfrm>
+        </p:spPr>
+        <p:txBody>
+          <a:bodyPr>
+            <a:noAutofit/>
+          </a:bodyPr>
+          <a:lstStyle/>
+          <a:p>
+            <a:pPr marL="0" lvl="0" indent="0" algn="ctr">
+              <a:buClr>
+                <a:prstClr val="white"/>
+              </a:buClr>
+              <a:buNone/>
+            </a:pPr>
+            <a:r>
+              <a:rPr lang="en-US" sz="2400" i="1" dirty="0">
+                <a:solidFill>
+                  <a:prstClr val="white"/>
+                </a:solidFill>
+              </a:rPr>
+              <a:t>Java 11</a:t>
+            </a:r>
+            <a:endParaRPr lang="en-US" sz="2800" dirty="0"/>
+          </a:p>
+          <a:p>
+            <a:pPr marL="0" indent="0">
+              <a:buNone/>
+            </a:pPr>
+            <a:r>
+              <a:rPr lang="en-US" sz="2800" dirty="0"/>
+              <a:t>HTTP Client</a:t>
+            </a:r>
+          </a:p>
+        </p:txBody>
+      </p:sp>
+      <p:sp>
+        <p:nvSpPr>
+          <p:cNvPr id="4" name="Content Placeholder 3">
+            <a:extLst>
+              <a:ext uri="{FF2B5EF4-FFF2-40B4-BE49-F238E27FC236}">
+                <a16:creationId xmlns:a16="http://schemas.microsoft.com/office/drawing/2014/main" id="{26204FAF-26E7-1B46-B974-24DDC791B844}"/>
+              </a:ext>
+            </a:extLst>
+          </p:cNvPr>
+          <p:cNvSpPr>
+            <a:spLocks noGrp="1"/>
+          </p:cNvSpPr>
+          <p:nvPr>
+            <p:ph sz="half" idx="2"/>
+          </p:nvPr>
+        </p:nvSpPr>
+        <p:spPr>
+          <a:xfrm>
+            <a:off x="3914078" y="2142067"/>
+            <a:ext cx="6903149" cy="3649133"/>
+          </a:xfrm>
+        </p:spPr>
+        <p:txBody>
+          <a:bodyPr anchor="t">
+            <a:normAutofit/>
+          </a:bodyPr>
+          <a:lstStyle/>
+          <a:p>
+            <a:pPr marL="0" indent="0">
+              <a:lnSpc>
+                <a:spcPct val="120000"/>
+              </a:lnSpc>
+              <a:buNone/>
+            </a:pPr>
+            <a:r>
+              <a:rPr lang="en-US" sz="2400" dirty="0"/>
+              <a:t>An HTTP client baked into the standard library</a:t>
+            </a:r>
+          </a:p>
+          <a:p>
+            <a:pPr marL="0" indent="0">
+              <a:buNone/>
+            </a:pPr>
+            <a:endParaRPr lang="en-US" sz="2400" dirty="0"/>
+          </a:p>
+        </p:txBody>
+      </p:sp>
+      <p:pic>
+        <p:nvPicPr>
+          <p:cNvPr id="5" name="Picture 4">
+            <a:extLst>
+              <a:ext uri="{FF2B5EF4-FFF2-40B4-BE49-F238E27FC236}">
+                <a16:creationId xmlns:a16="http://schemas.microsoft.com/office/drawing/2014/main" id="{5041EE48-472F-D843-8DE9-B67DD43C2CA3}"/>
+              </a:ext>
+            </a:extLst>
+          </p:cNvPr>
+          <p:cNvPicPr>
+            <a:picLocks noChangeAspect="1"/>
+          </p:cNvPicPr>
+          <p:nvPr/>
+        </p:nvPicPr>
+        <p:blipFill>
+          <a:blip r:embed="rId3"/>
+          <a:stretch>
+            <a:fillRect/>
+          </a:stretch>
+        </p:blipFill>
+        <p:spPr>
+          <a:xfrm>
+            <a:off x="3914078" y="2727738"/>
+            <a:ext cx="7494643" cy="2738783"/>
+          </a:xfrm>
+          <a:prstGeom prst="rect">
+            <a:avLst/>
+          </a:prstGeom>
+        </p:spPr>
+      </p:pic>
     </p:spTree>
     <p:extLst>
       <p:ext uri="{BB962C8B-B14F-4D97-AF65-F5344CB8AC3E}">
-        <p14:creationId xmlns:p14="http://schemas.microsoft.com/office/powerpoint/2010/main" val="1788726277"/>
+        <p14:creationId xmlns:p14="http://schemas.microsoft.com/office/powerpoint/2010/main" val="3077102915"/>
       </p:ext>
     </p:extLst>
   </p:cSld>
   <p:clrMapOvr>
     <a:masterClrMapping/>
   </p:clrMapOvr>
+  <p:timing>
+    <p:tnLst>
+      <p:par>
+        <p:cTn id="1" dur="indefinite" restart="never" nodeType="tmRoot">
+          <p:childTnLst>
+            <p:seq concurrent="1" nextAc="seek">
+              <p:cTn id="2" dur="indefinite" nodeType="mainSeq">
+                <p:childTnLst>
+                  <p:par>
+                    <p:cTn id="3" fill="hold">
+                      <p:stCondLst>
+                        <p:cond delay="indefinite"/>
+                        <p:cond evt="onBegin" delay="0">
+                          <p:tn val="2"/>
+                        </p:cond>
+                      </p:stCondLst>
+                      <p:childTnLst>
+                        <p:par>
+                          <p:cTn id="4" fill="hold">
+                            <p:stCondLst>
+                              <p:cond delay="0"/>
+                            </p:stCondLst>
+                            <p:childTnLst>
+                              <p:par>
+                                <p:cTn id="5" presetID="1" presetClass="entr" presetSubtype="0" fill="hold" nodeType="afterEffect">
+                                  <p:stCondLst>
+                                    <p:cond delay="0"/>
+                                  </p:stCondLst>
+                                  <p:childTnLst>
+                                    <p:set>
+                                      <p:cBhvr>
+                                        <p:cTn id="6" dur="1" fill="hold">
+                                          <p:stCondLst>
+                                            <p:cond delay="0"/>
+                                          </p:stCondLst>
+                                        </p:cTn>
+                                        <p:tgtEl>
+                                          <p:spTgt spid="4">
+                                            <p:txEl>
+                                              <p:pRg st="0" end="0"/>
+                                            </p:txEl>
+                                          </p:spTgt>
+                                        </p:tgtEl>
+                                        <p:attrNameLst>
+                                          <p:attrName>style.visibility</p:attrName>
+                                        </p:attrNameLst>
+                                      </p:cBhvr>
+                                      <p:to>
+                                        <p:strVal val="visible"/>
+                                      </p:to>
+                                    </p:set>
+                                  </p:childTnLst>
+                                </p:cTn>
+                              </p:par>
+                            </p:childTnLst>
+                          </p:cTn>
+                        </p:par>
+                      </p:childTnLst>
+                    </p:cTn>
+                  </p:par>
+                </p:childTnLst>
+              </p:cTn>
+              <p:prevCondLst>
+                <p:cond evt="onPrev" delay="0">
+                  <p:tgtEl>
+                    <p:sldTgt/>
+                  </p:tgtEl>
+                </p:cond>
+              </p:prevCondLst>
+              <p:nextCondLst>
+                <p:cond evt="onNext" delay="0">
+                  <p:tgtEl>
+                    <p:sldTgt/>
+                  </p:tgtEl>
+                </p:cond>
+              </p:nextCondLst>
+            </p:seq>
+          </p:childTnLst>
+        </p:cTn>
+      </p:par>
+    </p:tnLst>
+  </p:timing>
 </p:sld>
 </file>
 
@@ -14625,7 +16491,7 @@
           <p:cNvPr id="2" name="Title 1">
             <a:extLst>
               <a:ext uri="{FF2B5EF4-FFF2-40B4-BE49-F238E27FC236}">
-                <a16:creationId xmlns:a16="http://schemas.microsoft.com/office/drawing/2014/main" id="{0194040D-946A-E84E-868E-57A90F7BC7EE}"/>
+                <a16:creationId xmlns:a16="http://schemas.microsoft.com/office/drawing/2014/main" id="{C2052CE5-F69A-D645-8ECD-5C44E4A30D5C}"/>
               </a:ext>
             </a:extLst>
           </p:cNvPr>
@@ -14643,7 +16509,7 @@
           <a:p>
             <a:r>
               <a:rPr lang="en-US" dirty="0"/>
-              <a:t>Runtime</a:t>
+              <a:t>JDK</a:t>
             </a:r>
           </a:p>
         </p:txBody>
@@ -14653,7 +16519,7 @@
           <p:cNvPr id="3" name="Content Placeholder 2">
             <a:extLst>
               <a:ext uri="{FF2B5EF4-FFF2-40B4-BE49-F238E27FC236}">
-                <a16:creationId xmlns:a16="http://schemas.microsoft.com/office/drawing/2014/main" id="{94E8E5AC-DA84-D048-81B0-80C872394362}"/>
+                <a16:creationId xmlns:a16="http://schemas.microsoft.com/office/drawing/2014/main" id="{20ABE521-BF95-4441-82E2-23994761C137}"/>
               </a:ext>
             </a:extLst>
           </p:cNvPr>
@@ -14661,75 +16527,395 @@
             <a:spLocks noGrp="1"/>
           </p:cNvSpPr>
           <p:nvPr>
-            <p:ph idx="1"/>
-          </p:nvPr>
-        </p:nvSpPr>
-        <p:spPr/>
-        <p:txBody>
-          <a:bodyPr/>
-          <a:lstStyle/>
+            <p:ph sz="half" idx="1"/>
+          </p:nvPr>
+        </p:nvSpPr>
+        <p:spPr>
+          <a:xfrm>
+            <a:off x="685802" y="2142067"/>
+            <a:ext cx="3016403" cy="3649134"/>
+          </a:xfrm>
+        </p:spPr>
+        <p:txBody>
+          <a:bodyPr>
+            <a:noAutofit/>
+          </a:bodyPr>
+          <a:lstStyle/>
+          <a:p>
+            <a:pPr marL="0" lvl="0" indent="0" algn="ctr">
+              <a:buClr>
+                <a:prstClr val="white"/>
+              </a:buClr>
+              <a:buNone/>
+            </a:pPr>
+            <a:r>
+              <a:rPr lang="en-US" sz="2400" i="1" dirty="0">
+                <a:solidFill>
+                  <a:prstClr val="white"/>
+                </a:solidFill>
+              </a:rPr>
+              <a:t>Java 11</a:t>
+            </a:r>
+            <a:endParaRPr lang="en-US" sz="2800" dirty="0"/>
+          </a:p>
           <a:p>
             <a:pPr marL="0" indent="0">
               <a:buNone/>
             </a:pPr>
             <a:r>
               <a:rPr lang="en-US" sz="2800" dirty="0"/>
-              <a:t>Enhancements in a nutshell:</a:t>
-            </a:r>
-          </a:p>
-          <a:p>
-            <a:r>
-              <a:rPr lang="en-US" dirty="0"/>
-              <a:t>Module system</a:t>
-            </a:r>
-          </a:p>
-          <a:p>
-            <a:r>
-              <a:rPr lang="en-US" dirty="0"/>
-              <a:t>Performance improvements</a:t>
-            </a:r>
-          </a:p>
-          <a:p>
-            <a:pPr lvl="1"/>
-            <a:r>
-              <a:rPr lang="en-US" dirty="0"/>
-              <a:t>Garbage collection</a:t>
-            </a:r>
-          </a:p>
-          <a:p>
-            <a:pPr lvl="1"/>
-            <a:r>
-              <a:rPr lang="en-US" dirty="0"/>
-              <a:t>Thread management</a:t>
-            </a:r>
-          </a:p>
-          <a:p>
-            <a:r>
-              <a:rPr lang="en-US" dirty="0"/>
-              <a:t>Unicode</a:t>
-            </a:r>
-          </a:p>
-          <a:p>
-            <a:r>
-              <a:rPr lang="en-US" dirty="0"/>
-              <a:t>Hidden classes</a:t>
-            </a:r>
-          </a:p>
-          <a:p>
-            <a:endParaRPr lang="en-US" dirty="0"/>
+              <a:t>TLS 1.3</a:t>
+            </a:r>
+          </a:p>
+        </p:txBody>
+      </p:sp>
+      <p:sp>
+        <p:nvSpPr>
+          <p:cNvPr id="4" name="Content Placeholder 3">
+            <a:extLst>
+              <a:ext uri="{FF2B5EF4-FFF2-40B4-BE49-F238E27FC236}">
+                <a16:creationId xmlns:a16="http://schemas.microsoft.com/office/drawing/2014/main" id="{26204FAF-26E7-1B46-B974-24DDC791B844}"/>
+              </a:ext>
+            </a:extLst>
+          </p:cNvPr>
+          <p:cNvSpPr>
+            <a:spLocks noGrp="1"/>
+          </p:cNvSpPr>
+          <p:nvPr>
+            <p:ph sz="half" idx="2"/>
+          </p:nvPr>
+        </p:nvSpPr>
+        <p:spPr>
+          <a:xfrm>
+            <a:off x="3914078" y="2142067"/>
+            <a:ext cx="6903149" cy="3649133"/>
+          </a:xfrm>
+        </p:spPr>
+        <p:txBody>
+          <a:bodyPr anchor="t">
+            <a:normAutofit/>
+          </a:bodyPr>
+          <a:lstStyle/>
+          <a:p>
+            <a:pPr marL="0" indent="0">
+              <a:lnSpc>
+                <a:spcPct val="120000"/>
+              </a:lnSpc>
+              <a:buNone/>
+            </a:pPr>
+            <a:r>
+              <a:rPr lang="en-US" sz="2400" dirty="0"/>
+              <a:t>Implement the latest TLS standard</a:t>
+            </a:r>
+          </a:p>
+          <a:p>
+            <a:pPr marL="0" indent="0">
+              <a:buNone/>
+            </a:pPr>
+            <a:endParaRPr lang="en-US" sz="2400" dirty="0"/>
+          </a:p>
+          <a:p>
+            <a:pPr marL="0" indent="0">
+              <a:lnSpc>
+                <a:spcPct val="150000"/>
+              </a:lnSpc>
+              <a:buNone/>
+            </a:pPr>
+            <a:r>
+              <a:rPr lang="en-US" sz="2000" dirty="0"/>
+              <a:t>Upgrades the Java Secure Socket Extension (JSSE) </a:t>
+            </a:r>
+          </a:p>
+          <a:p>
+            <a:pPr marL="0" indent="0">
+              <a:lnSpc>
+                <a:spcPct val="150000"/>
+              </a:lnSpc>
+              <a:buNone/>
+            </a:pPr>
+            <a:r>
+              <a:rPr lang="en-US" sz="2000" dirty="0"/>
+              <a:t>Adds support for the TLS 1.3 protocol</a:t>
+            </a:r>
+          </a:p>
+          <a:p>
+            <a:pPr marL="0" indent="0">
+              <a:lnSpc>
+                <a:spcPct val="150000"/>
+              </a:lnSpc>
+              <a:buNone/>
+            </a:pPr>
+            <a:r>
+              <a:rPr lang="en-US" sz="2000" dirty="0"/>
+              <a:t>Adds new cipher suites required by TLS 1.3</a:t>
+            </a:r>
+          </a:p>
+          <a:p>
+            <a:pPr marL="0" indent="0">
+              <a:lnSpc>
+                <a:spcPct val="150000"/>
+              </a:lnSpc>
+              <a:buNone/>
+            </a:pPr>
+            <a:r>
+              <a:rPr lang="en-US" sz="2000" dirty="0"/>
+              <a:t>Removes some older, insecure cipher suites</a:t>
+            </a:r>
           </a:p>
         </p:txBody>
       </p:sp>
     </p:spTree>
     <p:extLst>
       <p:ext uri="{BB962C8B-B14F-4D97-AF65-F5344CB8AC3E}">
-        <p14:creationId xmlns:p14="http://schemas.microsoft.com/office/powerpoint/2010/main" val="1715626812"/>
+        <p14:creationId xmlns:p14="http://schemas.microsoft.com/office/powerpoint/2010/main" val="99880107"/>
       </p:ext>
     </p:extLst>
   </p:cSld>
   <p:clrMapOvr>
     <a:masterClrMapping/>
   </p:clrMapOvr>
+  <p:timing>
+    <p:tnLst>
+      <p:par>
+        <p:cTn id="1" dur="indefinite" restart="never" nodeType="tmRoot">
+          <p:childTnLst>
+            <p:seq concurrent="1" nextAc="seek">
+              <p:cTn id="2" dur="indefinite" nodeType="mainSeq">
+                <p:childTnLst>
+                  <p:par>
+                    <p:cTn id="3" fill="hold">
+                      <p:stCondLst>
+                        <p:cond delay="indefinite"/>
+                        <p:cond evt="onBegin" delay="0">
+                          <p:tn val="2"/>
+                        </p:cond>
+                      </p:stCondLst>
+                      <p:childTnLst>
+                        <p:par>
+                          <p:cTn id="4" fill="hold">
+                            <p:stCondLst>
+                              <p:cond delay="0"/>
+                            </p:stCondLst>
+                            <p:childTnLst>
+                              <p:par>
+                                <p:cTn id="5" presetID="1" presetClass="entr" presetSubtype="0" fill="hold" nodeType="afterEffect">
+                                  <p:stCondLst>
+                                    <p:cond delay="0"/>
+                                  </p:stCondLst>
+                                  <p:childTnLst>
+                                    <p:set>
+                                      <p:cBhvr>
+                                        <p:cTn id="6" dur="1" fill="hold">
+                                          <p:stCondLst>
+                                            <p:cond delay="0"/>
+                                          </p:stCondLst>
+                                        </p:cTn>
+                                        <p:tgtEl>
+                                          <p:spTgt spid="4">
+                                            <p:txEl>
+                                              <p:pRg st="0" end="0"/>
+                                            </p:txEl>
+                                          </p:spTgt>
+                                        </p:tgtEl>
+                                        <p:attrNameLst>
+                                          <p:attrName>style.visibility</p:attrName>
+                                        </p:attrNameLst>
+                                      </p:cBhvr>
+                                      <p:to>
+                                        <p:strVal val="visible"/>
+                                      </p:to>
+                                    </p:set>
+                                  </p:childTnLst>
+                                </p:cTn>
+                              </p:par>
+                            </p:childTnLst>
+                          </p:cTn>
+                        </p:par>
+                        <p:par>
+                          <p:cTn id="7" fill="hold">
+                            <p:stCondLst>
+                              <p:cond delay="0"/>
+                            </p:stCondLst>
+                            <p:childTnLst>
+                              <p:par>
+                                <p:cTn id="8" presetID="1" presetClass="entr" presetSubtype="0" fill="hold" nodeType="afterEffect">
+                                  <p:stCondLst>
+                                    <p:cond delay="0"/>
+                                  </p:stCondLst>
+                                  <p:childTnLst>
+                                    <p:set>
+                                      <p:cBhvr>
+                                        <p:cTn id="9" dur="1" fill="hold">
+                                          <p:stCondLst>
+                                            <p:cond delay="0"/>
+                                          </p:stCondLst>
+                                        </p:cTn>
+                                        <p:tgtEl>
+                                          <p:spTgt spid="4">
+                                            <p:txEl>
+                                              <p:pRg st="2" end="2"/>
+                                            </p:txEl>
+                                          </p:spTgt>
+                                        </p:tgtEl>
+                                        <p:attrNameLst>
+                                          <p:attrName>style.visibility</p:attrName>
+                                        </p:attrNameLst>
+                                      </p:cBhvr>
+                                      <p:to>
+                                        <p:strVal val="visible"/>
+                                      </p:to>
+                                    </p:set>
+                                  </p:childTnLst>
+                                </p:cTn>
+                              </p:par>
+                            </p:childTnLst>
+                          </p:cTn>
+                        </p:par>
+                        <p:par>
+                          <p:cTn id="10" fill="hold">
+                            <p:stCondLst>
+                              <p:cond delay="0"/>
+                            </p:stCondLst>
+                            <p:childTnLst>
+                              <p:par>
+                                <p:cTn id="11" presetID="1" presetClass="entr" presetSubtype="0" fill="hold" nodeType="afterEffect">
+                                  <p:stCondLst>
+                                    <p:cond delay="0"/>
+                                  </p:stCondLst>
+                                  <p:childTnLst>
+                                    <p:set>
+                                      <p:cBhvr>
+                                        <p:cTn id="12" dur="1" fill="hold">
+                                          <p:stCondLst>
+                                            <p:cond delay="0"/>
+                                          </p:stCondLst>
+                                        </p:cTn>
+                                        <p:tgtEl>
+                                          <p:spTgt spid="4">
+                                            <p:txEl>
+                                              <p:pRg st="3" end="3"/>
+                                            </p:txEl>
+                                          </p:spTgt>
+                                        </p:tgtEl>
+                                        <p:attrNameLst>
+                                          <p:attrName>style.visibility</p:attrName>
+                                        </p:attrNameLst>
+                                      </p:cBhvr>
+                                      <p:to>
+                                        <p:strVal val="visible"/>
+                                      </p:to>
+                                    </p:set>
+                                  </p:childTnLst>
+                                </p:cTn>
+                              </p:par>
+                            </p:childTnLst>
+                          </p:cTn>
+                        </p:par>
+                        <p:par>
+                          <p:cTn id="13" fill="hold">
+                            <p:stCondLst>
+                              <p:cond delay="0"/>
+                            </p:stCondLst>
+                            <p:childTnLst>
+                              <p:par>
+                                <p:cTn id="14" presetID="1" presetClass="entr" presetSubtype="0" fill="hold" nodeType="afterEffect">
+                                  <p:stCondLst>
+                                    <p:cond delay="0"/>
+                                  </p:stCondLst>
+                                  <p:childTnLst>
+                                    <p:set>
+                                      <p:cBhvr>
+                                        <p:cTn id="15" dur="1" fill="hold">
+                                          <p:stCondLst>
+                                            <p:cond delay="0"/>
+                                          </p:stCondLst>
+                                        </p:cTn>
+                                        <p:tgtEl>
+                                          <p:spTgt spid="4">
+                                            <p:txEl>
+                                              <p:pRg st="4" end="4"/>
+                                            </p:txEl>
+                                          </p:spTgt>
+                                        </p:tgtEl>
+                                        <p:attrNameLst>
+                                          <p:attrName>style.visibility</p:attrName>
+                                        </p:attrNameLst>
+                                      </p:cBhvr>
+                                      <p:to>
+                                        <p:strVal val="visible"/>
+                                      </p:to>
+                                    </p:set>
+                                  </p:childTnLst>
+                                </p:cTn>
+                              </p:par>
+                            </p:childTnLst>
+                          </p:cTn>
+                        </p:par>
+                        <p:par>
+                          <p:cTn id="16" fill="hold">
+                            <p:stCondLst>
+                              <p:cond delay="0"/>
+                            </p:stCondLst>
+                            <p:childTnLst>
+                              <p:par>
+                                <p:cTn id="17" presetID="1" presetClass="entr" presetSubtype="0" fill="hold" nodeType="afterEffect">
+                                  <p:stCondLst>
+                                    <p:cond delay="0"/>
+                                  </p:stCondLst>
+                                  <p:childTnLst>
+                                    <p:set>
+                                      <p:cBhvr>
+                                        <p:cTn id="18" dur="1" fill="hold">
+                                          <p:stCondLst>
+                                            <p:cond delay="0"/>
+                                          </p:stCondLst>
+                                        </p:cTn>
+                                        <p:tgtEl>
+                                          <p:spTgt spid="4">
+                                            <p:txEl>
+                                              <p:pRg st="5" end="5"/>
+                                            </p:txEl>
+                                          </p:spTgt>
+                                        </p:tgtEl>
+                                        <p:attrNameLst>
+                                          <p:attrName>style.visibility</p:attrName>
+                                        </p:attrNameLst>
+                                      </p:cBhvr>
+                                      <p:to>
+                                        <p:strVal val="visible"/>
+                                      </p:to>
+                                    </p:set>
+                                  </p:childTnLst>
+                                </p:cTn>
+                              </p:par>
+                            </p:childTnLst>
+                          </p:cTn>
+                        </p:par>
+                      </p:childTnLst>
+                    </p:cTn>
+                  </p:par>
+                </p:childTnLst>
+              </p:cTn>
+              <p:prevCondLst>
+                <p:cond evt="onPrev" delay="0">
+                  <p:tgtEl>
+                    <p:sldTgt/>
+                  </p:tgtEl>
+                </p:cond>
+              </p:prevCondLst>
+              <p:nextCondLst>
+                <p:cond evt="onNext" delay="0">
+                  <p:tgtEl>
+                    <p:sldTgt/>
+                  </p:tgtEl>
+                </p:cond>
+              </p:nextCondLst>
+            </p:seq>
+          </p:childTnLst>
+        </p:cTn>
+      </p:par>
+    </p:tnLst>
+  </p:timing>
 </p:sld>
 </file>
 
@@ -14755,6 +16941,3361 @@
           <p:cNvPr id="2" name="Title 1">
             <a:extLst>
               <a:ext uri="{FF2B5EF4-FFF2-40B4-BE49-F238E27FC236}">
+                <a16:creationId xmlns:a16="http://schemas.microsoft.com/office/drawing/2014/main" id="{C2052CE5-F69A-D645-8ECD-5C44E4A30D5C}"/>
+              </a:ext>
+            </a:extLst>
+          </p:cNvPr>
+          <p:cNvSpPr>
+            <a:spLocks noGrp="1"/>
+          </p:cNvSpPr>
+          <p:nvPr>
+            <p:ph type="title"/>
+          </p:nvPr>
+        </p:nvSpPr>
+        <p:spPr/>
+        <p:txBody>
+          <a:bodyPr/>
+          <a:lstStyle/>
+          <a:p>
+            <a:r>
+              <a:rPr lang="en-US" dirty="0"/>
+              <a:t>JDK</a:t>
+            </a:r>
+          </a:p>
+        </p:txBody>
+      </p:sp>
+      <p:sp>
+        <p:nvSpPr>
+          <p:cNvPr id="3" name="Content Placeholder 2">
+            <a:extLst>
+              <a:ext uri="{FF2B5EF4-FFF2-40B4-BE49-F238E27FC236}">
+                <a16:creationId xmlns:a16="http://schemas.microsoft.com/office/drawing/2014/main" id="{20ABE521-BF95-4441-82E2-23994761C137}"/>
+              </a:ext>
+            </a:extLst>
+          </p:cNvPr>
+          <p:cNvSpPr>
+            <a:spLocks noGrp="1"/>
+          </p:cNvSpPr>
+          <p:nvPr>
+            <p:ph sz="half" idx="1"/>
+          </p:nvPr>
+        </p:nvSpPr>
+        <p:spPr>
+          <a:xfrm>
+            <a:off x="685802" y="2142067"/>
+            <a:ext cx="3016403" cy="3649134"/>
+          </a:xfrm>
+        </p:spPr>
+        <p:txBody>
+          <a:bodyPr>
+            <a:noAutofit/>
+          </a:bodyPr>
+          <a:lstStyle/>
+          <a:p>
+            <a:pPr marL="0" lvl="0" indent="0" algn="ctr">
+              <a:buClr>
+                <a:prstClr val="white"/>
+              </a:buClr>
+              <a:buNone/>
+            </a:pPr>
+            <a:r>
+              <a:rPr lang="en-US" sz="2400" i="1" dirty="0">
+                <a:solidFill>
+                  <a:prstClr val="white"/>
+                </a:solidFill>
+              </a:rPr>
+              <a:t>Java 13 &amp; 15</a:t>
+            </a:r>
+            <a:endParaRPr lang="en-US" sz="2800" dirty="0"/>
+          </a:p>
+          <a:p>
+            <a:pPr marL="0" indent="0">
+              <a:buNone/>
+            </a:pPr>
+            <a:r>
+              <a:rPr lang="en-US" sz="2800" dirty="0"/>
+              <a:t>Reimplement Socket APIs</a:t>
+            </a:r>
+          </a:p>
+        </p:txBody>
+      </p:sp>
+      <p:sp>
+        <p:nvSpPr>
+          <p:cNvPr id="4" name="Content Placeholder 3">
+            <a:extLst>
+              <a:ext uri="{FF2B5EF4-FFF2-40B4-BE49-F238E27FC236}">
+                <a16:creationId xmlns:a16="http://schemas.microsoft.com/office/drawing/2014/main" id="{26204FAF-26E7-1B46-B974-24DDC791B844}"/>
+              </a:ext>
+            </a:extLst>
+          </p:cNvPr>
+          <p:cNvSpPr>
+            <a:spLocks noGrp="1"/>
+          </p:cNvSpPr>
+          <p:nvPr>
+            <p:ph sz="half" idx="2"/>
+          </p:nvPr>
+        </p:nvSpPr>
+        <p:spPr>
+          <a:xfrm>
+            <a:off x="3914078" y="2142067"/>
+            <a:ext cx="6903149" cy="3649133"/>
+          </a:xfrm>
+        </p:spPr>
+        <p:txBody>
+          <a:bodyPr anchor="t">
+            <a:normAutofit fontScale="92500" lnSpcReduction="10000"/>
+          </a:bodyPr>
+          <a:lstStyle/>
+          <a:p>
+            <a:pPr marL="0" indent="0">
+              <a:lnSpc>
+                <a:spcPct val="120000"/>
+              </a:lnSpc>
+              <a:buNone/>
+            </a:pPr>
+            <a:r>
+              <a:rPr lang="en-US" sz="2400" dirty="0"/>
+              <a:t>Reimplement the archaic socket API internals</a:t>
+            </a:r>
+          </a:p>
+          <a:p>
+            <a:pPr marL="0" indent="0">
+              <a:buNone/>
+            </a:pPr>
+            <a:endParaRPr lang="en-US" sz="2400" dirty="0"/>
+          </a:p>
+          <a:p>
+            <a:pPr marL="0" indent="0">
+              <a:lnSpc>
+                <a:spcPct val="150000"/>
+              </a:lnSpc>
+              <a:buNone/>
+            </a:pPr>
+            <a:r>
+              <a:rPr lang="en-US" sz="2000" dirty="0"/>
+              <a:t>Previous implementations had been around since 1.0</a:t>
+            </a:r>
+          </a:p>
+          <a:p>
+            <a:pPr marL="0" indent="0">
+              <a:lnSpc>
+                <a:spcPct val="150000"/>
+              </a:lnSpc>
+              <a:buNone/>
+            </a:pPr>
+            <a:r>
+              <a:rPr lang="en-US" sz="2000" dirty="0"/>
+              <a:t>Brittle &amp; inefficient hybrid Java/C implementation</a:t>
+            </a:r>
+          </a:p>
+          <a:p>
+            <a:pPr marL="0" indent="0">
+              <a:lnSpc>
+                <a:spcPct val="150000"/>
+              </a:lnSpc>
+              <a:buNone/>
+            </a:pPr>
+            <a:r>
+              <a:rPr lang="en-US" sz="2000" dirty="0"/>
+              <a:t>Insufficient for supporting upcoming JVM enhancements</a:t>
+            </a:r>
+          </a:p>
+          <a:p>
+            <a:pPr marL="0" indent="0">
+              <a:lnSpc>
+                <a:spcPct val="150000"/>
+              </a:lnSpc>
+              <a:buNone/>
+            </a:pPr>
+            <a:r>
+              <a:rPr lang="en-US" sz="2000" dirty="0"/>
+              <a:t>Java 13: Reimplement TCP sockets</a:t>
+            </a:r>
+          </a:p>
+          <a:p>
+            <a:pPr marL="0" indent="0">
+              <a:lnSpc>
+                <a:spcPct val="150000"/>
+              </a:lnSpc>
+              <a:buNone/>
+            </a:pPr>
+            <a:r>
+              <a:rPr lang="en-US" sz="2000" dirty="0"/>
+              <a:t>Java 15: Reimplement UDP sockets</a:t>
+            </a:r>
+          </a:p>
+        </p:txBody>
+      </p:sp>
+    </p:spTree>
+    <p:extLst>
+      <p:ext uri="{BB962C8B-B14F-4D97-AF65-F5344CB8AC3E}">
+        <p14:creationId xmlns:p14="http://schemas.microsoft.com/office/powerpoint/2010/main" val="1517947423"/>
+      </p:ext>
+    </p:extLst>
+  </p:cSld>
+  <p:clrMapOvr>
+    <a:masterClrMapping/>
+  </p:clrMapOvr>
+  <p:timing>
+    <p:tnLst>
+      <p:par>
+        <p:cTn id="1" dur="indefinite" restart="never" nodeType="tmRoot">
+          <p:childTnLst>
+            <p:seq concurrent="1" nextAc="seek">
+              <p:cTn id="2" dur="indefinite" nodeType="mainSeq">
+                <p:childTnLst>
+                  <p:par>
+                    <p:cTn id="3" fill="hold">
+                      <p:stCondLst>
+                        <p:cond delay="indefinite"/>
+                        <p:cond evt="onBegin" delay="0">
+                          <p:tn val="2"/>
+                        </p:cond>
+                      </p:stCondLst>
+                      <p:childTnLst>
+                        <p:par>
+                          <p:cTn id="4" fill="hold">
+                            <p:stCondLst>
+                              <p:cond delay="0"/>
+                            </p:stCondLst>
+                            <p:childTnLst>
+                              <p:par>
+                                <p:cTn id="5" presetID="1" presetClass="entr" presetSubtype="0" fill="hold" nodeType="afterEffect">
+                                  <p:stCondLst>
+                                    <p:cond delay="0"/>
+                                  </p:stCondLst>
+                                  <p:childTnLst>
+                                    <p:set>
+                                      <p:cBhvr>
+                                        <p:cTn id="6" dur="1" fill="hold">
+                                          <p:stCondLst>
+                                            <p:cond delay="0"/>
+                                          </p:stCondLst>
+                                        </p:cTn>
+                                        <p:tgtEl>
+                                          <p:spTgt spid="4">
+                                            <p:txEl>
+                                              <p:pRg st="0" end="0"/>
+                                            </p:txEl>
+                                          </p:spTgt>
+                                        </p:tgtEl>
+                                        <p:attrNameLst>
+                                          <p:attrName>style.visibility</p:attrName>
+                                        </p:attrNameLst>
+                                      </p:cBhvr>
+                                      <p:to>
+                                        <p:strVal val="visible"/>
+                                      </p:to>
+                                    </p:set>
+                                  </p:childTnLst>
+                                </p:cTn>
+                              </p:par>
+                            </p:childTnLst>
+                          </p:cTn>
+                        </p:par>
+                        <p:par>
+                          <p:cTn id="7" fill="hold">
+                            <p:stCondLst>
+                              <p:cond delay="0"/>
+                            </p:stCondLst>
+                            <p:childTnLst>
+                              <p:par>
+                                <p:cTn id="8" presetID="1" presetClass="entr" presetSubtype="0" fill="hold" nodeType="afterEffect">
+                                  <p:stCondLst>
+                                    <p:cond delay="0"/>
+                                  </p:stCondLst>
+                                  <p:childTnLst>
+                                    <p:set>
+                                      <p:cBhvr>
+                                        <p:cTn id="9" dur="1" fill="hold">
+                                          <p:stCondLst>
+                                            <p:cond delay="0"/>
+                                          </p:stCondLst>
+                                        </p:cTn>
+                                        <p:tgtEl>
+                                          <p:spTgt spid="4">
+                                            <p:txEl>
+                                              <p:pRg st="2" end="2"/>
+                                            </p:txEl>
+                                          </p:spTgt>
+                                        </p:tgtEl>
+                                        <p:attrNameLst>
+                                          <p:attrName>style.visibility</p:attrName>
+                                        </p:attrNameLst>
+                                      </p:cBhvr>
+                                      <p:to>
+                                        <p:strVal val="visible"/>
+                                      </p:to>
+                                    </p:set>
+                                  </p:childTnLst>
+                                </p:cTn>
+                              </p:par>
+                            </p:childTnLst>
+                          </p:cTn>
+                        </p:par>
+                        <p:par>
+                          <p:cTn id="10" fill="hold">
+                            <p:stCondLst>
+                              <p:cond delay="0"/>
+                            </p:stCondLst>
+                            <p:childTnLst>
+                              <p:par>
+                                <p:cTn id="11" presetID="1" presetClass="entr" presetSubtype="0" fill="hold" nodeType="afterEffect">
+                                  <p:stCondLst>
+                                    <p:cond delay="0"/>
+                                  </p:stCondLst>
+                                  <p:childTnLst>
+                                    <p:set>
+                                      <p:cBhvr>
+                                        <p:cTn id="12" dur="1" fill="hold">
+                                          <p:stCondLst>
+                                            <p:cond delay="0"/>
+                                          </p:stCondLst>
+                                        </p:cTn>
+                                        <p:tgtEl>
+                                          <p:spTgt spid="4">
+                                            <p:txEl>
+                                              <p:pRg st="3" end="3"/>
+                                            </p:txEl>
+                                          </p:spTgt>
+                                        </p:tgtEl>
+                                        <p:attrNameLst>
+                                          <p:attrName>style.visibility</p:attrName>
+                                        </p:attrNameLst>
+                                      </p:cBhvr>
+                                      <p:to>
+                                        <p:strVal val="visible"/>
+                                      </p:to>
+                                    </p:set>
+                                  </p:childTnLst>
+                                </p:cTn>
+                              </p:par>
+                            </p:childTnLst>
+                          </p:cTn>
+                        </p:par>
+                        <p:par>
+                          <p:cTn id="13" fill="hold">
+                            <p:stCondLst>
+                              <p:cond delay="0"/>
+                            </p:stCondLst>
+                            <p:childTnLst>
+                              <p:par>
+                                <p:cTn id="14" presetID="1" presetClass="entr" presetSubtype="0" fill="hold" nodeType="afterEffect">
+                                  <p:stCondLst>
+                                    <p:cond delay="0"/>
+                                  </p:stCondLst>
+                                  <p:childTnLst>
+                                    <p:set>
+                                      <p:cBhvr>
+                                        <p:cTn id="15" dur="1" fill="hold">
+                                          <p:stCondLst>
+                                            <p:cond delay="0"/>
+                                          </p:stCondLst>
+                                        </p:cTn>
+                                        <p:tgtEl>
+                                          <p:spTgt spid="4">
+                                            <p:txEl>
+                                              <p:pRg st="4" end="4"/>
+                                            </p:txEl>
+                                          </p:spTgt>
+                                        </p:tgtEl>
+                                        <p:attrNameLst>
+                                          <p:attrName>style.visibility</p:attrName>
+                                        </p:attrNameLst>
+                                      </p:cBhvr>
+                                      <p:to>
+                                        <p:strVal val="visible"/>
+                                      </p:to>
+                                    </p:set>
+                                  </p:childTnLst>
+                                </p:cTn>
+                              </p:par>
+                            </p:childTnLst>
+                          </p:cTn>
+                        </p:par>
+                        <p:par>
+                          <p:cTn id="16" fill="hold">
+                            <p:stCondLst>
+                              <p:cond delay="0"/>
+                            </p:stCondLst>
+                            <p:childTnLst>
+                              <p:par>
+                                <p:cTn id="17" presetID="1" presetClass="entr" presetSubtype="0" fill="hold" nodeType="afterEffect">
+                                  <p:stCondLst>
+                                    <p:cond delay="0"/>
+                                  </p:stCondLst>
+                                  <p:childTnLst>
+                                    <p:set>
+                                      <p:cBhvr>
+                                        <p:cTn id="18" dur="1" fill="hold">
+                                          <p:stCondLst>
+                                            <p:cond delay="0"/>
+                                          </p:stCondLst>
+                                        </p:cTn>
+                                        <p:tgtEl>
+                                          <p:spTgt spid="4">
+                                            <p:txEl>
+                                              <p:pRg st="5" end="5"/>
+                                            </p:txEl>
+                                          </p:spTgt>
+                                        </p:tgtEl>
+                                        <p:attrNameLst>
+                                          <p:attrName>style.visibility</p:attrName>
+                                        </p:attrNameLst>
+                                      </p:cBhvr>
+                                      <p:to>
+                                        <p:strVal val="visible"/>
+                                      </p:to>
+                                    </p:set>
+                                  </p:childTnLst>
+                                </p:cTn>
+                              </p:par>
+                            </p:childTnLst>
+                          </p:cTn>
+                        </p:par>
+                        <p:par>
+                          <p:cTn id="19" fill="hold">
+                            <p:stCondLst>
+                              <p:cond delay="0"/>
+                            </p:stCondLst>
+                            <p:childTnLst>
+                              <p:par>
+                                <p:cTn id="20" presetID="1" presetClass="entr" presetSubtype="0" fill="hold" nodeType="afterEffect">
+                                  <p:stCondLst>
+                                    <p:cond delay="0"/>
+                                  </p:stCondLst>
+                                  <p:childTnLst>
+                                    <p:set>
+                                      <p:cBhvr>
+                                        <p:cTn id="21" dur="1" fill="hold">
+                                          <p:stCondLst>
+                                            <p:cond delay="0"/>
+                                          </p:stCondLst>
+                                        </p:cTn>
+                                        <p:tgtEl>
+                                          <p:spTgt spid="4">
+                                            <p:txEl>
+                                              <p:pRg st="6" end="6"/>
+                                            </p:txEl>
+                                          </p:spTgt>
+                                        </p:tgtEl>
+                                        <p:attrNameLst>
+                                          <p:attrName>style.visibility</p:attrName>
+                                        </p:attrNameLst>
+                                      </p:cBhvr>
+                                      <p:to>
+                                        <p:strVal val="visible"/>
+                                      </p:to>
+                                    </p:set>
+                                  </p:childTnLst>
+                                </p:cTn>
+                              </p:par>
+                            </p:childTnLst>
+                          </p:cTn>
+                        </p:par>
+                      </p:childTnLst>
+                    </p:cTn>
+                  </p:par>
+                </p:childTnLst>
+              </p:cTn>
+              <p:prevCondLst>
+                <p:cond evt="onPrev" delay="0">
+                  <p:tgtEl>
+                    <p:sldTgt/>
+                  </p:tgtEl>
+                </p:cond>
+              </p:prevCondLst>
+              <p:nextCondLst>
+                <p:cond evt="onNext" delay="0">
+                  <p:tgtEl>
+                    <p:sldTgt/>
+                  </p:tgtEl>
+                </p:cond>
+              </p:nextCondLst>
+            </p:seq>
+          </p:childTnLst>
+        </p:cTn>
+      </p:par>
+    </p:tnLst>
+  </p:timing>
+</p:sld>
+</file>
+
+<file path=ppt/slides/slide32.xml><?xml version="1.0" encoding="utf-8"?>
+<p:sld xmlns:a="http://schemas.openxmlformats.org/drawingml/2006/main" xmlns:r="http://schemas.openxmlformats.org/officeDocument/2006/relationships" xmlns:p="http://schemas.openxmlformats.org/presentationml/2006/main">
+  <p:cSld>
+    <p:spTree>
+      <p:nvGrpSpPr>
+        <p:cNvPr id="1" name=""/>
+        <p:cNvGrpSpPr/>
+        <p:nvPr/>
+      </p:nvGrpSpPr>
+      <p:grpSpPr>
+        <a:xfrm>
+          <a:off x="0" y="0"/>
+          <a:ext cx="0" cy="0"/>
+          <a:chOff x="0" y="0"/>
+          <a:chExt cx="0" cy="0"/>
+        </a:xfrm>
+      </p:grpSpPr>
+      <p:sp>
+        <p:nvSpPr>
+          <p:cNvPr id="2" name="Title 1">
+            <a:extLst>
+              <a:ext uri="{FF2B5EF4-FFF2-40B4-BE49-F238E27FC236}">
+                <a16:creationId xmlns:a16="http://schemas.microsoft.com/office/drawing/2014/main" id="{C2052CE5-F69A-D645-8ECD-5C44E4A30D5C}"/>
+              </a:ext>
+            </a:extLst>
+          </p:cNvPr>
+          <p:cNvSpPr>
+            <a:spLocks noGrp="1"/>
+          </p:cNvSpPr>
+          <p:nvPr>
+            <p:ph type="title"/>
+          </p:nvPr>
+        </p:nvSpPr>
+        <p:spPr/>
+        <p:txBody>
+          <a:bodyPr/>
+          <a:lstStyle/>
+          <a:p>
+            <a:r>
+              <a:rPr lang="en-US" dirty="0"/>
+              <a:t>JDK</a:t>
+            </a:r>
+          </a:p>
+        </p:txBody>
+      </p:sp>
+      <p:sp>
+        <p:nvSpPr>
+          <p:cNvPr id="3" name="Content Placeholder 2">
+            <a:extLst>
+              <a:ext uri="{FF2B5EF4-FFF2-40B4-BE49-F238E27FC236}">
+                <a16:creationId xmlns:a16="http://schemas.microsoft.com/office/drawing/2014/main" id="{20ABE521-BF95-4441-82E2-23994761C137}"/>
+              </a:ext>
+            </a:extLst>
+          </p:cNvPr>
+          <p:cNvSpPr>
+            <a:spLocks noGrp="1"/>
+          </p:cNvSpPr>
+          <p:nvPr>
+            <p:ph sz="half" idx="1"/>
+          </p:nvPr>
+        </p:nvSpPr>
+        <p:spPr>
+          <a:xfrm>
+            <a:off x="685802" y="2142067"/>
+            <a:ext cx="3016403" cy="3649134"/>
+          </a:xfrm>
+        </p:spPr>
+        <p:txBody>
+          <a:bodyPr>
+            <a:noAutofit/>
+          </a:bodyPr>
+          <a:lstStyle/>
+          <a:p>
+            <a:pPr marL="0" lvl="0" indent="0" algn="ctr">
+              <a:buClr>
+                <a:prstClr val="white"/>
+              </a:buClr>
+              <a:buNone/>
+            </a:pPr>
+            <a:r>
+              <a:rPr lang="en-US" sz="2400" i="1" dirty="0">
+                <a:solidFill>
+                  <a:prstClr val="white"/>
+                </a:solidFill>
+              </a:rPr>
+              <a:t>Java 14</a:t>
+            </a:r>
+            <a:endParaRPr lang="en-US" sz="2800" dirty="0"/>
+          </a:p>
+          <a:p>
+            <a:pPr marL="0" indent="0">
+              <a:buNone/>
+            </a:pPr>
+            <a:r>
+              <a:rPr lang="en-US" sz="2800" dirty="0"/>
+              <a:t>Improved NPE</a:t>
+            </a:r>
+          </a:p>
+        </p:txBody>
+      </p:sp>
+      <p:sp>
+        <p:nvSpPr>
+          <p:cNvPr id="4" name="Content Placeholder 3">
+            <a:extLst>
+              <a:ext uri="{FF2B5EF4-FFF2-40B4-BE49-F238E27FC236}">
+                <a16:creationId xmlns:a16="http://schemas.microsoft.com/office/drawing/2014/main" id="{26204FAF-26E7-1B46-B974-24DDC791B844}"/>
+              </a:ext>
+            </a:extLst>
+          </p:cNvPr>
+          <p:cNvSpPr>
+            <a:spLocks noGrp="1"/>
+          </p:cNvSpPr>
+          <p:nvPr>
+            <p:ph sz="half" idx="2"/>
+          </p:nvPr>
+        </p:nvSpPr>
+        <p:spPr>
+          <a:xfrm>
+            <a:off x="3914078" y="2142067"/>
+            <a:ext cx="6903149" cy="3649133"/>
+          </a:xfrm>
+        </p:spPr>
+        <p:txBody>
+          <a:bodyPr anchor="t">
+            <a:normAutofit/>
+          </a:bodyPr>
+          <a:lstStyle/>
+          <a:p>
+            <a:pPr marL="0" indent="0">
+              <a:lnSpc>
+                <a:spcPct val="120000"/>
+              </a:lnSpc>
+              <a:buNone/>
+            </a:pPr>
+            <a:r>
+              <a:rPr lang="en-US" sz="2400" dirty="0"/>
+              <a:t>Enhanced </a:t>
+            </a:r>
+            <a:r>
+              <a:rPr lang="en-US" sz="2400" dirty="0" err="1">
+                <a:latin typeface="Andale Mono" panose="020B0509000000000004" pitchFamily="49" charset="0"/>
+              </a:rPr>
+              <a:t>NullPointerException</a:t>
+            </a:r>
+            <a:r>
+              <a:rPr lang="en-US" sz="2400" dirty="0"/>
+              <a:t> error messages</a:t>
+            </a:r>
+            <a:endParaRPr lang="en-US" sz="2400" dirty="0">
+              <a:latin typeface="Andale Mono" panose="020B0509000000000004" pitchFamily="49" charset="0"/>
+            </a:endParaRPr>
+          </a:p>
+          <a:p>
+            <a:pPr marL="0" indent="0">
+              <a:buNone/>
+            </a:pPr>
+            <a:endParaRPr lang="en-US" sz="2400" dirty="0"/>
+          </a:p>
+          <a:p>
+            <a:pPr marL="0" indent="0">
+              <a:lnSpc>
+                <a:spcPct val="150000"/>
+              </a:lnSpc>
+              <a:buNone/>
+            </a:pPr>
+            <a:r>
+              <a:rPr lang="en-US" sz="2000" dirty="0"/>
+              <a:t>Helps with chains of references or calls</a:t>
+            </a:r>
+          </a:p>
+          <a:p>
+            <a:pPr marL="0" indent="0">
+              <a:lnSpc>
+                <a:spcPct val="150000"/>
+              </a:lnSpc>
+              <a:buNone/>
+            </a:pPr>
+            <a:r>
+              <a:rPr lang="en-US" sz="2000" dirty="0"/>
+              <a:t>Pinpoints exactly which object was null</a:t>
+            </a:r>
+          </a:p>
+          <a:p>
+            <a:pPr marL="0" indent="0">
+              <a:lnSpc>
+                <a:spcPct val="150000"/>
+              </a:lnSpc>
+              <a:buNone/>
+            </a:pPr>
+            <a:r>
+              <a:rPr lang="en-US" sz="2000" dirty="0"/>
+              <a:t>Details the operation that was attempted</a:t>
+            </a:r>
+          </a:p>
+        </p:txBody>
+      </p:sp>
+    </p:spTree>
+    <p:extLst>
+      <p:ext uri="{BB962C8B-B14F-4D97-AF65-F5344CB8AC3E}">
+        <p14:creationId xmlns:p14="http://schemas.microsoft.com/office/powerpoint/2010/main" val="2829660628"/>
+      </p:ext>
+    </p:extLst>
+  </p:cSld>
+  <p:clrMapOvr>
+    <a:masterClrMapping/>
+  </p:clrMapOvr>
+  <p:timing>
+    <p:tnLst>
+      <p:par>
+        <p:cTn id="1" dur="indefinite" restart="never" nodeType="tmRoot">
+          <p:childTnLst>
+            <p:seq concurrent="1" nextAc="seek">
+              <p:cTn id="2" dur="indefinite" nodeType="mainSeq">
+                <p:childTnLst>
+                  <p:par>
+                    <p:cTn id="3" fill="hold">
+                      <p:stCondLst>
+                        <p:cond delay="indefinite"/>
+                        <p:cond evt="onBegin" delay="0">
+                          <p:tn val="2"/>
+                        </p:cond>
+                      </p:stCondLst>
+                      <p:childTnLst>
+                        <p:par>
+                          <p:cTn id="4" fill="hold">
+                            <p:stCondLst>
+                              <p:cond delay="0"/>
+                            </p:stCondLst>
+                            <p:childTnLst>
+                              <p:par>
+                                <p:cTn id="5" presetID="1" presetClass="entr" presetSubtype="0" fill="hold" nodeType="afterEffect">
+                                  <p:stCondLst>
+                                    <p:cond delay="0"/>
+                                  </p:stCondLst>
+                                  <p:childTnLst>
+                                    <p:set>
+                                      <p:cBhvr>
+                                        <p:cTn id="6" dur="1" fill="hold">
+                                          <p:stCondLst>
+                                            <p:cond delay="0"/>
+                                          </p:stCondLst>
+                                        </p:cTn>
+                                        <p:tgtEl>
+                                          <p:spTgt spid="4">
+                                            <p:txEl>
+                                              <p:pRg st="0" end="0"/>
+                                            </p:txEl>
+                                          </p:spTgt>
+                                        </p:tgtEl>
+                                        <p:attrNameLst>
+                                          <p:attrName>style.visibility</p:attrName>
+                                        </p:attrNameLst>
+                                      </p:cBhvr>
+                                      <p:to>
+                                        <p:strVal val="visible"/>
+                                      </p:to>
+                                    </p:set>
+                                  </p:childTnLst>
+                                </p:cTn>
+                              </p:par>
+                            </p:childTnLst>
+                          </p:cTn>
+                        </p:par>
+                        <p:par>
+                          <p:cTn id="7" fill="hold">
+                            <p:stCondLst>
+                              <p:cond delay="0"/>
+                            </p:stCondLst>
+                            <p:childTnLst>
+                              <p:par>
+                                <p:cTn id="8" presetID="1" presetClass="entr" presetSubtype="0" fill="hold" nodeType="afterEffect">
+                                  <p:stCondLst>
+                                    <p:cond delay="0"/>
+                                  </p:stCondLst>
+                                  <p:childTnLst>
+                                    <p:set>
+                                      <p:cBhvr>
+                                        <p:cTn id="9" dur="1" fill="hold">
+                                          <p:stCondLst>
+                                            <p:cond delay="0"/>
+                                          </p:stCondLst>
+                                        </p:cTn>
+                                        <p:tgtEl>
+                                          <p:spTgt spid="4">
+                                            <p:txEl>
+                                              <p:pRg st="2" end="2"/>
+                                            </p:txEl>
+                                          </p:spTgt>
+                                        </p:tgtEl>
+                                        <p:attrNameLst>
+                                          <p:attrName>style.visibility</p:attrName>
+                                        </p:attrNameLst>
+                                      </p:cBhvr>
+                                      <p:to>
+                                        <p:strVal val="visible"/>
+                                      </p:to>
+                                    </p:set>
+                                  </p:childTnLst>
+                                </p:cTn>
+                              </p:par>
+                            </p:childTnLst>
+                          </p:cTn>
+                        </p:par>
+                        <p:par>
+                          <p:cTn id="10" fill="hold">
+                            <p:stCondLst>
+                              <p:cond delay="0"/>
+                            </p:stCondLst>
+                            <p:childTnLst>
+                              <p:par>
+                                <p:cTn id="11" presetID="1" presetClass="entr" presetSubtype="0" fill="hold" nodeType="afterEffect">
+                                  <p:stCondLst>
+                                    <p:cond delay="0"/>
+                                  </p:stCondLst>
+                                  <p:childTnLst>
+                                    <p:set>
+                                      <p:cBhvr>
+                                        <p:cTn id="12" dur="1" fill="hold">
+                                          <p:stCondLst>
+                                            <p:cond delay="0"/>
+                                          </p:stCondLst>
+                                        </p:cTn>
+                                        <p:tgtEl>
+                                          <p:spTgt spid="4">
+                                            <p:txEl>
+                                              <p:pRg st="3" end="3"/>
+                                            </p:txEl>
+                                          </p:spTgt>
+                                        </p:tgtEl>
+                                        <p:attrNameLst>
+                                          <p:attrName>style.visibility</p:attrName>
+                                        </p:attrNameLst>
+                                      </p:cBhvr>
+                                      <p:to>
+                                        <p:strVal val="visible"/>
+                                      </p:to>
+                                    </p:set>
+                                  </p:childTnLst>
+                                </p:cTn>
+                              </p:par>
+                            </p:childTnLst>
+                          </p:cTn>
+                        </p:par>
+                        <p:par>
+                          <p:cTn id="13" fill="hold">
+                            <p:stCondLst>
+                              <p:cond delay="0"/>
+                            </p:stCondLst>
+                            <p:childTnLst>
+                              <p:par>
+                                <p:cTn id="14" presetID="1" presetClass="entr" presetSubtype="0" fill="hold" nodeType="afterEffect">
+                                  <p:stCondLst>
+                                    <p:cond delay="0"/>
+                                  </p:stCondLst>
+                                  <p:childTnLst>
+                                    <p:set>
+                                      <p:cBhvr>
+                                        <p:cTn id="15" dur="1" fill="hold">
+                                          <p:stCondLst>
+                                            <p:cond delay="0"/>
+                                          </p:stCondLst>
+                                        </p:cTn>
+                                        <p:tgtEl>
+                                          <p:spTgt spid="4">
+                                            <p:txEl>
+                                              <p:pRg st="4" end="4"/>
+                                            </p:txEl>
+                                          </p:spTgt>
+                                        </p:tgtEl>
+                                        <p:attrNameLst>
+                                          <p:attrName>style.visibility</p:attrName>
+                                        </p:attrNameLst>
+                                      </p:cBhvr>
+                                      <p:to>
+                                        <p:strVal val="visible"/>
+                                      </p:to>
+                                    </p:set>
+                                  </p:childTnLst>
+                                </p:cTn>
+                              </p:par>
+                            </p:childTnLst>
+                          </p:cTn>
+                        </p:par>
+                      </p:childTnLst>
+                    </p:cTn>
+                  </p:par>
+                </p:childTnLst>
+              </p:cTn>
+              <p:prevCondLst>
+                <p:cond evt="onPrev" delay="0">
+                  <p:tgtEl>
+                    <p:sldTgt/>
+                  </p:tgtEl>
+                </p:cond>
+              </p:prevCondLst>
+              <p:nextCondLst>
+                <p:cond evt="onNext" delay="0">
+                  <p:tgtEl>
+                    <p:sldTgt/>
+                  </p:tgtEl>
+                </p:cond>
+              </p:nextCondLst>
+            </p:seq>
+          </p:childTnLst>
+        </p:cTn>
+      </p:par>
+    </p:tnLst>
+  </p:timing>
+</p:sld>
+</file>
+
+<file path=ppt/slides/slide33.xml><?xml version="1.0" encoding="utf-8"?>
+<p:sld xmlns:a="http://schemas.openxmlformats.org/drawingml/2006/main" xmlns:r="http://schemas.openxmlformats.org/officeDocument/2006/relationships" xmlns:p="http://schemas.openxmlformats.org/presentationml/2006/main">
+  <p:cSld>
+    <p:spTree>
+      <p:nvGrpSpPr>
+        <p:cNvPr id="1" name=""/>
+        <p:cNvGrpSpPr/>
+        <p:nvPr/>
+      </p:nvGrpSpPr>
+      <p:grpSpPr>
+        <a:xfrm>
+          <a:off x="0" y="0"/>
+          <a:ext cx="0" cy="0"/>
+          <a:chOff x="0" y="0"/>
+          <a:chExt cx="0" cy="0"/>
+        </a:xfrm>
+      </p:grpSpPr>
+      <p:sp>
+        <p:nvSpPr>
+          <p:cNvPr id="2" name="Title 1">
+            <a:extLst>
+              <a:ext uri="{FF2B5EF4-FFF2-40B4-BE49-F238E27FC236}">
+                <a16:creationId xmlns:a16="http://schemas.microsoft.com/office/drawing/2014/main" id="{C2052CE5-F69A-D645-8ECD-5C44E4A30D5C}"/>
+              </a:ext>
+            </a:extLst>
+          </p:cNvPr>
+          <p:cNvSpPr>
+            <a:spLocks noGrp="1"/>
+          </p:cNvSpPr>
+          <p:nvPr>
+            <p:ph type="title"/>
+          </p:nvPr>
+        </p:nvSpPr>
+        <p:spPr/>
+        <p:txBody>
+          <a:bodyPr/>
+          <a:lstStyle/>
+          <a:p>
+            <a:r>
+              <a:rPr lang="en-US" dirty="0"/>
+              <a:t>JDK</a:t>
+            </a:r>
+          </a:p>
+        </p:txBody>
+      </p:sp>
+      <p:sp>
+        <p:nvSpPr>
+          <p:cNvPr id="3" name="Content Placeholder 2">
+            <a:extLst>
+              <a:ext uri="{FF2B5EF4-FFF2-40B4-BE49-F238E27FC236}">
+                <a16:creationId xmlns:a16="http://schemas.microsoft.com/office/drawing/2014/main" id="{20ABE521-BF95-4441-82E2-23994761C137}"/>
+              </a:ext>
+            </a:extLst>
+          </p:cNvPr>
+          <p:cNvSpPr>
+            <a:spLocks noGrp="1"/>
+          </p:cNvSpPr>
+          <p:nvPr>
+            <p:ph sz="half" idx="1"/>
+          </p:nvPr>
+        </p:nvSpPr>
+        <p:spPr>
+          <a:xfrm>
+            <a:off x="685802" y="2142067"/>
+            <a:ext cx="3016403" cy="3649134"/>
+          </a:xfrm>
+        </p:spPr>
+        <p:txBody>
+          <a:bodyPr>
+            <a:noAutofit/>
+          </a:bodyPr>
+          <a:lstStyle/>
+          <a:p>
+            <a:pPr marL="0" lvl="0" indent="0" algn="ctr">
+              <a:buClr>
+                <a:prstClr val="white"/>
+              </a:buClr>
+              <a:buNone/>
+            </a:pPr>
+            <a:r>
+              <a:rPr lang="en-US" sz="2400" i="1" dirty="0">
+                <a:solidFill>
+                  <a:prstClr val="white"/>
+                </a:solidFill>
+              </a:rPr>
+              <a:t>Java 9 - 15</a:t>
+            </a:r>
+            <a:endParaRPr lang="en-US" sz="2800" dirty="0"/>
+          </a:p>
+          <a:p>
+            <a:pPr marL="0" indent="0">
+              <a:buNone/>
+            </a:pPr>
+            <a:r>
+              <a:rPr lang="en-US" sz="2800" dirty="0"/>
+              <a:t>Modularity &amp; Cleanup</a:t>
+            </a:r>
+          </a:p>
+        </p:txBody>
+      </p:sp>
+      <p:sp>
+        <p:nvSpPr>
+          <p:cNvPr id="4" name="Content Placeholder 3">
+            <a:extLst>
+              <a:ext uri="{FF2B5EF4-FFF2-40B4-BE49-F238E27FC236}">
+                <a16:creationId xmlns:a16="http://schemas.microsoft.com/office/drawing/2014/main" id="{26204FAF-26E7-1B46-B974-24DDC791B844}"/>
+              </a:ext>
+            </a:extLst>
+          </p:cNvPr>
+          <p:cNvSpPr>
+            <a:spLocks noGrp="1"/>
+          </p:cNvSpPr>
+          <p:nvPr>
+            <p:ph sz="half" idx="2"/>
+          </p:nvPr>
+        </p:nvSpPr>
+        <p:spPr>
+          <a:xfrm>
+            <a:off x="3914078" y="2142067"/>
+            <a:ext cx="6903149" cy="3649133"/>
+          </a:xfrm>
+        </p:spPr>
+        <p:txBody>
+          <a:bodyPr anchor="t">
+            <a:normAutofit/>
+          </a:bodyPr>
+          <a:lstStyle/>
+          <a:p>
+            <a:pPr marL="0" indent="0">
+              <a:lnSpc>
+                <a:spcPct val="120000"/>
+              </a:lnSpc>
+              <a:buNone/>
+            </a:pPr>
+            <a:r>
+              <a:rPr lang="en-US" sz="2400" dirty="0"/>
+              <a:t>Modularize the JDK and perform some housekeeping</a:t>
+            </a:r>
+          </a:p>
+          <a:p>
+            <a:pPr marL="0" indent="0">
+              <a:buNone/>
+            </a:pPr>
+            <a:endParaRPr lang="en-US" sz="2400" dirty="0"/>
+          </a:p>
+          <a:p>
+            <a:pPr marL="0" indent="0">
+              <a:lnSpc>
+                <a:spcPct val="150000"/>
+              </a:lnSpc>
+              <a:buNone/>
+            </a:pPr>
+            <a:r>
+              <a:rPr lang="en-US" sz="2000" dirty="0"/>
+              <a:t>Split the monolithic JDK into multiple libraries that can be included or excluded from the JVM, as needed</a:t>
+            </a:r>
+          </a:p>
+          <a:p>
+            <a:pPr marL="0" indent="0">
+              <a:lnSpc>
+                <a:spcPct val="150000"/>
+              </a:lnSpc>
+              <a:buNone/>
+            </a:pPr>
+            <a:r>
+              <a:rPr lang="en-US" sz="2000" dirty="0"/>
+              <a:t>Infrequently-used modules are now excluded by default</a:t>
+            </a:r>
+          </a:p>
+          <a:p>
+            <a:pPr marL="0" indent="0">
+              <a:lnSpc>
+                <a:spcPct val="150000"/>
+              </a:lnSpc>
+              <a:buNone/>
+            </a:pPr>
+            <a:r>
+              <a:rPr lang="en-US" sz="2000" dirty="0"/>
+              <a:t>Obsolete modules have been completely eliminated</a:t>
+            </a:r>
+          </a:p>
+        </p:txBody>
+      </p:sp>
+    </p:spTree>
+    <p:extLst>
+      <p:ext uri="{BB962C8B-B14F-4D97-AF65-F5344CB8AC3E}">
+        <p14:creationId xmlns:p14="http://schemas.microsoft.com/office/powerpoint/2010/main" val="322579129"/>
+      </p:ext>
+    </p:extLst>
+  </p:cSld>
+  <p:clrMapOvr>
+    <a:masterClrMapping/>
+  </p:clrMapOvr>
+  <p:timing>
+    <p:tnLst>
+      <p:par>
+        <p:cTn id="1" dur="indefinite" restart="never" nodeType="tmRoot">
+          <p:childTnLst>
+            <p:seq concurrent="1" nextAc="seek">
+              <p:cTn id="2" dur="indefinite" nodeType="mainSeq">
+                <p:childTnLst>
+                  <p:par>
+                    <p:cTn id="3" fill="hold">
+                      <p:stCondLst>
+                        <p:cond delay="indefinite"/>
+                        <p:cond evt="onBegin" delay="0">
+                          <p:tn val="2"/>
+                        </p:cond>
+                      </p:stCondLst>
+                      <p:childTnLst>
+                        <p:par>
+                          <p:cTn id="4" fill="hold">
+                            <p:stCondLst>
+                              <p:cond delay="0"/>
+                            </p:stCondLst>
+                            <p:childTnLst>
+                              <p:par>
+                                <p:cTn id="5" presetID="1" presetClass="entr" presetSubtype="0" fill="hold" nodeType="afterEffect">
+                                  <p:stCondLst>
+                                    <p:cond delay="0"/>
+                                  </p:stCondLst>
+                                  <p:childTnLst>
+                                    <p:set>
+                                      <p:cBhvr>
+                                        <p:cTn id="6" dur="1" fill="hold">
+                                          <p:stCondLst>
+                                            <p:cond delay="0"/>
+                                          </p:stCondLst>
+                                        </p:cTn>
+                                        <p:tgtEl>
+                                          <p:spTgt spid="4">
+                                            <p:txEl>
+                                              <p:pRg st="0" end="0"/>
+                                            </p:txEl>
+                                          </p:spTgt>
+                                        </p:tgtEl>
+                                        <p:attrNameLst>
+                                          <p:attrName>style.visibility</p:attrName>
+                                        </p:attrNameLst>
+                                      </p:cBhvr>
+                                      <p:to>
+                                        <p:strVal val="visible"/>
+                                      </p:to>
+                                    </p:set>
+                                  </p:childTnLst>
+                                </p:cTn>
+                              </p:par>
+                            </p:childTnLst>
+                          </p:cTn>
+                        </p:par>
+                        <p:par>
+                          <p:cTn id="7" fill="hold">
+                            <p:stCondLst>
+                              <p:cond delay="0"/>
+                            </p:stCondLst>
+                            <p:childTnLst>
+                              <p:par>
+                                <p:cTn id="8" presetID="1" presetClass="entr" presetSubtype="0" fill="hold" nodeType="afterEffect">
+                                  <p:stCondLst>
+                                    <p:cond delay="0"/>
+                                  </p:stCondLst>
+                                  <p:childTnLst>
+                                    <p:set>
+                                      <p:cBhvr>
+                                        <p:cTn id="9" dur="1" fill="hold">
+                                          <p:stCondLst>
+                                            <p:cond delay="0"/>
+                                          </p:stCondLst>
+                                        </p:cTn>
+                                        <p:tgtEl>
+                                          <p:spTgt spid="4">
+                                            <p:txEl>
+                                              <p:pRg st="2" end="2"/>
+                                            </p:txEl>
+                                          </p:spTgt>
+                                        </p:tgtEl>
+                                        <p:attrNameLst>
+                                          <p:attrName>style.visibility</p:attrName>
+                                        </p:attrNameLst>
+                                      </p:cBhvr>
+                                      <p:to>
+                                        <p:strVal val="visible"/>
+                                      </p:to>
+                                    </p:set>
+                                  </p:childTnLst>
+                                </p:cTn>
+                              </p:par>
+                            </p:childTnLst>
+                          </p:cTn>
+                        </p:par>
+                        <p:par>
+                          <p:cTn id="10" fill="hold">
+                            <p:stCondLst>
+                              <p:cond delay="0"/>
+                            </p:stCondLst>
+                            <p:childTnLst>
+                              <p:par>
+                                <p:cTn id="11" presetID="1" presetClass="entr" presetSubtype="0" fill="hold" nodeType="afterEffect">
+                                  <p:stCondLst>
+                                    <p:cond delay="0"/>
+                                  </p:stCondLst>
+                                  <p:childTnLst>
+                                    <p:set>
+                                      <p:cBhvr>
+                                        <p:cTn id="12" dur="1" fill="hold">
+                                          <p:stCondLst>
+                                            <p:cond delay="0"/>
+                                          </p:stCondLst>
+                                        </p:cTn>
+                                        <p:tgtEl>
+                                          <p:spTgt spid="4">
+                                            <p:txEl>
+                                              <p:pRg st="3" end="3"/>
+                                            </p:txEl>
+                                          </p:spTgt>
+                                        </p:tgtEl>
+                                        <p:attrNameLst>
+                                          <p:attrName>style.visibility</p:attrName>
+                                        </p:attrNameLst>
+                                      </p:cBhvr>
+                                      <p:to>
+                                        <p:strVal val="visible"/>
+                                      </p:to>
+                                    </p:set>
+                                  </p:childTnLst>
+                                </p:cTn>
+                              </p:par>
+                            </p:childTnLst>
+                          </p:cTn>
+                        </p:par>
+                        <p:par>
+                          <p:cTn id="13" fill="hold">
+                            <p:stCondLst>
+                              <p:cond delay="0"/>
+                            </p:stCondLst>
+                            <p:childTnLst>
+                              <p:par>
+                                <p:cTn id="14" presetID="1" presetClass="entr" presetSubtype="0" fill="hold" nodeType="afterEffect">
+                                  <p:stCondLst>
+                                    <p:cond delay="0"/>
+                                  </p:stCondLst>
+                                  <p:childTnLst>
+                                    <p:set>
+                                      <p:cBhvr>
+                                        <p:cTn id="15" dur="1" fill="hold">
+                                          <p:stCondLst>
+                                            <p:cond delay="0"/>
+                                          </p:stCondLst>
+                                        </p:cTn>
+                                        <p:tgtEl>
+                                          <p:spTgt spid="4">
+                                            <p:txEl>
+                                              <p:pRg st="4" end="4"/>
+                                            </p:txEl>
+                                          </p:spTgt>
+                                        </p:tgtEl>
+                                        <p:attrNameLst>
+                                          <p:attrName>style.visibility</p:attrName>
+                                        </p:attrNameLst>
+                                      </p:cBhvr>
+                                      <p:to>
+                                        <p:strVal val="visible"/>
+                                      </p:to>
+                                    </p:set>
+                                  </p:childTnLst>
+                                </p:cTn>
+                              </p:par>
+                            </p:childTnLst>
+                          </p:cTn>
+                        </p:par>
+                      </p:childTnLst>
+                    </p:cTn>
+                  </p:par>
+                </p:childTnLst>
+              </p:cTn>
+              <p:prevCondLst>
+                <p:cond evt="onPrev" delay="0">
+                  <p:tgtEl>
+                    <p:sldTgt/>
+                  </p:tgtEl>
+                </p:cond>
+              </p:prevCondLst>
+              <p:nextCondLst>
+                <p:cond evt="onNext" delay="0">
+                  <p:tgtEl>
+                    <p:sldTgt/>
+                  </p:tgtEl>
+                </p:cond>
+              </p:nextCondLst>
+            </p:seq>
+          </p:childTnLst>
+        </p:cTn>
+      </p:par>
+    </p:tnLst>
+  </p:timing>
+</p:sld>
+</file>
+
+<file path=ppt/slides/slide34.xml><?xml version="1.0" encoding="utf-8"?>
+<p:sld xmlns:a="http://schemas.openxmlformats.org/drawingml/2006/main" xmlns:r="http://schemas.openxmlformats.org/officeDocument/2006/relationships" xmlns:p="http://schemas.openxmlformats.org/presentationml/2006/main">
+  <p:cSld>
+    <p:spTree>
+      <p:nvGrpSpPr>
+        <p:cNvPr id="1" name=""/>
+        <p:cNvGrpSpPr/>
+        <p:nvPr/>
+      </p:nvGrpSpPr>
+      <p:grpSpPr>
+        <a:xfrm>
+          <a:off x="0" y="0"/>
+          <a:ext cx="0" cy="0"/>
+          <a:chOff x="0" y="0"/>
+          <a:chExt cx="0" cy="0"/>
+        </a:xfrm>
+      </p:grpSpPr>
+      <p:sp>
+        <p:nvSpPr>
+          <p:cNvPr id="2" name="Title 1">
+            <a:extLst>
+              <a:ext uri="{FF2B5EF4-FFF2-40B4-BE49-F238E27FC236}">
+                <a16:creationId xmlns:a16="http://schemas.microsoft.com/office/drawing/2014/main" id="{C2052CE5-F69A-D645-8ECD-5C44E4A30D5C}"/>
+              </a:ext>
+            </a:extLst>
+          </p:cNvPr>
+          <p:cNvSpPr>
+            <a:spLocks noGrp="1"/>
+          </p:cNvSpPr>
+          <p:nvPr>
+            <p:ph type="title"/>
+          </p:nvPr>
+        </p:nvSpPr>
+        <p:spPr/>
+        <p:txBody>
+          <a:bodyPr/>
+          <a:lstStyle/>
+          <a:p>
+            <a:r>
+              <a:rPr lang="en-US" dirty="0"/>
+              <a:t>JDK</a:t>
+            </a:r>
+          </a:p>
+        </p:txBody>
+      </p:sp>
+      <p:sp>
+        <p:nvSpPr>
+          <p:cNvPr id="3" name="Content Placeholder 2">
+            <a:extLst>
+              <a:ext uri="{FF2B5EF4-FFF2-40B4-BE49-F238E27FC236}">
+                <a16:creationId xmlns:a16="http://schemas.microsoft.com/office/drawing/2014/main" id="{20ABE521-BF95-4441-82E2-23994761C137}"/>
+              </a:ext>
+            </a:extLst>
+          </p:cNvPr>
+          <p:cNvSpPr>
+            <a:spLocks noGrp="1"/>
+          </p:cNvSpPr>
+          <p:nvPr>
+            <p:ph sz="half" idx="1"/>
+          </p:nvPr>
+        </p:nvSpPr>
+        <p:spPr>
+          <a:xfrm>
+            <a:off x="685802" y="2142067"/>
+            <a:ext cx="3016403" cy="3649134"/>
+          </a:xfrm>
+        </p:spPr>
+        <p:txBody>
+          <a:bodyPr>
+            <a:noAutofit/>
+          </a:bodyPr>
+          <a:lstStyle/>
+          <a:p>
+            <a:pPr marL="0" lvl="0" indent="0" algn="ctr">
+              <a:buClr>
+                <a:prstClr val="white"/>
+              </a:buClr>
+              <a:buNone/>
+            </a:pPr>
+            <a:r>
+              <a:rPr lang="en-US" sz="2400" i="1" dirty="0">
+                <a:solidFill>
+                  <a:prstClr val="white"/>
+                </a:solidFill>
+              </a:rPr>
+              <a:t>Java 9 - 15</a:t>
+            </a:r>
+            <a:endParaRPr lang="en-US" sz="2800" dirty="0"/>
+          </a:p>
+          <a:p>
+            <a:pPr marL="0" indent="0">
+              <a:buNone/>
+            </a:pPr>
+            <a:r>
+              <a:rPr lang="en-US" sz="2800" dirty="0"/>
+              <a:t>Modularity &amp; Cleanup</a:t>
+            </a:r>
+          </a:p>
+        </p:txBody>
+      </p:sp>
+      <p:sp>
+        <p:nvSpPr>
+          <p:cNvPr id="4" name="Content Placeholder 3">
+            <a:extLst>
+              <a:ext uri="{FF2B5EF4-FFF2-40B4-BE49-F238E27FC236}">
+                <a16:creationId xmlns:a16="http://schemas.microsoft.com/office/drawing/2014/main" id="{26204FAF-26E7-1B46-B974-24DDC791B844}"/>
+              </a:ext>
+            </a:extLst>
+          </p:cNvPr>
+          <p:cNvSpPr>
+            <a:spLocks noGrp="1"/>
+          </p:cNvSpPr>
+          <p:nvPr>
+            <p:ph sz="half" idx="2"/>
+          </p:nvPr>
+        </p:nvSpPr>
+        <p:spPr>
+          <a:xfrm>
+            <a:off x="3914078" y="2142067"/>
+            <a:ext cx="6903149" cy="3649133"/>
+          </a:xfrm>
+        </p:spPr>
+        <p:txBody>
+          <a:bodyPr anchor="t">
+            <a:normAutofit/>
+          </a:bodyPr>
+          <a:lstStyle/>
+          <a:p>
+            <a:pPr marL="0" indent="0">
+              <a:lnSpc>
+                <a:spcPct val="120000"/>
+              </a:lnSpc>
+              <a:buNone/>
+            </a:pPr>
+            <a:r>
+              <a:rPr lang="en-US" sz="2400" dirty="0"/>
+              <a:t>Modularize the JDK and perform some housekeeping</a:t>
+            </a:r>
+          </a:p>
+          <a:p>
+            <a:pPr marL="0" indent="0">
+              <a:buNone/>
+            </a:pPr>
+            <a:endParaRPr lang="en-US" sz="2000" dirty="0"/>
+          </a:p>
+        </p:txBody>
+      </p:sp>
+      <p:pic>
+        <p:nvPicPr>
+          <p:cNvPr id="7" name="Picture 6">
+            <a:extLst>
+              <a:ext uri="{FF2B5EF4-FFF2-40B4-BE49-F238E27FC236}">
+                <a16:creationId xmlns:a16="http://schemas.microsoft.com/office/drawing/2014/main" id="{06F74635-CCF5-5F44-88B3-4DFF7B7641E1}"/>
+              </a:ext>
+            </a:extLst>
+          </p:cNvPr>
+          <p:cNvPicPr>
+            <a:picLocks noChangeAspect="1"/>
+          </p:cNvPicPr>
+          <p:nvPr/>
+        </p:nvPicPr>
+        <p:blipFill>
+          <a:blip r:embed="rId3"/>
+          <a:stretch>
+            <a:fillRect/>
+          </a:stretch>
+        </p:blipFill>
+        <p:spPr>
+          <a:xfrm>
+            <a:off x="3914077" y="2700406"/>
+            <a:ext cx="6788763" cy="3649132"/>
+          </a:xfrm>
+          <a:prstGeom prst="rect">
+            <a:avLst/>
+          </a:prstGeom>
+        </p:spPr>
+      </p:pic>
+    </p:spTree>
+    <p:extLst>
+      <p:ext uri="{BB962C8B-B14F-4D97-AF65-F5344CB8AC3E}">
+        <p14:creationId xmlns:p14="http://schemas.microsoft.com/office/powerpoint/2010/main" val="3423328919"/>
+      </p:ext>
+    </p:extLst>
+  </p:cSld>
+  <p:clrMapOvr>
+    <a:masterClrMapping/>
+  </p:clrMapOvr>
+  <p:timing>
+    <p:tnLst>
+      <p:par>
+        <p:cTn id="1" dur="indefinite" restart="never" nodeType="tmRoot">
+          <p:childTnLst>
+            <p:seq concurrent="1" nextAc="seek">
+              <p:cTn id="2" dur="indefinite" nodeType="mainSeq">
+                <p:childTnLst>
+                  <p:par>
+                    <p:cTn id="3" fill="hold">
+                      <p:stCondLst>
+                        <p:cond delay="indefinite"/>
+                        <p:cond evt="onBegin" delay="0">
+                          <p:tn val="2"/>
+                        </p:cond>
+                      </p:stCondLst>
+                      <p:childTnLst>
+                        <p:par>
+                          <p:cTn id="4" fill="hold">
+                            <p:stCondLst>
+                              <p:cond delay="0"/>
+                            </p:stCondLst>
+                            <p:childTnLst>
+                              <p:par>
+                                <p:cTn id="5" presetID="1" presetClass="entr" presetSubtype="0" fill="hold" nodeType="afterEffect">
+                                  <p:stCondLst>
+                                    <p:cond delay="0"/>
+                                  </p:stCondLst>
+                                  <p:childTnLst>
+                                    <p:set>
+                                      <p:cBhvr>
+                                        <p:cTn id="6" dur="1" fill="hold">
+                                          <p:stCondLst>
+                                            <p:cond delay="0"/>
+                                          </p:stCondLst>
+                                        </p:cTn>
+                                        <p:tgtEl>
+                                          <p:spTgt spid="4">
+                                            <p:txEl>
+                                              <p:pRg st="0" end="0"/>
+                                            </p:txEl>
+                                          </p:spTgt>
+                                        </p:tgtEl>
+                                        <p:attrNameLst>
+                                          <p:attrName>style.visibility</p:attrName>
+                                        </p:attrNameLst>
+                                      </p:cBhvr>
+                                      <p:to>
+                                        <p:strVal val="visible"/>
+                                      </p:to>
+                                    </p:set>
+                                  </p:childTnLst>
+                                </p:cTn>
+                              </p:par>
+                            </p:childTnLst>
+                          </p:cTn>
+                        </p:par>
+                      </p:childTnLst>
+                    </p:cTn>
+                  </p:par>
+                </p:childTnLst>
+              </p:cTn>
+              <p:prevCondLst>
+                <p:cond evt="onPrev" delay="0">
+                  <p:tgtEl>
+                    <p:sldTgt/>
+                  </p:tgtEl>
+                </p:cond>
+              </p:prevCondLst>
+              <p:nextCondLst>
+                <p:cond evt="onNext" delay="0">
+                  <p:tgtEl>
+                    <p:sldTgt/>
+                  </p:tgtEl>
+                </p:cond>
+              </p:nextCondLst>
+            </p:seq>
+          </p:childTnLst>
+        </p:cTn>
+      </p:par>
+    </p:tnLst>
+  </p:timing>
+</p:sld>
+</file>
+
+<file path=ppt/slides/slide35.xml><?xml version="1.0" encoding="utf-8"?>
+<p:sld xmlns:a="http://schemas.openxmlformats.org/drawingml/2006/main" xmlns:r="http://schemas.openxmlformats.org/officeDocument/2006/relationships" xmlns:p="http://schemas.openxmlformats.org/presentationml/2006/main">
+  <p:cSld>
+    <p:spTree>
+      <p:nvGrpSpPr>
+        <p:cNvPr id="1" name=""/>
+        <p:cNvGrpSpPr/>
+        <p:nvPr/>
+      </p:nvGrpSpPr>
+      <p:grpSpPr>
+        <a:xfrm>
+          <a:off x="0" y="0"/>
+          <a:ext cx="0" cy="0"/>
+          <a:chOff x="0" y="0"/>
+          <a:chExt cx="0" cy="0"/>
+        </a:xfrm>
+      </p:grpSpPr>
+      <p:sp>
+        <p:nvSpPr>
+          <p:cNvPr id="2" name="Title 1">
+            <a:extLst>
+              <a:ext uri="{FF2B5EF4-FFF2-40B4-BE49-F238E27FC236}">
+                <a16:creationId xmlns:a16="http://schemas.microsoft.com/office/drawing/2014/main" id="{C2052CE5-F69A-D645-8ECD-5C44E4A30D5C}"/>
+              </a:ext>
+            </a:extLst>
+          </p:cNvPr>
+          <p:cNvSpPr>
+            <a:spLocks noGrp="1"/>
+          </p:cNvSpPr>
+          <p:nvPr>
+            <p:ph type="title"/>
+          </p:nvPr>
+        </p:nvSpPr>
+        <p:spPr/>
+        <p:txBody>
+          <a:bodyPr/>
+          <a:lstStyle/>
+          <a:p>
+            <a:r>
+              <a:rPr lang="en-US" dirty="0"/>
+              <a:t>JDK</a:t>
+            </a:r>
+          </a:p>
+        </p:txBody>
+      </p:sp>
+      <p:sp>
+        <p:nvSpPr>
+          <p:cNvPr id="3" name="Content Placeholder 2">
+            <a:extLst>
+              <a:ext uri="{FF2B5EF4-FFF2-40B4-BE49-F238E27FC236}">
+                <a16:creationId xmlns:a16="http://schemas.microsoft.com/office/drawing/2014/main" id="{20ABE521-BF95-4441-82E2-23994761C137}"/>
+              </a:ext>
+            </a:extLst>
+          </p:cNvPr>
+          <p:cNvSpPr>
+            <a:spLocks noGrp="1"/>
+          </p:cNvSpPr>
+          <p:nvPr>
+            <p:ph sz="half" idx="1"/>
+          </p:nvPr>
+        </p:nvSpPr>
+        <p:spPr>
+          <a:xfrm>
+            <a:off x="685802" y="2142067"/>
+            <a:ext cx="3016403" cy="3649134"/>
+          </a:xfrm>
+        </p:spPr>
+        <p:txBody>
+          <a:bodyPr>
+            <a:noAutofit/>
+          </a:bodyPr>
+          <a:lstStyle/>
+          <a:p>
+            <a:pPr marL="0" lvl="0" indent="0" algn="ctr">
+              <a:buClr>
+                <a:prstClr val="white"/>
+              </a:buClr>
+              <a:buNone/>
+            </a:pPr>
+            <a:r>
+              <a:rPr lang="en-US" sz="2400" i="1" dirty="0">
+                <a:solidFill>
+                  <a:prstClr val="white"/>
+                </a:solidFill>
+              </a:rPr>
+              <a:t>Java 9 - 15</a:t>
+            </a:r>
+            <a:endParaRPr lang="en-US" sz="2800" dirty="0"/>
+          </a:p>
+          <a:p>
+            <a:pPr marL="0" indent="0">
+              <a:buNone/>
+            </a:pPr>
+            <a:r>
+              <a:rPr lang="en-US" sz="2800" dirty="0"/>
+              <a:t>Modularity &amp; Cleanup</a:t>
+            </a:r>
+          </a:p>
+        </p:txBody>
+      </p:sp>
+      <p:sp>
+        <p:nvSpPr>
+          <p:cNvPr id="4" name="Content Placeholder 3">
+            <a:extLst>
+              <a:ext uri="{FF2B5EF4-FFF2-40B4-BE49-F238E27FC236}">
+                <a16:creationId xmlns:a16="http://schemas.microsoft.com/office/drawing/2014/main" id="{26204FAF-26E7-1B46-B974-24DDC791B844}"/>
+              </a:ext>
+            </a:extLst>
+          </p:cNvPr>
+          <p:cNvSpPr>
+            <a:spLocks noGrp="1"/>
+          </p:cNvSpPr>
+          <p:nvPr>
+            <p:ph sz="half" idx="2"/>
+          </p:nvPr>
+        </p:nvSpPr>
+        <p:spPr>
+          <a:xfrm>
+            <a:off x="3914078" y="2142067"/>
+            <a:ext cx="6903149" cy="3649133"/>
+          </a:xfrm>
+        </p:spPr>
+        <p:txBody>
+          <a:bodyPr anchor="t">
+            <a:normAutofit/>
+          </a:bodyPr>
+          <a:lstStyle/>
+          <a:p>
+            <a:pPr marL="0" indent="0">
+              <a:lnSpc>
+                <a:spcPct val="120000"/>
+              </a:lnSpc>
+              <a:buNone/>
+            </a:pPr>
+            <a:r>
+              <a:rPr lang="en-US" sz="2400" dirty="0"/>
+              <a:t>Modularize the JDK and perform some housekeeping</a:t>
+            </a:r>
+          </a:p>
+          <a:p>
+            <a:pPr marL="0" indent="0">
+              <a:buNone/>
+            </a:pPr>
+            <a:endParaRPr lang="en-US" sz="2000" dirty="0"/>
+          </a:p>
+        </p:txBody>
+      </p:sp>
+      <p:pic>
+        <p:nvPicPr>
+          <p:cNvPr id="7" name="Picture 6">
+            <a:extLst>
+              <a:ext uri="{FF2B5EF4-FFF2-40B4-BE49-F238E27FC236}">
+                <a16:creationId xmlns:a16="http://schemas.microsoft.com/office/drawing/2014/main" id="{CEF9B4C8-311C-CA47-BCCD-B25C4BC55093}"/>
+              </a:ext>
+            </a:extLst>
+          </p:cNvPr>
+          <p:cNvPicPr>
+            <a:picLocks noChangeAspect="1"/>
+          </p:cNvPicPr>
+          <p:nvPr/>
+        </p:nvPicPr>
+        <p:blipFill>
+          <a:blip r:embed="rId3"/>
+          <a:stretch>
+            <a:fillRect/>
+          </a:stretch>
+        </p:blipFill>
+        <p:spPr>
+          <a:xfrm>
+            <a:off x="3914077" y="2672522"/>
+            <a:ext cx="6891245" cy="3649132"/>
+          </a:xfrm>
+          <a:prstGeom prst="rect">
+            <a:avLst/>
+          </a:prstGeom>
+        </p:spPr>
+      </p:pic>
+    </p:spTree>
+    <p:extLst>
+      <p:ext uri="{BB962C8B-B14F-4D97-AF65-F5344CB8AC3E}">
+        <p14:creationId xmlns:p14="http://schemas.microsoft.com/office/powerpoint/2010/main" val="405014163"/>
+      </p:ext>
+    </p:extLst>
+  </p:cSld>
+  <p:clrMapOvr>
+    <a:masterClrMapping/>
+  </p:clrMapOvr>
+  <p:timing>
+    <p:tnLst>
+      <p:par>
+        <p:cTn id="1" dur="indefinite" restart="never" nodeType="tmRoot">
+          <p:childTnLst>
+            <p:seq concurrent="1" nextAc="seek">
+              <p:cTn id="2" dur="indefinite" nodeType="mainSeq">
+                <p:childTnLst>
+                  <p:par>
+                    <p:cTn id="3" fill="hold">
+                      <p:stCondLst>
+                        <p:cond delay="indefinite"/>
+                        <p:cond evt="onBegin" delay="0">
+                          <p:tn val="2"/>
+                        </p:cond>
+                      </p:stCondLst>
+                      <p:childTnLst>
+                        <p:par>
+                          <p:cTn id="4" fill="hold">
+                            <p:stCondLst>
+                              <p:cond delay="0"/>
+                            </p:stCondLst>
+                            <p:childTnLst>
+                              <p:par>
+                                <p:cTn id="5" presetID="1" presetClass="entr" presetSubtype="0" fill="hold" nodeType="afterEffect">
+                                  <p:stCondLst>
+                                    <p:cond delay="0"/>
+                                  </p:stCondLst>
+                                  <p:childTnLst>
+                                    <p:set>
+                                      <p:cBhvr>
+                                        <p:cTn id="6" dur="1" fill="hold">
+                                          <p:stCondLst>
+                                            <p:cond delay="0"/>
+                                          </p:stCondLst>
+                                        </p:cTn>
+                                        <p:tgtEl>
+                                          <p:spTgt spid="4">
+                                            <p:txEl>
+                                              <p:pRg st="0" end="0"/>
+                                            </p:txEl>
+                                          </p:spTgt>
+                                        </p:tgtEl>
+                                        <p:attrNameLst>
+                                          <p:attrName>style.visibility</p:attrName>
+                                        </p:attrNameLst>
+                                      </p:cBhvr>
+                                      <p:to>
+                                        <p:strVal val="visible"/>
+                                      </p:to>
+                                    </p:set>
+                                  </p:childTnLst>
+                                </p:cTn>
+                              </p:par>
+                            </p:childTnLst>
+                          </p:cTn>
+                        </p:par>
+                      </p:childTnLst>
+                    </p:cTn>
+                  </p:par>
+                </p:childTnLst>
+              </p:cTn>
+              <p:prevCondLst>
+                <p:cond evt="onPrev" delay="0">
+                  <p:tgtEl>
+                    <p:sldTgt/>
+                  </p:tgtEl>
+                </p:cond>
+              </p:prevCondLst>
+              <p:nextCondLst>
+                <p:cond evt="onNext" delay="0">
+                  <p:tgtEl>
+                    <p:sldTgt/>
+                  </p:tgtEl>
+                </p:cond>
+              </p:nextCondLst>
+            </p:seq>
+          </p:childTnLst>
+        </p:cTn>
+      </p:par>
+    </p:tnLst>
+  </p:timing>
+</p:sld>
+</file>
+
+<file path=ppt/slides/slide36.xml><?xml version="1.0" encoding="utf-8"?>
+<p:sld xmlns:a="http://schemas.openxmlformats.org/drawingml/2006/main" xmlns:r="http://schemas.openxmlformats.org/officeDocument/2006/relationships" xmlns:p="http://schemas.openxmlformats.org/presentationml/2006/main">
+  <p:cSld>
+    <p:spTree>
+      <p:nvGrpSpPr>
+        <p:cNvPr id="1" name=""/>
+        <p:cNvGrpSpPr/>
+        <p:nvPr/>
+      </p:nvGrpSpPr>
+      <p:grpSpPr>
+        <a:xfrm>
+          <a:off x="0" y="0"/>
+          <a:ext cx="0" cy="0"/>
+          <a:chOff x="0" y="0"/>
+          <a:chExt cx="0" cy="0"/>
+        </a:xfrm>
+      </p:grpSpPr>
+      <p:sp>
+        <p:nvSpPr>
+          <p:cNvPr id="2" name="Title 1">
+            <a:extLst>
+              <a:ext uri="{FF2B5EF4-FFF2-40B4-BE49-F238E27FC236}">
+                <a16:creationId xmlns:a16="http://schemas.microsoft.com/office/drawing/2014/main" id="{C2052CE5-F69A-D645-8ECD-5C44E4A30D5C}"/>
+              </a:ext>
+            </a:extLst>
+          </p:cNvPr>
+          <p:cNvSpPr>
+            <a:spLocks noGrp="1"/>
+          </p:cNvSpPr>
+          <p:nvPr>
+            <p:ph type="title"/>
+          </p:nvPr>
+        </p:nvSpPr>
+        <p:spPr/>
+        <p:txBody>
+          <a:bodyPr/>
+          <a:lstStyle/>
+          <a:p>
+            <a:r>
+              <a:rPr lang="en-US" dirty="0"/>
+              <a:t>JDK</a:t>
+            </a:r>
+          </a:p>
+        </p:txBody>
+      </p:sp>
+      <p:sp>
+        <p:nvSpPr>
+          <p:cNvPr id="3" name="Content Placeholder 2">
+            <a:extLst>
+              <a:ext uri="{FF2B5EF4-FFF2-40B4-BE49-F238E27FC236}">
+                <a16:creationId xmlns:a16="http://schemas.microsoft.com/office/drawing/2014/main" id="{20ABE521-BF95-4441-82E2-23994761C137}"/>
+              </a:ext>
+            </a:extLst>
+          </p:cNvPr>
+          <p:cNvSpPr>
+            <a:spLocks noGrp="1"/>
+          </p:cNvSpPr>
+          <p:nvPr>
+            <p:ph sz="half" idx="1"/>
+          </p:nvPr>
+        </p:nvSpPr>
+        <p:spPr>
+          <a:xfrm>
+            <a:off x="685802" y="2142067"/>
+            <a:ext cx="3016403" cy="3649134"/>
+          </a:xfrm>
+        </p:spPr>
+        <p:txBody>
+          <a:bodyPr>
+            <a:noAutofit/>
+          </a:bodyPr>
+          <a:lstStyle/>
+          <a:p>
+            <a:pPr marL="0" lvl="0" indent="0" algn="ctr">
+              <a:buClr>
+                <a:prstClr val="white"/>
+              </a:buClr>
+              <a:buNone/>
+            </a:pPr>
+            <a:r>
+              <a:rPr lang="en-US" sz="2400" i="1" dirty="0">
+                <a:solidFill>
+                  <a:prstClr val="white"/>
+                </a:solidFill>
+              </a:rPr>
+              <a:t>Java 9 - 15</a:t>
+            </a:r>
+            <a:endParaRPr lang="en-US" sz="2800" dirty="0"/>
+          </a:p>
+          <a:p>
+            <a:pPr marL="0" indent="0">
+              <a:buNone/>
+            </a:pPr>
+            <a:r>
+              <a:rPr lang="en-US" sz="2800" dirty="0"/>
+              <a:t>Modularity &amp; Cleanup</a:t>
+            </a:r>
+          </a:p>
+        </p:txBody>
+      </p:sp>
+      <p:sp>
+        <p:nvSpPr>
+          <p:cNvPr id="4" name="Content Placeholder 3">
+            <a:extLst>
+              <a:ext uri="{FF2B5EF4-FFF2-40B4-BE49-F238E27FC236}">
+                <a16:creationId xmlns:a16="http://schemas.microsoft.com/office/drawing/2014/main" id="{26204FAF-26E7-1B46-B974-24DDC791B844}"/>
+              </a:ext>
+            </a:extLst>
+          </p:cNvPr>
+          <p:cNvSpPr>
+            <a:spLocks noGrp="1"/>
+          </p:cNvSpPr>
+          <p:nvPr>
+            <p:ph sz="half" idx="2"/>
+          </p:nvPr>
+        </p:nvSpPr>
+        <p:spPr>
+          <a:xfrm>
+            <a:off x="3914078" y="2142067"/>
+            <a:ext cx="6903149" cy="3649133"/>
+          </a:xfrm>
+        </p:spPr>
+        <p:txBody>
+          <a:bodyPr anchor="t">
+            <a:normAutofit fontScale="92500" lnSpcReduction="10000"/>
+          </a:bodyPr>
+          <a:lstStyle/>
+          <a:p>
+            <a:pPr marL="0" indent="0">
+              <a:lnSpc>
+                <a:spcPct val="120000"/>
+              </a:lnSpc>
+              <a:buNone/>
+            </a:pPr>
+            <a:r>
+              <a:rPr lang="en-US" sz="2400" dirty="0"/>
+              <a:t>Modularize the JDK and perform some housekeeping</a:t>
+            </a:r>
+          </a:p>
+          <a:p>
+            <a:pPr marL="0" indent="0">
+              <a:buNone/>
+            </a:pPr>
+            <a:endParaRPr lang="en-US" sz="2400" dirty="0"/>
+          </a:p>
+          <a:p>
+            <a:pPr marL="0" indent="0">
+              <a:lnSpc>
+                <a:spcPct val="150000"/>
+              </a:lnSpc>
+              <a:buNone/>
+            </a:pPr>
+            <a:r>
+              <a:rPr lang="en-US" sz="2000" dirty="0"/>
+              <a:t>Removed:</a:t>
+            </a:r>
+          </a:p>
+          <a:p>
+            <a:pPr>
+              <a:lnSpc>
+                <a:spcPct val="150000"/>
+              </a:lnSpc>
+            </a:pPr>
+            <a:r>
+              <a:rPr lang="en-US" sz="2000" dirty="0"/>
+              <a:t>JavaFX (11)</a:t>
+            </a:r>
+          </a:p>
+          <a:p>
+            <a:pPr>
+              <a:lnSpc>
+                <a:spcPct val="150000"/>
+              </a:lnSpc>
+            </a:pPr>
+            <a:r>
+              <a:rPr lang="en-US" sz="2000" dirty="0"/>
+              <a:t>Java EE (11)</a:t>
+            </a:r>
+          </a:p>
+          <a:p>
+            <a:pPr>
+              <a:lnSpc>
+                <a:spcPct val="150000"/>
+              </a:lnSpc>
+            </a:pPr>
+            <a:r>
+              <a:rPr lang="en-US" sz="2000" dirty="0"/>
+              <a:t>CORBA (11)</a:t>
+            </a:r>
+          </a:p>
+          <a:p>
+            <a:pPr>
+              <a:lnSpc>
+                <a:spcPct val="150000"/>
+              </a:lnSpc>
+            </a:pPr>
+            <a:r>
+              <a:rPr lang="en-US" sz="2000" dirty="0" err="1"/>
+              <a:t>Nashorn</a:t>
+            </a:r>
+            <a:r>
+              <a:rPr lang="en-US" sz="2000" dirty="0"/>
+              <a:t> JavaScript engine (15)</a:t>
+            </a:r>
+          </a:p>
+        </p:txBody>
+      </p:sp>
+    </p:spTree>
+    <p:extLst>
+      <p:ext uri="{BB962C8B-B14F-4D97-AF65-F5344CB8AC3E}">
+        <p14:creationId xmlns:p14="http://schemas.microsoft.com/office/powerpoint/2010/main" val="2944899020"/>
+      </p:ext>
+    </p:extLst>
+  </p:cSld>
+  <p:clrMapOvr>
+    <a:masterClrMapping/>
+  </p:clrMapOvr>
+  <p:timing>
+    <p:tnLst>
+      <p:par>
+        <p:cTn id="1" dur="indefinite" restart="never" nodeType="tmRoot">
+          <p:childTnLst>
+            <p:seq concurrent="1" nextAc="seek">
+              <p:cTn id="2" dur="indefinite" nodeType="mainSeq">
+                <p:childTnLst>
+                  <p:par>
+                    <p:cTn id="3" fill="hold">
+                      <p:stCondLst>
+                        <p:cond delay="indefinite"/>
+                        <p:cond evt="onBegin" delay="0">
+                          <p:tn val="2"/>
+                        </p:cond>
+                      </p:stCondLst>
+                      <p:childTnLst>
+                        <p:par>
+                          <p:cTn id="4" fill="hold">
+                            <p:stCondLst>
+                              <p:cond delay="0"/>
+                            </p:stCondLst>
+                            <p:childTnLst>
+                              <p:par>
+                                <p:cTn id="5" presetID="1" presetClass="entr" presetSubtype="0" fill="hold" nodeType="afterEffect">
+                                  <p:stCondLst>
+                                    <p:cond delay="0"/>
+                                  </p:stCondLst>
+                                  <p:childTnLst>
+                                    <p:set>
+                                      <p:cBhvr>
+                                        <p:cTn id="6" dur="1" fill="hold">
+                                          <p:stCondLst>
+                                            <p:cond delay="0"/>
+                                          </p:stCondLst>
+                                        </p:cTn>
+                                        <p:tgtEl>
+                                          <p:spTgt spid="4">
+                                            <p:txEl>
+                                              <p:pRg st="0" end="0"/>
+                                            </p:txEl>
+                                          </p:spTgt>
+                                        </p:tgtEl>
+                                        <p:attrNameLst>
+                                          <p:attrName>style.visibility</p:attrName>
+                                        </p:attrNameLst>
+                                      </p:cBhvr>
+                                      <p:to>
+                                        <p:strVal val="visible"/>
+                                      </p:to>
+                                    </p:set>
+                                  </p:childTnLst>
+                                </p:cTn>
+                              </p:par>
+                            </p:childTnLst>
+                          </p:cTn>
+                        </p:par>
+                        <p:par>
+                          <p:cTn id="7" fill="hold">
+                            <p:stCondLst>
+                              <p:cond delay="0"/>
+                            </p:stCondLst>
+                            <p:childTnLst>
+                              <p:par>
+                                <p:cTn id="8" presetID="1" presetClass="entr" presetSubtype="0" fill="hold" nodeType="afterEffect">
+                                  <p:stCondLst>
+                                    <p:cond delay="0"/>
+                                  </p:stCondLst>
+                                  <p:childTnLst>
+                                    <p:set>
+                                      <p:cBhvr>
+                                        <p:cTn id="9" dur="1" fill="hold">
+                                          <p:stCondLst>
+                                            <p:cond delay="0"/>
+                                          </p:stCondLst>
+                                        </p:cTn>
+                                        <p:tgtEl>
+                                          <p:spTgt spid="4">
+                                            <p:txEl>
+                                              <p:pRg st="2" end="2"/>
+                                            </p:txEl>
+                                          </p:spTgt>
+                                        </p:tgtEl>
+                                        <p:attrNameLst>
+                                          <p:attrName>style.visibility</p:attrName>
+                                        </p:attrNameLst>
+                                      </p:cBhvr>
+                                      <p:to>
+                                        <p:strVal val="visible"/>
+                                      </p:to>
+                                    </p:set>
+                                  </p:childTnLst>
+                                </p:cTn>
+                              </p:par>
+                            </p:childTnLst>
+                          </p:cTn>
+                        </p:par>
+                        <p:par>
+                          <p:cTn id="10" fill="hold">
+                            <p:stCondLst>
+                              <p:cond delay="0"/>
+                            </p:stCondLst>
+                            <p:childTnLst>
+                              <p:par>
+                                <p:cTn id="11" presetID="1" presetClass="entr" presetSubtype="0" fill="hold" nodeType="afterEffect">
+                                  <p:stCondLst>
+                                    <p:cond delay="0"/>
+                                  </p:stCondLst>
+                                  <p:childTnLst>
+                                    <p:set>
+                                      <p:cBhvr>
+                                        <p:cTn id="12" dur="1" fill="hold">
+                                          <p:stCondLst>
+                                            <p:cond delay="0"/>
+                                          </p:stCondLst>
+                                        </p:cTn>
+                                        <p:tgtEl>
+                                          <p:spTgt spid="4">
+                                            <p:txEl>
+                                              <p:pRg st="3" end="3"/>
+                                            </p:txEl>
+                                          </p:spTgt>
+                                        </p:tgtEl>
+                                        <p:attrNameLst>
+                                          <p:attrName>style.visibility</p:attrName>
+                                        </p:attrNameLst>
+                                      </p:cBhvr>
+                                      <p:to>
+                                        <p:strVal val="visible"/>
+                                      </p:to>
+                                    </p:set>
+                                  </p:childTnLst>
+                                </p:cTn>
+                              </p:par>
+                            </p:childTnLst>
+                          </p:cTn>
+                        </p:par>
+                        <p:par>
+                          <p:cTn id="13" fill="hold">
+                            <p:stCondLst>
+                              <p:cond delay="0"/>
+                            </p:stCondLst>
+                            <p:childTnLst>
+                              <p:par>
+                                <p:cTn id="14" presetID="1" presetClass="entr" presetSubtype="0" fill="hold" nodeType="afterEffect">
+                                  <p:stCondLst>
+                                    <p:cond delay="0"/>
+                                  </p:stCondLst>
+                                  <p:childTnLst>
+                                    <p:set>
+                                      <p:cBhvr>
+                                        <p:cTn id="15" dur="1" fill="hold">
+                                          <p:stCondLst>
+                                            <p:cond delay="0"/>
+                                          </p:stCondLst>
+                                        </p:cTn>
+                                        <p:tgtEl>
+                                          <p:spTgt spid="4">
+                                            <p:txEl>
+                                              <p:pRg st="4" end="4"/>
+                                            </p:txEl>
+                                          </p:spTgt>
+                                        </p:tgtEl>
+                                        <p:attrNameLst>
+                                          <p:attrName>style.visibility</p:attrName>
+                                        </p:attrNameLst>
+                                      </p:cBhvr>
+                                      <p:to>
+                                        <p:strVal val="visible"/>
+                                      </p:to>
+                                    </p:set>
+                                  </p:childTnLst>
+                                </p:cTn>
+                              </p:par>
+                            </p:childTnLst>
+                          </p:cTn>
+                        </p:par>
+                        <p:par>
+                          <p:cTn id="16" fill="hold">
+                            <p:stCondLst>
+                              <p:cond delay="0"/>
+                            </p:stCondLst>
+                            <p:childTnLst>
+                              <p:par>
+                                <p:cTn id="17" presetID="1" presetClass="entr" presetSubtype="0" fill="hold" nodeType="afterEffect">
+                                  <p:stCondLst>
+                                    <p:cond delay="0"/>
+                                  </p:stCondLst>
+                                  <p:childTnLst>
+                                    <p:set>
+                                      <p:cBhvr>
+                                        <p:cTn id="18" dur="1" fill="hold">
+                                          <p:stCondLst>
+                                            <p:cond delay="0"/>
+                                          </p:stCondLst>
+                                        </p:cTn>
+                                        <p:tgtEl>
+                                          <p:spTgt spid="4">
+                                            <p:txEl>
+                                              <p:pRg st="5" end="5"/>
+                                            </p:txEl>
+                                          </p:spTgt>
+                                        </p:tgtEl>
+                                        <p:attrNameLst>
+                                          <p:attrName>style.visibility</p:attrName>
+                                        </p:attrNameLst>
+                                      </p:cBhvr>
+                                      <p:to>
+                                        <p:strVal val="visible"/>
+                                      </p:to>
+                                    </p:set>
+                                  </p:childTnLst>
+                                </p:cTn>
+                              </p:par>
+                            </p:childTnLst>
+                          </p:cTn>
+                        </p:par>
+                        <p:par>
+                          <p:cTn id="19" fill="hold">
+                            <p:stCondLst>
+                              <p:cond delay="0"/>
+                            </p:stCondLst>
+                            <p:childTnLst>
+                              <p:par>
+                                <p:cTn id="20" presetID="1" presetClass="entr" presetSubtype="0" fill="hold" nodeType="afterEffect">
+                                  <p:stCondLst>
+                                    <p:cond delay="0"/>
+                                  </p:stCondLst>
+                                  <p:childTnLst>
+                                    <p:set>
+                                      <p:cBhvr>
+                                        <p:cTn id="21" dur="1" fill="hold">
+                                          <p:stCondLst>
+                                            <p:cond delay="0"/>
+                                          </p:stCondLst>
+                                        </p:cTn>
+                                        <p:tgtEl>
+                                          <p:spTgt spid="4">
+                                            <p:txEl>
+                                              <p:pRg st="6" end="6"/>
+                                            </p:txEl>
+                                          </p:spTgt>
+                                        </p:tgtEl>
+                                        <p:attrNameLst>
+                                          <p:attrName>style.visibility</p:attrName>
+                                        </p:attrNameLst>
+                                      </p:cBhvr>
+                                      <p:to>
+                                        <p:strVal val="visible"/>
+                                      </p:to>
+                                    </p:set>
+                                  </p:childTnLst>
+                                </p:cTn>
+                              </p:par>
+                            </p:childTnLst>
+                          </p:cTn>
+                        </p:par>
+                      </p:childTnLst>
+                    </p:cTn>
+                  </p:par>
+                </p:childTnLst>
+              </p:cTn>
+              <p:prevCondLst>
+                <p:cond evt="onPrev" delay="0">
+                  <p:tgtEl>
+                    <p:sldTgt/>
+                  </p:tgtEl>
+                </p:cond>
+              </p:prevCondLst>
+              <p:nextCondLst>
+                <p:cond evt="onNext" delay="0">
+                  <p:tgtEl>
+                    <p:sldTgt/>
+                  </p:tgtEl>
+                </p:cond>
+              </p:nextCondLst>
+            </p:seq>
+          </p:childTnLst>
+        </p:cTn>
+      </p:par>
+    </p:tnLst>
+  </p:timing>
+</p:sld>
+</file>
+
+<file path=ppt/slides/slide37.xml><?xml version="1.0" encoding="utf-8"?>
+<p:sld xmlns:a="http://schemas.openxmlformats.org/drawingml/2006/main" xmlns:r="http://schemas.openxmlformats.org/officeDocument/2006/relationships" xmlns:p="http://schemas.openxmlformats.org/presentationml/2006/main">
+  <p:cSld>
+    <p:spTree>
+      <p:nvGrpSpPr>
+        <p:cNvPr id="1" name=""/>
+        <p:cNvGrpSpPr/>
+        <p:nvPr/>
+      </p:nvGrpSpPr>
+      <p:grpSpPr>
+        <a:xfrm>
+          <a:off x="0" y="0"/>
+          <a:ext cx="0" cy="0"/>
+          <a:chOff x="0" y="0"/>
+          <a:chExt cx="0" cy="0"/>
+        </a:xfrm>
+      </p:grpSpPr>
+      <p:sp>
+        <p:nvSpPr>
+          <p:cNvPr id="2" name="Title 1">
+            <a:extLst>
+              <a:ext uri="{FF2B5EF4-FFF2-40B4-BE49-F238E27FC236}">
+                <a16:creationId xmlns:a16="http://schemas.microsoft.com/office/drawing/2014/main" id="{C2052CE5-F69A-D645-8ECD-5C44E4A30D5C}"/>
+              </a:ext>
+            </a:extLst>
+          </p:cNvPr>
+          <p:cNvSpPr>
+            <a:spLocks noGrp="1"/>
+          </p:cNvSpPr>
+          <p:nvPr>
+            <p:ph type="title"/>
+          </p:nvPr>
+        </p:nvSpPr>
+        <p:spPr/>
+        <p:txBody>
+          <a:bodyPr/>
+          <a:lstStyle/>
+          <a:p>
+            <a:r>
+              <a:rPr lang="en-US" dirty="0"/>
+              <a:t>JDK</a:t>
+            </a:r>
+          </a:p>
+        </p:txBody>
+      </p:sp>
+      <p:sp>
+        <p:nvSpPr>
+          <p:cNvPr id="3" name="Content Placeholder 2">
+            <a:extLst>
+              <a:ext uri="{FF2B5EF4-FFF2-40B4-BE49-F238E27FC236}">
+                <a16:creationId xmlns:a16="http://schemas.microsoft.com/office/drawing/2014/main" id="{20ABE521-BF95-4441-82E2-23994761C137}"/>
+              </a:ext>
+            </a:extLst>
+          </p:cNvPr>
+          <p:cNvSpPr>
+            <a:spLocks noGrp="1"/>
+          </p:cNvSpPr>
+          <p:nvPr>
+            <p:ph sz="half" idx="1"/>
+          </p:nvPr>
+        </p:nvSpPr>
+        <p:spPr>
+          <a:xfrm>
+            <a:off x="685802" y="2142067"/>
+            <a:ext cx="3016403" cy="3649134"/>
+          </a:xfrm>
+        </p:spPr>
+        <p:txBody>
+          <a:bodyPr>
+            <a:noAutofit/>
+          </a:bodyPr>
+          <a:lstStyle/>
+          <a:p>
+            <a:pPr marL="0" lvl="0" indent="0" algn="ctr">
+              <a:buClr>
+                <a:prstClr val="white"/>
+              </a:buClr>
+              <a:buNone/>
+            </a:pPr>
+            <a:r>
+              <a:rPr lang="en-US" sz="2400" i="1" dirty="0">
+                <a:solidFill>
+                  <a:prstClr val="white"/>
+                </a:solidFill>
+              </a:rPr>
+              <a:t>Java 9 - 15</a:t>
+            </a:r>
+            <a:endParaRPr lang="en-US" sz="2800" dirty="0"/>
+          </a:p>
+          <a:p>
+            <a:pPr marL="0" indent="0">
+              <a:buNone/>
+            </a:pPr>
+            <a:r>
+              <a:rPr lang="en-US" sz="2800" dirty="0"/>
+              <a:t>Modularity &amp; Cleanup</a:t>
+            </a:r>
+          </a:p>
+        </p:txBody>
+      </p:sp>
+      <p:sp>
+        <p:nvSpPr>
+          <p:cNvPr id="4" name="Content Placeholder 3">
+            <a:extLst>
+              <a:ext uri="{FF2B5EF4-FFF2-40B4-BE49-F238E27FC236}">
+                <a16:creationId xmlns:a16="http://schemas.microsoft.com/office/drawing/2014/main" id="{26204FAF-26E7-1B46-B974-24DDC791B844}"/>
+              </a:ext>
+            </a:extLst>
+          </p:cNvPr>
+          <p:cNvSpPr>
+            <a:spLocks noGrp="1"/>
+          </p:cNvSpPr>
+          <p:nvPr>
+            <p:ph sz="half" idx="2"/>
+          </p:nvPr>
+        </p:nvSpPr>
+        <p:spPr>
+          <a:xfrm>
+            <a:off x="3914078" y="2142067"/>
+            <a:ext cx="6903149" cy="3649133"/>
+          </a:xfrm>
+        </p:spPr>
+        <p:txBody>
+          <a:bodyPr anchor="t">
+            <a:normAutofit/>
+          </a:bodyPr>
+          <a:lstStyle/>
+          <a:p>
+            <a:pPr marL="0" indent="0">
+              <a:lnSpc>
+                <a:spcPct val="120000"/>
+              </a:lnSpc>
+              <a:buNone/>
+            </a:pPr>
+            <a:r>
+              <a:rPr lang="en-US" sz="2400" dirty="0"/>
+              <a:t>Modularize the JDK and perform some housekeeping</a:t>
+            </a:r>
+          </a:p>
+          <a:p>
+            <a:pPr marL="0" indent="0">
+              <a:buNone/>
+            </a:pPr>
+            <a:endParaRPr lang="en-US" sz="2400" dirty="0"/>
+          </a:p>
+          <a:p>
+            <a:pPr marL="0" indent="0">
+              <a:lnSpc>
+                <a:spcPct val="150000"/>
+              </a:lnSpc>
+              <a:buNone/>
+            </a:pPr>
+            <a:r>
+              <a:rPr lang="en-US" sz="2000" dirty="0"/>
+              <a:t>Eliminated</a:t>
+            </a:r>
+          </a:p>
+          <a:p>
+            <a:pPr>
+              <a:lnSpc>
+                <a:spcPct val="150000"/>
+              </a:lnSpc>
+            </a:pPr>
+            <a:r>
+              <a:rPr lang="en-US" sz="2000" dirty="0" err="1"/>
+              <a:t>JavaDB</a:t>
+            </a:r>
+            <a:endParaRPr lang="en-US" sz="2000" dirty="0"/>
+          </a:p>
+          <a:p>
+            <a:pPr>
+              <a:lnSpc>
+                <a:spcPct val="150000"/>
+              </a:lnSpc>
+            </a:pPr>
+            <a:r>
+              <a:rPr lang="en-US" sz="2000" dirty="0"/>
+              <a:t>Java Applets</a:t>
+            </a:r>
+          </a:p>
+          <a:p>
+            <a:pPr>
+              <a:lnSpc>
+                <a:spcPct val="150000"/>
+              </a:lnSpc>
+            </a:pPr>
+            <a:r>
+              <a:rPr lang="en-US" sz="2000" dirty="0"/>
+              <a:t>Java Web Start</a:t>
+            </a:r>
+          </a:p>
+        </p:txBody>
+      </p:sp>
+    </p:spTree>
+    <p:extLst>
+      <p:ext uri="{BB962C8B-B14F-4D97-AF65-F5344CB8AC3E}">
+        <p14:creationId xmlns:p14="http://schemas.microsoft.com/office/powerpoint/2010/main" val="682994029"/>
+      </p:ext>
+    </p:extLst>
+  </p:cSld>
+  <p:clrMapOvr>
+    <a:masterClrMapping/>
+  </p:clrMapOvr>
+  <p:timing>
+    <p:tnLst>
+      <p:par>
+        <p:cTn id="1" dur="indefinite" restart="never" nodeType="tmRoot">
+          <p:childTnLst>
+            <p:seq concurrent="1" nextAc="seek">
+              <p:cTn id="2" dur="indefinite" nodeType="mainSeq">
+                <p:childTnLst>
+                  <p:par>
+                    <p:cTn id="3" fill="hold">
+                      <p:stCondLst>
+                        <p:cond delay="indefinite"/>
+                        <p:cond evt="onBegin" delay="0">
+                          <p:tn val="2"/>
+                        </p:cond>
+                      </p:stCondLst>
+                      <p:childTnLst>
+                        <p:par>
+                          <p:cTn id="4" fill="hold">
+                            <p:stCondLst>
+                              <p:cond delay="0"/>
+                            </p:stCondLst>
+                            <p:childTnLst>
+                              <p:par>
+                                <p:cTn id="5" presetID="1" presetClass="entr" presetSubtype="0" fill="hold" nodeType="afterEffect">
+                                  <p:stCondLst>
+                                    <p:cond delay="0"/>
+                                  </p:stCondLst>
+                                  <p:childTnLst>
+                                    <p:set>
+                                      <p:cBhvr>
+                                        <p:cTn id="6" dur="1" fill="hold">
+                                          <p:stCondLst>
+                                            <p:cond delay="0"/>
+                                          </p:stCondLst>
+                                        </p:cTn>
+                                        <p:tgtEl>
+                                          <p:spTgt spid="4">
+                                            <p:txEl>
+                                              <p:pRg st="0" end="0"/>
+                                            </p:txEl>
+                                          </p:spTgt>
+                                        </p:tgtEl>
+                                        <p:attrNameLst>
+                                          <p:attrName>style.visibility</p:attrName>
+                                        </p:attrNameLst>
+                                      </p:cBhvr>
+                                      <p:to>
+                                        <p:strVal val="visible"/>
+                                      </p:to>
+                                    </p:set>
+                                  </p:childTnLst>
+                                </p:cTn>
+                              </p:par>
+                            </p:childTnLst>
+                          </p:cTn>
+                        </p:par>
+                        <p:par>
+                          <p:cTn id="7" fill="hold">
+                            <p:stCondLst>
+                              <p:cond delay="0"/>
+                            </p:stCondLst>
+                            <p:childTnLst>
+                              <p:par>
+                                <p:cTn id="8" presetID="1" presetClass="entr" presetSubtype="0" fill="hold" nodeType="afterEffect">
+                                  <p:stCondLst>
+                                    <p:cond delay="0"/>
+                                  </p:stCondLst>
+                                  <p:childTnLst>
+                                    <p:set>
+                                      <p:cBhvr>
+                                        <p:cTn id="9" dur="1" fill="hold">
+                                          <p:stCondLst>
+                                            <p:cond delay="0"/>
+                                          </p:stCondLst>
+                                        </p:cTn>
+                                        <p:tgtEl>
+                                          <p:spTgt spid="4">
+                                            <p:txEl>
+                                              <p:pRg st="2" end="2"/>
+                                            </p:txEl>
+                                          </p:spTgt>
+                                        </p:tgtEl>
+                                        <p:attrNameLst>
+                                          <p:attrName>style.visibility</p:attrName>
+                                        </p:attrNameLst>
+                                      </p:cBhvr>
+                                      <p:to>
+                                        <p:strVal val="visible"/>
+                                      </p:to>
+                                    </p:set>
+                                  </p:childTnLst>
+                                </p:cTn>
+                              </p:par>
+                            </p:childTnLst>
+                          </p:cTn>
+                        </p:par>
+                        <p:par>
+                          <p:cTn id="10" fill="hold">
+                            <p:stCondLst>
+                              <p:cond delay="0"/>
+                            </p:stCondLst>
+                            <p:childTnLst>
+                              <p:par>
+                                <p:cTn id="11" presetID="1" presetClass="entr" presetSubtype="0" fill="hold" nodeType="afterEffect">
+                                  <p:stCondLst>
+                                    <p:cond delay="0"/>
+                                  </p:stCondLst>
+                                  <p:childTnLst>
+                                    <p:set>
+                                      <p:cBhvr>
+                                        <p:cTn id="12" dur="1" fill="hold">
+                                          <p:stCondLst>
+                                            <p:cond delay="0"/>
+                                          </p:stCondLst>
+                                        </p:cTn>
+                                        <p:tgtEl>
+                                          <p:spTgt spid="4">
+                                            <p:txEl>
+                                              <p:pRg st="3" end="3"/>
+                                            </p:txEl>
+                                          </p:spTgt>
+                                        </p:tgtEl>
+                                        <p:attrNameLst>
+                                          <p:attrName>style.visibility</p:attrName>
+                                        </p:attrNameLst>
+                                      </p:cBhvr>
+                                      <p:to>
+                                        <p:strVal val="visible"/>
+                                      </p:to>
+                                    </p:set>
+                                  </p:childTnLst>
+                                </p:cTn>
+                              </p:par>
+                            </p:childTnLst>
+                          </p:cTn>
+                        </p:par>
+                        <p:par>
+                          <p:cTn id="13" fill="hold">
+                            <p:stCondLst>
+                              <p:cond delay="0"/>
+                            </p:stCondLst>
+                            <p:childTnLst>
+                              <p:par>
+                                <p:cTn id="14" presetID="1" presetClass="entr" presetSubtype="0" fill="hold" nodeType="afterEffect">
+                                  <p:stCondLst>
+                                    <p:cond delay="0"/>
+                                  </p:stCondLst>
+                                  <p:childTnLst>
+                                    <p:set>
+                                      <p:cBhvr>
+                                        <p:cTn id="15" dur="1" fill="hold">
+                                          <p:stCondLst>
+                                            <p:cond delay="0"/>
+                                          </p:stCondLst>
+                                        </p:cTn>
+                                        <p:tgtEl>
+                                          <p:spTgt spid="4">
+                                            <p:txEl>
+                                              <p:pRg st="4" end="4"/>
+                                            </p:txEl>
+                                          </p:spTgt>
+                                        </p:tgtEl>
+                                        <p:attrNameLst>
+                                          <p:attrName>style.visibility</p:attrName>
+                                        </p:attrNameLst>
+                                      </p:cBhvr>
+                                      <p:to>
+                                        <p:strVal val="visible"/>
+                                      </p:to>
+                                    </p:set>
+                                  </p:childTnLst>
+                                </p:cTn>
+                              </p:par>
+                            </p:childTnLst>
+                          </p:cTn>
+                        </p:par>
+                        <p:par>
+                          <p:cTn id="16" fill="hold">
+                            <p:stCondLst>
+                              <p:cond delay="0"/>
+                            </p:stCondLst>
+                            <p:childTnLst>
+                              <p:par>
+                                <p:cTn id="17" presetID="1" presetClass="entr" presetSubtype="0" fill="hold" nodeType="afterEffect">
+                                  <p:stCondLst>
+                                    <p:cond delay="0"/>
+                                  </p:stCondLst>
+                                  <p:childTnLst>
+                                    <p:set>
+                                      <p:cBhvr>
+                                        <p:cTn id="18" dur="1" fill="hold">
+                                          <p:stCondLst>
+                                            <p:cond delay="0"/>
+                                          </p:stCondLst>
+                                        </p:cTn>
+                                        <p:tgtEl>
+                                          <p:spTgt spid="4">
+                                            <p:txEl>
+                                              <p:pRg st="5" end="5"/>
+                                            </p:txEl>
+                                          </p:spTgt>
+                                        </p:tgtEl>
+                                        <p:attrNameLst>
+                                          <p:attrName>style.visibility</p:attrName>
+                                        </p:attrNameLst>
+                                      </p:cBhvr>
+                                      <p:to>
+                                        <p:strVal val="visible"/>
+                                      </p:to>
+                                    </p:set>
+                                  </p:childTnLst>
+                                </p:cTn>
+                              </p:par>
+                            </p:childTnLst>
+                          </p:cTn>
+                        </p:par>
+                      </p:childTnLst>
+                    </p:cTn>
+                  </p:par>
+                </p:childTnLst>
+              </p:cTn>
+              <p:prevCondLst>
+                <p:cond evt="onPrev" delay="0">
+                  <p:tgtEl>
+                    <p:sldTgt/>
+                  </p:tgtEl>
+                </p:cond>
+              </p:prevCondLst>
+              <p:nextCondLst>
+                <p:cond evt="onNext" delay="0">
+                  <p:tgtEl>
+                    <p:sldTgt/>
+                  </p:tgtEl>
+                </p:cond>
+              </p:nextCondLst>
+            </p:seq>
+          </p:childTnLst>
+        </p:cTn>
+      </p:par>
+    </p:tnLst>
+  </p:timing>
+</p:sld>
+</file>
+
+<file path=ppt/slides/slide38.xml><?xml version="1.0" encoding="utf-8"?>
+<p:sld xmlns:a="http://schemas.openxmlformats.org/drawingml/2006/main" xmlns:r="http://schemas.openxmlformats.org/officeDocument/2006/relationships" xmlns:p="http://schemas.openxmlformats.org/presentationml/2006/main">
+  <p:cSld>
+    <p:spTree>
+      <p:nvGrpSpPr>
+        <p:cNvPr id="1" name=""/>
+        <p:cNvGrpSpPr/>
+        <p:nvPr/>
+      </p:nvGrpSpPr>
+      <p:grpSpPr>
+        <a:xfrm>
+          <a:off x="0" y="0"/>
+          <a:ext cx="0" cy="0"/>
+          <a:chOff x="0" y="0"/>
+          <a:chExt cx="0" cy="0"/>
+        </a:xfrm>
+      </p:grpSpPr>
+      <p:sp>
+        <p:nvSpPr>
+          <p:cNvPr id="2" name="Title 1">
+            <a:extLst>
+              <a:ext uri="{FF2B5EF4-FFF2-40B4-BE49-F238E27FC236}">
+                <a16:creationId xmlns:a16="http://schemas.microsoft.com/office/drawing/2014/main" id="{10F4E231-64E8-F949-BCDA-7295645BC91E}"/>
+              </a:ext>
+            </a:extLst>
+          </p:cNvPr>
+          <p:cNvSpPr>
+            <a:spLocks noGrp="1"/>
+          </p:cNvSpPr>
+          <p:nvPr>
+            <p:ph type="title"/>
+          </p:nvPr>
+        </p:nvSpPr>
+        <p:spPr/>
+        <p:txBody>
+          <a:bodyPr/>
+          <a:lstStyle/>
+          <a:p>
+            <a:r>
+              <a:rPr lang="en-US" dirty="0"/>
+              <a:t>Tooling</a:t>
+            </a:r>
+          </a:p>
+        </p:txBody>
+      </p:sp>
+      <p:sp>
+        <p:nvSpPr>
+          <p:cNvPr id="3" name="Text Placeholder 2">
+            <a:extLst>
+              <a:ext uri="{FF2B5EF4-FFF2-40B4-BE49-F238E27FC236}">
+                <a16:creationId xmlns:a16="http://schemas.microsoft.com/office/drawing/2014/main" id="{632E5EDA-A343-5646-B1CE-26239276E194}"/>
+              </a:ext>
+            </a:extLst>
+          </p:cNvPr>
+          <p:cNvSpPr>
+            <a:spLocks noGrp="1"/>
+          </p:cNvSpPr>
+          <p:nvPr>
+            <p:ph type="body" idx="1"/>
+          </p:nvPr>
+        </p:nvSpPr>
+        <p:spPr/>
+        <p:txBody>
+          <a:bodyPr/>
+          <a:lstStyle/>
+          <a:p>
+            <a:r>
+              <a:rPr lang="en-US" dirty="0"/>
+              <a:t>All I see is nails…</a:t>
+            </a:r>
+          </a:p>
+        </p:txBody>
+      </p:sp>
+    </p:spTree>
+    <p:extLst>
+      <p:ext uri="{BB962C8B-B14F-4D97-AF65-F5344CB8AC3E}">
+        <p14:creationId xmlns:p14="http://schemas.microsoft.com/office/powerpoint/2010/main" val="3233494081"/>
+      </p:ext>
+    </p:extLst>
+  </p:cSld>
+  <p:clrMapOvr>
+    <a:masterClrMapping/>
+  </p:clrMapOvr>
+</p:sld>
+</file>
+
+<file path=ppt/slides/slide39.xml><?xml version="1.0" encoding="utf-8"?>
+<p:sld xmlns:a="http://schemas.openxmlformats.org/drawingml/2006/main" xmlns:r="http://schemas.openxmlformats.org/officeDocument/2006/relationships" xmlns:p="http://schemas.openxmlformats.org/presentationml/2006/main">
+  <p:cSld>
+    <p:spTree>
+      <p:nvGrpSpPr>
+        <p:cNvPr id="1" name=""/>
+        <p:cNvGrpSpPr/>
+        <p:nvPr/>
+      </p:nvGrpSpPr>
+      <p:grpSpPr>
+        <a:xfrm>
+          <a:off x="0" y="0"/>
+          <a:ext cx="0" cy="0"/>
+          <a:chOff x="0" y="0"/>
+          <a:chExt cx="0" cy="0"/>
+        </a:xfrm>
+      </p:grpSpPr>
+      <p:sp>
+        <p:nvSpPr>
+          <p:cNvPr id="2" name="Title 1">
+            <a:extLst>
+              <a:ext uri="{FF2B5EF4-FFF2-40B4-BE49-F238E27FC236}">
+                <a16:creationId xmlns:a16="http://schemas.microsoft.com/office/drawing/2014/main" id="{DD15FB73-6050-FE43-9AA4-0455E1523DD3}"/>
+              </a:ext>
+            </a:extLst>
+          </p:cNvPr>
+          <p:cNvSpPr>
+            <a:spLocks noGrp="1"/>
+          </p:cNvSpPr>
+          <p:nvPr>
+            <p:ph type="title"/>
+          </p:nvPr>
+        </p:nvSpPr>
+        <p:spPr/>
+        <p:txBody>
+          <a:bodyPr/>
+          <a:lstStyle/>
+          <a:p>
+            <a:r>
+              <a:rPr lang="en-US" dirty="0"/>
+              <a:t>Tooling</a:t>
+            </a:r>
+          </a:p>
+        </p:txBody>
+      </p:sp>
+      <p:sp>
+        <p:nvSpPr>
+          <p:cNvPr id="3" name="Content Placeholder 2">
+            <a:extLst>
+              <a:ext uri="{FF2B5EF4-FFF2-40B4-BE49-F238E27FC236}">
+                <a16:creationId xmlns:a16="http://schemas.microsoft.com/office/drawing/2014/main" id="{8B3A1929-50CC-724F-B314-500B401D6B27}"/>
+              </a:ext>
+            </a:extLst>
+          </p:cNvPr>
+          <p:cNvSpPr>
+            <a:spLocks noGrp="1"/>
+          </p:cNvSpPr>
+          <p:nvPr>
+            <p:ph idx="1"/>
+          </p:nvPr>
+        </p:nvSpPr>
+        <p:spPr/>
+        <p:txBody>
+          <a:bodyPr/>
+          <a:lstStyle/>
+          <a:p>
+            <a:pPr marL="0" indent="0">
+              <a:buNone/>
+            </a:pPr>
+            <a:r>
+              <a:rPr lang="en-US" sz="2800" dirty="0"/>
+              <a:t>Enhancements in a nutshell:</a:t>
+            </a:r>
+          </a:p>
+          <a:p>
+            <a:r>
+              <a:rPr lang="en-US" dirty="0"/>
+              <a:t>Module system</a:t>
+            </a:r>
+          </a:p>
+          <a:p>
+            <a:pPr lvl="1"/>
+            <a:r>
+              <a:rPr lang="en-US" dirty="0" err="1">
+                <a:latin typeface="Andale Mono" panose="020B0509000000000004" pitchFamily="49" charset="0"/>
+              </a:rPr>
+              <a:t>jlink</a:t>
+            </a:r>
+            <a:endParaRPr lang="en-US" dirty="0"/>
+          </a:p>
+          <a:p>
+            <a:r>
+              <a:rPr lang="en-US" dirty="0"/>
+              <a:t>Javadoc</a:t>
+            </a:r>
+          </a:p>
+          <a:p>
+            <a:r>
+              <a:rPr lang="en-US" dirty="0" err="1"/>
+              <a:t>JShell</a:t>
+            </a:r>
+            <a:endParaRPr lang="en-US" dirty="0"/>
+          </a:p>
+          <a:p>
+            <a:r>
+              <a:rPr lang="en-US" dirty="0"/>
+              <a:t>Ahead-of-time compilation (</a:t>
+            </a:r>
+            <a:r>
+              <a:rPr lang="en-US" dirty="0" err="1"/>
+              <a:t>GraalVM</a:t>
+            </a:r>
+            <a:r>
+              <a:rPr lang="en-US" dirty="0"/>
+              <a:t>)</a:t>
+            </a:r>
+          </a:p>
+          <a:p>
+            <a:r>
+              <a:rPr lang="en-US" dirty="0"/>
+              <a:t>Shell scripts</a:t>
+            </a:r>
+          </a:p>
+          <a:p>
+            <a:r>
+              <a:rPr lang="en-US" dirty="0"/>
+              <a:t>Flight Recorder</a:t>
+            </a:r>
+          </a:p>
+        </p:txBody>
+      </p:sp>
+    </p:spTree>
+    <p:extLst>
+      <p:ext uri="{BB962C8B-B14F-4D97-AF65-F5344CB8AC3E}">
+        <p14:creationId xmlns:p14="http://schemas.microsoft.com/office/powerpoint/2010/main" val="3959425166"/>
+      </p:ext>
+    </p:extLst>
+  </p:cSld>
+  <p:clrMapOvr>
+    <a:masterClrMapping/>
+  </p:clrMapOvr>
+</p:sld>
+</file>
+
+<file path=ppt/slides/slide4.xml><?xml version="1.0" encoding="utf-8"?>
+<p:sld xmlns:a="http://schemas.openxmlformats.org/drawingml/2006/main" xmlns:r="http://schemas.openxmlformats.org/officeDocument/2006/relationships" xmlns:p="http://schemas.openxmlformats.org/presentationml/2006/main">
+  <p:cSld>
+    <p:spTree>
+      <p:nvGrpSpPr>
+        <p:cNvPr id="1" name=""/>
+        <p:cNvGrpSpPr/>
+        <p:nvPr/>
+      </p:nvGrpSpPr>
+      <p:grpSpPr>
+        <a:xfrm>
+          <a:off x="0" y="0"/>
+          <a:ext cx="0" cy="0"/>
+          <a:chOff x="0" y="0"/>
+          <a:chExt cx="0" cy="0"/>
+        </a:xfrm>
+      </p:grpSpPr>
+      <p:sp>
+        <p:nvSpPr>
+          <p:cNvPr id="2" name="Title 1">
+            <a:extLst>
+              <a:ext uri="{FF2B5EF4-FFF2-40B4-BE49-F238E27FC236}">
+                <a16:creationId xmlns:a16="http://schemas.microsoft.com/office/drawing/2014/main" id="{935E847A-DEE9-0A41-818F-097164892593}"/>
+              </a:ext>
+            </a:extLst>
+          </p:cNvPr>
+          <p:cNvSpPr>
+            <a:spLocks noGrp="1"/>
+          </p:cNvSpPr>
+          <p:nvPr>
+            <p:ph type="title"/>
+          </p:nvPr>
+        </p:nvSpPr>
+        <p:spPr/>
+        <p:txBody>
+          <a:bodyPr/>
+          <a:lstStyle/>
+          <a:p>
+            <a:r>
+              <a:rPr lang="en-US" dirty="0"/>
+              <a:t>Intro</a:t>
+            </a:r>
+          </a:p>
+        </p:txBody>
+      </p:sp>
+      <p:sp>
+        <p:nvSpPr>
+          <p:cNvPr id="3" name="Content Placeholder 2">
+            <a:extLst>
+              <a:ext uri="{FF2B5EF4-FFF2-40B4-BE49-F238E27FC236}">
+                <a16:creationId xmlns:a16="http://schemas.microsoft.com/office/drawing/2014/main" id="{802C7D51-D68F-564E-9BD9-873BE177B23C}"/>
+              </a:ext>
+            </a:extLst>
+          </p:cNvPr>
+          <p:cNvSpPr>
+            <a:spLocks noGrp="1"/>
+          </p:cNvSpPr>
+          <p:nvPr>
+            <p:ph idx="1"/>
+          </p:nvPr>
+        </p:nvSpPr>
+        <p:spPr/>
+        <p:txBody>
+          <a:bodyPr/>
+          <a:lstStyle/>
+          <a:p>
+            <a:r>
+              <a:rPr lang="en-US" dirty="0"/>
+              <a:t>Language</a:t>
+            </a:r>
+          </a:p>
+          <a:p>
+            <a:r>
+              <a:rPr lang="en-US" dirty="0"/>
+              <a:t>JDK</a:t>
+            </a:r>
+          </a:p>
+          <a:p>
+            <a:r>
+              <a:rPr lang="en-US" dirty="0"/>
+              <a:t>Tooling</a:t>
+            </a:r>
+          </a:p>
+          <a:p>
+            <a:r>
+              <a:rPr lang="en-US" dirty="0"/>
+              <a:t>Runtime</a:t>
+            </a:r>
+          </a:p>
+        </p:txBody>
+      </p:sp>
+    </p:spTree>
+    <p:extLst>
+      <p:ext uri="{BB962C8B-B14F-4D97-AF65-F5344CB8AC3E}">
+        <p14:creationId xmlns:p14="http://schemas.microsoft.com/office/powerpoint/2010/main" val="1513023563"/>
+      </p:ext>
+    </p:extLst>
+  </p:cSld>
+  <p:clrMapOvr>
+    <a:masterClrMapping/>
+  </p:clrMapOvr>
+</p:sld>
+</file>
+
+<file path=ppt/slides/slide40.xml><?xml version="1.0" encoding="utf-8"?>
+<p:sld xmlns:a="http://schemas.openxmlformats.org/drawingml/2006/main" xmlns:r="http://schemas.openxmlformats.org/officeDocument/2006/relationships" xmlns:p="http://schemas.openxmlformats.org/presentationml/2006/main">
+  <p:cSld>
+    <p:spTree>
+      <p:nvGrpSpPr>
+        <p:cNvPr id="1" name=""/>
+        <p:cNvGrpSpPr/>
+        <p:nvPr/>
+      </p:nvGrpSpPr>
+      <p:grpSpPr>
+        <a:xfrm>
+          <a:off x="0" y="0"/>
+          <a:ext cx="0" cy="0"/>
+          <a:chOff x="0" y="0"/>
+          <a:chExt cx="0" cy="0"/>
+        </a:xfrm>
+      </p:grpSpPr>
+      <p:sp>
+        <p:nvSpPr>
+          <p:cNvPr id="2" name="Title 1">
+            <a:extLst>
+              <a:ext uri="{FF2B5EF4-FFF2-40B4-BE49-F238E27FC236}">
+                <a16:creationId xmlns:a16="http://schemas.microsoft.com/office/drawing/2014/main" id="{FB11D81C-3FE5-3C41-B3F1-01D1C3DA1F39}"/>
+              </a:ext>
+            </a:extLst>
+          </p:cNvPr>
+          <p:cNvSpPr>
+            <a:spLocks noGrp="1"/>
+          </p:cNvSpPr>
+          <p:nvPr>
+            <p:ph type="title"/>
+          </p:nvPr>
+        </p:nvSpPr>
+        <p:spPr/>
+        <p:txBody>
+          <a:bodyPr/>
+          <a:lstStyle/>
+          <a:p>
+            <a:r>
+              <a:rPr lang="en-US" dirty="0"/>
+              <a:t>Runtime</a:t>
+            </a:r>
+          </a:p>
+        </p:txBody>
+      </p:sp>
+      <p:sp>
+        <p:nvSpPr>
+          <p:cNvPr id="3" name="Text Placeholder 2">
+            <a:extLst>
+              <a:ext uri="{FF2B5EF4-FFF2-40B4-BE49-F238E27FC236}">
+                <a16:creationId xmlns:a16="http://schemas.microsoft.com/office/drawing/2014/main" id="{42F2DCA3-26EB-F641-8110-D750BECFE0EE}"/>
+              </a:ext>
+            </a:extLst>
+          </p:cNvPr>
+          <p:cNvSpPr>
+            <a:spLocks noGrp="1"/>
+          </p:cNvSpPr>
+          <p:nvPr>
+            <p:ph type="body" idx="1"/>
+          </p:nvPr>
+        </p:nvSpPr>
+        <p:spPr/>
+        <p:txBody>
+          <a:bodyPr/>
+          <a:lstStyle/>
+          <a:p>
+            <a:r>
+              <a:rPr lang="en-US" dirty="0"/>
+              <a:t>Is anyone even reading these?</a:t>
+            </a:r>
+          </a:p>
+        </p:txBody>
+      </p:sp>
+    </p:spTree>
+    <p:extLst>
+      <p:ext uri="{BB962C8B-B14F-4D97-AF65-F5344CB8AC3E}">
+        <p14:creationId xmlns:p14="http://schemas.microsoft.com/office/powerpoint/2010/main" val="1788726277"/>
+      </p:ext>
+    </p:extLst>
+  </p:cSld>
+  <p:clrMapOvr>
+    <a:masterClrMapping/>
+  </p:clrMapOvr>
+</p:sld>
+</file>
+
+<file path=ppt/slides/slide41.xml><?xml version="1.0" encoding="utf-8"?>
+<p:sld xmlns:a="http://schemas.openxmlformats.org/drawingml/2006/main" xmlns:r="http://schemas.openxmlformats.org/officeDocument/2006/relationships" xmlns:p="http://schemas.openxmlformats.org/presentationml/2006/main">
+  <p:cSld>
+    <p:spTree>
+      <p:nvGrpSpPr>
+        <p:cNvPr id="1" name=""/>
+        <p:cNvGrpSpPr/>
+        <p:nvPr/>
+      </p:nvGrpSpPr>
+      <p:grpSpPr>
+        <a:xfrm>
+          <a:off x="0" y="0"/>
+          <a:ext cx="0" cy="0"/>
+          <a:chOff x="0" y="0"/>
+          <a:chExt cx="0" cy="0"/>
+        </a:xfrm>
+      </p:grpSpPr>
+      <p:sp>
+        <p:nvSpPr>
+          <p:cNvPr id="2" name="Title 1">
+            <a:extLst>
+              <a:ext uri="{FF2B5EF4-FFF2-40B4-BE49-F238E27FC236}">
+                <a16:creationId xmlns:a16="http://schemas.microsoft.com/office/drawing/2014/main" id="{0194040D-946A-E84E-868E-57A90F7BC7EE}"/>
+              </a:ext>
+            </a:extLst>
+          </p:cNvPr>
+          <p:cNvSpPr>
+            <a:spLocks noGrp="1"/>
+          </p:cNvSpPr>
+          <p:nvPr>
+            <p:ph type="title"/>
+          </p:nvPr>
+        </p:nvSpPr>
+        <p:spPr/>
+        <p:txBody>
+          <a:bodyPr/>
+          <a:lstStyle/>
+          <a:p>
+            <a:r>
+              <a:rPr lang="en-US" dirty="0"/>
+              <a:t>Runtime</a:t>
+            </a:r>
+          </a:p>
+        </p:txBody>
+      </p:sp>
+      <p:sp>
+        <p:nvSpPr>
+          <p:cNvPr id="3" name="Content Placeholder 2">
+            <a:extLst>
+              <a:ext uri="{FF2B5EF4-FFF2-40B4-BE49-F238E27FC236}">
+                <a16:creationId xmlns:a16="http://schemas.microsoft.com/office/drawing/2014/main" id="{94E8E5AC-DA84-D048-81B0-80C872394362}"/>
+              </a:ext>
+            </a:extLst>
+          </p:cNvPr>
+          <p:cNvSpPr>
+            <a:spLocks noGrp="1"/>
+          </p:cNvSpPr>
+          <p:nvPr>
+            <p:ph idx="1"/>
+          </p:nvPr>
+        </p:nvSpPr>
+        <p:spPr/>
+        <p:txBody>
+          <a:bodyPr/>
+          <a:lstStyle/>
+          <a:p>
+            <a:pPr marL="0" indent="0">
+              <a:buNone/>
+            </a:pPr>
+            <a:r>
+              <a:rPr lang="en-US" sz="2800" dirty="0"/>
+              <a:t>Enhancements in a nutshell:</a:t>
+            </a:r>
+          </a:p>
+          <a:p>
+            <a:r>
+              <a:rPr lang="en-US" dirty="0"/>
+              <a:t>Module system</a:t>
+            </a:r>
+          </a:p>
+          <a:p>
+            <a:r>
+              <a:rPr lang="en-US" dirty="0"/>
+              <a:t>Performance improvements</a:t>
+            </a:r>
+          </a:p>
+          <a:p>
+            <a:pPr lvl="1"/>
+            <a:r>
+              <a:rPr lang="en-US" dirty="0"/>
+              <a:t>Garbage collection</a:t>
+            </a:r>
+          </a:p>
+          <a:p>
+            <a:pPr lvl="1"/>
+            <a:r>
+              <a:rPr lang="en-US" dirty="0"/>
+              <a:t>Thread management</a:t>
+            </a:r>
+          </a:p>
+          <a:p>
+            <a:r>
+              <a:rPr lang="en-US" dirty="0"/>
+              <a:t>Unicode</a:t>
+            </a:r>
+          </a:p>
+          <a:p>
+            <a:r>
+              <a:rPr lang="en-US" dirty="0"/>
+              <a:t>Hidden classes</a:t>
+            </a:r>
+          </a:p>
+          <a:p>
+            <a:endParaRPr lang="en-US" dirty="0"/>
+          </a:p>
+        </p:txBody>
+      </p:sp>
+    </p:spTree>
+    <p:extLst>
+      <p:ext uri="{BB962C8B-B14F-4D97-AF65-F5344CB8AC3E}">
+        <p14:creationId xmlns:p14="http://schemas.microsoft.com/office/powerpoint/2010/main" val="1715626812"/>
+      </p:ext>
+    </p:extLst>
+  </p:cSld>
+  <p:clrMapOvr>
+    <a:masterClrMapping/>
+  </p:clrMapOvr>
+</p:sld>
+</file>
+
+<file path=ppt/slides/slide42.xml><?xml version="1.0" encoding="utf-8"?>
+<p:sld xmlns:a="http://schemas.openxmlformats.org/drawingml/2006/main" xmlns:r="http://schemas.openxmlformats.org/officeDocument/2006/relationships" xmlns:p="http://schemas.openxmlformats.org/presentationml/2006/main">
+  <p:cSld>
+    <p:spTree>
+      <p:nvGrpSpPr>
+        <p:cNvPr id="1" name=""/>
+        <p:cNvGrpSpPr/>
+        <p:nvPr/>
+      </p:nvGrpSpPr>
+      <p:grpSpPr>
+        <a:xfrm>
+          <a:off x="0" y="0"/>
+          <a:ext cx="0" cy="0"/>
+          <a:chOff x="0" y="0"/>
+          <a:chExt cx="0" cy="0"/>
+        </a:xfrm>
+      </p:grpSpPr>
+      <p:sp>
+        <p:nvSpPr>
+          <p:cNvPr id="2" name="Title 1">
+            <a:extLst>
+              <a:ext uri="{FF2B5EF4-FFF2-40B4-BE49-F238E27FC236}">
                 <a16:creationId xmlns:a16="http://schemas.microsoft.com/office/drawing/2014/main" id="{91505F70-37E3-2140-A2FE-EFB1A6910BF1}"/>
               </a:ext>
             </a:extLst>
@@ -14819,7 +20360,7 @@
 </p:sld>
 </file>
 
-<file path=ppt/slides/slide32.xml><?xml version="1.0" encoding="utf-8"?>
+<file path=ppt/slides/slide43.xml><?xml version="1.0" encoding="utf-8"?>
 <p:sld xmlns:a="http://schemas.openxmlformats.org/drawingml/2006/main" xmlns:r="http://schemas.openxmlformats.org/officeDocument/2006/relationships" xmlns:p="http://schemas.openxmlformats.org/presentationml/2006/main">
   <p:cSld>
     <p:spTree>
@@ -15055,7 +20596,7 @@
 </p:sld>
 </file>
 
-<file path=ppt/slides/slide33.xml><?xml version="1.0" encoding="utf-8"?>
+<file path=ppt/slides/slide44.xml><?xml version="1.0" encoding="utf-8"?>
 <p:sld xmlns:a="http://schemas.openxmlformats.org/drawingml/2006/main" xmlns:r="http://schemas.openxmlformats.org/officeDocument/2006/relationships" xmlns:p="http://schemas.openxmlformats.org/presentationml/2006/main">
   <p:cSld>
     <p:spTree>
@@ -15160,13 +20701,13 @@
   <p:clrMapOvr>
     <a:masterClrMapping/>
   </p:clrMapOvr>
-  <mc:AlternateContent xmlns:mc="http://schemas.openxmlformats.org/markup-compatibility/2006">
-    <mc:Choice xmlns:p159="http://schemas.microsoft.com/office/powerpoint/2015/09/main" Requires="p159">
+  <mc:AlternateContent xmlns:mc="http://schemas.openxmlformats.org/markup-compatibility/2006" xmlns:p159="http://schemas.microsoft.com/office/powerpoint/2015/09/main">
+    <mc:Choice Requires="p159">
       <p:transition spd="slow">
         <p159:morph option="byObject"/>
       </p:transition>
     </mc:Choice>
-    <mc:Fallback>
+    <mc:Fallback xmlns="">
       <p:transition spd="slow">
         <p:fade/>
       </p:transition>
@@ -15620,7 +21161,7 @@
 </p:sld>
 </file>
 
-<file path=ppt/slides/slide34.xml><?xml version="1.0" encoding="utf-8"?>
+<file path=ppt/slides/slide45.xml><?xml version="1.0" encoding="utf-8"?>
 <p:sld xmlns:a="http://schemas.openxmlformats.org/drawingml/2006/main" xmlns:r="http://schemas.openxmlformats.org/officeDocument/2006/relationships" xmlns:p="http://schemas.openxmlformats.org/presentationml/2006/main">
   <p:cSld>
     <p:spTree>
@@ -15765,110 +21306,6 @@
 </p:sld>
 </file>
 
-<file path=ppt/slides/slide4.xml><?xml version="1.0" encoding="utf-8"?>
-<p:sld xmlns:a="http://schemas.openxmlformats.org/drawingml/2006/main" xmlns:r="http://schemas.openxmlformats.org/officeDocument/2006/relationships" xmlns:p="http://schemas.openxmlformats.org/presentationml/2006/main">
-  <p:cSld>
-    <p:spTree>
-      <p:nvGrpSpPr>
-        <p:cNvPr id="1" name=""/>
-        <p:cNvGrpSpPr/>
-        <p:nvPr/>
-      </p:nvGrpSpPr>
-      <p:grpSpPr>
-        <a:xfrm>
-          <a:off x="0" y="0"/>
-          <a:ext cx="0" cy="0"/>
-          <a:chOff x="0" y="0"/>
-          <a:chExt cx="0" cy="0"/>
-        </a:xfrm>
-      </p:grpSpPr>
-      <p:sp>
-        <p:nvSpPr>
-          <p:cNvPr id="2" name="Title 1">
-            <a:extLst>
-              <a:ext uri="{FF2B5EF4-FFF2-40B4-BE49-F238E27FC236}">
-                <a16:creationId xmlns:a16="http://schemas.microsoft.com/office/drawing/2014/main" id="{935E847A-DEE9-0A41-818F-097164892593}"/>
-              </a:ext>
-            </a:extLst>
-          </p:cNvPr>
-          <p:cNvSpPr>
-            <a:spLocks noGrp="1"/>
-          </p:cNvSpPr>
-          <p:nvPr>
-            <p:ph type="title"/>
-          </p:nvPr>
-        </p:nvSpPr>
-        <p:spPr/>
-        <p:txBody>
-          <a:bodyPr/>
-          <a:lstStyle/>
-          <a:p>
-            <a:r>
-              <a:rPr lang="en-US" dirty="0"/>
-              <a:t>Intro</a:t>
-            </a:r>
-          </a:p>
-        </p:txBody>
-      </p:sp>
-      <p:sp>
-        <p:nvSpPr>
-          <p:cNvPr id="3" name="Content Placeholder 2">
-            <a:extLst>
-              <a:ext uri="{FF2B5EF4-FFF2-40B4-BE49-F238E27FC236}">
-                <a16:creationId xmlns:a16="http://schemas.microsoft.com/office/drawing/2014/main" id="{802C7D51-D68F-564E-9BD9-873BE177B23C}"/>
-              </a:ext>
-            </a:extLst>
-          </p:cNvPr>
-          <p:cNvSpPr>
-            <a:spLocks noGrp="1"/>
-          </p:cNvSpPr>
-          <p:nvPr>
-            <p:ph idx="1"/>
-          </p:nvPr>
-        </p:nvSpPr>
-        <p:spPr/>
-        <p:txBody>
-          <a:bodyPr/>
-          <a:lstStyle/>
-          <a:p>
-            <a:r>
-              <a:rPr lang="en-US" dirty="0"/>
-              <a:t>Language</a:t>
-            </a:r>
-          </a:p>
-          <a:p>
-            <a:r>
-              <a:rPr lang="en-US" dirty="0"/>
-              <a:t>JDK</a:t>
-            </a:r>
-          </a:p>
-          <a:p>
-            <a:r>
-              <a:rPr lang="en-US" dirty="0"/>
-              <a:t>Tooling</a:t>
-            </a:r>
-          </a:p>
-          <a:p>
-            <a:r>
-              <a:rPr lang="en-US" dirty="0"/>
-              <a:t>Runtime</a:t>
-            </a:r>
-          </a:p>
-        </p:txBody>
-      </p:sp>
-    </p:spTree>
-    <p:extLst>
-      <p:ext uri="{BB962C8B-B14F-4D97-AF65-F5344CB8AC3E}">
-        <p14:creationId xmlns:p14="http://schemas.microsoft.com/office/powerpoint/2010/main" val="1513023563"/>
-      </p:ext>
-    </p:extLst>
-  </p:cSld>
-  <p:clrMapOvr>
-    <a:masterClrMapping/>
-  </p:clrMapOvr>
-</p:sld>
-</file>
-
 <file path=ppt/slides/slide5.xml><?xml version="1.0" encoding="utf-8"?>
 <p:sld xmlns:a="http://schemas.openxmlformats.org/drawingml/2006/main" xmlns:r="http://schemas.openxmlformats.org/officeDocument/2006/relationships" xmlns:p="http://schemas.openxmlformats.org/presentationml/2006/main">
   <p:cSld>
@@ -16289,7 +21726,7 @@
             </a:pPr>
             <a:r>
               <a:rPr lang="en-US" sz="2000" dirty="0"/>
-              <a:t>New manifest file to declare</a:t>
+              <a:t>New manifest file to declare:</a:t>
             </a:r>
           </a:p>
           <a:p>
